--- a/Documentos/ControlTransmisionesV1.0.pptx
+++ b/Documentos/ControlTransmisionesV1.0.pptx
@@ -1226,7 +1226,6 @@
           <c:dLbls>
             <c:dLbl>
               <c:idx val="0"/>
-              <c:layout/>
               <c:tx>
                 <c:rich>
                   <a:bodyPr wrap="square" lIns="38100" tIns="19050" rIns="38100" bIns="19050" anchor="ctr">
@@ -1258,9 +1257,7 @@
               <c:showPercent val="0"/>
               <c:showBubbleSize val="0"/>
               <c:extLst>
-                <c:ext xmlns:c15="http://schemas.microsoft.com/office/drawing/2012/chart" uri="{CE6537A1-D6FC-4f65-9D91-7224C49458BB}">
-                  <c15:layout/>
-                </c:ext>
+                <c:ext xmlns:c15="http://schemas.microsoft.com/office/drawing/2012/chart" uri="{CE6537A1-D6FC-4f65-9D91-7224C49458BB}"/>
               </c:extLst>
             </c:dLbl>
             <c:dLbl>
@@ -1293,7 +1290,6 @@
             </c:dLbl>
             <c:dLbl>
               <c:idx val="3"/>
-              <c:layout/>
               <c:tx>
                 <c:rich>
                   <a:bodyPr wrap="square" lIns="38100" tIns="19050" rIns="38100" bIns="19050" anchor="ctr">
@@ -1335,7 +1331,6 @@
                       <a:avLst/>
                     </a:prstGeom>
                   </c15:spPr>
-                  <c15:layout/>
                   <c15:dlblFieldTable/>
                   <c15:showDataLabelsRange val="0"/>
                 </c:ext>
@@ -1356,9 +1351,7 @@
             <c:showBubbleSize val="0"/>
             <c:showLeaderLines val="1"/>
             <c:extLst>
-              <c:ext xmlns:c15="http://schemas.microsoft.com/office/drawing/2012/chart" uri="{CE6537A1-D6FC-4f65-9D91-7224C49458BB}">
-                <c15:layout/>
-              </c:ext>
+              <c:ext xmlns:c15="http://schemas.microsoft.com/office/drawing/2012/chart" uri="{CE6537A1-D6FC-4f65-9D91-7224C49458BB}"/>
             </c:extLst>
           </c:dLbls>
           <c:cat>
@@ -1562,7 +1555,6 @@
           <c:dLbls>
             <c:dLbl>
               <c:idx val="0"/>
-              <c:layout/>
               <c:tx>
                 <c:rich>
                   <a:bodyPr lIns="0" tIns="0" rIns="0" bIns="0"/>
@@ -1615,7 +1607,6 @@
                       <a:avLst/>
                     </a:prstGeom>
                   </c15:spPr>
-                  <c15:layout/>
                 </c:ext>
               </c:extLst>
             </c:dLbl>
@@ -1935,7 +1926,6 @@
           <c:dLbls>
             <c:dLbl>
               <c:idx val="0"/>
-              <c:layout/>
               <c:tx>
                 <c:rich>
                   <a:bodyPr/>
@@ -1956,9 +1946,7 @@
               <c:showBubbleSize val="0"/>
               <c:separator>; </c:separator>
               <c:extLst>
-                <c:ext xmlns:c15="http://schemas.microsoft.com/office/drawing/2012/chart" uri="{CE6537A1-D6FC-4f65-9D91-7224C49458BB}">
-                  <c15:layout/>
-                </c:ext>
+                <c:ext xmlns:c15="http://schemas.microsoft.com/office/drawing/2012/chart" uri="{CE6537A1-D6FC-4f65-9D91-7224C49458BB}"/>
               </c:extLst>
             </c:dLbl>
             <c:dLbl>
@@ -2348,7 +2336,6 @@
             </c:dLbl>
             <c:dLbl>
               <c:idx val="3"/>
-              <c:layout/>
               <c:tx>
                 <c:rich>
                   <a:bodyPr/>
@@ -2376,7 +2363,6 @@
               <c:separator>; </c:separator>
               <c:extLst>
                 <c:ext xmlns:c15="http://schemas.microsoft.com/office/drawing/2012/chart" uri="{CE6537A1-D6FC-4f65-9D91-7224C49458BB}">
-                  <c15:layout/>
                   <c15:dlblFieldTable/>
                   <c15:showDataLabelsRange val="0"/>
                 </c:ext>
@@ -2968,7 +2954,6 @@
           <c:dLbls>
             <c:dLbl>
               <c:idx val="0"/>
-              <c:layout/>
               <c:tx>
                 <c:rich>
                   <a:bodyPr/>
@@ -3002,9 +2987,7 @@
               <c:showBubbleSize val="0"/>
               <c:separator>; </c:separator>
               <c:extLst>
-                <c:ext xmlns:c15="http://schemas.microsoft.com/office/drawing/2012/chart" uri="{CE6537A1-D6FC-4f65-9D91-7224C49458BB}">
-                  <c15:layout/>
-                </c:ext>
+                <c:ext xmlns:c15="http://schemas.microsoft.com/office/drawing/2012/chart" uri="{CE6537A1-D6FC-4f65-9D91-7224C49458BB}"/>
               </c:extLst>
             </c:dLbl>
             <c:dLbl>
@@ -3283,7 +3266,6 @@
           <c:dLbls>
             <c:dLbl>
               <c:idx val="0"/>
-              <c:layout/>
               <c:tx>
                 <c:rich>
                   <a:bodyPr/>
@@ -3317,9 +3299,7 @@
               <c:showBubbleSize val="0"/>
               <c:separator>; </c:separator>
               <c:extLst>
-                <c:ext xmlns:c15="http://schemas.microsoft.com/office/drawing/2012/chart" uri="{CE6537A1-D6FC-4f65-9D91-7224C49458BB}">
-                  <c15:layout/>
-                </c:ext>
+                <c:ext xmlns:c15="http://schemas.microsoft.com/office/drawing/2012/chart" uri="{CE6537A1-D6FC-4f65-9D91-7224C49458BB}"/>
               </c:extLst>
             </c:dLbl>
             <c:dLbl>
@@ -3593,7 +3573,6 @@
           <c:dLbls>
             <c:dLbl>
               <c:idx val="0"/>
-              <c:layout/>
               <c:tx>
                 <c:rich>
                   <a:bodyPr/>
@@ -3623,14 +3602,11 @@
               <c:showBubbleSize val="0"/>
               <c:separator>; </c:separator>
               <c:extLst>
-                <c:ext xmlns:c15="http://schemas.microsoft.com/office/drawing/2012/chart" uri="{CE6537A1-D6FC-4f65-9D91-7224C49458BB}">
-                  <c15:layout/>
-                </c:ext>
+                <c:ext xmlns:c15="http://schemas.microsoft.com/office/drawing/2012/chart" uri="{CE6537A1-D6FC-4f65-9D91-7224C49458BB}"/>
               </c:extLst>
             </c:dLbl>
             <c:dLbl>
               <c:idx val="1"/>
-              <c:layout/>
               <c:tx>
                 <c:rich>
                   <a:bodyPr/>
@@ -3655,9 +3631,7 @@
               <c:showBubbleSize val="0"/>
               <c:separator>; </c:separator>
               <c:extLst>
-                <c:ext xmlns:c15="http://schemas.microsoft.com/office/drawing/2012/chart" uri="{CE6537A1-D6FC-4f65-9D91-7224C49458BB}">
-                  <c15:layout/>
-                </c:ext>
+                <c:ext xmlns:c15="http://schemas.microsoft.com/office/drawing/2012/chart" uri="{CE6537A1-D6FC-4f65-9D91-7224C49458BB}"/>
               </c:extLst>
             </c:dLbl>
             <c:dLbl>
@@ -4337,7 +4311,6 @@
           <c:dLbls>
             <c:dLbl>
               <c:idx val="0"/>
-              <c:layout/>
               <c:tx>
                 <c:rich>
                   <a:bodyPr/>
@@ -4367,9 +4340,7 @@
               <c:showBubbleSize val="0"/>
               <c:separator>; </c:separator>
               <c:extLst>
-                <c:ext xmlns:c15="http://schemas.microsoft.com/office/drawing/2012/chart" uri="{CE6537A1-D6FC-4f65-9D91-7224C49458BB}">
-                  <c15:layout/>
-                </c:ext>
+                <c:ext xmlns:c15="http://schemas.microsoft.com/office/drawing/2012/chart" uri="{CE6537A1-D6FC-4f65-9D91-7224C49458BB}"/>
               </c:extLst>
             </c:dLbl>
             <c:dLbl>
@@ -4648,7 +4619,6 @@
           <c:dLbls>
             <c:dLbl>
               <c:idx val="0"/>
-              <c:layout/>
               <c:tx>
                 <c:rich>
                   <a:bodyPr/>
@@ -4678,9 +4648,7 @@
               <c:showBubbleSize val="0"/>
               <c:separator>; </c:separator>
               <c:extLst>
-                <c:ext xmlns:c15="http://schemas.microsoft.com/office/drawing/2012/chart" uri="{CE6537A1-D6FC-4f65-9D91-7224C49458BB}">
-                  <c15:layout/>
-                </c:ext>
+                <c:ext xmlns:c15="http://schemas.microsoft.com/office/drawing/2012/chart" uri="{CE6537A1-D6FC-4f65-9D91-7224C49458BB}"/>
               </c:extLst>
             </c:dLbl>
             <c:dLbl>
@@ -7536,7 +7504,7 @@
             <a:fld id="{33BC5C0D-1A8E-40E5-ADA0-84DBF59AA5C6}" type="datetimeFigureOut">
               <a:rPr lang="es-PE" smtClean="0"/>
               <a:pPr/>
-              <a:t>02/02/2018</a:t>
+              <a:t>05/02/2018</a:t>
             </a:fld>
             <a:endParaRPr lang="es-PE"/>
           </a:p>
@@ -7703,7 +7671,7 @@
             <a:fld id="{1D6789CF-F719-4CF8-BD89-6F425D155B51}" type="datetimeFigureOut">
               <a:rPr lang="es-PE" smtClean="0"/>
               <a:pPr/>
-              <a:t>02/02/2018</a:t>
+              <a:t>05/02/2018</a:t>
             </a:fld>
             <a:endParaRPr lang="es-PE"/>
           </a:p>
@@ -8057,7 +8025,7 @@
             <a:fld id="{D7E77C8B-DD1F-4A72-984B-6415D7DA5034}" type="datetimeFigureOut">
               <a:rPr lang="es-PE" smtClean="0"/>
               <a:pPr/>
-              <a:t>02/02/2018</a:t>
+              <a:t>05/02/2018</a:t>
             </a:fld>
             <a:endParaRPr lang="es-PE" dirty="0"/>
           </a:p>
@@ -17839,7 +17807,11 @@
             <a:pPr algn="ctr"/>
             <a:r>
               <a:rPr lang="es-PE" dirty="0" smtClean="0"/>
-              <a:t>Módulo contenedor Web Adunas </a:t>
+              <a:t>Módulo contenedor Web </a:t>
+            </a:r>
+            <a:r>
+              <a:rPr lang="es-PE" dirty="0" smtClean="0"/>
+              <a:t>Aduanas </a:t>
             </a:r>
             <a:endParaRPr lang="es-PE" dirty="0"/>
           </a:p>

--- a/Documentos/ControlTransmisionesV1.0.pptx
+++ b/Documentos/ControlTransmisionesV1.0.pptx
@@ -2,30 +2,30 @@
 <file path=ppt/presentation.xml><?xml version="1.0" encoding="utf-8"?>
 <p:presentation xmlns:a="http://schemas.openxmlformats.org/drawingml/2006/main" xmlns:r="http://schemas.openxmlformats.org/officeDocument/2006/relationships" xmlns:p="http://schemas.openxmlformats.org/presentationml/2006/main" saveSubsetFonts="1">
   <p:sldMasterIdLst>
-    <p:sldMasterId id="2147483684" r:id="rId1"/>
-    <p:sldMasterId id="2147483693" r:id="rId2"/>
+    <p:sldMasterId id="2147483684" r:id="rId10"/>
+    <p:sldMasterId id="2147483693" r:id="rId11"/>
   </p:sldMasterIdLst>
   <p:notesMasterIdLst>
-    <p:notesMasterId r:id="rId17"/>
+    <p:notesMasterId r:id="rId26"/>
   </p:notesMasterIdLst>
   <p:handoutMasterIdLst>
-    <p:handoutMasterId r:id="rId18"/>
+    <p:handoutMasterId r:id="rId27"/>
   </p:handoutMasterIdLst>
   <p:sldIdLst>
-    <p:sldId id="261" r:id="rId3"/>
-    <p:sldId id="296" r:id="rId4"/>
-    <p:sldId id="297" r:id="rId5"/>
-    <p:sldId id="294" r:id="rId6"/>
-    <p:sldId id="307" r:id="rId7"/>
-    <p:sldId id="309" r:id="rId8"/>
-    <p:sldId id="310" r:id="rId9"/>
-    <p:sldId id="306" r:id="rId10"/>
-    <p:sldId id="303" r:id="rId11"/>
-    <p:sldId id="304" r:id="rId12"/>
-    <p:sldId id="305" r:id="rId13"/>
-    <p:sldId id="299" r:id="rId14"/>
-    <p:sldId id="308" r:id="rId15"/>
-    <p:sldId id="262" r:id="rId16"/>
+    <p:sldId id="261" r:id="rId12"/>
+    <p:sldId id="296" r:id="rId13"/>
+    <p:sldId id="297" r:id="rId14"/>
+    <p:sldId id="294" r:id="rId15"/>
+    <p:sldId id="307" r:id="rId16"/>
+    <p:sldId id="309" r:id="rId17"/>
+    <p:sldId id="310" r:id="rId18"/>
+    <p:sldId id="306" r:id="rId19"/>
+    <p:sldId id="303" r:id="rId20"/>
+    <p:sldId id="304" r:id="rId21"/>
+    <p:sldId id="305" r:id="rId22"/>
+    <p:sldId id="299" r:id="rId23"/>
+    <p:sldId id="308" r:id="rId24"/>
+    <p:sldId id="262" r:id="rId25"/>
   </p:sldIdLst>
   <p:sldSz cx="12190413" cy="6858000"/>
   <p:notesSz cx="6797675" cy="9926638"/>
@@ -159,6 +159,954 @@
 </file>
 
 <file path=ppt/charts/chart1.xml><?xml version="1.0" encoding="utf-8"?>
+<c:chartSpace xmlns:c="http://schemas.openxmlformats.org/drawingml/2006/chart" xmlns:a="http://schemas.openxmlformats.org/drawingml/2006/main" xmlns:r="http://schemas.openxmlformats.org/officeDocument/2006/relationships">
+  <c:date1904 val="0"/>
+  <c:lang val="es-ES"/>
+  <c:roundedCorners val="0"/>
+  <mc:AlternateContent xmlns:mc="http://schemas.openxmlformats.org/markup-compatibility/2006">
+    <mc:Choice xmlns:c14="http://schemas.microsoft.com/office/drawing/2007/8/2/chart" Requires="c14">
+      <c14:style val="102"/>
+    </mc:Choice>
+    <mc:Fallback>
+      <c:style val="2"/>
+    </mc:Fallback>
+  </mc:AlternateContent>
+  <c:chart>
+    <c:autoTitleDeleted val="1"/>
+    <c:plotArea>
+      <c:layout>
+        <c:manualLayout>
+          <c:layoutTarget val="inner"/>
+          <c:xMode val="edge"/>
+          <c:yMode val="edge"/>
+          <c:x val="0.18253229290622644"/>
+          <c:y val="0.30696646406256645"/>
+          <c:w val="0.44769152859182137"/>
+          <c:h val="0.49455133926183359"/>
+        </c:manualLayout>
+      </c:layout>
+      <c:doughnutChart>
+        <c:varyColors val="1"/>
+        <c:ser>
+          <c:idx val="0"/>
+          <c:order val="0"/>
+          <c:tx>
+            <c:v>Series1</c:v>
+          </c:tx>
+          <c:dPt>
+            <c:idx val="0"/>
+            <c:bubble3D val="0"/>
+            <c:spPr>
+              <a:solidFill>
+                <a:srgbClr val="92D050"/>
+              </a:solidFill>
+              <a:ln>
+                <a:noFill/>
+              </a:ln>
+              <a:effectLst>
+                <a:outerShdw dist="38096" dir="2700000" algn="tl">
+                  <a:srgbClr val="000000">
+                    <a:alpha val="40000"/>
+                  </a:srgbClr>
+                </a:outerShdw>
+              </a:effectLst>
+            </c:spPr>
+          </c:dPt>
+          <c:dPt>
+            <c:idx val="1"/>
+            <c:bubble3D val="0"/>
+            <c:spPr>
+              <a:solidFill>
+                <a:srgbClr val="FF0000"/>
+              </a:solidFill>
+              <a:ln>
+                <a:noFill/>
+              </a:ln>
+              <a:effectLst>
+                <a:outerShdw dist="38096" dir="2700000" algn="tl">
+                  <a:srgbClr val="000000">
+                    <a:alpha val="40000"/>
+                  </a:srgbClr>
+                </a:outerShdw>
+              </a:effectLst>
+            </c:spPr>
+          </c:dPt>
+          <c:dPt>
+            <c:idx val="2"/>
+            <c:bubble3D val="0"/>
+            <c:spPr>
+              <a:solidFill>
+                <a:srgbClr val="FF0000"/>
+              </a:solidFill>
+              <a:ln>
+                <a:noFill/>
+              </a:ln>
+            </c:spPr>
+          </c:dPt>
+          <c:dPt>
+            <c:idx val="3"/>
+            <c:bubble3D val="0"/>
+            <c:spPr>
+              <a:solidFill>
+                <a:srgbClr val="FFC000"/>
+              </a:solidFill>
+              <a:ln>
+                <a:noFill/>
+              </a:ln>
+              <a:effectLst>
+                <a:outerShdw dist="38096" dir="2700000" algn="tl">
+                  <a:srgbClr val="000000">
+                    <a:alpha val="40000"/>
+                  </a:srgbClr>
+                </a:outerShdw>
+              </a:effectLst>
+            </c:spPr>
+          </c:dPt>
+          <c:dLbls>
+            <c:dLbl>
+              <c:idx val="0"/>
+              <c:tx>
+                <c:rich>
+                  <a:bodyPr wrap="square" lIns="38100" tIns="19050" rIns="38100" bIns="19050" anchor="ctr">
+                    <a:spAutoFit/>
+                  </a:bodyPr>
+                  <a:lstStyle/>
+                  <a:p>
+                    <a:pPr>
+                      <a:defRPr sz="1200" baseline="0"/>
+                    </a:pPr>
+                    <a:r>
+                      <a:rPr lang="en-US" sz="1200" baseline="0" smtClean="0"/>
+                      <a:t>5</a:t>
+                    </a:r>
+                  </a:p>
+                </c:rich>
+              </c:tx>
+              <c:spPr>
+                <a:noFill/>
+                <a:ln>
+                  <a:noFill/>
+                </a:ln>
+                <a:effectLst/>
+              </c:spPr>
+              <c:showLegendKey val="0"/>
+              <c:showVal val="1"/>
+              <c:showCatName val="0"/>
+              <c:showSerName val="0"/>
+              <c:showPercent val="0"/>
+              <c:showBubbleSize val="0"/>
+              <c:extLst>
+                <c:ext xmlns:c15="http://schemas.microsoft.com/office/drawing/2012/chart" uri="{CE6537A1-D6FC-4f65-9D91-7224C49458BB}"/>
+              </c:extLst>
+            </c:dLbl>
+            <c:dLbl>
+              <c:idx val="1"/>
+              <c:spPr>
+                <a:noFill/>
+                <a:ln>
+                  <a:noFill/>
+                </a:ln>
+                <a:effectLst/>
+              </c:spPr>
+              <c:txPr>
+                <a:bodyPr wrap="square" lIns="38100" tIns="19050" rIns="38100" bIns="19050" anchor="ctr">
+                  <a:spAutoFit/>
+                </a:bodyPr>
+                <a:lstStyle/>
+                <a:p>
+                  <a:pPr>
+                    <a:defRPr sz="1200" baseline="0"/>
+                  </a:pPr>
+                  <a:endParaRPr lang="es-PE"/>
+                </a:p>
+              </c:txPr>
+              <c:showLegendKey val="0"/>
+              <c:showVal val="1"/>
+              <c:showCatName val="0"/>
+              <c:showSerName val="0"/>
+              <c:showPercent val="0"/>
+              <c:showBubbleSize val="0"/>
+            </c:dLbl>
+            <c:dLbl>
+              <c:idx val="3"/>
+              <c:tx>
+                <c:rich>
+                  <a:bodyPr wrap="square" lIns="38100" tIns="19050" rIns="38100" bIns="19050" anchor="ctr">
+                    <a:noAutofit/>
+                  </a:bodyPr>
+                  <a:lstStyle/>
+                  <a:p>
+                    <a:pPr>
+                      <a:defRPr/>
+                    </a:pPr>
+                    <a:fld id="{879003C2-D48B-4516-A6AA-3B26DAC37257}" type="VALUE">
+                      <a:rPr lang="en-US" smtClean="0"/>
+                      <a:pPr>
+                        <a:defRPr/>
+                      </a:pPr>
+                      <a:t>[VALOR]</a:t>
+                    </a:fld>
+                    <a:endParaRPr lang="es-PE"/>
+                  </a:p>
+                </c:rich>
+              </c:tx>
+              <c:spPr>
+                <a:noFill/>
+                <a:ln>
+                  <a:noFill/>
+                </a:ln>
+                <a:effectLst/>
+              </c:spPr>
+              <c:showLegendKey val="0"/>
+              <c:showVal val="1"/>
+              <c:showCatName val="0"/>
+              <c:showSerName val="0"/>
+              <c:showPercent val="0"/>
+              <c:showBubbleSize val="0"/>
+              <c:extLst>
+                <c:ext xmlns:c15="http://schemas.microsoft.com/office/drawing/2012/chart" uri="{CE6537A1-D6FC-4f65-9D91-7224C49458BB}">
+                  <c15:spPr xmlns:c15="http://schemas.microsoft.com/office/drawing/2012/chart">
+                    <a:prstGeom prst="rect">
+                      <a:avLst/>
+                    </a:prstGeom>
+                  </c15:spPr>
+                  <c15:dlblFieldTable/>
+                  <c15:showDataLabelsRange val="0"/>
+                </c:ext>
+              </c:extLst>
+            </c:dLbl>
+            <c:spPr>
+              <a:noFill/>
+              <a:ln>
+                <a:noFill/>
+              </a:ln>
+              <a:effectLst/>
+            </c:spPr>
+            <c:showLegendKey val="0"/>
+            <c:showVal val="1"/>
+            <c:showCatName val="0"/>
+            <c:showSerName val="0"/>
+            <c:showPercent val="0"/>
+            <c:showBubbleSize val="0"/>
+            <c:showLeaderLines val="1"/>
+            <c:extLst>
+              <c:ext xmlns:c15="http://schemas.microsoft.com/office/drawing/2012/chart" uri="{CE6537A1-D6FC-4f65-9D91-7224C49458BB}"/>
+            </c:extLst>
+          </c:dLbls>
+          <c:cat>
+            <c:numLit>
+              <c:formatCode>General</c:formatCode>
+              <c:ptCount val="4"/>
+              <c:pt idx="0">
+                <c:v>21</c:v>
+              </c:pt>
+              <c:pt idx="1">
+                <c:v>1</c:v>
+              </c:pt>
+              <c:pt idx="2">
+                <c:v>0</c:v>
+              </c:pt>
+              <c:pt idx="3">
+                <c:v>1</c:v>
+              </c:pt>
+            </c:numLit>
+          </c:cat>
+          <c:val>
+            <c:numLit>
+              <c:formatCode>General</c:formatCode>
+              <c:ptCount val="4"/>
+              <c:pt idx="0">
+                <c:v>21</c:v>
+              </c:pt>
+              <c:pt idx="1">
+                <c:v>1</c:v>
+              </c:pt>
+              <c:pt idx="2">
+                <c:v>0</c:v>
+              </c:pt>
+              <c:pt idx="3">
+                <c:v>1</c:v>
+              </c:pt>
+            </c:numLit>
+          </c:val>
+        </c:ser>
+        <c:dLbls>
+          <c:showLegendKey val="0"/>
+          <c:showVal val="0"/>
+          <c:showCatName val="0"/>
+          <c:showSerName val="0"/>
+          <c:showPercent val="0"/>
+          <c:showBubbleSize val="0"/>
+          <c:showLeaderLines val="1"/>
+        </c:dLbls>
+        <c:firstSliceAng val="0"/>
+        <c:holeSize val="50"/>
+      </c:doughnutChart>
+      <c:spPr>
+        <a:noFill/>
+        <a:ln>
+          <a:noFill/>
+        </a:ln>
+      </c:spPr>
+    </c:plotArea>
+    <c:plotVisOnly val="1"/>
+    <c:dispBlanksAs val="gap"/>
+    <c:showDLblsOverMax val="0"/>
+  </c:chart>
+  <c:spPr>
+    <a:noFill/>
+    <a:ln>
+      <a:noFill/>
+    </a:ln>
+  </c:spPr>
+  <c:txPr>
+    <a:bodyPr lIns="0" tIns="0" rIns="0" bIns="0"/>
+    <a:lstStyle/>
+    <a:p>
+      <a:pPr marL="0" marR="0" indent="0" defTabSz="914400" fontAlgn="auto" hangingPunct="1">
+        <a:lnSpc>
+          <a:spcPct val="100000"/>
+        </a:lnSpc>
+        <a:spcBef>
+          <a:spcPts val="0"/>
+        </a:spcBef>
+        <a:spcAft>
+          <a:spcPts val="0"/>
+        </a:spcAft>
+        <a:tabLst/>
+        <a:defRPr lang="es-ES" sz="900" b="0" i="0" u="none" strike="noStrike" kern="1200" baseline="0">
+          <a:solidFill>
+            <a:srgbClr val="000000"/>
+          </a:solidFill>
+          <a:latin typeface="Calibri"/>
+        </a:defRPr>
+      </a:pPr>
+      <a:endParaRPr lang="es-PE"/>
+    </a:p>
+  </c:txPr>
+  <c:externalData r:id="rId1">
+    <c:autoUpdate val="0"/>
+  </c:externalData>
+</c:chartSpace>
+</file>
+
+<file path=ppt/charts/chart10.xml><?xml version="1.0" encoding="utf-8"?>
+<c:chartSpace xmlns:c="http://schemas.openxmlformats.org/drawingml/2006/chart" xmlns:a="http://schemas.openxmlformats.org/drawingml/2006/main" xmlns:r="http://schemas.openxmlformats.org/officeDocument/2006/relationships">
+  <c:date1904 val="0"/>
+  <c:lang val="es-ES"/>
+  <c:roundedCorners val="0"/>
+  <mc:AlternateContent xmlns:mc="http://schemas.openxmlformats.org/markup-compatibility/2006">
+    <mc:Choice xmlns:c14="http://schemas.microsoft.com/office/drawing/2007/8/2/chart" Requires="c14">
+      <c14:style val="102"/>
+    </mc:Choice>
+    <mc:Fallback>
+      <c:style val="2"/>
+    </mc:Fallback>
+  </mc:AlternateContent>
+  <c:chart>
+    <c:autoTitleDeleted val="1"/>
+    <c:plotArea>
+      <c:layout/>
+      <c:doughnutChart>
+        <c:varyColors val="1"/>
+        <c:ser>
+          <c:idx val="0"/>
+          <c:order val="0"/>
+          <c:tx>
+            <c:v>Series1</c:v>
+          </c:tx>
+          <c:spPr>
+            <a:solidFill>
+              <a:srgbClr val="92D050"/>
+            </a:solidFill>
+          </c:spPr>
+          <c:dPt>
+            <c:idx val="0"/>
+            <c:bubble3D val="0"/>
+            <c:spPr>
+              <a:solidFill>
+                <a:srgbClr val="92D050"/>
+              </a:solidFill>
+              <a:ln>
+                <a:noFill/>
+              </a:ln>
+              <a:effectLst>
+                <a:outerShdw dist="38103" dir="5400000" algn="tl">
+                  <a:srgbClr val="000000">
+                    <a:alpha val="40000"/>
+                  </a:srgbClr>
+                </a:outerShdw>
+              </a:effectLst>
+            </c:spPr>
+          </c:dPt>
+          <c:dPt>
+            <c:idx val="1"/>
+            <c:bubble3D val="0"/>
+            <c:spPr>
+              <a:solidFill>
+                <a:srgbClr val="92D050"/>
+              </a:solidFill>
+              <a:ln>
+                <a:noFill/>
+              </a:ln>
+              <a:effectLst>
+                <a:outerShdw dist="38103" dir="5400000" algn="tl">
+                  <a:srgbClr val="000000">
+                    <a:alpha val="40000"/>
+                  </a:srgbClr>
+                </a:outerShdw>
+              </a:effectLst>
+            </c:spPr>
+          </c:dPt>
+          <c:dPt>
+            <c:idx val="2"/>
+            <c:bubble3D val="0"/>
+            <c:spPr>
+              <a:solidFill>
+                <a:srgbClr val="92D050"/>
+              </a:solidFill>
+              <a:ln>
+                <a:noFill/>
+              </a:ln>
+              <a:effectLst>
+                <a:outerShdw dist="38103" dir="5400000" algn="tl">
+                  <a:srgbClr val="000000">
+                    <a:alpha val="40000"/>
+                  </a:srgbClr>
+                </a:outerShdw>
+              </a:effectLst>
+            </c:spPr>
+          </c:dPt>
+          <c:dPt>
+            <c:idx val="3"/>
+            <c:bubble3D val="0"/>
+            <c:spPr>
+              <a:solidFill>
+                <a:srgbClr val="92D050"/>
+              </a:solidFill>
+              <a:ln>
+                <a:noFill/>
+              </a:ln>
+              <a:effectLst>
+                <a:outerShdw dist="38103" dir="5400000" algn="tl">
+                  <a:srgbClr val="000000">
+                    <a:alpha val="40000"/>
+                  </a:srgbClr>
+                </a:outerShdw>
+              </a:effectLst>
+            </c:spPr>
+          </c:dPt>
+          <c:dLbls>
+            <c:dLbl>
+              <c:idx val="0"/>
+              <c:tx>
+                <c:rich>
+                  <a:bodyPr/>
+                  <a:lstStyle/>
+                  <a:p>
+                    <a:r>
+                      <a:rPr lang="en-US" baseline="0" dirty="0" smtClean="0">
+                        <a:solidFill>
+                          <a:srgbClr val="000000"/>
+                        </a:solidFill>
+                      </a:rPr>
+                      <a:t>14</a:t>
+                    </a:r>
+                    <a:endParaRPr lang="en-US" baseline="0" dirty="0">
+                      <a:solidFill>
+                        <a:srgbClr val="000000"/>
+                      </a:solidFill>
+                    </a:endParaRPr>
+                  </a:p>
+                </c:rich>
+              </c:tx>
+              <c:showLegendKey val="0"/>
+              <c:showVal val="1"/>
+              <c:showCatName val="0"/>
+              <c:showSerName val="0"/>
+              <c:showPercent val="0"/>
+              <c:showBubbleSize val="0"/>
+              <c:separator>; </c:separator>
+              <c:extLst>
+                <c:ext xmlns:c15="http://schemas.microsoft.com/office/drawing/2012/chart" uri="{CE6537A1-D6FC-4f65-9D91-7224C49458BB}"/>
+              </c:extLst>
+            </c:dLbl>
+            <c:dLbl>
+              <c:idx val="1"/>
+              <c:delete val="1"/>
+              <c:extLst>
+                <c:ext xmlns:c15="http://schemas.microsoft.com/office/drawing/2012/chart" uri="{CE6537A1-D6FC-4f65-9D91-7224C49458BB}"/>
+              </c:extLst>
+            </c:dLbl>
+            <c:dLbl>
+              <c:idx val="2"/>
+              <c:delete val="1"/>
+              <c:extLst>
+                <c:ext xmlns:c15="http://schemas.microsoft.com/office/drawing/2012/chart" uri="{CE6537A1-D6FC-4f65-9D91-7224C49458BB}"/>
+              </c:extLst>
+            </c:dLbl>
+            <c:dLbl>
+              <c:idx val="3"/>
+              <c:delete val="1"/>
+              <c:extLst>
+                <c:ext xmlns:c15="http://schemas.microsoft.com/office/drawing/2012/chart" uri="{CE6537A1-D6FC-4f65-9D91-7224C49458BB}"/>
+              </c:extLst>
+            </c:dLbl>
+            <c:spPr>
+              <a:noFill/>
+              <a:ln>
+                <a:noFill/>
+              </a:ln>
+              <a:effectLst/>
+            </c:spPr>
+            <c:txPr>
+              <a:bodyPr lIns="0" tIns="0" rIns="0" bIns="0"/>
+              <a:lstStyle/>
+              <a:p>
+                <a:pPr marL="0" marR="0" indent="0" algn="ctr" defTabSz="914400" fontAlgn="auto" hangingPunct="1">
+                  <a:lnSpc>
+                    <a:spcPct val="100000"/>
+                  </a:lnSpc>
+                  <a:spcBef>
+                    <a:spcPts val="0"/>
+                  </a:spcBef>
+                  <a:spcAft>
+                    <a:spcPts val="0"/>
+                  </a:spcAft>
+                  <a:tabLst/>
+                  <a:defRPr lang="es-ES" sz="1200" b="1" i="0" u="none" strike="noStrike" kern="1200" baseline="0">
+                    <a:solidFill>
+                      <a:srgbClr val="FFFFFF"/>
+                    </a:solidFill>
+                    <a:latin typeface="Calibri"/>
+                  </a:defRPr>
+                </a:pPr>
+                <a:endParaRPr lang="es-PE"/>
+              </a:p>
+            </c:txPr>
+            <c:showLegendKey val="0"/>
+            <c:showVal val="1"/>
+            <c:showCatName val="0"/>
+            <c:showSerName val="0"/>
+            <c:showPercent val="0"/>
+            <c:showBubbleSize val="0"/>
+            <c:separator>; </c:separator>
+            <c:showLeaderLines val="1"/>
+            <c:extLst>
+              <c:ext xmlns:c15="http://schemas.microsoft.com/office/drawing/2012/chart" uri="{CE6537A1-D6FC-4f65-9D91-7224C49458BB}">
+                <c15:spPr xmlns:c15="http://schemas.microsoft.com/office/drawing/2012/chart">
+                  <a:prstGeom prst="rect">
+                    <a:avLst/>
+                  </a:prstGeom>
+                </c15:spPr>
+              </c:ext>
+            </c:extLst>
+          </c:dLbls>
+          <c:cat>
+            <c:strLit>
+              <c:ptCount val="4"/>
+              <c:pt idx="0">
+                <c:v>TXT OK</c:v>
+              </c:pt>
+              <c:pt idx="1">
+                <c:v>TXT DIFIC</c:v>
+              </c:pt>
+              <c:pt idx="2">
+                <c:v>TXT MUL</c:v>
+              </c:pt>
+              <c:pt idx="3">
+                <c:v>TXT PEN</c:v>
+              </c:pt>
+            </c:strLit>
+          </c:cat>
+          <c:val>
+            <c:numLit>
+              <c:formatCode>General</c:formatCode>
+              <c:ptCount val="4"/>
+              <c:pt idx="0">
+                <c:v>13</c:v>
+              </c:pt>
+              <c:pt idx="1">
+                <c:v>3</c:v>
+              </c:pt>
+              <c:pt idx="2">
+                <c:v>0</c:v>
+              </c:pt>
+              <c:pt idx="3">
+                <c:v>4</c:v>
+              </c:pt>
+            </c:numLit>
+          </c:val>
+        </c:ser>
+        <c:dLbls>
+          <c:showLegendKey val="0"/>
+          <c:showVal val="0"/>
+          <c:showCatName val="0"/>
+          <c:showSerName val="0"/>
+          <c:showPercent val="0"/>
+          <c:showBubbleSize val="0"/>
+          <c:showLeaderLines val="1"/>
+        </c:dLbls>
+        <c:firstSliceAng val="0"/>
+        <c:holeSize val="50"/>
+      </c:doughnutChart>
+      <c:spPr>
+        <a:noFill/>
+        <a:ln>
+          <a:noFill/>
+        </a:ln>
+      </c:spPr>
+    </c:plotArea>
+    <c:plotVisOnly val="1"/>
+    <c:dispBlanksAs val="gap"/>
+    <c:showDLblsOverMax val="0"/>
+  </c:chart>
+  <c:spPr>
+    <a:noFill/>
+    <a:ln>
+      <a:noFill/>
+    </a:ln>
+  </c:spPr>
+  <c:txPr>
+    <a:bodyPr lIns="0" tIns="0" rIns="0" bIns="0"/>
+    <a:lstStyle/>
+    <a:p>
+      <a:pPr marL="0" marR="0" indent="0" defTabSz="914400" fontAlgn="auto" hangingPunct="1">
+        <a:lnSpc>
+          <a:spcPct val="100000"/>
+        </a:lnSpc>
+        <a:spcBef>
+          <a:spcPts val="0"/>
+        </a:spcBef>
+        <a:spcAft>
+          <a:spcPts val="0"/>
+        </a:spcAft>
+        <a:tabLst/>
+        <a:defRPr lang="es-ES" sz="900" b="0" i="0" u="none" strike="noStrike" kern="1200" baseline="0">
+          <a:solidFill>
+            <a:srgbClr val="000000"/>
+          </a:solidFill>
+          <a:latin typeface="Calibri"/>
+        </a:defRPr>
+      </a:pPr>
+      <a:endParaRPr lang="es-PE"/>
+    </a:p>
+  </c:txPr>
+  <c:externalData r:id="rId1">
+    <c:autoUpdate val="0"/>
+  </c:externalData>
+</c:chartSpace>
+</file>
+
+<file path=ppt/charts/chart11.xml><?xml version="1.0" encoding="utf-8"?>
+<c:chartSpace xmlns:c="http://schemas.openxmlformats.org/drawingml/2006/chart" xmlns:a="http://schemas.openxmlformats.org/drawingml/2006/main" xmlns:r="http://schemas.openxmlformats.org/officeDocument/2006/relationships">
+  <c:date1904 val="0"/>
+  <c:lang val="es-ES"/>
+  <c:roundedCorners val="0"/>
+  <mc:AlternateContent xmlns:mc="http://schemas.openxmlformats.org/markup-compatibility/2006">
+    <mc:Choice xmlns:c14="http://schemas.microsoft.com/office/drawing/2007/8/2/chart" Requires="c14">
+      <c14:style val="102"/>
+    </mc:Choice>
+    <mc:Fallback>
+      <c:style val="2"/>
+    </mc:Fallback>
+  </mc:AlternateContent>
+  <c:chart>
+    <c:autoTitleDeleted val="1"/>
+    <c:plotArea>
+      <c:layout/>
+      <c:doughnutChart>
+        <c:varyColors val="1"/>
+        <c:ser>
+          <c:idx val="0"/>
+          <c:order val="0"/>
+          <c:tx>
+            <c:v>Series1</c:v>
+          </c:tx>
+          <c:spPr>
+            <a:solidFill>
+              <a:srgbClr val="92D050"/>
+            </a:solidFill>
+          </c:spPr>
+          <c:dPt>
+            <c:idx val="0"/>
+            <c:bubble3D val="0"/>
+            <c:spPr>
+              <a:solidFill>
+                <a:srgbClr val="92D050"/>
+              </a:solidFill>
+              <a:ln>
+                <a:noFill/>
+              </a:ln>
+              <a:effectLst>
+                <a:outerShdw dist="38103" dir="5400000" algn="tl">
+                  <a:srgbClr val="000000">
+                    <a:alpha val="40000"/>
+                  </a:srgbClr>
+                </a:outerShdw>
+              </a:effectLst>
+            </c:spPr>
+          </c:dPt>
+          <c:dPt>
+            <c:idx val="1"/>
+            <c:bubble3D val="0"/>
+            <c:spPr>
+              <a:solidFill>
+                <a:srgbClr val="92D050"/>
+              </a:solidFill>
+              <a:ln>
+                <a:noFill/>
+              </a:ln>
+              <a:effectLst>
+                <a:outerShdw dist="38103" dir="5400000" algn="tl">
+                  <a:srgbClr val="000000">
+                    <a:alpha val="40000"/>
+                  </a:srgbClr>
+                </a:outerShdw>
+              </a:effectLst>
+            </c:spPr>
+          </c:dPt>
+          <c:dPt>
+            <c:idx val="2"/>
+            <c:bubble3D val="0"/>
+            <c:spPr>
+              <a:solidFill>
+                <a:srgbClr val="92D050"/>
+              </a:solidFill>
+              <a:ln>
+                <a:noFill/>
+              </a:ln>
+              <a:effectLst>
+                <a:outerShdw dist="38103" dir="5400000" algn="tl">
+                  <a:srgbClr val="000000">
+                    <a:alpha val="40000"/>
+                  </a:srgbClr>
+                </a:outerShdw>
+              </a:effectLst>
+            </c:spPr>
+          </c:dPt>
+          <c:dPt>
+            <c:idx val="3"/>
+            <c:bubble3D val="0"/>
+            <c:spPr>
+              <a:solidFill>
+                <a:srgbClr val="92D050"/>
+              </a:solidFill>
+              <a:ln>
+                <a:noFill/>
+              </a:ln>
+              <a:effectLst>
+                <a:outerShdw dist="38103" dir="5400000" algn="tl">
+                  <a:srgbClr val="000000">
+                    <a:alpha val="40000"/>
+                  </a:srgbClr>
+                </a:outerShdw>
+              </a:effectLst>
+            </c:spPr>
+          </c:dPt>
+          <c:dLbls>
+            <c:dLbl>
+              <c:idx val="0"/>
+              <c:tx>
+                <c:rich>
+                  <a:bodyPr/>
+                  <a:lstStyle/>
+                  <a:p>
+                    <a:r>
+                      <a:rPr lang="en-US" baseline="0" dirty="0" smtClean="0">
+                        <a:solidFill>
+                          <a:srgbClr val="000000"/>
+                        </a:solidFill>
+                      </a:rPr>
+                      <a:t>14</a:t>
+                    </a:r>
+                    <a:endParaRPr lang="en-US" baseline="0" dirty="0">
+                      <a:solidFill>
+                        <a:srgbClr val="000000"/>
+                      </a:solidFill>
+                    </a:endParaRPr>
+                  </a:p>
+                </c:rich>
+              </c:tx>
+              <c:showLegendKey val="0"/>
+              <c:showVal val="1"/>
+              <c:showCatName val="0"/>
+              <c:showSerName val="0"/>
+              <c:showPercent val="0"/>
+              <c:showBubbleSize val="0"/>
+              <c:separator>; </c:separator>
+              <c:extLst>
+                <c:ext xmlns:c15="http://schemas.microsoft.com/office/drawing/2012/chart" uri="{CE6537A1-D6FC-4f65-9D91-7224C49458BB}"/>
+              </c:extLst>
+            </c:dLbl>
+            <c:dLbl>
+              <c:idx val="1"/>
+              <c:delete val="1"/>
+              <c:extLst>
+                <c:ext xmlns:c15="http://schemas.microsoft.com/office/drawing/2012/chart" uri="{CE6537A1-D6FC-4f65-9D91-7224C49458BB}"/>
+              </c:extLst>
+            </c:dLbl>
+            <c:dLbl>
+              <c:idx val="2"/>
+              <c:delete val="1"/>
+              <c:extLst>
+                <c:ext xmlns:c15="http://schemas.microsoft.com/office/drawing/2012/chart" uri="{CE6537A1-D6FC-4f65-9D91-7224C49458BB}"/>
+              </c:extLst>
+            </c:dLbl>
+            <c:dLbl>
+              <c:idx val="3"/>
+              <c:delete val="1"/>
+              <c:extLst>
+                <c:ext xmlns:c15="http://schemas.microsoft.com/office/drawing/2012/chart" uri="{CE6537A1-D6FC-4f65-9D91-7224C49458BB}"/>
+              </c:extLst>
+            </c:dLbl>
+            <c:spPr>
+              <a:noFill/>
+              <a:ln>
+                <a:noFill/>
+              </a:ln>
+              <a:effectLst/>
+            </c:spPr>
+            <c:txPr>
+              <a:bodyPr lIns="0" tIns="0" rIns="0" bIns="0"/>
+              <a:lstStyle/>
+              <a:p>
+                <a:pPr marL="0" marR="0" indent="0" algn="ctr" defTabSz="914400" fontAlgn="auto" hangingPunct="1">
+                  <a:lnSpc>
+                    <a:spcPct val="100000"/>
+                  </a:lnSpc>
+                  <a:spcBef>
+                    <a:spcPts val="0"/>
+                  </a:spcBef>
+                  <a:spcAft>
+                    <a:spcPts val="0"/>
+                  </a:spcAft>
+                  <a:tabLst/>
+                  <a:defRPr lang="es-ES" sz="1200" b="1" i="0" u="none" strike="noStrike" kern="1200" baseline="0">
+                    <a:solidFill>
+                      <a:srgbClr val="FFFFFF"/>
+                    </a:solidFill>
+                    <a:latin typeface="Calibri"/>
+                  </a:defRPr>
+                </a:pPr>
+                <a:endParaRPr lang="es-PE"/>
+              </a:p>
+            </c:txPr>
+            <c:showLegendKey val="0"/>
+            <c:showVal val="1"/>
+            <c:showCatName val="0"/>
+            <c:showSerName val="0"/>
+            <c:showPercent val="0"/>
+            <c:showBubbleSize val="0"/>
+            <c:separator>; </c:separator>
+            <c:showLeaderLines val="1"/>
+            <c:extLst>
+              <c:ext xmlns:c15="http://schemas.microsoft.com/office/drawing/2012/chart" uri="{CE6537A1-D6FC-4f65-9D91-7224C49458BB}">
+                <c15:spPr xmlns:c15="http://schemas.microsoft.com/office/drawing/2012/chart">
+                  <a:prstGeom prst="rect">
+                    <a:avLst/>
+                  </a:prstGeom>
+                </c15:spPr>
+              </c:ext>
+            </c:extLst>
+          </c:dLbls>
+          <c:cat>
+            <c:strLit>
+              <c:ptCount val="4"/>
+              <c:pt idx="0">
+                <c:v>TXT OK</c:v>
+              </c:pt>
+              <c:pt idx="1">
+                <c:v>TXT DIFIC</c:v>
+              </c:pt>
+              <c:pt idx="2">
+                <c:v>TXT MUL</c:v>
+              </c:pt>
+              <c:pt idx="3">
+                <c:v>TXT PEN</c:v>
+              </c:pt>
+            </c:strLit>
+          </c:cat>
+          <c:val>
+            <c:numLit>
+              <c:formatCode>General</c:formatCode>
+              <c:ptCount val="4"/>
+              <c:pt idx="0">
+                <c:v>13</c:v>
+              </c:pt>
+              <c:pt idx="1">
+                <c:v>3</c:v>
+              </c:pt>
+              <c:pt idx="2">
+                <c:v>0</c:v>
+              </c:pt>
+              <c:pt idx="3">
+                <c:v>4</c:v>
+              </c:pt>
+            </c:numLit>
+          </c:val>
+        </c:ser>
+        <c:dLbls>
+          <c:showLegendKey val="0"/>
+          <c:showVal val="0"/>
+          <c:showCatName val="0"/>
+          <c:showSerName val="0"/>
+          <c:showPercent val="0"/>
+          <c:showBubbleSize val="0"/>
+          <c:showLeaderLines val="1"/>
+        </c:dLbls>
+        <c:firstSliceAng val="0"/>
+        <c:holeSize val="50"/>
+      </c:doughnutChart>
+      <c:spPr>
+        <a:noFill/>
+        <a:ln>
+          <a:noFill/>
+        </a:ln>
+      </c:spPr>
+    </c:plotArea>
+    <c:plotVisOnly val="1"/>
+    <c:dispBlanksAs val="gap"/>
+    <c:showDLblsOverMax val="0"/>
+  </c:chart>
+  <c:spPr>
+    <a:noFill/>
+    <a:ln>
+      <a:noFill/>
+    </a:ln>
+  </c:spPr>
+  <c:txPr>
+    <a:bodyPr lIns="0" tIns="0" rIns="0" bIns="0"/>
+    <a:lstStyle/>
+    <a:p>
+      <a:pPr marL="0" marR="0" indent="0" defTabSz="914400" fontAlgn="auto" hangingPunct="1">
+        <a:lnSpc>
+          <a:spcPct val="100000"/>
+        </a:lnSpc>
+        <a:spcBef>
+          <a:spcPts val="0"/>
+        </a:spcBef>
+        <a:spcAft>
+          <a:spcPts val="0"/>
+        </a:spcAft>
+        <a:tabLst/>
+        <a:defRPr lang="es-ES" sz="900" b="0" i="0" u="none" strike="noStrike" kern="1200" baseline="0">
+          <a:solidFill>
+            <a:srgbClr val="000000"/>
+          </a:solidFill>
+          <a:latin typeface="Calibri"/>
+        </a:defRPr>
+      </a:pPr>
+      <a:endParaRPr lang="es-PE"/>
+    </a:p>
+  </c:txPr>
+  <c:externalData r:id="rId1">
+    <c:autoUpdate val="0"/>
+  </c:externalData>
+</c:chartSpace>
+</file>
+
+<file path=ppt/charts/chart12.xml><?xml version="1.0" encoding="utf-8"?>
 <c:chartSpace xmlns:c="http://schemas.openxmlformats.org/drawingml/2006/chart" xmlns:a="http://schemas.openxmlformats.org/drawingml/2006/main" xmlns:r="http://schemas.openxmlformats.org/officeDocument/2006/relationships">
   <c:date1904 val="0"/>
   <c:lang val="es-ES"/>
@@ -497,960 +1445,6 @@
 </c:chartSpace>
 </file>
 
-<file path=ppt/charts/chart10.xml><?xml version="1.0" encoding="utf-8"?>
-<c:chartSpace xmlns:c="http://schemas.openxmlformats.org/drawingml/2006/chart" xmlns:a="http://schemas.openxmlformats.org/drawingml/2006/main" xmlns:r="http://schemas.openxmlformats.org/officeDocument/2006/relationships">
-  <c:date1904 val="0"/>
-  <c:lang val="es-ES"/>
-  <c:roundedCorners val="0"/>
-  <mc:AlternateContent xmlns:mc="http://schemas.openxmlformats.org/markup-compatibility/2006">
-    <mc:Choice xmlns:c14="http://schemas.microsoft.com/office/drawing/2007/8/2/chart" Requires="c14">
-      <c14:style val="102"/>
-    </mc:Choice>
-    <mc:Fallback>
-      <c:style val="2"/>
-    </mc:Fallback>
-  </mc:AlternateContent>
-  <c:chart>
-    <c:autoTitleDeleted val="1"/>
-    <c:plotArea>
-      <c:layout/>
-      <c:doughnutChart>
-        <c:varyColors val="1"/>
-        <c:ser>
-          <c:idx val="0"/>
-          <c:order val="0"/>
-          <c:tx>
-            <c:v>Series1</c:v>
-          </c:tx>
-          <c:spPr>
-            <a:solidFill>
-              <a:srgbClr val="92D050"/>
-            </a:solidFill>
-          </c:spPr>
-          <c:dPt>
-            <c:idx val="0"/>
-            <c:bubble3D val="0"/>
-            <c:spPr>
-              <a:solidFill>
-                <a:srgbClr val="92D050"/>
-              </a:solidFill>
-              <a:ln>
-                <a:noFill/>
-              </a:ln>
-              <a:effectLst>
-                <a:outerShdw dist="38103" dir="5400000" algn="tl">
-                  <a:srgbClr val="000000">
-                    <a:alpha val="40000"/>
-                  </a:srgbClr>
-                </a:outerShdw>
-              </a:effectLst>
-            </c:spPr>
-          </c:dPt>
-          <c:dPt>
-            <c:idx val="1"/>
-            <c:bubble3D val="0"/>
-            <c:spPr>
-              <a:solidFill>
-                <a:srgbClr val="92D050"/>
-              </a:solidFill>
-              <a:ln>
-                <a:noFill/>
-              </a:ln>
-              <a:effectLst>
-                <a:outerShdw dist="38103" dir="5400000" algn="tl">
-                  <a:srgbClr val="000000">
-                    <a:alpha val="40000"/>
-                  </a:srgbClr>
-                </a:outerShdw>
-              </a:effectLst>
-            </c:spPr>
-          </c:dPt>
-          <c:dPt>
-            <c:idx val="2"/>
-            <c:bubble3D val="0"/>
-            <c:spPr>
-              <a:solidFill>
-                <a:srgbClr val="92D050"/>
-              </a:solidFill>
-              <a:ln>
-                <a:noFill/>
-              </a:ln>
-              <a:effectLst>
-                <a:outerShdw dist="38103" dir="5400000" algn="tl">
-                  <a:srgbClr val="000000">
-                    <a:alpha val="40000"/>
-                  </a:srgbClr>
-                </a:outerShdw>
-              </a:effectLst>
-            </c:spPr>
-          </c:dPt>
-          <c:dPt>
-            <c:idx val="3"/>
-            <c:bubble3D val="0"/>
-            <c:spPr>
-              <a:solidFill>
-                <a:srgbClr val="92D050"/>
-              </a:solidFill>
-              <a:ln>
-                <a:noFill/>
-              </a:ln>
-              <a:effectLst>
-                <a:outerShdw dist="38103" dir="5400000" algn="tl">
-                  <a:srgbClr val="000000">
-                    <a:alpha val="40000"/>
-                  </a:srgbClr>
-                </a:outerShdw>
-              </a:effectLst>
-            </c:spPr>
-          </c:dPt>
-          <c:dLbls>
-            <c:dLbl>
-              <c:idx val="0"/>
-              <c:layout/>
-              <c:tx>
-                <c:rich>
-                  <a:bodyPr/>
-                  <a:lstStyle/>
-                  <a:p>
-                    <a:r>
-                      <a:rPr lang="en-US" baseline="0" dirty="0" smtClean="0">
-                        <a:solidFill>
-                          <a:srgbClr val="000000"/>
-                        </a:solidFill>
-                      </a:rPr>
-                      <a:t>14</a:t>
-                    </a:r>
-                    <a:endParaRPr lang="en-US" baseline="0" dirty="0">
-                      <a:solidFill>
-                        <a:srgbClr val="000000"/>
-                      </a:solidFill>
-                    </a:endParaRPr>
-                  </a:p>
-                </c:rich>
-              </c:tx>
-              <c:showLegendKey val="0"/>
-              <c:showVal val="1"/>
-              <c:showCatName val="0"/>
-              <c:showSerName val="0"/>
-              <c:showPercent val="0"/>
-              <c:showBubbleSize val="0"/>
-              <c:separator>; </c:separator>
-              <c:extLst>
-                <c:ext xmlns:c15="http://schemas.microsoft.com/office/drawing/2012/chart" uri="{CE6537A1-D6FC-4f65-9D91-7224C49458BB}">
-                  <c15:layout/>
-                </c:ext>
-              </c:extLst>
-            </c:dLbl>
-            <c:dLbl>
-              <c:idx val="1"/>
-              <c:delete val="1"/>
-              <c:extLst>
-                <c:ext xmlns:c15="http://schemas.microsoft.com/office/drawing/2012/chart" uri="{CE6537A1-D6FC-4f65-9D91-7224C49458BB}"/>
-              </c:extLst>
-            </c:dLbl>
-            <c:dLbl>
-              <c:idx val="2"/>
-              <c:delete val="1"/>
-              <c:extLst>
-                <c:ext xmlns:c15="http://schemas.microsoft.com/office/drawing/2012/chart" uri="{CE6537A1-D6FC-4f65-9D91-7224C49458BB}"/>
-              </c:extLst>
-            </c:dLbl>
-            <c:dLbl>
-              <c:idx val="3"/>
-              <c:delete val="1"/>
-              <c:extLst>
-                <c:ext xmlns:c15="http://schemas.microsoft.com/office/drawing/2012/chart" uri="{CE6537A1-D6FC-4f65-9D91-7224C49458BB}"/>
-              </c:extLst>
-            </c:dLbl>
-            <c:spPr>
-              <a:noFill/>
-              <a:ln>
-                <a:noFill/>
-              </a:ln>
-              <a:effectLst/>
-            </c:spPr>
-            <c:txPr>
-              <a:bodyPr lIns="0" tIns="0" rIns="0" bIns="0"/>
-              <a:lstStyle/>
-              <a:p>
-                <a:pPr marL="0" marR="0" indent="0" algn="ctr" defTabSz="914400" fontAlgn="auto" hangingPunct="1">
-                  <a:lnSpc>
-                    <a:spcPct val="100000"/>
-                  </a:lnSpc>
-                  <a:spcBef>
-                    <a:spcPts val="0"/>
-                  </a:spcBef>
-                  <a:spcAft>
-                    <a:spcPts val="0"/>
-                  </a:spcAft>
-                  <a:tabLst/>
-                  <a:defRPr lang="es-ES" sz="1200" b="1" i="0" u="none" strike="noStrike" kern="1200" baseline="0">
-                    <a:solidFill>
-                      <a:srgbClr val="FFFFFF"/>
-                    </a:solidFill>
-                    <a:latin typeface="Calibri"/>
-                  </a:defRPr>
-                </a:pPr>
-                <a:endParaRPr lang="es-PE"/>
-              </a:p>
-            </c:txPr>
-            <c:showLegendKey val="0"/>
-            <c:showVal val="1"/>
-            <c:showCatName val="0"/>
-            <c:showSerName val="0"/>
-            <c:showPercent val="0"/>
-            <c:showBubbleSize val="0"/>
-            <c:separator>; </c:separator>
-            <c:showLeaderLines val="1"/>
-            <c:extLst>
-              <c:ext xmlns:c15="http://schemas.microsoft.com/office/drawing/2012/chart" uri="{CE6537A1-D6FC-4f65-9D91-7224C49458BB}">
-                <c15:spPr xmlns:c15="http://schemas.microsoft.com/office/drawing/2012/chart">
-                  <a:prstGeom prst="rect">
-                    <a:avLst/>
-                  </a:prstGeom>
-                </c15:spPr>
-              </c:ext>
-            </c:extLst>
-          </c:dLbls>
-          <c:cat>
-            <c:strLit>
-              <c:ptCount val="4"/>
-              <c:pt idx="0">
-                <c:v>TXT OK</c:v>
-              </c:pt>
-              <c:pt idx="1">
-                <c:v>TXT DIFIC</c:v>
-              </c:pt>
-              <c:pt idx="2">
-                <c:v>TXT MUL</c:v>
-              </c:pt>
-              <c:pt idx="3">
-                <c:v>TXT PEN</c:v>
-              </c:pt>
-            </c:strLit>
-          </c:cat>
-          <c:val>
-            <c:numLit>
-              <c:formatCode>General</c:formatCode>
-              <c:ptCount val="4"/>
-              <c:pt idx="0">
-                <c:v>13</c:v>
-              </c:pt>
-              <c:pt idx="1">
-                <c:v>3</c:v>
-              </c:pt>
-              <c:pt idx="2">
-                <c:v>0</c:v>
-              </c:pt>
-              <c:pt idx="3">
-                <c:v>4</c:v>
-              </c:pt>
-            </c:numLit>
-          </c:val>
-        </c:ser>
-        <c:dLbls>
-          <c:showLegendKey val="0"/>
-          <c:showVal val="0"/>
-          <c:showCatName val="0"/>
-          <c:showSerName val="0"/>
-          <c:showPercent val="0"/>
-          <c:showBubbleSize val="0"/>
-          <c:showLeaderLines val="1"/>
-        </c:dLbls>
-        <c:firstSliceAng val="0"/>
-        <c:holeSize val="50"/>
-      </c:doughnutChart>
-      <c:spPr>
-        <a:noFill/>
-        <a:ln>
-          <a:noFill/>
-        </a:ln>
-      </c:spPr>
-    </c:plotArea>
-    <c:plotVisOnly val="1"/>
-    <c:dispBlanksAs val="gap"/>
-    <c:showDLblsOverMax val="0"/>
-  </c:chart>
-  <c:spPr>
-    <a:noFill/>
-    <a:ln>
-      <a:noFill/>
-    </a:ln>
-  </c:spPr>
-  <c:txPr>
-    <a:bodyPr lIns="0" tIns="0" rIns="0" bIns="0"/>
-    <a:lstStyle/>
-    <a:p>
-      <a:pPr marL="0" marR="0" indent="0" defTabSz="914400" fontAlgn="auto" hangingPunct="1">
-        <a:lnSpc>
-          <a:spcPct val="100000"/>
-        </a:lnSpc>
-        <a:spcBef>
-          <a:spcPts val="0"/>
-        </a:spcBef>
-        <a:spcAft>
-          <a:spcPts val="0"/>
-        </a:spcAft>
-        <a:tabLst/>
-        <a:defRPr lang="es-ES" sz="900" b="0" i="0" u="none" strike="noStrike" kern="1200" baseline="0">
-          <a:solidFill>
-            <a:srgbClr val="000000"/>
-          </a:solidFill>
-          <a:latin typeface="Calibri"/>
-        </a:defRPr>
-      </a:pPr>
-      <a:endParaRPr lang="es-PE"/>
-    </a:p>
-  </c:txPr>
-  <c:externalData r:id="rId1">
-    <c:autoUpdate val="0"/>
-  </c:externalData>
-</c:chartSpace>
-</file>
-
-<file path=ppt/charts/chart11.xml><?xml version="1.0" encoding="utf-8"?>
-<c:chartSpace xmlns:c="http://schemas.openxmlformats.org/drawingml/2006/chart" xmlns:a="http://schemas.openxmlformats.org/drawingml/2006/main" xmlns:r="http://schemas.openxmlformats.org/officeDocument/2006/relationships">
-  <c:date1904 val="0"/>
-  <c:lang val="es-ES"/>
-  <c:roundedCorners val="0"/>
-  <mc:AlternateContent xmlns:mc="http://schemas.openxmlformats.org/markup-compatibility/2006">
-    <mc:Choice xmlns:c14="http://schemas.microsoft.com/office/drawing/2007/8/2/chart" Requires="c14">
-      <c14:style val="102"/>
-    </mc:Choice>
-    <mc:Fallback>
-      <c:style val="2"/>
-    </mc:Fallback>
-  </mc:AlternateContent>
-  <c:chart>
-    <c:autoTitleDeleted val="1"/>
-    <c:plotArea>
-      <c:layout/>
-      <c:doughnutChart>
-        <c:varyColors val="1"/>
-        <c:ser>
-          <c:idx val="0"/>
-          <c:order val="0"/>
-          <c:tx>
-            <c:v>Series1</c:v>
-          </c:tx>
-          <c:spPr>
-            <a:solidFill>
-              <a:srgbClr val="92D050"/>
-            </a:solidFill>
-          </c:spPr>
-          <c:dPt>
-            <c:idx val="0"/>
-            <c:bubble3D val="0"/>
-            <c:spPr>
-              <a:solidFill>
-                <a:srgbClr val="92D050"/>
-              </a:solidFill>
-              <a:ln>
-                <a:noFill/>
-              </a:ln>
-              <a:effectLst>
-                <a:outerShdw dist="38103" dir="5400000" algn="tl">
-                  <a:srgbClr val="000000">
-                    <a:alpha val="40000"/>
-                  </a:srgbClr>
-                </a:outerShdw>
-              </a:effectLst>
-            </c:spPr>
-          </c:dPt>
-          <c:dPt>
-            <c:idx val="1"/>
-            <c:bubble3D val="0"/>
-            <c:spPr>
-              <a:solidFill>
-                <a:srgbClr val="92D050"/>
-              </a:solidFill>
-              <a:ln>
-                <a:noFill/>
-              </a:ln>
-              <a:effectLst>
-                <a:outerShdw dist="38103" dir="5400000" algn="tl">
-                  <a:srgbClr val="000000">
-                    <a:alpha val="40000"/>
-                  </a:srgbClr>
-                </a:outerShdw>
-              </a:effectLst>
-            </c:spPr>
-          </c:dPt>
-          <c:dPt>
-            <c:idx val="2"/>
-            <c:bubble3D val="0"/>
-            <c:spPr>
-              <a:solidFill>
-                <a:srgbClr val="92D050"/>
-              </a:solidFill>
-              <a:ln>
-                <a:noFill/>
-              </a:ln>
-              <a:effectLst>
-                <a:outerShdw dist="38103" dir="5400000" algn="tl">
-                  <a:srgbClr val="000000">
-                    <a:alpha val="40000"/>
-                  </a:srgbClr>
-                </a:outerShdw>
-              </a:effectLst>
-            </c:spPr>
-          </c:dPt>
-          <c:dPt>
-            <c:idx val="3"/>
-            <c:bubble3D val="0"/>
-            <c:spPr>
-              <a:solidFill>
-                <a:srgbClr val="92D050"/>
-              </a:solidFill>
-              <a:ln>
-                <a:noFill/>
-              </a:ln>
-              <a:effectLst>
-                <a:outerShdw dist="38103" dir="5400000" algn="tl">
-                  <a:srgbClr val="000000">
-                    <a:alpha val="40000"/>
-                  </a:srgbClr>
-                </a:outerShdw>
-              </a:effectLst>
-            </c:spPr>
-          </c:dPt>
-          <c:dLbls>
-            <c:dLbl>
-              <c:idx val="0"/>
-              <c:layout/>
-              <c:tx>
-                <c:rich>
-                  <a:bodyPr/>
-                  <a:lstStyle/>
-                  <a:p>
-                    <a:r>
-                      <a:rPr lang="en-US" baseline="0" dirty="0" smtClean="0">
-                        <a:solidFill>
-                          <a:srgbClr val="000000"/>
-                        </a:solidFill>
-                      </a:rPr>
-                      <a:t>14</a:t>
-                    </a:r>
-                    <a:endParaRPr lang="en-US" baseline="0" dirty="0">
-                      <a:solidFill>
-                        <a:srgbClr val="000000"/>
-                      </a:solidFill>
-                    </a:endParaRPr>
-                  </a:p>
-                </c:rich>
-              </c:tx>
-              <c:showLegendKey val="0"/>
-              <c:showVal val="1"/>
-              <c:showCatName val="0"/>
-              <c:showSerName val="0"/>
-              <c:showPercent val="0"/>
-              <c:showBubbleSize val="0"/>
-              <c:separator>; </c:separator>
-              <c:extLst>
-                <c:ext xmlns:c15="http://schemas.microsoft.com/office/drawing/2012/chart" uri="{CE6537A1-D6FC-4f65-9D91-7224C49458BB}">
-                  <c15:layout/>
-                </c:ext>
-              </c:extLst>
-            </c:dLbl>
-            <c:dLbl>
-              <c:idx val="1"/>
-              <c:delete val="1"/>
-              <c:extLst>
-                <c:ext xmlns:c15="http://schemas.microsoft.com/office/drawing/2012/chart" uri="{CE6537A1-D6FC-4f65-9D91-7224C49458BB}"/>
-              </c:extLst>
-            </c:dLbl>
-            <c:dLbl>
-              <c:idx val="2"/>
-              <c:delete val="1"/>
-              <c:extLst>
-                <c:ext xmlns:c15="http://schemas.microsoft.com/office/drawing/2012/chart" uri="{CE6537A1-D6FC-4f65-9D91-7224C49458BB}"/>
-              </c:extLst>
-            </c:dLbl>
-            <c:dLbl>
-              <c:idx val="3"/>
-              <c:delete val="1"/>
-              <c:extLst>
-                <c:ext xmlns:c15="http://schemas.microsoft.com/office/drawing/2012/chart" uri="{CE6537A1-D6FC-4f65-9D91-7224C49458BB}"/>
-              </c:extLst>
-            </c:dLbl>
-            <c:spPr>
-              <a:noFill/>
-              <a:ln>
-                <a:noFill/>
-              </a:ln>
-              <a:effectLst/>
-            </c:spPr>
-            <c:txPr>
-              <a:bodyPr lIns="0" tIns="0" rIns="0" bIns="0"/>
-              <a:lstStyle/>
-              <a:p>
-                <a:pPr marL="0" marR="0" indent="0" algn="ctr" defTabSz="914400" fontAlgn="auto" hangingPunct="1">
-                  <a:lnSpc>
-                    <a:spcPct val="100000"/>
-                  </a:lnSpc>
-                  <a:spcBef>
-                    <a:spcPts val="0"/>
-                  </a:spcBef>
-                  <a:spcAft>
-                    <a:spcPts val="0"/>
-                  </a:spcAft>
-                  <a:tabLst/>
-                  <a:defRPr lang="es-ES" sz="1200" b="1" i="0" u="none" strike="noStrike" kern="1200" baseline="0">
-                    <a:solidFill>
-                      <a:srgbClr val="FFFFFF"/>
-                    </a:solidFill>
-                    <a:latin typeface="Calibri"/>
-                  </a:defRPr>
-                </a:pPr>
-                <a:endParaRPr lang="es-PE"/>
-              </a:p>
-            </c:txPr>
-            <c:showLegendKey val="0"/>
-            <c:showVal val="1"/>
-            <c:showCatName val="0"/>
-            <c:showSerName val="0"/>
-            <c:showPercent val="0"/>
-            <c:showBubbleSize val="0"/>
-            <c:separator>; </c:separator>
-            <c:showLeaderLines val="1"/>
-            <c:extLst>
-              <c:ext xmlns:c15="http://schemas.microsoft.com/office/drawing/2012/chart" uri="{CE6537A1-D6FC-4f65-9D91-7224C49458BB}">
-                <c15:spPr xmlns:c15="http://schemas.microsoft.com/office/drawing/2012/chart">
-                  <a:prstGeom prst="rect">
-                    <a:avLst/>
-                  </a:prstGeom>
-                </c15:spPr>
-              </c:ext>
-            </c:extLst>
-          </c:dLbls>
-          <c:cat>
-            <c:strLit>
-              <c:ptCount val="4"/>
-              <c:pt idx="0">
-                <c:v>TXT OK</c:v>
-              </c:pt>
-              <c:pt idx="1">
-                <c:v>TXT DIFIC</c:v>
-              </c:pt>
-              <c:pt idx="2">
-                <c:v>TXT MUL</c:v>
-              </c:pt>
-              <c:pt idx="3">
-                <c:v>TXT PEN</c:v>
-              </c:pt>
-            </c:strLit>
-          </c:cat>
-          <c:val>
-            <c:numLit>
-              <c:formatCode>General</c:formatCode>
-              <c:ptCount val="4"/>
-              <c:pt idx="0">
-                <c:v>13</c:v>
-              </c:pt>
-              <c:pt idx="1">
-                <c:v>3</c:v>
-              </c:pt>
-              <c:pt idx="2">
-                <c:v>0</c:v>
-              </c:pt>
-              <c:pt idx="3">
-                <c:v>4</c:v>
-              </c:pt>
-            </c:numLit>
-          </c:val>
-        </c:ser>
-        <c:dLbls>
-          <c:showLegendKey val="0"/>
-          <c:showVal val="0"/>
-          <c:showCatName val="0"/>
-          <c:showSerName val="0"/>
-          <c:showPercent val="0"/>
-          <c:showBubbleSize val="0"/>
-          <c:showLeaderLines val="1"/>
-        </c:dLbls>
-        <c:firstSliceAng val="0"/>
-        <c:holeSize val="50"/>
-      </c:doughnutChart>
-      <c:spPr>
-        <a:noFill/>
-        <a:ln>
-          <a:noFill/>
-        </a:ln>
-      </c:spPr>
-    </c:plotArea>
-    <c:plotVisOnly val="1"/>
-    <c:dispBlanksAs val="gap"/>
-    <c:showDLblsOverMax val="0"/>
-  </c:chart>
-  <c:spPr>
-    <a:noFill/>
-    <a:ln>
-      <a:noFill/>
-    </a:ln>
-  </c:spPr>
-  <c:txPr>
-    <a:bodyPr lIns="0" tIns="0" rIns="0" bIns="0"/>
-    <a:lstStyle/>
-    <a:p>
-      <a:pPr marL="0" marR="0" indent="0" defTabSz="914400" fontAlgn="auto" hangingPunct="1">
-        <a:lnSpc>
-          <a:spcPct val="100000"/>
-        </a:lnSpc>
-        <a:spcBef>
-          <a:spcPts val="0"/>
-        </a:spcBef>
-        <a:spcAft>
-          <a:spcPts val="0"/>
-        </a:spcAft>
-        <a:tabLst/>
-        <a:defRPr lang="es-ES" sz="900" b="0" i="0" u="none" strike="noStrike" kern="1200" baseline="0">
-          <a:solidFill>
-            <a:srgbClr val="000000"/>
-          </a:solidFill>
-          <a:latin typeface="Calibri"/>
-        </a:defRPr>
-      </a:pPr>
-      <a:endParaRPr lang="es-PE"/>
-    </a:p>
-  </c:txPr>
-  <c:externalData r:id="rId1">
-    <c:autoUpdate val="0"/>
-  </c:externalData>
-</c:chartSpace>
-</file>
-
-<file path=ppt/charts/chart12.xml><?xml version="1.0" encoding="utf-8"?>
-<c:chartSpace xmlns:c="http://schemas.openxmlformats.org/drawingml/2006/chart" xmlns:a="http://schemas.openxmlformats.org/drawingml/2006/main" xmlns:r="http://schemas.openxmlformats.org/officeDocument/2006/relationships">
-  <c:date1904 val="0"/>
-  <c:lang val="es-ES"/>
-  <c:roundedCorners val="0"/>
-  <mc:AlternateContent xmlns:mc="http://schemas.openxmlformats.org/markup-compatibility/2006">
-    <mc:Choice xmlns:c14="http://schemas.microsoft.com/office/drawing/2007/8/2/chart" Requires="c14">
-      <c14:style val="102"/>
-    </mc:Choice>
-    <mc:Fallback>
-      <c:style val="2"/>
-    </mc:Fallback>
-  </mc:AlternateContent>
-  <c:chart>
-    <c:autoTitleDeleted val="1"/>
-    <c:plotArea>
-      <c:layout>
-        <c:manualLayout>
-          <c:layoutTarget val="inner"/>
-          <c:xMode val="edge"/>
-          <c:yMode val="edge"/>
-          <c:x val="0.18253229290622644"/>
-          <c:y val="0.30696646406256645"/>
-          <c:w val="0.44769152859182137"/>
-          <c:h val="0.49455133926183359"/>
-        </c:manualLayout>
-      </c:layout>
-      <c:doughnutChart>
-        <c:varyColors val="1"/>
-        <c:ser>
-          <c:idx val="0"/>
-          <c:order val="0"/>
-          <c:tx>
-            <c:v>Series1</c:v>
-          </c:tx>
-          <c:dPt>
-            <c:idx val="0"/>
-            <c:bubble3D val="0"/>
-            <c:spPr>
-              <a:solidFill>
-                <a:srgbClr val="92D050"/>
-              </a:solidFill>
-              <a:ln>
-                <a:noFill/>
-              </a:ln>
-              <a:effectLst>
-                <a:outerShdw dist="38096" dir="2700000" algn="tl">
-                  <a:srgbClr val="000000">
-                    <a:alpha val="40000"/>
-                  </a:srgbClr>
-                </a:outerShdw>
-              </a:effectLst>
-            </c:spPr>
-          </c:dPt>
-          <c:dPt>
-            <c:idx val="1"/>
-            <c:bubble3D val="0"/>
-            <c:spPr>
-              <a:solidFill>
-                <a:srgbClr val="FF0000"/>
-              </a:solidFill>
-              <a:ln>
-                <a:noFill/>
-              </a:ln>
-              <a:effectLst>
-                <a:outerShdw dist="38096" dir="2700000" algn="tl">
-                  <a:srgbClr val="000000">
-                    <a:alpha val="40000"/>
-                  </a:srgbClr>
-                </a:outerShdw>
-              </a:effectLst>
-            </c:spPr>
-          </c:dPt>
-          <c:dPt>
-            <c:idx val="2"/>
-            <c:bubble3D val="0"/>
-            <c:spPr>
-              <a:solidFill>
-                <a:srgbClr val="FF0000"/>
-              </a:solidFill>
-              <a:ln>
-                <a:noFill/>
-              </a:ln>
-            </c:spPr>
-          </c:dPt>
-          <c:dPt>
-            <c:idx val="3"/>
-            <c:bubble3D val="0"/>
-            <c:spPr>
-              <a:solidFill>
-                <a:srgbClr val="FFC000"/>
-              </a:solidFill>
-              <a:ln>
-                <a:noFill/>
-              </a:ln>
-              <a:effectLst>
-                <a:outerShdw dist="38096" dir="2700000" algn="tl">
-                  <a:srgbClr val="000000">
-                    <a:alpha val="40000"/>
-                  </a:srgbClr>
-                </a:outerShdw>
-              </a:effectLst>
-            </c:spPr>
-          </c:dPt>
-          <c:dLbls>
-            <c:dLbl>
-              <c:idx val="0"/>
-              <c:tx>
-                <c:rich>
-                  <a:bodyPr wrap="square" lIns="38100" tIns="19050" rIns="38100" bIns="19050" anchor="ctr">
-                    <a:spAutoFit/>
-                  </a:bodyPr>
-                  <a:lstStyle/>
-                  <a:p>
-                    <a:pPr>
-                      <a:defRPr sz="1200" baseline="0"/>
-                    </a:pPr>
-                    <a:r>
-                      <a:rPr lang="en-US" sz="1200" baseline="0" smtClean="0"/>
-                      <a:t>5</a:t>
-                    </a:r>
-                  </a:p>
-                </c:rich>
-              </c:tx>
-              <c:spPr>
-                <a:noFill/>
-                <a:ln>
-                  <a:noFill/>
-                </a:ln>
-                <a:effectLst/>
-              </c:spPr>
-              <c:showLegendKey val="0"/>
-              <c:showVal val="1"/>
-              <c:showCatName val="0"/>
-              <c:showSerName val="0"/>
-              <c:showPercent val="0"/>
-              <c:showBubbleSize val="0"/>
-              <c:extLst>
-                <c:ext xmlns:c15="http://schemas.microsoft.com/office/drawing/2012/chart" uri="{CE6537A1-D6FC-4f65-9D91-7224C49458BB}"/>
-              </c:extLst>
-            </c:dLbl>
-            <c:dLbl>
-              <c:idx val="1"/>
-              <c:spPr>
-                <a:noFill/>
-                <a:ln>
-                  <a:noFill/>
-                </a:ln>
-                <a:effectLst/>
-              </c:spPr>
-              <c:txPr>
-                <a:bodyPr wrap="square" lIns="38100" tIns="19050" rIns="38100" bIns="19050" anchor="ctr">
-                  <a:spAutoFit/>
-                </a:bodyPr>
-                <a:lstStyle/>
-                <a:p>
-                  <a:pPr>
-                    <a:defRPr sz="1200" baseline="0"/>
-                  </a:pPr>
-                  <a:endParaRPr lang="es-PE"/>
-                </a:p>
-              </c:txPr>
-              <c:showLegendKey val="0"/>
-              <c:showVal val="1"/>
-              <c:showCatName val="0"/>
-              <c:showSerName val="0"/>
-              <c:showPercent val="0"/>
-              <c:showBubbleSize val="0"/>
-            </c:dLbl>
-            <c:dLbl>
-              <c:idx val="3"/>
-              <c:tx>
-                <c:rich>
-                  <a:bodyPr wrap="square" lIns="38100" tIns="19050" rIns="38100" bIns="19050" anchor="ctr">
-                    <a:noAutofit/>
-                  </a:bodyPr>
-                  <a:lstStyle/>
-                  <a:p>
-                    <a:pPr>
-                      <a:defRPr/>
-                    </a:pPr>
-                    <a:fld id="{879003C2-D48B-4516-A6AA-3B26DAC37257}" type="VALUE">
-                      <a:rPr lang="en-US" smtClean="0"/>
-                      <a:pPr>
-                        <a:defRPr/>
-                      </a:pPr>
-                      <a:t>[VALOR]</a:t>
-                    </a:fld>
-                    <a:endParaRPr lang="es-PE"/>
-                  </a:p>
-                </c:rich>
-              </c:tx>
-              <c:spPr>
-                <a:noFill/>
-                <a:ln>
-                  <a:noFill/>
-                </a:ln>
-                <a:effectLst/>
-              </c:spPr>
-              <c:showLegendKey val="0"/>
-              <c:showVal val="1"/>
-              <c:showCatName val="0"/>
-              <c:showSerName val="0"/>
-              <c:showPercent val="0"/>
-              <c:showBubbleSize val="0"/>
-              <c:extLst>
-                <c:ext xmlns:c15="http://schemas.microsoft.com/office/drawing/2012/chart" uri="{CE6537A1-D6FC-4f65-9D91-7224C49458BB}">
-                  <c15:spPr xmlns:c15="http://schemas.microsoft.com/office/drawing/2012/chart">
-                    <a:prstGeom prst="rect">
-                      <a:avLst/>
-                    </a:prstGeom>
-                  </c15:spPr>
-                  <c15:dlblFieldTable/>
-                  <c15:showDataLabelsRange val="0"/>
-                </c:ext>
-              </c:extLst>
-            </c:dLbl>
-            <c:spPr>
-              <a:noFill/>
-              <a:ln>
-                <a:noFill/>
-              </a:ln>
-              <a:effectLst/>
-            </c:spPr>
-            <c:showLegendKey val="0"/>
-            <c:showVal val="1"/>
-            <c:showCatName val="0"/>
-            <c:showSerName val="0"/>
-            <c:showPercent val="0"/>
-            <c:showBubbleSize val="0"/>
-            <c:showLeaderLines val="1"/>
-            <c:extLst>
-              <c:ext xmlns:c15="http://schemas.microsoft.com/office/drawing/2012/chart" uri="{CE6537A1-D6FC-4f65-9D91-7224C49458BB}"/>
-            </c:extLst>
-          </c:dLbls>
-          <c:cat>
-            <c:numLit>
-              <c:formatCode>General</c:formatCode>
-              <c:ptCount val="4"/>
-              <c:pt idx="0">
-                <c:v>21</c:v>
-              </c:pt>
-              <c:pt idx="1">
-                <c:v>1</c:v>
-              </c:pt>
-              <c:pt idx="2">
-                <c:v>0</c:v>
-              </c:pt>
-              <c:pt idx="3">
-                <c:v>1</c:v>
-              </c:pt>
-            </c:numLit>
-          </c:cat>
-          <c:val>
-            <c:numLit>
-              <c:formatCode>General</c:formatCode>
-              <c:ptCount val="4"/>
-              <c:pt idx="0">
-                <c:v>21</c:v>
-              </c:pt>
-              <c:pt idx="1">
-                <c:v>1</c:v>
-              </c:pt>
-              <c:pt idx="2">
-                <c:v>0</c:v>
-              </c:pt>
-              <c:pt idx="3">
-                <c:v>1</c:v>
-              </c:pt>
-            </c:numLit>
-          </c:val>
-        </c:ser>
-        <c:dLbls>
-          <c:showLegendKey val="0"/>
-          <c:showVal val="0"/>
-          <c:showCatName val="0"/>
-          <c:showSerName val="0"/>
-          <c:showPercent val="0"/>
-          <c:showBubbleSize val="0"/>
-          <c:showLeaderLines val="1"/>
-        </c:dLbls>
-        <c:firstSliceAng val="0"/>
-        <c:holeSize val="50"/>
-      </c:doughnutChart>
-      <c:spPr>
-        <a:noFill/>
-        <a:ln>
-          <a:noFill/>
-        </a:ln>
-      </c:spPr>
-    </c:plotArea>
-    <c:plotVisOnly val="1"/>
-    <c:dispBlanksAs val="gap"/>
-    <c:showDLblsOverMax val="0"/>
-  </c:chart>
-  <c:spPr>
-    <a:noFill/>
-    <a:ln>
-      <a:noFill/>
-    </a:ln>
-  </c:spPr>
-  <c:txPr>
-    <a:bodyPr lIns="0" tIns="0" rIns="0" bIns="0"/>
-    <a:lstStyle/>
-    <a:p>
-      <a:pPr marL="0" marR="0" indent="0" defTabSz="914400" fontAlgn="auto" hangingPunct="1">
-        <a:lnSpc>
-          <a:spcPct val="100000"/>
-        </a:lnSpc>
-        <a:spcBef>
-          <a:spcPts val="0"/>
-        </a:spcBef>
-        <a:spcAft>
-          <a:spcPts val="0"/>
-        </a:spcAft>
-        <a:tabLst/>
-        <a:defRPr lang="es-ES" sz="900" b="0" i="0" u="none" strike="noStrike" kern="1200" baseline="0">
-          <a:solidFill>
-            <a:srgbClr val="000000"/>
-          </a:solidFill>
-          <a:latin typeface="Calibri"/>
-        </a:defRPr>
-      </a:pPr>
-      <a:endParaRPr lang="es-PE"/>
-    </a:p>
-  </c:txPr>
-  <c:externalData r:id="rId1">
-    <c:autoUpdate val="0"/>
-  </c:externalData>
-</c:chartSpace>
-</file>
-
 <file path=ppt/charts/chart13.xml><?xml version="1.0" encoding="utf-8"?>
 <c:chartSpace xmlns:c="http://schemas.openxmlformats.org/drawingml/2006/chart" xmlns:a="http://schemas.openxmlformats.org/drawingml/2006/main" xmlns:r="http://schemas.openxmlformats.org/officeDocument/2006/relationships">
   <c:date1904 val="0"/>
@@ -1555,6 +1549,7 @@
           <c:dLbls>
             <c:dLbl>
               <c:idx val="0"/>
+              <c:layout/>
               <c:tx>
                 <c:rich>
                   <a:bodyPr lIns="0" tIns="0" rIns="0" bIns="0"/>
@@ -1607,6 +1602,7 @@
                       <a:avLst/>
                     </a:prstGeom>
                   </c15:spPr>
+                  <c15:layout/>
                 </c:ext>
               </c:extLst>
             </c:dLbl>
@@ -1926,6 +1922,7 @@
           <c:dLbls>
             <c:dLbl>
               <c:idx val="0"/>
+              <c:layout/>
               <c:tx>
                 <c:rich>
                   <a:bodyPr/>
@@ -1946,7 +1943,9 @@
               <c:showBubbleSize val="0"/>
               <c:separator>; </c:separator>
               <c:extLst>
-                <c:ext xmlns:c15="http://schemas.microsoft.com/office/drawing/2012/chart" uri="{CE6537A1-D6FC-4f65-9D91-7224C49458BB}"/>
+                <c:ext xmlns:c15="http://schemas.microsoft.com/office/drawing/2012/chart" uri="{CE6537A1-D6FC-4f65-9D91-7224C49458BB}">
+                  <c15:layout/>
+                </c:ext>
               </c:extLst>
             </c:dLbl>
             <c:dLbl>
@@ -2336,6 +2335,7 @@
             </c:dLbl>
             <c:dLbl>
               <c:idx val="3"/>
+              <c:layout/>
               <c:tx>
                 <c:rich>
                   <a:bodyPr/>
@@ -2363,6 +2363,7 @@
               <c:separator>; </c:separator>
               <c:extLst>
                 <c:ext xmlns:c15="http://schemas.microsoft.com/office/drawing/2012/chart" uri="{CE6537A1-D6FC-4f65-9D91-7224C49458BB}">
+                  <c15:layout/>
                   <c15:dlblFieldTable/>
                   <c15:showDataLabelsRange val="0"/>
                 </c:ext>
@@ -2954,6 +2955,7 @@
           <c:dLbls>
             <c:dLbl>
               <c:idx val="0"/>
+              <c:layout/>
               <c:tx>
                 <c:rich>
                   <a:bodyPr/>
@@ -2987,7 +2989,9 @@
               <c:showBubbleSize val="0"/>
               <c:separator>; </c:separator>
               <c:extLst>
-                <c:ext xmlns:c15="http://schemas.microsoft.com/office/drawing/2012/chart" uri="{CE6537A1-D6FC-4f65-9D91-7224C49458BB}"/>
+                <c:ext xmlns:c15="http://schemas.microsoft.com/office/drawing/2012/chart" uri="{CE6537A1-D6FC-4f65-9D91-7224C49458BB}">
+                  <c15:layout/>
+                </c:ext>
               </c:extLst>
             </c:dLbl>
             <c:dLbl>
@@ -3266,6 +3270,7 @@
           <c:dLbls>
             <c:dLbl>
               <c:idx val="0"/>
+              <c:layout/>
               <c:tx>
                 <c:rich>
                   <a:bodyPr/>
@@ -3299,7 +3304,9 @@
               <c:showBubbleSize val="0"/>
               <c:separator>; </c:separator>
               <c:extLst>
-                <c:ext xmlns:c15="http://schemas.microsoft.com/office/drawing/2012/chart" uri="{CE6537A1-D6FC-4f65-9D91-7224C49458BB}"/>
+                <c:ext xmlns:c15="http://schemas.microsoft.com/office/drawing/2012/chart" uri="{CE6537A1-D6FC-4f65-9D91-7224C49458BB}">
+                  <c15:layout/>
+                </c:ext>
               </c:extLst>
             </c:dLbl>
             <c:dLbl>
@@ -3573,6 +3580,7 @@
           <c:dLbls>
             <c:dLbl>
               <c:idx val="0"/>
+              <c:layout/>
               <c:tx>
                 <c:rich>
                   <a:bodyPr/>
@@ -3602,11 +3610,14 @@
               <c:showBubbleSize val="0"/>
               <c:separator>; </c:separator>
               <c:extLst>
-                <c:ext xmlns:c15="http://schemas.microsoft.com/office/drawing/2012/chart" uri="{CE6537A1-D6FC-4f65-9D91-7224C49458BB}"/>
+                <c:ext xmlns:c15="http://schemas.microsoft.com/office/drawing/2012/chart" uri="{CE6537A1-D6FC-4f65-9D91-7224C49458BB}">
+                  <c15:layout/>
+                </c:ext>
               </c:extLst>
             </c:dLbl>
             <c:dLbl>
               <c:idx val="1"/>
+              <c:layout/>
               <c:tx>
                 <c:rich>
                   <a:bodyPr/>
@@ -3631,7 +3642,9 @@
               <c:showBubbleSize val="0"/>
               <c:separator>; </c:separator>
               <c:extLst>
-                <c:ext xmlns:c15="http://schemas.microsoft.com/office/drawing/2012/chart" uri="{CE6537A1-D6FC-4f65-9D91-7224C49458BB}"/>
+                <c:ext xmlns:c15="http://schemas.microsoft.com/office/drawing/2012/chart" uri="{CE6537A1-D6FC-4f65-9D91-7224C49458BB}">
+                  <c15:layout/>
+                </c:ext>
               </c:extLst>
             </c:dLbl>
             <c:dLbl>
@@ -3938,7 +3951,6 @@
           <c:dLbls>
             <c:dLbl>
               <c:idx val="0"/>
-              <c:layout/>
               <c:tx>
                 <c:rich>
                   <a:bodyPr lIns="0" tIns="0" rIns="0" bIns="0"/>
@@ -3991,7 +4003,6 @@
                       <a:avLst/>
                     </a:prstGeom>
                   </c15:spPr>
-                  <c15:layout/>
                 </c:ext>
               </c:extLst>
             </c:dLbl>
@@ -4311,6 +4322,7 @@
           <c:dLbls>
             <c:dLbl>
               <c:idx val="0"/>
+              <c:layout/>
               <c:tx>
                 <c:rich>
                   <a:bodyPr/>
@@ -4340,7 +4352,9 @@
               <c:showBubbleSize val="0"/>
               <c:separator>; </c:separator>
               <c:extLst>
-                <c:ext xmlns:c15="http://schemas.microsoft.com/office/drawing/2012/chart" uri="{CE6537A1-D6FC-4f65-9D91-7224C49458BB}"/>
+                <c:ext xmlns:c15="http://schemas.microsoft.com/office/drawing/2012/chart" uri="{CE6537A1-D6FC-4f65-9D91-7224C49458BB}">
+                  <c15:layout/>
+                </c:ext>
               </c:extLst>
             </c:dLbl>
             <c:dLbl>
@@ -4619,6 +4633,7 @@
           <c:dLbls>
             <c:dLbl>
               <c:idx val="0"/>
+              <c:layout/>
               <c:tx>
                 <c:rich>
                   <a:bodyPr/>
@@ -4648,7 +4663,9 @@
               <c:showBubbleSize val="0"/>
               <c:separator>; </c:separator>
               <c:extLst>
-                <c:ext xmlns:c15="http://schemas.microsoft.com/office/drawing/2012/chart" uri="{CE6537A1-D6FC-4f65-9D91-7224C49458BB}"/>
+                <c:ext xmlns:c15="http://schemas.microsoft.com/office/drawing/2012/chart" uri="{CE6537A1-D6FC-4f65-9D91-7224C49458BB}">
+                  <c15:layout/>
+                </c:ext>
               </c:extLst>
             </c:dLbl>
             <c:dLbl>
@@ -4927,7 +4944,6 @@
           <c:dLbls>
             <c:dLbl>
               <c:idx val="0"/>
-              <c:layout/>
               <c:tx>
                 <c:rich>
                   <a:bodyPr/>
@@ -4948,9 +4964,7 @@
               <c:showBubbleSize val="0"/>
               <c:separator>; </c:separator>
               <c:extLst>
-                <c:ext xmlns:c15="http://schemas.microsoft.com/office/drawing/2012/chart" uri="{CE6537A1-D6FC-4f65-9D91-7224C49458BB}">
-                  <c15:layout/>
-                </c:ext>
+                <c:ext xmlns:c15="http://schemas.microsoft.com/office/drawing/2012/chart" uri="{CE6537A1-D6FC-4f65-9D91-7224C49458BB}"/>
               </c:extLst>
             </c:dLbl>
             <c:dLbl>
@@ -5340,7 +5354,6 @@
             </c:dLbl>
             <c:dLbl>
               <c:idx val="3"/>
-              <c:layout/>
               <c:tx>
                 <c:rich>
                   <a:bodyPr/>
@@ -5368,7 +5381,6 @@
               <c:separator>; </c:separator>
               <c:extLst>
                 <c:ext xmlns:c15="http://schemas.microsoft.com/office/drawing/2012/chart" uri="{CE6537A1-D6FC-4f65-9D91-7224C49458BB}">
-                  <c15:layout/>
                   <c15:dlblFieldTable/>
                   <c15:showDataLabelsRange val="0"/>
                 </c:ext>
@@ -6529,7 +6541,6 @@
           <c:dLbls>
             <c:dLbl>
               <c:idx val="0"/>
-              <c:layout/>
               <c:tx>
                 <c:rich>
                   <a:bodyPr/>
@@ -6563,9 +6574,7 @@
               <c:showBubbleSize val="0"/>
               <c:separator>; </c:separator>
               <c:extLst>
-                <c:ext xmlns:c15="http://schemas.microsoft.com/office/drawing/2012/chart" uri="{CE6537A1-D6FC-4f65-9D91-7224C49458BB}">
-                  <c15:layout/>
-                </c:ext>
+                <c:ext xmlns:c15="http://schemas.microsoft.com/office/drawing/2012/chart" uri="{CE6537A1-D6FC-4f65-9D91-7224C49458BB}"/>
               </c:extLst>
             </c:dLbl>
             <c:dLbl>
@@ -6844,7 +6853,6 @@
           <c:dLbls>
             <c:dLbl>
               <c:idx val="0"/>
-              <c:layout/>
               <c:tx>
                 <c:rich>
                   <a:bodyPr/>
@@ -6878,9 +6886,7 @@
               <c:showBubbleSize val="0"/>
               <c:separator>; </c:separator>
               <c:extLst>
-                <c:ext xmlns:c15="http://schemas.microsoft.com/office/drawing/2012/chart" uri="{CE6537A1-D6FC-4f65-9D91-7224C49458BB}">
-                  <c15:layout/>
-                </c:ext>
+                <c:ext xmlns:c15="http://schemas.microsoft.com/office/drawing/2012/chart" uri="{CE6537A1-D6FC-4f65-9D91-7224C49458BB}"/>
               </c:extLst>
             </c:dLbl>
             <c:dLbl>
@@ -7154,7 +7160,6 @@
           <c:dLbls>
             <c:dLbl>
               <c:idx val="0"/>
-              <c:layout/>
               <c:tx>
                 <c:rich>
                   <a:bodyPr/>
@@ -7184,14 +7189,11 @@
               <c:showBubbleSize val="0"/>
               <c:separator>; </c:separator>
               <c:extLst>
-                <c:ext xmlns:c15="http://schemas.microsoft.com/office/drawing/2012/chart" uri="{CE6537A1-D6FC-4f65-9D91-7224C49458BB}">
-                  <c15:layout/>
-                </c:ext>
+                <c:ext xmlns:c15="http://schemas.microsoft.com/office/drawing/2012/chart" uri="{CE6537A1-D6FC-4f65-9D91-7224C49458BB}"/>
               </c:extLst>
             </c:dLbl>
             <c:dLbl>
               <c:idx val="1"/>
-              <c:layout/>
               <c:tx>
                 <c:rich>
                   <a:bodyPr/>
@@ -7216,9 +7218,7 @@
               <c:showBubbleSize val="0"/>
               <c:separator>; </c:separator>
               <c:extLst>
-                <c:ext xmlns:c15="http://schemas.microsoft.com/office/drawing/2012/chart" uri="{CE6537A1-D6FC-4f65-9D91-7224C49458BB}">
-                  <c15:layout/>
-                </c:ext>
+                <c:ext xmlns:c15="http://schemas.microsoft.com/office/drawing/2012/chart" uri="{CE6537A1-D6FC-4f65-9D91-7224C49458BB}"/>
               </c:extLst>
             </c:dLbl>
             <c:dLbl>
@@ -7504,7 +7504,7 @@
             <a:fld id="{33BC5C0D-1A8E-40E5-ADA0-84DBF59AA5C6}" type="datetimeFigureOut">
               <a:rPr lang="es-PE" smtClean="0"/>
               <a:pPr/>
-              <a:t>05/02/2018</a:t>
+              <a:t>06/02/2018</a:t>
             </a:fld>
             <a:endParaRPr lang="es-PE"/>
           </a:p>
@@ -7671,7 +7671,7 @@
             <a:fld id="{1D6789CF-F719-4CF8-BD89-6F425D155B51}" type="datetimeFigureOut">
               <a:rPr lang="es-PE" smtClean="0"/>
               <a:pPr/>
-              <a:t>05/02/2018</a:t>
+              <a:t>06/02/2018</a:t>
             </a:fld>
             <a:endParaRPr lang="es-PE"/>
           </a:p>
@@ -8025,7 +8025,7 @@
             <a:fld id="{D7E77C8B-DD1F-4A72-984B-6415D7DA5034}" type="datetimeFigureOut">
               <a:rPr lang="es-PE" smtClean="0"/>
               <a:pPr/>
-              <a:t>05/02/2018</a:t>
+              <a:t>06/02/2018</a:t>
             </a:fld>
             <a:endParaRPr lang="es-PE" dirty="0"/>
           </a:p>
@@ -10275,6 +10275,13 @@
       </p:transition>
     </mc:Fallback>
   </mc:AlternateContent>
+  <p:timing>
+    <p:tnLst>
+      <p:par>
+        <p:cTn id="1" dur="indefinite" restart="never" nodeType="tmRoot"/>
+      </p:par>
+    </p:tnLst>
+  </p:timing>
 </p:sld>
 </file>
 
@@ -10536,6 +10543,13 @@
       </p:transition>
     </mc:Fallback>
   </mc:AlternateContent>
+  <p:timing>
+    <p:tnLst>
+      <p:par>
+        <p:cTn id="1" dur="indefinite" restart="never" nodeType="tmRoot"/>
+      </p:par>
+    </p:tnLst>
+  </p:timing>
 </p:sld>
 </file>
 
@@ -11212,6 +11226,1239 @@
           <a:chExt cx="0" cy="0"/>
         </a:xfrm>
       </p:grpSpPr>
+      <p:grpSp>
+        <p:nvGrpSpPr>
+          <p:cNvPr id="2" name="Window"/>
+          <p:cNvGrpSpPr/>
+          <p:nvPr>
+            <p:custDataLst>
+              <p:custData r:id="rId1"/>
+            </p:custDataLst>
+          </p:nvPr>
+        </p:nvGrpSpPr>
+        <p:grpSpPr>
+          <a:xfrm>
+            <a:off x="2062758" y="1412776"/>
+            <a:ext cx="5472608" cy="3024336"/>
+            <a:chOff x="0" y="-105956"/>
+            <a:chExt cx="9144000" cy="6963956"/>
+          </a:xfrm>
+        </p:grpSpPr>
+        <p:grpSp>
+          <p:nvGrpSpPr>
+            <p:cNvPr id="3" name="Group 2"/>
+            <p:cNvGrpSpPr/>
+            <p:nvPr/>
+          </p:nvGrpSpPr>
+          <p:grpSpPr>
+            <a:xfrm>
+              <a:off x="0" y="-105956"/>
+              <a:ext cx="9144000" cy="6963956"/>
+              <a:chOff x="0" y="-105956"/>
+              <a:chExt cx="9144000" cy="6963956"/>
+            </a:xfrm>
+          </p:grpSpPr>
+          <p:sp>
+            <p:nvSpPr>
+              <p:cNvPr id="11" name="Rectangle 10"/>
+              <p:cNvSpPr/>
+              <p:nvPr/>
+            </p:nvSpPr>
+            <p:spPr>
+              <a:xfrm>
+                <a:off x="0" y="0"/>
+                <a:ext cx="9144000" cy="6858000"/>
+              </a:xfrm>
+              <a:prstGeom prst="rect">
+                <a:avLst/>
+              </a:prstGeom>
+              <a:solidFill>
+                <a:srgbClr val="FFFFFF">
+                  <a:lumMod val="65000"/>
+                </a:srgbClr>
+              </a:solidFill>
+              <a:ln w="3175" cap="flat" cmpd="sng" algn="ctr">
+                <a:solidFill>
+                  <a:srgbClr val="000000">
+                    <a:lumMod val="50000"/>
+                    <a:lumOff val="50000"/>
+                  </a:srgbClr>
+                </a:solidFill>
+                <a:prstDash val="solid"/>
+              </a:ln>
+              <a:effectLst/>
+            </p:spPr>
+            <p:txBody>
+              <a:bodyPr rtlCol="0" anchor="ctr"/>
+              <a:lstStyle/>
+              <a:p>
+                <a:pPr algn="ctr"/>
+                <a:endParaRPr lang="en-US" sz="800" kern="0">
+                  <a:solidFill>
+                    <a:prstClr val="white"/>
+                  </a:solidFill>
+                  <a:latin typeface="Segoe UI"/>
+                </a:endParaRPr>
+              </a:p>
+            </p:txBody>
+          </p:sp>
+          <p:sp>
+            <p:nvSpPr>
+              <p:cNvPr id="12" name="Rectangle 11"/>
+              <p:cNvSpPr/>
+              <p:nvPr/>
+            </p:nvSpPr>
+            <p:spPr>
+              <a:xfrm>
+                <a:off x="76200" y="309484"/>
+                <a:ext cx="8991600" cy="6437733"/>
+              </a:xfrm>
+              <a:prstGeom prst="rect">
+                <a:avLst/>
+              </a:prstGeom>
+              <a:solidFill>
+                <a:sysClr val="window" lastClr="FFFFFF"/>
+              </a:solidFill>
+              <a:ln w="3175" cap="flat" cmpd="sng" algn="ctr">
+                <a:solidFill>
+                  <a:srgbClr val="000000">
+                    <a:lumMod val="50000"/>
+                    <a:lumOff val="50000"/>
+                  </a:srgbClr>
+                </a:solidFill>
+                <a:prstDash val="solid"/>
+              </a:ln>
+              <a:effectLst/>
+            </p:spPr>
+            <p:txBody>
+              <a:bodyPr rtlCol="0" anchor="ctr"/>
+              <a:lstStyle/>
+              <a:p>
+                <a:pPr algn="ctr"/>
+                <a:endParaRPr lang="en-US" sz="800" kern="0">
+                  <a:solidFill>
+                    <a:prstClr val="white"/>
+                  </a:solidFill>
+                  <a:latin typeface="Segoe UI"/>
+                </a:endParaRPr>
+              </a:p>
+            </p:txBody>
+          </p:sp>
+          <p:sp>
+            <p:nvSpPr>
+              <p:cNvPr id="13" name="WindowTitle"/>
+              <p:cNvSpPr txBox="1"/>
+              <p:nvPr/>
+            </p:nvSpPr>
+            <p:spPr>
+              <a:xfrm>
+                <a:off x="240977" y="-105956"/>
+                <a:ext cx="2423287" cy="528219"/>
+              </a:xfrm>
+              <a:prstGeom prst="rect">
+                <a:avLst/>
+              </a:prstGeom>
+              <a:noFill/>
+            </p:spPr>
+            <p:txBody>
+              <a:bodyPr wrap="none" lIns="45720" tIns="18288" rIns="91440" bIns="27432" rtlCol="0" anchor="ctr" anchorCtr="0">
+                <a:spAutoFit/>
+              </a:bodyPr>
+              <a:lstStyle/>
+              <a:p>
+                <a:r>
+                  <a:rPr lang="en-US" sz="1200" dirty="0" smtClean="0">
+                    <a:solidFill>
+                      <a:prstClr val="white"/>
+                    </a:solidFill>
+                    <a:latin typeface="Segoe UI" pitchFamily="34" charset="0"/>
+                    <a:ea typeface="Segoe UI" pitchFamily="34" charset="0"/>
+                    <a:cs typeface="Segoe UI" pitchFamily="34" charset="0"/>
+                  </a:rPr>
+                  <a:t>Ingreso Transmisiones</a:t>
+                </a:r>
+                <a:endParaRPr lang="en-US" sz="1200" dirty="0" smtClean="0">
+                  <a:solidFill>
+                    <a:prstClr val="white"/>
+                  </a:solidFill>
+                  <a:latin typeface="Segoe UI" pitchFamily="34" charset="0"/>
+                  <a:ea typeface="Segoe UI" pitchFamily="34" charset="0"/>
+                  <a:cs typeface="Segoe UI" pitchFamily="34" charset="0"/>
+                </a:endParaRPr>
+              </a:p>
+            </p:txBody>
+          </p:sp>
+        </p:grpSp>
+        <p:grpSp>
+          <p:nvGrpSpPr>
+            <p:cNvPr id="4" name="Minimize - Maximize - Close"/>
+            <p:cNvGrpSpPr/>
+            <p:nvPr/>
+          </p:nvGrpSpPr>
+          <p:grpSpPr>
+            <a:xfrm>
+              <a:off x="8632311" y="92599"/>
+              <a:ext cx="384527" cy="78032"/>
+              <a:chOff x="9347642" y="131588"/>
+              <a:chExt cx="384527" cy="78032"/>
+            </a:xfrm>
+          </p:grpSpPr>
+          <p:cxnSp>
+            <p:nvCxnSpPr>
+              <p:cNvPr id="6" name="Line"/>
+              <p:cNvCxnSpPr/>
+              <p:nvPr/>
+            </p:nvCxnSpPr>
+            <p:spPr>
+              <a:xfrm>
+                <a:off x="9661396" y="131588"/>
+                <a:ext cx="70773" cy="76200"/>
+              </a:xfrm>
+              <a:prstGeom prst="line">
+                <a:avLst/>
+              </a:prstGeom>
+              <a:ln w="12700">
+                <a:solidFill>
+                  <a:srgbClr val="FFFFFF"/>
+                </a:solidFill>
+              </a:ln>
+            </p:spPr>
+            <p:style>
+              <a:lnRef idx="1">
+                <a:srgbClr val="4F81BD"/>
+              </a:lnRef>
+              <a:fillRef idx="0">
+                <a:srgbClr val="4F81BD"/>
+              </a:fillRef>
+              <a:effectRef idx="0">
+                <a:srgbClr val="4F81BD"/>
+              </a:effectRef>
+              <a:fontRef idx="minor">
+                <a:srgbClr val="000000"/>
+              </a:fontRef>
+            </p:style>
+          </p:cxnSp>
+          <p:cxnSp>
+            <p:nvCxnSpPr>
+              <p:cNvPr id="7" name="Line"/>
+              <p:cNvCxnSpPr/>
+              <p:nvPr/>
+            </p:nvCxnSpPr>
+            <p:spPr>
+              <a:xfrm flipH="1">
+                <a:off x="9661395" y="131588"/>
+                <a:ext cx="70773" cy="76200"/>
+              </a:xfrm>
+              <a:prstGeom prst="line">
+                <a:avLst/>
+              </a:prstGeom>
+              <a:ln w="12700">
+                <a:solidFill>
+                  <a:srgbClr val="FFFFFF"/>
+                </a:solidFill>
+              </a:ln>
+            </p:spPr>
+            <p:style>
+              <a:lnRef idx="1">
+                <a:srgbClr val="4F81BD"/>
+              </a:lnRef>
+              <a:fillRef idx="0">
+                <a:srgbClr val="4F81BD"/>
+              </a:fillRef>
+              <a:effectRef idx="0">
+                <a:srgbClr val="4F81BD"/>
+              </a:effectRef>
+              <a:fontRef idx="minor">
+                <a:srgbClr val="000000"/>
+              </a:fontRef>
+            </p:style>
+          </p:cxnSp>
+          <p:sp>
+            <p:nvSpPr>
+              <p:cNvPr id="8" name="Line"/>
+              <p:cNvSpPr/>
+              <p:nvPr/>
+            </p:nvSpPr>
+            <p:spPr>
+              <a:xfrm rot="10800000" flipV="1">
+                <a:off x="9499472" y="143255"/>
+                <a:ext cx="91440" cy="9144"/>
+              </a:xfrm>
+              <a:prstGeom prst="rect">
+                <a:avLst/>
+              </a:prstGeom>
+              <a:solidFill>
+                <a:srgbClr val="919191"/>
+              </a:solidFill>
+              <a:ln w="3175">
+                <a:solidFill>
+                  <a:srgbClr val="FFFFFF"/>
+                </a:solidFill>
+              </a:ln>
+            </p:spPr>
+            <p:style>
+              <a:lnRef idx="2">
+                <a:srgbClr val="4F81BD">
+                  <a:shade val="50000"/>
+                </a:srgbClr>
+              </a:lnRef>
+              <a:fillRef idx="1001">
+                <a:srgbClr val="000000"/>
+              </a:fillRef>
+              <a:effectRef idx="0">
+                <a:srgbClr val="4F81BD"/>
+              </a:effectRef>
+              <a:fontRef idx="minor">
+                <a:srgbClr val="000000"/>
+              </a:fontRef>
+            </p:style>
+            <p:txBody>
+              <a:bodyPr rtlCol="0" anchor="ctr"/>
+              <a:lstStyle/>
+              <a:p>
+                <a:pPr algn="ctr"/>
+                <a:endParaRPr lang="en-US" dirty="0">
+                  <a:solidFill>
+                    <a:prstClr val="white"/>
+                  </a:solidFill>
+                </a:endParaRPr>
+              </a:p>
+            </p:txBody>
+          </p:sp>
+          <p:sp>
+            <p:nvSpPr>
+              <p:cNvPr id="9" name="Line"/>
+              <p:cNvSpPr/>
+              <p:nvPr/>
+            </p:nvSpPr>
+            <p:spPr>
+              <a:xfrm rot="10800000" flipV="1">
+                <a:off x="9498658" y="135261"/>
+                <a:ext cx="91440" cy="72527"/>
+              </a:xfrm>
+              <a:prstGeom prst="rect">
+                <a:avLst/>
+              </a:prstGeom>
+              <a:noFill/>
+              <a:ln w="12700">
+                <a:solidFill>
+                  <a:srgbClr val="FFFFFF"/>
+                </a:solidFill>
+              </a:ln>
+            </p:spPr>
+            <p:style>
+              <a:lnRef idx="2">
+                <a:srgbClr val="4F81BD">
+                  <a:shade val="50000"/>
+                </a:srgbClr>
+              </a:lnRef>
+              <a:fillRef idx="1001">
+                <a:srgbClr val="000000"/>
+              </a:fillRef>
+              <a:effectRef idx="0">
+                <a:srgbClr val="4F81BD"/>
+              </a:effectRef>
+              <a:fontRef idx="minor">
+                <a:srgbClr val="000000"/>
+              </a:fontRef>
+            </p:style>
+            <p:txBody>
+              <a:bodyPr rtlCol="0" anchor="ctr"/>
+              <a:lstStyle/>
+              <a:p>
+                <a:pPr algn="ctr"/>
+                <a:endParaRPr lang="en-US" dirty="0">
+                  <a:solidFill>
+                    <a:prstClr val="white"/>
+                  </a:solidFill>
+                </a:endParaRPr>
+              </a:p>
+            </p:txBody>
+          </p:sp>
+          <p:sp>
+            <p:nvSpPr>
+              <p:cNvPr id="10" name="Line"/>
+              <p:cNvSpPr/>
+              <p:nvPr/>
+            </p:nvSpPr>
+            <p:spPr>
+              <a:xfrm rot="10800000" flipV="1">
+                <a:off x="9347642" y="200476"/>
+                <a:ext cx="91440" cy="9144"/>
+              </a:xfrm>
+              <a:prstGeom prst="rect">
+                <a:avLst/>
+              </a:prstGeom>
+              <a:solidFill>
+                <a:srgbClr val="919191"/>
+              </a:solidFill>
+              <a:ln w="3175">
+                <a:solidFill>
+                  <a:srgbClr val="FFFFFF"/>
+                </a:solidFill>
+              </a:ln>
+            </p:spPr>
+            <p:style>
+              <a:lnRef idx="2">
+                <a:srgbClr val="4F81BD">
+                  <a:shade val="50000"/>
+                </a:srgbClr>
+              </a:lnRef>
+              <a:fillRef idx="1001">
+                <a:srgbClr val="000000"/>
+              </a:fillRef>
+              <a:effectRef idx="0">
+                <a:srgbClr val="4F81BD"/>
+              </a:effectRef>
+              <a:fontRef idx="minor">
+                <a:srgbClr val="000000"/>
+              </a:fontRef>
+            </p:style>
+            <p:txBody>
+              <a:bodyPr rtlCol="0" anchor="ctr"/>
+              <a:lstStyle/>
+              <a:p>
+                <a:pPr algn="ctr"/>
+                <a:endParaRPr lang="en-US" dirty="0">
+                  <a:solidFill>
+                    <a:prstClr val="white"/>
+                  </a:solidFill>
+                </a:endParaRPr>
+              </a:p>
+            </p:txBody>
+          </p:sp>
+        </p:grpSp>
+        <p:sp>
+          <p:nvSpPr>
+            <p:cNvPr id="5" name="Oval 4"/>
+            <p:cNvSpPr/>
+            <p:nvPr/>
+          </p:nvSpPr>
+          <p:spPr>
+            <a:xfrm>
+              <a:off x="83477" y="80065"/>
+              <a:ext cx="145536" cy="150875"/>
+            </a:xfrm>
+            <a:prstGeom prst="ellipse">
+              <a:avLst/>
+            </a:prstGeom>
+            <a:gradFill flip="none" rotWithShape="1">
+              <a:gsLst>
+                <a:gs pos="91000">
+                  <a:srgbClr val="FFFFFF">
+                    <a:lumMod val="85000"/>
+                  </a:srgbClr>
+                </a:gs>
+                <a:gs pos="36000">
+                  <a:srgbClr val="FFFFFF">
+                    <a:lumMod val="95000"/>
+                  </a:srgbClr>
+                </a:gs>
+                <a:gs pos="100000">
+                  <a:srgbClr val="FFFFFF">
+                    <a:lumMod val="95000"/>
+                  </a:srgbClr>
+                </a:gs>
+              </a:gsLst>
+              <a:lin ang="5400000" scaled="0"/>
+              <a:tileRect/>
+            </a:gradFill>
+            <a:ln w="3175">
+              <a:solidFill>
+                <a:srgbClr val="000000">
+                  <a:lumMod val="50000"/>
+                  <a:lumOff val="50000"/>
+                </a:srgbClr>
+              </a:solidFill>
+            </a:ln>
+            <a:effectLst/>
+          </p:spPr>
+          <p:style>
+            <a:lnRef idx="2">
+              <a:srgbClr val="4F81BD">
+                <a:shade val="50000"/>
+              </a:srgbClr>
+            </a:lnRef>
+            <a:fillRef idx="1">
+              <a:srgbClr val="4F81BD"/>
+            </a:fillRef>
+            <a:effectRef idx="0">
+              <a:srgbClr val="4F81BD"/>
+            </a:effectRef>
+            <a:fontRef idx="minor">
+              <a:srgbClr val="000000"/>
+            </a:fontRef>
+          </p:style>
+          <p:txBody>
+            <a:bodyPr lIns="97531" tIns="48766" rIns="97531" bIns="48766" rtlCol="0" anchor="ctr"/>
+            <a:lstStyle/>
+            <a:p>
+              <a:pPr algn="ctr"/>
+              <a:endParaRPr lang="en-US">
+                <a:solidFill>
+                  <a:prstClr val="white"/>
+                </a:solidFill>
+              </a:endParaRPr>
+            </a:p>
+          </p:txBody>
+        </p:sp>
+      </p:grpSp>
+      <p:sp>
+        <p:nvSpPr>
+          <p:cNvPr id="14" name="Content"/>
+          <p:cNvSpPr txBox="1"/>
+          <p:nvPr>
+            <p:custDataLst>
+              <p:custData r:id="rId2"/>
+            </p:custDataLst>
+          </p:nvPr>
+        </p:nvSpPr>
+        <p:spPr>
+          <a:xfrm>
+            <a:off x="2447036" y="2216622"/>
+            <a:ext cx="598690" cy="230832"/>
+          </a:xfrm>
+          <a:prstGeom prst="rect">
+            <a:avLst/>
+          </a:prstGeom>
+          <a:noFill/>
+        </p:spPr>
+        <p:txBody>
+          <a:bodyPr wrap="none" lIns="91440" tIns="18288" rIns="91440" bIns="27432" rtlCol="0" anchor="ctr" anchorCtr="0">
+            <a:spAutoFit/>
+          </a:bodyPr>
+          <a:lstStyle/>
+          <a:p>
+            <a:r>
+              <a:rPr lang="en-US" sz="1200" dirty="0" smtClean="0">
+                <a:solidFill>
+                  <a:srgbClr val="000000"/>
+                </a:solidFill>
+                <a:latin typeface="Segoe UI" pitchFamily="34" charset="0"/>
+                <a:ea typeface="Segoe UI" pitchFamily="34" charset="0"/>
+                <a:cs typeface="Segoe UI" pitchFamily="34" charset="0"/>
+              </a:rPr>
+              <a:t>Perfil: </a:t>
+            </a:r>
+            <a:endParaRPr lang="en-US" sz="1200" dirty="0" smtClean="0">
+              <a:solidFill>
+                <a:srgbClr val="000000"/>
+              </a:solidFill>
+              <a:latin typeface="Segoe UI" pitchFamily="34" charset="0"/>
+              <a:ea typeface="Segoe UI" pitchFamily="34" charset="0"/>
+              <a:cs typeface="Segoe UI" pitchFamily="34" charset="0"/>
+            </a:endParaRPr>
+          </a:p>
+        </p:txBody>
+      </p:sp>
+      <p:sp>
+        <p:nvSpPr>
+          <p:cNvPr id="15" name="Content"/>
+          <p:cNvSpPr txBox="1"/>
+          <p:nvPr>
+            <p:custDataLst>
+              <p:custData r:id="rId3"/>
+            </p:custDataLst>
+          </p:nvPr>
+        </p:nvSpPr>
+        <p:spPr>
+          <a:xfrm>
+            <a:off x="2447036" y="2735817"/>
+            <a:ext cx="776175" cy="230832"/>
+          </a:xfrm>
+          <a:prstGeom prst="rect">
+            <a:avLst/>
+          </a:prstGeom>
+          <a:noFill/>
+        </p:spPr>
+        <p:txBody>
+          <a:bodyPr wrap="none" lIns="91440" tIns="18288" rIns="91440" bIns="27432" rtlCol="0" anchor="ctr" anchorCtr="0">
+            <a:spAutoFit/>
+          </a:bodyPr>
+          <a:lstStyle/>
+          <a:p>
+            <a:r>
+              <a:rPr lang="en-US" sz="1200" dirty="0" smtClean="0">
+                <a:solidFill>
+                  <a:srgbClr val="000000"/>
+                </a:solidFill>
+                <a:latin typeface="Segoe UI" pitchFamily="34" charset="0"/>
+                <a:ea typeface="Segoe UI" pitchFamily="34" charset="0"/>
+                <a:cs typeface="Segoe UI" pitchFamily="34" charset="0"/>
+              </a:rPr>
+              <a:t>Usuario: </a:t>
+            </a:r>
+            <a:endParaRPr lang="en-US" sz="1200" dirty="0" smtClean="0">
+              <a:solidFill>
+                <a:srgbClr val="000000"/>
+              </a:solidFill>
+              <a:latin typeface="Segoe UI" pitchFamily="34" charset="0"/>
+              <a:ea typeface="Segoe UI" pitchFamily="34" charset="0"/>
+              <a:cs typeface="Segoe UI" pitchFamily="34" charset="0"/>
+            </a:endParaRPr>
+          </a:p>
+        </p:txBody>
+      </p:sp>
+      <p:sp>
+        <p:nvSpPr>
+          <p:cNvPr id="16" name="Content"/>
+          <p:cNvSpPr txBox="1"/>
+          <p:nvPr>
+            <p:custDataLst>
+              <p:custData r:id="rId4"/>
+            </p:custDataLst>
+          </p:nvPr>
+        </p:nvSpPr>
+        <p:spPr>
+          <a:xfrm>
+            <a:off x="2447036" y="3304137"/>
+            <a:ext cx="622991" cy="230832"/>
+          </a:xfrm>
+          <a:prstGeom prst="rect">
+            <a:avLst/>
+          </a:prstGeom>
+          <a:noFill/>
+        </p:spPr>
+        <p:txBody>
+          <a:bodyPr wrap="none" lIns="91440" tIns="18288" rIns="91440" bIns="27432" rtlCol="0" anchor="ctr" anchorCtr="0">
+            <a:spAutoFit/>
+          </a:bodyPr>
+          <a:lstStyle/>
+          <a:p>
+            <a:r>
+              <a:rPr lang="en-US" sz="1200" dirty="0" smtClean="0">
+                <a:solidFill>
+                  <a:srgbClr val="000000"/>
+                </a:solidFill>
+                <a:latin typeface="Segoe UI" pitchFamily="34" charset="0"/>
+                <a:ea typeface="Segoe UI" pitchFamily="34" charset="0"/>
+                <a:cs typeface="Segoe UI" pitchFamily="34" charset="0"/>
+              </a:rPr>
+              <a:t>Clave</a:t>
+            </a:r>
+            <a:r>
+              <a:rPr lang="en-US" sz="1200" dirty="0" smtClean="0">
+                <a:solidFill>
+                  <a:srgbClr val="000000"/>
+                </a:solidFill>
+                <a:latin typeface="Segoe UI" pitchFamily="34" charset="0"/>
+                <a:ea typeface="Segoe UI" pitchFamily="34" charset="0"/>
+                <a:cs typeface="Segoe UI" pitchFamily="34" charset="0"/>
+              </a:rPr>
+              <a:t>: </a:t>
+            </a:r>
+            <a:endParaRPr lang="en-US" sz="1200" dirty="0" smtClean="0">
+              <a:solidFill>
+                <a:srgbClr val="000000"/>
+              </a:solidFill>
+              <a:latin typeface="Segoe UI" pitchFamily="34" charset="0"/>
+              <a:ea typeface="Segoe UI" pitchFamily="34" charset="0"/>
+              <a:cs typeface="Segoe UI" pitchFamily="34" charset="0"/>
+            </a:endParaRPr>
+          </a:p>
+        </p:txBody>
+      </p:sp>
+      <p:grpSp>
+        <p:nvGrpSpPr>
+          <p:cNvPr id="17" name="Group 1"/>
+          <p:cNvGrpSpPr/>
+          <p:nvPr>
+            <p:custDataLst>
+              <p:custData r:id="rId5"/>
+              <p:custData r:id="rId6"/>
+            </p:custDataLst>
+          </p:nvPr>
+        </p:nvGrpSpPr>
+        <p:grpSpPr>
+          <a:xfrm>
+            <a:off x="3928203" y="2171797"/>
+            <a:ext cx="1471744" cy="320480"/>
+            <a:chOff x="507869" y="3729779"/>
+            <a:chExt cx="1471744" cy="320480"/>
+          </a:xfrm>
+        </p:grpSpPr>
+        <p:sp>
+          <p:nvSpPr>
+            <p:cNvPr id="18" name="Content"/>
+            <p:cNvSpPr/>
+            <p:nvPr/>
+          </p:nvSpPr>
+          <p:spPr bwMode="auto">
+            <a:xfrm>
+              <a:off x="507869" y="3729779"/>
+              <a:ext cx="1471744" cy="320480"/>
+            </a:xfrm>
+            <a:prstGeom prst="rect">
+              <a:avLst/>
+            </a:prstGeom>
+            <a:solidFill>
+              <a:srgbClr val="FFFFFF"/>
+            </a:solidFill>
+            <a:ln w="22225" cap="flat" cmpd="sng" algn="ctr">
+              <a:solidFill>
+                <a:srgbClr val="232323">
+                  <a:lumMod val="90000"/>
+                  <a:lumOff val="10000"/>
+                </a:srgbClr>
+              </a:solidFill>
+              <a:prstDash val="solid"/>
+              <a:headEnd type="none" w="med" len="med"/>
+              <a:tailEnd type="none" w="med" len="med"/>
+            </a:ln>
+            <a:effectLst/>
+          </p:spPr>
+          <p:txBody>
+            <a:bodyPr vert="horz" wrap="square" lIns="91436" tIns="45718" rIns="91436" bIns="45718" numCol="1" rtlCol="0" anchor="ctr" anchorCtr="0" compatLnSpc="1">
+              <a:prstTxWarp prst="textNoShape">
+                <a:avLst/>
+              </a:prstTxWarp>
+            </a:bodyPr>
+            <a:lstStyle/>
+            <a:p>
+              <a:pPr marL="0" marR="0" lvl="0" indent="0" defTabSz="914099" eaLnBrk="1" fontAlgn="base" latinLnBrk="0" hangingPunct="1">
+                <a:lnSpc>
+                  <a:spcPct val="100000"/>
+                </a:lnSpc>
+                <a:spcBef>
+                  <a:spcPct val="0"/>
+                </a:spcBef>
+                <a:spcAft>
+                  <a:spcPct val="0"/>
+                </a:spcAft>
+                <a:buClrTx/>
+                <a:buSzTx/>
+                <a:buFontTx/>
+                <a:buNone/>
+                <a:tabLst/>
+                <a:defRPr/>
+              </a:pPr>
+              <a:r>
+                <a:rPr kumimoji="0" lang="en-US" sz="1100" b="0" i="0" u="none" strike="noStrike" kern="0" cap="none" spc="0" normalizeH="0" baseline="0" noProof="0" dirty="0" smtClean="0">
+                  <a:ln>
+                    <a:noFill/>
+                  </a:ln>
+                  <a:solidFill>
+                    <a:srgbClr val="232323"/>
+                  </a:solidFill>
+                  <a:effectLst/>
+                  <a:uLnTx/>
+                  <a:uFillTx/>
+                  <a:latin typeface="Segoe"/>
+                  <a:ea typeface="+mn-ea"/>
+                  <a:cs typeface="+mn-cs"/>
+                </a:rPr>
+                <a:t>GHA</a:t>
+              </a:r>
+              <a:endParaRPr kumimoji="0" lang="en-US" sz="1100" b="0" i="0" u="none" strike="noStrike" kern="0" cap="none" spc="0" normalizeH="0" baseline="0" noProof="0" dirty="0" smtClean="0">
+                <a:ln>
+                  <a:noFill/>
+                </a:ln>
+                <a:solidFill>
+                  <a:srgbClr val="232323"/>
+                </a:solidFill>
+                <a:effectLst/>
+                <a:uLnTx/>
+                <a:uFillTx/>
+                <a:latin typeface="Segoe"/>
+                <a:ea typeface="+mn-ea"/>
+                <a:cs typeface="+mn-cs"/>
+              </a:endParaRPr>
+            </a:p>
+          </p:txBody>
+        </p:sp>
+        <p:sp>
+          <p:nvSpPr>
+            <p:cNvPr id="19" name="DownArrow"/>
+            <p:cNvSpPr/>
+            <p:nvPr/>
+          </p:nvSpPr>
+          <p:spPr bwMode="auto">
+            <a:xfrm rot="5400000">
+              <a:off x="1810275" y="3844761"/>
+              <a:ext cx="60862" cy="76200"/>
+            </a:xfrm>
+            <a:custGeom>
+              <a:avLst/>
+              <a:gdLst>
+                <a:gd name="connsiteX0" fmla="*/ 0 w 88508"/>
+                <a:gd name="connsiteY0" fmla="*/ 0 h 100794"/>
+                <a:gd name="connsiteX1" fmla="*/ 44254 w 88508"/>
+                <a:gd name="connsiteY1" fmla="*/ 0 h 100794"/>
+                <a:gd name="connsiteX2" fmla="*/ 88508 w 88508"/>
+                <a:gd name="connsiteY2" fmla="*/ 50397 h 100794"/>
+                <a:gd name="connsiteX3" fmla="*/ 44254 w 88508"/>
+                <a:gd name="connsiteY3" fmla="*/ 100794 h 100794"/>
+                <a:gd name="connsiteX4" fmla="*/ 0 w 88508"/>
+                <a:gd name="connsiteY4" fmla="*/ 100794 h 100794"/>
+                <a:gd name="connsiteX5" fmla="*/ 44254 w 88508"/>
+                <a:gd name="connsiteY5" fmla="*/ 50397 h 100794"/>
+                <a:gd name="connsiteX6" fmla="*/ 0 w 88508"/>
+                <a:gd name="connsiteY6" fmla="*/ 0 h 100794"/>
+                <a:gd name="connsiteX0" fmla="*/ 14630 w 88508"/>
+                <a:gd name="connsiteY0" fmla="*/ 0 h 100794"/>
+                <a:gd name="connsiteX1" fmla="*/ 44254 w 88508"/>
+                <a:gd name="connsiteY1" fmla="*/ 0 h 100794"/>
+                <a:gd name="connsiteX2" fmla="*/ 88508 w 88508"/>
+                <a:gd name="connsiteY2" fmla="*/ 50397 h 100794"/>
+                <a:gd name="connsiteX3" fmla="*/ 44254 w 88508"/>
+                <a:gd name="connsiteY3" fmla="*/ 100794 h 100794"/>
+                <a:gd name="connsiteX4" fmla="*/ 0 w 88508"/>
+                <a:gd name="connsiteY4" fmla="*/ 100794 h 100794"/>
+                <a:gd name="connsiteX5" fmla="*/ 44254 w 88508"/>
+                <a:gd name="connsiteY5" fmla="*/ 50397 h 100794"/>
+                <a:gd name="connsiteX6" fmla="*/ 14630 w 88508"/>
+                <a:gd name="connsiteY6" fmla="*/ 0 h 100794"/>
+                <a:gd name="connsiteX0" fmla="*/ 14630 w 88508"/>
+                <a:gd name="connsiteY0" fmla="*/ 0 h 100794"/>
+                <a:gd name="connsiteX1" fmla="*/ 44254 w 88508"/>
+                <a:gd name="connsiteY1" fmla="*/ 0 h 100794"/>
+                <a:gd name="connsiteX2" fmla="*/ 88508 w 88508"/>
+                <a:gd name="connsiteY2" fmla="*/ 50397 h 100794"/>
+                <a:gd name="connsiteX3" fmla="*/ 44254 w 88508"/>
+                <a:gd name="connsiteY3" fmla="*/ 100794 h 100794"/>
+                <a:gd name="connsiteX4" fmla="*/ 0 w 88508"/>
+                <a:gd name="connsiteY4" fmla="*/ 100794 h 100794"/>
+                <a:gd name="connsiteX5" fmla="*/ 66200 w 88508"/>
+                <a:gd name="connsiteY5" fmla="*/ 57712 h 100794"/>
+                <a:gd name="connsiteX6" fmla="*/ 14630 w 88508"/>
+                <a:gd name="connsiteY6" fmla="*/ 0 h 100794"/>
+                <a:gd name="connsiteX0" fmla="*/ 0 w 73878"/>
+                <a:gd name="connsiteY0" fmla="*/ 0 h 108109"/>
+                <a:gd name="connsiteX1" fmla="*/ 29624 w 73878"/>
+                <a:gd name="connsiteY1" fmla="*/ 0 h 108109"/>
+                <a:gd name="connsiteX2" fmla="*/ 73878 w 73878"/>
+                <a:gd name="connsiteY2" fmla="*/ 50397 h 108109"/>
+                <a:gd name="connsiteX3" fmla="*/ 29624 w 73878"/>
+                <a:gd name="connsiteY3" fmla="*/ 100794 h 108109"/>
+                <a:gd name="connsiteX4" fmla="*/ 7315 w 73878"/>
+                <a:gd name="connsiteY4" fmla="*/ 108109 h 108109"/>
+                <a:gd name="connsiteX5" fmla="*/ 51570 w 73878"/>
+                <a:gd name="connsiteY5" fmla="*/ 57712 h 108109"/>
+                <a:gd name="connsiteX6" fmla="*/ 0 w 73878"/>
+                <a:gd name="connsiteY6" fmla="*/ 0 h 108109"/>
+                <a:gd name="connsiteX0" fmla="*/ 3655 w 77533"/>
+                <a:gd name="connsiteY0" fmla="*/ 0 h 100794"/>
+                <a:gd name="connsiteX1" fmla="*/ 33279 w 77533"/>
+                <a:gd name="connsiteY1" fmla="*/ 0 h 100794"/>
+                <a:gd name="connsiteX2" fmla="*/ 77533 w 77533"/>
+                <a:gd name="connsiteY2" fmla="*/ 50397 h 100794"/>
+                <a:gd name="connsiteX3" fmla="*/ 33279 w 77533"/>
+                <a:gd name="connsiteY3" fmla="*/ 100794 h 100794"/>
+                <a:gd name="connsiteX4" fmla="*/ 0 w 77533"/>
+                <a:gd name="connsiteY4" fmla="*/ 97136 h 100794"/>
+                <a:gd name="connsiteX5" fmla="*/ 55225 w 77533"/>
+                <a:gd name="connsiteY5" fmla="*/ 57712 h 100794"/>
+                <a:gd name="connsiteX6" fmla="*/ 3655 w 77533"/>
+                <a:gd name="connsiteY6" fmla="*/ 0 h 100794"/>
+                <a:gd name="connsiteX0" fmla="*/ 3655 w 77533"/>
+                <a:gd name="connsiteY0" fmla="*/ 0 h 100794"/>
+                <a:gd name="connsiteX1" fmla="*/ 33279 w 77533"/>
+                <a:gd name="connsiteY1" fmla="*/ 0 h 100794"/>
+                <a:gd name="connsiteX2" fmla="*/ 77533 w 77533"/>
+                <a:gd name="connsiteY2" fmla="*/ 50397 h 100794"/>
+                <a:gd name="connsiteX3" fmla="*/ 33279 w 77533"/>
+                <a:gd name="connsiteY3" fmla="*/ 100794 h 100794"/>
+                <a:gd name="connsiteX4" fmla="*/ 0 w 77533"/>
+                <a:gd name="connsiteY4" fmla="*/ 97136 h 100794"/>
+                <a:gd name="connsiteX5" fmla="*/ 51570 w 77533"/>
+                <a:gd name="connsiteY5" fmla="*/ 46739 h 100794"/>
+                <a:gd name="connsiteX6" fmla="*/ 3655 w 77533"/>
+                <a:gd name="connsiteY6" fmla="*/ 0 h 100794"/>
+                <a:gd name="connsiteX0" fmla="*/ 3655 w 77533"/>
+                <a:gd name="connsiteY0" fmla="*/ 0 h 100794"/>
+                <a:gd name="connsiteX1" fmla="*/ 33279 w 77533"/>
+                <a:gd name="connsiteY1" fmla="*/ 0 h 100794"/>
+                <a:gd name="connsiteX2" fmla="*/ 77533 w 77533"/>
+                <a:gd name="connsiteY2" fmla="*/ 50397 h 100794"/>
+                <a:gd name="connsiteX3" fmla="*/ 33279 w 77533"/>
+                <a:gd name="connsiteY3" fmla="*/ 100794 h 100794"/>
+                <a:gd name="connsiteX4" fmla="*/ 0 w 77533"/>
+                <a:gd name="connsiteY4" fmla="*/ 97136 h 100794"/>
+                <a:gd name="connsiteX5" fmla="*/ 58716 w 77533"/>
+                <a:gd name="connsiteY5" fmla="*/ 49120 h 100794"/>
+                <a:gd name="connsiteX6" fmla="*/ 3655 w 77533"/>
+                <a:gd name="connsiteY6" fmla="*/ 0 h 100794"/>
+                <a:gd name="connsiteX0" fmla="*/ 0 w 73878"/>
+                <a:gd name="connsiteY0" fmla="*/ 0 h 104280"/>
+                <a:gd name="connsiteX1" fmla="*/ 29624 w 73878"/>
+                <a:gd name="connsiteY1" fmla="*/ 0 h 104280"/>
+                <a:gd name="connsiteX2" fmla="*/ 73878 w 73878"/>
+                <a:gd name="connsiteY2" fmla="*/ 50397 h 104280"/>
+                <a:gd name="connsiteX3" fmla="*/ 29624 w 73878"/>
+                <a:gd name="connsiteY3" fmla="*/ 100794 h 104280"/>
+                <a:gd name="connsiteX4" fmla="*/ 13016 w 73878"/>
+                <a:gd name="connsiteY4" fmla="*/ 104280 h 104280"/>
+                <a:gd name="connsiteX5" fmla="*/ 55061 w 73878"/>
+                <a:gd name="connsiteY5" fmla="*/ 49120 h 104280"/>
+                <a:gd name="connsiteX6" fmla="*/ 0 w 73878"/>
+                <a:gd name="connsiteY6" fmla="*/ 0 h 104280"/>
+                <a:gd name="connsiteX0" fmla="*/ 1272 w 60862"/>
+                <a:gd name="connsiteY0" fmla="*/ 2381 h 104280"/>
+                <a:gd name="connsiteX1" fmla="*/ 16608 w 60862"/>
+                <a:gd name="connsiteY1" fmla="*/ 0 h 104280"/>
+                <a:gd name="connsiteX2" fmla="*/ 60862 w 60862"/>
+                <a:gd name="connsiteY2" fmla="*/ 50397 h 104280"/>
+                <a:gd name="connsiteX3" fmla="*/ 16608 w 60862"/>
+                <a:gd name="connsiteY3" fmla="*/ 100794 h 104280"/>
+                <a:gd name="connsiteX4" fmla="*/ 0 w 60862"/>
+                <a:gd name="connsiteY4" fmla="*/ 104280 h 104280"/>
+                <a:gd name="connsiteX5" fmla="*/ 42045 w 60862"/>
+                <a:gd name="connsiteY5" fmla="*/ 49120 h 104280"/>
+                <a:gd name="connsiteX6" fmla="*/ 1272 w 60862"/>
+                <a:gd name="connsiteY6" fmla="*/ 2381 h 104280"/>
+                <a:gd name="connsiteX0" fmla="*/ 1272 w 60862"/>
+                <a:gd name="connsiteY0" fmla="*/ 2381 h 100794"/>
+                <a:gd name="connsiteX1" fmla="*/ 16608 w 60862"/>
+                <a:gd name="connsiteY1" fmla="*/ 0 h 100794"/>
+                <a:gd name="connsiteX2" fmla="*/ 60862 w 60862"/>
+                <a:gd name="connsiteY2" fmla="*/ 50397 h 100794"/>
+                <a:gd name="connsiteX3" fmla="*/ 16608 w 60862"/>
+                <a:gd name="connsiteY3" fmla="*/ 100794 h 100794"/>
+                <a:gd name="connsiteX4" fmla="*/ 0 w 60862"/>
+                <a:gd name="connsiteY4" fmla="*/ 94755 h 100794"/>
+                <a:gd name="connsiteX5" fmla="*/ 42045 w 60862"/>
+                <a:gd name="connsiteY5" fmla="*/ 49120 h 100794"/>
+                <a:gd name="connsiteX6" fmla="*/ 1272 w 60862"/>
+                <a:gd name="connsiteY6" fmla="*/ 2381 h 100794"/>
+              </a:gdLst>
+              <a:ahLst/>
+              <a:cxnLst>
+                <a:cxn ang="0">
+                  <a:pos x="connsiteX0" y="connsiteY0"/>
+                </a:cxn>
+                <a:cxn ang="0">
+                  <a:pos x="connsiteX1" y="connsiteY1"/>
+                </a:cxn>
+                <a:cxn ang="0">
+                  <a:pos x="connsiteX2" y="connsiteY2"/>
+                </a:cxn>
+                <a:cxn ang="0">
+                  <a:pos x="connsiteX3" y="connsiteY3"/>
+                </a:cxn>
+                <a:cxn ang="0">
+                  <a:pos x="connsiteX4" y="connsiteY4"/>
+                </a:cxn>
+                <a:cxn ang="0">
+                  <a:pos x="connsiteX5" y="connsiteY5"/>
+                </a:cxn>
+                <a:cxn ang="0">
+                  <a:pos x="connsiteX6" y="connsiteY6"/>
+                </a:cxn>
+              </a:cxnLst>
+              <a:rect l="l" t="t" r="r" b="b"/>
+              <a:pathLst>
+                <a:path w="60862" h="100794">
+                  <a:moveTo>
+                    <a:pt x="1272" y="2381"/>
+                  </a:moveTo>
+                  <a:lnTo>
+                    <a:pt x="16608" y="0"/>
+                  </a:lnTo>
+                  <a:lnTo>
+                    <a:pt x="60862" y="50397"/>
+                  </a:lnTo>
+                  <a:lnTo>
+                    <a:pt x="16608" y="100794"/>
+                  </a:lnTo>
+                  <a:lnTo>
+                    <a:pt x="0" y="94755"/>
+                  </a:lnTo>
+                  <a:lnTo>
+                    <a:pt x="42045" y="49120"/>
+                  </a:lnTo>
+                  <a:lnTo>
+                    <a:pt x="1272" y="2381"/>
+                  </a:lnTo>
+                  <a:close/>
+                </a:path>
+              </a:pathLst>
+            </a:custGeom>
+            <a:solidFill>
+              <a:srgbClr val="585858">
+                <a:lumMod val="50000"/>
+              </a:srgbClr>
+            </a:solidFill>
+            <a:ln w="9525" cap="flat" cmpd="sng" algn="ctr">
+              <a:noFill/>
+              <a:prstDash val="solid"/>
+              <a:headEnd type="none" w="med" len="med"/>
+              <a:tailEnd type="none" w="med" len="med"/>
+            </a:ln>
+            <a:effectLst/>
+          </p:spPr>
+          <p:txBody>
+            <a:bodyPr vert="horz" wrap="square" lIns="91436" tIns="45718" rIns="91436" bIns="45718" numCol="1" rtlCol="0" anchor="ctr" anchorCtr="0" compatLnSpc="1">
+              <a:prstTxWarp prst="textNoShape">
+                <a:avLst/>
+              </a:prstTxWarp>
+            </a:bodyPr>
+            <a:lstStyle/>
+            <a:p>
+              <a:pPr marL="0" marR="0" lvl="0" indent="0" algn="ctr" defTabSz="914099" eaLnBrk="1" fontAlgn="base" latinLnBrk="0" hangingPunct="1">
+                <a:lnSpc>
+                  <a:spcPct val="100000"/>
+                </a:lnSpc>
+                <a:spcBef>
+                  <a:spcPct val="0"/>
+                </a:spcBef>
+                <a:spcAft>
+                  <a:spcPct val="0"/>
+                </a:spcAft>
+                <a:buClrTx/>
+                <a:buSzTx/>
+                <a:buFontTx/>
+                <a:buNone/>
+                <a:tabLst/>
+                <a:defRPr/>
+              </a:pPr>
+              <a:endParaRPr kumimoji="0" lang="en-US" sz="2200" b="0" i="0" u="none" strike="noStrike" kern="0" cap="none" spc="0" normalizeH="0" baseline="0" noProof="0" dirty="0" smtClean="0">
+                <a:ln>
+                  <a:noFill/>
+                </a:ln>
+                <a:gradFill>
+                  <a:gsLst>
+                    <a:gs pos="0">
+                      <a:srgbClr val="FFFFFF"/>
+                    </a:gs>
+                    <a:gs pos="100000">
+                      <a:srgbClr val="FFFFFF"/>
+                    </a:gs>
+                  </a:gsLst>
+                  <a:lin ang="5400000" scaled="0"/>
+                </a:gradFill>
+                <a:effectLst/>
+                <a:uLnTx/>
+                <a:uFillTx/>
+                <a:latin typeface="Segoe"/>
+                <a:ea typeface="+mn-ea"/>
+                <a:cs typeface="+mn-cs"/>
+              </a:endParaRPr>
+            </a:p>
+          </p:txBody>
+        </p:sp>
+      </p:grpSp>
+      <p:sp>
+        <p:nvSpPr>
+          <p:cNvPr id="20" name="Content"/>
+          <p:cNvSpPr/>
+          <p:nvPr>
+            <p:custDataLst>
+              <p:custData r:id="rId7"/>
+            </p:custDataLst>
+          </p:nvPr>
+        </p:nvSpPr>
+        <p:spPr>
+          <a:xfrm>
+            <a:off x="3931786" y="2735263"/>
+            <a:ext cx="1220102" cy="228600"/>
+          </a:xfrm>
+          <a:prstGeom prst="rect">
+            <a:avLst/>
+          </a:prstGeom>
+          <a:solidFill>
+            <a:sysClr val="window" lastClr="FFFFFF"/>
+          </a:solidFill>
+          <a:ln w="3175">
+            <a:solidFill>
+              <a:srgbClr val="000000">
+                <a:lumMod val="50000"/>
+                <a:lumOff val="50000"/>
+              </a:srgbClr>
+            </a:solidFill>
+          </a:ln>
+          <a:effectLst/>
+        </p:spPr>
+        <p:style>
+          <a:lnRef idx="2">
+            <a:srgbClr val="4F81BD">
+              <a:shade val="50000"/>
+            </a:srgbClr>
+          </a:lnRef>
+          <a:fillRef idx="1">
+            <a:srgbClr val="4F81BD"/>
+          </a:fillRef>
+          <a:effectRef idx="0">
+            <a:srgbClr val="4F81BD"/>
+          </a:effectRef>
+          <a:fontRef idx="minor">
+            <a:srgbClr val="000000"/>
+          </a:fontRef>
+        </p:style>
+        <p:txBody>
+          <a:bodyPr wrap="none" lIns="45720" tIns="18288" rIns="45720" bIns="18288" rtlCol="0" anchor="ctr">
+            <a:noAutofit/>
+          </a:bodyPr>
+          <a:lstStyle/>
+          <a:p>
+            <a:r>
+              <a:rPr lang="en-US" sz="1200" dirty="0" smtClean="0">
+                <a:solidFill>
+                  <a:srgbClr val="000000"/>
+                </a:solidFill>
+                <a:latin typeface="Segoe UI" pitchFamily="34" charset="0"/>
+                <a:cs typeface="Segoe UI" pitchFamily="34" charset="0"/>
+              </a:rPr>
+              <a:t>gtaca</a:t>
+            </a:r>
+            <a:endParaRPr lang="en-US" sz="1200" dirty="0">
+              <a:solidFill>
+                <a:srgbClr val="000000"/>
+              </a:solidFill>
+              <a:latin typeface="Segoe UI" pitchFamily="34" charset="0"/>
+              <a:cs typeface="Segoe UI" pitchFamily="34" charset="0"/>
+            </a:endParaRPr>
+          </a:p>
+        </p:txBody>
+      </p:sp>
+      <p:sp>
+        <p:nvSpPr>
+          <p:cNvPr id="21" name="Content"/>
+          <p:cNvSpPr/>
+          <p:nvPr>
+            <p:custDataLst>
+              <p:custData r:id="rId8"/>
+            </p:custDataLst>
+          </p:nvPr>
+        </p:nvSpPr>
+        <p:spPr>
+          <a:xfrm>
+            <a:off x="3888073" y="3279377"/>
+            <a:ext cx="1220102" cy="228600"/>
+          </a:xfrm>
+          <a:prstGeom prst="rect">
+            <a:avLst/>
+          </a:prstGeom>
+          <a:solidFill>
+            <a:sysClr val="window" lastClr="FFFFFF"/>
+          </a:solidFill>
+          <a:ln w="3175">
+            <a:solidFill>
+              <a:srgbClr val="000000">
+                <a:lumMod val="50000"/>
+                <a:lumOff val="50000"/>
+              </a:srgbClr>
+            </a:solidFill>
+          </a:ln>
+          <a:effectLst/>
+        </p:spPr>
+        <p:style>
+          <a:lnRef idx="2">
+            <a:srgbClr val="4F81BD">
+              <a:shade val="50000"/>
+            </a:srgbClr>
+          </a:lnRef>
+          <a:fillRef idx="1">
+            <a:srgbClr val="4F81BD"/>
+          </a:fillRef>
+          <a:effectRef idx="0">
+            <a:srgbClr val="4F81BD"/>
+          </a:effectRef>
+          <a:fontRef idx="minor">
+            <a:srgbClr val="000000"/>
+          </a:fontRef>
+        </p:style>
+        <p:txBody>
+          <a:bodyPr wrap="none" lIns="45720" tIns="18288" rIns="45720" bIns="18288" rtlCol="0" anchor="ctr">
+            <a:noAutofit/>
+          </a:bodyPr>
+          <a:lstStyle/>
+          <a:p>
+            <a:r>
+              <a:rPr lang="en-US" sz="1200" dirty="0" smtClean="0">
+                <a:solidFill>
+                  <a:srgbClr val="000000"/>
+                </a:solidFill>
+                <a:latin typeface="Segoe UI" pitchFamily="34" charset="0"/>
+                <a:cs typeface="Segoe UI" pitchFamily="34" charset="0"/>
+              </a:rPr>
+              <a:t>********</a:t>
+            </a:r>
+            <a:endParaRPr lang="en-US" sz="1200" dirty="0">
+              <a:solidFill>
+                <a:srgbClr val="000000"/>
+              </a:solidFill>
+              <a:latin typeface="Segoe UI" pitchFamily="34" charset="0"/>
+              <a:cs typeface="Segoe UI" pitchFamily="34" charset="0"/>
+            </a:endParaRPr>
+          </a:p>
+        </p:txBody>
+      </p:sp>
+      <p:sp>
+        <p:nvSpPr>
+          <p:cNvPr id="22" name="Content"/>
+          <p:cNvSpPr/>
+          <p:nvPr>
+            <p:custDataLst>
+              <p:custData r:id="rId9"/>
+            </p:custDataLst>
+          </p:nvPr>
+        </p:nvSpPr>
+        <p:spPr>
+          <a:xfrm>
+            <a:off x="5923704" y="3924300"/>
+            <a:ext cx="1106592" cy="228600"/>
+          </a:xfrm>
+          <a:prstGeom prst="roundRect">
+            <a:avLst/>
+          </a:prstGeom>
+          <a:solidFill>
+            <a:srgbClr val="FFFFFF">
+              <a:lumMod val="95000"/>
+            </a:srgbClr>
+          </a:solidFill>
+          <a:ln w="3175">
+            <a:solidFill>
+              <a:srgbClr val="000000">
+                <a:lumMod val="50000"/>
+                <a:lumOff val="50000"/>
+              </a:srgbClr>
+            </a:solidFill>
+          </a:ln>
+          <a:effectLst/>
+        </p:spPr>
+        <p:style>
+          <a:lnRef idx="2">
+            <a:srgbClr val="4F81BD">
+              <a:shade val="50000"/>
+            </a:srgbClr>
+          </a:lnRef>
+          <a:fillRef idx="1">
+            <a:srgbClr val="4F81BD"/>
+          </a:fillRef>
+          <a:effectRef idx="0">
+            <a:srgbClr val="4F81BD"/>
+          </a:effectRef>
+          <a:fontRef idx="minor">
+            <a:srgbClr val="000000"/>
+          </a:fontRef>
+        </p:style>
+        <p:txBody>
+          <a:bodyPr wrap="square" lIns="91440" tIns="0" rIns="91440" bIns="9144" rtlCol="0" anchor="ctr">
+            <a:noAutofit/>
+          </a:bodyPr>
+          <a:lstStyle/>
+          <a:p>
+            <a:pPr algn="ctr"/>
+            <a:r>
+              <a:rPr lang="en-US" sz="1200" dirty="0" smtClean="0">
+                <a:solidFill>
+                  <a:srgbClr val="000000"/>
+                </a:solidFill>
+                <a:latin typeface="Segoe UI" pitchFamily="34" charset="0"/>
+                <a:cs typeface="Segoe UI" pitchFamily="34" charset="0"/>
+              </a:rPr>
+              <a:t>Ingresar</a:t>
+            </a:r>
+            <a:endParaRPr lang="en-US" sz="1200" dirty="0">
+              <a:solidFill>
+                <a:srgbClr val="000000"/>
+              </a:solidFill>
+              <a:latin typeface="Segoe UI" pitchFamily="34" charset="0"/>
+              <a:cs typeface="Segoe UI" pitchFamily="34" charset="0"/>
+            </a:endParaRPr>
+          </a:p>
+        </p:txBody>
+      </p:sp>
     </p:spTree>
     <p:extLst>
       <p:ext uri="{BB962C8B-B14F-4D97-AF65-F5344CB8AC3E}">
@@ -17807,11 +19054,7 @@
             <a:pPr algn="ctr"/>
             <a:r>
               <a:rPr lang="es-PE" dirty="0" smtClean="0"/>
-              <a:t>Módulo contenedor Web </a:t>
-            </a:r>
-            <a:r>
-              <a:rPr lang="es-PE" dirty="0" smtClean="0"/>
-              <a:t>Aduanas </a:t>
+              <a:t>Módulo contenedor Web Aduanas </a:t>
             </a:r>
             <a:endParaRPr lang="es-PE" dirty="0"/>
           </a:p>
@@ -25525,4 +26768,130 @@
   <a:objectDefaults/>
   <a:extraClrSchemeLst/>
 </a:theme>
+</file>
+
+<file path=customXml/item1.xml><?xml version="1.0" encoding="utf-8"?>
+<Control xmlns="http://schemas.microsoft.com/VisualStudio/2011/storyboarding/control">
+  <Id Name="System.Storyboarding.Backgrounds.Window" Revision="1" Stencil="System.Storyboarding.Backgrounds" StencilVersion="0.1"/>
+</Control>
+</file>
+
+<file path=customXml/item2.xml><?xml version="1.0" encoding="utf-8"?>
+<Control xmlns="http://schemas.microsoft.com/VisualStudio/2011/storyboarding/control">
+  <Id Name="System.Storyboarding.Common.Text" Revision="1" Stencil="System.Storyboarding.Common" StencilVersion="0.1"/>
+</Control>
+</file>
+
+<file path=customXml/item3.xml><?xml version="1.0" encoding="utf-8"?>
+<Control xmlns="http://schemas.microsoft.com/VisualStudio/2011/storyboarding/control">
+  <Id Name="System.Storyboarding.Common.Text" Revision="1" Stencil="System.Storyboarding.Common" StencilVersion="0.1"/>
+</Control>
+</file>
+
+<file path=customXml/item4.xml><?xml version="1.0" encoding="utf-8"?>
+<Control xmlns="http://schemas.microsoft.com/VisualStudio/2011/storyboarding/control">
+  <Id Name="System.Storyboarding.Common.Text" Revision="1" Stencil="System.Storyboarding.Common" StencilVersion="0.1"/>
+</Control>
+</file>
+
+<file path=customXml/item5.xml><?xml version="1.0" encoding="utf-8"?>
+<Control xmlns="http://schemas.microsoft.com/VisualStudio/2011/storyboarding/control">
+  <Id Name="2af01176-85ee-4929-8d41-a331980c979e" RevisionId="be170569-95d9-41cc-85ac-d2bbd0fbf029" Stencil="172d6d98-e5c9-42e9-a209-79f7a94bbd38" StencilRevisionId="00000000-0000-0000-0000-000000000000" StencilVersion="0.0"/>
+</Control>
+</file>
+
+<file path=customXml/item6.xml><?xml version="1.0" encoding="utf-8"?>
+<Control xmlns="http://schemas.microsoft.com/VisualStudio/2011/storyboarding/control">
+  <Id Name="System.Storyboarding.WindowsApps.WindowsAppsComboBox" Revision="1" Stencil="System.Storyboarding.WindowsApps" StencilVersion="0.1"/>
+</Control>
+</file>
+
+<file path=customXml/item7.xml><?xml version="1.0" encoding="utf-8"?>
+<Control xmlns="http://schemas.microsoft.com/VisualStudio/2011/storyboarding/control">
+  <Id Name="System.Storyboarding.Common.TextInput" Revision="1" Stencil="System.Storyboarding.Common" StencilVersion="0.1"/>
+</Control>
+</file>
+
+<file path=customXml/item8.xml><?xml version="1.0" encoding="utf-8"?>
+<Control xmlns="http://schemas.microsoft.com/VisualStudio/2011/storyboarding/control">
+  <Id Name="System.Storyboarding.Common.TextInput" Revision="1" Stencil="System.Storyboarding.Common" StencilVersion="0.1"/>
+</Control>
+</file>
+
+<file path=customXml/item9.xml><?xml version="1.0" encoding="utf-8"?>
+<Control xmlns="http://schemas.microsoft.com/VisualStudio/2011/storyboarding/control">
+  <Id Name="System.Storyboarding.Common.Button" Revision="1" Stencil="System.Storyboarding.Common" StencilVersion="0.1"/>
+</Control>
+</file>
+
+<file path=customXml/itemProps1.xml><?xml version="1.0" encoding="utf-8"?>
+<ds:datastoreItem xmlns:ds="http://schemas.openxmlformats.org/officeDocument/2006/customXml" ds:itemID="{77A59FEA-D227-4553-ACE5-E84AC95A330B}">
+  <ds:schemaRefs>
+    <ds:schemaRef ds:uri="http://schemas.microsoft.com/VisualStudio/2011/storyboarding/control"/>
+  </ds:schemaRefs>
+</ds:datastoreItem>
+</file>
+
+<file path=customXml/itemProps2.xml><?xml version="1.0" encoding="utf-8"?>
+<ds:datastoreItem xmlns:ds="http://schemas.openxmlformats.org/officeDocument/2006/customXml" ds:itemID="{403C10C7-DE81-459D-A846-0D367580C3B7}">
+  <ds:schemaRefs>
+    <ds:schemaRef ds:uri="http://schemas.microsoft.com/VisualStudio/2011/storyboarding/control"/>
+  </ds:schemaRefs>
+</ds:datastoreItem>
+</file>
+
+<file path=customXml/itemProps3.xml><?xml version="1.0" encoding="utf-8"?>
+<ds:datastoreItem xmlns:ds="http://schemas.openxmlformats.org/officeDocument/2006/customXml" ds:itemID="{4D16260C-F90E-4974-B157-52EB07AACFEB}">
+  <ds:schemaRefs>
+    <ds:schemaRef ds:uri="http://schemas.microsoft.com/VisualStudio/2011/storyboarding/control"/>
+  </ds:schemaRefs>
+</ds:datastoreItem>
+</file>
+
+<file path=customXml/itemProps4.xml><?xml version="1.0" encoding="utf-8"?>
+<ds:datastoreItem xmlns:ds="http://schemas.openxmlformats.org/officeDocument/2006/customXml" ds:itemID="{FF598DB8-21EE-4DA2-84D4-8E8F23B22D4D}">
+  <ds:schemaRefs>
+    <ds:schemaRef ds:uri="http://schemas.microsoft.com/VisualStudio/2011/storyboarding/control"/>
+  </ds:schemaRefs>
+</ds:datastoreItem>
+</file>
+
+<file path=customXml/itemProps5.xml><?xml version="1.0" encoding="utf-8"?>
+<ds:datastoreItem xmlns:ds="http://schemas.openxmlformats.org/officeDocument/2006/customXml" ds:itemID="{2192942C-F736-44C6-B3F3-FBF34C2C910F}">
+  <ds:schemaRefs>
+    <ds:schemaRef ds:uri="http://schemas.microsoft.com/VisualStudio/2011/storyboarding/control"/>
+  </ds:schemaRefs>
+</ds:datastoreItem>
+</file>
+
+<file path=customXml/itemProps6.xml><?xml version="1.0" encoding="utf-8"?>
+<ds:datastoreItem xmlns:ds="http://schemas.openxmlformats.org/officeDocument/2006/customXml" ds:itemID="{05514612-53DE-442F-8532-CBDC701061DD}">
+  <ds:schemaRefs>
+    <ds:schemaRef ds:uri="http://schemas.microsoft.com/VisualStudio/2011/storyboarding/control"/>
+  </ds:schemaRefs>
+</ds:datastoreItem>
+</file>
+
+<file path=customXml/itemProps7.xml><?xml version="1.0" encoding="utf-8"?>
+<ds:datastoreItem xmlns:ds="http://schemas.openxmlformats.org/officeDocument/2006/customXml" ds:itemID="{BB0DE8AB-0EAD-4580-B717-A693ADE4103A}">
+  <ds:schemaRefs>
+    <ds:schemaRef ds:uri="http://schemas.microsoft.com/VisualStudio/2011/storyboarding/control"/>
+  </ds:schemaRefs>
+</ds:datastoreItem>
+</file>
+
+<file path=customXml/itemProps8.xml><?xml version="1.0" encoding="utf-8"?>
+<ds:datastoreItem xmlns:ds="http://schemas.openxmlformats.org/officeDocument/2006/customXml" ds:itemID="{2BC7C484-BAFC-4F49-BF1D-D679E251A352}">
+  <ds:schemaRefs>
+    <ds:schemaRef ds:uri="http://schemas.microsoft.com/VisualStudio/2011/storyboarding/control"/>
+  </ds:schemaRefs>
+</ds:datastoreItem>
+</file>
+
+<file path=customXml/itemProps9.xml><?xml version="1.0" encoding="utf-8"?>
+<ds:datastoreItem xmlns:ds="http://schemas.openxmlformats.org/officeDocument/2006/customXml" ds:itemID="{58302403-DE24-4D50-AD03-0EDAA9CA1258}">
+  <ds:schemaRefs>
+    <ds:schemaRef ds:uri="http://schemas.microsoft.com/VisualStudio/2011/storyboarding/control"/>
+  </ds:schemaRefs>
+</ds:datastoreItem>
 </file>
--- a/Documentos/ControlTransmisionesV1.0.pptx
+++ b/Documentos/ControlTransmisionesV1.0.pptx
@@ -265,6 +265,7 @@
           <c:dLbls>
             <c:dLbl>
               <c:idx val="0"/>
+              <c:layout/>
               <c:tx>
                 <c:rich>
                   <a:bodyPr wrap="square" lIns="38100" tIns="19050" rIns="38100" bIns="19050" anchor="ctr">
@@ -296,7 +297,9 @@
               <c:showPercent val="0"/>
               <c:showBubbleSize val="0"/>
               <c:extLst>
-                <c:ext xmlns:c15="http://schemas.microsoft.com/office/drawing/2012/chart" uri="{CE6537A1-D6FC-4f65-9D91-7224C49458BB}"/>
+                <c:ext xmlns:c15="http://schemas.microsoft.com/office/drawing/2012/chart" uri="{CE6537A1-D6FC-4f65-9D91-7224C49458BB}">
+                  <c15:layout/>
+                </c:ext>
               </c:extLst>
             </c:dLbl>
             <c:dLbl>
@@ -329,6 +332,7 @@
             </c:dLbl>
             <c:dLbl>
               <c:idx val="3"/>
+              <c:layout/>
               <c:tx>
                 <c:rich>
                   <a:bodyPr wrap="square" lIns="38100" tIns="19050" rIns="38100" bIns="19050" anchor="ctr">
@@ -370,6 +374,7 @@
                       <a:avLst/>
                     </a:prstGeom>
                   </c15:spPr>
+                  <c15:layout/>
                   <c15:dlblFieldTable/>
                   <c15:showDataLabelsRange val="0"/>
                 </c:ext>
@@ -390,7 +395,9 @@
             <c:showBubbleSize val="0"/>
             <c:showLeaderLines val="1"/>
             <c:extLst>
-              <c:ext xmlns:c15="http://schemas.microsoft.com/office/drawing/2012/chart" uri="{CE6537A1-D6FC-4f65-9D91-7224C49458BB}"/>
+              <c:ext xmlns:c15="http://schemas.microsoft.com/office/drawing/2012/chart" uri="{CE6537A1-D6FC-4f65-9D91-7224C49458BB}">
+                <c15:layout/>
+              </c:ext>
             </c:extLst>
           </c:dLbls>
           <c:cat>
@@ -599,6 +606,7 @@
           <c:dLbls>
             <c:dLbl>
               <c:idx val="0"/>
+              <c:layout/>
               <c:tx>
                 <c:rich>
                   <a:bodyPr/>
@@ -628,7 +636,9 @@
               <c:showBubbleSize val="0"/>
               <c:separator>; </c:separator>
               <c:extLst>
-                <c:ext xmlns:c15="http://schemas.microsoft.com/office/drawing/2012/chart" uri="{CE6537A1-D6FC-4f65-9D91-7224C49458BB}"/>
+                <c:ext xmlns:c15="http://schemas.microsoft.com/office/drawing/2012/chart" uri="{CE6537A1-D6FC-4f65-9D91-7224C49458BB}">
+                  <c15:layout/>
+                </c:ext>
               </c:extLst>
             </c:dLbl>
             <c:dLbl>
@@ -907,6 +917,7 @@
           <c:dLbls>
             <c:dLbl>
               <c:idx val="0"/>
+              <c:layout/>
               <c:tx>
                 <c:rich>
                   <a:bodyPr/>
@@ -936,7 +947,9 @@
               <c:showBubbleSize val="0"/>
               <c:separator>; </c:separator>
               <c:extLst>
-                <c:ext xmlns:c15="http://schemas.microsoft.com/office/drawing/2012/chart" uri="{CE6537A1-D6FC-4f65-9D91-7224C49458BB}"/>
+                <c:ext xmlns:c15="http://schemas.microsoft.com/office/drawing/2012/chart" uri="{CE6537A1-D6FC-4f65-9D91-7224C49458BB}">
+                  <c15:layout/>
+                </c:ext>
               </c:extLst>
             </c:dLbl>
             <c:dLbl>
@@ -3951,6 +3964,7 @@
           <c:dLbls>
             <c:dLbl>
               <c:idx val="0"/>
+              <c:layout/>
               <c:tx>
                 <c:rich>
                   <a:bodyPr lIns="0" tIns="0" rIns="0" bIns="0"/>
@@ -4003,6 +4017,7 @@
                       <a:avLst/>
                     </a:prstGeom>
                   </c15:spPr>
+                  <c15:layout/>
                 </c:ext>
               </c:extLst>
             </c:dLbl>
@@ -4944,6 +4959,7 @@
           <c:dLbls>
             <c:dLbl>
               <c:idx val="0"/>
+              <c:layout/>
               <c:tx>
                 <c:rich>
                   <a:bodyPr/>
@@ -4964,7 +4980,9 @@
               <c:showBubbleSize val="0"/>
               <c:separator>; </c:separator>
               <c:extLst>
-                <c:ext xmlns:c15="http://schemas.microsoft.com/office/drawing/2012/chart" uri="{CE6537A1-D6FC-4f65-9D91-7224C49458BB}"/>
+                <c:ext xmlns:c15="http://schemas.microsoft.com/office/drawing/2012/chart" uri="{CE6537A1-D6FC-4f65-9D91-7224C49458BB}">
+                  <c15:layout/>
+                </c:ext>
               </c:extLst>
             </c:dLbl>
             <c:dLbl>
@@ -5354,6 +5372,7 @@
             </c:dLbl>
             <c:dLbl>
               <c:idx val="3"/>
+              <c:layout/>
               <c:tx>
                 <c:rich>
                   <a:bodyPr/>
@@ -5381,6 +5400,7 @@
               <c:separator>; </c:separator>
               <c:extLst>
                 <c:ext xmlns:c15="http://schemas.microsoft.com/office/drawing/2012/chart" uri="{CE6537A1-D6FC-4f65-9D91-7224C49458BB}">
+                  <c15:layout/>
                   <c15:dlblFieldTable/>
                   <c15:showDataLabelsRange val="0"/>
                 </c:ext>
@@ -6541,6 +6561,7 @@
           <c:dLbls>
             <c:dLbl>
               <c:idx val="0"/>
+              <c:layout/>
               <c:tx>
                 <c:rich>
                   <a:bodyPr/>
@@ -6574,7 +6595,9 @@
               <c:showBubbleSize val="0"/>
               <c:separator>; </c:separator>
               <c:extLst>
-                <c:ext xmlns:c15="http://schemas.microsoft.com/office/drawing/2012/chart" uri="{CE6537A1-D6FC-4f65-9D91-7224C49458BB}"/>
+                <c:ext xmlns:c15="http://schemas.microsoft.com/office/drawing/2012/chart" uri="{CE6537A1-D6FC-4f65-9D91-7224C49458BB}">
+                  <c15:layout/>
+                </c:ext>
               </c:extLst>
             </c:dLbl>
             <c:dLbl>
@@ -6853,6 +6876,7 @@
           <c:dLbls>
             <c:dLbl>
               <c:idx val="0"/>
+              <c:layout/>
               <c:tx>
                 <c:rich>
                   <a:bodyPr/>
@@ -6886,7 +6910,9 @@
               <c:showBubbleSize val="0"/>
               <c:separator>; </c:separator>
               <c:extLst>
-                <c:ext xmlns:c15="http://schemas.microsoft.com/office/drawing/2012/chart" uri="{CE6537A1-D6FC-4f65-9D91-7224C49458BB}"/>
+                <c:ext xmlns:c15="http://schemas.microsoft.com/office/drawing/2012/chart" uri="{CE6537A1-D6FC-4f65-9D91-7224C49458BB}">
+                  <c15:layout/>
+                </c:ext>
               </c:extLst>
             </c:dLbl>
             <c:dLbl>
@@ -7160,6 +7186,7 @@
           <c:dLbls>
             <c:dLbl>
               <c:idx val="0"/>
+              <c:layout/>
               <c:tx>
                 <c:rich>
                   <a:bodyPr/>
@@ -7189,11 +7216,14 @@
               <c:showBubbleSize val="0"/>
               <c:separator>; </c:separator>
               <c:extLst>
-                <c:ext xmlns:c15="http://schemas.microsoft.com/office/drawing/2012/chart" uri="{CE6537A1-D6FC-4f65-9D91-7224C49458BB}"/>
+                <c:ext xmlns:c15="http://schemas.microsoft.com/office/drawing/2012/chart" uri="{CE6537A1-D6FC-4f65-9D91-7224C49458BB}">
+                  <c15:layout/>
+                </c:ext>
               </c:extLst>
             </c:dLbl>
             <c:dLbl>
               <c:idx val="1"/>
+              <c:layout/>
               <c:tx>
                 <c:rich>
                   <a:bodyPr/>
@@ -7218,7 +7248,9 @@
               <c:showBubbleSize val="0"/>
               <c:separator>; </c:separator>
               <c:extLst>
-                <c:ext xmlns:c15="http://schemas.microsoft.com/office/drawing/2012/chart" uri="{CE6537A1-D6FC-4f65-9D91-7224C49458BB}"/>
+                <c:ext xmlns:c15="http://schemas.microsoft.com/office/drawing/2012/chart" uri="{CE6537A1-D6FC-4f65-9D91-7224C49458BB}">
+                  <c15:layout/>
+                </c:ext>
               </c:extLst>
             </c:dLbl>
             <c:dLbl>
@@ -7504,7 +7536,7 @@
             <a:fld id="{33BC5C0D-1A8E-40E5-ADA0-84DBF59AA5C6}" type="datetimeFigureOut">
               <a:rPr lang="es-PE" smtClean="0"/>
               <a:pPr/>
-              <a:t>06/02/2018</a:t>
+              <a:t>09/02/2018</a:t>
             </a:fld>
             <a:endParaRPr lang="es-PE"/>
           </a:p>
@@ -7671,7 +7703,7 @@
             <a:fld id="{1D6789CF-F719-4CF8-BD89-6F425D155B51}" type="datetimeFigureOut">
               <a:rPr lang="es-PE" smtClean="0"/>
               <a:pPr/>
-              <a:t>06/02/2018</a:t>
+              <a:t>09/02/2018</a:t>
             </a:fld>
             <a:endParaRPr lang="es-PE"/>
           </a:p>
@@ -8025,7 +8057,7 @@
             <a:fld id="{D7E77C8B-DD1F-4A72-984B-6415D7DA5034}" type="datetimeFigureOut">
               <a:rPr lang="es-PE" smtClean="0"/>
               <a:pPr/>
-              <a:t>06/02/2018</a:t>
+              <a:t>09/02/2018</a:t>
             </a:fld>
             <a:endParaRPr lang="es-PE" dirty="0"/>
           </a:p>
@@ -11377,14 +11409,6 @@
                   </a:rPr>
                   <a:t>Ingreso Transmisiones</a:t>
                 </a:r>
-                <a:endParaRPr lang="en-US" sz="1200" dirty="0" smtClean="0">
-                  <a:solidFill>
-                    <a:prstClr val="white"/>
-                  </a:solidFill>
-                  <a:latin typeface="Segoe UI" pitchFamily="34" charset="0"/>
-                  <a:ea typeface="Segoe UI" pitchFamily="34" charset="0"/>
-                  <a:cs typeface="Segoe UI" pitchFamily="34" charset="0"/>
-                </a:endParaRPr>
               </a:p>
             </p:txBody>
           </p:sp>
@@ -11740,14 +11764,6 @@
               </a:rPr>
               <a:t>Perfil: </a:t>
             </a:r>
-            <a:endParaRPr lang="en-US" sz="1200" dirty="0" smtClean="0">
-              <a:solidFill>
-                <a:srgbClr val="000000"/>
-              </a:solidFill>
-              <a:latin typeface="Segoe UI" pitchFamily="34" charset="0"/>
-              <a:ea typeface="Segoe UI" pitchFamily="34" charset="0"/>
-              <a:cs typeface="Segoe UI" pitchFamily="34" charset="0"/>
-            </a:endParaRPr>
           </a:p>
         </p:txBody>
       </p:sp>
@@ -11788,14 +11804,6 @@
               </a:rPr>
               <a:t>Usuario: </a:t>
             </a:r>
-            <a:endParaRPr lang="en-US" sz="1200" dirty="0" smtClean="0">
-              <a:solidFill>
-                <a:srgbClr val="000000"/>
-              </a:solidFill>
-              <a:latin typeface="Segoe UI" pitchFamily="34" charset="0"/>
-              <a:ea typeface="Segoe UI" pitchFamily="34" charset="0"/>
-              <a:cs typeface="Segoe UI" pitchFamily="34" charset="0"/>
-            </a:endParaRPr>
           </a:p>
         </p:txBody>
       </p:sp>
@@ -11834,27 +11842,8 @@
                 <a:ea typeface="Segoe UI" pitchFamily="34" charset="0"/>
                 <a:cs typeface="Segoe UI" pitchFamily="34" charset="0"/>
               </a:rPr>
-              <a:t>Clave</a:t>
+              <a:t>Clave: </a:t>
             </a:r>
-            <a:r>
-              <a:rPr lang="en-US" sz="1200" dirty="0" smtClean="0">
-                <a:solidFill>
-                  <a:srgbClr val="000000"/>
-                </a:solidFill>
-                <a:latin typeface="Segoe UI" pitchFamily="34" charset="0"/>
-                <a:ea typeface="Segoe UI" pitchFamily="34" charset="0"/>
-                <a:cs typeface="Segoe UI" pitchFamily="34" charset="0"/>
-              </a:rPr>
-              <a:t>: </a:t>
-            </a:r>
-            <a:endParaRPr lang="en-US" sz="1200" dirty="0" smtClean="0">
-              <a:solidFill>
-                <a:srgbClr val="000000"/>
-              </a:solidFill>
-              <a:latin typeface="Segoe UI" pitchFamily="34" charset="0"/>
-              <a:ea typeface="Segoe UI" pitchFamily="34" charset="0"/>
-              <a:cs typeface="Segoe UI" pitchFamily="34" charset="0"/>
-            </a:endParaRPr>
           </a:p>
         </p:txBody>
       </p:sp>
@@ -11949,20 +11938,6 @@
                 </a:rPr>
                 <a:t>GHA</a:t>
               </a:r>
-              <a:endParaRPr kumimoji="0" lang="en-US" sz="1100" b="0" i="0" u="none" strike="noStrike" kern="0" cap="none" spc="0" normalizeH="0" baseline="0" noProof="0" dirty="0" smtClean="0">
-                <a:ln>
-                  <a:noFill/>
-                </a:ln>
-                <a:solidFill>
-                  <a:srgbClr val="232323"/>
-                </a:solidFill>
-                <a:effectLst/>
-                <a:uLnTx/>
-                <a:uFillTx/>
-                <a:latin typeface="Segoe"/>
-                <a:ea typeface="+mn-ea"/>
-                <a:cs typeface="+mn-cs"/>
-              </a:endParaRPr>
             </a:p>
           </p:txBody>
         </p:sp>
@@ -26772,37 +26747,37 @@
 
 <file path=customXml/item1.xml><?xml version="1.0" encoding="utf-8"?>
 <Control xmlns="http://schemas.microsoft.com/VisualStudio/2011/storyboarding/control">
-  <Id Name="System.Storyboarding.Backgrounds.Window" Revision="1" Stencil="System.Storyboarding.Backgrounds" StencilVersion="0.1"/>
+  <Id Name="System.Storyboarding.Common.Text" Revision="1" Stencil="System.Storyboarding.Common" StencilVersion="0.1"/>
 </Control>
 </file>
 
 <file path=customXml/item2.xml><?xml version="1.0" encoding="utf-8"?>
 <Control xmlns="http://schemas.microsoft.com/VisualStudio/2011/storyboarding/control">
-  <Id Name="System.Storyboarding.Common.Text" Revision="1" Stencil="System.Storyboarding.Common" StencilVersion="0.1"/>
+  <Id Name="System.Storyboarding.Backgrounds.Window" Revision="1" Stencil="System.Storyboarding.Backgrounds" StencilVersion="0.1"/>
 </Control>
 </file>
 
 <file path=customXml/item3.xml><?xml version="1.0" encoding="utf-8"?>
 <Control xmlns="http://schemas.microsoft.com/VisualStudio/2011/storyboarding/control">
-  <Id Name="System.Storyboarding.Common.Text" Revision="1" Stencil="System.Storyboarding.Common" StencilVersion="0.1"/>
+  <Id Name="System.Storyboarding.WindowsApps.WindowsAppsComboBox" Revision="1" Stencil="System.Storyboarding.WindowsApps" StencilVersion="0.1"/>
 </Control>
 </file>
 
 <file path=customXml/item4.xml><?xml version="1.0" encoding="utf-8"?>
 <Control xmlns="http://schemas.microsoft.com/VisualStudio/2011/storyboarding/control">
-  <Id Name="System.Storyboarding.Common.Text" Revision="1" Stencil="System.Storyboarding.Common" StencilVersion="0.1"/>
+  <Id Name="2af01176-85ee-4929-8d41-a331980c979e" RevisionId="be170569-95d9-41cc-85ac-d2bbd0fbf029" Stencil="172d6d98-e5c9-42e9-a209-79f7a94bbd38" StencilRevisionId="00000000-0000-0000-0000-000000000000" StencilVersion="0.0"/>
 </Control>
 </file>
 
 <file path=customXml/item5.xml><?xml version="1.0" encoding="utf-8"?>
 <Control xmlns="http://schemas.microsoft.com/VisualStudio/2011/storyboarding/control">
-  <Id Name="2af01176-85ee-4929-8d41-a331980c979e" RevisionId="be170569-95d9-41cc-85ac-d2bbd0fbf029" Stencil="172d6d98-e5c9-42e9-a209-79f7a94bbd38" StencilRevisionId="00000000-0000-0000-0000-000000000000" StencilVersion="0.0"/>
+  <Id Name="System.Storyboarding.Common.Text" Revision="1" Stencil="System.Storyboarding.Common" StencilVersion="0.1"/>
 </Control>
 </file>
 
 <file path=customXml/item6.xml><?xml version="1.0" encoding="utf-8"?>
 <Control xmlns="http://schemas.microsoft.com/VisualStudio/2011/storyboarding/control">
-  <Id Name="System.Storyboarding.WindowsApps.WindowsAppsComboBox" Revision="1" Stencil="System.Storyboarding.WindowsApps" StencilVersion="0.1"/>
+  <Id Name="System.Storyboarding.Common.Button" Revision="1" Stencil="System.Storyboarding.Common" StencilVersion="0.1"/>
 </Control>
 </file>
 
@@ -26814,17 +26789,25 @@
 
 <file path=customXml/item8.xml><?xml version="1.0" encoding="utf-8"?>
 <Control xmlns="http://schemas.microsoft.com/VisualStudio/2011/storyboarding/control">
-  <Id Name="System.Storyboarding.Common.TextInput" Revision="1" Stencil="System.Storyboarding.Common" StencilVersion="0.1"/>
+  <Id Name="System.Storyboarding.Common.Text" Revision="1" Stencil="System.Storyboarding.Common" StencilVersion="0.1"/>
 </Control>
 </file>
 
 <file path=customXml/item9.xml><?xml version="1.0" encoding="utf-8"?>
 <Control xmlns="http://schemas.microsoft.com/VisualStudio/2011/storyboarding/control">
-  <Id Name="System.Storyboarding.Common.Button" Revision="1" Stencil="System.Storyboarding.Common" StencilVersion="0.1"/>
+  <Id Name="System.Storyboarding.Common.TextInput" Revision="1" Stencil="System.Storyboarding.Common" StencilVersion="0.1"/>
 </Control>
 </file>
 
 <file path=customXml/itemProps1.xml><?xml version="1.0" encoding="utf-8"?>
+<ds:datastoreItem xmlns:ds="http://schemas.openxmlformats.org/officeDocument/2006/customXml" ds:itemID="{403C10C7-DE81-459D-A846-0D367580C3B7}">
+  <ds:schemaRefs>
+    <ds:schemaRef ds:uri="http://schemas.microsoft.com/VisualStudio/2011/storyboarding/control"/>
+  </ds:schemaRefs>
+</ds:datastoreItem>
+</file>
+
+<file path=customXml/itemProps2.xml><?xml version="1.0" encoding="utf-8"?>
 <ds:datastoreItem xmlns:ds="http://schemas.openxmlformats.org/officeDocument/2006/customXml" ds:itemID="{77A59FEA-D227-4553-ACE5-E84AC95A330B}">
   <ds:schemaRefs>
     <ds:schemaRef ds:uri="http://schemas.microsoft.com/VisualStudio/2011/storyboarding/control"/>
@@ -26832,15 +26815,47 @@
 </ds:datastoreItem>
 </file>
 
-<file path=customXml/itemProps2.xml><?xml version="1.0" encoding="utf-8"?>
-<ds:datastoreItem xmlns:ds="http://schemas.openxmlformats.org/officeDocument/2006/customXml" ds:itemID="{403C10C7-DE81-459D-A846-0D367580C3B7}">
+<file path=customXml/itemProps3.xml><?xml version="1.0" encoding="utf-8"?>
+<ds:datastoreItem xmlns:ds="http://schemas.openxmlformats.org/officeDocument/2006/customXml" ds:itemID="{05514612-53DE-442F-8532-CBDC701061DD}">
   <ds:schemaRefs>
     <ds:schemaRef ds:uri="http://schemas.microsoft.com/VisualStudio/2011/storyboarding/control"/>
   </ds:schemaRefs>
 </ds:datastoreItem>
 </file>
 
-<file path=customXml/itemProps3.xml><?xml version="1.0" encoding="utf-8"?>
+<file path=customXml/itemProps4.xml><?xml version="1.0" encoding="utf-8"?>
+<ds:datastoreItem xmlns:ds="http://schemas.openxmlformats.org/officeDocument/2006/customXml" ds:itemID="{2192942C-F736-44C6-B3F3-FBF34C2C910F}">
+  <ds:schemaRefs>
+    <ds:schemaRef ds:uri="http://schemas.microsoft.com/VisualStudio/2011/storyboarding/control"/>
+  </ds:schemaRefs>
+</ds:datastoreItem>
+</file>
+
+<file path=customXml/itemProps5.xml><?xml version="1.0" encoding="utf-8"?>
+<ds:datastoreItem xmlns:ds="http://schemas.openxmlformats.org/officeDocument/2006/customXml" ds:itemID="{FF598DB8-21EE-4DA2-84D4-8E8F23B22D4D}">
+  <ds:schemaRefs>
+    <ds:schemaRef ds:uri="http://schemas.microsoft.com/VisualStudio/2011/storyboarding/control"/>
+  </ds:schemaRefs>
+</ds:datastoreItem>
+</file>
+
+<file path=customXml/itemProps6.xml><?xml version="1.0" encoding="utf-8"?>
+<ds:datastoreItem xmlns:ds="http://schemas.openxmlformats.org/officeDocument/2006/customXml" ds:itemID="{58302403-DE24-4D50-AD03-0EDAA9CA1258}">
+  <ds:schemaRefs>
+    <ds:schemaRef ds:uri="http://schemas.microsoft.com/VisualStudio/2011/storyboarding/control"/>
+  </ds:schemaRefs>
+</ds:datastoreItem>
+</file>
+
+<file path=customXml/itemProps7.xml><?xml version="1.0" encoding="utf-8"?>
+<ds:datastoreItem xmlns:ds="http://schemas.openxmlformats.org/officeDocument/2006/customXml" ds:itemID="{2BC7C484-BAFC-4F49-BF1D-D679E251A352}">
+  <ds:schemaRefs>
+    <ds:schemaRef ds:uri="http://schemas.microsoft.com/VisualStudio/2011/storyboarding/control"/>
+  </ds:schemaRefs>
+</ds:datastoreItem>
+</file>
+
+<file path=customXml/itemProps8.xml><?xml version="1.0" encoding="utf-8"?>
 <ds:datastoreItem xmlns:ds="http://schemas.openxmlformats.org/officeDocument/2006/customXml" ds:itemID="{4D16260C-F90E-4974-B157-52EB07AACFEB}">
   <ds:schemaRefs>
     <ds:schemaRef ds:uri="http://schemas.microsoft.com/VisualStudio/2011/storyboarding/control"/>
@@ -26848,50 +26863,10 @@
 </ds:datastoreItem>
 </file>
 
-<file path=customXml/itemProps4.xml><?xml version="1.0" encoding="utf-8"?>
-<ds:datastoreItem xmlns:ds="http://schemas.openxmlformats.org/officeDocument/2006/customXml" ds:itemID="{FF598DB8-21EE-4DA2-84D4-8E8F23B22D4D}">
-  <ds:schemaRefs>
-    <ds:schemaRef ds:uri="http://schemas.microsoft.com/VisualStudio/2011/storyboarding/control"/>
-  </ds:schemaRefs>
-</ds:datastoreItem>
-</file>
-
-<file path=customXml/itemProps5.xml><?xml version="1.0" encoding="utf-8"?>
-<ds:datastoreItem xmlns:ds="http://schemas.openxmlformats.org/officeDocument/2006/customXml" ds:itemID="{2192942C-F736-44C6-B3F3-FBF34C2C910F}">
-  <ds:schemaRefs>
-    <ds:schemaRef ds:uri="http://schemas.microsoft.com/VisualStudio/2011/storyboarding/control"/>
-  </ds:schemaRefs>
-</ds:datastoreItem>
-</file>
-
-<file path=customXml/itemProps6.xml><?xml version="1.0" encoding="utf-8"?>
-<ds:datastoreItem xmlns:ds="http://schemas.openxmlformats.org/officeDocument/2006/customXml" ds:itemID="{05514612-53DE-442F-8532-CBDC701061DD}">
-  <ds:schemaRefs>
-    <ds:schemaRef ds:uri="http://schemas.microsoft.com/VisualStudio/2011/storyboarding/control"/>
-  </ds:schemaRefs>
-</ds:datastoreItem>
-</file>
-
-<file path=customXml/itemProps7.xml><?xml version="1.0" encoding="utf-8"?>
+<file path=customXml/itemProps9.xml><?xml version="1.0" encoding="utf-8"?>
 <ds:datastoreItem xmlns:ds="http://schemas.openxmlformats.org/officeDocument/2006/customXml" ds:itemID="{BB0DE8AB-0EAD-4580-B717-A693ADE4103A}">
   <ds:schemaRefs>
     <ds:schemaRef ds:uri="http://schemas.microsoft.com/VisualStudio/2011/storyboarding/control"/>
   </ds:schemaRefs>
 </ds:datastoreItem>
-</file>
-
-<file path=customXml/itemProps8.xml><?xml version="1.0" encoding="utf-8"?>
-<ds:datastoreItem xmlns:ds="http://schemas.openxmlformats.org/officeDocument/2006/customXml" ds:itemID="{2BC7C484-BAFC-4F49-BF1D-D679E251A352}">
-  <ds:schemaRefs>
-    <ds:schemaRef ds:uri="http://schemas.microsoft.com/VisualStudio/2011/storyboarding/control"/>
-  </ds:schemaRefs>
-</ds:datastoreItem>
-</file>
-
-<file path=customXml/itemProps9.xml><?xml version="1.0" encoding="utf-8"?>
-<ds:datastoreItem xmlns:ds="http://schemas.openxmlformats.org/officeDocument/2006/customXml" ds:itemID="{58302403-DE24-4D50-AD03-0EDAA9CA1258}">
-  <ds:schemaRefs>
-    <ds:schemaRef ds:uri="http://schemas.microsoft.com/VisualStudio/2011/storyboarding/control"/>
-  </ds:schemaRefs>
-</ds:datastoreItem>
 </file>
--- a/Documentos/ControlTransmisionesV1.0.pptx
+++ b/Documentos/ControlTransmisionesV1.0.pptx
@@ -10902,7 +10902,7 @@
             <a:fld id="{33BC5C0D-1A8E-40E5-ADA0-84DBF59AA5C6}" type="datetimeFigureOut">
               <a:rPr lang="es-PE" smtClean="0"/>
               <a:pPr/>
-              <a:t>12/02/2018</a:t>
+              <a:t>16/02/2018</a:t>
             </a:fld>
             <a:endParaRPr lang="es-PE"/>
           </a:p>
@@ -11069,7 +11069,7 @@
             <a:fld id="{1D6789CF-F719-4CF8-BD89-6F425D155B51}" type="datetimeFigureOut">
               <a:rPr lang="es-PE" smtClean="0"/>
               <a:pPr/>
-              <a:t>12/02/2018</a:t>
+              <a:t>16/02/2018</a:t>
             </a:fld>
             <a:endParaRPr lang="es-PE"/>
           </a:p>
@@ -11423,7 +11423,7 @@
             <a:fld id="{D7E77C8B-DD1F-4A72-984B-6415D7DA5034}" type="datetimeFigureOut">
               <a:rPr lang="es-PE" smtClean="0"/>
               <a:pPr/>
-              <a:t>12/02/2018</a:t>
+              <a:t>16/02/2018</a:t>
             </a:fld>
             <a:endParaRPr lang="es-PE" dirty="0"/>
           </a:p>
@@ -16663,11 +16663,7 @@
             <a:pPr algn="r"/>
             <a:r>
               <a:rPr lang="es-PE" dirty="0" smtClean="0"/>
-              <a:t>Tablero </a:t>
-            </a:r>
-            <a:r>
-              <a:rPr lang="es-PE" dirty="0" smtClean="0"/>
-              <a:t>Perfil: GHA IMPO</a:t>
+              <a:t>Tablero Perfil: GHA IMPO</a:t>
             </a:r>
             <a:endParaRPr lang="es-PE" dirty="0"/>
           </a:p>
@@ -17044,12 +17040,6 @@
               </a:rPr>
               <a:t>6</a:t>
             </a:r>
-            <a:endParaRPr lang="es-PE" sz="1000" b="1" dirty="0">
-              <a:solidFill>
-                <a:srgbClr val="000000"/>
-              </a:solidFill>
-              <a:latin typeface="Calibri"/>
-            </a:endParaRPr>
           </a:p>
         </p:txBody>
       </p:sp>
@@ -17234,12 +17224,6 @@
               </a:rPr>
               <a:t>6</a:t>
             </a:r>
-            <a:endParaRPr lang="es-PE" sz="1000" b="1" dirty="0">
-              <a:solidFill>
-                <a:srgbClr val="000000"/>
-              </a:solidFill>
-              <a:latin typeface="Calibri"/>
-            </a:endParaRPr>
           </a:p>
         </p:txBody>
       </p:sp>
@@ -17424,12 +17408,6 @@
               </a:rPr>
               <a:t>6</a:t>
             </a:r>
-            <a:endParaRPr lang="es-PE" sz="1000" b="1" dirty="0">
-              <a:solidFill>
-                <a:srgbClr val="000000"/>
-              </a:solidFill>
-              <a:latin typeface="Calibri"/>
-            </a:endParaRPr>
           </a:p>
         </p:txBody>
       </p:sp>
@@ -19267,11 +19245,7 @@
             <a:pPr algn="r"/>
             <a:r>
               <a:rPr lang="es-PE" dirty="0" smtClean="0"/>
-              <a:t>Tablero </a:t>
-            </a:r>
-            <a:r>
-              <a:rPr lang="es-PE" dirty="0" smtClean="0"/>
-              <a:t>Perfil: GHA EXPO</a:t>
+              <a:t>Tablero Perfil: GHA EXPO</a:t>
             </a:r>
           </a:p>
           <a:p>
@@ -19651,12 +19625,6 @@
               </a:rPr>
               <a:t>6</a:t>
             </a:r>
-            <a:endParaRPr lang="es-PE" sz="1000" b="1" dirty="0">
-              <a:solidFill>
-                <a:srgbClr val="000000"/>
-              </a:solidFill>
-              <a:latin typeface="Calibri"/>
-            </a:endParaRPr>
           </a:p>
         </p:txBody>
       </p:sp>
@@ -19841,12 +19809,6 @@
               </a:rPr>
               <a:t>6</a:t>
             </a:r>
-            <a:endParaRPr lang="es-PE" sz="1000" b="1" dirty="0">
-              <a:solidFill>
-                <a:srgbClr val="000000"/>
-              </a:solidFill>
-              <a:latin typeface="Calibri"/>
-            </a:endParaRPr>
           </a:p>
         </p:txBody>
       </p:sp>
@@ -20136,12 +20098,6 @@
               </a:rPr>
               <a:t>6</a:t>
             </a:r>
-            <a:endParaRPr lang="es-PE" sz="1000" b="1" dirty="0">
-              <a:solidFill>
-                <a:srgbClr val="000000"/>
-              </a:solidFill>
-              <a:latin typeface="Calibri"/>
-            </a:endParaRPr>
           </a:p>
         </p:txBody>
       </p:sp>
@@ -25357,11 +25313,7 @@
             <a:pPr algn="r"/>
             <a:r>
               <a:rPr lang="es-PE" dirty="0" smtClean="0"/>
-              <a:t>Tablero </a:t>
-            </a:r>
-            <a:r>
-              <a:rPr lang="es-PE" dirty="0" smtClean="0"/>
-              <a:t>Perfil: IMPO</a:t>
+              <a:t>Tablero Perfil: IMPO</a:t>
             </a:r>
             <a:endParaRPr lang="es-PE" dirty="0"/>
           </a:p>
@@ -25538,7 +25490,6 @@
               <a:rPr lang="es-PE" dirty="0"/>
               <a:t>Deberá tener una opción para cerrar el vuelo </a:t>
             </a:r>
-            <a:endParaRPr lang="es-PE" dirty="0"/>
           </a:p>
         </p:txBody>
       </p:sp>
@@ -25575,7 +25526,6 @@
               <a:rPr lang="es-PE" dirty="0"/>
               <a:t>vuelo </a:t>
             </a:r>
-            <a:endParaRPr lang="es-PE" dirty="0"/>
           </a:p>
         </p:txBody>
       </p:sp>
@@ -25838,11 +25788,7 @@
             <a:pPr algn="r"/>
             <a:r>
               <a:rPr lang="es-PE" dirty="0" smtClean="0"/>
-              <a:t>Tablero </a:t>
-            </a:r>
-            <a:r>
-              <a:rPr lang="es-PE" dirty="0" smtClean="0"/>
-              <a:t>Perfil: EXPO</a:t>
+              <a:t>Tablero Perfil: EXPO</a:t>
             </a:r>
             <a:endParaRPr lang="es-PE" dirty="0"/>
           </a:p>
@@ -40646,31 +40592,31 @@
 
 <file path=customXml/item1.xml><?xml version="1.0" encoding="utf-8"?>
 <Control xmlns="http://schemas.microsoft.com/VisualStudio/2011/storyboarding/control">
-  <Id Name="System.Storyboarding.Backgrounds.Window" Revision="1" Stencil="System.Storyboarding.Backgrounds" StencilVersion="0.1"/>
+  <Id Name="System.Storyboarding.Common.Text" Revision="1" Stencil="System.Storyboarding.Common" StencilVersion="0.1"/>
 </Control>
 </file>
 
 <file path=customXml/item2.xml><?xml version="1.0" encoding="utf-8"?>
 <Control xmlns="http://schemas.microsoft.com/VisualStudio/2011/storyboarding/control">
-  <Id Name="System.Storyboarding.Common.Text" Revision="1" Stencil="System.Storyboarding.Common" StencilVersion="0.1"/>
+  <Id Name="System.Storyboarding.Backgrounds.Window" Revision="1" Stencil="System.Storyboarding.Backgrounds" StencilVersion="0.1"/>
 </Control>
 </file>
 
 <file path=customXml/item3.xml><?xml version="1.0" encoding="utf-8"?>
 <Control xmlns="http://schemas.microsoft.com/VisualStudio/2011/storyboarding/control">
-  <Id Name="System.Storyboarding.Common.Button" Revision="1" Stencil="System.Storyboarding.Common" StencilVersion="0.1"/>
+  <Id Name="System.Storyboarding.Common.TextInput" Revision="1" Stencil="System.Storyboarding.Common" StencilVersion="0.1"/>
 </Control>
 </file>
 
 <file path=customXml/item4.xml><?xml version="1.0" encoding="utf-8"?>
 <Control xmlns="http://schemas.microsoft.com/VisualStudio/2011/storyboarding/control">
-  <Id Name="System.Storyboarding.Common.Text" Revision="1" Stencil="System.Storyboarding.Common" StencilVersion="0.1"/>
+  <Id Name="2af01176-85ee-4929-8d41-a331980c979e" RevisionId="be170569-95d9-41cc-85ac-d2bbd0fbf029" Stencil="172d6d98-e5c9-42e9-a209-79f7a94bbd38" StencilRevisionId="00000000-0000-0000-0000-000000000000" StencilVersion="0.0"/>
 </Control>
 </file>
 
 <file path=customXml/item5.xml><?xml version="1.0" encoding="utf-8"?>
 <Control xmlns="http://schemas.microsoft.com/VisualStudio/2011/storyboarding/control">
-  <Id Name="2af01176-85ee-4929-8d41-a331980c979e" RevisionId="be170569-95d9-41cc-85ac-d2bbd0fbf029" Stencil="172d6d98-e5c9-42e9-a209-79f7a94bbd38" StencilRevisionId="00000000-0000-0000-0000-000000000000" StencilVersion="0.0"/>
+  <Id Name="System.Storyboarding.Common.Text" Revision="1" Stencil="System.Storyboarding.Common" StencilVersion="0.1"/>
 </Control>
 </file>
 
@@ -40682,23 +40628,31 @@
 
 <file path=customXml/item7.xml><?xml version="1.0" encoding="utf-8"?>
 <Control xmlns="http://schemas.microsoft.com/VisualStudio/2011/storyboarding/control">
-  <Id Name="System.Storyboarding.Common.Text" Revision="1" Stencil="System.Storyboarding.Common" StencilVersion="0.1"/>
+  <Id Name="System.Storyboarding.WindowsApps.WindowsAppsComboBox" Revision="1" Stencil="System.Storyboarding.WindowsApps" StencilVersion="0.1"/>
 </Control>
 </file>
 
 <file path=customXml/item8.xml><?xml version="1.0" encoding="utf-8"?>
 <Control xmlns="http://schemas.microsoft.com/VisualStudio/2011/storyboarding/control">
-  <Id Name="System.Storyboarding.WindowsApps.WindowsAppsComboBox" Revision="1" Stencil="System.Storyboarding.WindowsApps" StencilVersion="0.1"/>
+  <Id Name="System.Storyboarding.Common.Button" Revision="1" Stencil="System.Storyboarding.Common" StencilVersion="0.1"/>
 </Control>
 </file>
 
 <file path=customXml/item9.xml><?xml version="1.0" encoding="utf-8"?>
 <Control xmlns="http://schemas.microsoft.com/VisualStudio/2011/storyboarding/control">
-  <Id Name="System.Storyboarding.Common.TextInput" Revision="1" Stencil="System.Storyboarding.Common" StencilVersion="0.1"/>
+  <Id Name="System.Storyboarding.Common.Text" Revision="1" Stencil="System.Storyboarding.Common" StencilVersion="0.1"/>
 </Control>
 </file>
 
 <file path=customXml/itemProps1.xml><?xml version="1.0" encoding="utf-8"?>
+<ds:datastoreItem xmlns:ds="http://schemas.openxmlformats.org/officeDocument/2006/customXml" ds:itemID="{403C10C7-DE81-459D-A846-0D367580C3B7}">
+  <ds:schemaRefs>
+    <ds:schemaRef ds:uri="http://schemas.microsoft.com/VisualStudio/2011/storyboarding/control"/>
+  </ds:schemaRefs>
+</ds:datastoreItem>
+</file>
+
+<file path=customXml/itemProps2.xml><?xml version="1.0" encoding="utf-8"?>
 <ds:datastoreItem xmlns:ds="http://schemas.openxmlformats.org/officeDocument/2006/customXml" ds:itemID="{77A59FEA-D227-4553-ACE5-E84AC95A330B}">
   <ds:schemaRefs>
     <ds:schemaRef ds:uri="http://schemas.microsoft.com/VisualStudio/2011/storyboarding/control"/>
@@ -40706,15 +40660,47 @@
 </ds:datastoreItem>
 </file>
 
-<file path=customXml/itemProps2.xml><?xml version="1.0" encoding="utf-8"?>
-<ds:datastoreItem xmlns:ds="http://schemas.openxmlformats.org/officeDocument/2006/customXml" ds:itemID="{403C10C7-DE81-459D-A846-0D367580C3B7}">
+<file path=customXml/itemProps3.xml><?xml version="1.0" encoding="utf-8"?>
+<ds:datastoreItem xmlns:ds="http://schemas.openxmlformats.org/officeDocument/2006/customXml" ds:itemID="{BB0DE8AB-0EAD-4580-B717-A693ADE4103A}">
   <ds:schemaRefs>
     <ds:schemaRef ds:uri="http://schemas.microsoft.com/VisualStudio/2011/storyboarding/control"/>
   </ds:schemaRefs>
 </ds:datastoreItem>
 </file>
 
-<file path=customXml/itemProps3.xml><?xml version="1.0" encoding="utf-8"?>
+<file path=customXml/itemProps4.xml><?xml version="1.0" encoding="utf-8"?>
+<ds:datastoreItem xmlns:ds="http://schemas.openxmlformats.org/officeDocument/2006/customXml" ds:itemID="{2192942C-F736-44C6-B3F3-FBF34C2C910F}">
+  <ds:schemaRefs>
+    <ds:schemaRef ds:uri="http://schemas.microsoft.com/VisualStudio/2011/storyboarding/control"/>
+  </ds:schemaRefs>
+</ds:datastoreItem>
+</file>
+
+<file path=customXml/itemProps5.xml><?xml version="1.0" encoding="utf-8"?>
+<ds:datastoreItem xmlns:ds="http://schemas.openxmlformats.org/officeDocument/2006/customXml" ds:itemID="{FF598DB8-21EE-4DA2-84D4-8E8F23B22D4D}">
+  <ds:schemaRefs>
+    <ds:schemaRef ds:uri="http://schemas.microsoft.com/VisualStudio/2011/storyboarding/control"/>
+  </ds:schemaRefs>
+</ds:datastoreItem>
+</file>
+
+<file path=customXml/itemProps6.xml><?xml version="1.0" encoding="utf-8"?>
+<ds:datastoreItem xmlns:ds="http://schemas.openxmlformats.org/officeDocument/2006/customXml" ds:itemID="{2BC7C484-BAFC-4F49-BF1D-D679E251A352}">
+  <ds:schemaRefs>
+    <ds:schemaRef ds:uri="http://schemas.microsoft.com/VisualStudio/2011/storyboarding/control"/>
+  </ds:schemaRefs>
+</ds:datastoreItem>
+</file>
+
+<file path=customXml/itemProps7.xml><?xml version="1.0" encoding="utf-8"?>
+<ds:datastoreItem xmlns:ds="http://schemas.openxmlformats.org/officeDocument/2006/customXml" ds:itemID="{05514612-53DE-442F-8532-CBDC701061DD}">
+  <ds:schemaRefs>
+    <ds:schemaRef ds:uri="http://schemas.microsoft.com/VisualStudio/2011/storyboarding/control"/>
+  </ds:schemaRefs>
+</ds:datastoreItem>
+</file>
+
+<file path=customXml/itemProps8.xml><?xml version="1.0" encoding="utf-8"?>
 <ds:datastoreItem xmlns:ds="http://schemas.openxmlformats.org/officeDocument/2006/customXml" ds:itemID="{58302403-DE24-4D50-AD03-0EDAA9CA1258}">
   <ds:schemaRefs>
     <ds:schemaRef ds:uri="http://schemas.microsoft.com/VisualStudio/2011/storyboarding/control"/>
@@ -40722,50 +40708,10 @@
 </ds:datastoreItem>
 </file>
 
-<file path=customXml/itemProps4.xml><?xml version="1.0" encoding="utf-8"?>
-<ds:datastoreItem xmlns:ds="http://schemas.openxmlformats.org/officeDocument/2006/customXml" ds:itemID="{FF598DB8-21EE-4DA2-84D4-8E8F23B22D4D}">
-  <ds:schemaRefs>
-    <ds:schemaRef ds:uri="http://schemas.microsoft.com/VisualStudio/2011/storyboarding/control"/>
-  </ds:schemaRefs>
-</ds:datastoreItem>
-</file>
-
-<file path=customXml/itemProps5.xml><?xml version="1.0" encoding="utf-8"?>
-<ds:datastoreItem xmlns:ds="http://schemas.openxmlformats.org/officeDocument/2006/customXml" ds:itemID="{2192942C-F736-44C6-B3F3-FBF34C2C910F}">
-  <ds:schemaRefs>
-    <ds:schemaRef ds:uri="http://schemas.microsoft.com/VisualStudio/2011/storyboarding/control"/>
-  </ds:schemaRefs>
-</ds:datastoreItem>
-</file>
-
-<file path=customXml/itemProps6.xml><?xml version="1.0" encoding="utf-8"?>
-<ds:datastoreItem xmlns:ds="http://schemas.openxmlformats.org/officeDocument/2006/customXml" ds:itemID="{BB0DE8AB-0EAD-4580-B717-A693ADE4103A}">
-  <ds:schemaRefs>
-    <ds:schemaRef ds:uri="http://schemas.microsoft.com/VisualStudio/2011/storyboarding/control"/>
-  </ds:schemaRefs>
-</ds:datastoreItem>
-</file>
-
-<file path=customXml/itemProps7.xml><?xml version="1.0" encoding="utf-8"?>
+<file path=customXml/itemProps9.xml><?xml version="1.0" encoding="utf-8"?>
 <ds:datastoreItem xmlns:ds="http://schemas.openxmlformats.org/officeDocument/2006/customXml" ds:itemID="{4D16260C-F90E-4974-B157-52EB07AACFEB}">
   <ds:schemaRefs>
     <ds:schemaRef ds:uri="http://schemas.microsoft.com/VisualStudio/2011/storyboarding/control"/>
   </ds:schemaRefs>
 </ds:datastoreItem>
-</file>
-
-<file path=customXml/itemProps8.xml><?xml version="1.0" encoding="utf-8"?>
-<ds:datastoreItem xmlns:ds="http://schemas.openxmlformats.org/officeDocument/2006/customXml" ds:itemID="{05514612-53DE-442F-8532-CBDC701061DD}">
-  <ds:schemaRefs>
-    <ds:schemaRef ds:uri="http://schemas.microsoft.com/VisualStudio/2011/storyboarding/control"/>
-  </ds:schemaRefs>
-</ds:datastoreItem>
-</file>
-
-<file path=customXml/itemProps9.xml><?xml version="1.0" encoding="utf-8"?>
-<ds:datastoreItem xmlns:ds="http://schemas.openxmlformats.org/officeDocument/2006/customXml" ds:itemID="{2BC7C484-BAFC-4F49-BF1D-D679E251A352}">
-  <ds:schemaRefs>
-    <ds:schemaRef ds:uri="http://schemas.microsoft.com/VisualStudio/2011/storyboarding/control"/>
-  </ds:schemaRefs>
-</ds:datastoreItem>
 </file>
--- a/Documentos/ControlTransmisionesV1.0.pptx
+++ b/Documentos/ControlTransmisionesV1.0.pptx
@@ -5220,7 +5220,6 @@
           <c:dLbls>
             <c:dLbl>
               <c:idx val="0"/>
-              <c:layout/>
               <c:tx>
                 <c:rich>
                   <a:bodyPr wrap="square" lIns="38100" tIns="19050" rIns="38100" bIns="19050" anchor="ctr">
@@ -5252,9 +5251,7 @@
               <c:showPercent val="0"/>
               <c:showBubbleSize val="0"/>
               <c:extLst>
-                <c:ext xmlns:c15="http://schemas.microsoft.com/office/drawing/2012/chart" uri="{CE6537A1-D6FC-4f65-9D91-7224C49458BB}">
-                  <c15:layout/>
-                </c:ext>
+                <c:ext xmlns:c15="http://schemas.microsoft.com/office/drawing/2012/chart" uri="{CE6537A1-D6FC-4f65-9D91-7224C49458BB}"/>
               </c:extLst>
             </c:dLbl>
             <c:dLbl>
@@ -5287,7 +5284,6 @@
             </c:dLbl>
             <c:dLbl>
               <c:idx val="3"/>
-              <c:layout/>
               <c:tx>
                 <c:rich>
                   <a:bodyPr wrap="square" lIns="38100" tIns="19050" rIns="38100" bIns="19050" anchor="ctr">
@@ -5329,7 +5325,6 @@
                       <a:avLst/>
                     </a:prstGeom>
                   </c15:spPr>
-                  <c15:layout/>
                   <c15:dlblFieldTable/>
                   <c15:showDataLabelsRange val="0"/>
                 </c:ext>
@@ -5350,9 +5345,7 @@
             <c:showBubbleSize val="0"/>
             <c:showLeaderLines val="1"/>
             <c:extLst>
-              <c:ext xmlns:c15="http://schemas.microsoft.com/office/drawing/2012/chart" uri="{CE6537A1-D6FC-4f65-9D91-7224C49458BB}">
-                <c15:layout/>
-              </c:ext>
+              <c:ext xmlns:c15="http://schemas.microsoft.com/office/drawing/2012/chart" uri="{CE6537A1-D6FC-4f65-9D91-7224C49458BB}"/>
             </c:extLst>
           </c:dLbls>
           <c:cat>
@@ -5556,7 +5549,6 @@
           <c:dLbls>
             <c:dLbl>
               <c:idx val="0"/>
-              <c:layout/>
               <c:tx>
                 <c:rich>
                   <a:bodyPr lIns="0" tIns="0" rIns="0" bIns="0"/>
@@ -5609,7 +5601,6 @@
                       <a:avLst/>
                     </a:prstGeom>
                   </c15:spPr>
-                  <c15:layout/>
                 </c:ext>
               </c:extLst>
             </c:dLbl>
@@ -5929,7 +5920,6 @@
           <c:dLbls>
             <c:dLbl>
               <c:idx val="0"/>
-              <c:layout/>
               <c:tx>
                 <c:rich>
                   <a:bodyPr/>
@@ -5950,9 +5940,7 @@
               <c:showBubbleSize val="0"/>
               <c:separator>; </c:separator>
               <c:extLst>
-                <c:ext xmlns:c15="http://schemas.microsoft.com/office/drawing/2012/chart" uri="{CE6537A1-D6FC-4f65-9D91-7224C49458BB}">
-                  <c15:layout/>
-                </c:ext>
+                <c:ext xmlns:c15="http://schemas.microsoft.com/office/drawing/2012/chart" uri="{CE6537A1-D6FC-4f65-9D91-7224C49458BB}"/>
               </c:extLst>
             </c:dLbl>
             <c:dLbl>
@@ -6342,7 +6330,6 @@
             </c:dLbl>
             <c:dLbl>
               <c:idx val="3"/>
-              <c:layout/>
               <c:tx>
                 <c:rich>
                   <a:bodyPr/>
@@ -6370,7 +6357,6 @@
               <c:separator>; </c:separator>
               <c:extLst>
                 <c:ext xmlns:c15="http://schemas.microsoft.com/office/drawing/2012/chart" uri="{CE6537A1-D6FC-4f65-9D91-7224C49458BB}">
-                  <c15:layout/>
                   <c15:dlblFieldTable/>
                   <c15:showDataLabelsRange val="0"/>
                 </c:ext>
@@ -6962,7 +6948,6 @@
           <c:dLbls>
             <c:dLbl>
               <c:idx val="0"/>
-              <c:layout/>
               <c:tx>
                 <c:rich>
                   <a:bodyPr/>
@@ -6996,9 +6981,7 @@
               <c:showBubbleSize val="0"/>
               <c:separator>; </c:separator>
               <c:extLst>
-                <c:ext xmlns:c15="http://schemas.microsoft.com/office/drawing/2012/chart" uri="{CE6537A1-D6FC-4f65-9D91-7224C49458BB}">
-                  <c15:layout/>
-                </c:ext>
+                <c:ext xmlns:c15="http://schemas.microsoft.com/office/drawing/2012/chart" uri="{CE6537A1-D6FC-4f65-9D91-7224C49458BB}"/>
               </c:extLst>
             </c:dLbl>
             <c:dLbl>
@@ -7277,7 +7260,6 @@
           <c:dLbls>
             <c:dLbl>
               <c:idx val="0"/>
-              <c:layout/>
               <c:tx>
                 <c:rich>
                   <a:bodyPr/>
@@ -7311,9 +7293,7 @@
               <c:showBubbleSize val="0"/>
               <c:separator>; </c:separator>
               <c:extLst>
-                <c:ext xmlns:c15="http://schemas.microsoft.com/office/drawing/2012/chart" uri="{CE6537A1-D6FC-4f65-9D91-7224C49458BB}">
-                  <c15:layout/>
-                </c:ext>
+                <c:ext xmlns:c15="http://schemas.microsoft.com/office/drawing/2012/chart" uri="{CE6537A1-D6FC-4f65-9D91-7224C49458BB}"/>
               </c:extLst>
             </c:dLbl>
             <c:dLbl>
@@ -7587,7 +7567,6 @@
           <c:dLbls>
             <c:dLbl>
               <c:idx val="0"/>
-              <c:layout/>
               <c:tx>
                 <c:rich>
                   <a:bodyPr/>
@@ -7617,14 +7596,11 @@
               <c:showBubbleSize val="0"/>
               <c:separator>; </c:separator>
               <c:extLst>
-                <c:ext xmlns:c15="http://schemas.microsoft.com/office/drawing/2012/chart" uri="{CE6537A1-D6FC-4f65-9D91-7224C49458BB}">
-                  <c15:layout/>
-                </c:ext>
+                <c:ext xmlns:c15="http://schemas.microsoft.com/office/drawing/2012/chart" uri="{CE6537A1-D6FC-4f65-9D91-7224C49458BB}"/>
               </c:extLst>
             </c:dLbl>
             <c:dLbl>
               <c:idx val="1"/>
-              <c:layout/>
               <c:tx>
                 <c:rich>
                   <a:bodyPr/>
@@ -7649,9 +7625,7 @@
               <c:showBubbleSize val="0"/>
               <c:separator>; </c:separator>
               <c:extLst>
-                <c:ext xmlns:c15="http://schemas.microsoft.com/office/drawing/2012/chart" uri="{CE6537A1-D6FC-4f65-9D91-7224C49458BB}">
-                  <c15:layout/>
-                </c:ext>
+                <c:ext xmlns:c15="http://schemas.microsoft.com/office/drawing/2012/chart" uri="{CE6537A1-D6FC-4f65-9D91-7224C49458BB}"/>
               </c:extLst>
             </c:dLbl>
             <c:dLbl>
@@ -8265,7 +8239,6 @@
           <c:dLbls>
             <c:dLbl>
               <c:idx val="0"/>
-              <c:layout/>
               <c:tx>
                 <c:rich>
                   <a:bodyPr/>
@@ -8295,9 +8268,7 @@
               <c:showBubbleSize val="0"/>
               <c:separator>; </c:separator>
               <c:extLst>
-                <c:ext xmlns:c15="http://schemas.microsoft.com/office/drawing/2012/chart" uri="{CE6537A1-D6FC-4f65-9D91-7224C49458BB}">
-                  <c15:layout/>
-                </c:ext>
+                <c:ext xmlns:c15="http://schemas.microsoft.com/office/drawing/2012/chart" uri="{CE6537A1-D6FC-4f65-9D91-7224C49458BB}"/>
               </c:extLst>
             </c:dLbl>
             <c:dLbl>
@@ -8576,7 +8547,6 @@
           <c:dLbls>
             <c:dLbl>
               <c:idx val="0"/>
-              <c:layout/>
               <c:tx>
                 <c:rich>
                   <a:bodyPr/>
@@ -8606,9 +8576,7 @@
               <c:showBubbleSize val="0"/>
               <c:separator>; </c:separator>
               <c:extLst>
-                <c:ext xmlns:c15="http://schemas.microsoft.com/office/drawing/2012/chart" uri="{CE6537A1-D6FC-4f65-9D91-7224C49458BB}">
-                  <c15:layout/>
-                </c:ext>
+                <c:ext xmlns:c15="http://schemas.microsoft.com/office/drawing/2012/chart" uri="{CE6537A1-D6FC-4f65-9D91-7224C49458BB}"/>
               </c:extLst>
             </c:dLbl>
             <c:dLbl>
@@ -10904,7 +10872,7 @@
             <a:fld id="{33BC5C0D-1A8E-40E5-ADA0-84DBF59AA5C6}" type="datetimeFigureOut">
               <a:rPr lang="es-PE" smtClean="0"/>
               <a:pPr/>
-              <a:t>27/02/2018</a:t>
+              <a:t>08/03/2018</a:t>
             </a:fld>
             <a:endParaRPr lang="es-PE"/>
           </a:p>
@@ -11071,7 +11039,7 @@
             <a:fld id="{1D6789CF-F719-4CF8-BD89-6F425D155B51}" type="datetimeFigureOut">
               <a:rPr lang="es-PE" smtClean="0"/>
               <a:pPr/>
-              <a:t>27/02/2018</a:t>
+              <a:t>08/03/2018</a:t>
             </a:fld>
             <a:endParaRPr lang="es-PE"/>
           </a:p>
@@ -11425,7 +11393,7 @@
             <a:fld id="{D7E77C8B-DD1F-4A72-984B-6415D7DA5034}" type="datetimeFigureOut">
               <a:rPr lang="es-PE" smtClean="0"/>
               <a:pPr/>
-              <a:t>27/02/2018</a:t>
+              <a:t>08/03/2018</a:t>
             </a:fld>
             <a:endParaRPr lang="es-PE" dirty="0"/>
           </a:p>
@@ -33925,7 +33893,6 @@
               <a:rPr lang="es-PE" sz="3200" dirty="0" smtClean="0"/>
               <a:t>Tablero GHA</a:t>
             </a:r>
-            <a:endParaRPr lang="es-PE" sz="3200" dirty="0" smtClean="0"/>
           </a:p>
           <a:p>
             <a:endParaRPr lang="es-PE" sz="3200" dirty="0" smtClean="0"/>
@@ -33956,7 +33923,6 @@
               <a:rPr lang="es-PE" sz="3200" dirty="0" smtClean="0"/>
               <a:t>Tablero Exportaciones</a:t>
             </a:r>
-            <a:endParaRPr lang="es-PE" sz="3200" dirty="0" smtClean="0"/>
           </a:p>
         </p:txBody>
       </p:sp>
@@ -39001,17 +38967,8 @@
           <a:p>
             <a:r>
               <a:rPr lang="es-PE" dirty="0" smtClean="0"/>
-              <a:t>El anexo 5 y 6 </a:t>
+              <a:t>El anexo 5 y 6 dependerá de las transmisiones de manifiestos</a:t>
             </a:r>
-            <a:r>
-              <a:rPr lang="es-PE" dirty="0" smtClean="0"/>
-              <a:t>depender</a:t>
-            </a:r>
-            <a:r>
-              <a:rPr lang="es-PE" dirty="0" smtClean="0"/>
-              <a:t>á de las transmisiones de manifiestos</a:t>
-            </a:r>
-            <a:endParaRPr lang="es-PE" dirty="0" smtClean="0"/>
           </a:p>
         </p:txBody>
       </p:sp>
@@ -40201,37 +40158,37 @@
 
 <file path=customXml/item1.xml><?xml version="1.0" encoding="utf-8"?>
 <Control xmlns="http://schemas.microsoft.com/VisualStudio/2011/storyboarding/control">
-  <Id Name="System.Storyboarding.Backgrounds.Window" Revision="1" Stencil="System.Storyboarding.Backgrounds" StencilVersion="0.1"/>
+  <Id Name="System.Storyboarding.Common.Text" Revision="1" Stencil="System.Storyboarding.Common" StencilVersion="0.1"/>
 </Control>
 </file>
 
 <file path=customXml/item2.xml><?xml version="1.0" encoding="utf-8"?>
 <Control xmlns="http://schemas.microsoft.com/VisualStudio/2011/storyboarding/control">
-  <Id Name="System.Storyboarding.Common.Text" Revision="1" Stencil="System.Storyboarding.Common" StencilVersion="0.1"/>
+  <Id Name="System.Storyboarding.Backgrounds.Window" Revision="1" Stencil="System.Storyboarding.Backgrounds" StencilVersion="0.1"/>
 </Control>
 </file>
 
 <file path=customXml/item3.xml><?xml version="1.0" encoding="utf-8"?>
 <Control xmlns="http://schemas.microsoft.com/VisualStudio/2011/storyboarding/control">
-  <Id Name="System.Storyboarding.Common.Text" Revision="1" Stencil="System.Storyboarding.Common" StencilVersion="0.1"/>
+  <Id Name="2af01176-85ee-4929-8d41-a331980c979e" RevisionId="be170569-95d9-41cc-85ac-d2bbd0fbf029" Stencil="172d6d98-e5c9-42e9-a209-79f7a94bbd38" StencilRevisionId="00000000-0000-0000-0000-000000000000" StencilVersion="0.0"/>
 </Control>
 </file>
 
 <file path=customXml/item4.xml><?xml version="1.0" encoding="utf-8"?>
 <Control xmlns="http://schemas.microsoft.com/VisualStudio/2011/storyboarding/control">
-  <Id Name="System.Storyboarding.Common.Text" Revision="1" Stencil="System.Storyboarding.Common" StencilVersion="0.1"/>
+  <Id Name="System.Storyboarding.WindowsApps.WindowsAppsComboBox" Revision="1" Stencil="System.Storyboarding.WindowsApps" StencilVersion="0.1"/>
 </Control>
 </file>
 
 <file path=customXml/item5.xml><?xml version="1.0" encoding="utf-8"?>
 <Control xmlns="http://schemas.microsoft.com/VisualStudio/2011/storyboarding/control">
-  <Id Name="System.Storyboarding.WindowsApps.WindowsAppsComboBox" Revision="1" Stencil="System.Storyboarding.WindowsApps" StencilVersion="0.1"/>
+  <Id Name="System.Storyboarding.Common.Text" Revision="1" Stencil="System.Storyboarding.Common" StencilVersion="0.1"/>
 </Control>
 </file>
 
 <file path=customXml/item6.xml><?xml version="1.0" encoding="utf-8"?>
 <Control xmlns="http://schemas.microsoft.com/VisualStudio/2011/storyboarding/control">
-  <Id Name="2af01176-85ee-4929-8d41-a331980c979e" RevisionId="be170569-95d9-41cc-85ac-d2bbd0fbf029" Stencil="172d6d98-e5c9-42e9-a209-79f7a94bbd38" StencilRevisionId="00000000-0000-0000-0000-000000000000" StencilVersion="0.0"/>
+  <Id Name="System.Storyboarding.Common.Button" Revision="1" Stencil="System.Storyboarding.Common" StencilVersion="0.1"/>
 </Control>
 </file>
 
@@ -40243,17 +40200,25 @@
 
 <file path=customXml/item8.xml><?xml version="1.0" encoding="utf-8"?>
 <Control xmlns="http://schemas.microsoft.com/VisualStudio/2011/storyboarding/control">
-  <Id Name="System.Storyboarding.Common.TextInput" Revision="1" Stencil="System.Storyboarding.Common" StencilVersion="0.1"/>
+  <Id Name="System.Storyboarding.Common.Text" Revision="1" Stencil="System.Storyboarding.Common" StencilVersion="0.1"/>
 </Control>
 </file>
 
 <file path=customXml/item9.xml><?xml version="1.0" encoding="utf-8"?>
 <Control xmlns="http://schemas.microsoft.com/VisualStudio/2011/storyboarding/control">
-  <Id Name="System.Storyboarding.Common.Button" Revision="1" Stencil="System.Storyboarding.Common" StencilVersion="0.1"/>
+  <Id Name="System.Storyboarding.Common.TextInput" Revision="1" Stencil="System.Storyboarding.Common" StencilVersion="0.1"/>
 </Control>
 </file>
 
 <file path=customXml/itemProps1.xml><?xml version="1.0" encoding="utf-8"?>
+<ds:datastoreItem xmlns:ds="http://schemas.openxmlformats.org/officeDocument/2006/customXml" ds:itemID="{2A370DCE-6B02-43E4-B462-EE68941381DA}">
+  <ds:schemaRefs>
+    <ds:schemaRef ds:uri="http://schemas.microsoft.com/VisualStudio/2011/storyboarding/control"/>
+  </ds:schemaRefs>
+</ds:datastoreItem>
+</file>
+
+<file path=customXml/itemProps2.xml><?xml version="1.0" encoding="utf-8"?>
 <ds:datastoreItem xmlns:ds="http://schemas.openxmlformats.org/officeDocument/2006/customXml" ds:itemID="{CAF9FAC5-0B41-4144-A530-E963B326E346}">
   <ds:schemaRefs>
     <ds:schemaRef ds:uri="http://schemas.microsoft.com/VisualStudio/2011/storyboarding/control"/>
@@ -40261,15 +40226,47 @@
 </ds:datastoreItem>
 </file>
 
-<file path=customXml/itemProps2.xml><?xml version="1.0" encoding="utf-8"?>
-<ds:datastoreItem xmlns:ds="http://schemas.openxmlformats.org/officeDocument/2006/customXml" ds:itemID="{2A370DCE-6B02-43E4-B462-EE68941381DA}">
+<file path=customXml/itemProps3.xml><?xml version="1.0" encoding="utf-8"?>
+<ds:datastoreItem xmlns:ds="http://schemas.openxmlformats.org/officeDocument/2006/customXml" ds:itemID="{F8339007-68FA-4CD7-9B6A-03E725113E81}">
   <ds:schemaRefs>
     <ds:schemaRef ds:uri="http://schemas.microsoft.com/VisualStudio/2011/storyboarding/control"/>
   </ds:schemaRefs>
 </ds:datastoreItem>
 </file>
 
-<file path=customXml/itemProps3.xml><?xml version="1.0" encoding="utf-8"?>
+<file path=customXml/itemProps4.xml><?xml version="1.0" encoding="utf-8"?>
+<ds:datastoreItem xmlns:ds="http://schemas.openxmlformats.org/officeDocument/2006/customXml" ds:itemID="{5B412AC7-136E-45BA-B3BC-91E37935A539}">
+  <ds:schemaRefs>
+    <ds:schemaRef ds:uri="http://schemas.microsoft.com/VisualStudio/2011/storyboarding/control"/>
+  </ds:schemaRefs>
+</ds:datastoreItem>
+</file>
+
+<file path=customXml/itemProps5.xml><?xml version="1.0" encoding="utf-8"?>
+<ds:datastoreItem xmlns:ds="http://schemas.openxmlformats.org/officeDocument/2006/customXml" ds:itemID="{4F2255F7-A4C3-4E6F-9491-BD150D11E33A}">
+  <ds:schemaRefs>
+    <ds:schemaRef ds:uri="http://schemas.microsoft.com/VisualStudio/2011/storyboarding/control"/>
+  </ds:schemaRefs>
+</ds:datastoreItem>
+</file>
+
+<file path=customXml/itemProps6.xml><?xml version="1.0" encoding="utf-8"?>
+<ds:datastoreItem xmlns:ds="http://schemas.openxmlformats.org/officeDocument/2006/customXml" ds:itemID="{0B1D9A1B-8DEB-4B6A-BF18-7B9C5DBF533E}">
+  <ds:schemaRefs>
+    <ds:schemaRef ds:uri="http://schemas.microsoft.com/VisualStudio/2011/storyboarding/control"/>
+  </ds:schemaRefs>
+</ds:datastoreItem>
+</file>
+
+<file path=customXml/itemProps7.xml><?xml version="1.0" encoding="utf-8"?>
+<ds:datastoreItem xmlns:ds="http://schemas.openxmlformats.org/officeDocument/2006/customXml" ds:itemID="{44DB24E9-7B09-4AB5-8715-26638CA102DA}">
+  <ds:schemaRefs>
+    <ds:schemaRef ds:uri="http://schemas.microsoft.com/VisualStudio/2011/storyboarding/control"/>
+  </ds:schemaRefs>
+</ds:datastoreItem>
+</file>
+
+<file path=customXml/itemProps8.xml><?xml version="1.0" encoding="utf-8"?>
 <ds:datastoreItem xmlns:ds="http://schemas.openxmlformats.org/officeDocument/2006/customXml" ds:itemID="{81AF3BDC-10DF-4C3F-BD8E-EDEA0AC655D4}">
   <ds:schemaRefs>
     <ds:schemaRef ds:uri="http://schemas.microsoft.com/VisualStudio/2011/storyboarding/control"/>
@@ -40277,50 +40274,10 @@
 </ds:datastoreItem>
 </file>
 
-<file path=customXml/itemProps4.xml><?xml version="1.0" encoding="utf-8"?>
-<ds:datastoreItem xmlns:ds="http://schemas.openxmlformats.org/officeDocument/2006/customXml" ds:itemID="{4F2255F7-A4C3-4E6F-9491-BD150D11E33A}">
-  <ds:schemaRefs>
-    <ds:schemaRef ds:uri="http://schemas.microsoft.com/VisualStudio/2011/storyboarding/control"/>
-  </ds:schemaRefs>
-</ds:datastoreItem>
-</file>
-
-<file path=customXml/itemProps5.xml><?xml version="1.0" encoding="utf-8"?>
-<ds:datastoreItem xmlns:ds="http://schemas.openxmlformats.org/officeDocument/2006/customXml" ds:itemID="{5B412AC7-136E-45BA-B3BC-91E37935A539}">
-  <ds:schemaRefs>
-    <ds:schemaRef ds:uri="http://schemas.microsoft.com/VisualStudio/2011/storyboarding/control"/>
-  </ds:schemaRefs>
-</ds:datastoreItem>
-</file>
-
-<file path=customXml/itemProps6.xml><?xml version="1.0" encoding="utf-8"?>
-<ds:datastoreItem xmlns:ds="http://schemas.openxmlformats.org/officeDocument/2006/customXml" ds:itemID="{F8339007-68FA-4CD7-9B6A-03E725113E81}">
-  <ds:schemaRefs>
-    <ds:schemaRef ds:uri="http://schemas.microsoft.com/VisualStudio/2011/storyboarding/control"/>
-  </ds:schemaRefs>
-</ds:datastoreItem>
-</file>
-
-<file path=customXml/itemProps7.xml><?xml version="1.0" encoding="utf-8"?>
+<file path=customXml/itemProps9.xml><?xml version="1.0" encoding="utf-8"?>
 <ds:datastoreItem xmlns:ds="http://schemas.openxmlformats.org/officeDocument/2006/customXml" ds:itemID="{8EAD2ED1-6E14-421A-9E09-F54401142C83}">
   <ds:schemaRefs>
     <ds:schemaRef ds:uri="http://schemas.microsoft.com/VisualStudio/2011/storyboarding/control"/>
   </ds:schemaRefs>
 </ds:datastoreItem>
-</file>
-
-<file path=customXml/itemProps8.xml><?xml version="1.0" encoding="utf-8"?>
-<ds:datastoreItem xmlns:ds="http://schemas.openxmlformats.org/officeDocument/2006/customXml" ds:itemID="{44DB24E9-7B09-4AB5-8715-26638CA102DA}">
-  <ds:schemaRefs>
-    <ds:schemaRef ds:uri="http://schemas.microsoft.com/VisualStudio/2011/storyboarding/control"/>
-  </ds:schemaRefs>
-</ds:datastoreItem>
-</file>
-
-<file path=customXml/itemProps9.xml><?xml version="1.0" encoding="utf-8"?>
-<ds:datastoreItem xmlns:ds="http://schemas.openxmlformats.org/officeDocument/2006/customXml" ds:itemID="{0B1D9A1B-8DEB-4B6A-BF18-7B9C5DBF533E}">
-  <ds:schemaRefs>
-    <ds:schemaRef ds:uri="http://schemas.microsoft.com/VisualStudio/2011/storyboarding/control"/>
-  </ds:schemaRefs>
-</ds:datastoreItem>
 </file>
--- a/Documentos/ControlTransmisionesV1.0.pptx
+++ b/Documentos/ControlTransmisionesV1.0.pptx
@@ -270,7 +270,6 @@
           <c:dLbls>
             <c:dLbl>
               <c:idx val="0"/>
-              <c:layout/>
               <c:tx>
                 <c:rich>
                   <a:bodyPr wrap="square" lIns="38100" tIns="19050" rIns="38100" bIns="19050" anchor="ctr">
@@ -302,9 +301,7 @@
               <c:showPercent val="0"/>
               <c:showBubbleSize val="0"/>
               <c:extLst>
-                <c:ext xmlns:c15="http://schemas.microsoft.com/office/drawing/2012/chart" uri="{CE6537A1-D6FC-4f65-9D91-7224C49458BB}">
-                  <c15:layout/>
-                </c:ext>
+                <c:ext xmlns:c15="http://schemas.microsoft.com/office/drawing/2012/chart" uri="{CE6537A1-D6FC-4f65-9D91-7224C49458BB}"/>
               </c:extLst>
             </c:dLbl>
             <c:dLbl>
@@ -337,7 +334,6 @@
             </c:dLbl>
             <c:dLbl>
               <c:idx val="3"/>
-              <c:layout/>
               <c:tx>
                 <c:rich>
                   <a:bodyPr wrap="square" lIns="38100" tIns="19050" rIns="38100" bIns="19050" anchor="ctr">
@@ -379,7 +375,6 @@
                       <a:avLst/>
                     </a:prstGeom>
                   </c15:spPr>
-                  <c15:layout/>
                   <c15:dlblFieldTable/>
                   <c15:showDataLabelsRange val="0"/>
                 </c:ext>
@@ -400,9 +395,7 @@
             <c:showBubbleSize val="0"/>
             <c:showLeaderLines val="1"/>
             <c:extLst>
-              <c:ext xmlns:c15="http://schemas.microsoft.com/office/drawing/2012/chart" uri="{CE6537A1-D6FC-4f65-9D91-7224C49458BB}">
-                <c15:layout/>
-              </c:ext>
+              <c:ext xmlns:c15="http://schemas.microsoft.com/office/drawing/2012/chart" uri="{CE6537A1-D6FC-4f65-9D91-7224C49458BB}"/>
             </c:extLst>
           </c:dLbls>
           <c:cat>
@@ -611,7 +604,6 @@
           <c:dLbls>
             <c:dLbl>
               <c:idx val="0"/>
-              <c:layout/>
               <c:tx>
                 <c:rich>
                   <a:bodyPr/>
@@ -641,9 +633,7 @@
               <c:showBubbleSize val="0"/>
               <c:separator>; </c:separator>
               <c:extLst>
-                <c:ext xmlns:c15="http://schemas.microsoft.com/office/drawing/2012/chart" uri="{CE6537A1-D6FC-4f65-9D91-7224C49458BB}">
-                  <c15:layout/>
-                </c:ext>
+                <c:ext xmlns:c15="http://schemas.microsoft.com/office/drawing/2012/chart" uri="{CE6537A1-D6FC-4f65-9D91-7224C49458BB}"/>
               </c:extLst>
             </c:dLbl>
             <c:dLbl>
@@ -920,7 +910,6 @@
           <c:dLbls>
             <c:dLbl>
               <c:idx val="0"/>
-              <c:layout/>
               <c:tx>
                 <c:rich>
                   <a:bodyPr wrap="square" lIns="38100" tIns="19050" rIns="38100" bIns="19050" anchor="ctr">
@@ -952,9 +941,7 @@
               <c:showPercent val="0"/>
               <c:showBubbleSize val="0"/>
               <c:extLst>
-                <c:ext xmlns:c15="http://schemas.microsoft.com/office/drawing/2012/chart" uri="{CE6537A1-D6FC-4f65-9D91-7224C49458BB}">
-                  <c15:layout/>
-                </c:ext>
+                <c:ext xmlns:c15="http://schemas.microsoft.com/office/drawing/2012/chart" uri="{CE6537A1-D6FC-4f65-9D91-7224C49458BB}"/>
               </c:extLst>
             </c:dLbl>
             <c:dLbl>
@@ -987,7 +974,6 @@
             </c:dLbl>
             <c:dLbl>
               <c:idx val="3"/>
-              <c:layout/>
               <c:tx>
                 <c:rich>
                   <a:bodyPr wrap="square" lIns="38100" tIns="19050" rIns="38100" bIns="19050" anchor="ctr">
@@ -1029,7 +1015,6 @@
                       <a:avLst/>
                     </a:prstGeom>
                   </c15:spPr>
-                  <c15:layout/>
                   <c15:dlblFieldTable/>
                   <c15:showDataLabelsRange val="0"/>
                 </c:ext>
@@ -1050,9 +1035,7 @@
             <c:showBubbleSize val="0"/>
             <c:showLeaderLines val="1"/>
             <c:extLst>
-              <c:ext xmlns:c15="http://schemas.microsoft.com/office/drawing/2012/chart" uri="{CE6537A1-D6FC-4f65-9D91-7224C49458BB}">
-                <c15:layout/>
-              </c:ext>
+              <c:ext xmlns:c15="http://schemas.microsoft.com/office/drawing/2012/chart" uri="{CE6537A1-D6FC-4f65-9D91-7224C49458BB}"/>
             </c:extLst>
           </c:dLbls>
           <c:cat>
@@ -1256,7 +1239,6 @@
           <c:dLbls>
             <c:dLbl>
               <c:idx val="0"/>
-              <c:layout/>
               <c:tx>
                 <c:rich>
                   <a:bodyPr lIns="0" tIns="0" rIns="0" bIns="0"/>
@@ -1309,7 +1291,6 @@
                       <a:avLst/>
                     </a:prstGeom>
                   </c15:spPr>
-                  <c15:layout/>
                 </c:ext>
               </c:extLst>
             </c:dLbl>
@@ -1629,7 +1610,6 @@
           <c:dLbls>
             <c:dLbl>
               <c:idx val="0"/>
-              <c:layout/>
               <c:tx>
                 <c:rich>
                   <a:bodyPr/>
@@ -1650,9 +1630,7 @@
               <c:showBubbleSize val="0"/>
               <c:separator>; </c:separator>
               <c:extLst>
-                <c:ext xmlns:c15="http://schemas.microsoft.com/office/drawing/2012/chart" uri="{CE6537A1-D6FC-4f65-9D91-7224C49458BB}">
-                  <c15:layout/>
-                </c:ext>
+                <c:ext xmlns:c15="http://schemas.microsoft.com/office/drawing/2012/chart" uri="{CE6537A1-D6FC-4f65-9D91-7224C49458BB}"/>
               </c:extLst>
             </c:dLbl>
             <c:dLbl>
@@ -2042,7 +2020,6 @@
             </c:dLbl>
             <c:dLbl>
               <c:idx val="3"/>
-              <c:layout/>
               <c:tx>
                 <c:rich>
                   <a:bodyPr/>
@@ -2070,7 +2047,6 @@
               <c:separator>; </c:separator>
               <c:extLst>
                 <c:ext xmlns:c15="http://schemas.microsoft.com/office/drawing/2012/chart" uri="{CE6537A1-D6FC-4f65-9D91-7224C49458BB}">
-                  <c15:layout/>
                   <c15:dlblFieldTable/>
                   <c15:showDataLabelsRange val="0"/>
                 </c:ext>
@@ -3231,7 +3207,6 @@
           <c:dLbls>
             <c:dLbl>
               <c:idx val="0"/>
-              <c:layout/>
               <c:tx>
                 <c:rich>
                   <a:bodyPr/>
@@ -3265,9 +3240,7 @@
               <c:showBubbleSize val="0"/>
               <c:separator>; </c:separator>
               <c:extLst>
-                <c:ext xmlns:c15="http://schemas.microsoft.com/office/drawing/2012/chart" uri="{CE6537A1-D6FC-4f65-9D91-7224C49458BB}">
-                  <c15:layout/>
-                </c:ext>
+                <c:ext xmlns:c15="http://schemas.microsoft.com/office/drawing/2012/chart" uri="{CE6537A1-D6FC-4f65-9D91-7224C49458BB}"/>
               </c:extLst>
             </c:dLbl>
             <c:dLbl>
@@ -3546,7 +3519,6 @@
           <c:dLbls>
             <c:dLbl>
               <c:idx val="0"/>
-              <c:layout/>
               <c:tx>
                 <c:rich>
                   <a:bodyPr/>
@@ -3580,9 +3552,7 @@
               <c:showBubbleSize val="0"/>
               <c:separator>; </c:separator>
               <c:extLst>
-                <c:ext xmlns:c15="http://schemas.microsoft.com/office/drawing/2012/chart" uri="{CE6537A1-D6FC-4f65-9D91-7224C49458BB}">
-                  <c15:layout/>
-                </c:ext>
+                <c:ext xmlns:c15="http://schemas.microsoft.com/office/drawing/2012/chart" uri="{CE6537A1-D6FC-4f65-9D91-7224C49458BB}"/>
               </c:extLst>
             </c:dLbl>
             <c:dLbl>
@@ -3856,7 +3826,6 @@
           <c:dLbls>
             <c:dLbl>
               <c:idx val="0"/>
-              <c:layout/>
               <c:tx>
                 <c:rich>
                   <a:bodyPr/>
@@ -3886,14 +3855,11 @@
               <c:showBubbleSize val="0"/>
               <c:separator>; </c:separator>
               <c:extLst>
-                <c:ext xmlns:c15="http://schemas.microsoft.com/office/drawing/2012/chart" uri="{CE6537A1-D6FC-4f65-9D91-7224C49458BB}">
-                  <c15:layout/>
-                </c:ext>
+                <c:ext xmlns:c15="http://schemas.microsoft.com/office/drawing/2012/chart" uri="{CE6537A1-D6FC-4f65-9D91-7224C49458BB}"/>
               </c:extLst>
             </c:dLbl>
             <c:dLbl>
               <c:idx val="1"/>
-              <c:layout/>
               <c:tx>
                 <c:rich>
                   <a:bodyPr/>
@@ -3918,9 +3884,7 @@
               <c:showBubbleSize val="0"/>
               <c:separator>; </c:separator>
               <c:extLst>
-                <c:ext xmlns:c15="http://schemas.microsoft.com/office/drawing/2012/chart" uri="{CE6537A1-D6FC-4f65-9D91-7224C49458BB}">
-                  <c15:layout/>
-                </c:ext>
+                <c:ext xmlns:c15="http://schemas.microsoft.com/office/drawing/2012/chart" uri="{CE6537A1-D6FC-4f65-9D91-7224C49458BB}"/>
               </c:extLst>
             </c:dLbl>
             <c:dLbl>
@@ -4227,7 +4191,6 @@
           <c:dLbls>
             <c:dLbl>
               <c:idx val="0"/>
-              <c:layout/>
               <c:tx>
                 <c:rich>
                   <a:bodyPr lIns="0" tIns="0" rIns="0" bIns="0"/>
@@ -4280,7 +4243,6 @@
                       <a:avLst/>
                     </a:prstGeom>
                   </c15:spPr>
-                  <c15:layout/>
                 </c:ext>
               </c:extLst>
             </c:dLbl>
@@ -4600,7 +4562,6 @@
           <c:dLbls>
             <c:dLbl>
               <c:idx val="0"/>
-              <c:layout/>
               <c:tx>
                 <c:rich>
                   <a:bodyPr/>
@@ -4630,9 +4591,7 @@
               <c:showBubbleSize val="0"/>
               <c:separator>; </c:separator>
               <c:extLst>
-                <c:ext xmlns:c15="http://schemas.microsoft.com/office/drawing/2012/chart" uri="{CE6537A1-D6FC-4f65-9D91-7224C49458BB}">
-                  <c15:layout/>
-                </c:ext>
+                <c:ext xmlns:c15="http://schemas.microsoft.com/office/drawing/2012/chart" uri="{CE6537A1-D6FC-4f65-9D91-7224C49458BB}"/>
               </c:extLst>
             </c:dLbl>
             <c:dLbl>
@@ -4911,7 +4870,6 @@
           <c:dLbls>
             <c:dLbl>
               <c:idx val="0"/>
-              <c:layout/>
               <c:tx>
                 <c:rich>
                   <a:bodyPr/>
@@ -4941,9 +4899,7 @@
               <c:showBubbleSize val="0"/>
               <c:separator>; </c:separator>
               <c:extLst>
-                <c:ext xmlns:c15="http://schemas.microsoft.com/office/drawing/2012/chart" uri="{CE6537A1-D6FC-4f65-9D91-7224C49458BB}">
-                  <c15:layout/>
-                </c:ext>
+                <c:ext xmlns:c15="http://schemas.microsoft.com/office/drawing/2012/chart" uri="{CE6537A1-D6FC-4f65-9D91-7224C49458BB}"/>
               </c:extLst>
             </c:dLbl>
             <c:dLbl>
@@ -7937,7 +7893,6 @@
           <c:dLbls>
             <c:dLbl>
               <c:idx val="0"/>
-              <c:layout/>
               <c:tx>
                 <c:rich>
                   <a:bodyPr/>
@@ -7958,9 +7913,7 @@
               <c:showBubbleSize val="0"/>
               <c:separator>; </c:separator>
               <c:extLst>
-                <c:ext xmlns:c15="http://schemas.microsoft.com/office/drawing/2012/chart" uri="{CE6537A1-D6FC-4f65-9D91-7224C49458BB}">
-                  <c15:layout/>
-                </c:ext>
+                <c:ext xmlns:c15="http://schemas.microsoft.com/office/drawing/2012/chart" uri="{CE6537A1-D6FC-4f65-9D91-7224C49458BB}"/>
               </c:extLst>
             </c:dLbl>
             <c:dLbl>
@@ -8966,7 +8919,6 @@
             </c:dLbl>
             <c:dLbl>
               <c:idx val="3"/>
-              <c:layout/>
               <c:tx>
                 <c:rich>
                   <a:bodyPr/>
@@ -8994,7 +8946,6 @@
               <c:separator>; </c:separator>
               <c:extLst>
                 <c:ext xmlns:c15="http://schemas.microsoft.com/office/drawing/2012/chart" uri="{CE6537A1-D6FC-4f65-9D91-7224C49458BB}">
-                  <c15:layout/>
                   <c15:dlblFieldTable/>
                   <c15:showDataLabelsRange val="0"/>
                 </c:ext>
@@ -9586,7 +9537,6 @@
           <c:dLbls>
             <c:dLbl>
               <c:idx val="0"/>
-              <c:layout/>
               <c:tx>
                 <c:rich>
                   <a:bodyPr/>
@@ -9620,9 +9570,7 @@
               <c:showBubbleSize val="0"/>
               <c:separator>; </c:separator>
               <c:extLst>
-                <c:ext xmlns:c15="http://schemas.microsoft.com/office/drawing/2012/chart" uri="{CE6537A1-D6FC-4f65-9D91-7224C49458BB}">
-                  <c15:layout/>
-                </c:ext>
+                <c:ext xmlns:c15="http://schemas.microsoft.com/office/drawing/2012/chart" uri="{CE6537A1-D6FC-4f65-9D91-7224C49458BB}"/>
               </c:extLst>
             </c:dLbl>
             <c:dLbl>
@@ -9901,7 +9849,6 @@
           <c:dLbls>
             <c:dLbl>
               <c:idx val="0"/>
-              <c:layout/>
               <c:tx>
                 <c:rich>
                   <a:bodyPr/>
@@ -9935,9 +9882,7 @@
               <c:showBubbleSize val="0"/>
               <c:separator>; </c:separator>
               <c:extLst>
-                <c:ext xmlns:c15="http://schemas.microsoft.com/office/drawing/2012/chart" uri="{CE6537A1-D6FC-4f65-9D91-7224C49458BB}">
-                  <c15:layout/>
-                </c:ext>
+                <c:ext xmlns:c15="http://schemas.microsoft.com/office/drawing/2012/chart" uri="{CE6537A1-D6FC-4f65-9D91-7224C49458BB}"/>
               </c:extLst>
             </c:dLbl>
             <c:dLbl>
@@ -10211,7 +10156,6 @@
           <c:dLbls>
             <c:dLbl>
               <c:idx val="0"/>
-              <c:layout/>
               <c:tx>
                 <c:rich>
                   <a:bodyPr/>
@@ -10241,14 +10185,11 @@
               <c:showBubbleSize val="0"/>
               <c:separator>; </c:separator>
               <c:extLst>
-                <c:ext xmlns:c15="http://schemas.microsoft.com/office/drawing/2012/chart" uri="{CE6537A1-D6FC-4f65-9D91-7224C49458BB}">
-                  <c15:layout/>
-                </c:ext>
+                <c:ext xmlns:c15="http://schemas.microsoft.com/office/drawing/2012/chart" uri="{CE6537A1-D6FC-4f65-9D91-7224C49458BB}"/>
               </c:extLst>
             </c:dLbl>
             <c:dLbl>
               <c:idx val="1"/>
-              <c:layout/>
               <c:tx>
                 <c:rich>
                   <a:bodyPr/>
@@ -10273,9 +10214,7 @@
               <c:showBubbleSize val="0"/>
               <c:separator>; </c:separator>
               <c:extLst>
-                <c:ext xmlns:c15="http://schemas.microsoft.com/office/drawing/2012/chart" uri="{CE6537A1-D6FC-4f65-9D91-7224C49458BB}">
-                  <c15:layout/>
-                </c:ext>
+                <c:ext xmlns:c15="http://schemas.microsoft.com/office/drawing/2012/chart" uri="{CE6537A1-D6FC-4f65-9D91-7224C49458BB}"/>
               </c:extLst>
             </c:dLbl>
             <c:dLbl>
@@ -10587,7 +10526,6 @@
           <c:dLbls>
             <c:dLbl>
               <c:idx val="0"/>
-              <c:layout/>
               <c:tx>
                 <c:rich>
                   <a:bodyPr/>
@@ -10617,9 +10555,7 @@
               <c:showBubbleSize val="0"/>
               <c:separator>; </c:separator>
               <c:extLst>
-                <c:ext xmlns:c15="http://schemas.microsoft.com/office/drawing/2012/chart" uri="{CE6537A1-D6FC-4f65-9D91-7224C49458BB}">
-                  <c15:layout/>
-                </c:ext>
+                <c:ext xmlns:c15="http://schemas.microsoft.com/office/drawing/2012/chart" uri="{CE6537A1-D6FC-4f65-9D91-7224C49458BB}"/>
               </c:extLst>
             </c:dLbl>
             <c:dLbl>
@@ -10872,7 +10808,7 @@
             <a:fld id="{33BC5C0D-1A8E-40E5-ADA0-84DBF59AA5C6}" type="datetimeFigureOut">
               <a:rPr lang="es-PE" smtClean="0"/>
               <a:pPr/>
-              <a:t>08/03/2018</a:t>
+              <a:t>16/03/2018</a:t>
             </a:fld>
             <a:endParaRPr lang="es-PE"/>
           </a:p>
@@ -11039,7 +10975,7 @@
             <a:fld id="{1D6789CF-F719-4CF8-BD89-6F425D155B51}" type="datetimeFigureOut">
               <a:rPr lang="es-PE" smtClean="0"/>
               <a:pPr/>
-              <a:t>08/03/2018</a:t>
+              <a:t>16/03/2018</a:t>
             </a:fld>
             <a:endParaRPr lang="es-PE"/>
           </a:p>
@@ -11393,7 +11329,7 @@
             <a:fld id="{D7E77C8B-DD1F-4A72-984B-6415D7DA5034}" type="datetimeFigureOut">
               <a:rPr lang="es-PE" smtClean="0"/>
               <a:pPr/>
-              <a:t>08/03/2018</a:t>
+              <a:t>16/03/2018</a:t>
             </a:fld>
             <a:endParaRPr lang="es-PE" dirty="0"/>
           </a:p>
@@ -40158,49 +40094,49 @@
 
 <file path=customXml/item1.xml><?xml version="1.0" encoding="utf-8"?>
 <Control xmlns="http://schemas.microsoft.com/VisualStudio/2011/storyboarding/control">
-  <Id Name="System.Storyboarding.Common.Text" Revision="1" Stencil="System.Storyboarding.Common" StencilVersion="0.1"/>
+  <Id Name="System.Storyboarding.Backgrounds.Window" Revision="1" Stencil="System.Storyboarding.Backgrounds" StencilVersion="0.1"/>
 </Control>
 </file>
 
 <file path=customXml/item2.xml><?xml version="1.0" encoding="utf-8"?>
 <Control xmlns="http://schemas.microsoft.com/VisualStudio/2011/storyboarding/control">
-  <Id Name="System.Storyboarding.Backgrounds.Window" Revision="1" Stencil="System.Storyboarding.Backgrounds" StencilVersion="0.1"/>
+  <Id Name="System.Storyboarding.Common.Text" Revision="1" Stencil="System.Storyboarding.Common" StencilVersion="0.1"/>
 </Control>
 </file>
 
 <file path=customXml/item3.xml><?xml version="1.0" encoding="utf-8"?>
 <Control xmlns="http://schemas.microsoft.com/VisualStudio/2011/storyboarding/control">
-  <Id Name="2af01176-85ee-4929-8d41-a331980c979e" RevisionId="be170569-95d9-41cc-85ac-d2bbd0fbf029" Stencil="172d6d98-e5c9-42e9-a209-79f7a94bbd38" StencilRevisionId="00000000-0000-0000-0000-000000000000" StencilVersion="0.0"/>
+  <Id Name="System.Storyboarding.Common.Button" Revision="1" Stencil="System.Storyboarding.Common" StencilVersion="0.1"/>
 </Control>
 </file>
 
 <file path=customXml/item4.xml><?xml version="1.0" encoding="utf-8"?>
 <Control xmlns="http://schemas.microsoft.com/VisualStudio/2011/storyboarding/control">
-  <Id Name="System.Storyboarding.WindowsApps.WindowsAppsComboBox" Revision="1" Stencil="System.Storyboarding.WindowsApps" StencilVersion="0.1"/>
+  <Id Name="System.Storyboarding.Common.Text" Revision="1" Stencil="System.Storyboarding.Common" StencilVersion="0.1"/>
 </Control>
 </file>
 
 <file path=customXml/item5.xml><?xml version="1.0" encoding="utf-8"?>
 <Control xmlns="http://schemas.microsoft.com/VisualStudio/2011/storyboarding/control">
-  <Id Name="System.Storyboarding.Common.Text" Revision="1" Stencil="System.Storyboarding.Common" StencilVersion="0.1"/>
+  <Id Name="System.Storyboarding.WindowsApps.WindowsAppsComboBox" Revision="1" Stencil="System.Storyboarding.WindowsApps" StencilVersion="0.1"/>
 </Control>
 </file>
 
 <file path=customXml/item6.xml><?xml version="1.0" encoding="utf-8"?>
 <Control xmlns="http://schemas.microsoft.com/VisualStudio/2011/storyboarding/control">
-  <Id Name="System.Storyboarding.Common.Button" Revision="1" Stencil="System.Storyboarding.Common" StencilVersion="0.1"/>
+  <Id Name="System.Storyboarding.Common.TextInput" Revision="1" Stencil="System.Storyboarding.Common" StencilVersion="0.1"/>
 </Control>
 </file>
 
 <file path=customXml/item7.xml><?xml version="1.0" encoding="utf-8"?>
 <Control xmlns="http://schemas.microsoft.com/VisualStudio/2011/storyboarding/control">
-  <Id Name="System.Storyboarding.Common.TextInput" Revision="1" Stencil="System.Storyboarding.Common" StencilVersion="0.1"/>
+  <Id Name="System.Storyboarding.Common.Text" Revision="1" Stencil="System.Storyboarding.Common" StencilVersion="0.1"/>
 </Control>
 </file>
 
 <file path=customXml/item8.xml><?xml version="1.0" encoding="utf-8"?>
 <Control xmlns="http://schemas.microsoft.com/VisualStudio/2011/storyboarding/control">
-  <Id Name="System.Storyboarding.Common.Text" Revision="1" Stencil="System.Storyboarding.Common" StencilVersion="0.1"/>
+  <Id Name="2af01176-85ee-4929-8d41-a331980c979e" RevisionId="be170569-95d9-41cc-85ac-d2bbd0fbf029" Stencil="172d6d98-e5c9-42e9-a209-79f7a94bbd38" StencilRevisionId="00000000-0000-0000-0000-000000000000" StencilVersion="0.0"/>
 </Control>
 </file>
 
@@ -40211,6 +40147,14 @@
 </file>
 
 <file path=customXml/itemProps1.xml><?xml version="1.0" encoding="utf-8"?>
+<ds:datastoreItem xmlns:ds="http://schemas.openxmlformats.org/officeDocument/2006/customXml" ds:itemID="{CAF9FAC5-0B41-4144-A530-E963B326E346}">
+  <ds:schemaRefs>
+    <ds:schemaRef ds:uri="http://schemas.microsoft.com/VisualStudio/2011/storyboarding/control"/>
+  </ds:schemaRefs>
+</ds:datastoreItem>
+</file>
+
+<file path=customXml/itemProps2.xml><?xml version="1.0" encoding="utf-8"?>
 <ds:datastoreItem xmlns:ds="http://schemas.openxmlformats.org/officeDocument/2006/customXml" ds:itemID="{2A370DCE-6B02-43E4-B462-EE68941381DA}">
   <ds:schemaRefs>
     <ds:schemaRef ds:uri="http://schemas.microsoft.com/VisualStudio/2011/storyboarding/control"/>
@@ -40218,15 +40162,47 @@
 </ds:datastoreItem>
 </file>
 
-<file path=customXml/itemProps2.xml><?xml version="1.0" encoding="utf-8"?>
-<ds:datastoreItem xmlns:ds="http://schemas.openxmlformats.org/officeDocument/2006/customXml" ds:itemID="{CAF9FAC5-0B41-4144-A530-E963B326E346}">
+<file path=customXml/itemProps3.xml><?xml version="1.0" encoding="utf-8"?>
+<ds:datastoreItem xmlns:ds="http://schemas.openxmlformats.org/officeDocument/2006/customXml" ds:itemID="{0B1D9A1B-8DEB-4B6A-BF18-7B9C5DBF533E}">
   <ds:schemaRefs>
     <ds:schemaRef ds:uri="http://schemas.microsoft.com/VisualStudio/2011/storyboarding/control"/>
   </ds:schemaRefs>
 </ds:datastoreItem>
 </file>
 
-<file path=customXml/itemProps3.xml><?xml version="1.0" encoding="utf-8"?>
+<file path=customXml/itemProps4.xml><?xml version="1.0" encoding="utf-8"?>
+<ds:datastoreItem xmlns:ds="http://schemas.openxmlformats.org/officeDocument/2006/customXml" ds:itemID="{4F2255F7-A4C3-4E6F-9491-BD150D11E33A}">
+  <ds:schemaRefs>
+    <ds:schemaRef ds:uri="http://schemas.microsoft.com/VisualStudio/2011/storyboarding/control"/>
+  </ds:schemaRefs>
+</ds:datastoreItem>
+</file>
+
+<file path=customXml/itemProps5.xml><?xml version="1.0" encoding="utf-8"?>
+<ds:datastoreItem xmlns:ds="http://schemas.openxmlformats.org/officeDocument/2006/customXml" ds:itemID="{5B412AC7-136E-45BA-B3BC-91E37935A539}">
+  <ds:schemaRefs>
+    <ds:schemaRef ds:uri="http://schemas.microsoft.com/VisualStudio/2011/storyboarding/control"/>
+  </ds:schemaRefs>
+</ds:datastoreItem>
+</file>
+
+<file path=customXml/itemProps6.xml><?xml version="1.0" encoding="utf-8"?>
+<ds:datastoreItem xmlns:ds="http://schemas.openxmlformats.org/officeDocument/2006/customXml" ds:itemID="{8EAD2ED1-6E14-421A-9E09-F54401142C83}">
+  <ds:schemaRefs>
+    <ds:schemaRef ds:uri="http://schemas.microsoft.com/VisualStudio/2011/storyboarding/control"/>
+  </ds:schemaRefs>
+</ds:datastoreItem>
+</file>
+
+<file path=customXml/itemProps7.xml><?xml version="1.0" encoding="utf-8"?>
+<ds:datastoreItem xmlns:ds="http://schemas.openxmlformats.org/officeDocument/2006/customXml" ds:itemID="{81AF3BDC-10DF-4C3F-BD8E-EDEA0AC655D4}">
+  <ds:schemaRefs>
+    <ds:schemaRef ds:uri="http://schemas.microsoft.com/VisualStudio/2011/storyboarding/control"/>
+  </ds:schemaRefs>
+</ds:datastoreItem>
+</file>
+
+<file path=customXml/itemProps8.xml><?xml version="1.0" encoding="utf-8"?>
 <ds:datastoreItem xmlns:ds="http://schemas.openxmlformats.org/officeDocument/2006/customXml" ds:itemID="{F8339007-68FA-4CD7-9B6A-03E725113E81}">
   <ds:schemaRefs>
     <ds:schemaRef ds:uri="http://schemas.microsoft.com/VisualStudio/2011/storyboarding/control"/>
@@ -40234,50 +40210,10 @@
 </ds:datastoreItem>
 </file>
 
-<file path=customXml/itemProps4.xml><?xml version="1.0" encoding="utf-8"?>
-<ds:datastoreItem xmlns:ds="http://schemas.openxmlformats.org/officeDocument/2006/customXml" ds:itemID="{5B412AC7-136E-45BA-B3BC-91E37935A539}">
-  <ds:schemaRefs>
-    <ds:schemaRef ds:uri="http://schemas.microsoft.com/VisualStudio/2011/storyboarding/control"/>
-  </ds:schemaRefs>
-</ds:datastoreItem>
-</file>
-
-<file path=customXml/itemProps5.xml><?xml version="1.0" encoding="utf-8"?>
-<ds:datastoreItem xmlns:ds="http://schemas.openxmlformats.org/officeDocument/2006/customXml" ds:itemID="{4F2255F7-A4C3-4E6F-9491-BD150D11E33A}">
-  <ds:schemaRefs>
-    <ds:schemaRef ds:uri="http://schemas.microsoft.com/VisualStudio/2011/storyboarding/control"/>
-  </ds:schemaRefs>
-</ds:datastoreItem>
-</file>
-
-<file path=customXml/itemProps6.xml><?xml version="1.0" encoding="utf-8"?>
-<ds:datastoreItem xmlns:ds="http://schemas.openxmlformats.org/officeDocument/2006/customXml" ds:itemID="{0B1D9A1B-8DEB-4B6A-BF18-7B9C5DBF533E}">
-  <ds:schemaRefs>
-    <ds:schemaRef ds:uri="http://schemas.microsoft.com/VisualStudio/2011/storyboarding/control"/>
-  </ds:schemaRefs>
-</ds:datastoreItem>
-</file>
-
-<file path=customXml/itemProps7.xml><?xml version="1.0" encoding="utf-8"?>
+<file path=customXml/itemProps9.xml><?xml version="1.0" encoding="utf-8"?>
 <ds:datastoreItem xmlns:ds="http://schemas.openxmlformats.org/officeDocument/2006/customXml" ds:itemID="{44DB24E9-7B09-4AB5-8715-26638CA102DA}">
   <ds:schemaRefs>
     <ds:schemaRef ds:uri="http://schemas.microsoft.com/VisualStudio/2011/storyboarding/control"/>
   </ds:schemaRefs>
 </ds:datastoreItem>
-</file>
-
-<file path=customXml/itemProps8.xml><?xml version="1.0" encoding="utf-8"?>
-<ds:datastoreItem xmlns:ds="http://schemas.openxmlformats.org/officeDocument/2006/customXml" ds:itemID="{81AF3BDC-10DF-4C3F-BD8E-EDEA0AC655D4}">
-  <ds:schemaRefs>
-    <ds:schemaRef ds:uri="http://schemas.microsoft.com/VisualStudio/2011/storyboarding/control"/>
-  </ds:schemaRefs>
-</ds:datastoreItem>
-</file>
-
-<file path=customXml/itemProps9.xml><?xml version="1.0" encoding="utf-8"?>
-<ds:datastoreItem xmlns:ds="http://schemas.openxmlformats.org/officeDocument/2006/customXml" ds:itemID="{8EAD2ED1-6E14-421A-9E09-F54401142C83}">
-  <ds:schemaRefs>
-    <ds:schemaRef ds:uri="http://schemas.microsoft.com/VisualStudio/2011/storyboarding/control"/>
-  </ds:schemaRefs>
-</ds:datastoreItem>
 </file>
--- a/Documentos/ControlTransmisionesV1.0.pptx
+++ b/Documentos/ControlTransmisionesV1.0.pptx
@@ -6,10 +6,10 @@
     <p:sldMasterId id="2147483693" r:id="rId11"/>
   </p:sldMasterIdLst>
   <p:notesMasterIdLst>
-    <p:notesMasterId r:id="rId31"/>
+    <p:notesMasterId r:id="rId33"/>
   </p:notesMasterIdLst>
   <p:handoutMasterIdLst>
-    <p:handoutMasterId r:id="rId32"/>
+    <p:handoutMasterId r:id="rId34"/>
   </p:handoutMasterIdLst>
   <p:sldIdLst>
     <p:sldId id="261" r:id="rId12"/>
@@ -22,15 +22,17 @@
     <p:sldId id="319" r:id="rId19"/>
     <p:sldId id="320" r:id="rId20"/>
     <p:sldId id="321" r:id="rId21"/>
-    <p:sldId id="322" r:id="rId22"/>
-    <p:sldId id="323" r:id="rId23"/>
-    <p:sldId id="318" r:id="rId24"/>
-    <p:sldId id="307" r:id="rId25"/>
-    <p:sldId id="306" r:id="rId26"/>
-    <p:sldId id="303" r:id="rId27"/>
-    <p:sldId id="304" r:id="rId28"/>
-    <p:sldId id="305" r:id="rId29"/>
-    <p:sldId id="262" r:id="rId30"/>
+    <p:sldId id="325" r:id="rId22"/>
+    <p:sldId id="322" r:id="rId23"/>
+    <p:sldId id="324" r:id="rId24"/>
+    <p:sldId id="323" r:id="rId25"/>
+    <p:sldId id="318" r:id="rId26"/>
+    <p:sldId id="307" r:id="rId27"/>
+    <p:sldId id="306" r:id="rId28"/>
+    <p:sldId id="303" r:id="rId29"/>
+    <p:sldId id="304" r:id="rId30"/>
+    <p:sldId id="305" r:id="rId31"/>
+    <p:sldId id="262" r:id="rId32"/>
   </p:sldIdLst>
   <p:sldSz cx="12190413" cy="6858000"/>
   <p:notesSz cx="6797675" cy="9926638"/>
@@ -164,7 +166,7 @@
 </file>
 
 <file path=ppt/charts/chart1.xml><?xml version="1.0" encoding="utf-8"?>
-<c:chartSpace xmlns:c="http://schemas.openxmlformats.org/drawingml/2006/chart" xmlns:a="http://schemas.openxmlformats.org/drawingml/2006/main" xmlns:r="http://schemas.openxmlformats.org/officeDocument/2006/relationships">
+<c:chartSpace xmlns:c="http://schemas.openxmlformats.org/drawingml/2006/chart" xmlns:a="http://schemas.openxmlformats.org/drawingml/2006/main" xmlns:r="http://schemas.openxmlformats.org/officeDocument/2006/relationships" xmlns:c16r2="http://schemas.microsoft.com/office/drawing/2015/06/chart">
   <c:date1904 val="0"/>
   <c:lang val="es-ES"/>
   <c:roundedCorners val="0"/>
@@ -216,6 +218,11 @@
                 </a:outerShdw>
               </a:effectLst>
             </c:spPr>
+            <c:extLst>
+              <c:ext xmlns:c16="http://schemas.microsoft.com/office/drawing/2014/chart" uri="{C3380CC4-5D6E-409C-BE32-E72D297353CC}">
+                <c16:uniqueId val="{00000001-3502-48F3-A82C-E12775D6886B}"/>
+              </c:ext>
+            </c:extLst>
           </c:dPt>
           <c:dPt>
             <c:idx val="1"/>
@@ -235,6 +242,11 @@
                 </a:outerShdw>
               </a:effectLst>
             </c:spPr>
+            <c:extLst>
+              <c:ext xmlns:c16="http://schemas.microsoft.com/office/drawing/2014/chart" uri="{C3380CC4-5D6E-409C-BE32-E72D297353CC}">
+                <c16:uniqueId val="{00000003-3502-48F3-A82C-E12775D6886B}"/>
+              </c:ext>
+            </c:extLst>
           </c:dPt>
           <c:dPt>
             <c:idx val="2"/>
@@ -247,6 +259,11 @@
                 <a:noFill/>
               </a:ln>
             </c:spPr>
+            <c:extLst>
+              <c:ext xmlns:c16="http://schemas.microsoft.com/office/drawing/2014/chart" uri="{C3380CC4-5D6E-409C-BE32-E72D297353CC}">
+                <c16:uniqueId val="{00000005-3502-48F3-A82C-E12775D6886B}"/>
+              </c:ext>
+            </c:extLst>
           </c:dPt>
           <c:dPt>
             <c:idx val="3"/>
@@ -266,10 +283,16 @@
                 </a:outerShdw>
               </a:effectLst>
             </c:spPr>
+            <c:extLst>
+              <c:ext xmlns:c16="http://schemas.microsoft.com/office/drawing/2014/chart" uri="{C3380CC4-5D6E-409C-BE32-E72D297353CC}">
+                <c16:uniqueId val="{00000007-3502-48F3-A82C-E12775D6886B}"/>
+              </c:ext>
+            </c:extLst>
           </c:dPt>
           <c:dLbls>
             <c:dLbl>
               <c:idx val="0"/>
+              <c:layout/>
               <c:tx>
                 <c:rich>
                   <a:bodyPr wrap="square" lIns="38100" tIns="19050" rIns="38100" bIns="19050" anchor="ctr">
@@ -301,7 +324,12 @@
               <c:showPercent val="0"/>
               <c:showBubbleSize val="0"/>
               <c:extLst>
-                <c:ext xmlns:c15="http://schemas.microsoft.com/office/drawing/2012/chart" uri="{CE6537A1-D6FC-4f65-9D91-7224C49458BB}"/>
+                <c:ext xmlns:c15="http://schemas.microsoft.com/office/drawing/2012/chart" uri="{CE6537A1-D6FC-4f65-9D91-7224C49458BB}">
+                  <c15:layout/>
+                </c:ext>
+                <c:ext xmlns:c16="http://schemas.microsoft.com/office/drawing/2014/chart" uri="{C3380CC4-5D6E-409C-BE32-E72D297353CC}">
+                  <c16:uniqueId val="{00000001-3502-48F3-A82C-E12775D6886B}"/>
+                </c:ext>
               </c:extLst>
             </c:dLbl>
             <c:dLbl>
@@ -331,9 +359,15 @@
               <c:showSerName val="0"/>
               <c:showPercent val="0"/>
               <c:showBubbleSize val="0"/>
+              <c:extLst>
+                <c:ext xmlns:c16="http://schemas.microsoft.com/office/drawing/2014/chart" uri="{C3380CC4-5D6E-409C-BE32-E72D297353CC}">
+                  <c16:uniqueId val="{00000003-3502-48F3-A82C-E12775D6886B}"/>
+                </c:ext>
+              </c:extLst>
             </c:dLbl>
             <c:dLbl>
               <c:idx val="3"/>
+              <c:layout/>
               <c:tx>
                 <c:rich>
                   <a:bodyPr wrap="square" lIns="38100" tIns="19050" rIns="38100" bIns="19050" anchor="ctr">
@@ -375,8 +409,12 @@
                       <a:avLst/>
                     </a:prstGeom>
                   </c15:spPr>
+                  <c15:layout/>
                   <c15:dlblFieldTable/>
                   <c15:showDataLabelsRange val="0"/>
+                </c:ext>
+                <c:ext xmlns:c16="http://schemas.microsoft.com/office/drawing/2014/chart" uri="{C3380CC4-5D6E-409C-BE32-E72D297353CC}">
+                  <c16:uniqueId val="{00000007-3502-48F3-A82C-E12775D6886B}"/>
                 </c:ext>
               </c:extLst>
             </c:dLbl>
@@ -395,7 +433,9 @@
             <c:showBubbleSize val="0"/>
             <c:showLeaderLines val="1"/>
             <c:extLst>
-              <c:ext xmlns:c15="http://schemas.microsoft.com/office/drawing/2012/chart" uri="{CE6537A1-D6FC-4f65-9D91-7224C49458BB}"/>
+              <c:ext xmlns:c15="http://schemas.microsoft.com/office/drawing/2012/chart" uri="{CE6537A1-D6FC-4f65-9D91-7224C49458BB}">
+                <c15:layout/>
+              </c:ext>
             </c:extLst>
           </c:dLbls>
           <c:cat>
@@ -434,6 +474,11 @@
               </c:pt>
             </c:numLit>
           </c:val>
+          <c:extLst>
+            <c:ext xmlns:c16="http://schemas.microsoft.com/office/drawing/2014/chart" uri="{C3380CC4-5D6E-409C-BE32-E72D297353CC}">
+              <c16:uniqueId val="{00000008-3502-48F3-A82C-E12775D6886B}"/>
+            </c:ext>
+          </c:extLst>
         </c:ser>
         <c:dLbls>
           <c:showLegendKey val="0"/>
@@ -496,7 +541,7 @@
 </file>
 
 <file path=ppt/charts/chart10.xml><?xml version="1.0" encoding="utf-8"?>
-<c:chartSpace xmlns:c="http://schemas.openxmlformats.org/drawingml/2006/chart" xmlns:a="http://schemas.openxmlformats.org/drawingml/2006/main" xmlns:r="http://schemas.openxmlformats.org/officeDocument/2006/relationships">
+<c:chartSpace xmlns:c="http://schemas.openxmlformats.org/drawingml/2006/chart" xmlns:a="http://schemas.openxmlformats.org/drawingml/2006/main" xmlns:r="http://schemas.openxmlformats.org/officeDocument/2006/relationships" xmlns:c16r2="http://schemas.microsoft.com/office/drawing/2015/06/chart">
   <c:date1904 val="0"/>
   <c:lang val="es-ES"/>
   <c:roundedCorners val="0"/>
@@ -543,6 +588,11 @@
                 </a:outerShdw>
               </a:effectLst>
             </c:spPr>
+            <c:extLst>
+              <c:ext xmlns:c16="http://schemas.microsoft.com/office/drawing/2014/chart" uri="{C3380CC4-5D6E-409C-BE32-E72D297353CC}">
+                <c16:uniqueId val="{00000001-C770-49F9-BEEF-C44F8D0F5E64}"/>
+              </c:ext>
+            </c:extLst>
           </c:dPt>
           <c:dPt>
             <c:idx val="1"/>
@@ -562,6 +612,11 @@
                 </a:outerShdw>
               </a:effectLst>
             </c:spPr>
+            <c:extLst>
+              <c:ext xmlns:c16="http://schemas.microsoft.com/office/drawing/2014/chart" uri="{C3380CC4-5D6E-409C-BE32-E72D297353CC}">
+                <c16:uniqueId val="{00000003-C770-49F9-BEEF-C44F8D0F5E64}"/>
+              </c:ext>
+            </c:extLst>
           </c:dPt>
           <c:dPt>
             <c:idx val="2"/>
@@ -581,6 +636,11 @@
                 </a:outerShdw>
               </a:effectLst>
             </c:spPr>
+            <c:extLst>
+              <c:ext xmlns:c16="http://schemas.microsoft.com/office/drawing/2014/chart" uri="{C3380CC4-5D6E-409C-BE32-E72D297353CC}">
+                <c16:uniqueId val="{00000005-C770-49F9-BEEF-C44F8D0F5E64}"/>
+              </c:ext>
+            </c:extLst>
           </c:dPt>
           <c:dPt>
             <c:idx val="3"/>
@@ -600,10 +660,16 @@
                 </a:outerShdw>
               </a:effectLst>
             </c:spPr>
+            <c:extLst>
+              <c:ext xmlns:c16="http://schemas.microsoft.com/office/drawing/2014/chart" uri="{C3380CC4-5D6E-409C-BE32-E72D297353CC}">
+                <c16:uniqueId val="{00000007-C770-49F9-BEEF-C44F8D0F5E64}"/>
+              </c:ext>
+            </c:extLst>
           </c:dPt>
           <c:dLbls>
             <c:dLbl>
               <c:idx val="0"/>
+              <c:layout/>
               <c:tx>
                 <c:rich>
                   <a:bodyPr/>
@@ -633,7 +699,12 @@
               <c:showBubbleSize val="0"/>
               <c:separator>; </c:separator>
               <c:extLst>
-                <c:ext xmlns:c15="http://schemas.microsoft.com/office/drawing/2012/chart" uri="{CE6537A1-D6FC-4f65-9D91-7224C49458BB}"/>
+                <c:ext xmlns:c15="http://schemas.microsoft.com/office/drawing/2012/chart" uri="{CE6537A1-D6FC-4f65-9D91-7224C49458BB}">
+                  <c15:layout/>
+                </c:ext>
+                <c:ext xmlns:c16="http://schemas.microsoft.com/office/drawing/2014/chart" uri="{C3380CC4-5D6E-409C-BE32-E72D297353CC}">
+                  <c16:uniqueId val="{00000001-C770-49F9-BEEF-C44F8D0F5E64}"/>
+                </c:ext>
               </c:extLst>
             </c:dLbl>
             <c:dLbl>
@@ -641,6 +712,9 @@
               <c:delete val="1"/>
               <c:extLst>
                 <c:ext xmlns:c15="http://schemas.microsoft.com/office/drawing/2012/chart" uri="{CE6537A1-D6FC-4f65-9D91-7224C49458BB}"/>
+                <c:ext xmlns:c16="http://schemas.microsoft.com/office/drawing/2014/chart" uri="{C3380CC4-5D6E-409C-BE32-E72D297353CC}">
+                  <c16:uniqueId val="{00000003-C770-49F9-BEEF-C44F8D0F5E64}"/>
+                </c:ext>
               </c:extLst>
             </c:dLbl>
             <c:dLbl>
@@ -648,6 +722,9 @@
               <c:delete val="1"/>
               <c:extLst>
                 <c:ext xmlns:c15="http://schemas.microsoft.com/office/drawing/2012/chart" uri="{CE6537A1-D6FC-4f65-9D91-7224C49458BB}"/>
+                <c:ext xmlns:c16="http://schemas.microsoft.com/office/drawing/2014/chart" uri="{C3380CC4-5D6E-409C-BE32-E72D297353CC}">
+                  <c16:uniqueId val="{00000005-C770-49F9-BEEF-C44F8D0F5E64}"/>
+                </c:ext>
               </c:extLst>
             </c:dLbl>
             <c:dLbl>
@@ -655,6 +732,9 @@
               <c:delete val="1"/>
               <c:extLst>
                 <c:ext xmlns:c15="http://schemas.microsoft.com/office/drawing/2012/chart" uri="{CE6537A1-D6FC-4f65-9D91-7224C49458BB}"/>
+                <c:ext xmlns:c16="http://schemas.microsoft.com/office/drawing/2014/chart" uri="{C3380CC4-5D6E-409C-BE32-E72D297353CC}">
+                  <c16:uniqueId val="{00000007-C770-49F9-BEEF-C44F8D0F5E64}"/>
+                </c:ext>
               </c:extLst>
             </c:dLbl>
             <c:spPr>
@@ -742,6 +822,11 @@
               </c:pt>
             </c:numLit>
           </c:val>
+          <c:extLst>
+            <c:ext xmlns:c16="http://schemas.microsoft.com/office/drawing/2014/chart" uri="{C3380CC4-5D6E-409C-BE32-E72D297353CC}">
+              <c16:uniqueId val="{00000008-C770-49F9-BEEF-C44F8D0F5E64}"/>
+            </c:ext>
+          </c:extLst>
         </c:ser>
         <c:dLbls>
           <c:showLegendKey val="0"/>
@@ -804,7 +889,7 @@
 </file>
 
 <file path=ppt/charts/chart11.xml><?xml version="1.0" encoding="utf-8"?>
-<c:chartSpace xmlns:c="http://schemas.openxmlformats.org/drawingml/2006/chart" xmlns:a="http://schemas.openxmlformats.org/drawingml/2006/main" xmlns:r="http://schemas.openxmlformats.org/officeDocument/2006/relationships">
+<c:chartSpace xmlns:c="http://schemas.openxmlformats.org/drawingml/2006/chart" xmlns:a="http://schemas.openxmlformats.org/drawingml/2006/main" xmlns:r="http://schemas.openxmlformats.org/officeDocument/2006/relationships" xmlns:c16r2="http://schemas.microsoft.com/office/drawing/2015/06/chart">
   <c:date1904 val="0"/>
   <c:lang val="es-ES"/>
   <c:roundedCorners val="0"/>
@@ -856,6 +941,11 @@
                 </a:outerShdw>
               </a:effectLst>
             </c:spPr>
+            <c:extLst>
+              <c:ext xmlns:c16="http://schemas.microsoft.com/office/drawing/2014/chart" uri="{C3380CC4-5D6E-409C-BE32-E72D297353CC}">
+                <c16:uniqueId val="{00000001-CB9E-4E94-BF6F-5570E74AEA4D}"/>
+              </c:ext>
+            </c:extLst>
           </c:dPt>
           <c:dPt>
             <c:idx val="1"/>
@@ -875,6 +965,11 @@
                 </a:outerShdw>
               </a:effectLst>
             </c:spPr>
+            <c:extLst>
+              <c:ext xmlns:c16="http://schemas.microsoft.com/office/drawing/2014/chart" uri="{C3380CC4-5D6E-409C-BE32-E72D297353CC}">
+                <c16:uniqueId val="{00000003-CB9E-4E94-BF6F-5570E74AEA4D}"/>
+              </c:ext>
+            </c:extLst>
           </c:dPt>
           <c:dPt>
             <c:idx val="2"/>
@@ -887,6 +982,11 @@
                 <a:noFill/>
               </a:ln>
             </c:spPr>
+            <c:extLst>
+              <c:ext xmlns:c16="http://schemas.microsoft.com/office/drawing/2014/chart" uri="{C3380CC4-5D6E-409C-BE32-E72D297353CC}">
+                <c16:uniqueId val="{00000005-CB9E-4E94-BF6F-5570E74AEA4D}"/>
+              </c:ext>
+            </c:extLst>
           </c:dPt>
           <c:dPt>
             <c:idx val="3"/>
@@ -906,6 +1006,11 @@
                 </a:outerShdw>
               </a:effectLst>
             </c:spPr>
+            <c:extLst>
+              <c:ext xmlns:c16="http://schemas.microsoft.com/office/drawing/2014/chart" uri="{C3380CC4-5D6E-409C-BE32-E72D297353CC}">
+                <c16:uniqueId val="{00000007-CB9E-4E94-BF6F-5570E74AEA4D}"/>
+              </c:ext>
+            </c:extLst>
           </c:dPt>
           <c:dLbls>
             <c:dLbl>
@@ -942,6 +1047,9 @@
               <c:showBubbleSize val="0"/>
               <c:extLst>
                 <c:ext xmlns:c15="http://schemas.microsoft.com/office/drawing/2012/chart" uri="{CE6537A1-D6FC-4f65-9D91-7224C49458BB}"/>
+                <c:ext xmlns:c16="http://schemas.microsoft.com/office/drawing/2014/chart" uri="{C3380CC4-5D6E-409C-BE32-E72D297353CC}">
+                  <c16:uniqueId val="{00000001-CB9E-4E94-BF6F-5570E74AEA4D}"/>
+                </c:ext>
               </c:extLst>
             </c:dLbl>
             <c:dLbl>
@@ -971,6 +1079,11 @@
               <c:showSerName val="0"/>
               <c:showPercent val="0"/>
               <c:showBubbleSize val="0"/>
+              <c:extLst>
+                <c:ext xmlns:c16="http://schemas.microsoft.com/office/drawing/2014/chart" uri="{C3380CC4-5D6E-409C-BE32-E72D297353CC}">
+                  <c16:uniqueId val="{00000003-CB9E-4E94-BF6F-5570E74AEA4D}"/>
+                </c:ext>
+              </c:extLst>
             </c:dLbl>
             <c:dLbl>
               <c:idx val="3"/>
@@ -1017,6 +1130,9 @@
                   </c15:spPr>
                   <c15:dlblFieldTable/>
                   <c15:showDataLabelsRange val="0"/>
+                </c:ext>
+                <c:ext xmlns:c16="http://schemas.microsoft.com/office/drawing/2014/chart" uri="{C3380CC4-5D6E-409C-BE32-E72D297353CC}">
+                  <c16:uniqueId val="{00000007-CB9E-4E94-BF6F-5570E74AEA4D}"/>
                 </c:ext>
               </c:extLst>
             </c:dLbl>
@@ -1074,6 +1190,11 @@
               </c:pt>
             </c:numLit>
           </c:val>
+          <c:extLst>
+            <c:ext xmlns:c16="http://schemas.microsoft.com/office/drawing/2014/chart" uri="{C3380CC4-5D6E-409C-BE32-E72D297353CC}">
+              <c16:uniqueId val="{00000008-CB9E-4E94-BF6F-5570E74AEA4D}"/>
+            </c:ext>
+          </c:extLst>
         </c:ser>
         <c:dLbls>
           <c:showLegendKey val="0"/>
@@ -1136,7 +1257,7 @@
 </file>
 
 <file path=ppt/charts/chart12.xml><?xml version="1.0" encoding="utf-8"?>
-<c:chartSpace xmlns:c="http://schemas.openxmlformats.org/drawingml/2006/chart" xmlns:a="http://schemas.openxmlformats.org/drawingml/2006/main" xmlns:r="http://schemas.openxmlformats.org/officeDocument/2006/relationships">
+<c:chartSpace xmlns:c="http://schemas.openxmlformats.org/drawingml/2006/chart" xmlns:a="http://schemas.openxmlformats.org/drawingml/2006/main" xmlns:r="http://schemas.openxmlformats.org/officeDocument/2006/relationships" xmlns:c16r2="http://schemas.microsoft.com/office/drawing/2015/06/chart">
   <c:date1904 val="0"/>
   <c:lang val="es-ES"/>
   <c:roundedCorners val="0"/>
@@ -1178,6 +1299,11 @@
                 </a:outerShdw>
               </a:effectLst>
             </c:spPr>
+            <c:extLst>
+              <c:ext xmlns:c16="http://schemas.microsoft.com/office/drawing/2014/chart" uri="{C3380CC4-5D6E-409C-BE32-E72D297353CC}">
+                <c16:uniqueId val="{00000001-E221-4C19-B1BA-F114C952D90F}"/>
+              </c:ext>
+            </c:extLst>
           </c:dPt>
           <c:dPt>
             <c:idx val="1"/>
@@ -1197,6 +1323,11 @@
                 </a:outerShdw>
               </a:effectLst>
             </c:spPr>
+            <c:extLst>
+              <c:ext xmlns:c16="http://schemas.microsoft.com/office/drawing/2014/chart" uri="{C3380CC4-5D6E-409C-BE32-E72D297353CC}">
+                <c16:uniqueId val="{00000003-E221-4C19-B1BA-F114C952D90F}"/>
+              </c:ext>
+            </c:extLst>
           </c:dPt>
           <c:dPt>
             <c:idx val="2"/>
@@ -1216,6 +1347,11 @@
                 </a:outerShdw>
               </a:effectLst>
             </c:spPr>
+            <c:extLst>
+              <c:ext xmlns:c16="http://schemas.microsoft.com/office/drawing/2014/chart" uri="{C3380CC4-5D6E-409C-BE32-E72D297353CC}">
+                <c16:uniqueId val="{00000005-E221-4C19-B1BA-F114C952D90F}"/>
+              </c:ext>
+            </c:extLst>
           </c:dPt>
           <c:dPt>
             <c:idx val="3"/>
@@ -1235,6 +1371,11 @@
                 </a:outerShdw>
               </a:effectLst>
             </c:spPr>
+            <c:extLst>
+              <c:ext xmlns:c16="http://schemas.microsoft.com/office/drawing/2014/chart" uri="{C3380CC4-5D6E-409C-BE32-E72D297353CC}">
+                <c16:uniqueId val="{00000007-E221-4C19-B1BA-F114C952D90F}"/>
+              </c:ext>
+            </c:extLst>
           </c:dPt>
           <c:dLbls>
             <c:dLbl>
@@ -1292,6 +1433,9 @@
                     </a:prstGeom>
                   </c15:spPr>
                 </c:ext>
+                <c:ext xmlns:c16="http://schemas.microsoft.com/office/drawing/2014/chart" uri="{C3380CC4-5D6E-409C-BE32-E72D297353CC}">
+                  <c16:uniqueId val="{00000001-E221-4C19-B1BA-F114C952D90F}"/>
+                </c:ext>
               </c:extLst>
             </c:dLbl>
             <c:dLbl>
@@ -1299,6 +1443,9 @@
               <c:delete val="1"/>
               <c:extLst>
                 <c:ext xmlns:c15="http://schemas.microsoft.com/office/drawing/2012/chart" uri="{CE6537A1-D6FC-4f65-9D91-7224C49458BB}"/>
+                <c:ext xmlns:c16="http://schemas.microsoft.com/office/drawing/2014/chart" uri="{C3380CC4-5D6E-409C-BE32-E72D297353CC}">
+                  <c16:uniqueId val="{00000003-E221-4C19-B1BA-F114C952D90F}"/>
+                </c:ext>
               </c:extLst>
             </c:dLbl>
             <c:dLbl>
@@ -1306,6 +1453,9 @@
               <c:delete val="1"/>
               <c:extLst>
                 <c:ext xmlns:c15="http://schemas.microsoft.com/office/drawing/2012/chart" uri="{CE6537A1-D6FC-4f65-9D91-7224C49458BB}"/>
+                <c:ext xmlns:c16="http://schemas.microsoft.com/office/drawing/2014/chart" uri="{C3380CC4-5D6E-409C-BE32-E72D297353CC}">
+                  <c16:uniqueId val="{00000005-E221-4C19-B1BA-F114C952D90F}"/>
+                </c:ext>
               </c:extLst>
             </c:dLbl>
             <c:dLbl>
@@ -1352,6 +1502,9 @@
                       <c:h val="8.1869722390102664E-2"/>
                     </c:manualLayout>
                   </c15:layout>
+                </c:ext>
+                <c:ext xmlns:c16="http://schemas.microsoft.com/office/drawing/2014/chart" uri="{C3380CC4-5D6E-409C-BE32-E72D297353CC}">
+                  <c16:uniqueId val="{00000007-E221-4C19-B1BA-F114C952D90F}"/>
                 </c:ext>
               </c:extLst>
             </c:dLbl>
@@ -1440,6 +1593,11 @@
               </c:pt>
             </c:numLit>
           </c:val>
+          <c:extLst>
+            <c:ext xmlns:c16="http://schemas.microsoft.com/office/drawing/2014/chart" uri="{C3380CC4-5D6E-409C-BE32-E72D297353CC}">
+              <c16:uniqueId val="{00000008-E221-4C19-B1BA-F114C952D90F}"/>
+            </c:ext>
+          </c:extLst>
         </c:ser>
         <c:dLbls>
           <c:showLegendKey val="0"/>
@@ -1502,7 +1660,7 @@
 </file>
 
 <file path=ppt/charts/chart13.xml><?xml version="1.0" encoding="utf-8"?>
-<c:chartSpace xmlns:c="http://schemas.openxmlformats.org/drawingml/2006/chart" xmlns:a="http://schemas.openxmlformats.org/drawingml/2006/main" xmlns:r="http://schemas.openxmlformats.org/officeDocument/2006/relationships">
+<c:chartSpace xmlns:c="http://schemas.openxmlformats.org/drawingml/2006/chart" xmlns:a="http://schemas.openxmlformats.org/drawingml/2006/main" xmlns:r="http://schemas.openxmlformats.org/officeDocument/2006/relationships" xmlns:c16r2="http://schemas.microsoft.com/office/drawing/2015/06/chart">
   <c:date1904 val="0"/>
   <c:lang val="es-ES"/>
   <c:roundedCorners val="0"/>
@@ -1549,6 +1707,11 @@
                 </a:outerShdw>
               </a:effectLst>
             </c:spPr>
+            <c:extLst>
+              <c:ext xmlns:c16="http://schemas.microsoft.com/office/drawing/2014/chart" uri="{C3380CC4-5D6E-409C-BE32-E72D297353CC}">
+                <c16:uniqueId val="{00000001-4732-4081-8AA0-DB4F500A9B10}"/>
+              </c:ext>
+            </c:extLst>
           </c:dPt>
           <c:dPt>
             <c:idx val="1"/>
@@ -1568,6 +1731,11 @@
                 </a:outerShdw>
               </a:effectLst>
             </c:spPr>
+            <c:extLst>
+              <c:ext xmlns:c16="http://schemas.microsoft.com/office/drawing/2014/chart" uri="{C3380CC4-5D6E-409C-BE32-E72D297353CC}">
+                <c16:uniqueId val="{00000003-4732-4081-8AA0-DB4F500A9B10}"/>
+              </c:ext>
+            </c:extLst>
           </c:dPt>
           <c:dPt>
             <c:idx val="2"/>
@@ -1587,6 +1755,11 @@
                 </a:outerShdw>
               </a:effectLst>
             </c:spPr>
+            <c:extLst>
+              <c:ext xmlns:c16="http://schemas.microsoft.com/office/drawing/2014/chart" uri="{C3380CC4-5D6E-409C-BE32-E72D297353CC}">
+                <c16:uniqueId val="{00000005-4732-4081-8AA0-DB4F500A9B10}"/>
+              </c:ext>
+            </c:extLst>
           </c:dPt>
           <c:dPt>
             <c:idx val="3"/>
@@ -1606,6 +1779,11 @@
                 </a:outerShdw>
               </a:effectLst>
             </c:spPr>
+            <c:extLst>
+              <c:ext xmlns:c16="http://schemas.microsoft.com/office/drawing/2014/chart" uri="{C3380CC4-5D6E-409C-BE32-E72D297353CC}">
+                <c16:uniqueId val="{00000007-4732-4081-8AA0-DB4F500A9B10}"/>
+              </c:ext>
+            </c:extLst>
           </c:dPt>
           <c:dLbls>
             <c:dLbl>
@@ -1631,6 +1809,9 @@
               <c:separator>; </c:separator>
               <c:extLst>
                 <c:ext xmlns:c15="http://schemas.microsoft.com/office/drawing/2012/chart" uri="{CE6537A1-D6FC-4f65-9D91-7224C49458BB}"/>
+                <c:ext xmlns:c16="http://schemas.microsoft.com/office/drawing/2014/chart" uri="{C3380CC4-5D6E-409C-BE32-E72D297353CC}">
+                  <c16:uniqueId val="{00000001-4732-4081-8AA0-DB4F500A9B10}"/>
+                </c:ext>
               </c:extLst>
             </c:dLbl>
             <c:dLbl>
@@ -1638,6 +1819,9 @@
               <c:delete val="1"/>
               <c:extLst>
                 <c:ext xmlns:c15="http://schemas.microsoft.com/office/drawing/2012/chart" uri="{CE6537A1-D6FC-4f65-9D91-7224C49458BB}"/>
+                <c:ext xmlns:c16="http://schemas.microsoft.com/office/drawing/2014/chart" uri="{C3380CC4-5D6E-409C-BE32-E72D297353CC}">
+                  <c16:uniqueId val="{00000003-4732-4081-8AA0-DB4F500A9B10}"/>
+                </c:ext>
               </c:extLst>
             </c:dLbl>
             <c:dLbl>
@@ -1645,6 +1829,9 @@
               <c:delete val="1"/>
               <c:extLst>
                 <c:ext xmlns:c15="http://schemas.microsoft.com/office/drawing/2012/chart" uri="{CE6537A1-D6FC-4f65-9D91-7224C49458BB}"/>
+                <c:ext xmlns:c16="http://schemas.microsoft.com/office/drawing/2014/chart" uri="{C3380CC4-5D6E-409C-BE32-E72D297353CC}">
+                  <c16:uniqueId val="{00000005-4732-4081-8AA0-DB4F500A9B10}"/>
+                </c:ext>
               </c:extLst>
             </c:dLbl>
             <c:dLbl>
@@ -1652,6 +1839,9 @@
               <c:delete val="1"/>
               <c:extLst>
                 <c:ext xmlns:c15="http://schemas.microsoft.com/office/drawing/2012/chart" uri="{CE6537A1-D6FC-4f65-9D91-7224C49458BB}"/>
+                <c:ext xmlns:c16="http://schemas.microsoft.com/office/drawing/2014/chart" uri="{C3380CC4-5D6E-409C-BE32-E72D297353CC}">
+                  <c16:uniqueId val="{00000007-4732-4081-8AA0-DB4F500A9B10}"/>
+                </c:ext>
               </c:extLst>
             </c:dLbl>
             <c:spPr>
@@ -1739,6 +1929,11 @@
               </c:pt>
             </c:numLit>
           </c:val>
+          <c:extLst>
+            <c:ext xmlns:c16="http://schemas.microsoft.com/office/drawing/2014/chart" uri="{C3380CC4-5D6E-409C-BE32-E72D297353CC}">
+              <c16:uniqueId val="{00000008-4732-4081-8AA0-DB4F500A9B10}"/>
+            </c:ext>
+          </c:extLst>
         </c:ser>
         <c:dLbls>
           <c:showLegendKey val="0"/>
@@ -1801,7 +1996,7 @@
 </file>
 
 <file path=ppt/charts/chart14.xml><?xml version="1.0" encoding="utf-8"?>
-<c:chartSpace xmlns:c="http://schemas.openxmlformats.org/drawingml/2006/chart" xmlns:a="http://schemas.openxmlformats.org/drawingml/2006/main" xmlns:r="http://schemas.openxmlformats.org/officeDocument/2006/relationships">
+<c:chartSpace xmlns:c="http://schemas.openxmlformats.org/drawingml/2006/chart" xmlns:a="http://schemas.openxmlformats.org/drawingml/2006/main" xmlns:r="http://schemas.openxmlformats.org/officeDocument/2006/relationships" xmlns:c16r2="http://schemas.microsoft.com/office/drawing/2015/06/chart">
   <c:date1904 val="0"/>
   <c:lang val="es-ES"/>
   <c:roundedCorners val="0"/>
@@ -1858,6 +2053,11 @@
                 </a:outerShdw>
               </a:effectLst>
             </c:spPr>
+            <c:extLst>
+              <c:ext xmlns:c16="http://schemas.microsoft.com/office/drawing/2014/chart" uri="{C3380CC4-5D6E-409C-BE32-E72D297353CC}">
+                <c16:uniqueId val="{00000001-84F4-4DCE-9CD3-D001FDF94851}"/>
+              </c:ext>
+            </c:extLst>
           </c:dPt>
           <c:dPt>
             <c:idx val="1"/>
@@ -1877,6 +2077,11 @@
                 </a:outerShdw>
               </a:effectLst>
             </c:spPr>
+            <c:extLst>
+              <c:ext xmlns:c16="http://schemas.microsoft.com/office/drawing/2014/chart" uri="{C3380CC4-5D6E-409C-BE32-E72D297353CC}">
+                <c16:uniqueId val="{00000003-84F4-4DCE-9CD3-D001FDF94851}"/>
+              </c:ext>
+            </c:extLst>
           </c:dPt>
           <c:dPt>
             <c:idx val="2"/>
@@ -1896,6 +2101,11 @@
                 </a:outerShdw>
               </a:effectLst>
             </c:spPr>
+            <c:extLst>
+              <c:ext xmlns:c16="http://schemas.microsoft.com/office/drawing/2014/chart" uri="{C3380CC4-5D6E-409C-BE32-E72D297353CC}">
+                <c16:uniqueId val="{00000005-84F4-4DCE-9CD3-D001FDF94851}"/>
+              </c:ext>
+            </c:extLst>
           </c:dPt>
           <c:dPt>
             <c:idx val="3"/>
@@ -1915,6 +2125,11 @@
                 </a:outerShdw>
               </a:effectLst>
             </c:spPr>
+            <c:extLst>
+              <c:ext xmlns:c16="http://schemas.microsoft.com/office/drawing/2014/chart" uri="{C3380CC4-5D6E-409C-BE32-E72D297353CC}">
+                <c16:uniqueId val="{00000007-84F4-4DCE-9CD3-D001FDF94851}"/>
+              </c:ext>
+            </c:extLst>
           </c:dPt>
           <c:dLbls>
             <c:dLbl>
@@ -1961,6 +2176,9 @@
                       <c:h val="0.10577958806647696"/>
                     </c:manualLayout>
                   </c15:layout>
+                </c:ext>
+                <c:ext xmlns:c16="http://schemas.microsoft.com/office/drawing/2014/chart" uri="{C3380CC4-5D6E-409C-BE32-E72D297353CC}">
+                  <c16:uniqueId val="{00000001-84F4-4DCE-9CD3-D001FDF94851}"/>
                 </c:ext>
               </c:extLst>
             </c:dLbl>
@@ -2009,6 +2227,9 @@
                     </c:manualLayout>
                   </c15:layout>
                 </c:ext>
+                <c:ext xmlns:c16="http://schemas.microsoft.com/office/drawing/2014/chart" uri="{C3380CC4-5D6E-409C-BE32-E72D297353CC}">
+                  <c16:uniqueId val="{00000003-84F4-4DCE-9CD3-D001FDF94851}"/>
+                </c:ext>
               </c:extLst>
             </c:dLbl>
             <c:dLbl>
@@ -2016,6 +2237,9 @@
               <c:delete val="1"/>
               <c:extLst>
                 <c:ext xmlns:c15="http://schemas.microsoft.com/office/drawing/2012/chart" uri="{CE6537A1-D6FC-4f65-9D91-7224C49458BB}"/>
+                <c:ext xmlns:c16="http://schemas.microsoft.com/office/drawing/2014/chart" uri="{C3380CC4-5D6E-409C-BE32-E72D297353CC}">
+                  <c16:uniqueId val="{00000005-84F4-4DCE-9CD3-D001FDF94851}"/>
+                </c:ext>
               </c:extLst>
             </c:dLbl>
             <c:dLbl>
@@ -2049,6 +2273,9 @@
                 <c:ext xmlns:c15="http://schemas.microsoft.com/office/drawing/2012/chart" uri="{CE6537A1-D6FC-4f65-9D91-7224C49458BB}">
                   <c15:dlblFieldTable/>
                   <c15:showDataLabelsRange val="0"/>
+                </c:ext>
+                <c:ext xmlns:c16="http://schemas.microsoft.com/office/drawing/2014/chart" uri="{C3380CC4-5D6E-409C-BE32-E72D297353CC}">
+                  <c16:uniqueId val="{00000007-84F4-4DCE-9CD3-D001FDF94851}"/>
                 </c:ext>
               </c:extLst>
             </c:dLbl>
@@ -2137,6 +2364,11 @@
               </c:pt>
             </c:numLit>
           </c:val>
+          <c:extLst>
+            <c:ext xmlns:c16="http://schemas.microsoft.com/office/drawing/2014/chart" uri="{C3380CC4-5D6E-409C-BE32-E72D297353CC}">
+              <c16:uniqueId val="{00000008-84F4-4DCE-9CD3-D001FDF94851}"/>
+            </c:ext>
+          </c:extLst>
         </c:ser>
         <c:dLbls>
           <c:showLegendKey val="0"/>
@@ -2199,7 +2431,7 @@
 </file>
 
 <file path=ppt/charts/chart15.xml><?xml version="1.0" encoding="utf-8"?>
-<c:chartSpace xmlns:c="http://schemas.openxmlformats.org/drawingml/2006/chart" xmlns:a="http://schemas.openxmlformats.org/drawingml/2006/main" xmlns:r="http://schemas.openxmlformats.org/officeDocument/2006/relationships">
+<c:chartSpace xmlns:c="http://schemas.openxmlformats.org/drawingml/2006/chart" xmlns:a="http://schemas.openxmlformats.org/drawingml/2006/main" xmlns:r="http://schemas.openxmlformats.org/officeDocument/2006/relationships" xmlns:c16r2="http://schemas.microsoft.com/office/drawing/2015/06/chart">
   <c:date1904 val="0"/>
   <c:lang val="es-ES"/>
   <c:roundedCorners val="0"/>
@@ -2256,6 +2488,11 @@
                 </a:outerShdw>
               </a:effectLst>
             </c:spPr>
+            <c:extLst>
+              <c:ext xmlns:c16="http://schemas.microsoft.com/office/drawing/2014/chart" uri="{C3380CC4-5D6E-409C-BE32-E72D297353CC}">
+                <c16:uniqueId val="{00000001-7194-4CF6-A7F3-F76EAF3EE58C}"/>
+              </c:ext>
+            </c:extLst>
           </c:dPt>
           <c:dPt>
             <c:idx val="1"/>
@@ -2275,6 +2512,11 @@
                 </a:outerShdw>
               </a:effectLst>
             </c:spPr>
+            <c:extLst>
+              <c:ext xmlns:c16="http://schemas.microsoft.com/office/drawing/2014/chart" uri="{C3380CC4-5D6E-409C-BE32-E72D297353CC}">
+                <c16:uniqueId val="{00000003-7194-4CF6-A7F3-F76EAF3EE58C}"/>
+              </c:ext>
+            </c:extLst>
           </c:dPt>
           <c:dPt>
             <c:idx val="2"/>
@@ -2294,6 +2536,11 @@
                 </a:outerShdw>
               </a:effectLst>
             </c:spPr>
+            <c:extLst>
+              <c:ext xmlns:c16="http://schemas.microsoft.com/office/drawing/2014/chart" uri="{C3380CC4-5D6E-409C-BE32-E72D297353CC}">
+                <c16:uniqueId val="{00000005-7194-4CF6-A7F3-F76EAF3EE58C}"/>
+              </c:ext>
+            </c:extLst>
           </c:dPt>
           <c:dPt>
             <c:idx val="3"/>
@@ -2313,6 +2560,11 @@
                 </a:outerShdw>
               </a:effectLst>
             </c:spPr>
+            <c:extLst>
+              <c:ext xmlns:c16="http://schemas.microsoft.com/office/drawing/2014/chart" uri="{C3380CC4-5D6E-409C-BE32-E72D297353CC}">
+                <c16:uniqueId val="{00000007-7194-4CF6-A7F3-F76EAF3EE58C}"/>
+              </c:ext>
+            </c:extLst>
           </c:dPt>
           <c:dLbls>
             <c:dLbl>
@@ -2360,6 +2612,9 @@
                     </c:manualLayout>
                   </c15:layout>
                 </c:ext>
+                <c:ext xmlns:c16="http://schemas.microsoft.com/office/drawing/2014/chart" uri="{C3380CC4-5D6E-409C-BE32-E72D297353CC}">
+                  <c16:uniqueId val="{00000001-7194-4CF6-A7F3-F76EAF3EE58C}"/>
+                </c:ext>
               </c:extLst>
             </c:dLbl>
             <c:dLbl>
@@ -2367,6 +2622,9 @@
               <c:delete val="1"/>
               <c:extLst>
                 <c:ext xmlns:c15="http://schemas.microsoft.com/office/drawing/2012/chart" uri="{CE6537A1-D6FC-4f65-9D91-7224C49458BB}"/>
+                <c:ext xmlns:c16="http://schemas.microsoft.com/office/drawing/2014/chart" uri="{C3380CC4-5D6E-409C-BE32-E72D297353CC}">
+                  <c16:uniqueId val="{00000003-7194-4CF6-A7F3-F76EAF3EE58C}"/>
+                </c:ext>
               </c:extLst>
             </c:dLbl>
             <c:dLbl>
@@ -2374,6 +2632,9 @@
               <c:delete val="1"/>
               <c:extLst>
                 <c:ext xmlns:c15="http://schemas.microsoft.com/office/drawing/2012/chart" uri="{CE6537A1-D6FC-4f65-9D91-7224C49458BB}"/>
+                <c:ext xmlns:c16="http://schemas.microsoft.com/office/drawing/2014/chart" uri="{C3380CC4-5D6E-409C-BE32-E72D297353CC}">
+                  <c16:uniqueId val="{00000005-7194-4CF6-A7F3-F76EAF3EE58C}"/>
+                </c:ext>
               </c:extLst>
             </c:dLbl>
             <c:dLbl>
@@ -2381,6 +2642,9 @@
               <c:delete val="1"/>
               <c:extLst>
                 <c:ext xmlns:c15="http://schemas.microsoft.com/office/drawing/2012/chart" uri="{CE6537A1-D6FC-4f65-9D91-7224C49458BB}"/>
+                <c:ext xmlns:c16="http://schemas.microsoft.com/office/drawing/2014/chart" uri="{C3380CC4-5D6E-409C-BE32-E72D297353CC}">
+                  <c16:uniqueId val="{00000007-7194-4CF6-A7F3-F76EAF3EE58C}"/>
+                </c:ext>
               </c:extLst>
             </c:dLbl>
             <c:spPr>
@@ -2468,6 +2732,11 @@
               </c:pt>
             </c:numLit>
           </c:val>
+          <c:extLst>
+            <c:ext xmlns:c16="http://schemas.microsoft.com/office/drawing/2014/chart" uri="{C3380CC4-5D6E-409C-BE32-E72D297353CC}">
+              <c16:uniqueId val="{00000008-7194-4CF6-A7F3-F76EAF3EE58C}"/>
+            </c:ext>
+          </c:extLst>
         </c:ser>
         <c:dLbls>
           <c:showLegendKey val="0"/>
@@ -2530,7 +2799,7 @@
 </file>
 
 <file path=ppt/charts/chart16.xml><?xml version="1.0" encoding="utf-8"?>
-<c:chartSpace xmlns:c="http://schemas.openxmlformats.org/drawingml/2006/chart" xmlns:a="http://schemas.openxmlformats.org/drawingml/2006/main" xmlns:r="http://schemas.openxmlformats.org/officeDocument/2006/relationships">
+<c:chartSpace xmlns:c="http://schemas.openxmlformats.org/drawingml/2006/chart" xmlns:a="http://schemas.openxmlformats.org/drawingml/2006/main" xmlns:r="http://schemas.openxmlformats.org/officeDocument/2006/relationships" xmlns:c16r2="http://schemas.microsoft.com/office/drawing/2015/06/chart">
   <c:date1904 val="0"/>
   <c:lang val="es-ES"/>
   <c:roundedCorners val="0"/>
@@ -2715,6 +2984,11 @@
                 </a:outerShdw>
               </a:effectLst>
             </c:spPr>
+            <c:extLst>
+              <c:ext xmlns:c16="http://schemas.microsoft.com/office/drawing/2014/chart" uri="{C3380CC4-5D6E-409C-BE32-E72D297353CC}">
+                <c16:uniqueId val="{00000001-B83E-43E5-AA9A-FA94EF2FC2B3}"/>
+              </c:ext>
+            </c:extLst>
           </c:dPt>
           <c:dPt>
             <c:idx val="1"/>
@@ -2734,6 +3008,11 @@
                 </a:outerShdw>
               </a:effectLst>
             </c:spPr>
+            <c:extLst>
+              <c:ext xmlns:c16="http://schemas.microsoft.com/office/drawing/2014/chart" uri="{C3380CC4-5D6E-409C-BE32-E72D297353CC}">
+                <c16:uniqueId val="{00000003-B83E-43E5-AA9A-FA94EF2FC2B3}"/>
+              </c:ext>
+            </c:extLst>
           </c:dPt>
           <c:dPt>
             <c:idx val="2"/>
@@ -2753,6 +3032,11 @@
                 </a:outerShdw>
               </a:effectLst>
             </c:spPr>
+            <c:extLst>
+              <c:ext xmlns:c16="http://schemas.microsoft.com/office/drawing/2014/chart" uri="{C3380CC4-5D6E-409C-BE32-E72D297353CC}">
+                <c16:uniqueId val="{00000005-B83E-43E5-AA9A-FA94EF2FC2B3}"/>
+              </c:ext>
+            </c:extLst>
           </c:dPt>
           <c:dPt>
             <c:idx val="3"/>
@@ -2772,6 +3056,11 @@
                 </a:outerShdw>
               </a:effectLst>
             </c:spPr>
+            <c:extLst>
+              <c:ext xmlns:c16="http://schemas.microsoft.com/office/drawing/2014/chart" uri="{C3380CC4-5D6E-409C-BE32-E72D297353CC}">
+                <c16:uniqueId val="{00000007-B83E-43E5-AA9A-FA94EF2FC2B3}"/>
+              </c:ext>
+            </c:extLst>
           </c:dPt>
           <c:dLbls>
             <c:dLbl>
@@ -2779,6 +3068,9 @@
               <c:delete val="1"/>
               <c:extLst>
                 <c:ext xmlns:c15="http://schemas.microsoft.com/office/drawing/2012/chart" uri="{CE6537A1-D6FC-4f65-9D91-7224C49458BB}"/>
+                <c:ext xmlns:c16="http://schemas.microsoft.com/office/drawing/2014/chart" uri="{C3380CC4-5D6E-409C-BE32-E72D297353CC}">
+                  <c16:uniqueId val="{00000001-B83E-43E5-AA9A-FA94EF2FC2B3}"/>
+                </c:ext>
               </c:extLst>
             </c:dLbl>
             <c:dLbl>
@@ -2870,6 +3162,9 @@
                     </c:manualLayout>
                   </c15:layout>
                 </c:ext>
+                <c:ext xmlns:c16="http://schemas.microsoft.com/office/drawing/2014/chart" uri="{C3380CC4-5D6E-409C-BE32-E72D297353CC}">
+                  <c16:uniqueId val="{00000003-B83E-43E5-AA9A-FA94EF2FC2B3}"/>
+                </c:ext>
               </c:extLst>
             </c:dLbl>
             <c:dLbl>
@@ -2944,6 +3239,9 @@
                     </c:manualLayout>
                   </c15:layout>
                 </c:ext>
+                <c:ext xmlns:c16="http://schemas.microsoft.com/office/drawing/2014/chart" uri="{C3380CC4-5D6E-409C-BE32-E72D297353CC}">
+                  <c16:uniqueId val="{00000005-B83E-43E5-AA9A-FA94EF2FC2B3}"/>
+                </c:ext>
               </c:extLst>
             </c:dLbl>
             <c:dLbl>
@@ -2951,6 +3249,9 @@
               <c:delete val="1"/>
               <c:extLst>
                 <c:ext xmlns:c15="http://schemas.microsoft.com/office/drawing/2012/chart" uri="{CE6537A1-D6FC-4f65-9D91-7224C49458BB}"/>
+                <c:ext xmlns:c16="http://schemas.microsoft.com/office/drawing/2014/chart" uri="{C3380CC4-5D6E-409C-BE32-E72D297353CC}">
+                  <c16:uniqueId val="{00000007-B83E-43E5-AA9A-FA94EF2FC2B3}"/>
+                </c:ext>
               </c:extLst>
             </c:dLbl>
             <c:spPr>
@@ -3032,6 +3333,11 @@
               </c:pt>
             </c:numLit>
           </c:val>
+          <c:extLst>
+            <c:ext xmlns:c16="http://schemas.microsoft.com/office/drawing/2014/chart" uri="{C3380CC4-5D6E-409C-BE32-E72D297353CC}">
+              <c16:uniqueId val="{00000008-B83E-43E5-AA9A-FA94EF2FC2B3}"/>
+            </c:ext>
+          </c:extLst>
         </c:ser>
         <c:dLbls>
           <c:showLegendKey val="0"/>
@@ -3099,7 +3405,7 @@
 </file>
 
 <file path=ppt/charts/chart17.xml><?xml version="1.0" encoding="utf-8"?>
-<c:chartSpace xmlns:c="http://schemas.openxmlformats.org/drawingml/2006/chart" xmlns:a="http://schemas.openxmlformats.org/drawingml/2006/main" xmlns:r="http://schemas.openxmlformats.org/officeDocument/2006/relationships">
+<c:chartSpace xmlns:c="http://schemas.openxmlformats.org/drawingml/2006/chart" xmlns:a="http://schemas.openxmlformats.org/drawingml/2006/main" xmlns:r="http://schemas.openxmlformats.org/officeDocument/2006/relationships" xmlns:c16r2="http://schemas.microsoft.com/office/drawing/2015/06/chart">
   <c:date1904 val="0"/>
   <c:lang val="es-ES"/>
   <c:roundedCorners val="0"/>
@@ -3146,6 +3452,11 @@
                 </a:outerShdw>
               </a:effectLst>
             </c:spPr>
+            <c:extLst>
+              <c:ext xmlns:c16="http://schemas.microsoft.com/office/drawing/2014/chart" uri="{C3380CC4-5D6E-409C-BE32-E72D297353CC}">
+                <c16:uniqueId val="{00000001-15FC-4E72-9146-EAE196FD9089}"/>
+              </c:ext>
+            </c:extLst>
           </c:dPt>
           <c:dPt>
             <c:idx val="1"/>
@@ -3165,6 +3476,11 @@
                 </a:outerShdw>
               </a:effectLst>
             </c:spPr>
+            <c:extLst>
+              <c:ext xmlns:c16="http://schemas.microsoft.com/office/drawing/2014/chart" uri="{C3380CC4-5D6E-409C-BE32-E72D297353CC}">
+                <c16:uniqueId val="{00000003-15FC-4E72-9146-EAE196FD9089}"/>
+              </c:ext>
+            </c:extLst>
           </c:dPt>
           <c:dPt>
             <c:idx val="2"/>
@@ -3184,6 +3500,11 @@
                 </a:outerShdw>
               </a:effectLst>
             </c:spPr>
+            <c:extLst>
+              <c:ext xmlns:c16="http://schemas.microsoft.com/office/drawing/2014/chart" uri="{C3380CC4-5D6E-409C-BE32-E72D297353CC}">
+                <c16:uniqueId val="{00000005-15FC-4E72-9146-EAE196FD9089}"/>
+              </c:ext>
+            </c:extLst>
           </c:dPt>
           <c:dPt>
             <c:idx val="3"/>
@@ -3203,6 +3524,11 @@
                 </a:outerShdw>
               </a:effectLst>
             </c:spPr>
+            <c:extLst>
+              <c:ext xmlns:c16="http://schemas.microsoft.com/office/drawing/2014/chart" uri="{C3380CC4-5D6E-409C-BE32-E72D297353CC}">
+                <c16:uniqueId val="{00000007-15FC-4E72-9146-EAE196FD9089}"/>
+              </c:ext>
+            </c:extLst>
           </c:dPt>
           <c:dLbls>
             <c:dLbl>
@@ -3241,6 +3567,9 @@
               <c:separator>; </c:separator>
               <c:extLst>
                 <c:ext xmlns:c15="http://schemas.microsoft.com/office/drawing/2012/chart" uri="{CE6537A1-D6FC-4f65-9D91-7224C49458BB}"/>
+                <c:ext xmlns:c16="http://schemas.microsoft.com/office/drawing/2014/chart" uri="{C3380CC4-5D6E-409C-BE32-E72D297353CC}">
+                  <c16:uniqueId val="{00000001-15FC-4E72-9146-EAE196FD9089}"/>
+                </c:ext>
               </c:extLst>
             </c:dLbl>
             <c:dLbl>
@@ -3248,6 +3577,9 @@
               <c:delete val="1"/>
               <c:extLst>
                 <c:ext xmlns:c15="http://schemas.microsoft.com/office/drawing/2012/chart" uri="{CE6537A1-D6FC-4f65-9D91-7224C49458BB}"/>
+                <c:ext xmlns:c16="http://schemas.microsoft.com/office/drawing/2014/chart" uri="{C3380CC4-5D6E-409C-BE32-E72D297353CC}">
+                  <c16:uniqueId val="{00000003-15FC-4E72-9146-EAE196FD9089}"/>
+                </c:ext>
               </c:extLst>
             </c:dLbl>
             <c:dLbl>
@@ -3255,6 +3587,9 @@
               <c:delete val="1"/>
               <c:extLst>
                 <c:ext xmlns:c15="http://schemas.microsoft.com/office/drawing/2012/chart" uri="{CE6537A1-D6FC-4f65-9D91-7224C49458BB}"/>
+                <c:ext xmlns:c16="http://schemas.microsoft.com/office/drawing/2014/chart" uri="{C3380CC4-5D6E-409C-BE32-E72D297353CC}">
+                  <c16:uniqueId val="{00000005-15FC-4E72-9146-EAE196FD9089}"/>
+                </c:ext>
               </c:extLst>
             </c:dLbl>
             <c:dLbl>
@@ -3262,6 +3597,9 @@
               <c:delete val="1"/>
               <c:extLst>
                 <c:ext xmlns:c15="http://schemas.microsoft.com/office/drawing/2012/chart" uri="{CE6537A1-D6FC-4f65-9D91-7224C49458BB}"/>
+                <c:ext xmlns:c16="http://schemas.microsoft.com/office/drawing/2014/chart" uri="{C3380CC4-5D6E-409C-BE32-E72D297353CC}">
+                  <c16:uniqueId val="{00000007-15FC-4E72-9146-EAE196FD9089}"/>
+                </c:ext>
               </c:extLst>
             </c:dLbl>
             <c:spPr>
@@ -3349,6 +3687,11 @@
               </c:pt>
             </c:numLit>
           </c:val>
+          <c:extLst>
+            <c:ext xmlns:c16="http://schemas.microsoft.com/office/drawing/2014/chart" uri="{C3380CC4-5D6E-409C-BE32-E72D297353CC}">
+              <c16:uniqueId val="{00000008-15FC-4E72-9146-EAE196FD9089}"/>
+            </c:ext>
+          </c:extLst>
         </c:ser>
         <c:dLbls>
           <c:showLegendKey val="0"/>
@@ -3411,7 +3754,7 @@
 </file>
 
 <file path=ppt/charts/chart18.xml><?xml version="1.0" encoding="utf-8"?>
-<c:chartSpace xmlns:c="http://schemas.openxmlformats.org/drawingml/2006/chart" xmlns:a="http://schemas.openxmlformats.org/drawingml/2006/main" xmlns:r="http://schemas.openxmlformats.org/officeDocument/2006/relationships">
+<c:chartSpace xmlns:c="http://schemas.openxmlformats.org/drawingml/2006/chart" xmlns:a="http://schemas.openxmlformats.org/drawingml/2006/main" xmlns:r="http://schemas.openxmlformats.org/officeDocument/2006/relationships" xmlns:c16r2="http://schemas.microsoft.com/office/drawing/2015/06/chart">
   <c:date1904 val="0"/>
   <c:lang val="es-ES"/>
   <c:roundedCorners val="0"/>
@@ -3458,6 +3801,11 @@
                 </a:outerShdw>
               </a:effectLst>
             </c:spPr>
+            <c:extLst>
+              <c:ext xmlns:c16="http://schemas.microsoft.com/office/drawing/2014/chart" uri="{C3380CC4-5D6E-409C-BE32-E72D297353CC}">
+                <c16:uniqueId val="{00000001-4464-4416-AA47-DF3744715899}"/>
+              </c:ext>
+            </c:extLst>
           </c:dPt>
           <c:dPt>
             <c:idx val="1"/>
@@ -3477,6 +3825,11 @@
                 </a:outerShdw>
               </a:effectLst>
             </c:spPr>
+            <c:extLst>
+              <c:ext xmlns:c16="http://schemas.microsoft.com/office/drawing/2014/chart" uri="{C3380CC4-5D6E-409C-BE32-E72D297353CC}">
+                <c16:uniqueId val="{00000003-4464-4416-AA47-DF3744715899}"/>
+              </c:ext>
+            </c:extLst>
           </c:dPt>
           <c:dPt>
             <c:idx val="2"/>
@@ -3496,6 +3849,11 @@
                 </a:outerShdw>
               </a:effectLst>
             </c:spPr>
+            <c:extLst>
+              <c:ext xmlns:c16="http://schemas.microsoft.com/office/drawing/2014/chart" uri="{C3380CC4-5D6E-409C-BE32-E72D297353CC}">
+                <c16:uniqueId val="{00000005-4464-4416-AA47-DF3744715899}"/>
+              </c:ext>
+            </c:extLst>
           </c:dPt>
           <c:dPt>
             <c:idx val="3"/>
@@ -3515,6 +3873,11 @@
                 </a:outerShdw>
               </a:effectLst>
             </c:spPr>
+            <c:extLst>
+              <c:ext xmlns:c16="http://schemas.microsoft.com/office/drawing/2014/chart" uri="{C3380CC4-5D6E-409C-BE32-E72D297353CC}">
+                <c16:uniqueId val="{00000007-4464-4416-AA47-DF3744715899}"/>
+              </c:ext>
+            </c:extLst>
           </c:dPt>
           <c:dLbls>
             <c:dLbl>
@@ -3553,6 +3916,9 @@
               <c:separator>; </c:separator>
               <c:extLst>
                 <c:ext xmlns:c15="http://schemas.microsoft.com/office/drawing/2012/chart" uri="{CE6537A1-D6FC-4f65-9D91-7224C49458BB}"/>
+                <c:ext xmlns:c16="http://schemas.microsoft.com/office/drawing/2014/chart" uri="{C3380CC4-5D6E-409C-BE32-E72D297353CC}">
+                  <c16:uniqueId val="{00000001-4464-4416-AA47-DF3744715899}"/>
+                </c:ext>
               </c:extLst>
             </c:dLbl>
             <c:dLbl>
@@ -3560,6 +3926,9 @@
               <c:delete val="1"/>
               <c:extLst>
                 <c:ext xmlns:c15="http://schemas.microsoft.com/office/drawing/2012/chart" uri="{CE6537A1-D6FC-4f65-9D91-7224C49458BB}"/>
+                <c:ext xmlns:c16="http://schemas.microsoft.com/office/drawing/2014/chart" uri="{C3380CC4-5D6E-409C-BE32-E72D297353CC}">
+                  <c16:uniqueId val="{00000003-4464-4416-AA47-DF3744715899}"/>
+                </c:ext>
               </c:extLst>
             </c:dLbl>
             <c:dLbl>
@@ -3567,6 +3936,9 @@
               <c:delete val="1"/>
               <c:extLst>
                 <c:ext xmlns:c15="http://schemas.microsoft.com/office/drawing/2012/chart" uri="{CE6537A1-D6FC-4f65-9D91-7224C49458BB}"/>
+                <c:ext xmlns:c16="http://schemas.microsoft.com/office/drawing/2014/chart" uri="{C3380CC4-5D6E-409C-BE32-E72D297353CC}">
+                  <c16:uniqueId val="{00000005-4464-4416-AA47-DF3744715899}"/>
+                </c:ext>
               </c:extLst>
             </c:dLbl>
             <c:dLbl>
@@ -3574,6 +3946,9 @@
               <c:delete val="1"/>
               <c:extLst>
                 <c:ext xmlns:c15="http://schemas.microsoft.com/office/drawing/2012/chart" uri="{CE6537A1-D6FC-4f65-9D91-7224C49458BB}"/>
+                <c:ext xmlns:c16="http://schemas.microsoft.com/office/drawing/2014/chart" uri="{C3380CC4-5D6E-409C-BE32-E72D297353CC}">
+                  <c16:uniqueId val="{00000007-4464-4416-AA47-DF3744715899}"/>
+                </c:ext>
               </c:extLst>
             </c:dLbl>
             <c:spPr>
@@ -3661,6 +4036,11 @@
               </c:pt>
             </c:numLit>
           </c:val>
+          <c:extLst>
+            <c:ext xmlns:c16="http://schemas.microsoft.com/office/drawing/2014/chart" uri="{C3380CC4-5D6E-409C-BE32-E72D297353CC}">
+              <c16:uniqueId val="{00000008-4464-4416-AA47-DF3744715899}"/>
+            </c:ext>
+          </c:extLst>
         </c:ser>
         <c:dLbls>
           <c:showLegendKey val="0"/>
@@ -3723,7 +4103,7 @@
 </file>
 
 <file path=ppt/charts/chart19.xml><?xml version="1.0" encoding="utf-8"?>
-<c:chartSpace xmlns:c="http://schemas.openxmlformats.org/drawingml/2006/chart" xmlns:a="http://schemas.openxmlformats.org/drawingml/2006/main" xmlns:r="http://schemas.openxmlformats.org/officeDocument/2006/relationships">
+<c:chartSpace xmlns:c="http://schemas.openxmlformats.org/drawingml/2006/chart" xmlns:a="http://schemas.openxmlformats.org/drawingml/2006/main" xmlns:r="http://schemas.openxmlformats.org/officeDocument/2006/relationships" xmlns:c16r2="http://schemas.microsoft.com/office/drawing/2015/06/chart">
   <c:date1904 val="0"/>
   <c:lang val="es-ES"/>
   <c:roundedCorners val="0"/>
@@ -3765,6 +4145,11 @@
                 </a:outerShdw>
               </a:effectLst>
             </c:spPr>
+            <c:extLst>
+              <c:ext xmlns:c16="http://schemas.microsoft.com/office/drawing/2014/chart" uri="{C3380CC4-5D6E-409C-BE32-E72D297353CC}">
+                <c16:uniqueId val="{00000001-97C4-48EB-895C-333865C14565}"/>
+              </c:ext>
+            </c:extLst>
           </c:dPt>
           <c:dPt>
             <c:idx val="1"/>
@@ -3784,6 +4169,11 @@
                 </a:outerShdw>
               </a:effectLst>
             </c:spPr>
+            <c:extLst>
+              <c:ext xmlns:c16="http://schemas.microsoft.com/office/drawing/2014/chart" uri="{C3380CC4-5D6E-409C-BE32-E72D297353CC}">
+                <c16:uniqueId val="{00000003-97C4-48EB-895C-333865C14565}"/>
+              </c:ext>
+            </c:extLst>
           </c:dPt>
           <c:dPt>
             <c:idx val="2"/>
@@ -3803,6 +4193,11 @@
                 </a:outerShdw>
               </a:effectLst>
             </c:spPr>
+            <c:extLst>
+              <c:ext xmlns:c16="http://schemas.microsoft.com/office/drawing/2014/chart" uri="{C3380CC4-5D6E-409C-BE32-E72D297353CC}">
+                <c16:uniqueId val="{00000005-97C4-48EB-895C-333865C14565}"/>
+              </c:ext>
+            </c:extLst>
           </c:dPt>
           <c:dPt>
             <c:idx val="3"/>
@@ -3822,6 +4217,11 @@
                 </a:outerShdw>
               </a:effectLst>
             </c:spPr>
+            <c:extLst>
+              <c:ext xmlns:c16="http://schemas.microsoft.com/office/drawing/2014/chart" uri="{C3380CC4-5D6E-409C-BE32-E72D297353CC}">
+                <c16:uniqueId val="{00000007-97C4-48EB-895C-333865C14565}"/>
+              </c:ext>
+            </c:extLst>
           </c:dPt>
           <c:dLbls>
             <c:dLbl>
@@ -3856,6 +4256,9 @@
               <c:separator>; </c:separator>
               <c:extLst>
                 <c:ext xmlns:c15="http://schemas.microsoft.com/office/drawing/2012/chart" uri="{CE6537A1-D6FC-4f65-9D91-7224C49458BB}"/>
+                <c:ext xmlns:c16="http://schemas.microsoft.com/office/drawing/2014/chart" uri="{C3380CC4-5D6E-409C-BE32-E72D297353CC}">
+                  <c16:uniqueId val="{00000001-97C4-48EB-895C-333865C14565}"/>
+                </c:ext>
               </c:extLst>
             </c:dLbl>
             <c:dLbl>
@@ -3885,6 +4288,9 @@
               <c:separator>; </c:separator>
               <c:extLst>
                 <c:ext xmlns:c15="http://schemas.microsoft.com/office/drawing/2012/chart" uri="{CE6537A1-D6FC-4f65-9D91-7224C49458BB}"/>
+                <c:ext xmlns:c16="http://schemas.microsoft.com/office/drawing/2014/chart" uri="{C3380CC4-5D6E-409C-BE32-E72D297353CC}">
+                  <c16:uniqueId val="{00000003-97C4-48EB-895C-333865C14565}"/>
+                </c:ext>
               </c:extLst>
             </c:dLbl>
             <c:dLbl>
@@ -3932,6 +4338,9 @@
                     </c:manualLayout>
                   </c15:layout>
                 </c:ext>
+                <c:ext xmlns:c16="http://schemas.microsoft.com/office/drawing/2014/chart" uri="{C3380CC4-5D6E-409C-BE32-E72D297353CC}">
+                  <c16:uniqueId val="{00000005-97C4-48EB-895C-333865C14565}"/>
+                </c:ext>
               </c:extLst>
             </c:dLbl>
             <c:dLbl>
@@ -3939,6 +4348,9 @@
               <c:delete val="1"/>
               <c:extLst>
                 <c:ext xmlns:c15="http://schemas.microsoft.com/office/drawing/2012/chart" uri="{CE6537A1-D6FC-4f65-9D91-7224C49458BB}"/>
+                <c:ext xmlns:c16="http://schemas.microsoft.com/office/drawing/2014/chart" uri="{C3380CC4-5D6E-409C-BE32-E72D297353CC}">
+                  <c16:uniqueId val="{00000007-97C4-48EB-895C-333865C14565}"/>
+                </c:ext>
               </c:extLst>
             </c:dLbl>
             <c:spPr>
@@ -4026,6 +4438,11 @@
               </c:pt>
             </c:numLit>
           </c:val>
+          <c:extLst>
+            <c:ext xmlns:c16="http://schemas.microsoft.com/office/drawing/2014/chart" uri="{C3380CC4-5D6E-409C-BE32-E72D297353CC}">
+              <c16:uniqueId val="{00000008-97C4-48EB-895C-333865C14565}"/>
+            </c:ext>
+          </c:extLst>
         </c:ser>
         <c:dLbls>
           <c:showLegendKey val="0"/>
@@ -4088,7 +4505,7 @@
 </file>
 
 <file path=ppt/charts/chart2.xml><?xml version="1.0" encoding="utf-8"?>
-<c:chartSpace xmlns:c="http://schemas.openxmlformats.org/drawingml/2006/chart" xmlns:a="http://schemas.openxmlformats.org/drawingml/2006/main" xmlns:r="http://schemas.openxmlformats.org/officeDocument/2006/relationships">
+<c:chartSpace xmlns:c="http://schemas.openxmlformats.org/drawingml/2006/chart" xmlns:a="http://schemas.openxmlformats.org/drawingml/2006/main" xmlns:r="http://schemas.openxmlformats.org/officeDocument/2006/relationships" xmlns:c16r2="http://schemas.microsoft.com/office/drawing/2015/06/chart">
   <c:date1904 val="0"/>
   <c:lang val="es-ES"/>
   <c:roundedCorners val="0"/>
@@ -4130,6 +4547,11 @@
                 </a:outerShdw>
               </a:effectLst>
             </c:spPr>
+            <c:extLst>
+              <c:ext xmlns:c16="http://schemas.microsoft.com/office/drawing/2014/chart" uri="{C3380CC4-5D6E-409C-BE32-E72D297353CC}">
+                <c16:uniqueId val="{00000001-0AD5-4183-AF97-F94E2829F6C2}"/>
+              </c:ext>
+            </c:extLst>
           </c:dPt>
           <c:dPt>
             <c:idx val="1"/>
@@ -4149,6 +4571,11 @@
                 </a:outerShdw>
               </a:effectLst>
             </c:spPr>
+            <c:extLst>
+              <c:ext xmlns:c16="http://schemas.microsoft.com/office/drawing/2014/chart" uri="{C3380CC4-5D6E-409C-BE32-E72D297353CC}">
+                <c16:uniqueId val="{00000003-0AD5-4183-AF97-F94E2829F6C2}"/>
+              </c:ext>
+            </c:extLst>
           </c:dPt>
           <c:dPt>
             <c:idx val="2"/>
@@ -4168,6 +4595,11 @@
                 </a:outerShdw>
               </a:effectLst>
             </c:spPr>
+            <c:extLst>
+              <c:ext xmlns:c16="http://schemas.microsoft.com/office/drawing/2014/chart" uri="{C3380CC4-5D6E-409C-BE32-E72D297353CC}">
+                <c16:uniqueId val="{00000005-0AD5-4183-AF97-F94E2829F6C2}"/>
+              </c:ext>
+            </c:extLst>
           </c:dPt>
           <c:dPt>
             <c:idx val="3"/>
@@ -4187,10 +4619,16 @@
                 </a:outerShdw>
               </a:effectLst>
             </c:spPr>
+            <c:extLst>
+              <c:ext xmlns:c16="http://schemas.microsoft.com/office/drawing/2014/chart" uri="{C3380CC4-5D6E-409C-BE32-E72D297353CC}">
+                <c16:uniqueId val="{00000007-0AD5-4183-AF97-F94E2829F6C2}"/>
+              </c:ext>
+            </c:extLst>
           </c:dPt>
           <c:dLbls>
             <c:dLbl>
               <c:idx val="0"/>
+              <c:layout/>
               <c:tx>
                 <c:rich>
                   <a:bodyPr lIns="0" tIns="0" rIns="0" bIns="0"/>
@@ -4243,6 +4681,10 @@
                       <a:avLst/>
                     </a:prstGeom>
                   </c15:spPr>
+                  <c15:layout/>
+                </c:ext>
+                <c:ext xmlns:c16="http://schemas.microsoft.com/office/drawing/2014/chart" uri="{C3380CC4-5D6E-409C-BE32-E72D297353CC}">
+                  <c16:uniqueId val="{00000001-0AD5-4183-AF97-F94E2829F6C2}"/>
                 </c:ext>
               </c:extLst>
             </c:dLbl>
@@ -4251,6 +4693,9 @@
               <c:delete val="1"/>
               <c:extLst>
                 <c:ext xmlns:c15="http://schemas.microsoft.com/office/drawing/2012/chart" uri="{CE6537A1-D6FC-4f65-9D91-7224C49458BB}"/>
+                <c:ext xmlns:c16="http://schemas.microsoft.com/office/drawing/2014/chart" uri="{C3380CC4-5D6E-409C-BE32-E72D297353CC}">
+                  <c16:uniqueId val="{00000003-0AD5-4183-AF97-F94E2829F6C2}"/>
+                </c:ext>
               </c:extLst>
             </c:dLbl>
             <c:dLbl>
@@ -4258,6 +4703,9 @@
               <c:delete val="1"/>
               <c:extLst>
                 <c:ext xmlns:c15="http://schemas.microsoft.com/office/drawing/2012/chart" uri="{CE6537A1-D6FC-4f65-9D91-7224C49458BB}"/>
+                <c:ext xmlns:c16="http://schemas.microsoft.com/office/drawing/2014/chart" uri="{C3380CC4-5D6E-409C-BE32-E72D297353CC}">
+                  <c16:uniqueId val="{00000005-0AD5-4183-AF97-F94E2829F6C2}"/>
+                </c:ext>
               </c:extLst>
             </c:dLbl>
             <c:dLbl>
@@ -4304,6 +4752,9 @@
                       <c:h val="8.1869722390102664E-2"/>
                     </c:manualLayout>
                   </c15:layout>
+                </c:ext>
+                <c:ext xmlns:c16="http://schemas.microsoft.com/office/drawing/2014/chart" uri="{C3380CC4-5D6E-409C-BE32-E72D297353CC}">
+                  <c16:uniqueId val="{00000007-0AD5-4183-AF97-F94E2829F6C2}"/>
                 </c:ext>
               </c:extLst>
             </c:dLbl>
@@ -4392,6 +4843,11 @@
               </c:pt>
             </c:numLit>
           </c:val>
+          <c:extLst>
+            <c:ext xmlns:c16="http://schemas.microsoft.com/office/drawing/2014/chart" uri="{C3380CC4-5D6E-409C-BE32-E72D297353CC}">
+              <c16:uniqueId val="{00000008-0AD5-4183-AF97-F94E2829F6C2}"/>
+            </c:ext>
+          </c:extLst>
         </c:ser>
         <c:dLbls>
           <c:showLegendKey val="0"/>
@@ -4454,7 +4910,7 @@
 </file>
 
 <file path=ppt/charts/chart20.xml><?xml version="1.0" encoding="utf-8"?>
-<c:chartSpace xmlns:c="http://schemas.openxmlformats.org/drawingml/2006/chart" xmlns:a="http://schemas.openxmlformats.org/drawingml/2006/main" xmlns:r="http://schemas.openxmlformats.org/officeDocument/2006/relationships">
+<c:chartSpace xmlns:c="http://schemas.openxmlformats.org/drawingml/2006/chart" xmlns:a="http://schemas.openxmlformats.org/drawingml/2006/main" xmlns:r="http://schemas.openxmlformats.org/officeDocument/2006/relationships" xmlns:c16r2="http://schemas.microsoft.com/office/drawing/2015/06/chart">
   <c:date1904 val="0"/>
   <c:lang val="es-ES"/>
   <c:roundedCorners val="0"/>
@@ -4501,6 +4957,11 @@
                 </a:outerShdw>
               </a:effectLst>
             </c:spPr>
+            <c:extLst>
+              <c:ext xmlns:c16="http://schemas.microsoft.com/office/drawing/2014/chart" uri="{C3380CC4-5D6E-409C-BE32-E72D297353CC}">
+                <c16:uniqueId val="{00000001-1E2E-4EFF-9101-C8B1B879390A}"/>
+              </c:ext>
+            </c:extLst>
           </c:dPt>
           <c:dPt>
             <c:idx val="1"/>
@@ -4520,6 +4981,11 @@
                 </a:outerShdw>
               </a:effectLst>
             </c:spPr>
+            <c:extLst>
+              <c:ext xmlns:c16="http://schemas.microsoft.com/office/drawing/2014/chart" uri="{C3380CC4-5D6E-409C-BE32-E72D297353CC}">
+                <c16:uniqueId val="{00000003-1E2E-4EFF-9101-C8B1B879390A}"/>
+              </c:ext>
+            </c:extLst>
           </c:dPt>
           <c:dPt>
             <c:idx val="2"/>
@@ -4539,6 +5005,11 @@
                 </a:outerShdw>
               </a:effectLst>
             </c:spPr>
+            <c:extLst>
+              <c:ext xmlns:c16="http://schemas.microsoft.com/office/drawing/2014/chart" uri="{C3380CC4-5D6E-409C-BE32-E72D297353CC}">
+                <c16:uniqueId val="{00000005-1E2E-4EFF-9101-C8B1B879390A}"/>
+              </c:ext>
+            </c:extLst>
           </c:dPt>
           <c:dPt>
             <c:idx val="3"/>
@@ -4558,6 +5029,11 @@
                 </a:outerShdw>
               </a:effectLst>
             </c:spPr>
+            <c:extLst>
+              <c:ext xmlns:c16="http://schemas.microsoft.com/office/drawing/2014/chart" uri="{C3380CC4-5D6E-409C-BE32-E72D297353CC}">
+                <c16:uniqueId val="{00000007-1E2E-4EFF-9101-C8B1B879390A}"/>
+              </c:ext>
+            </c:extLst>
           </c:dPt>
           <c:dLbls>
             <c:dLbl>
@@ -4592,6 +5068,9 @@
               <c:separator>; </c:separator>
               <c:extLst>
                 <c:ext xmlns:c15="http://schemas.microsoft.com/office/drawing/2012/chart" uri="{CE6537A1-D6FC-4f65-9D91-7224C49458BB}"/>
+                <c:ext xmlns:c16="http://schemas.microsoft.com/office/drawing/2014/chart" uri="{C3380CC4-5D6E-409C-BE32-E72D297353CC}">
+                  <c16:uniqueId val="{00000001-1E2E-4EFF-9101-C8B1B879390A}"/>
+                </c:ext>
               </c:extLst>
             </c:dLbl>
             <c:dLbl>
@@ -4599,6 +5078,9 @@
               <c:delete val="1"/>
               <c:extLst>
                 <c:ext xmlns:c15="http://schemas.microsoft.com/office/drawing/2012/chart" uri="{CE6537A1-D6FC-4f65-9D91-7224C49458BB}"/>
+                <c:ext xmlns:c16="http://schemas.microsoft.com/office/drawing/2014/chart" uri="{C3380CC4-5D6E-409C-BE32-E72D297353CC}">
+                  <c16:uniqueId val="{00000003-1E2E-4EFF-9101-C8B1B879390A}"/>
+                </c:ext>
               </c:extLst>
             </c:dLbl>
             <c:dLbl>
@@ -4606,6 +5088,9 @@
               <c:delete val="1"/>
               <c:extLst>
                 <c:ext xmlns:c15="http://schemas.microsoft.com/office/drawing/2012/chart" uri="{CE6537A1-D6FC-4f65-9D91-7224C49458BB}"/>
+                <c:ext xmlns:c16="http://schemas.microsoft.com/office/drawing/2014/chart" uri="{C3380CC4-5D6E-409C-BE32-E72D297353CC}">
+                  <c16:uniqueId val="{00000005-1E2E-4EFF-9101-C8B1B879390A}"/>
+                </c:ext>
               </c:extLst>
             </c:dLbl>
             <c:dLbl>
@@ -4613,6 +5098,9 @@
               <c:delete val="1"/>
               <c:extLst>
                 <c:ext xmlns:c15="http://schemas.microsoft.com/office/drawing/2012/chart" uri="{CE6537A1-D6FC-4f65-9D91-7224C49458BB}"/>
+                <c:ext xmlns:c16="http://schemas.microsoft.com/office/drawing/2014/chart" uri="{C3380CC4-5D6E-409C-BE32-E72D297353CC}">
+                  <c16:uniqueId val="{00000007-1E2E-4EFF-9101-C8B1B879390A}"/>
+                </c:ext>
               </c:extLst>
             </c:dLbl>
             <c:spPr>
@@ -4700,6 +5188,11 @@
               </c:pt>
             </c:numLit>
           </c:val>
+          <c:extLst>
+            <c:ext xmlns:c16="http://schemas.microsoft.com/office/drawing/2014/chart" uri="{C3380CC4-5D6E-409C-BE32-E72D297353CC}">
+              <c16:uniqueId val="{00000008-1E2E-4EFF-9101-C8B1B879390A}"/>
+            </c:ext>
+          </c:extLst>
         </c:ser>
         <c:dLbls>
           <c:showLegendKey val="0"/>
@@ -4762,7 +5255,7 @@
 </file>
 
 <file path=ppt/charts/chart21.xml><?xml version="1.0" encoding="utf-8"?>
-<c:chartSpace xmlns:c="http://schemas.openxmlformats.org/drawingml/2006/chart" xmlns:a="http://schemas.openxmlformats.org/drawingml/2006/main" xmlns:r="http://schemas.openxmlformats.org/officeDocument/2006/relationships">
+<c:chartSpace xmlns:c="http://schemas.openxmlformats.org/drawingml/2006/chart" xmlns:a="http://schemas.openxmlformats.org/drawingml/2006/main" xmlns:r="http://schemas.openxmlformats.org/officeDocument/2006/relationships" xmlns:c16r2="http://schemas.microsoft.com/office/drawing/2015/06/chart">
   <c:date1904 val="0"/>
   <c:lang val="es-ES"/>
   <c:roundedCorners val="0"/>
@@ -4809,6 +5302,11 @@
                 </a:outerShdw>
               </a:effectLst>
             </c:spPr>
+            <c:extLst>
+              <c:ext xmlns:c16="http://schemas.microsoft.com/office/drawing/2014/chart" uri="{C3380CC4-5D6E-409C-BE32-E72D297353CC}">
+                <c16:uniqueId val="{00000001-EC7C-456C-BC0F-8F28EC476336}"/>
+              </c:ext>
+            </c:extLst>
           </c:dPt>
           <c:dPt>
             <c:idx val="1"/>
@@ -4828,6 +5326,11 @@
                 </a:outerShdw>
               </a:effectLst>
             </c:spPr>
+            <c:extLst>
+              <c:ext xmlns:c16="http://schemas.microsoft.com/office/drawing/2014/chart" uri="{C3380CC4-5D6E-409C-BE32-E72D297353CC}">
+                <c16:uniqueId val="{00000003-EC7C-456C-BC0F-8F28EC476336}"/>
+              </c:ext>
+            </c:extLst>
           </c:dPt>
           <c:dPt>
             <c:idx val="2"/>
@@ -4847,6 +5350,11 @@
                 </a:outerShdw>
               </a:effectLst>
             </c:spPr>
+            <c:extLst>
+              <c:ext xmlns:c16="http://schemas.microsoft.com/office/drawing/2014/chart" uri="{C3380CC4-5D6E-409C-BE32-E72D297353CC}">
+                <c16:uniqueId val="{00000005-EC7C-456C-BC0F-8F28EC476336}"/>
+              </c:ext>
+            </c:extLst>
           </c:dPt>
           <c:dPt>
             <c:idx val="3"/>
@@ -4866,6 +5374,11 @@
                 </a:outerShdw>
               </a:effectLst>
             </c:spPr>
+            <c:extLst>
+              <c:ext xmlns:c16="http://schemas.microsoft.com/office/drawing/2014/chart" uri="{C3380CC4-5D6E-409C-BE32-E72D297353CC}">
+                <c16:uniqueId val="{00000007-EC7C-456C-BC0F-8F28EC476336}"/>
+              </c:ext>
+            </c:extLst>
           </c:dPt>
           <c:dLbls>
             <c:dLbl>
@@ -4900,6 +5413,9 @@
               <c:separator>; </c:separator>
               <c:extLst>
                 <c:ext xmlns:c15="http://schemas.microsoft.com/office/drawing/2012/chart" uri="{CE6537A1-D6FC-4f65-9D91-7224C49458BB}"/>
+                <c:ext xmlns:c16="http://schemas.microsoft.com/office/drawing/2014/chart" uri="{C3380CC4-5D6E-409C-BE32-E72D297353CC}">
+                  <c16:uniqueId val="{00000001-EC7C-456C-BC0F-8F28EC476336}"/>
+                </c:ext>
               </c:extLst>
             </c:dLbl>
             <c:dLbl>
@@ -4907,6 +5423,9 @@
               <c:delete val="1"/>
               <c:extLst>
                 <c:ext xmlns:c15="http://schemas.microsoft.com/office/drawing/2012/chart" uri="{CE6537A1-D6FC-4f65-9D91-7224C49458BB}"/>
+                <c:ext xmlns:c16="http://schemas.microsoft.com/office/drawing/2014/chart" uri="{C3380CC4-5D6E-409C-BE32-E72D297353CC}">
+                  <c16:uniqueId val="{00000003-EC7C-456C-BC0F-8F28EC476336}"/>
+                </c:ext>
               </c:extLst>
             </c:dLbl>
             <c:dLbl>
@@ -4914,6 +5433,9 @@
               <c:delete val="1"/>
               <c:extLst>
                 <c:ext xmlns:c15="http://schemas.microsoft.com/office/drawing/2012/chart" uri="{CE6537A1-D6FC-4f65-9D91-7224C49458BB}"/>
+                <c:ext xmlns:c16="http://schemas.microsoft.com/office/drawing/2014/chart" uri="{C3380CC4-5D6E-409C-BE32-E72D297353CC}">
+                  <c16:uniqueId val="{00000005-EC7C-456C-BC0F-8F28EC476336}"/>
+                </c:ext>
               </c:extLst>
             </c:dLbl>
             <c:dLbl>
@@ -4921,6 +5443,9 @@
               <c:delete val="1"/>
               <c:extLst>
                 <c:ext xmlns:c15="http://schemas.microsoft.com/office/drawing/2012/chart" uri="{CE6537A1-D6FC-4f65-9D91-7224C49458BB}"/>
+                <c:ext xmlns:c16="http://schemas.microsoft.com/office/drawing/2014/chart" uri="{C3380CC4-5D6E-409C-BE32-E72D297353CC}">
+                  <c16:uniqueId val="{00000007-EC7C-456C-BC0F-8F28EC476336}"/>
+                </c:ext>
               </c:extLst>
             </c:dLbl>
             <c:spPr>
@@ -5008,6 +5533,11 @@
               </c:pt>
             </c:numLit>
           </c:val>
+          <c:extLst>
+            <c:ext xmlns:c16="http://schemas.microsoft.com/office/drawing/2014/chart" uri="{C3380CC4-5D6E-409C-BE32-E72D297353CC}">
+              <c16:uniqueId val="{00000008-EC7C-456C-BC0F-8F28EC476336}"/>
+            </c:ext>
+          </c:extLst>
         </c:ser>
         <c:dLbls>
           <c:showLegendKey val="0"/>
@@ -5070,7 +5600,7 @@
 </file>
 
 <file path=ppt/charts/chart22.xml><?xml version="1.0" encoding="utf-8"?>
-<c:chartSpace xmlns:c="http://schemas.openxmlformats.org/drawingml/2006/chart" xmlns:a="http://schemas.openxmlformats.org/drawingml/2006/main" xmlns:r="http://schemas.openxmlformats.org/officeDocument/2006/relationships">
+<c:chartSpace xmlns:c="http://schemas.openxmlformats.org/drawingml/2006/chart" xmlns:a="http://schemas.openxmlformats.org/drawingml/2006/main" xmlns:r="http://schemas.openxmlformats.org/officeDocument/2006/relationships" xmlns:c16r2="http://schemas.microsoft.com/office/drawing/2015/06/chart">
   <c:date1904 val="0"/>
   <c:lang val="es-ES"/>
   <c:roundedCorners val="0"/>
@@ -5122,6 +5652,11 @@
                 </a:outerShdw>
               </a:effectLst>
             </c:spPr>
+            <c:extLst>
+              <c:ext xmlns:c16="http://schemas.microsoft.com/office/drawing/2014/chart" uri="{C3380CC4-5D6E-409C-BE32-E72D297353CC}">
+                <c16:uniqueId val="{00000001-3E63-469B-B793-70BA6015B819}"/>
+              </c:ext>
+            </c:extLst>
           </c:dPt>
           <c:dPt>
             <c:idx val="1"/>
@@ -5141,6 +5676,11 @@
                 </a:outerShdw>
               </a:effectLst>
             </c:spPr>
+            <c:extLst>
+              <c:ext xmlns:c16="http://schemas.microsoft.com/office/drawing/2014/chart" uri="{C3380CC4-5D6E-409C-BE32-E72D297353CC}">
+                <c16:uniqueId val="{00000003-3E63-469B-B793-70BA6015B819}"/>
+              </c:ext>
+            </c:extLst>
           </c:dPt>
           <c:dPt>
             <c:idx val="2"/>
@@ -5153,6 +5693,11 @@
                 <a:noFill/>
               </a:ln>
             </c:spPr>
+            <c:extLst>
+              <c:ext xmlns:c16="http://schemas.microsoft.com/office/drawing/2014/chart" uri="{C3380CC4-5D6E-409C-BE32-E72D297353CC}">
+                <c16:uniqueId val="{00000005-3E63-469B-B793-70BA6015B819}"/>
+              </c:ext>
+            </c:extLst>
           </c:dPt>
           <c:dPt>
             <c:idx val="3"/>
@@ -5172,10 +5717,16 @@
                 </a:outerShdw>
               </a:effectLst>
             </c:spPr>
+            <c:extLst>
+              <c:ext xmlns:c16="http://schemas.microsoft.com/office/drawing/2014/chart" uri="{C3380CC4-5D6E-409C-BE32-E72D297353CC}">
+                <c16:uniqueId val="{00000007-3E63-469B-B793-70BA6015B819}"/>
+              </c:ext>
+            </c:extLst>
           </c:dPt>
           <c:dLbls>
             <c:dLbl>
               <c:idx val="0"/>
+              <c:layout/>
               <c:tx>
                 <c:rich>
                   <a:bodyPr wrap="square" lIns="38100" tIns="19050" rIns="38100" bIns="19050" anchor="ctr">
@@ -5207,7 +5758,12 @@
               <c:showPercent val="0"/>
               <c:showBubbleSize val="0"/>
               <c:extLst>
-                <c:ext xmlns:c15="http://schemas.microsoft.com/office/drawing/2012/chart" uri="{CE6537A1-D6FC-4f65-9D91-7224C49458BB}"/>
+                <c:ext xmlns:c15="http://schemas.microsoft.com/office/drawing/2012/chart" uri="{CE6537A1-D6FC-4f65-9D91-7224C49458BB}">
+                  <c15:layout/>
+                </c:ext>
+                <c:ext xmlns:c16="http://schemas.microsoft.com/office/drawing/2014/chart" uri="{C3380CC4-5D6E-409C-BE32-E72D297353CC}">
+                  <c16:uniqueId val="{00000001-3E63-469B-B793-70BA6015B819}"/>
+                </c:ext>
               </c:extLst>
             </c:dLbl>
             <c:dLbl>
@@ -5237,9 +5793,15 @@
               <c:showSerName val="0"/>
               <c:showPercent val="0"/>
               <c:showBubbleSize val="0"/>
+              <c:extLst>
+                <c:ext xmlns:c16="http://schemas.microsoft.com/office/drawing/2014/chart" uri="{C3380CC4-5D6E-409C-BE32-E72D297353CC}">
+                  <c16:uniqueId val="{00000003-3E63-469B-B793-70BA6015B819}"/>
+                </c:ext>
+              </c:extLst>
             </c:dLbl>
             <c:dLbl>
               <c:idx val="3"/>
+              <c:layout/>
               <c:tx>
                 <c:rich>
                   <a:bodyPr wrap="square" lIns="38100" tIns="19050" rIns="38100" bIns="19050" anchor="ctr">
@@ -5281,8 +5843,12 @@
                       <a:avLst/>
                     </a:prstGeom>
                   </c15:spPr>
+                  <c15:layout/>
                   <c15:dlblFieldTable/>
                   <c15:showDataLabelsRange val="0"/>
+                </c:ext>
+                <c:ext xmlns:c16="http://schemas.microsoft.com/office/drawing/2014/chart" uri="{C3380CC4-5D6E-409C-BE32-E72D297353CC}">
+                  <c16:uniqueId val="{00000007-3E63-469B-B793-70BA6015B819}"/>
                 </c:ext>
               </c:extLst>
             </c:dLbl>
@@ -5301,7 +5867,9 @@
             <c:showBubbleSize val="0"/>
             <c:showLeaderLines val="1"/>
             <c:extLst>
-              <c:ext xmlns:c15="http://schemas.microsoft.com/office/drawing/2012/chart" uri="{CE6537A1-D6FC-4f65-9D91-7224C49458BB}"/>
+              <c:ext xmlns:c15="http://schemas.microsoft.com/office/drawing/2012/chart" uri="{CE6537A1-D6FC-4f65-9D91-7224C49458BB}">
+                <c15:layout/>
+              </c:ext>
             </c:extLst>
           </c:dLbls>
           <c:cat>
@@ -5340,6 +5908,11 @@
               </c:pt>
             </c:numLit>
           </c:val>
+          <c:extLst>
+            <c:ext xmlns:c16="http://schemas.microsoft.com/office/drawing/2014/chart" uri="{C3380CC4-5D6E-409C-BE32-E72D297353CC}">
+              <c16:uniqueId val="{00000008-3E63-469B-B793-70BA6015B819}"/>
+            </c:ext>
+          </c:extLst>
         </c:ser>
         <c:dLbls>
           <c:showLegendKey val="0"/>
@@ -5402,7 +5975,7 @@
 </file>
 
 <file path=ppt/charts/chart23.xml><?xml version="1.0" encoding="utf-8"?>
-<c:chartSpace xmlns:c="http://schemas.openxmlformats.org/drawingml/2006/chart" xmlns:a="http://schemas.openxmlformats.org/drawingml/2006/main" xmlns:r="http://schemas.openxmlformats.org/officeDocument/2006/relationships">
+<c:chartSpace xmlns:c="http://schemas.openxmlformats.org/drawingml/2006/chart" xmlns:a="http://schemas.openxmlformats.org/drawingml/2006/main" xmlns:r="http://schemas.openxmlformats.org/officeDocument/2006/relationships" xmlns:c16r2="http://schemas.microsoft.com/office/drawing/2015/06/chart">
   <c:date1904 val="0"/>
   <c:lang val="es-ES"/>
   <c:roundedCorners val="0"/>
@@ -5444,6 +6017,11 @@
                 </a:outerShdw>
               </a:effectLst>
             </c:spPr>
+            <c:extLst>
+              <c:ext xmlns:c16="http://schemas.microsoft.com/office/drawing/2014/chart" uri="{C3380CC4-5D6E-409C-BE32-E72D297353CC}">
+                <c16:uniqueId val="{00000001-FA1E-4B94-951A-978548470F50}"/>
+              </c:ext>
+            </c:extLst>
           </c:dPt>
           <c:dPt>
             <c:idx val="1"/>
@@ -5463,6 +6041,11 @@
                 </a:outerShdw>
               </a:effectLst>
             </c:spPr>
+            <c:extLst>
+              <c:ext xmlns:c16="http://schemas.microsoft.com/office/drawing/2014/chart" uri="{C3380CC4-5D6E-409C-BE32-E72D297353CC}">
+                <c16:uniqueId val="{00000003-FA1E-4B94-951A-978548470F50}"/>
+              </c:ext>
+            </c:extLst>
           </c:dPt>
           <c:dPt>
             <c:idx val="2"/>
@@ -5482,6 +6065,11 @@
                 </a:outerShdw>
               </a:effectLst>
             </c:spPr>
+            <c:extLst>
+              <c:ext xmlns:c16="http://schemas.microsoft.com/office/drawing/2014/chart" uri="{C3380CC4-5D6E-409C-BE32-E72D297353CC}">
+                <c16:uniqueId val="{00000005-FA1E-4B94-951A-978548470F50}"/>
+              </c:ext>
+            </c:extLst>
           </c:dPt>
           <c:dPt>
             <c:idx val="3"/>
@@ -5501,10 +6089,16 @@
                 </a:outerShdw>
               </a:effectLst>
             </c:spPr>
+            <c:extLst>
+              <c:ext xmlns:c16="http://schemas.microsoft.com/office/drawing/2014/chart" uri="{C3380CC4-5D6E-409C-BE32-E72D297353CC}">
+                <c16:uniqueId val="{00000007-FA1E-4B94-951A-978548470F50}"/>
+              </c:ext>
+            </c:extLst>
           </c:dPt>
           <c:dLbls>
             <c:dLbl>
               <c:idx val="0"/>
+              <c:layout/>
               <c:tx>
                 <c:rich>
                   <a:bodyPr lIns="0" tIns="0" rIns="0" bIns="0"/>
@@ -5557,6 +6151,10 @@
                       <a:avLst/>
                     </a:prstGeom>
                   </c15:spPr>
+                  <c15:layout/>
+                </c:ext>
+                <c:ext xmlns:c16="http://schemas.microsoft.com/office/drawing/2014/chart" uri="{C3380CC4-5D6E-409C-BE32-E72D297353CC}">
+                  <c16:uniqueId val="{00000001-FA1E-4B94-951A-978548470F50}"/>
                 </c:ext>
               </c:extLst>
             </c:dLbl>
@@ -5565,6 +6163,9 @@
               <c:delete val="1"/>
               <c:extLst>
                 <c:ext xmlns:c15="http://schemas.microsoft.com/office/drawing/2012/chart" uri="{CE6537A1-D6FC-4f65-9D91-7224C49458BB}"/>
+                <c:ext xmlns:c16="http://schemas.microsoft.com/office/drawing/2014/chart" uri="{C3380CC4-5D6E-409C-BE32-E72D297353CC}">
+                  <c16:uniqueId val="{00000003-FA1E-4B94-951A-978548470F50}"/>
+                </c:ext>
               </c:extLst>
             </c:dLbl>
             <c:dLbl>
@@ -5572,6 +6173,9 @@
               <c:delete val="1"/>
               <c:extLst>
                 <c:ext xmlns:c15="http://schemas.microsoft.com/office/drawing/2012/chart" uri="{CE6537A1-D6FC-4f65-9D91-7224C49458BB}"/>
+                <c:ext xmlns:c16="http://schemas.microsoft.com/office/drawing/2014/chart" uri="{C3380CC4-5D6E-409C-BE32-E72D297353CC}">
+                  <c16:uniqueId val="{00000005-FA1E-4B94-951A-978548470F50}"/>
+                </c:ext>
               </c:extLst>
             </c:dLbl>
             <c:dLbl>
@@ -5618,6 +6222,9 @@
                       <c:h val="8.1869722390102664E-2"/>
                     </c:manualLayout>
                   </c15:layout>
+                </c:ext>
+                <c:ext xmlns:c16="http://schemas.microsoft.com/office/drawing/2014/chart" uri="{C3380CC4-5D6E-409C-BE32-E72D297353CC}">
+                  <c16:uniqueId val="{00000007-FA1E-4B94-951A-978548470F50}"/>
                 </c:ext>
               </c:extLst>
             </c:dLbl>
@@ -5706,6 +6313,11 @@
               </c:pt>
             </c:numLit>
           </c:val>
+          <c:extLst>
+            <c:ext xmlns:c16="http://schemas.microsoft.com/office/drawing/2014/chart" uri="{C3380CC4-5D6E-409C-BE32-E72D297353CC}">
+              <c16:uniqueId val="{00000008-FA1E-4B94-951A-978548470F50}"/>
+            </c:ext>
+          </c:extLst>
         </c:ser>
         <c:dLbls>
           <c:showLegendKey val="0"/>
@@ -5768,7 +6380,7 @@
 </file>
 
 <file path=ppt/charts/chart24.xml><?xml version="1.0" encoding="utf-8"?>
-<c:chartSpace xmlns:c="http://schemas.openxmlformats.org/drawingml/2006/chart" xmlns:a="http://schemas.openxmlformats.org/drawingml/2006/main" xmlns:r="http://schemas.openxmlformats.org/officeDocument/2006/relationships">
+<c:chartSpace xmlns:c="http://schemas.openxmlformats.org/drawingml/2006/chart" xmlns:a="http://schemas.openxmlformats.org/drawingml/2006/main" xmlns:r="http://schemas.openxmlformats.org/officeDocument/2006/relationships" xmlns:c16r2="http://schemas.microsoft.com/office/drawing/2015/06/chart">
   <c:date1904 val="0"/>
   <c:lang val="es-ES"/>
   <c:roundedCorners val="0"/>
@@ -5815,6 +6427,11 @@
                 </a:outerShdw>
               </a:effectLst>
             </c:spPr>
+            <c:extLst>
+              <c:ext xmlns:c16="http://schemas.microsoft.com/office/drawing/2014/chart" uri="{C3380CC4-5D6E-409C-BE32-E72D297353CC}">
+                <c16:uniqueId val="{00000001-9FD1-4406-82D6-EDE21064B3C9}"/>
+              </c:ext>
+            </c:extLst>
           </c:dPt>
           <c:dPt>
             <c:idx val="1"/>
@@ -5834,6 +6451,11 @@
                 </a:outerShdw>
               </a:effectLst>
             </c:spPr>
+            <c:extLst>
+              <c:ext xmlns:c16="http://schemas.microsoft.com/office/drawing/2014/chart" uri="{C3380CC4-5D6E-409C-BE32-E72D297353CC}">
+                <c16:uniqueId val="{00000003-9FD1-4406-82D6-EDE21064B3C9}"/>
+              </c:ext>
+            </c:extLst>
           </c:dPt>
           <c:dPt>
             <c:idx val="2"/>
@@ -5853,6 +6475,11 @@
                 </a:outerShdw>
               </a:effectLst>
             </c:spPr>
+            <c:extLst>
+              <c:ext xmlns:c16="http://schemas.microsoft.com/office/drawing/2014/chart" uri="{C3380CC4-5D6E-409C-BE32-E72D297353CC}">
+                <c16:uniqueId val="{00000005-9FD1-4406-82D6-EDE21064B3C9}"/>
+              </c:ext>
+            </c:extLst>
           </c:dPt>
           <c:dPt>
             <c:idx val="3"/>
@@ -5872,10 +6499,16 @@
                 </a:outerShdw>
               </a:effectLst>
             </c:spPr>
+            <c:extLst>
+              <c:ext xmlns:c16="http://schemas.microsoft.com/office/drawing/2014/chart" uri="{C3380CC4-5D6E-409C-BE32-E72D297353CC}">
+                <c16:uniqueId val="{00000007-9FD1-4406-82D6-EDE21064B3C9}"/>
+              </c:ext>
+            </c:extLst>
           </c:dPt>
           <c:dLbls>
             <c:dLbl>
               <c:idx val="0"/>
+              <c:layout/>
               <c:tx>
                 <c:rich>
                   <a:bodyPr/>
@@ -5896,7 +6529,12 @@
               <c:showBubbleSize val="0"/>
               <c:separator>; </c:separator>
               <c:extLst>
-                <c:ext xmlns:c15="http://schemas.microsoft.com/office/drawing/2012/chart" uri="{CE6537A1-D6FC-4f65-9D91-7224C49458BB}"/>
+                <c:ext xmlns:c15="http://schemas.microsoft.com/office/drawing/2012/chart" uri="{CE6537A1-D6FC-4f65-9D91-7224C49458BB}">
+                  <c15:layout/>
+                </c:ext>
+                <c:ext xmlns:c16="http://schemas.microsoft.com/office/drawing/2014/chart" uri="{C3380CC4-5D6E-409C-BE32-E72D297353CC}">
+                  <c16:uniqueId val="{00000001-9FD1-4406-82D6-EDE21064B3C9}"/>
+                </c:ext>
               </c:extLst>
             </c:dLbl>
             <c:dLbl>
@@ -5904,6 +6542,9 @@
               <c:delete val="1"/>
               <c:extLst>
                 <c:ext xmlns:c15="http://schemas.microsoft.com/office/drawing/2012/chart" uri="{CE6537A1-D6FC-4f65-9D91-7224C49458BB}"/>
+                <c:ext xmlns:c16="http://schemas.microsoft.com/office/drawing/2014/chart" uri="{C3380CC4-5D6E-409C-BE32-E72D297353CC}">
+                  <c16:uniqueId val="{00000003-9FD1-4406-82D6-EDE21064B3C9}"/>
+                </c:ext>
               </c:extLst>
             </c:dLbl>
             <c:dLbl>
@@ -5911,6 +6552,9 @@
               <c:delete val="1"/>
               <c:extLst>
                 <c:ext xmlns:c15="http://schemas.microsoft.com/office/drawing/2012/chart" uri="{CE6537A1-D6FC-4f65-9D91-7224C49458BB}"/>
+                <c:ext xmlns:c16="http://schemas.microsoft.com/office/drawing/2014/chart" uri="{C3380CC4-5D6E-409C-BE32-E72D297353CC}">
+                  <c16:uniqueId val="{00000005-9FD1-4406-82D6-EDE21064B3C9}"/>
+                </c:ext>
               </c:extLst>
             </c:dLbl>
             <c:dLbl>
@@ -5918,6 +6562,9 @@
               <c:delete val="1"/>
               <c:extLst>
                 <c:ext xmlns:c15="http://schemas.microsoft.com/office/drawing/2012/chart" uri="{CE6537A1-D6FC-4f65-9D91-7224C49458BB}"/>
+                <c:ext xmlns:c16="http://schemas.microsoft.com/office/drawing/2014/chart" uri="{C3380CC4-5D6E-409C-BE32-E72D297353CC}">
+                  <c16:uniqueId val="{00000007-9FD1-4406-82D6-EDE21064B3C9}"/>
+                </c:ext>
               </c:extLst>
             </c:dLbl>
             <c:spPr>
@@ -6005,6 +6652,11 @@
               </c:pt>
             </c:numLit>
           </c:val>
+          <c:extLst>
+            <c:ext xmlns:c16="http://schemas.microsoft.com/office/drawing/2014/chart" uri="{C3380CC4-5D6E-409C-BE32-E72D297353CC}">
+              <c16:uniqueId val="{00000008-9FD1-4406-82D6-EDE21064B3C9}"/>
+            </c:ext>
+          </c:extLst>
         </c:ser>
         <c:dLbls>
           <c:showLegendKey val="0"/>
@@ -6067,7 +6719,7 @@
 </file>
 
 <file path=ppt/charts/chart25.xml><?xml version="1.0" encoding="utf-8"?>
-<c:chartSpace xmlns:c="http://schemas.openxmlformats.org/drawingml/2006/chart" xmlns:a="http://schemas.openxmlformats.org/drawingml/2006/main" xmlns:r="http://schemas.openxmlformats.org/officeDocument/2006/relationships">
+<c:chartSpace xmlns:c="http://schemas.openxmlformats.org/drawingml/2006/chart" xmlns:a="http://schemas.openxmlformats.org/drawingml/2006/main" xmlns:r="http://schemas.openxmlformats.org/officeDocument/2006/relationships" xmlns:c16r2="http://schemas.microsoft.com/office/drawing/2015/06/chart">
   <c:date1904 val="0"/>
   <c:lang val="es-ES"/>
   <c:roundedCorners val="0"/>
@@ -6124,6 +6776,11 @@
                 </a:outerShdw>
               </a:effectLst>
             </c:spPr>
+            <c:extLst>
+              <c:ext xmlns:c16="http://schemas.microsoft.com/office/drawing/2014/chart" uri="{C3380CC4-5D6E-409C-BE32-E72D297353CC}">
+                <c16:uniqueId val="{00000001-3C9C-46FC-B33A-F870896E980B}"/>
+              </c:ext>
+            </c:extLst>
           </c:dPt>
           <c:dPt>
             <c:idx val="1"/>
@@ -6143,6 +6800,11 @@
                 </a:outerShdw>
               </a:effectLst>
             </c:spPr>
+            <c:extLst>
+              <c:ext xmlns:c16="http://schemas.microsoft.com/office/drawing/2014/chart" uri="{C3380CC4-5D6E-409C-BE32-E72D297353CC}">
+                <c16:uniqueId val="{00000003-3C9C-46FC-B33A-F870896E980B}"/>
+              </c:ext>
+            </c:extLst>
           </c:dPt>
           <c:dPt>
             <c:idx val="2"/>
@@ -6162,6 +6824,11 @@
                 </a:outerShdw>
               </a:effectLst>
             </c:spPr>
+            <c:extLst>
+              <c:ext xmlns:c16="http://schemas.microsoft.com/office/drawing/2014/chart" uri="{C3380CC4-5D6E-409C-BE32-E72D297353CC}">
+                <c16:uniqueId val="{00000005-3C9C-46FC-B33A-F870896E980B}"/>
+              </c:ext>
+            </c:extLst>
           </c:dPt>
           <c:dPt>
             <c:idx val="3"/>
@@ -6181,6 +6848,11 @@
                 </a:outerShdw>
               </a:effectLst>
             </c:spPr>
+            <c:extLst>
+              <c:ext xmlns:c16="http://schemas.microsoft.com/office/drawing/2014/chart" uri="{C3380CC4-5D6E-409C-BE32-E72D297353CC}">
+                <c16:uniqueId val="{00000007-3C9C-46FC-B33A-F870896E980B}"/>
+              </c:ext>
+            </c:extLst>
           </c:dPt>
           <c:dLbls>
             <c:dLbl>
@@ -6227,6 +6899,9 @@
                       <c:h val="0.10577958806647696"/>
                     </c:manualLayout>
                   </c15:layout>
+                </c:ext>
+                <c:ext xmlns:c16="http://schemas.microsoft.com/office/drawing/2014/chart" uri="{C3380CC4-5D6E-409C-BE32-E72D297353CC}">
+                  <c16:uniqueId val="{00000001-3C9C-46FC-B33A-F870896E980B}"/>
                 </c:ext>
               </c:extLst>
             </c:dLbl>
@@ -6275,6 +6950,9 @@
                     </c:manualLayout>
                   </c15:layout>
                 </c:ext>
+                <c:ext xmlns:c16="http://schemas.microsoft.com/office/drawing/2014/chart" uri="{C3380CC4-5D6E-409C-BE32-E72D297353CC}">
+                  <c16:uniqueId val="{00000003-3C9C-46FC-B33A-F870896E980B}"/>
+                </c:ext>
               </c:extLst>
             </c:dLbl>
             <c:dLbl>
@@ -6282,10 +6960,14 @@
               <c:delete val="1"/>
               <c:extLst>
                 <c:ext xmlns:c15="http://schemas.microsoft.com/office/drawing/2012/chart" uri="{CE6537A1-D6FC-4f65-9D91-7224C49458BB}"/>
+                <c:ext xmlns:c16="http://schemas.microsoft.com/office/drawing/2014/chart" uri="{C3380CC4-5D6E-409C-BE32-E72D297353CC}">
+                  <c16:uniqueId val="{00000005-3C9C-46FC-B33A-F870896E980B}"/>
+                </c:ext>
               </c:extLst>
             </c:dLbl>
             <c:dLbl>
               <c:idx val="3"/>
+              <c:layout/>
               <c:tx>
                 <c:rich>
                   <a:bodyPr/>
@@ -6313,8 +6995,12 @@
               <c:separator>; </c:separator>
               <c:extLst>
                 <c:ext xmlns:c15="http://schemas.microsoft.com/office/drawing/2012/chart" uri="{CE6537A1-D6FC-4f65-9D91-7224C49458BB}">
+                  <c15:layout/>
                   <c15:dlblFieldTable/>
                   <c15:showDataLabelsRange val="0"/>
+                </c:ext>
+                <c:ext xmlns:c16="http://schemas.microsoft.com/office/drawing/2014/chart" uri="{C3380CC4-5D6E-409C-BE32-E72D297353CC}">
+                  <c16:uniqueId val="{00000007-3C9C-46FC-B33A-F870896E980B}"/>
                 </c:ext>
               </c:extLst>
             </c:dLbl>
@@ -6403,6 +7089,11 @@
               </c:pt>
             </c:numLit>
           </c:val>
+          <c:extLst>
+            <c:ext xmlns:c16="http://schemas.microsoft.com/office/drawing/2014/chart" uri="{C3380CC4-5D6E-409C-BE32-E72D297353CC}">
+              <c16:uniqueId val="{00000008-3C9C-46FC-B33A-F870896E980B}"/>
+            </c:ext>
+          </c:extLst>
         </c:ser>
         <c:dLbls>
           <c:showLegendKey val="0"/>
@@ -6465,7 +7156,7 @@
 </file>
 
 <file path=ppt/charts/chart26.xml><?xml version="1.0" encoding="utf-8"?>
-<c:chartSpace xmlns:c="http://schemas.openxmlformats.org/drawingml/2006/chart" xmlns:a="http://schemas.openxmlformats.org/drawingml/2006/main" xmlns:r="http://schemas.openxmlformats.org/officeDocument/2006/relationships">
+<c:chartSpace xmlns:c="http://schemas.openxmlformats.org/drawingml/2006/chart" xmlns:a="http://schemas.openxmlformats.org/drawingml/2006/main" xmlns:r="http://schemas.openxmlformats.org/officeDocument/2006/relationships" xmlns:c16r2="http://schemas.microsoft.com/office/drawing/2015/06/chart">
   <c:date1904 val="0"/>
   <c:lang val="es-ES"/>
   <c:roundedCorners val="0"/>
@@ -6522,6 +7213,11 @@
                 </a:outerShdw>
               </a:effectLst>
             </c:spPr>
+            <c:extLst>
+              <c:ext xmlns:c16="http://schemas.microsoft.com/office/drawing/2014/chart" uri="{C3380CC4-5D6E-409C-BE32-E72D297353CC}">
+                <c16:uniqueId val="{00000001-54D2-4EBD-A9EB-BD209B8D52BA}"/>
+              </c:ext>
+            </c:extLst>
           </c:dPt>
           <c:dPt>
             <c:idx val="1"/>
@@ -6541,6 +7237,11 @@
                 </a:outerShdw>
               </a:effectLst>
             </c:spPr>
+            <c:extLst>
+              <c:ext xmlns:c16="http://schemas.microsoft.com/office/drawing/2014/chart" uri="{C3380CC4-5D6E-409C-BE32-E72D297353CC}">
+                <c16:uniqueId val="{00000003-54D2-4EBD-A9EB-BD209B8D52BA}"/>
+              </c:ext>
+            </c:extLst>
           </c:dPt>
           <c:dPt>
             <c:idx val="2"/>
@@ -6560,6 +7261,11 @@
                 </a:outerShdw>
               </a:effectLst>
             </c:spPr>
+            <c:extLst>
+              <c:ext xmlns:c16="http://schemas.microsoft.com/office/drawing/2014/chart" uri="{C3380CC4-5D6E-409C-BE32-E72D297353CC}">
+                <c16:uniqueId val="{00000005-54D2-4EBD-A9EB-BD209B8D52BA}"/>
+              </c:ext>
+            </c:extLst>
           </c:dPt>
           <c:dPt>
             <c:idx val="3"/>
@@ -6579,6 +7285,11 @@
                 </a:outerShdw>
               </a:effectLst>
             </c:spPr>
+            <c:extLst>
+              <c:ext xmlns:c16="http://schemas.microsoft.com/office/drawing/2014/chart" uri="{C3380CC4-5D6E-409C-BE32-E72D297353CC}">
+                <c16:uniqueId val="{00000007-54D2-4EBD-A9EB-BD209B8D52BA}"/>
+              </c:ext>
+            </c:extLst>
           </c:dPt>
           <c:dLbls>
             <c:dLbl>
@@ -6626,6 +7337,9 @@
                     </c:manualLayout>
                   </c15:layout>
                 </c:ext>
+                <c:ext xmlns:c16="http://schemas.microsoft.com/office/drawing/2014/chart" uri="{C3380CC4-5D6E-409C-BE32-E72D297353CC}">
+                  <c16:uniqueId val="{00000001-54D2-4EBD-A9EB-BD209B8D52BA}"/>
+                </c:ext>
               </c:extLst>
             </c:dLbl>
             <c:dLbl>
@@ -6633,6 +7347,9 @@
               <c:delete val="1"/>
               <c:extLst>
                 <c:ext xmlns:c15="http://schemas.microsoft.com/office/drawing/2012/chart" uri="{CE6537A1-D6FC-4f65-9D91-7224C49458BB}"/>
+                <c:ext xmlns:c16="http://schemas.microsoft.com/office/drawing/2014/chart" uri="{C3380CC4-5D6E-409C-BE32-E72D297353CC}">
+                  <c16:uniqueId val="{00000003-54D2-4EBD-A9EB-BD209B8D52BA}"/>
+                </c:ext>
               </c:extLst>
             </c:dLbl>
             <c:dLbl>
@@ -6640,994 +7357,8 @@
               <c:delete val="1"/>
               <c:extLst>
                 <c:ext xmlns:c15="http://schemas.microsoft.com/office/drawing/2012/chart" uri="{CE6537A1-D6FC-4f65-9D91-7224C49458BB}"/>
-              </c:extLst>
-            </c:dLbl>
-            <c:dLbl>
-              <c:idx val="3"/>
-              <c:delete val="1"/>
-              <c:extLst>
-                <c:ext xmlns:c15="http://schemas.microsoft.com/office/drawing/2012/chart" uri="{CE6537A1-D6FC-4f65-9D91-7224C49458BB}"/>
-              </c:extLst>
-            </c:dLbl>
-            <c:spPr>
-              <a:noFill/>
-              <a:ln>
-                <a:noFill/>
-              </a:ln>
-              <a:effectLst/>
-            </c:spPr>
-            <c:txPr>
-              <a:bodyPr lIns="0" tIns="0" rIns="0" bIns="0"/>
-              <a:lstStyle/>
-              <a:p>
-                <a:pPr marL="0" marR="0" indent="0" algn="ctr" defTabSz="914400" fontAlgn="auto" hangingPunct="1">
-                  <a:lnSpc>
-                    <a:spcPct val="100000"/>
-                  </a:lnSpc>
-                  <a:spcBef>
-                    <a:spcPts val="0"/>
-                  </a:spcBef>
-                  <a:spcAft>
-                    <a:spcPts val="0"/>
-                  </a:spcAft>
-                  <a:tabLst/>
-                  <a:defRPr lang="es-ES" sz="1200" b="1" i="0" u="none" strike="noStrike" kern="1200" baseline="0">
-                    <a:solidFill>
-                      <a:srgbClr val="FFFFFF"/>
-                    </a:solidFill>
-                    <a:latin typeface="Calibri"/>
-                  </a:defRPr>
-                </a:pPr>
-                <a:endParaRPr lang="es-PE"/>
-              </a:p>
-            </c:txPr>
-            <c:showLegendKey val="0"/>
-            <c:showVal val="1"/>
-            <c:showCatName val="0"/>
-            <c:showSerName val="0"/>
-            <c:showPercent val="0"/>
-            <c:showBubbleSize val="0"/>
-            <c:separator>; </c:separator>
-            <c:showLeaderLines val="1"/>
-            <c:extLst>
-              <c:ext xmlns:c15="http://schemas.microsoft.com/office/drawing/2012/chart" uri="{CE6537A1-D6FC-4f65-9D91-7224C49458BB}">
-                <c15:spPr xmlns:c15="http://schemas.microsoft.com/office/drawing/2012/chart">
-                  <a:prstGeom prst="rect">
-                    <a:avLst/>
-                  </a:prstGeom>
-                </c15:spPr>
-              </c:ext>
-            </c:extLst>
-          </c:dLbls>
-          <c:cat>
-            <c:strLit>
-              <c:ptCount val="4"/>
-              <c:pt idx="0">
-                <c:v>TXT OK</c:v>
-              </c:pt>
-              <c:pt idx="1">
-                <c:v>TXT DIFIC</c:v>
-              </c:pt>
-              <c:pt idx="2">
-                <c:v>TXT MUL</c:v>
-              </c:pt>
-              <c:pt idx="3">
-                <c:v>TXT PEN</c:v>
-              </c:pt>
-            </c:strLit>
-          </c:cat>
-          <c:val>
-            <c:numLit>
-              <c:formatCode>General</c:formatCode>
-              <c:ptCount val="4"/>
-              <c:pt idx="0">
-                <c:v>13</c:v>
-              </c:pt>
-              <c:pt idx="1">
-                <c:v>3</c:v>
-              </c:pt>
-              <c:pt idx="2">
-                <c:v>0</c:v>
-              </c:pt>
-              <c:pt idx="3">
-                <c:v>4</c:v>
-              </c:pt>
-            </c:numLit>
-          </c:val>
-        </c:ser>
-        <c:dLbls>
-          <c:showLegendKey val="0"/>
-          <c:showVal val="0"/>
-          <c:showCatName val="0"/>
-          <c:showSerName val="0"/>
-          <c:showPercent val="0"/>
-          <c:showBubbleSize val="0"/>
-          <c:showLeaderLines val="1"/>
-        </c:dLbls>
-        <c:firstSliceAng val="0"/>
-        <c:holeSize val="50"/>
-      </c:doughnutChart>
-      <c:spPr>
-        <a:noFill/>
-        <a:ln>
-          <a:noFill/>
-        </a:ln>
-      </c:spPr>
-    </c:plotArea>
-    <c:plotVisOnly val="1"/>
-    <c:dispBlanksAs val="gap"/>
-    <c:showDLblsOverMax val="0"/>
-  </c:chart>
-  <c:spPr>
-    <a:noFill/>
-    <a:ln>
-      <a:noFill/>
-    </a:ln>
-  </c:spPr>
-  <c:txPr>
-    <a:bodyPr lIns="0" tIns="0" rIns="0" bIns="0"/>
-    <a:lstStyle/>
-    <a:p>
-      <a:pPr marL="0" marR="0" indent="0" defTabSz="914400" fontAlgn="auto" hangingPunct="1">
-        <a:lnSpc>
-          <a:spcPct val="100000"/>
-        </a:lnSpc>
-        <a:spcBef>
-          <a:spcPts val="0"/>
-        </a:spcBef>
-        <a:spcAft>
-          <a:spcPts val="0"/>
-        </a:spcAft>
-        <a:tabLst/>
-        <a:defRPr lang="es-ES" sz="900" b="0" i="0" u="none" strike="noStrike" kern="1200" baseline="0">
-          <a:solidFill>
-            <a:srgbClr val="000000"/>
-          </a:solidFill>
-          <a:latin typeface="Calibri"/>
-        </a:defRPr>
-      </a:pPr>
-      <a:endParaRPr lang="es-PE"/>
-    </a:p>
-  </c:txPr>
-  <c:externalData r:id="rId1">
-    <c:autoUpdate val="0"/>
-  </c:externalData>
-</c:chartSpace>
-</file>
-
-<file path=ppt/charts/chart27.xml><?xml version="1.0" encoding="utf-8"?>
-<c:chartSpace xmlns:c="http://schemas.openxmlformats.org/drawingml/2006/chart" xmlns:a="http://schemas.openxmlformats.org/drawingml/2006/main" xmlns:r="http://schemas.openxmlformats.org/officeDocument/2006/relationships">
-  <c:date1904 val="0"/>
-  <c:lang val="es-ES"/>
-  <c:roundedCorners val="0"/>
-  <mc:AlternateContent xmlns:mc="http://schemas.openxmlformats.org/markup-compatibility/2006">
-    <mc:Choice xmlns:c14="http://schemas.microsoft.com/office/drawing/2007/8/2/chart" Requires="c14">
-      <c14:style val="102"/>
-    </mc:Choice>
-    <mc:Fallback>
-      <c:style val="2"/>
-    </mc:Fallback>
-  </mc:AlternateContent>
-  <c:chart>
-    <c:autoTitleDeleted val="1"/>
-    <c:plotArea>
-      <c:layout/>
-      <c:doughnutChart>
-        <c:varyColors val="1"/>
-        <c:ser>
-          <c:idx val="0"/>
-          <c:order val="0"/>
-          <c:tx>
-            <c:v>Series1</c:v>
-          </c:tx>
-          <c:spPr>
-            <a:solidFill>
-              <a:srgbClr val="FFC000"/>
-            </a:solidFill>
-          </c:spPr>
-          <c:dPt>
-            <c:idx val="0"/>
-            <c:bubble3D val="0"/>
-            <c:spPr>
-              <a:solidFill>
-                <a:srgbClr val="92D050"/>
-              </a:solidFill>
-              <a:ln>
-                <a:noFill/>
-              </a:ln>
-              <a:effectLst>
-                <a:outerShdw dist="38096" dir="2700000" algn="tl">
-                  <a:srgbClr val="000000">
-                    <a:alpha val="40000"/>
-                  </a:srgbClr>
-                </a:outerShdw>
-              </a:effectLst>
-            </c:spPr>
-          </c:dPt>
-          <c:dPt>
-            <c:idx val="1"/>
-            <c:bubble3D val="0"/>
-            <c:spPr>
-              <a:solidFill>
-                <a:srgbClr val="92D050"/>
-              </a:solidFill>
-              <a:ln>
-                <a:noFill/>
-              </a:ln>
-              <a:effectLst>
-                <a:outerShdw dist="38096" dir="2700000" algn="tl">
-                  <a:srgbClr val="000000">
-                    <a:alpha val="40000"/>
-                  </a:srgbClr>
-                </a:outerShdw>
-              </a:effectLst>
-            </c:spPr>
-          </c:dPt>
-          <c:dPt>
-            <c:idx val="2"/>
-            <c:bubble3D val="0"/>
-            <c:spPr>
-              <a:solidFill>
-                <a:srgbClr val="FFC000"/>
-              </a:solidFill>
-              <a:ln>
-                <a:noFill/>
-              </a:ln>
-              <a:effectLst>
-                <a:outerShdw dist="38096" dir="2700000" algn="tl">
-                  <a:srgbClr val="000000">
-                    <a:alpha val="40000"/>
-                  </a:srgbClr>
-                </a:outerShdw>
-              </a:effectLst>
-            </c:spPr>
-          </c:dPt>
-          <c:dPt>
-            <c:idx val="3"/>
-            <c:bubble3D val="0"/>
-            <c:spPr>
-              <a:solidFill>
-                <a:srgbClr val="FFC000"/>
-              </a:solidFill>
-              <a:ln>
-                <a:noFill/>
-              </a:ln>
-              <a:effectLst>
-                <a:outerShdw dist="38096" dir="2700000" algn="tl">
-                  <a:srgbClr val="000000">
-                    <a:alpha val="40000"/>
-                  </a:srgbClr>
-                </a:outerShdw>
-              </a:effectLst>
-            </c:spPr>
-          </c:dPt>
-          <c:dLbls>
-            <c:dLbl>
-              <c:idx val="0"/>
-              <c:tx>
-                <c:rich>
-                  <a:bodyPr/>
-                  <a:lstStyle/>
-                  <a:p>
-                    <a:r>
-                      <a:rPr lang="en-US" baseline="0" smtClean="0">
-                        <a:solidFill>
-                          <a:schemeClr val="bg2">
-                            <a:lumMod val="50000"/>
-                          </a:schemeClr>
-                        </a:solidFill>
-                      </a:rPr>
-                      <a:t>12</a:t>
-                    </a:r>
-                    <a:endParaRPr lang="en-US" baseline="0" dirty="0">
-                      <a:solidFill>
-                        <a:schemeClr val="bg2">
-                          <a:lumMod val="50000"/>
-                        </a:schemeClr>
-                      </a:solidFill>
-                    </a:endParaRPr>
-                  </a:p>
-                </c:rich>
-              </c:tx>
-              <c:showLegendKey val="0"/>
-              <c:showVal val="1"/>
-              <c:showCatName val="0"/>
-              <c:showSerName val="0"/>
-              <c:showPercent val="0"/>
-              <c:showBubbleSize val="0"/>
-              <c:separator>; </c:separator>
-              <c:extLst>
-                <c:ext xmlns:c15="http://schemas.microsoft.com/office/drawing/2012/chart" uri="{CE6537A1-D6FC-4f65-9D91-7224C49458BB}"/>
-              </c:extLst>
-            </c:dLbl>
-            <c:dLbl>
-              <c:idx val="1"/>
-              <c:delete val="1"/>
-              <c:extLst>
-                <c:ext xmlns:c15="http://schemas.microsoft.com/office/drawing/2012/chart" uri="{CE6537A1-D6FC-4f65-9D91-7224C49458BB}"/>
-              </c:extLst>
-            </c:dLbl>
-            <c:dLbl>
-              <c:idx val="2"/>
-              <c:delete val="1"/>
-              <c:extLst>
-                <c:ext xmlns:c15="http://schemas.microsoft.com/office/drawing/2012/chart" uri="{CE6537A1-D6FC-4f65-9D91-7224C49458BB}"/>
-              </c:extLst>
-            </c:dLbl>
-            <c:dLbl>
-              <c:idx val="3"/>
-              <c:delete val="1"/>
-              <c:extLst>
-                <c:ext xmlns:c15="http://schemas.microsoft.com/office/drawing/2012/chart" uri="{CE6537A1-D6FC-4f65-9D91-7224C49458BB}"/>
-              </c:extLst>
-            </c:dLbl>
-            <c:spPr>
-              <a:noFill/>
-              <a:ln>
-                <a:noFill/>
-              </a:ln>
-              <a:effectLst/>
-            </c:spPr>
-            <c:txPr>
-              <a:bodyPr lIns="0" tIns="0" rIns="0" bIns="0"/>
-              <a:lstStyle/>
-              <a:p>
-                <a:pPr marL="0" marR="0" indent="0" algn="ctr" defTabSz="914400" fontAlgn="auto" hangingPunct="1">
-                  <a:lnSpc>
-                    <a:spcPct val="100000"/>
-                  </a:lnSpc>
-                  <a:spcBef>
-                    <a:spcPts val="0"/>
-                  </a:spcBef>
-                  <a:spcAft>
-                    <a:spcPts val="0"/>
-                  </a:spcAft>
-                  <a:tabLst/>
-                  <a:defRPr lang="es-ES" sz="1200" b="1" i="0" u="none" strike="noStrike" kern="1200" baseline="0">
-                    <a:solidFill>
-                      <a:srgbClr val="FFFFFF"/>
-                    </a:solidFill>
-                    <a:latin typeface="Calibri"/>
-                  </a:defRPr>
-                </a:pPr>
-                <a:endParaRPr lang="es-PE"/>
-              </a:p>
-            </c:txPr>
-            <c:showLegendKey val="0"/>
-            <c:showVal val="1"/>
-            <c:showCatName val="0"/>
-            <c:showSerName val="0"/>
-            <c:showPercent val="0"/>
-            <c:showBubbleSize val="0"/>
-            <c:separator>; </c:separator>
-            <c:showLeaderLines val="1"/>
-            <c:extLst>
-              <c:ext xmlns:c15="http://schemas.microsoft.com/office/drawing/2012/chart" uri="{CE6537A1-D6FC-4f65-9D91-7224C49458BB}">
-                <c15:spPr xmlns:c15="http://schemas.microsoft.com/office/drawing/2012/chart">
-                  <a:prstGeom prst="rect">
-                    <a:avLst/>
-                  </a:prstGeom>
-                </c15:spPr>
-              </c:ext>
-            </c:extLst>
-          </c:dLbls>
-          <c:cat>
-            <c:strLit>
-              <c:ptCount val="4"/>
-              <c:pt idx="0">
-                <c:v>TXT OK</c:v>
-              </c:pt>
-              <c:pt idx="1">
-                <c:v>TXT DIFIC</c:v>
-              </c:pt>
-              <c:pt idx="2">
-                <c:v>TXT MUL</c:v>
-              </c:pt>
-              <c:pt idx="3">
-                <c:v>TXT PEN</c:v>
-              </c:pt>
-            </c:strLit>
-          </c:cat>
-          <c:val>
-            <c:numLit>
-              <c:formatCode>General</c:formatCode>
-              <c:ptCount val="4"/>
-              <c:pt idx="0">
-                <c:v>13</c:v>
-              </c:pt>
-              <c:pt idx="1">
-                <c:v>4</c:v>
-              </c:pt>
-              <c:pt idx="2">
-                <c:v>0</c:v>
-              </c:pt>
-              <c:pt idx="3">
-                <c:v>0</c:v>
-              </c:pt>
-            </c:numLit>
-          </c:val>
-        </c:ser>
-        <c:dLbls>
-          <c:showLegendKey val="0"/>
-          <c:showVal val="0"/>
-          <c:showCatName val="0"/>
-          <c:showSerName val="0"/>
-          <c:showPercent val="0"/>
-          <c:showBubbleSize val="0"/>
-          <c:showLeaderLines val="1"/>
-        </c:dLbls>
-        <c:firstSliceAng val="0"/>
-        <c:holeSize val="50"/>
-      </c:doughnutChart>
-      <c:spPr>
-        <a:noFill/>
-        <a:ln>
-          <a:noFill/>
-        </a:ln>
-      </c:spPr>
-    </c:plotArea>
-    <c:plotVisOnly val="1"/>
-    <c:dispBlanksAs val="gap"/>
-    <c:showDLblsOverMax val="0"/>
-  </c:chart>
-  <c:spPr>
-    <a:noFill/>
-    <a:ln>
-      <a:noFill/>
-    </a:ln>
-  </c:spPr>
-  <c:txPr>
-    <a:bodyPr lIns="0" tIns="0" rIns="0" bIns="0"/>
-    <a:lstStyle/>
-    <a:p>
-      <a:pPr marL="0" marR="0" indent="0" defTabSz="914400" fontAlgn="auto" hangingPunct="1">
-        <a:lnSpc>
-          <a:spcPct val="100000"/>
-        </a:lnSpc>
-        <a:spcBef>
-          <a:spcPts val="0"/>
-        </a:spcBef>
-        <a:spcAft>
-          <a:spcPts val="0"/>
-        </a:spcAft>
-        <a:tabLst/>
-        <a:defRPr lang="es-ES" sz="900" b="0" i="0" u="none" strike="noStrike" kern="1200" baseline="0">
-          <a:solidFill>
-            <a:srgbClr val="000000"/>
-          </a:solidFill>
-          <a:latin typeface="Calibri"/>
-        </a:defRPr>
-      </a:pPr>
-      <a:endParaRPr lang="es-PE"/>
-    </a:p>
-  </c:txPr>
-  <c:externalData r:id="rId1">
-    <c:autoUpdate val="0"/>
-  </c:externalData>
-</c:chartSpace>
-</file>
-
-<file path=ppt/charts/chart28.xml><?xml version="1.0" encoding="utf-8"?>
-<c:chartSpace xmlns:c="http://schemas.openxmlformats.org/drawingml/2006/chart" xmlns:a="http://schemas.openxmlformats.org/drawingml/2006/main" xmlns:r="http://schemas.openxmlformats.org/officeDocument/2006/relationships">
-  <c:date1904 val="0"/>
-  <c:lang val="es-ES"/>
-  <c:roundedCorners val="0"/>
-  <mc:AlternateContent xmlns:mc="http://schemas.openxmlformats.org/markup-compatibility/2006">
-    <mc:Choice xmlns:c14="http://schemas.microsoft.com/office/drawing/2007/8/2/chart" Requires="c14">
-      <c14:style val="102"/>
-    </mc:Choice>
-    <mc:Fallback>
-      <c:style val="2"/>
-    </mc:Fallback>
-  </mc:AlternateContent>
-  <c:chart>
-    <c:autoTitleDeleted val="1"/>
-    <c:plotArea>
-      <c:layout/>
-      <c:doughnutChart>
-        <c:varyColors val="1"/>
-        <c:ser>
-          <c:idx val="0"/>
-          <c:order val="0"/>
-          <c:tx>
-            <c:v>Series1</c:v>
-          </c:tx>
-          <c:spPr>
-            <a:solidFill>
-              <a:srgbClr val="FFC000"/>
-            </a:solidFill>
-          </c:spPr>
-          <c:dPt>
-            <c:idx val="0"/>
-            <c:bubble3D val="0"/>
-            <c:spPr>
-              <a:solidFill>
-                <a:srgbClr val="92D050"/>
-              </a:solidFill>
-              <a:ln>
-                <a:noFill/>
-              </a:ln>
-              <a:effectLst>
-                <a:outerShdw dist="38096" dir="2700000" algn="tl">
-                  <a:srgbClr val="000000">
-                    <a:alpha val="40000"/>
-                  </a:srgbClr>
-                </a:outerShdw>
-              </a:effectLst>
-            </c:spPr>
-          </c:dPt>
-          <c:dPt>
-            <c:idx val="1"/>
-            <c:bubble3D val="0"/>
-            <c:spPr>
-              <a:solidFill>
-                <a:srgbClr val="92D050"/>
-              </a:solidFill>
-              <a:ln>
-                <a:noFill/>
-              </a:ln>
-              <a:effectLst>
-                <a:outerShdw dist="38096" dir="2700000" algn="tl">
-                  <a:srgbClr val="000000">
-                    <a:alpha val="40000"/>
-                  </a:srgbClr>
-                </a:outerShdw>
-              </a:effectLst>
-            </c:spPr>
-          </c:dPt>
-          <c:dPt>
-            <c:idx val="2"/>
-            <c:bubble3D val="0"/>
-            <c:spPr>
-              <a:solidFill>
-                <a:srgbClr val="FFC000"/>
-              </a:solidFill>
-              <a:ln>
-                <a:noFill/>
-              </a:ln>
-              <a:effectLst>
-                <a:outerShdw dist="38096" dir="2700000" algn="tl">
-                  <a:srgbClr val="000000">
-                    <a:alpha val="40000"/>
-                  </a:srgbClr>
-                </a:outerShdw>
-              </a:effectLst>
-            </c:spPr>
-          </c:dPt>
-          <c:dPt>
-            <c:idx val="3"/>
-            <c:bubble3D val="0"/>
-            <c:spPr>
-              <a:solidFill>
-                <a:srgbClr val="FFC000"/>
-              </a:solidFill>
-              <a:ln>
-                <a:noFill/>
-              </a:ln>
-              <a:effectLst>
-                <a:outerShdw dist="38096" dir="2700000" algn="tl">
-                  <a:srgbClr val="000000">
-                    <a:alpha val="40000"/>
-                  </a:srgbClr>
-                </a:outerShdw>
-              </a:effectLst>
-            </c:spPr>
-          </c:dPt>
-          <c:dLbls>
-            <c:dLbl>
-              <c:idx val="0"/>
-              <c:tx>
-                <c:rich>
-                  <a:bodyPr/>
-                  <a:lstStyle/>
-                  <a:p>
-                    <a:r>
-                      <a:rPr lang="en-US" baseline="0" smtClean="0">
-                        <a:solidFill>
-                          <a:schemeClr val="bg2">
-                            <a:lumMod val="50000"/>
-                          </a:schemeClr>
-                        </a:solidFill>
-                      </a:rPr>
-                      <a:t>12</a:t>
-                    </a:r>
-                    <a:endParaRPr lang="en-US" baseline="0" dirty="0">
-                      <a:solidFill>
-                        <a:schemeClr val="bg2">
-                          <a:lumMod val="50000"/>
-                        </a:schemeClr>
-                      </a:solidFill>
-                    </a:endParaRPr>
-                  </a:p>
-                </c:rich>
-              </c:tx>
-              <c:showLegendKey val="0"/>
-              <c:showVal val="1"/>
-              <c:showCatName val="0"/>
-              <c:showSerName val="0"/>
-              <c:showPercent val="0"/>
-              <c:showBubbleSize val="0"/>
-              <c:separator>; </c:separator>
-              <c:extLst>
-                <c:ext xmlns:c15="http://schemas.microsoft.com/office/drawing/2012/chart" uri="{CE6537A1-D6FC-4f65-9D91-7224C49458BB}"/>
-              </c:extLst>
-            </c:dLbl>
-            <c:dLbl>
-              <c:idx val="1"/>
-              <c:delete val="1"/>
-              <c:extLst>
-                <c:ext xmlns:c15="http://schemas.microsoft.com/office/drawing/2012/chart" uri="{CE6537A1-D6FC-4f65-9D91-7224C49458BB}"/>
-              </c:extLst>
-            </c:dLbl>
-            <c:dLbl>
-              <c:idx val="2"/>
-              <c:delete val="1"/>
-              <c:extLst>
-                <c:ext xmlns:c15="http://schemas.microsoft.com/office/drawing/2012/chart" uri="{CE6537A1-D6FC-4f65-9D91-7224C49458BB}"/>
-              </c:extLst>
-            </c:dLbl>
-            <c:dLbl>
-              <c:idx val="3"/>
-              <c:delete val="1"/>
-              <c:extLst>
-                <c:ext xmlns:c15="http://schemas.microsoft.com/office/drawing/2012/chart" uri="{CE6537A1-D6FC-4f65-9D91-7224C49458BB}"/>
-              </c:extLst>
-            </c:dLbl>
-            <c:spPr>
-              <a:noFill/>
-              <a:ln>
-                <a:noFill/>
-              </a:ln>
-              <a:effectLst/>
-            </c:spPr>
-            <c:txPr>
-              <a:bodyPr lIns="0" tIns="0" rIns="0" bIns="0"/>
-              <a:lstStyle/>
-              <a:p>
-                <a:pPr marL="0" marR="0" indent="0" algn="ctr" defTabSz="914400" fontAlgn="auto" hangingPunct="1">
-                  <a:lnSpc>
-                    <a:spcPct val="100000"/>
-                  </a:lnSpc>
-                  <a:spcBef>
-                    <a:spcPts val="0"/>
-                  </a:spcBef>
-                  <a:spcAft>
-                    <a:spcPts val="0"/>
-                  </a:spcAft>
-                  <a:tabLst/>
-                  <a:defRPr lang="es-ES" sz="1200" b="1" i="0" u="none" strike="noStrike" kern="1200" baseline="0">
-                    <a:solidFill>
-                      <a:srgbClr val="FFFFFF"/>
-                    </a:solidFill>
-                    <a:latin typeface="Calibri"/>
-                  </a:defRPr>
-                </a:pPr>
-                <a:endParaRPr lang="es-PE"/>
-              </a:p>
-            </c:txPr>
-            <c:showLegendKey val="0"/>
-            <c:showVal val="1"/>
-            <c:showCatName val="0"/>
-            <c:showSerName val="0"/>
-            <c:showPercent val="0"/>
-            <c:showBubbleSize val="0"/>
-            <c:separator>; </c:separator>
-            <c:showLeaderLines val="1"/>
-            <c:extLst>
-              <c:ext xmlns:c15="http://schemas.microsoft.com/office/drawing/2012/chart" uri="{CE6537A1-D6FC-4f65-9D91-7224C49458BB}">
-                <c15:spPr xmlns:c15="http://schemas.microsoft.com/office/drawing/2012/chart">
-                  <a:prstGeom prst="rect">
-                    <a:avLst/>
-                  </a:prstGeom>
-                </c15:spPr>
-              </c:ext>
-            </c:extLst>
-          </c:dLbls>
-          <c:cat>
-            <c:strLit>
-              <c:ptCount val="4"/>
-              <c:pt idx="0">
-                <c:v>TXT OK</c:v>
-              </c:pt>
-              <c:pt idx="1">
-                <c:v>TXT DIFIC</c:v>
-              </c:pt>
-              <c:pt idx="2">
-                <c:v>TXT MUL</c:v>
-              </c:pt>
-              <c:pt idx="3">
-                <c:v>TXT PEN</c:v>
-              </c:pt>
-            </c:strLit>
-          </c:cat>
-          <c:val>
-            <c:numLit>
-              <c:formatCode>General</c:formatCode>
-              <c:ptCount val="4"/>
-              <c:pt idx="0">
-                <c:v>13</c:v>
-              </c:pt>
-              <c:pt idx="1">
-                <c:v>4</c:v>
-              </c:pt>
-              <c:pt idx="2">
-                <c:v>0</c:v>
-              </c:pt>
-              <c:pt idx="3">
-                <c:v>0</c:v>
-              </c:pt>
-            </c:numLit>
-          </c:val>
-        </c:ser>
-        <c:dLbls>
-          <c:showLegendKey val="0"/>
-          <c:showVal val="0"/>
-          <c:showCatName val="0"/>
-          <c:showSerName val="0"/>
-          <c:showPercent val="0"/>
-          <c:showBubbleSize val="0"/>
-          <c:showLeaderLines val="1"/>
-        </c:dLbls>
-        <c:firstSliceAng val="0"/>
-        <c:holeSize val="50"/>
-      </c:doughnutChart>
-      <c:spPr>
-        <a:noFill/>
-        <a:ln>
-          <a:noFill/>
-        </a:ln>
-      </c:spPr>
-    </c:plotArea>
-    <c:plotVisOnly val="1"/>
-    <c:dispBlanksAs val="gap"/>
-    <c:showDLblsOverMax val="0"/>
-  </c:chart>
-  <c:spPr>
-    <a:noFill/>
-    <a:ln>
-      <a:noFill/>
-    </a:ln>
-  </c:spPr>
-  <c:txPr>
-    <a:bodyPr lIns="0" tIns="0" rIns="0" bIns="0"/>
-    <a:lstStyle/>
-    <a:p>
-      <a:pPr marL="0" marR="0" indent="0" defTabSz="914400" fontAlgn="auto" hangingPunct="1">
-        <a:lnSpc>
-          <a:spcPct val="100000"/>
-        </a:lnSpc>
-        <a:spcBef>
-          <a:spcPts val="0"/>
-        </a:spcBef>
-        <a:spcAft>
-          <a:spcPts val="0"/>
-        </a:spcAft>
-        <a:tabLst/>
-        <a:defRPr lang="es-ES" sz="900" b="0" i="0" u="none" strike="noStrike" kern="1200" baseline="0">
-          <a:solidFill>
-            <a:srgbClr val="000000"/>
-          </a:solidFill>
-          <a:latin typeface="Calibri"/>
-        </a:defRPr>
-      </a:pPr>
-      <a:endParaRPr lang="es-PE"/>
-    </a:p>
-  </c:txPr>
-  <c:externalData r:id="rId1">
-    <c:autoUpdate val="0"/>
-  </c:externalData>
-</c:chartSpace>
-</file>
-
-<file path=ppt/charts/chart29.xml><?xml version="1.0" encoding="utf-8"?>
-<c:chartSpace xmlns:c="http://schemas.openxmlformats.org/drawingml/2006/chart" xmlns:a="http://schemas.openxmlformats.org/drawingml/2006/main" xmlns:r="http://schemas.openxmlformats.org/officeDocument/2006/relationships">
-  <c:date1904 val="0"/>
-  <c:lang val="es-ES"/>
-  <c:roundedCorners val="0"/>
-  <mc:AlternateContent xmlns:mc="http://schemas.openxmlformats.org/markup-compatibility/2006">
-    <mc:Choice xmlns:c14="http://schemas.microsoft.com/office/drawing/2007/8/2/chart" Requires="c14">
-      <c14:style val="102"/>
-    </mc:Choice>
-    <mc:Fallback>
-      <c:style val="2"/>
-    </mc:Fallback>
-  </mc:AlternateContent>
-  <c:chart>
-    <c:autoTitleDeleted val="1"/>
-    <c:plotArea>
-      <c:layout/>
-      <c:doughnutChart>
-        <c:varyColors val="1"/>
-        <c:ser>
-          <c:idx val="0"/>
-          <c:order val="0"/>
-          <c:tx>
-            <c:v>Series1</c:v>
-          </c:tx>
-          <c:dPt>
-            <c:idx val="0"/>
-            <c:bubble3D val="0"/>
-            <c:spPr>
-              <a:solidFill>
-                <a:srgbClr val="92D050"/>
-              </a:solidFill>
-              <a:ln>
-                <a:noFill/>
-              </a:ln>
-              <a:effectLst>
-                <a:outerShdw dist="38103" dir="5400000" algn="tl">
-                  <a:srgbClr val="000000">
-                    <a:alpha val="40000"/>
-                  </a:srgbClr>
-                </a:outerShdw>
-              </a:effectLst>
-            </c:spPr>
-          </c:dPt>
-          <c:dPt>
-            <c:idx val="1"/>
-            <c:bubble3D val="0"/>
-            <c:spPr>
-              <a:solidFill>
-                <a:srgbClr val="FFC000"/>
-              </a:solidFill>
-              <a:ln>
-                <a:noFill/>
-              </a:ln>
-              <a:effectLst>
-                <a:outerShdw dist="38103" dir="5400000" algn="tl">
-                  <a:srgbClr val="000000">
-                    <a:alpha val="40000"/>
-                  </a:srgbClr>
-                </a:outerShdw>
-              </a:effectLst>
-            </c:spPr>
-          </c:dPt>
-          <c:dPt>
-            <c:idx val="2"/>
-            <c:bubble3D val="0"/>
-            <c:spPr>
-              <a:solidFill>
-                <a:srgbClr val="FF0000"/>
-              </a:solidFill>
-              <a:ln>
-                <a:noFill/>
-              </a:ln>
-              <a:effectLst>
-                <a:outerShdw dist="38103" dir="5400000" algn="tl">
-                  <a:srgbClr val="000000">
-                    <a:alpha val="40000"/>
-                  </a:srgbClr>
-                </a:outerShdw>
-              </a:effectLst>
-            </c:spPr>
-          </c:dPt>
-          <c:dPt>
-            <c:idx val="3"/>
-            <c:bubble3D val="0"/>
-            <c:spPr>
-              <a:solidFill>
-                <a:srgbClr val="FF0000"/>
-              </a:solidFill>
-              <a:ln>
-                <a:noFill/>
-              </a:ln>
-              <a:effectLst>
-                <a:outerShdw dist="38103" dir="5400000" algn="tl">
-                  <a:srgbClr val="000000">
-                    <a:alpha val="40000"/>
-                  </a:srgbClr>
-                </a:outerShdw>
-              </a:effectLst>
-            </c:spPr>
-          </c:dPt>
-          <c:dLbls>
-            <c:dLbl>
-              <c:idx val="0"/>
-              <c:tx>
-                <c:rich>
-                  <a:bodyPr/>
-                  <a:lstStyle/>
-                  <a:p>
-                    <a:r>
-                      <a:rPr lang="en-US" baseline="0" smtClean="0">
-                        <a:solidFill>
-                          <a:srgbClr val="000000"/>
-                        </a:solidFill>
-                      </a:rPr>
-                      <a:t>11</a:t>
-                    </a:r>
-                    <a:endParaRPr lang="en-US" baseline="0" dirty="0">
-                      <a:solidFill>
-                        <a:srgbClr val="000000"/>
-                      </a:solidFill>
-                    </a:endParaRPr>
-                  </a:p>
-                </c:rich>
-              </c:tx>
-              <c:showLegendKey val="0"/>
-              <c:showVal val="1"/>
-              <c:showCatName val="0"/>
-              <c:showSerName val="0"/>
-              <c:showPercent val="0"/>
-              <c:showBubbleSize val="0"/>
-              <c:separator>; </c:separator>
-              <c:extLst>
-                <c:ext xmlns:c15="http://schemas.microsoft.com/office/drawing/2012/chart" uri="{CE6537A1-D6FC-4f65-9D91-7224C49458BB}"/>
-              </c:extLst>
-            </c:dLbl>
-            <c:dLbl>
-              <c:idx val="1"/>
-              <c:tx>
-                <c:rich>
-                  <a:bodyPr/>
-                  <a:lstStyle/>
-                  <a:p>
-                    <a:r>
-                      <a:rPr lang="en-US" baseline="0" dirty="0" smtClean="0">
-                        <a:solidFill>
-                          <a:srgbClr val="000000"/>
-                        </a:solidFill>
-                      </a:rPr>
-                      <a:t>2</a:t>
-                    </a:r>
-                  </a:p>
-                </c:rich>
-              </c:tx>
-              <c:showLegendKey val="0"/>
-              <c:showVal val="1"/>
-              <c:showCatName val="0"/>
-              <c:showSerName val="0"/>
-              <c:showPercent val="0"/>
-              <c:showBubbleSize val="0"/>
-              <c:separator>; </c:separator>
-              <c:extLst>
-                <c:ext xmlns:c15="http://schemas.microsoft.com/office/drawing/2012/chart" uri="{CE6537A1-D6FC-4f65-9D91-7224C49458BB}"/>
-              </c:extLst>
-            </c:dLbl>
-            <c:dLbl>
-              <c:idx val="2"/>
-              <c:layout>
-                <c:manualLayout>
-                  <c:x val="0.1381123147273827"/>
-                  <c:y val="-0.13861814085786073"/>
-                </c:manualLayout>
-              </c:layout>
-              <c:tx>
-                <c:rich>
-                  <a:bodyPr/>
-                  <a:lstStyle/>
-                  <a:p>
-                    <a:r>
-                      <a:rPr lang="en-US" baseline="0" dirty="0" smtClean="0">
-                        <a:solidFill>
-                          <a:srgbClr val="000000"/>
-                        </a:solidFill>
-                      </a:rPr>
-                      <a:t>1</a:t>
-                    </a:r>
-                    <a:endParaRPr lang="en-US" baseline="0" dirty="0">
-                      <a:solidFill>
-                        <a:srgbClr val="000000"/>
-                      </a:solidFill>
-                    </a:endParaRPr>
-                  </a:p>
-                </c:rich>
-              </c:tx>
-              <c:showLegendKey val="0"/>
-              <c:showVal val="1"/>
-              <c:showCatName val="0"/>
-              <c:showSerName val="0"/>
-              <c:showPercent val="0"/>
-              <c:showBubbleSize val="0"/>
-              <c:separator>; </c:separator>
-              <c:extLst>
-                <c:ext xmlns:c15="http://schemas.microsoft.com/office/drawing/2012/chart" uri="{CE6537A1-D6FC-4f65-9D91-7224C49458BB}">
-                  <c15:layout>
-                    <c:manualLayout>
-                      <c:w val="0.10159676615067956"/>
-                      <c:h val="0.11539960226416905"/>
-                    </c:manualLayout>
-                  </c15:layout>
+                <c:ext xmlns:c16="http://schemas.microsoft.com/office/drawing/2014/chart" uri="{C3380CC4-5D6E-409C-BE32-E72D297353CC}">
+                  <c16:uniqueId val="{00000005-54D2-4EBD-A9EB-BD209B8D52BA}"/>
                 </c:ext>
               </c:extLst>
             </c:dLbl>
@@ -7636,1318 +7367,8 @@
               <c:delete val="1"/>
               <c:extLst>
                 <c:ext xmlns:c15="http://schemas.microsoft.com/office/drawing/2012/chart" uri="{CE6537A1-D6FC-4f65-9D91-7224C49458BB}"/>
-              </c:extLst>
-            </c:dLbl>
-            <c:spPr>
-              <a:noFill/>
-              <a:ln>
-                <a:noFill/>
-              </a:ln>
-              <a:effectLst/>
-            </c:spPr>
-            <c:txPr>
-              <a:bodyPr lIns="0" tIns="0" rIns="0" bIns="0"/>
-              <a:lstStyle/>
-              <a:p>
-                <a:pPr marL="0" marR="0" indent="0" algn="ctr" defTabSz="914400" fontAlgn="auto" hangingPunct="1">
-                  <a:lnSpc>
-                    <a:spcPct val="100000"/>
-                  </a:lnSpc>
-                  <a:spcBef>
-                    <a:spcPts val="0"/>
-                  </a:spcBef>
-                  <a:spcAft>
-                    <a:spcPts val="0"/>
-                  </a:spcAft>
-                  <a:tabLst/>
-                  <a:defRPr lang="es-ES" sz="1200" b="1" i="0" u="none" strike="noStrike" kern="1200" baseline="0">
-                    <a:solidFill>
-                      <a:srgbClr val="FFFFFF"/>
-                    </a:solidFill>
-                    <a:latin typeface="Calibri"/>
-                  </a:defRPr>
-                </a:pPr>
-                <a:endParaRPr lang="es-PE"/>
-              </a:p>
-            </c:txPr>
-            <c:showLegendKey val="0"/>
-            <c:showVal val="1"/>
-            <c:showCatName val="0"/>
-            <c:showSerName val="0"/>
-            <c:showPercent val="0"/>
-            <c:showBubbleSize val="0"/>
-            <c:separator>; </c:separator>
-            <c:showLeaderLines val="1"/>
-            <c:extLst>
-              <c:ext xmlns:c15="http://schemas.microsoft.com/office/drawing/2012/chart" uri="{CE6537A1-D6FC-4f65-9D91-7224C49458BB}">
-                <c15:spPr xmlns:c15="http://schemas.microsoft.com/office/drawing/2012/chart">
-                  <a:prstGeom prst="rect">
-                    <a:avLst/>
-                  </a:prstGeom>
-                </c15:spPr>
-              </c:ext>
-            </c:extLst>
-          </c:dLbls>
-          <c:cat>
-            <c:strLit>
-              <c:ptCount val="4"/>
-              <c:pt idx="0">
-                <c:v>TXT OK</c:v>
-              </c:pt>
-              <c:pt idx="1">
-                <c:v>TXT DIFIC</c:v>
-              </c:pt>
-              <c:pt idx="2">
-                <c:v>TXT MUL</c:v>
-              </c:pt>
-              <c:pt idx="3">
-                <c:v>TXT PEN</c:v>
-              </c:pt>
-            </c:strLit>
-          </c:cat>
-          <c:val>
-            <c:numLit>
-              <c:formatCode>General</c:formatCode>
-              <c:ptCount val="4"/>
-              <c:pt idx="0">
-                <c:v>13</c:v>
-              </c:pt>
-              <c:pt idx="1">
-                <c:v>3</c:v>
-              </c:pt>
-              <c:pt idx="2">
-                <c:v>0</c:v>
-              </c:pt>
-              <c:pt idx="3">
-                <c:v>4</c:v>
-              </c:pt>
-            </c:numLit>
-          </c:val>
-        </c:ser>
-        <c:dLbls>
-          <c:showLegendKey val="0"/>
-          <c:showVal val="0"/>
-          <c:showCatName val="0"/>
-          <c:showSerName val="0"/>
-          <c:showPercent val="0"/>
-          <c:showBubbleSize val="0"/>
-          <c:showLeaderLines val="1"/>
-        </c:dLbls>
-        <c:firstSliceAng val="0"/>
-        <c:holeSize val="50"/>
-      </c:doughnutChart>
-      <c:spPr>
-        <a:noFill/>
-        <a:ln>
-          <a:noFill/>
-        </a:ln>
-      </c:spPr>
-    </c:plotArea>
-    <c:plotVisOnly val="1"/>
-    <c:dispBlanksAs val="gap"/>
-    <c:showDLblsOverMax val="0"/>
-  </c:chart>
-  <c:spPr>
-    <a:noFill/>
-    <a:ln>
-      <a:noFill/>
-    </a:ln>
-  </c:spPr>
-  <c:txPr>
-    <a:bodyPr lIns="0" tIns="0" rIns="0" bIns="0"/>
-    <a:lstStyle/>
-    <a:p>
-      <a:pPr marL="0" marR="0" indent="0" defTabSz="914400" fontAlgn="auto" hangingPunct="1">
-        <a:lnSpc>
-          <a:spcPct val="100000"/>
-        </a:lnSpc>
-        <a:spcBef>
-          <a:spcPts val="0"/>
-        </a:spcBef>
-        <a:spcAft>
-          <a:spcPts val="0"/>
-        </a:spcAft>
-        <a:tabLst/>
-        <a:defRPr lang="es-ES" sz="900" b="0" i="0" u="none" strike="noStrike" kern="1200" baseline="0">
-          <a:solidFill>
-            <a:srgbClr val="000000"/>
-          </a:solidFill>
-          <a:latin typeface="Calibri"/>
-        </a:defRPr>
-      </a:pPr>
-      <a:endParaRPr lang="es-PE"/>
-    </a:p>
-  </c:txPr>
-  <c:externalData r:id="rId1">
-    <c:autoUpdate val="0"/>
-  </c:externalData>
-</c:chartSpace>
-</file>
-
-<file path=ppt/charts/chart3.xml><?xml version="1.0" encoding="utf-8"?>
-<c:chartSpace xmlns:c="http://schemas.openxmlformats.org/drawingml/2006/chart" xmlns:a="http://schemas.openxmlformats.org/drawingml/2006/main" xmlns:r="http://schemas.openxmlformats.org/officeDocument/2006/relationships">
-  <c:date1904 val="0"/>
-  <c:lang val="es-ES"/>
-  <c:roundedCorners val="0"/>
-  <mc:AlternateContent xmlns:mc="http://schemas.openxmlformats.org/markup-compatibility/2006">
-    <mc:Choice xmlns:c14="http://schemas.microsoft.com/office/drawing/2007/8/2/chart" Requires="c14">
-      <c14:style val="102"/>
-    </mc:Choice>
-    <mc:Fallback>
-      <c:style val="2"/>
-    </mc:Fallback>
-  </mc:AlternateContent>
-  <c:chart>
-    <c:autoTitleDeleted val="1"/>
-    <c:plotArea>
-      <c:layout/>
-      <c:doughnutChart>
-        <c:varyColors val="1"/>
-        <c:ser>
-          <c:idx val="0"/>
-          <c:order val="0"/>
-          <c:tx>
-            <c:v>Series1</c:v>
-          </c:tx>
-          <c:spPr>
-            <a:solidFill>
-              <a:srgbClr val="92D050"/>
-            </a:solidFill>
-          </c:spPr>
-          <c:dPt>
-            <c:idx val="0"/>
-            <c:bubble3D val="0"/>
-            <c:spPr>
-              <a:solidFill>
-                <a:srgbClr val="92D050"/>
-              </a:solidFill>
-              <a:ln>
-                <a:noFill/>
-              </a:ln>
-              <a:effectLst>
-                <a:outerShdw dist="38103" dir="5400000" algn="tl">
-                  <a:srgbClr val="000000">
-                    <a:alpha val="40000"/>
-                  </a:srgbClr>
-                </a:outerShdw>
-              </a:effectLst>
-            </c:spPr>
-          </c:dPt>
-          <c:dPt>
-            <c:idx val="1"/>
-            <c:bubble3D val="0"/>
-            <c:spPr>
-              <a:solidFill>
-                <a:srgbClr val="92D050"/>
-              </a:solidFill>
-              <a:ln>
-                <a:noFill/>
-              </a:ln>
-              <a:effectLst>
-                <a:outerShdw dist="38103" dir="5400000" algn="tl">
-                  <a:srgbClr val="000000">
-                    <a:alpha val="40000"/>
-                  </a:srgbClr>
-                </a:outerShdw>
-              </a:effectLst>
-            </c:spPr>
-          </c:dPt>
-          <c:dPt>
-            <c:idx val="2"/>
-            <c:bubble3D val="0"/>
-            <c:spPr>
-              <a:solidFill>
-                <a:srgbClr val="92D050"/>
-              </a:solidFill>
-              <a:ln>
-                <a:noFill/>
-              </a:ln>
-              <a:effectLst>
-                <a:outerShdw dist="38103" dir="5400000" algn="tl">
-                  <a:srgbClr val="000000">
-                    <a:alpha val="40000"/>
-                  </a:srgbClr>
-                </a:outerShdw>
-              </a:effectLst>
-            </c:spPr>
-          </c:dPt>
-          <c:dPt>
-            <c:idx val="3"/>
-            <c:bubble3D val="0"/>
-            <c:spPr>
-              <a:solidFill>
-                <a:srgbClr val="92D050"/>
-              </a:solidFill>
-              <a:ln>
-                <a:noFill/>
-              </a:ln>
-              <a:effectLst>
-                <a:outerShdw dist="38103" dir="5400000" algn="tl">
-                  <a:srgbClr val="000000">
-                    <a:alpha val="40000"/>
-                  </a:srgbClr>
-                </a:outerShdw>
-              </a:effectLst>
-            </c:spPr>
-          </c:dPt>
-          <c:dLbls>
-            <c:dLbl>
-              <c:idx val="0"/>
-              <c:tx>
-                <c:rich>
-                  <a:bodyPr/>
-                  <a:lstStyle/>
-                  <a:p>
-                    <a:r>
-                      <a:rPr lang="en-US" dirty="0" smtClean="0"/>
-                      <a:t>10</a:t>
-                    </a:r>
-                  </a:p>
-                </c:rich>
-              </c:tx>
-              <c:showLegendKey val="0"/>
-              <c:showVal val="1"/>
-              <c:showCatName val="0"/>
-              <c:showSerName val="0"/>
-              <c:showPercent val="0"/>
-              <c:showBubbleSize val="0"/>
-              <c:separator>; </c:separator>
-              <c:extLst>
-                <c:ext xmlns:c15="http://schemas.microsoft.com/office/drawing/2012/chart" uri="{CE6537A1-D6FC-4f65-9D91-7224C49458BB}"/>
-              </c:extLst>
-            </c:dLbl>
-            <c:dLbl>
-              <c:idx val="1"/>
-              <c:delete val="1"/>
-              <c:extLst>
-                <c:ext xmlns:c15="http://schemas.microsoft.com/office/drawing/2012/chart" uri="{CE6537A1-D6FC-4f65-9D91-7224C49458BB}"/>
-              </c:extLst>
-            </c:dLbl>
-            <c:dLbl>
-              <c:idx val="2"/>
-              <c:delete val="1"/>
-              <c:extLst>
-                <c:ext xmlns:c15="http://schemas.microsoft.com/office/drawing/2012/chart" uri="{CE6537A1-D6FC-4f65-9D91-7224C49458BB}"/>
-              </c:extLst>
-            </c:dLbl>
-            <c:dLbl>
-              <c:idx val="3"/>
-              <c:delete val="1"/>
-              <c:extLst>
-                <c:ext xmlns:c15="http://schemas.microsoft.com/office/drawing/2012/chart" uri="{CE6537A1-D6FC-4f65-9D91-7224C49458BB}"/>
-              </c:extLst>
-            </c:dLbl>
-            <c:spPr>
-              <a:noFill/>
-              <a:ln>
-                <a:noFill/>
-              </a:ln>
-              <a:effectLst/>
-            </c:spPr>
-            <c:txPr>
-              <a:bodyPr lIns="0" tIns="0" rIns="0" bIns="0"/>
-              <a:lstStyle/>
-              <a:p>
-                <a:pPr marL="0" marR="0" indent="0" algn="ctr" defTabSz="914400" fontAlgn="auto" hangingPunct="1">
-                  <a:lnSpc>
-                    <a:spcPct val="100000"/>
-                  </a:lnSpc>
-                  <a:spcBef>
-                    <a:spcPts val="0"/>
-                  </a:spcBef>
-                  <a:spcAft>
-                    <a:spcPts val="0"/>
-                  </a:spcAft>
-                  <a:tabLst/>
-                  <a:defRPr lang="es-ES" sz="1200" b="1" i="0" u="none" strike="noStrike" kern="1200" baseline="0">
-                    <a:solidFill>
-                      <a:srgbClr val="000000"/>
-                    </a:solidFill>
-                    <a:latin typeface="Calibri"/>
-                  </a:defRPr>
-                </a:pPr>
-                <a:endParaRPr lang="es-PE"/>
-              </a:p>
-            </c:txPr>
-            <c:showLegendKey val="0"/>
-            <c:showVal val="1"/>
-            <c:showCatName val="0"/>
-            <c:showSerName val="0"/>
-            <c:showPercent val="0"/>
-            <c:showBubbleSize val="0"/>
-            <c:separator>; </c:separator>
-            <c:showLeaderLines val="1"/>
-            <c:extLst>
-              <c:ext xmlns:c15="http://schemas.microsoft.com/office/drawing/2012/chart" uri="{CE6537A1-D6FC-4f65-9D91-7224C49458BB}">
-                <c15:spPr xmlns:c15="http://schemas.microsoft.com/office/drawing/2012/chart">
-                  <a:prstGeom prst="rect">
-                    <a:avLst/>
-                  </a:prstGeom>
-                </c15:spPr>
-              </c:ext>
-            </c:extLst>
-          </c:dLbls>
-          <c:cat>
-            <c:strLit>
-              <c:ptCount val="4"/>
-              <c:pt idx="0">
-                <c:v>TXT OK</c:v>
-              </c:pt>
-              <c:pt idx="1">
-                <c:v>TXT DIFIC</c:v>
-              </c:pt>
-              <c:pt idx="2">
-                <c:v>TXT MUL</c:v>
-              </c:pt>
-              <c:pt idx="3">
-                <c:v>TXT PEN</c:v>
-              </c:pt>
-            </c:strLit>
-          </c:cat>
-          <c:val>
-            <c:numLit>
-              <c:formatCode>General</c:formatCode>
-              <c:ptCount val="4"/>
-              <c:pt idx="0">
-                <c:v>12</c:v>
-              </c:pt>
-              <c:pt idx="1">
-                <c:v>3</c:v>
-              </c:pt>
-              <c:pt idx="2">
-                <c:v>0</c:v>
-              </c:pt>
-              <c:pt idx="3">
-                <c:v>4</c:v>
-              </c:pt>
-            </c:numLit>
-          </c:val>
-        </c:ser>
-        <c:dLbls>
-          <c:showLegendKey val="0"/>
-          <c:showVal val="0"/>
-          <c:showCatName val="0"/>
-          <c:showSerName val="0"/>
-          <c:showPercent val="0"/>
-          <c:showBubbleSize val="0"/>
-          <c:showLeaderLines val="1"/>
-        </c:dLbls>
-        <c:firstSliceAng val="0"/>
-        <c:holeSize val="50"/>
-      </c:doughnutChart>
-      <c:spPr>
-        <a:noFill/>
-        <a:ln>
-          <a:noFill/>
-        </a:ln>
-      </c:spPr>
-    </c:plotArea>
-    <c:plotVisOnly val="1"/>
-    <c:dispBlanksAs val="gap"/>
-    <c:showDLblsOverMax val="0"/>
-  </c:chart>
-  <c:spPr>
-    <a:noFill/>
-    <a:ln>
-      <a:noFill/>
-    </a:ln>
-  </c:spPr>
-  <c:txPr>
-    <a:bodyPr lIns="0" tIns="0" rIns="0" bIns="0"/>
-    <a:lstStyle/>
-    <a:p>
-      <a:pPr marL="0" marR="0" indent="0" defTabSz="914400" fontAlgn="auto" hangingPunct="1">
-        <a:lnSpc>
-          <a:spcPct val="100000"/>
-        </a:lnSpc>
-        <a:spcBef>
-          <a:spcPts val="0"/>
-        </a:spcBef>
-        <a:spcAft>
-          <a:spcPts val="0"/>
-        </a:spcAft>
-        <a:tabLst/>
-        <a:defRPr lang="es-ES" sz="900" b="0" i="0" u="none" strike="noStrike" kern="1200" baseline="0">
-          <a:solidFill>
-            <a:srgbClr val="000000"/>
-          </a:solidFill>
-          <a:latin typeface="Calibri"/>
-        </a:defRPr>
-      </a:pPr>
-      <a:endParaRPr lang="es-PE"/>
-    </a:p>
-  </c:txPr>
-  <c:externalData r:id="rId1">
-    <c:autoUpdate val="0"/>
-  </c:externalData>
-</c:chartSpace>
-</file>
-
-<file path=ppt/charts/chart30.xml><?xml version="1.0" encoding="utf-8"?>
-<c:chartSpace xmlns:c="http://schemas.openxmlformats.org/drawingml/2006/chart" xmlns:a="http://schemas.openxmlformats.org/drawingml/2006/main" xmlns:r="http://schemas.openxmlformats.org/officeDocument/2006/relationships">
-  <c:date1904 val="0"/>
-  <c:lang val="es-ES"/>
-  <c:roundedCorners val="0"/>
-  <mc:AlternateContent xmlns:mc="http://schemas.openxmlformats.org/markup-compatibility/2006">
-    <mc:Choice xmlns:c14="http://schemas.microsoft.com/office/drawing/2007/8/2/chart" Requires="c14">
-      <c14:style val="102"/>
-    </mc:Choice>
-    <mc:Fallback>
-      <c:style val="2"/>
-    </mc:Fallback>
-  </mc:AlternateContent>
-  <c:chart>
-    <c:autoTitleDeleted val="1"/>
-    <c:plotArea>
-      <c:layout/>
-      <c:doughnutChart>
-        <c:varyColors val="1"/>
-        <c:ser>
-          <c:idx val="0"/>
-          <c:order val="0"/>
-          <c:tx>
-            <c:v>Series1</c:v>
-          </c:tx>
-          <c:spPr>
-            <a:solidFill>
-              <a:srgbClr val="92D050"/>
-            </a:solidFill>
-          </c:spPr>
-          <c:dPt>
-            <c:idx val="0"/>
-            <c:bubble3D val="0"/>
-            <c:spPr>
-              <a:solidFill>
-                <a:srgbClr val="92D050"/>
-              </a:solidFill>
-              <a:ln>
-                <a:noFill/>
-              </a:ln>
-              <a:effectLst>
-                <a:outerShdw dist="38103" dir="5400000" algn="tl">
-                  <a:srgbClr val="000000">
-                    <a:alpha val="40000"/>
-                  </a:srgbClr>
-                </a:outerShdw>
-              </a:effectLst>
-            </c:spPr>
-          </c:dPt>
-          <c:dPt>
-            <c:idx val="1"/>
-            <c:bubble3D val="0"/>
-            <c:spPr>
-              <a:solidFill>
-                <a:srgbClr val="92D050"/>
-              </a:solidFill>
-              <a:ln>
-                <a:noFill/>
-              </a:ln>
-              <a:effectLst>
-                <a:outerShdw dist="38103" dir="5400000" algn="tl">
-                  <a:srgbClr val="000000">
-                    <a:alpha val="40000"/>
-                  </a:srgbClr>
-                </a:outerShdw>
-              </a:effectLst>
-            </c:spPr>
-          </c:dPt>
-          <c:dPt>
-            <c:idx val="2"/>
-            <c:bubble3D val="0"/>
-            <c:spPr>
-              <a:solidFill>
-                <a:srgbClr val="92D050"/>
-              </a:solidFill>
-              <a:ln>
-                <a:noFill/>
-              </a:ln>
-              <a:effectLst>
-                <a:outerShdw dist="38103" dir="5400000" algn="tl">
-                  <a:srgbClr val="000000">
-                    <a:alpha val="40000"/>
-                  </a:srgbClr>
-                </a:outerShdw>
-              </a:effectLst>
-            </c:spPr>
-          </c:dPt>
-          <c:dPt>
-            <c:idx val="3"/>
-            <c:bubble3D val="0"/>
-            <c:spPr>
-              <a:solidFill>
-                <a:srgbClr val="92D050"/>
-              </a:solidFill>
-              <a:ln>
-                <a:noFill/>
-              </a:ln>
-              <a:effectLst>
-                <a:outerShdw dist="38103" dir="5400000" algn="tl">
-                  <a:srgbClr val="000000">
-                    <a:alpha val="40000"/>
-                  </a:srgbClr>
-                </a:outerShdw>
-              </a:effectLst>
-            </c:spPr>
-          </c:dPt>
-          <c:dLbls>
-            <c:dLbl>
-              <c:idx val="0"/>
-              <c:tx>
-                <c:rich>
-                  <a:bodyPr/>
-                  <a:lstStyle/>
-                  <a:p>
-                    <a:r>
-                      <a:rPr lang="en-US" baseline="0" dirty="0" smtClean="0">
-                        <a:solidFill>
-                          <a:srgbClr val="000000"/>
-                        </a:solidFill>
-                      </a:rPr>
-                      <a:t>14</a:t>
-                    </a:r>
-                    <a:endParaRPr lang="en-US" baseline="0" dirty="0">
-                      <a:solidFill>
-                        <a:srgbClr val="000000"/>
-                      </a:solidFill>
-                    </a:endParaRPr>
-                  </a:p>
-                </c:rich>
-              </c:tx>
-              <c:showLegendKey val="0"/>
-              <c:showVal val="1"/>
-              <c:showCatName val="0"/>
-              <c:showSerName val="0"/>
-              <c:showPercent val="0"/>
-              <c:showBubbleSize val="0"/>
-              <c:separator>; </c:separator>
-              <c:extLst>
-                <c:ext xmlns:c15="http://schemas.microsoft.com/office/drawing/2012/chart" uri="{CE6537A1-D6FC-4f65-9D91-7224C49458BB}"/>
-              </c:extLst>
-            </c:dLbl>
-            <c:dLbl>
-              <c:idx val="1"/>
-              <c:delete val="1"/>
-              <c:extLst>
-                <c:ext xmlns:c15="http://schemas.microsoft.com/office/drawing/2012/chart" uri="{CE6537A1-D6FC-4f65-9D91-7224C49458BB}"/>
-              </c:extLst>
-            </c:dLbl>
-            <c:dLbl>
-              <c:idx val="2"/>
-              <c:delete val="1"/>
-              <c:extLst>
-                <c:ext xmlns:c15="http://schemas.microsoft.com/office/drawing/2012/chart" uri="{CE6537A1-D6FC-4f65-9D91-7224C49458BB}"/>
-              </c:extLst>
-            </c:dLbl>
-            <c:dLbl>
-              <c:idx val="3"/>
-              <c:delete val="1"/>
-              <c:extLst>
-                <c:ext xmlns:c15="http://schemas.microsoft.com/office/drawing/2012/chart" uri="{CE6537A1-D6FC-4f65-9D91-7224C49458BB}"/>
-              </c:extLst>
-            </c:dLbl>
-            <c:spPr>
-              <a:noFill/>
-              <a:ln>
-                <a:noFill/>
-              </a:ln>
-              <a:effectLst/>
-            </c:spPr>
-            <c:txPr>
-              <a:bodyPr lIns="0" tIns="0" rIns="0" bIns="0"/>
-              <a:lstStyle/>
-              <a:p>
-                <a:pPr marL="0" marR="0" indent="0" algn="ctr" defTabSz="914400" fontAlgn="auto" hangingPunct="1">
-                  <a:lnSpc>
-                    <a:spcPct val="100000"/>
-                  </a:lnSpc>
-                  <a:spcBef>
-                    <a:spcPts val="0"/>
-                  </a:spcBef>
-                  <a:spcAft>
-                    <a:spcPts val="0"/>
-                  </a:spcAft>
-                  <a:tabLst/>
-                  <a:defRPr lang="es-ES" sz="1200" b="1" i="0" u="none" strike="noStrike" kern="1200" baseline="0">
-                    <a:solidFill>
-                      <a:srgbClr val="FFFFFF"/>
-                    </a:solidFill>
-                    <a:latin typeface="Calibri"/>
-                  </a:defRPr>
-                </a:pPr>
-                <a:endParaRPr lang="es-PE"/>
-              </a:p>
-            </c:txPr>
-            <c:showLegendKey val="0"/>
-            <c:showVal val="1"/>
-            <c:showCatName val="0"/>
-            <c:showSerName val="0"/>
-            <c:showPercent val="0"/>
-            <c:showBubbleSize val="0"/>
-            <c:separator>; </c:separator>
-            <c:showLeaderLines val="1"/>
-            <c:extLst>
-              <c:ext xmlns:c15="http://schemas.microsoft.com/office/drawing/2012/chart" uri="{CE6537A1-D6FC-4f65-9D91-7224C49458BB}">
-                <c15:spPr xmlns:c15="http://schemas.microsoft.com/office/drawing/2012/chart">
-                  <a:prstGeom prst="rect">
-                    <a:avLst/>
-                  </a:prstGeom>
-                </c15:spPr>
-              </c:ext>
-            </c:extLst>
-          </c:dLbls>
-          <c:cat>
-            <c:strLit>
-              <c:ptCount val="4"/>
-              <c:pt idx="0">
-                <c:v>TXT OK</c:v>
-              </c:pt>
-              <c:pt idx="1">
-                <c:v>TXT DIFIC</c:v>
-              </c:pt>
-              <c:pt idx="2">
-                <c:v>TXT MUL</c:v>
-              </c:pt>
-              <c:pt idx="3">
-                <c:v>TXT PEN</c:v>
-              </c:pt>
-            </c:strLit>
-          </c:cat>
-          <c:val>
-            <c:numLit>
-              <c:formatCode>General</c:formatCode>
-              <c:ptCount val="4"/>
-              <c:pt idx="0">
-                <c:v>13</c:v>
-              </c:pt>
-              <c:pt idx="1">
-                <c:v>3</c:v>
-              </c:pt>
-              <c:pt idx="2">
-                <c:v>0</c:v>
-              </c:pt>
-              <c:pt idx="3">
-                <c:v>4</c:v>
-              </c:pt>
-            </c:numLit>
-          </c:val>
-        </c:ser>
-        <c:dLbls>
-          <c:showLegendKey val="0"/>
-          <c:showVal val="0"/>
-          <c:showCatName val="0"/>
-          <c:showSerName val="0"/>
-          <c:showPercent val="0"/>
-          <c:showBubbleSize val="0"/>
-          <c:showLeaderLines val="1"/>
-        </c:dLbls>
-        <c:firstSliceAng val="0"/>
-        <c:holeSize val="50"/>
-      </c:doughnutChart>
-      <c:spPr>
-        <a:noFill/>
-        <a:ln>
-          <a:noFill/>
-        </a:ln>
-      </c:spPr>
-    </c:plotArea>
-    <c:plotVisOnly val="1"/>
-    <c:dispBlanksAs val="gap"/>
-    <c:showDLblsOverMax val="0"/>
-  </c:chart>
-  <c:spPr>
-    <a:noFill/>
-    <a:ln>
-      <a:noFill/>
-    </a:ln>
-  </c:spPr>
-  <c:txPr>
-    <a:bodyPr lIns="0" tIns="0" rIns="0" bIns="0"/>
-    <a:lstStyle/>
-    <a:p>
-      <a:pPr marL="0" marR="0" indent="0" defTabSz="914400" fontAlgn="auto" hangingPunct="1">
-        <a:lnSpc>
-          <a:spcPct val="100000"/>
-        </a:lnSpc>
-        <a:spcBef>
-          <a:spcPts val="0"/>
-        </a:spcBef>
-        <a:spcAft>
-          <a:spcPts val="0"/>
-        </a:spcAft>
-        <a:tabLst/>
-        <a:defRPr lang="es-ES" sz="900" b="0" i="0" u="none" strike="noStrike" kern="1200" baseline="0">
-          <a:solidFill>
-            <a:srgbClr val="000000"/>
-          </a:solidFill>
-          <a:latin typeface="Calibri"/>
-        </a:defRPr>
-      </a:pPr>
-      <a:endParaRPr lang="es-PE"/>
-    </a:p>
-  </c:txPr>
-  <c:externalData r:id="rId1">
-    <c:autoUpdate val="0"/>
-  </c:externalData>
-</c:chartSpace>
-</file>
-
-<file path=ppt/charts/chart31.xml><?xml version="1.0" encoding="utf-8"?>
-<c:chartSpace xmlns:c="http://schemas.openxmlformats.org/drawingml/2006/chart" xmlns:a="http://schemas.openxmlformats.org/drawingml/2006/main" xmlns:r="http://schemas.openxmlformats.org/officeDocument/2006/relationships">
-  <c:date1904 val="0"/>
-  <c:lang val="es-ES"/>
-  <c:roundedCorners val="0"/>
-  <mc:AlternateContent xmlns:mc="http://schemas.openxmlformats.org/markup-compatibility/2006">
-    <mc:Choice xmlns:c14="http://schemas.microsoft.com/office/drawing/2007/8/2/chart" Requires="c14">
-      <c14:style val="102"/>
-    </mc:Choice>
-    <mc:Fallback>
-      <c:style val="2"/>
-    </mc:Fallback>
-  </mc:AlternateContent>
-  <c:chart>
-    <c:autoTitleDeleted val="1"/>
-    <c:plotArea>
-      <c:layout/>
-      <c:doughnutChart>
-        <c:varyColors val="1"/>
-        <c:ser>
-          <c:idx val="0"/>
-          <c:order val="0"/>
-          <c:tx>
-            <c:v>Series1</c:v>
-          </c:tx>
-          <c:spPr>
-            <a:solidFill>
-              <a:srgbClr val="92D050"/>
-            </a:solidFill>
-          </c:spPr>
-          <c:dPt>
-            <c:idx val="0"/>
-            <c:bubble3D val="0"/>
-            <c:spPr>
-              <a:solidFill>
-                <a:srgbClr val="92D050"/>
-              </a:solidFill>
-              <a:ln>
-                <a:noFill/>
-              </a:ln>
-              <a:effectLst>
-                <a:outerShdw dist="38103" dir="5400000" algn="tl">
-                  <a:srgbClr val="000000">
-                    <a:alpha val="40000"/>
-                  </a:srgbClr>
-                </a:outerShdw>
-              </a:effectLst>
-            </c:spPr>
-          </c:dPt>
-          <c:dPt>
-            <c:idx val="1"/>
-            <c:bubble3D val="0"/>
-            <c:spPr>
-              <a:solidFill>
-                <a:srgbClr val="92D050"/>
-              </a:solidFill>
-              <a:ln>
-                <a:noFill/>
-              </a:ln>
-              <a:effectLst>
-                <a:outerShdw dist="38103" dir="5400000" algn="tl">
-                  <a:srgbClr val="000000">
-                    <a:alpha val="40000"/>
-                  </a:srgbClr>
-                </a:outerShdw>
-              </a:effectLst>
-            </c:spPr>
-          </c:dPt>
-          <c:dPt>
-            <c:idx val="2"/>
-            <c:bubble3D val="0"/>
-            <c:spPr>
-              <a:solidFill>
-                <a:srgbClr val="92D050"/>
-              </a:solidFill>
-              <a:ln>
-                <a:noFill/>
-              </a:ln>
-              <a:effectLst>
-                <a:outerShdw dist="38103" dir="5400000" algn="tl">
-                  <a:srgbClr val="000000">
-                    <a:alpha val="40000"/>
-                  </a:srgbClr>
-                </a:outerShdw>
-              </a:effectLst>
-            </c:spPr>
-          </c:dPt>
-          <c:dPt>
-            <c:idx val="3"/>
-            <c:bubble3D val="0"/>
-            <c:spPr>
-              <a:solidFill>
-                <a:srgbClr val="92D050"/>
-              </a:solidFill>
-              <a:ln>
-                <a:noFill/>
-              </a:ln>
-              <a:effectLst>
-                <a:outerShdw dist="38103" dir="5400000" algn="tl">
-                  <a:srgbClr val="000000">
-                    <a:alpha val="40000"/>
-                  </a:srgbClr>
-                </a:outerShdw>
-              </a:effectLst>
-            </c:spPr>
-          </c:dPt>
-          <c:dLbls>
-            <c:dLbl>
-              <c:idx val="0"/>
-              <c:tx>
-                <c:rich>
-                  <a:bodyPr/>
-                  <a:lstStyle/>
-                  <a:p>
-                    <a:r>
-                      <a:rPr lang="en-US" baseline="0" dirty="0" smtClean="0">
-                        <a:solidFill>
-                          <a:srgbClr val="000000"/>
-                        </a:solidFill>
-                      </a:rPr>
-                      <a:t>14</a:t>
-                    </a:r>
-                    <a:endParaRPr lang="en-US" baseline="0" dirty="0">
-                      <a:solidFill>
-                        <a:srgbClr val="000000"/>
-                      </a:solidFill>
-                    </a:endParaRPr>
-                  </a:p>
-                </c:rich>
-              </c:tx>
-              <c:showLegendKey val="0"/>
-              <c:showVal val="1"/>
-              <c:showCatName val="0"/>
-              <c:showSerName val="0"/>
-              <c:showPercent val="0"/>
-              <c:showBubbleSize val="0"/>
-              <c:separator>; </c:separator>
-              <c:extLst>
-                <c:ext xmlns:c15="http://schemas.microsoft.com/office/drawing/2012/chart" uri="{CE6537A1-D6FC-4f65-9D91-7224C49458BB}"/>
-              </c:extLst>
-            </c:dLbl>
-            <c:dLbl>
-              <c:idx val="1"/>
-              <c:delete val="1"/>
-              <c:extLst>
-                <c:ext xmlns:c15="http://schemas.microsoft.com/office/drawing/2012/chart" uri="{CE6537A1-D6FC-4f65-9D91-7224C49458BB}"/>
-              </c:extLst>
-            </c:dLbl>
-            <c:dLbl>
-              <c:idx val="2"/>
-              <c:delete val="1"/>
-              <c:extLst>
-                <c:ext xmlns:c15="http://schemas.microsoft.com/office/drawing/2012/chart" uri="{CE6537A1-D6FC-4f65-9D91-7224C49458BB}"/>
-              </c:extLst>
-            </c:dLbl>
-            <c:dLbl>
-              <c:idx val="3"/>
-              <c:delete val="1"/>
-              <c:extLst>
-                <c:ext xmlns:c15="http://schemas.microsoft.com/office/drawing/2012/chart" uri="{CE6537A1-D6FC-4f65-9D91-7224C49458BB}"/>
-              </c:extLst>
-            </c:dLbl>
-            <c:spPr>
-              <a:noFill/>
-              <a:ln>
-                <a:noFill/>
-              </a:ln>
-              <a:effectLst/>
-            </c:spPr>
-            <c:txPr>
-              <a:bodyPr lIns="0" tIns="0" rIns="0" bIns="0"/>
-              <a:lstStyle/>
-              <a:p>
-                <a:pPr marL="0" marR="0" indent="0" algn="ctr" defTabSz="914400" fontAlgn="auto" hangingPunct="1">
-                  <a:lnSpc>
-                    <a:spcPct val="100000"/>
-                  </a:lnSpc>
-                  <a:spcBef>
-                    <a:spcPts val="0"/>
-                  </a:spcBef>
-                  <a:spcAft>
-                    <a:spcPts val="0"/>
-                  </a:spcAft>
-                  <a:tabLst/>
-                  <a:defRPr lang="es-ES" sz="1200" b="1" i="0" u="none" strike="noStrike" kern="1200" baseline="0">
-                    <a:solidFill>
-                      <a:srgbClr val="FFFFFF"/>
-                    </a:solidFill>
-                    <a:latin typeface="Calibri"/>
-                  </a:defRPr>
-                </a:pPr>
-                <a:endParaRPr lang="es-PE"/>
-              </a:p>
-            </c:txPr>
-            <c:showLegendKey val="0"/>
-            <c:showVal val="1"/>
-            <c:showCatName val="0"/>
-            <c:showSerName val="0"/>
-            <c:showPercent val="0"/>
-            <c:showBubbleSize val="0"/>
-            <c:separator>; </c:separator>
-            <c:showLeaderLines val="1"/>
-            <c:extLst>
-              <c:ext xmlns:c15="http://schemas.microsoft.com/office/drawing/2012/chart" uri="{CE6537A1-D6FC-4f65-9D91-7224C49458BB}">
-                <c15:spPr xmlns:c15="http://schemas.microsoft.com/office/drawing/2012/chart">
-                  <a:prstGeom prst="rect">
-                    <a:avLst/>
-                  </a:prstGeom>
-                </c15:spPr>
-              </c:ext>
-            </c:extLst>
-          </c:dLbls>
-          <c:cat>
-            <c:strLit>
-              <c:ptCount val="4"/>
-              <c:pt idx="0">
-                <c:v>TXT OK</c:v>
-              </c:pt>
-              <c:pt idx="1">
-                <c:v>TXT DIFIC</c:v>
-              </c:pt>
-              <c:pt idx="2">
-                <c:v>TXT MUL</c:v>
-              </c:pt>
-              <c:pt idx="3">
-                <c:v>TXT PEN</c:v>
-              </c:pt>
-            </c:strLit>
-          </c:cat>
-          <c:val>
-            <c:numLit>
-              <c:formatCode>General</c:formatCode>
-              <c:ptCount val="4"/>
-              <c:pt idx="0">
-                <c:v>13</c:v>
-              </c:pt>
-              <c:pt idx="1">
-                <c:v>3</c:v>
-              </c:pt>
-              <c:pt idx="2">
-                <c:v>0</c:v>
-              </c:pt>
-              <c:pt idx="3">
-                <c:v>4</c:v>
-              </c:pt>
-            </c:numLit>
-          </c:val>
-        </c:ser>
-        <c:dLbls>
-          <c:showLegendKey val="0"/>
-          <c:showVal val="0"/>
-          <c:showCatName val="0"/>
-          <c:showSerName val="0"/>
-          <c:showPercent val="0"/>
-          <c:showBubbleSize val="0"/>
-          <c:showLeaderLines val="1"/>
-        </c:dLbls>
-        <c:firstSliceAng val="0"/>
-        <c:holeSize val="50"/>
-      </c:doughnutChart>
-      <c:spPr>
-        <a:noFill/>
-        <a:ln>
-          <a:noFill/>
-        </a:ln>
-      </c:spPr>
-    </c:plotArea>
-    <c:plotVisOnly val="1"/>
-    <c:dispBlanksAs val="gap"/>
-    <c:showDLblsOverMax val="0"/>
-  </c:chart>
-  <c:spPr>
-    <a:noFill/>
-    <a:ln>
-      <a:noFill/>
-    </a:ln>
-  </c:spPr>
-  <c:txPr>
-    <a:bodyPr lIns="0" tIns="0" rIns="0" bIns="0"/>
-    <a:lstStyle/>
-    <a:p>
-      <a:pPr marL="0" marR="0" indent="0" defTabSz="914400" fontAlgn="auto" hangingPunct="1">
-        <a:lnSpc>
-          <a:spcPct val="100000"/>
-        </a:lnSpc>
-        <a:spcBef>
-          <a:spcPts val="0"/>
-        </a:spcBef>
-        <a:spcAft>
-          <a:spcPts val="0"/>
-        </a:spcAft>
-        <a:tabLst/>
-        <a:defRPr lang="es-ES" sz="900" b="0" i="0" u="none" strike="noStrike" kern="1200" baseline="0">
-          <a:solidFill>
-            <a:srgbClr val="000000"/>
-          </a:solidFill>
-          <a:latin typeface="Calibri"/>
-        </a:defRPr>
-      </a:pPr>
-      <a:endParaRPr lang="es-PE"/>
-    </a:p>
-  </c:txPr>
-  <c:externalData r:id="rId1">
-    <c:autoUpdate val="0"/>
-  </c:externalData>
-</c:chartSpace>
-</file>
-
-<file path=ppt/charts/chart4.xml><?xml version="1.0" encoding="utf-8"?>
-<c:chartSpace xmlns:c="http://schemas.openxmlformats.org/drawingml/2006/chart" xmlns:a="http://schemas.openxmlformats.org/drawingml/2006/main" xmlns:r="http://schemas.openxmlformats.org/officeDocument/2006/relationships">
-  <c:date1904 val="0"/>
-  <c:lang val="es-ES"/>
-  <c:roundedCorners val="0"/>
-  <mc:AlternateContent xmlns:mc="http://schemas.openxmlformats.org/markup-compatibility/2006">
-    <mc:Choice xmlns:c14="http://schemas.microsoft.com/office/drawing/2007/8/2/chart" Requires="c14">
-      <c14:style val="102"/>
-    </mc:Choice>
-    <mc:Fallback>
-      <c:style val="2"/>
-    </mc:Fallback>
-  </mc:AlternateContent>
-  <c:chart>
-    <c:autoTitleDeleted val="1"/>
-    <c:plotArea>
-      <c:layout>
-        <c:manualLayout>
-          <c:layoutTarget val="inner"/>
-          <c:xMode val="edge"/>
-          <c:yMode val="edge"/>
-          <c:x val="0.26111107382625404"/>
-          <c:y val="0.27092495918063147"/>
-          <c:w val="0.57594395588524749"/>
-          <c:h val="0.796511190193397"/>
-        </c:manualLayout>
-      </c:layout>
-      <c:doughnutChart>
-        <c:varyColors val="1"/>
-        <c:ser>
-          <c:idx val="0"/>
-          <c:order val="0"/>
-          <c:tx>
-            <c:v>Series1</c:v>
-          </c:tx>
-          <c:spPr>
-            <a:solidFill>
-              <a:srgbClr val="92D050"/>
-            </a:solidFill>
-          </c:spPr>
-          <c:dPt>
-            <c:idx val="0"/>
-            <c:bubble3D val="0"/>
-            <c:spPr>
-              <a:solidFill>
-                <a:srgbClr val="92D050"/>
-              </a:solidFill>
-              <a:ln>
-                <a:noFill/>
-              </a:ln>
-              <a:effectLst>
-                <a:outerShdw dist="38103" dir="5400000" algn="tl">
-                  <a:srgbClr val="000000">
-                    <a:alpha val="40000"/>
-                  </a:srgbClr>
-                </a:outerShdw>
-              </a:effectLst>
-            </c:spPr>
-          </c:dPt>
-          <c:dPt>
-            <c:idx val="1"/>
-            <c:bubble3D val="0"/>
-            <c:spPr>
-              <a:solidFill>
-                <a:srgbClr val="FFC000"/>
-              </a:solidFill>
-              <a:ln>
-                <a:noFill/>
-              </a:ln>
-              <a:effectLst>
-                <a:outerShdw dist="38103" dir="5400000" algn="tl">
-                  <a:srgbClr val="000000">
-                    <a:alpha val="40000"/>
-                  </a:srgbClr>
-                </a:outerShdw>
-              </a:effectLst>
-            </c:spPr>
-          </c:dPt>
-          <c:dPt>
-            <c:idx val="2"/>
-            <c:bubble3D val="0"/>
-            <c:spPr>
-              <a:solidFill>
-                <a:srgbClr val="92D050"/>
-              </a:solidFill>
-              <a:ln>
-                <a:noFill/>
-              </a:ln>
-              <a:effectLst>
-                <a:outerShdw dist="38103" dir="5400000" algn="tl">
-                  <a:srgbClr val="000000">
-                    <a:alpha val="40000"/>
-                  </a:srgbClr>
-                </a:outerShdw>
-              </a:effectLst>
-            </c:spPr>
-          </c:dPt>
-          <c:dPt>
-            <c:idx val="3"/>
-            <c:bubble3D val="0"/>
-            <c:spPr>
-              <a:solidFill>
-                <a:srgbClr val="FF0000"/>
-              </a:solidFill>
-              <a:ln>
-                <a:noFill/>
-              </a:ln>
-              <a:effectLst>
-                <a:outerShdw dist="38103" dir="5400000" algn="tl">
-                  <a:srgbClr val="000000">
-                    <a:alpha val="40000"/>
-                  </a:srgbClr>
-                </a:outerShdw>
-              </a:effectLst>
-            </c:spPr>
-          </c:dPt>
-          <c:dLbls>
-            <c:dLbl>
-              <c:idx val="0"/>
-              <c:layout>
-                <c:manualLayout>
-                  <c:x val="-4.7219542486858321E-2"/>
-                  <c:y val="3.8943044601538086E-3"/>
-                </c:manualLayout>
-              </c:layout>
-              <c:tx>
-                <c:rich>
-                  <a:bodyPr/>
-                  <a:lstStyle/>
-                  <a:p>
-                    <a:r>
-                      <a:rPr lang="en-US" baseline="0" dirty="0" smtClean="0">
-                        <a:solidFill>
-                          <a:srgbClr val="000000"/>
-                        </a:solidFill>
-                      </a:rPr>
-                      <a:t>10</a:t>
-                    </a:r>
-                    <a:endParaRPr lang="en-US" baseline="0" dirty="0">
-                      <a:solidFill>
-                        <a:srgbClr val="000000"/>
-                      </a:solidFill>
-                    </a:endParaRPr>
-                  </a:p>
-                </c:rich>
-              </c:tx>
-              <c:showLegendKey val="0"/>
-              <c:showVal val="1"/>
-              <c:showCatName val="0"/>
-              <c:showSerName val="0"/>
-              <c:showPercent val="0"/>
-              <c:showBubbleSize val="0"/>
-              <c:separator>; </c:separator>
-              <c:extLst>
-                <c:ext xmlns:c15="http://schemas.microsoft.com/office/drawing/2012/chart" uri="{CE6537A1-D6FC-4f65-9D91-7224C49458BB}">
-                  <c15:layout>
-                    <c:manualLayout>
-                      <c:w val="0.13710431167651371"/>
-                      <c:h val="0.10577958806647696"/>
-                    </c:manualLayout>
-                  </c15:layout>
-                </c:ext>
-              </c:extLst>
-            </c:dLbl>
-            <c:dLbl>
-              <c:idx val="1"/>
-              <c:layout>
-                <c:manualLayout>
-                  <c:x val="1.549521374290003E-2"/>
-                  <c:y val="3.7813383955632385E-2"/>
-                </c:manualLayout>
-              </c:layout>
-              <c:tx>
-                <c:rich>
-                  <a:bodyPr/>
-                  <a:lstStyle/>
-                  <a:p>
-                    <a:r>
-                      <a:rPr lang="en-US" baseline="0" dirty="0" smtClean="0">
-                        <a:solidFill>
-                          <a:srgbClr val="000000"/>
-                        </a:solidFill>
-                      </a:rPr>
-                      <a:t>7</a:t>
-                    </a:r>
-                    <a:endParaRPr lang="en-US" baseline="0" dirty="0">
-                      <a:solidFill>
-                        <a:srgbClr val="000000"/>
-                      </a:solidFill>
-                    </a:endParaRPr>
-                  </a:p>
-                </c:rich>
-              </c:tx>
-              <c:showLegendKey val="0"/>
-              <c:showVal val="1"/>
-              <c:showCatName val="0"/>
-              <c:showSerName val="0"/>
-              <c:showPercent val="0"/>
-              <c:showBubbleSize val="0"/>
-              <c:separator>; </c:separator>
-              <c:extLst>
-                <c:ext xmlns:c15="http://schemas.microsoft.com/office/drawing/2012/chart" uri="{CE6537A1-D6FC-4f65-9D91-7224C49458BB}">
-                  <c15:layout>
-                    <c:manualLayout>
-                      <c:w val="0.13445441441522055"/>
-                      <c:h val="0.17141136500310963"/>
-                    </c:manualLayout>
-                  </c15:layout>
-                </c:ext>
-              </c:extLst>
-            </c:dLbl>
-            <c:dLbl>
-              <c:idx val="2"/>
-              <c:delete val="1"/>
-              <c:extLst>
-                <c:ext xmlns:c15="http://schemas.microsoft.com/office/drawing/2012/chart" uri="{CE6537A1-D6FC-4f65-9D91-7224C49458BB}"/>
-              </c:extLst>
-            </c:dLbl>
-            <c:dLbl>
-              <c:idx val="3"/>
-              <c:tx>
-                <c:rich>
-                  <a:bodyPr/>
-                  <a:lstStyle/>
-                  <a:p>
-                    <a:fld id="{E6936F1C-E4D1-43A9-B145-306636ACCD43}" type="VALUE">
-                      <a:rPr lang="en-US" baseline="0" smtClean="0">
-                        <a:solidFill>
-                          <a:srgbClr val="000000"/>
-                        </a:solidFill>
-                      </a:rPr>
-                      <a:pPr/>
-                      <a:t>[VALOR]</a:t>
-                    </a:fld>
-                    <a:endParaRPr lang="es-PE"/>
-                  </a:p>
-                </c:rich>
-              </c:tx>
-              <c:showLegendKey val="0"/>
-              <c:showVal val="1"/>
-              <c:showCatName val="0"/>
-              <c:showSerName val="0"/>
-              <c:showPercent val="0"/>
-              <c:showBubbleSize val="0"/>
-              <c:separator>; </c:separator>
-              <c:extLst>
-                <c:ext xmlns:c15="http://schemas.microsoft.com/office/drawing/2012/chart" uri="{CE6537A1-D6FC-4f65-9D91-7224C49458BB}">
-                  <c15:dlblFieldTable/>
-                  <c15:showDataLabelsRange val="0"/>
+                <c:ext xmlns:c16="http://schemas.microsoft.com/office/drawing/2014/chart" uri="{C3380CC4-5D6E-409C-BE32-E72D297353CC}">
+                  <c16:uniqueId val="{00000007-54D2-4EBD-A9EB-BD209B8D52BA}"/>
                 </c:ext>
               </c:extLst>
             </c:dLbl>
@@ -9036,6 +7457,11 @@
               </c:pt>
             </c:numLit>
           </c:val>
+          <c:extLst>
+            <c:ext xmlns:c16="http://schemas.microsoft.com/office/drawing/2014/chart" uri="{C3380CC4-5D6E-409C-BE32-E72D297353CC}">
+              <c16:uniqueId val="{00000008-54D2-4EBD-A9EB-BD209B8D52BA}"/>
+            </c:ext>
+          </c:extLst>
         </c:ser>
         <c:dLbls>
           <c:showLegendKey val="0"/>
@@ -9097,8 +7523,8 @@
 </c:chartSpace>
 </file>
 
-<file path=ppt/charts/chart5.xml><?xml version="1.0" encoding="utf-8"?>
-<c:chartSpace xmlns:c="http://schemas.openxmlformats.org/drawingml/2006/chart" xmlns:a="http://schemas.openxmlformats.org/drawingml/2006/main" xmlns:r="http://schemas.openxmlformats.org/officeDocument/2006/relationships">
+<file path=ppt/charts/chart27.xml><?xml version="1.0" encoding="utf-8"?>
+<c:chartSpace xmlns:c="http://schemas.openxmlformats.org/drawingml/2006/chart" xmlns:a="http://schemas.openxmlformats.org/drawingml/2006/main" xmlns:r="http://schemas.openxmlformats.org/officeDocument/2006/relationships" xmlns:c16r2="http://schemas.microsoft.com/office/drawing/2015/06/chart">
   <c:date1904 val="0"/>
   <c:lang val="es-ES"/>
   <c:roundedCorners val="0"/>
@@ -9113,17 +7539,7 @@
   <c:chart>
     <c:autoTitleDeleted val="1"/>
     <c:plotArea>
-      <c:layout>
-        <c:manualLayout>
-          <c:layoutTarget val="inner"/>
-          <c:xMode val="edge"/>
-          <c:yMode val="edge"/>
-          <c:x val="0.2042887040550041"/>
-          <c:y val="0.10174440490330149"/>
-          <c:w val="0.57594395588524749"/>
-          <c:h val="0.796511190193397"/>
-        </c:manualLayout>
-      </c:layout>
+      <c:layout/>
       <c:doughnutChart>
         <c:varyColors val="1"/>
         <c:ser>
@@ -9134,9 +7550,708 @@
           </c:tx>
           <c:spPr>
             <a:solidFill>
-              <a:srgbClr val="92D050"/>
+              <a:srgbClr val="FFC000"/>
             </a:solidFill>
           </c:spPr>
+          <c:dPt>
+            <c:idx val="0"/>
+            <c:bubble3D val="0"/>
+            <c:spPr>
+              <a:solidFill>
+                <a:srgbClr val="92D050"/>
+              </a:solidFill>
+              <a:ln>
+                <a:noFill/>
+              </a:ln>
+              <a:effectLst>
+                <a:outerShdw dist="38096" dir="2700000" algn="tl">
+                  <a:srgbClr val="000000">
+                    <a:alpha val="40000"/>
+                  </a:srgbClr>
+                </a:outerShdw>
+              </a:effectLst>
+            </c:spPr>
+            <c:extLst>
+              <c:ext xmlns:c16="http://schemas.microsoft.com/office/drawing/2014/chart" uri="{C3380CC4-5D6E-409C-BE32-E72D297353CC}">
+                <c16:uniqueId val="{00000001-D9B5-497D-8F73-82FA95393228}"/>
+              </c:ext>
+            </c:extLst>
+          </c:dPt>
+          <c:dPt>
+            <c:idx val="1"/>
+            <c:bubble3D val="0"/>
+            <c:spPr>
+              <a:solidFill>
+                <a:srgbClr val="92D050"/>
+              </a:solidFill>
+              <a:ln>
+                <a:noFill/>
+              </a:ln>
+              <a:effectLst>
+                <a:outerShdw dist="38096" dir="2700000" algn="tl">
+                  <a:srgbClr val="000000">
+                    <a:alpha val="40000"/>
+                  </a:srgbClr>
+                </a:outerShdw>
+              </a:effectLst>
+            </c:spPr>
+            <c:extLst>
+              <c:ext xmlns:c16="http://schemas.microsoft.com/office/drawing/2014/chart" uri="{C3380CC4-5D6E-409C-BE32-E72D297353CC}">
+                <c16:uniqueId val="{00000003-D9B5-497D-8F73-82FA95393228}"/>
+              </c:ext>
+            </c:extLst>
+          </c:dPt>
+          <c:dPt>
+            <c:idx val="2"/>
+            <c:bubble3D val="0"/>
+            <c:spPr>
+              <a:solidFill>
+                <a:srgbClr val="FFC000"/>
+              </a:solidFill>
+              <a:ln>
+                <a:noFill/>
+              </a:ln>
+              <a:effectLst>
+                <a:outerShdw dist="38096" dir="2700000" algn="tl">
+                  <a:srgbClr val="000000">
+                    <a:alpha val="40000"/>
+                  </a:srgbClr>
+                </a:outerShdw>
+              </a:effectLst>
+            </c:spPr>
+            <c:extLst>
+              <c:ext xmlns:c16="http://schemas.microsoft.com/office/drawing/2014/chart" uri="{C3380CC4-5D6E-409C-BE32-E72D297353CC}">
+                <c16:uniqueId val="{00000005-D9B5-497D-8F73-82FA95393228}"/>
+              </c:ext>
+            </c:extLst>
+          </c:dPt>
+          <c:dPt>
+            <c:idx val="3"/>
+            <c:bubble3D val="0"/>
+            <c:spPr>
+              <a:solidFill>
+                <a:srgbClr val="FFC000"/>
+              </a:solidFill>
+              <a:ln>
+                <a:noFill/>
+              </a:ln>
+              <a:effectLst>
+                <a:outerShdw dist="38096" dir="2700000" algn="tl">
+                  <a:srgbClr val="000000">
+                    <a:alpha val="40000"/>
+                  </a:srgbClr>
+                </a:outerShdw>
+              </a:effectLst>
+            </c:spPr>
+            <c:extLst>
+              <c:ext xmlns:c16="http://schemas.microsoft.com/office/drawing/2014/chart" uri="{C3380CC4-5D6E-409C-BE32-E72D297353CC}">
+                <c16:uniqueId val="{00000007-D9B5-497D-8F73-82FA95393228}"/>
+              </c:ext>
+            </c:extLst>
+          </c:dPt>
+          <c:dLbls>
+            <c:dLbl>
+              <c:idx val="0"/>
+              <c:layout/>
+              <c:tx>
+                <c:rich>
+                  <a:bodyPr/>
+                  <a:lstStyle/>
+                  <a:p>
+                    <a:r>
+                      <a:rPr lang="en-US" baseline="0" smtClean="0">
+                        <a:solidFill>
+                          <a:schemeClr val="bg2">
+                            <a:lumMod val="50000"/>
+                          </a:schemeClr>
+                        </a:solidFill>
+                      </a:rPr>
+                      <a:t>12</a:t>
+                    </a:r>
+                    <a:endParaRPr lang="en-US" baseline="0" dirty="0">
+                      <a:solidFill>
+                        <a:schemeClr val="bg2">
+                          <a:lumMod val="50000"/>
+                        </a:schemeClr>
+                      </a:solidFill>
+                    </a:endParaRPr>
+                  </a:p>
+                </c:rich>
+              </c:tx>
+              <c:showLegendKey val="0"/>
+              <c:showVal val="1"/>
+              <c:showCatName val="0"/>
+              <c:showSerName val="0"/>
+              <c:showPercent val="0"/>
+              <c:showBubbleSize val="0"/>
+              <c:separator>; </c:separator>
+              <c:extLst>
+                <c:ext xmlns:c15="http://schemas.microsoft.com/office/drawing/2012/chart" uri="{CE6537A1-D6FC-4f65-9D91-7224C49458BB}">
+                  <c15:layout/>
+                </c:ext>
+                <c:ext xmlns:c16="http://schemas.microsoft.com/office/drawing/2014/chart" uri="{C3380CC4-5D6E-409C-BE32-E72D297353CC}">
+                  <c16:uniqueId val="{00000001-D9B5-497D-8F73-82FA95393228}"/>
+                </c:ext>
+              </c:extLst>
+            </c:dLbl>
+            <c:dLbl>
+              <c:idx val="1"/>
+              <c:delete val="1"/>
+              <c:extLst>
+                <c:ext xmlns:c15="http://schemas.microsoft.com/office/drawing/2012/chart" uri="{CE6537A1-D6FC-4f65-9D91-7224C49458BB}"/>
+                <c:ext xmlns:c16="http://schemas.microsoft.com/office/drawing/2014/chart" uri="{C3380CC4-5D6E-409C-BE32-E72D297353CC}">
+                  <c16:uniqueId val="{00000003-D9B5-497D-8F73-82FA95393228}"/>
+                </c:ext>
+              </c:extLst>
+            </c:dLbl>
+            <c:dLbl>
+              <c:idx val="2"/>
+              <c:delete val="1"/>
+              <c:extLst>
+                <c:ext xmlns:c15="http://schemas.microsoft.com/office/drawing/2012/chart" uri="{CE6537A1-D6FC-4f65-9D91-7224C49458BB}"/>
+                <c:ext xmlns:c16="http://schemas.microsoft.com/office/drawing/2014/chart" uri="{C3380CC4-5D6E-409C-BE32-E72D297353CC}">
+                  <c16:uniqueId val="{00000005-D9B5-497D-8F73-82FA95393228}"/>
+                </c:ext>
+              </c:extLst>
+            </c:dLbl>
+            <c:dLbl>
+              <c:idx val="3"/>
+              <c:delete val="1"/>
+              <c:extLst>
+                <c:ext xmlns:c15="http://schemas.microsoft.com/office/drawing/2012/chart" uri="{CE6537A1-D6FC-4f65-9D91-7224C49458BB}"/>
+                <c:ext xmlns:c16="http://schemas.microsoft.com/office/drawing/2014/chart" uri="{C3380CC4-5D6E-409C-BE32-E72D297353CC}">
+                  <c16:uniqueId val="{00000007-D9B5-497D-8F73-82FA95393228}"/>
+                </c:ext>
+              </c:extLst>
+            </c:dLbl>
+            <c:spPr>
+              <a:noFill/>
+              <a:ln>
+                <a:noFill/>
+              </a:ln>
+              <a:effectLst/>
+            </c:spPr>
+            <c:txPr>
+              <a:bodyPr lIns="0" tIns="0" rIns="0" bIns="0"/>
+              <a:lstStyle/>
+              <a:p>
+                <a:pPr marL="0" marR="0" indent="0" algn="ctr" defTabSz="914400" fontAlgn="auto" hangingPunct="1">
+                  <a:lnSpc>
+                    <a:spcPct val="100000"/>
+                  </a:lnSpc>
+                  <a:spcBef>
+                    <a:spcPts val="0"/>
+                  </a:spcBef>
+                  <a:spcAft>
+                    <a:spcPts val="0"/>
+                  </a:spcAft>
+                  <a:tabLst/>
+                  <a:defRPr lang="es-ES" sz="1200" b="1" i="0" u="none" strike="noStrike" kern="1200" baseline="0">
+                    <a:solidFill>
+                      <a:srgbClr val="FFFFFF"/>
+                    </a:solidFill>
+                    <a:latin typeface="Calibri"/>
+                  </a:defRPr>
+                </a:pPr>
+                <a:endParaRPr lang="es-PE"/>
+              </a:p>
+            </c:txPr>
+            <c:showLegendKey val="0"/>
+            <c:showVal val="1"/>
+            <c:showCatName val="0"/>
+            <c:showSerName val="0"/>
+            <c:showPercent val="0"/>
+            <c:showBubbleSize val="0"/>
+            <c:separator>; </c:separator>
+            <c:showLeaderLines val="1"/>
+            <c:extLst>
+              <c:ext xmlns:c15="http://schemas.microsoft.com/office/drawing/2012/chart" uri="{CE6537A1-D6FC-4f65-9D91-7224C49458BB}">
+                <c15:spPr xmlns:c15="http://schemas.microsoft.com/office/drawing/2012/chart">
+                  <a:prstGeom prst="rect">
+                    <a:avLst/>
+                  </a:prstGeom>
+                </c15:spPr>
+              </c:ext>
+            </c:extLst>
+          </c:dLbls>
+          <c:cat>
+            <c:strLit>
+              <c:ptCount val="4"/>
+              <c:pt idx="0">
+                <c:v>TXT OK</c:v>
+              </c:pt>
+              <c:pt idx="1">
+                <c:v>TXT DIFIC</c:v>
+              </c:pt>
+              <c:pt idx="2">
+                <c:v>TXT MUL</c:v>
+              </c:pt>
+              <c:pt idx="3">
+                <c:v>TXT PEN</c:v>
+              </c:pt>
+            </c:strLit>
+          </c:cat>
+          <c:val>
+            <c:numLit>
+              <c:formatCode>General</c:formatCode>
+              <c:ptCount val="4"/>
+              <c:pt idx="0">
+                <c:v>13</c:v>
+              </c:pt>
+              <c:pt idx="1">
+                <c:v>4</c:v>
+              </c:pt>
+              <c:pt idx="2">
+                <c:v>0</c:v>
+              </c:pt>
+              <c:pt idx="3">
+                <c:v>0</c:v>
+              </c:pt>
+            </c:numLit>
+          </c:val>
+          <c:extLst>
+            <c:ext xmlns:c16="http://schemas.microsoft.com/office/drawing/2014/chart" uri="{C3380CC4-5D6E-409C-BE32-E72D297353CC}">
+              <c16:uniqueId val="{00000008-D9B5-497D-8F73-82FA95393228}"/>
+            </c:ext>
+          </c:extLst>
+        </c:ser>
+        <c:dLbls>
+          <c:showLegendKey val="0"/>
+          <c:showVal val="0"/>
+          <c:showCatName val="0"/>
+          <c:showSerName val="0"/>
+          <c:showPercent val="0"/>
+          <c:showBubbleSize val="0"/>
+          <c:showLeaderLines val="1"/>
+        </c:dLbls>
+        <c:firstSliceAng val="0"/>
+        <c:holeSize val="50"/>
+      </c:doughnutChart>
+      <c:spPr>
+        <a:noFill/>
+        <a:ln>
+          <a:noFill/>
+        </a:ln>
+      </c:spPr>
+    </c:plotArea>
+    <c:plotVisOnly val="1"/>
+    <c:dispBlanksAs val="gap"/>
+    <c:showDLblsOverMax val="0"/>
+  </c:chart>
+  <c:spPr>
+    <a:noFill/>
+    <a:ln>
+      <a:noFill/>
+    </a:ln>
+  </c:spPr>
+  <c:txPr>
+    <a:bodyPr lIns="0" tIns="0" rIns="0" bIns="0"/>
+    <a:lstStyle/>
+    <a:p>
+      <a:pPr marL="0" marR="0" indent="0" defTabSz="914400" fontAlgn="auto" hangingPunct="1">
+        <a:lnSpc>
+          <a:spcPct val="100000"/>
+        </a:lnSpc>
+        <a:spcBef>
+          <a:spcPts val="0"/>
+        </a:spcBef>
+        <a:spcAft>
+          <a:spcPts val="0"/>
+        </a:spcAft>
+        <a:tabLst/>
+        <a:defRPr lang="es-ES" sz="900" b="0" i="0" u="none" strike="noStrike" kern="1200" baseline="0">
+          <a:solidFill>
+            <a:srgbClr val="000000"/>
+          </a:solidFill>
+          <a:latin typeface="Calibri"/>
+        </a:defRPr>
+      </a:pPr>
+      <a:endParaRPr lang="es-PE"/>
+    </a:p>
+  </c:txPr>
+  <c:externalData r:id="rId1">
+    <c:autoUpdate val="0"/>
+  </c:externalData>
+</c:chartSpace>
+</file>
+
+<file path=ppt/charts/chart28.xml><?xml version="1.0" encoding="utf-8"?>
+<c:chartSpace xmlns:c="http://schemas.openxmlformats.org/drawingml/2006/chart" xmlns:a="http://schemas.openxmlformats.org/drawingml/2006/main" xmlns:r="http://schemas.openxmlformats.org/officeDocument/2006/relationships" xmlns:c16r2="http://schemas.microsoft.com/office/drawing/2015/06/chart">
+  <c:date1904 val="0"/>
+  <c:lang val="es-ES"/>
+  <c:roundedCorners val="0"/>
+  <mc:AlternateContent xmlns:mc="http://schemas.openxmlformats.org/markup-compatibility/2006">
+    <mc:Choice xmlns:c14="http://schemas.microsoft.com/office/drawing/2007/8/2/chart" Requires="c14">
+      <c14:style val="102"/>
+    </mc:Choice>
+    <mc:Fallback>
+      <c:style val="2"/>
+    </mc:Fallback>
+  </mc:AlternateContent>
+  <c:chart>
+    <c:autoTitleDeleted val="1"/>
+    <c:plotArea>
+      <c:layout/>
+      <c:doughnutChart>
+        <c:varyColors val="1"/>
+        <c:ser>
+          <c:idx val="0"/>
+          <c:order val="0"/>
+          <c:tx>
+            <c:v>Series1</c:v>
+          </c:tx>
+          <c:spPr>
+            <a:solidFill>
+              <a:srgbClr val="FFC000"/>
+            </a:solidFill>
+          </c:spPr>
+          <c:dPt>
+            <c:idx val="0"/>
+            <c:bubble3D val="0"/>
+            <c:spPr>
+              <a:solidFill>
+                <a:srgbClr val="92D050"/>
+              </a:solidFill>
+              <a:ln>
+                <a:noFill/>
+              </a:ln>
+              <a:effectLst>
+                <a:outerShdw dist="38096" dir="2700000" algn="tl">
+                  <a:srgbClr val="000000">
+                    <a:alpha val="40000"/>
+                  </a:srgbClr>
+                </a:outerShdw>
+              </a:effectLst>
+            </c:spPr>
+            <c:extLst>
+              <c:ext xmlns:c16="http://schemas.microsoft.com/office/drawing/2014/chart" uri="{C3380CC4-5D6E-409C-BE32-E72D297353CC}">
+                <c16:uniqueId val="{00000001-2648-48C7-899A-011ACE38AB28}"/>
+              </c:ext>
+            </c:extLst>
+          </c:dPt>
+          <c:dPt>
+            <c:idx val="1"/>
+            <c:bubble3D val="0"/>
+            <c:spPr>
+              <a:solidFill>
+                <a:srgbClr val="92D050"/>
+              </a:solidFill>
+              <a:ln>
+                <a:noFill/>
+              </a:ln>
+              <a:effectLst>
+                <a:outerShdw dist="38096" dir="2700000" algn="tl">
+                  <a:srgbClr val="000000">
+                    <a:alpha val="40000"/>
+                  </a:srgbClr>
+                </a:outerShdw>
+              </a:effectLst>
+            </c:spPr>
+            <c:extLst>
+              <c:ext xmlns:c16="http://schemas.microsoft.com/office/drawing/2014/chart" uri="{C3380CC4-5D6E-409C-BE32-E72D297353CC}">
+                <c16:uniqueId val="{00000003-2648-48C7-899A-011ACE38AB28}"/>
+              </c:ext>
+            </c:extLst>
+          </c:dPt>
+          <c:dPt>
+            <c:idx val="2"/>
+            <c:bubble3D val="0"/>
+            <c:spPr>
+              <a:solidFill>
+                <a:srgbClr val="FFC000"/>
+              </a:solidFill>
+              <a:ln>
+                <a:noFill/>
+              </a:ln>
+              <a:effectLst>
+                <a:outerShdw dist="38096" dir="2700000" algn="tl">
+                  <a:srgbClr val="000000">
+                    <a:alpha val="40000"/>
+                  </a:srgbClr>
+                </a:outerShdw>
+              </a:effectLst>
+            </c:spPr>
+            <c:extLst>
+              <c:ext xmlns:c16="http://schemas.microsoft.com/office/drawing/2014/chart" uri="{C3380CC4-5D6E-409C-BE32-E72D297353CC}">
+                <c16:uniqueId val="{00000005-2648-48C7-899A-011ACE38AB28}"/>
+              </c:ext>
+            </c:extLst>
+          </c:dPt>
+          <c:dPt>
+            <c:idx val="3"/>
+            <c:bubble3D val="0"/>
+            <c:spPr>
+              <a:solidFill>
+                <a:srgbClr val="FFC000"/>
+              </a:solidFill>
+              <a:ln>
+                <a:noFill/>
+              </a:ln>
+              <a:effectLst>
+                <a:outerShdw dist="38096" dir="2700000" algn="tl">
+                  <a:srgbClr val="000000">
+                    <a:alpha val="40000"/>
+                  </a:srgbClr>
+                </a:outerShdw>
+              </a:effectLst>
+            </c:spPr>
+            <c:extLst>
+              <c:ext xmlns:c16="http://schemas.microsoft.com/office/drawing/2014/chart" uri="{C3380CC4-5D6E-409C-BE32-E72D297353CC}">
+                <c16:uniqueId val="{00000007-2648-48C7-899A-011ACE38AB28}"/>
+              </c:ext>
+            </c:extLst>
+          </c:dPt>
+          <c:dLbls>
+            <c:dLbl>
+              <c:idx val="0"/>
+              <c:layout/>
+              <c:tx>
+                <c:rich>
+                  <a:bodyPr/>
+                  <a:lstStyle/>
+                  <a:p>
+                    <a:r>
+                      <a:rPr lang="en-US" baseline="0" smtClean="0">
+                        <a:solidFill>
+                          <a:schemeClr val="bg2">
+                            <a:lumMod val="50000"/>
+                          </a:schemeClr>
+                        </a:solidFill>
+                      </a:rPr>
+                      <a:t>12</a:t>
+                    </a:r>
+                    <a:endParaRPr lang="en-US" baseline="0" dirty="0">
+                      <a:solidFill>
+                        <a:schemeClr val="bg2">
+                          <a:lumMod val="50000"/>
+                        </a:schemeClr>
+                      </a:solidFill>
+                    </a:endParaRPr>
+                  </a:p>
+                </c:rich>
+              </c:tx>
+              <c:showLegendKey val="0"/>
+              <c:showVal val="1"/>
+              <c:showCatName val="0"/>
+              <c:showSerName val="0"/>
+              <c:showPercent val="0"/>
+              <c:showBubbleSize val="0"/>
+              <c:separator>; </c:separator>
+              <c:extLst>
+                <c:ext xmlns:c15="http://schemas.microsoft.com/office/drawing/2012/chart" uri="{CE6537A1-D6FC-4f65-9D91-7224C49458BB}">
+                  <c15:layout/>
+                </c:ext>
+                <c:ext xmlns:c16="http://schemas.microsoft.com/office/drawing/2014/chart" uri="{C3380CC4-5D6E-409C-BE32-E72D297353CC}">
+                  <c16:uniqueId val="{00000001-2648-48C7-899A-011ACE38AB28}"/>
+                </c:ext>
+              </c:extLst>
+            </c:dLbl>
+            <c:dLbl>
+              <c:idx val="1"/>
+              <c:delete val="1"/>
+              <c:extLst>
+                <c:ext xmlns:c15="http://schemas.microsoft.com/office/drawing/2012/chart" uri="{CE6537A1-D6FC-4f65-9D91-7224C49458BB}"/>
+                <c:ext xmlns:c16="http://schemas.microsoft.com/office/drawing/2014/chart" uri="{C3380CC4-5D6E-409C-BE32-E72D297353CC}">
+                  <c16:uniqueId val="{00000003-2648-48C7-899A-011ACE38AB28}"/>
+                </c:ext>
+              </c:extLst>
+            </c:dLbl>
+            <c:dLbl>
+              <c:idx val="2"/>
+              <c:delete val="1"/>
+              <c:extLst>
+                <c:ext xmlns:c15="http://schemas.microsoft.com/office/drawing/2012/chart" uri="{CE6537A1-D6FC-4f65-9D91-7224C49458BB}"/>
+                <c:ext xmlns:c16="http://schemas.microsoft.com/office/drawing/2014/chart" uri="{C3380CC4-5D6E-409C-BE32-E72D297353CC}">
+                  <c16:uniqueId val="{00000005-2648-48C7-899A-011ACE38AB28}"/>
+                </c:ext>
+              </c:extLst>
+            </c:dLbl>
+            <c:dLbl>
+              <c:idx val="3"/>
+              <c:delete val="1"/>
+              <c:extLst>
+                <c:ext xmlns:c15="http://schemas.microsoft.com/office/drawing/2012/chart" uri="{CE6537A1-D6FC-4f65-9D91-7224C49458BB}"/>
+                <c:ext xmlns:c16="http://schemas.microsoft.com/office/drawing/2014/chart" uri="{C3380CC4-5D6E-409C-BE32-E72D297353CC}">
+                  <c16:uniqueId val="{00000007-2648-48C7-899A-011ACE38AB28}"/>
+                </c:ext>
+              </c:extLst>
+            </c:dLbl>
+            <c:spPr>
+              <a:noFill/>
+              <a:ln>
+                <a:noFill/>
+              </a:ln>
+              <a:effectLst/>
+            </c:spPr>
+            <c:txPr>
+              <a:bodyPr lIns="0" tIns="0" rIns="0" bIns="0"/>
+              <a:lstStyle/>
+              <a:p>
+                <a:pPr marL="0" marR="0" indent="0" algn="ctr" defTabSz="914400" fontAlgn="auto" hangingPunct="1">
+                  <a:lnSpc>
+                    <a:spcPct val="100000"/>
+                  </a:lnSpc>
+                  <a:spcBef>
+                    <a:spcPts val="0"/>
+                  </a:spcBef>
+                  <a:spcAft>
+                    <a:spcPts val="0"/>
+                  </a:spcAft>
+                  <a:tabLst/>
+                  <a:defRPr lang="es-ES" sz="1200" b="1" i="0" u="none" strike="noStrike" kern="1200" baseline="0">
+                    <a:solidFill>
+                      <a:srgbClr val="FFFFFF"/>
+                    </a:solidFill>
+                    <a:latin typeface="Calibri"/>
+                  </a:defRPr>
+                </a:pPr>
+                <a:endParaRPr lang="es-PE"/>
+              </a:p>
+            </c:txPr>
+            <c:showLegendKey val="0"/>
+            <c:showVal val="1"/>
+            <c:showCatName val="0"/>
+            <c:showSerName val="0"/>
+            <c:showPercent val="0"/>
+            <c:showBubbleSize val="0"/>
+            <c:separator>; </c:separator>
+            <c:showLeaderLines val="1"/>
+            <c:extLst>
+              <c:ext xmlns:c15="http://schemas.microsoft.com/office/drawing/2012/chart" uri="{CE6537A1-D6FC-4f65-9D91-7224C49458BB}">
+                <c15:spPr xmlns:c15="http://schemas.microsoft.com/office/drawing/2012/chart">
+                  <a:prstGeom prst="rect">
+                    <a:avLst/>
+                  </a:prstGeom>
+                </c15:spPr>
+              </c:ext>
+            </c:extLst>
+          </c:dLbls>
+          <c:cat>
+            <c:strLit>
+              <c:ptCount val="4"/>
+              <c:pt idx="0">
+                <c:v>TXT OK</c:v>
+              </c:pt>
+              <c:pt idx="1">
+                <c:v>TXT DIFIC</c:v>
+              </c:pt>
+              <c:pt idx="2">
+                <c:v>TXT MUL</c:v>
+              </c:pt>
+              <c:pt idx="3">
+                <c:v>TXT PEN</c:v>
+              </c:pt>
+            </c:strLit>
+          </c:cat>
+          <c:val>
+            <c:numLit>
+              <c:formatCode>General</c:formatCode>
+              <c:ptCount val="4"/>
+              <c:pt idx="0">
+                <c:v>13</c:v>
+              </c:pt>
+              <c:pt idx="1">
+                <c:v>4</c:v>
+              </c:pt>
+              <c:pt idx="2">
+                <c:v>0</c:v>
+              </c:pt>
+              <c:pt idx="3">
+                <c:v>0</c:v>
+              </c:pt>
+            </c:numLit>
+          </c:val>
+          <c:extLst>
+            <c:ext xmlns:c16="http://schemas.microsoft.com/office/drawing/2014/chart" uri="{C3380CC4-5D6E-409C-BE32-E72D297353CC}">
+              <c16:uniqueId val="{00000008-2648-48C7-899A-011ACE38AB28}"/>
+            </c:ext>
+          </c:extLst>
+        </c:ser>
+        <c:dLbls>
+          <c:showLegendKey val="0"/>
+          <c:showVal val="0"/>
+          <c:showCatName val="0"/>
+          <c:showSerName val="0"/>
+          <c:showPercent val="0"/>
+          <c:showBubbleSize val="0"/>
+          <c:showLeaderLines val="1"/>
+        </c:dLbls>
+        <c:firstSliceAng val="0"/>
+        <c:holeSize val="50"/>
+      </c:doughnutChart>
+      <c:spPr>
+        <a:noFill/>
+        <a:ln>
+          <a:noFill/>
+        </a:ln>
+      </c:spPr>
+    </c:plotArea>
+    <c:plotVisOnly val="1"/>
+    <c:dispBlanksAs val="gap"/>
+    <c:showDLblsOverMax val="0"/>
+  </c:chart>
+  <c:spPr>
+    <a:noFill/>
+    <a:ln>
+      <a:noFill/>
+    </a:ln>
+  </c:spPr>
+  <c:txPr>
+    <a:bodyPr lIns="0" tIns="0" rIns="0" bIns="0"/>
+    <a:lstStyle/>
+    <a:p>
+      <a:pPr marL="0" marR="0" indent="0" defTabSz="914400" fontAlgn="auto" hangingPunct="1">
+        <a:lnSpc>
+          <a:spcPct val="100000"/>
+        </a:lnSpc>
+        <a:spcBef>
+          <a:spcPts val="0"/>
+        </a:spcBef>
+        <a:spcAft>
+          <a:spcPts val="0"/>
+        </a:spcAft>
+        <a:tabLst/>
+        <a:defRPr lang="es-ES" sz="900" b="0" i="0" u="none" strike="noStrike" kern="1200" baseline="0">
+          <a:solidFill>
+            <a:srgbClr val="000000"/>
+          </a:solidFill>
+          <a:latin typeface="Calibri"/>
+        </a:defRPr>
+      </a:pPr>
+      <a:endParaRPr lang="es-PE"/>
+    </a:p>
+  </c:txPr>
+  <c:externalData r:id="rId1">
+    <c:autoUpdate val="0"/>
+  </c:externalData>
+</c:chartSpace>
+</file>
+
+<file path=ppt/charts/chart29.xml><?xml version="1.0" encoding="utf-8"?>
+<c:chartSpace xmlns:c="http://schemas.openxmlformats.org/drawingml/2006/chart" xmlns:a="http://schemas.openxmlformats.org/drawingml/2006/main" xmlns:r="http://schemas.openxmlformats.org/officeDocument/2006/relationships" xmlns:c16r2="http://schemas.microsoft.com/office/drawing/2015/06/chart">
+  <c:date1904 val="0"/>
+  <c:lang val="es-ES"/>
+  <c:roundedCorners val="0"/>
+  <mc:AlternateContent xmlns:mc="http://schemas.openxmlformats.org/markup-compatibility/2006">
+    <mc:Choice xmlns:c14="http://schemas.microsoft.com/office/drawing/2007/8/2/chart" Requires="c14">
+      <c14:style val="102"/>
+    </mc:Choice>
+    <mc:Fallback>
+      <c:style val="2"/>
+    </mc:Fallback>
+  </mc:AlternateContent>
+  <c:chart>
+    <c:autoTitleDeleted val="1"/>
+    <c:plotArea>
+      <c:layout/>
+      <c:doughnutChart>
+        <c:varyColors val="1"/>
+        <c:ser>
+          <c:idx val="0"/>
+          <c:order val="0"/>
+          <c:tx>
+            <c:v>Series1</c:v>
+          </c:tx>
           <c:dPt>
             <c:idx val="0"/>
             <c:bubble3D val="0"/>
@@ -9155,47 +8270,14 @@
                 </a:outerShdw>
               </a:effectLst>
             </c:spPr>
+            <c:extLst>
+              <c:ext xmlns:c16="http://schemas.microsoft.com/office/drawing/2014/chart" uri="{C3380CC4-5D6E-409C-BE32-E72D297353CC}">
+                <c16:uniqueId val="{00000001-5BF5-4C0B-8879-DB607F347F24}"/>
+              </c:ext>
+            </c:extLst>
           </c:dPt>
           <c:dPt>
             <c:idx val="1"/>
-            <c:bubble3D val="0"/>
-            <c:spPr>
-              <a:solidFill>
-                <a:srgbClr val="92D050"/>
-              </a:solidFill>
-              <a:ln>
-                <a:noFill/>
-              </a:ln>
-              <a:effectLst>
-                <a:outerShdw dist="38103" dir="5400000" algn="tl">
-                  <a:srgbClr val="000000">
-                    <a:alpha val="40000"/>
-                  </a:srgbClr>
-                </a:outerShdw>
-              </a:effectLst>
-            </c:spPr>
-          </c:dPt>
-          <c:dPt>
-            <c:idx val="2"/>
-            <c:bubble3D val="0"/>
-            <c:spPr>
-              <a:solidFill>
-                <a:srgbClr val="92D050"/>
-              </a:solidFill>
-              <a:ln>
-                <a:noFill/>
-              </a:ln>
-              <a:effectLst>
-                <a:outerShdw dist="38103" dir="5400000" algn="tl">
-                  <a:srgbClr val="000000">
-                    <a:alpha val="40000"/>
-                  </a:srgbClr>
-                </a:outerShdw>
-              </a:effectLst>
-            </c:spPr>
-          </c:dPt>
-          <c:dPt>
-            <c:idx val="3"/>
             <c:bubble3D val="0"/>
             <c:spPr>
               <a:solidFill>
@@ -9212,14 +8294,142 @@
                 </a:outerShdw>
               </a:effectLst>
             </c:spPr>
+            <c:extLst>
+              <c:ext xmlns:c16="http://schemas.microsoft.com/office/drawing/2014/chart" uri="{C3380CC4-5D6E-409C-BE32-E72D297353CC}">
+                <c16:uniqueId val="{00000003-5BF5-4C0B-8879-DB607F347F24}"/>
+              </c:ext>
+            </c:extLst>
+          </c:dPt>
+          <c:dPt>
+            <c:idx val="2"/>
+            <c:bubble3D val="0"/>
+            <c:spPr>
+              <a:solidFill>
+                <a:srgbClr val="FF0000"/>
+              </a:solidFill>
+              <a:ln>
+                <a:noFill/>
+              </a:ln>
+              <a:effectLst>
+                <a:outerShdw dist="38103" dir="5400000" algn="tl">
+                  <a:srgbClr val="000000">
+                    <a:alpha val="40000"/>
+                  </a:srgbClr>
+                </a:outerShdw>
+              </a:effectLst>
+            </c:spPr>
+            <c:extLst>
+              <c:ext xmlns:c16="http://schemas.microsoft.com/office/drawing/2014/chart" uri="{C3380CC4-5D6E-409C-BE32-E72D297353CC}">
+                <c16:uniqueId val="{00000005-5BF5-4C0B-8879-DB607F347F24}"/>
+              </c:ext>
+            </c:extLst>
+          </c:dPt>
+          <c:dPt>
+            <c:idx val="3"/>
+            <c:bubble3D val="0"/>
+            <c:spPr>
+              <a:solidFill>
+                <a:srgbClr val="FF0000"/>
+              </a:solidFill>
+              <a:ln>
+                <a:noFill/>
+              </a:ln>
+              <a:effectLst>
+                <a:outerShdw dist="38103" dir="5400000" algn="tl">
+                  <a:srgbClr val="000000">
+                    <a:alpha val="40000"/>
+                  </a:srgbClr>
+                </a:outerShdw>
+              </a:effectLst>
+            </c:spPr>
+            <c:extLst>
+              <c:ext xmlns:c16="http://schemas.microsoft.com/office/drawing/2014/chart" uri="{C3380CC4-5D6E-409C-BE32-E72D297353CC}">
+                <c16:uniqueId val="{00000007-5BF5-4C0B-8879-DB607F347F24}"/>
+              </c:ext>
+            </c:extLst>
           </c:dPt>
           <c:dLbls>
             <c:dLbl>
               <c:idx val="0"/>
+              <c:layout/>
+              <c:tx>
+                <c:rich>
+                  <a:bodyPr/>
+                  <a:lstStyle/>
+                  <a:p>
+                    <a:r>
+                      <a:rPr lang="en-US" baseline="0" smtClean="0">
+                        <a:solidFill>
+                          <a:srgbClr val="000000"/>
+                        </a:solidFill>
+                      </a:rPr>
+                      <a:t>11</a:t>
+                    </a:r>
+                    <a:endParaRPr lang="en-US" baseline="0" dirty="0">
+                      <a:solidFill>
+                        <a:srgbClr val="000000"/>
+                      </a:solidFill>
+                    </a:endParaRPr>
+                  </a:p>
+                </c:rich>
+              </c:tx>
+              <c:showLegendKey val="0"/>
+              <c:showVal val="1"/>
+              <c:showCatName val="0"/>
+              <c:showSerName val="0"/>
+              <c:showPercent val="0"/>
+              <c:showBubbleSize val="0"/>
+              <c:separator>; </c:separator>
+              <c:extLst>
+                <c:ext xmlns:c15="http://schemas.microsoft.com/office/drawing/2012/chart" uri="{CE6537A1-D6FC-4f65-9D91-7224C49458BB}">
+                  <c15:layout/>
+                </c:ext>
+                <c:ext xmlns:c16="http://schemas.microsoft.com/office/drawing/2014/chart" uri="{C3380CC4-5D6E-409C-BE32-E72D297353CC}">
+                  <c16:uniqueId val="{00000001-5BF5-4C0B-8879-DB607F347F24}"/>
+                </c:ext>
+              </c:extLst>
+            </c:dLbl>
+            <c:dLbl>
+              <c:idx val="1"/>
+              <c:layout/>
+              <c:tx>
+                <c:rich>
+                  <a:bodyPr/>
+                  <a:lstStyle/>
+                  <a:p>
+                    <a:r>
+                      <a:rPr lang="en-US" baseline="0" dirty="0" smtClean="0">
+                        <a:solidFill>
+                          <a:srgbClr val="000000"/>
+                        </a:solidFill>
+                      </a:rPr>
+                      <a:t>2</a:t>
+                    </a:r>
+                  </a:p>
+                </c:rich>
+              </c:tx>
+              <c:showLegendKey val="0"/>
+              <c:showVal val="1"/>
+              <c:showCatName val="0"/>
+              <c:showSerName val="0"/>
+              <c:showPercent val="0"/>
+              <c:showBubbleSize val="0"/>
+              <c:separator>; </c:separator>
+              <c:extLst>
+                <c:ext xmlns:c15="http://schemas.microsoft.com/office/drawing/2012/chart" uri="{CE6537A1-D6FC-4f65-9D91-7224C49458BB}">
+                  <c15:layout/>
+                </c:ext>
+                <c:ext xmlns:c16="http://schemas.microsoft.com/office/drawing/2014/chart" uri="{C3380CC4-5D6E-409C-BE32-E72D297353CC}">
+                  <c16:uniqueId val="{00000003-5BF5-4C0B-8879-DB607F347F24}"/>
+                </c:ext>
+              </c:extLst>
+            </c:dLbl>
+            <c:dLbl>
+              <c:idx val="2"/>
               <c:layout>
                 <c:manualLayout>
-                  <c:x val="-3.6333276954426161E-2"/>
-                  <c:y val="3.8151143640185438E-2"/>
+                  <c:x val="0.1381123147273827"/>
+                  <c:y val="-0.13861814085786073"/>
                 </c:manualLayout>
               </c:layout>
               <c:tx>
@@ -9233,7 +8443,7 @@
                           <a:srgbClr val="000000"/>
                         </a:solidFill>
                       </a:rPr>
-                      <a:t>21</a:t>
+                      <a:t>1</a:t>
                     </a:r>
                     <a:endParaRPr lang="en-US" baseline="0" dirty="0">
                       <a:solidFill>
@@ -9254,25 +8464,14 @@
                 <c:ext xmlns:c15="http://schemas.microsoft.com/office/drawing/2012/chart" uri="{CE6537A1-D6FC-4f65-9D91-7224C49458BB}">
                   <c15:layout>
                     <c:manualLayout>
-                      <c:w val="0.18666031122621193"/>
-                      <c:h val="0.17625893824398881"/>
+                      <c:w val="0.10159676615067956"/>
+                      <c:h val="0.11539960226416905"/>
                     </c:manualLayout>
                   </c15:layout>
                 </c:ext>
-              </c:extLst>
-            </c:dLbl>
-            <c:dLbl>
-              <c:idx val="1"/>
-              <c:delete val="1"/>
-              <c:extLst>
-                <c:ext xmlns:c15="http://schemas.microsoft.com/office/drawing/2012/chart" uri="{CE6537A1-D6FC-4f65-9D91-7224C49458BB}"/>
-              </c:extLst>
-            </c:dLbl>
-            <c:dLbl>
-              <c:idx val="2"/>
-              <c:delete val="1"/>
-              <c:extLst>
-                <c:ext xmlns:c15="http://schemas.microsoft.com/office/drawing/2012/chart" uri="{CE6537A1-D6FC-4f65-9D91-7224C49458BB}"/>
+                <c:ext xmlns:c16="http://schemas.microsoft.com/office/drawing/2014/chart" uri="{C3380CC4-5D6E-409C-BE32-E72D297353CC}">
+                  <c16:uniqueId val="{00000005-5BF5-4C0B-8879-DB607F347F24}"/>
+                </c:ext>
               </c:extLst>
             </c:dLbl>
             <c:dLbl>
@@ -9280,6 +8479,9 @@
               <c:delete val="1"/>
               <c:extLst>
                 <c:ext xmlns:c15="http://schemas.microsoft.com/office/drawing/2012/chart" uri="{CE6537A1-D6FC-4f65-9D91-7224C49458BB}"/>
+                <c:ext xmlns:c16="http://schemas.microsoft.com/office/drawing/2014/chart" uri="{C3380CC4-5D6E-409C-BE32-E72D297353CC}">
+                  <c16:uniqueId val="{00000007-5BF5-4C0B-8879-DB607F347F24}"/>
+                </c:ext>
               </c:extLst>
             </c:dLbl>
             <c:spPr>
@@ -9367,6 +8569,1851 @@
               </c:pt>
             </c:numLit>
           </c:val>
+          <c:extLst>
+            <c:ext xmlns:c16="http://schemas.microsoft.com/office/drawing/2014/chart" uri="{C3380CC4-5D6E-409C-BE32-E72D297353CC}">
+              <c16:uniqueId val="{00000008-5BF5-4C0B-8879-DB607F347F24}"/>
+            </c:ext>
+          </c:extLst>
+        </c:ser>
+        <c:dLbls>
+          <c:showLegendKey val="0"/>
+          <c:showVal val="0"/>
+          <c:showCatName val="0"/>
+          <c:showSerName val="0"/>
+          <c:showPercent val="0"/>
+          <c:showBubbleSize val="0"/>
+          <c:showLeaderLines val="1"/>
+        </c:dLbls>
+        <c:firstSliceAng val="0"/>
+        <c:holeSize val="50"/>
+      </c:doughnutChart>
+      <c:spPr>
+        <a:noFill/>
+        <a:ln>
+          <a:noFill/>
+        </a:ln>
+      </c:spPr>
+    </c:plotArea>
+    <c:plotVisOnly val="1"/>
+    <c:dispBlanksAs val="gap"/>
+    <c:showDLblsOverMax val="0"/>
+  </c:chart>
+  <c:spPr>
+    <a:noFill/>
+    <a:ln>
+      <a:noFill/>
+    </a:ln>
+  </c:spPr>
+  <c:txPr>
+    <a:bodyPr lIns="0" tIns="0" rIns="0" bIns="0"/>
+    <a:lstStyle/>
+    <a:p>
+      <a:pPr marL="0" marR="0" indent="0" defTabSz="914400" fontAlgn="auto" hangingPunct="1">
+        <a:lnSpc>
+          <a:spcPct val="100000"/>
+        </a:lnSpc>
+        <a:spcBef>
+          <a:spcPts val="0"/>
+        </a:spcBef>
+        <a:spcAft>
+          <a:spcPts val="0"/>
+        </a:spcAft>
+        <a:tabLst/>
+        <a:defRPr lang="es-ES" sz="900" b="0" i="0" u="none" strike="noStrike" kern="1200" baseline="0">
+          <a:solidFill>
+            <a:srgbClr val="000000"/>
+          </a:solidFill>
+          <a:latin typeface="Calibri"/>
+        </a:defRPr>
+      </a:pPr>
+      <a:endParaRPr lang="es-PE"/>
+    </a:p>
+  </c:txPr>
+  <c:externalData r:id="rId1">
+    <c:autoUpdate val="0"/>
+  </c:externalData>
+</c:chartSpace>
+</file>
+
+<file path=ppt/charts/chart3.xml><?xml version="1.0" encoding="utf-8"?>
+<c:chartSpace xmlns:c="http://schemas.openxmlformats.org/drawingml/2006/chart" xmlns:a="http://schemas.openxmlformats.org/drawingml/2006/main" xmlns:r="http://schemas.openxmlformats.org/officeDocument/2006/relationships" xmlns:c16r2="http://schemas.microsoft.com/office/drawing/2015/06/chart">
+  <c:date1904 val="0"/>
+  <c:lang val="es-ES"/>
+  <c:roundedCorners val="0"/>
+  <mc:AlternateContent xmlns:mc="http://schemas.openxmlformats.org/markup-compatibility/2006">
+    <mc:Choice xmlns:c14="http://schemas.microsoft.com/office/drawing/2007/8/2/chart" Requires="c14">
+      <c14:style val="102"/>
+    </mc:Choice>
+    <mc:Fallback>
+      <c:style val="2"/>
+    </mc:Fallback>
+  </mc:AlternateContent>
+  <c:chart>
+    <c:autoTitleDeleted val="1"/>
+    <c:plotArea>
+      <c:layout/>
+      <c:doughnutChart>
+        <c:varyColors val="1"/>
+        <c:ser>
+          <c:idx val="0"/>
+          <c:order val="0"/>
+          <c:tx>
+            <c:v>Series1</c:v>
+          </c:tx>
+          <c:spPr>
+            <a:solidFill>
+              <a:srgbClr val="92D050"/>
+            </a:solidFill>
+          </c:spPr>
+          <c:dPt>
+            <c:idx val="0"/>
+            <c:bubble3D val="0"/>
+            <c:spPr>
+              <a:solidFill>
+                <a:srgbClr val="92D050"/>
+              </a:solidFill>
+              <a:ln>
+                <a:noFill/>
+              </a:ln>
+              <a:effectLst>
+                <a:outerShdw dist="38103" dir="5400000" algn="tl">
+                  <a:srgbClr val="000000">
+                    <a:alpha val="40000"/>
+                  </a:srgbClr>
+                </a:outerShdw>
+              </a:effectLst>
+            </c:spPr>
+            <c:extLst>
+              <c:ext xmlns:c16="http://schemas.microsoft.com/office/drawing/2014/chart" uri="{C3380CC4-5D6E-409C-BE32-E72D297353CC}">
+                <c16:uniqueId val="{00000001-B0D1-4B09-8B3F-C5A406D47264}"/>
+              </c:ext>
+            </c:extLst>
+          </c:dPt>
+          <c:dPt>
+            <c:idx val="1"/>
+            <c:bubble3D val="0"/>
+            <c:spPr>
+              <a:solidFill>
+                <a:srgbClr val="92D050"/>
+              </a:solidFill>
+              <a:ln>
+                <a:noFill/>
+              </a:ln>
+              <a:effectLst>
+                <a:outerShdw dist="38103" dir="5400000" algn="tl">
+                  <a:srgbClr val="000000">
+                    <a:alpha val="40000"/>
+                  </a:srgbClr>
+                </a:outerShdw>
+              </a:effectLst>
+            </c:spPr>
+            <c:extLst>
+              <c:ext xmlns:c16="http://schemas.microsoft.com/office/drawing/2014/chart" uri="{C3380CC4-5D6E-409C-BE32-E72D297353CC}">
+                <c16:uniqueId val="{00000003-B0D1-4B09-8B3F-C5A406D47264}"/>
+              </c:ext>
+            </c:extLst>
+          </c:dPt>
+          <c:dPt>
+            <c:idx val="2"/>
+            <c:bubble3D val="0"/>
+            <c:spPr>
+              <a:solidFill>
+                <a:srgbClr val="92D050"/>
+              </a:solidFill>
+              <a:ln>
+                <a:noFill/>
+              </a:ln>
+              <a:effectLst>
+                <a:outerShdw dist="38103" dir="5400000" algn="tl">
+                  <a:srgbClr val="000000">
+                    <a:alpha val="40000"/>
+                  </a:srgbClr>
+                </a:outerShdw>
+              </a:effectLst>
+            </c:spPr>
+            <c:extLst>
+              <c:ext xmlns:c16="http://schemas.microsoft.com/office/drawing/2014/chart" uri="{C3380CC4-5D6E-409C-BE32-E72D297353CC}">
+                <c16:uniqueId val="{00000005-B0D1-4B09-8B3F-C5A406D47264}"/>
+              </c:ext>
+            </c:extLst>
+          </c:dPt>
+          <c:dPt>
+            <c:idx val="3"/>
+            <c:bubble3D val="0"/>
+            <c:spPr>
+              <a:solidFill>
+                <a:srgbClr val="92D050"/>
+              </a:solidFill>
+              <a:ln>
+                <a:noFill/>
+              </a:ln>
+              <a:effectLst>
+                <a:outerShdw dist="38103" dir="5400000" algn="tl">
+                  <a:srgbClr val="000000">
+                    <a:alpha val="40000"/>
+                  </a:srgbClr>
+                </a:outerShdw>
+              </a:effectLst>
+            </c:spPr>
+            <c:extLst>
+              <c:ext xmlns:c16="http://schemas.microsoft.com/office/drawing/2014/chart" uri="{C3380CC4-5D6E-409C-BE32-E72D297353CC}">
+                <c16:uniqueId val="{00000007-B0D1-4B09-8B3F-C5A406D47264}"/>
+              </c:ext>
+            </c:extLst>
+          </c:dPt>
+          <c:dLbls>
+            <c:dLbl>
+              <c:idx val="0"/>
+              <c:layout/>
+              <c:tx>
+                <c:rich>
+                  <a:bodyPr/>
+                  <a:lstStyle/>
+                  <a:p>
+                    <a:r>
+                      <a:rPr lang="en-US" dirty="0" smtClean="0"/>
+                      <a:t>10</a:t>
+                    </a:r>
+                  </a:p>
+                </c:rich>
+              </c:tx>
+              <c:showLegendKey val="0"/>
+              <c:showVal val="1"/>
+              <c:showCatName val="0"/>
+              <c:showSerName val="0"/>
+              <c:showPercent val="0"/>
+              <c:showBubbleSize val="0"/>
+              <c:separator>; </c:separator>
+              <c:extLst>
+                <c:ext xmlns:c15="http://schemas.microsoft.com/office/drawing/2012/chart" uri="{CE6537A1-D6FC-4f65-9D91-7224C49458BB}">
+                  <c15:layout/>
+                </c:ext>
+                <c:ext xmlns:c16="http://schemas.microsoft.com/office/drawing/2014/chart" uri="{C3380CC4-5D6E-409C-BE32-E72D297353CC}">
+                  <c16:uniqueId val="{00000001-B0D1-4B09-8B3F-C5A406D47264}"/>
+                </c:ext>
+              </c:extLst>
+            </c:dLbl>
+            <c:dLbl>
+              <c:idx val="1"/>
+              <c:delete val="1"/>
+              <c:extLst>
+                <c:ext xmlns:c15="http://schemas.microsoft.com/office/drawing/2012/chart" uri="{CE6537A1-D6FC-4f65-9D91-7224C49458BB}"/>
+                <c:ext xmlns:c16="http://schemas.microsoft.com/office/drawing/2014/chart" uri="{C3380CC4-5D6E-409C-BE32-E72D297353CC}">
+                  <c16:uniqueId val="{00000003-B0D1-4B09-8B3F-C5A406D47264}"/>
+                </c:ext>
+              </c:extLst>
+            </c:dLbl>
+            <c:dLbl>
+              <c:idx val="2"/>
+              <c:delete val="1"/>
+              <c:extLst>
+                <c:ext xmlns:c15="http://schemas.microsoft.com/office/drawing/2012/chart" uri="{CE6537A1-D6FC-4f65-9D91-7224C49458BB}"/>
+                <c:ext xmlns:c16="http://schemas.microsoft.com/office/drawing/2014/chart" uri="{C3380CC4-5D6E-409C-BE32-E72D297353CC}">
+                  <c16:uniqueId val="{00000005-B0D1-4B09-8B3F-C5A406D47264}"/>
+                </c:ext>
+              </c:extLst>
+            </c:dLbl>
+            <c:dLbl>
+              <c:idx val="3"/>
+              <c:delete val="1"/>
+              <c:extLst>
+                <c:ext xmlns:c15="http://schemas.microsoft.com/office/drawing/2012/chart" uri="{CE6537A1-D6FC-4f65-9D91-7224C49458BB}"/>
+                <c:ext xmlns:c16="http://schemas.microsoft.com/office/drawing/2014/chart" uri="{C3380CC4-5D6E-409C-BE32-E72D297353CC}">
+                  <c16:uniqueId val="{00000007-B0D1-4B09-8B3F-C5A406D47264}"/>
+                </c:ext>
+              </c:extLst>
+            </c:dLbl>
+            <c:spPr>
+              <a:noFill/>
+              <a:ln>
+                <a:noFill/>
+              </a:ln>
+              <a:effectLst/>
+            </c:spPr>
+            <c:txPr>
+              <a:bodyPr lIns="0" tIns="0" rIns="0" bIns="0"/>
+              <a:lstStyle/>
+              <a:p>
+                <a:pPr marL="0" marR="0" indent="0" algn="ctr" defTabSz="914400" fontAlgn="auto" hangingPunct="1">
+                  <a:lnSpc>
+                    <a:spcPct val="100000"/>
+                  </a:lnSpc>
+                  <a:spcBef>
+                    <a:spcPts val="0"/>
+                  </a:spcBef>
+                  <a:spcAft>
+                    <a:spcPts val="0"/>
+                  </a:spcAft>
+                  <a:tabLst/>
+                  <a:defRPr lang="es-ES" sz="1200" b="1" i="0" u="none" strike="noStrike" kern="1200" baseline="0">
+                    <a:solidFill>
+                      <a:srgbClr val="000000"/>
+                    </a:solidFill>
+                    <a:latin typeface="Calibri"/>
+                  </a:defRPr>
+                </a:pPr>
+                <a:endParaRPr lang="es-PE"/>
+              </a:p>
+            </c:txPr>
+            <c:showLegendKey val="0"/>
+            <c:showVal val="1"/>
+            <c:showCatName val="0"/>
+            <c:showSerName val="0"/>
+            <c:showPercent val="0"/>
+            <c:showBubbleSize val="0"/>
+            <c:separator>; </c:separator>
+            <c:showLeaderLines val="1"/>
+            <c:extLst>
+              <c:ext xmlns:c15="http://schemas.microsoft.com/office/drawing/2012/chart" uri="{CE6537A1-D6FC-4f65-9D91-7224C49458BB}">
+                <c15:spPr xmlns:c15="http://schemas.microsoft.com/office/drawing/2012/chart">
+                  <a:prstGeom prst="rect">
+                    <a:avLst/>
+                  </a:prstGeom>
+                </c15:spPr>
+              </c:ext>
+            </c:extLst>
+          </c:dLbls>
+          <c:cat>
+            <c:strLit>
+              <c:ptCount val="4"/>
+              <c:pt idx="0">
+                <c:v>TXT OK</c:v>
+              </c:pt>
+              <c:pt idx="1">
+                <c:v>TXT DIFIC</c:v>
+              </c:pt>
+              <c:pt idx="2">
+                <c:v>TXT MUL</c:v>
+              </c:pt>
+              <c:pt idx="3">
+                <c:v>TXT PEN</c:v>
+              </c:pt>
+            </c:strLit>
+          </c:cat>
+          <c:val>
+            <c:numLit>
+              <c:formatCode>General</c:formatCode>
+              <c:ptCount val="4"/>
+              <c:pt idx="0">
+                <c:v>12</c:v>
+              </c:pt>
+              <c:pt idx="1">
+                <c:v>3</c:v>
+              </c:pt>
+              <c:pt idx="2">
+                <c:v>0</c:v>
+              </c:pt>
+              <c:pt idx="3">
+                <c:v>4</c:v>
+              </c:pt>
+            </c:numLit>
+          </c:val>
+          <c:extLst>
+            <c:ext xmlns:c16="http://schemas.microsoft.com/office/drawing/2014/chart" uri="{C3380CC4-5D6E-409C-BE32-E72D297353CC}">
+              <c16:uniqueId val="{00000008-B0D1-4B09-8B3F-C5A406D47264}"/>
+            </c:ext>
+          </c:extLst>
+        </c:ser>
+        <c:dLbls>
+          <c:showLegendKey val="0"/>
+          <c:showVal val="0"/>
+          <c:showCatName val="0"/>
+          <c:showSerName val="0"/>
+          <c:showPercent val="0"/>
+          <c:showBubbleSize val="0"/>
+          <c:showLeaderLines val="1"/>
+        </c:dLbls>
+        <c:firstSliceAng val="0"/>
+        <c:holeSize val="50"/>
+      </c:doughnutChart>
+      <c:spPr>
+        <a:noFill/>
+        <a:ln>
+          <a:noFill/>
+        </a:ln>
+      </c:spPr>
+    </c:plotArea>
+    <c:plotVisOnly val="1"/>
+    <c:dispBlanksAs val="gap"/>
+    <c:showDLblsOverMax val="0"/>
+  </c:chart>
+  <c:spPr>
+    <a:noFill/>
+    <a:ln>
+      <a:noFill/>
+    </a:ln>
+  </c:spPr>
+  <c:txPr>
+    <a:bodyPr lIns="0" tIns="0" rIns="0" bIns="0"/>
+    <a:lstStyle/>
+    <a:p>
+      <a:pPr marL="0" marR="0" indent="0" defTabSz="914400" fontAlgn="auto" hangingPunct="1">
+        <a:lnSpc>
+          <a:spcPct val="100000"/>
+        </a:lnSpc>
+        <a:spcBef>
+          <a:spcPts val="0"/>
+        </a:spcBef>
+        <a:spcAft>
+          <a:spcPts val="0"/>
+        </a:spcAft>
+        <a:tabLst/>
+        <a:defRPr lang="es-ES" sz="900" b="0" i="0" u="none" strike="noStrike" kern="1200" baseline="0">
+          <a:solidFill>
+            <a:srgbClr val="000000"/>
+          </a:solidFill>
+          <a:latin typeface="Calibri"/>
+        </a:defRPr>
+      </a:pPr>
+      <a:endParaRPr lang="es-PE"/>
+    </a:p>
+  </c:txPr>
+  <c:externalData r:id="rId1">
+    <c:autoUpdate val="0"/>
+  </c:externalData>
+</c:chartSpace>
+</file>
+
+<file path=ppt/charts/chart30.xml><?xml version="1.0" encoding="utf-8"?>
+<c:chartSpace xmlns:c="http://schemas.openxmlformats.org/drawingml/2006/chart" xmlns:a="http://schemas.openxmlformats.org/drawingml/2006/main" xmlns:r="http://schemas.openxmlformats.org/officeDocument/2006/relationships" xmlns:c16r2="http://schemas.microsoft.com/office/drawing/2015/06/chart">
+  <c:date1904 val="0"/>
+  <c:lang val="es-ES"/>
+  <c:roundedCorners val="0"/>
+  <mc:AlternateContent xmlns:mc="http://schemas.openxmlformats.org/markup-compatibility/2006">
+    <mc:Choice xmlns:c14="http://schemas.microsoft.com/office/drawing/2007/8/2/chart" Requires="c14">
+      <c14:style val="102"/>
+    </mc:Choice>
+    <mc:Fallback>
+      <c:style val="2"/>
+    </mc:Fallback>
+  </mc:AlternateContent>
+  <c:chart>
+    <c:autoTitleDeleted val="1"/>
+    <c:plotArea>
+      <c:layout/>
+      <c:doughnutChart>
+        <c:varyColors val="1"/>
+        <c:ser>
+          <c:idx val="0"/>
+          <c:order val="0"/>
+          <c:tx>
+            <c:v>Series1</c:v>
+          </c:tx>
+          <c:spPr>
+            <a:solidFill>
+              <a:srgbClr val="92D050"/>
+            </a:solidFill>
+          </c:spPr>
+          <c:dPt>
+            <c:idx val="0"/>
+            <c:bubble3D val="0"/>
+            <c:spPr>
+              <a:solidFill>
+                <a:srgbClr val="92D050"/>
+              </a:solidFill>
+              <a:ln>
+                <a:noFill/>
+              </a:ln>
+              <a:effectLst>
+                <a:outerShdw dist="38103" dir="5400000" algn="tl">
+                  <a:srgbClr val="000000">
+                    <a:alpha val="40000"/>
+                  </a:srgbClr>
+                </a:outerShdw>
+              </a:effectLst>
+            </c:spPr>
+            <c:extLst>
+              <c:ext xmlns:c16="http://schemas.microsoft.com/office/drawing/2014/chart" uri="{C3380CC4-5D6E-409C-BE32-E72D297353CC}">
+                <c16:uniqueId val="{00000001-067F-49A3-A128-194EFEEBD3E8}"/>
+              </c:ext>
+            </c:extLst>
+          </c:dPt>
+          <c:dPt>
+            <c:idx val="1"/>
+            <c:bubble3D val="0"/>
+            <c:spPr>
+              <a:solidFill>
+                <a:srgbClr val="92D050"/>
+              </a:solidFill>
+              <a:ln>
+                <a:noFill/>
+              </a:ln>
+              <a:effectLst>
+                <a:outerShdw dist="38103" dir="5400000" algn="tl">
+                  <a:srgbClr val="000000">
+                    <a:alpha val="40000"/>
+                  </a:srgbClr>
+                </a:outerShdw>
+              </a:effectLst>
+            </c:spPr>
+            <c:extLst>
+              <c:ext xmlns:c16="http://schemas.microsoft.com/office/drawing/2014/chart" uri="{C3380CC4-5D6E-409C-BE32-E72D297353CC}">
+                <c16:uniqueId val="{00000003-067F-49A3-A128-194EFEEBD3E8}"/>
+              </c:ext>
+            </c:extLst>
+          </c:dPt>
+          <c:dPt>
+            <c:idx val="2"/>
+            <c:bubble3D val="0"/>
+            <c:spPr>
+              <a:solidFill>
+                <a:srgbClr val="92D050"/>
+              </a:solidFill>
+              <a:ln>
+                <a:noFill/>
+              </a:ln>
+              <a:effectLst>
+                <a:outerShdw dist="38103" dir="5400000" algn="tl">
+                  <a:srgbClr val="000000">
+                    <a:alpha val="40000"/>
+                  </a:srgbClr>
+                </a:outerShdw>
+              </a:effectLst>
+            </c:spPr>
+            <c:extLst>
+              <c:ext xmlns:c16="http://schemas.microsoft.com/office/drawing/2014/chart" uri="{C3380CC4-5D6E-409C-BE32-E72D297353CC}">
+                <c16:uniqueId val="{00000005-067F-49A3-A128-194EFEEBD3E8}"/>
+              </c:ext>
+            </c:extLst>
+          </c:dPt>
+          <c:dPt>
+            <c:idx val="3"/>
+            <c:bubble3D val="0"/>
+            <c:spPr>
+              <a:solidFill>
+                <a:srgbClr val="92D050"/>
+              </a:solidFill>
+              <a:ln>
+                <a:noFill/>
+              </a:ln>
+              <a:effectLst>
+                <a:outerShdw dist="38103" dir="5400000" algn="tl">
+                  <a:srgbClr val="000000">
+                    <a:alpha val="40000"/>
+                  </a:srgbClr>
+                </a:outerShdw>
+              </a:effectLst>
+            </c:spPr>
+            <c:extLst>
+              <c:ext xmlns:c16="http://schemas.microsoft.com/office/drawing/2014/chart" uri="{C3380CC4-5D6E-409C-BE32-E72D297353CC}">
+                <c16:uniqueId val="{00000007-067F-49A3-A128-194EFEEBD3E8}"/>
+              </c:ext>
+            </c:extLst>
+          </c:dPt>
+          <c:dLbls>
+            <c:dLbl>
+              <c:idx val="0"/>
+              <c:layout/>
+              <c:tx>
+                <c:rich>
+                  <a:bodyPr/>
+                  <a:lstStyle/>
+                  <a:p>
+                    <a:r>
+                      <a:rPr lang="en-US" baseline="0" dirty="0" smtClean="0">
+                        <a:solidFill>
+                          <a:srgbClr val="000000"/>
+                        </a:solidFill>
+                      </a:rPr>
+                      <a:t>14</a:t>
+                    </a:r>
+                    <a:endParaRPr lang="en-US" baseline="0" dirty="0">
+                      <a:solidFill>
+                        <a:srgbClr val="000000"/>
+                      </a:solidFill>
+                    </a:endParaRPr>
+                  </a:p>
+                </c:rich>
+              </c:tx>
+              <c:showLegendKey val="0"/>
+              <c:showVal val="1"/>
+              <c:showCatName val="0"/>
+              <c:showSerName val="0"/>
+              <c:showPercent val="0"/>
+              <c:showBubbleSize val="0"/>
+              <c:separator>; </c:separator>
+              <c:extLst>
+                <c:ext xmlns:c15="http://schemas.microsoft.com/office/drawing/2012/chart" uri="{CE6537A1-D6FC-4f65-9D91-7224C49458BB}">
+                  <c15:layout/>
+                </c:ext>
+                <c:ext xmlns:c16="http://schemas.microsoft.com/office/drawing/2014/chart" uri="{C3380CC4-5D6E-409C-BE32-E72D297353CC}">
+                  <c16:uniqueId val="{00000001-067F-49A3-A128-194EFEEBD3E8}"/>
+                </c:ext>
+              </c:extLst>
+            </c:dLbl>
+            <c:dLbl>
+              <c:idx val="1"/>
+              <c:delete val="1"/>
+              <c:extLst>
+                <c:ext xmlns:c15="http://schemas.microsoft.com/office/drawing/2012/chart" uri="{CE6537A1-D6FC-4f65-9D91-7224C49458BB}"/>
+                <c:ext xmlns:c16="http://schemas.microsoft.com/office/drawing/2014/chart" uri="{C3380CC4-5D6E-409C-BE32-E72D297353CC}">
+                  <c16:uniqueId val="{00000003-067F-49A3-A128-194EFEEBD3E8}"/>
+                </c:ext>
+              </c:extLst>
+            </c:dLbl>
+            <c:dLbl>
+              <c:idx val="2"/>
+              <c:delete val="1"/>
+              <c:extLst>
+                <c:ext xmlns:c15="http://schemas.microsoft.com/office/drawing/2012/chart" uri="{CE6537A1-D6FC-4f65-9D91-7224C49458BB}"/>
+                <c:ext xmlns:c16="http://schemas.microsoft.com/office/drawing/2014/chart" uri="{C3380CC4-5D6E-409C-BE32-E72D297353CC}">
+                  <c16:uniqueId val="{00000005-067F-49A3-A128-194EFEEBD3E8}"/>
+                </c:ext>
+              </c:extLst>
+            </c:dLbl>
+            <c:dLbl>
+              <c:idx val="3"/>
+              <c:delete val="1"/>
+              <c:extLst>
+                <c:ext xmlns:c15="http://schemas.microsoft.com/office/drawing/2012/chart" uri="{CE6537A1-D6FC-4f65-9D91-7224C49458BB}"/>
+                <c:ext xmlns:c16="http://schemas.microsoft.com/office/drawing/2014/chart" uri="{C3380CC4-5D6E-409C-BE32-E72D297353CC}">
+                  <c16:uniqueId val="{00000007-067F-49A3-A128-194EFEEBD3E8}"/>
+                </c:ext>
+              </c:extLst>
+            </c:dLbl>
+            <c:spPr>
+              <a:noFill/>
+              <a:ln>
+                <a:noFill/>
+              </a:ln>
+              <a:effectLst/>
+            </c:spPr>
+            <c:txPr>
+              <a:bodyPr lIns="0" tIns="0" rIns="0" bIns="0"/>
+              <a:lstStyle/>
+              <a:p>
+                <a:pPr marL="0" marR="0" indent="0" algn="ctr" defTabSz="914400" fontAlgn="auto" hangingPunct="1">
+                  <a:lnSpc>
+                    <a:spcPct val="100000"/>
+                  </a:lnSpc>
+                  <a:spcBef>
+                    <a:spcPts val="0"/>
+                  </a:spcBef>
+                  <a:spcAft>
+                    <a:spcPts val="0"/>
+                  </a:spcAft>
+                  <a:tabLst/>
+                  <a:defRPr lang="es-ES" sz="1200" b="1" i="0" u="none" strike="noStrike" kern="1200" baseline="0">
+                    <a:solidFill>
+                      <a:srgbClr val="FFFFFF"/>
+                    </a:solidFill>
+                    <a:latin typeface="Calibri"/>
+                  </a:defRPr>
+                </a:pPr>
+                <a:endParaRPr lang="es-PE"/>
+              </a:p>
+            </c:txPr>
+            <c:showLegendKey val="0"/>
+            <c:showVal val="1"/>
+            <c:showCatName val="0"/>
+            <c:showSerName val="0"/>
+            <c:showPercent val="0"/>
+            <c:showBubbleSize val="0"/>
+            <c:separator>; </c:separator>
+            <c:showLeaderLines val="1"/>
+            <c:extLst>
+              <c:ext xmlns:c15="http://schemas.microsoft.com/office/drawing/2012/chart" uri="{CE6537A1-D6FC-4f65-9D91-7224C49458BB}">
+                <c15:spPr xmlns:c15="http://schemas.microsoft.com/office/drawing/2012/chart">
+                  <a:prstGeom prst="rect">
+                    <a:avLst/>
+                  </a:prstGeom>
+                </c15:spPr>
+              </c:ext>
+            </c:extLst>
+          </c:dLbls>
+          <c:cat>
+            <c:strLit>
+              <c:ptCount val="4"/>
+              <c:pt idx="0">
+                <c:v>TXT OK</c:v>
+              </c:pt>
+              <c:pt idx="1">
+                <c:v>TXT DIFIC</c:v>
+              </c:pt>
+              <c:pt idx="2">
+                <c:v>TXT MUL</c:v>
+              </c:pt>
+              <c:pt idx="3">
+                <c:v>TXT PEN</c:v>
+              </c:pt>
+            </c:strLit>
+          </c:cat>
+          <c:val>
+            <c:numLit>
+              <c:formatCode>General</c:formatCode>
+              <c:ptCount val="4"/>
+              <c:pt idx="0">
+                <c:v>13</c:v>
+              </c:pt>
+              <c:pt idx="1">
+                <c:v>3</c:v>
+              </c:pt>
+              <c:pt idx="2">
+                <c:v>0</c:v>
+              </c:pt>
+              <c:pt idx="3">
+                <c:v>4</c:v>
+              </c:pt>
+            </c:numLit>
+          </c:val>
+          <c:extLst>
+            <c:ext xmlns:c16="http://schemas.microsoft.com/office/drawing/2014/chart" uri="{C3380CC4-5D6E-409C-BE32-E72D297353CC}">
+              <c16:uniqueId val="{00000008-067F-49A3-A128-194EFEEBD3E8}"/>
+            </c:ext>
+          </c:extLst>
+        </c:ser>
+        <c:dLbls>
+          <c:showLegendKey val="0"/>
+          <c:showVal val="0"/>
+          <c:showCatName val="0"/>
+          <c:showSerName val="0"/>
+          <c:showPercent val="0"/>
+          <c:showBubbleSize val="0"/>
+          <c:showLeaderLines val="1"/>
+        </c:dLbls>
+        <c:firstSliceAng val="0"/>
+        <c:holeSize val="50"/>
+      </c:doughnutChart>
+      <c:spPr>
+        <a:noFill/>
+        <a:ln>
+          <a:noFill/>
+        </a:ln>
+      </c:spPr>
+    </c:plotArea>
+    <c:plotVisOnly val="1"/>
+    <c:dispBlanksAs val="gap"/>
+    <c:showDLblsOverMax val="0"/>
+  </c:chart>
+  <c:spPr>
+    <a:noFill/>
+    <a:ln>
+      <a:noFill/>
+    </a:ln>
+  </c:spPr>
+  <c:txPr>
+    <a:bodyPr lIns="0" tIns="0" rIns="0" bIns="0"/>
+    <a:lstStyle/>
+    <a:p>
+      <a:pPr marL="0" marR="0" indent="0" defTabSz="914400" fontAlgn="auto" hangingPunct="1">
+        <a:lnSpc>
+          <a:spcPct val="100000"/>
+        </a:lnSpc>
+        <a:spcBef>
+          <a:spcPts val="0"/>
+        </a:spcBef>
+        <a:spcAft>
+          <a:spcPts val="0"/>
+        </a:spcAft>
+        <a:tabLst/>
+        <a:defRPr lang="es-ES" sz="900" b="0" i="0" u="none" strike="noStrike" kern="1200" baseline="0">
+          <a:solidFill>
+            <a:srgbClr val="000000"/>
+          </a:solidFill>
+          <a:latin typeface="Calibri"/>
+        </a:defRPr>
+      </a:pPr>
+      <a:endParaRPr lang="es-PE"/>
+    </a:p>
+  </c:txPr>
+  <c:externalData r:id="rId1">
+    <c:autoUpdate val="0"/>
+  </c:externalData>
+</c:chartSpace>
+</file>
+
+<file path=ppt/charts/chart31.xml><?xml version="1.0" encoding="utf-8"?>
+<c:chartSpace xmlns:c="http://schemas.openxmlformats.org/drawingml/2006/chart" xmlns:a="http://schemas.openxmlformats.org/drawingml/2006/main" xmlns:r="http://schemas.openxmlformats.org/officeDocument/2006/relationships" xmlns:c16r2="http://schemas.microsoft.com/office/drawing/2015/06/chart">
+  <c:date1904 val="0"/>
+  <c:lang val="es-ES"/>
+  <c:roundedCorners val="0"/>
+  <mc:AlternateContent xmlns:mc="http://schemas.openxmlformats.org/markup-compatibility/2006">
+    <mc:Choice xmlns:c14="http://schemas.microsoft.com/office/drawing/2007/8/2/chart" Requires="c14">
+      <c14:style val="102"/>
+    </mc:Choice>
+    <mc:Fallback>
+      <c:style val="2"/>
+    </mc:Fallback>
+  </mc:AlternateContent>
+  <c:chart>
+    <c:autoTitleDeleted val="1"/>
+    <c:plotArea>
+      <c:layout/>
+      <c:doughnutChart>
+        <c:varyColors val="1"/>
+        <c:ser>
+          <c:idx val="0"/>
+          <c:order val="0"/>
+          <c:tx>
+            <c:v>Series1</c:v>
+          </c:tx>
+          <c:spPr>
+            <a:solidFill>
+              <a:srgbClr val="92D050"/>
+            </a:solidFill>
+          </c:spPr>
+          <c:dPt>
+            <c:idx val="0"/>
+            <c:bubble3D val="0"/>
+            <c:spPr>
+              <a:solidFill>
+                <a:srgbClr val="92D050"/>
+              </a:solidFill>
+              <a:ln>
+                <a:noFill/>
+              </a:ln>
+              <a:effectLst>
+                <a:outerShdw dist="38103" dir="5400000" algn="tl">
+                  <a:srgbClr val="000000">
+                    <a:alpha val="40000"/>
+                  </a:srgbClr>
+                </a:outerShdw>
+              </a:effectLst>
+            </c:spPr>
+            <c:extLst>
+              <c:ext xmlns:c16="http://schemas.microsoft.com/office/drawing/2014/chart" uri="{C3380CC4-5D6E-409C-BE32-E72D297353CC}">
+                <c16:uniqueId val="{00000001-2952-4916-A73B-C96AB76E9576}"/>
+              </c:ext>
+            </c:extLst>
+          </c:dPt>
+          <c:dPt>
+            <c:idx val="1"/>
+            <c:bubble3D val="0"/>
+            <c:spPr>
+              <a:solidFill>
+                <a:srgbClr val="92D050"/>
+              </a:solidFill>
+              <a:ln>
+                <a:noFill/>
+              </a:ln>
+              <a:effectLst>
+                <a:outerShdw dist="38103" dir="5400000" algn="tl">
+                  <a:srgbClr val="000000">
+                    <a:alpha val="40000"/>
+                  </a:srgbClr>
+                </a:outerShdw>
+              </a:effectLst>
+            </c:spPr>
+            <c:extLst>
+              <c:ext xmlns:c16="http://schemas.microsoft.com/office/drawing/2014/chart" uri="{C3380CC4-5D6E-409C-BE32-E72D297353CC}">
+                <c16:uniqueId val="{00000003-2952-4916-A73B-C96AB76E9576}"/>
+              </c:ext>
+            </c:extLst>
+          </c:dPt>
+          <c:dPt>
+            <c:idx val="2"/>
+            <c:bubble3D val="0"/>
+            <c:spPr>
+              <a:solidFill>
+                <a:srgbClr val="92D050"/>
+              </a:solidFill>
+              <a:ln>
+                <a:noFill/>
+              </a:ln>
+              <a:effectLst>
+                <a:outerShdw dist="38103" dir="5400000" algn="tl">
+                  <a:srgbClr val="000000">
+                    <a:alpha val="40000"/>
+                  </a:srgbClr>
+                </a:outerShdw>
+              </a:effectLst>
+            </c:spPr>
+            <c:extLst>
+              <c:ext xmlns:c16="http://schemas.microsoft.com/office/drawing/2014/chart" uri="{C3380CC4-5D6E-409C-BE32-E72D297353CC}">
+                <c16:uniqueId val="{00000005-2952-4916-A73B-C96AB76E9576}"/>
+              </c:ext>
+            </c:extLst>
+          </c:dPt>
+          <c:dPt>
+            <c:idx val="3"/>
+            <c:bubble3D val="0"/>
+            <c:spPr>
+              <a:solidFill>
+                <a:srgbClr val="92D050"/>
+              </a:solidFill>
+              <a:ln>
+                <a:noFill/>
+              </a:ln>
+              <a:effectLst>
+                <a:outerShdw dist="38103" dir="5400000" algn="tl">
+                  <a:srgbClr val="000000">
+                    <a:alpha val="40000"/>
+                  </a:srgbClr>
+                </a:outerShdw>
+              </a:effectLst>
+            </c:spPr>
+            <c:extLst>
+              <c:ext xmlns:c16="http://schemas.microsoft.com/office/drawing/2014/chart" uri="{C3380CC4-5D6E-409C-BE32-E72D297353CC}">
+                <c16:uniqueId val="{00000007-2952-4916-A73B-C96AB76E9576}"/>
+              </c:ext>
+            </c:extLst>
+          </c:dPt>
+          <c:dLbls>
+            <c:dLbl>
+              <c:idx val="0"/>
+              <c:layout/>
+              <c:tx>
+                <c:rich>
+                  <a:bodyPr/>
+                  <a:lstStyle/>
+                  <a:p>
+                    <a:r>
+                      <a:rPr lang="en-US" baseline="0" dirty="0" smtClean="0">
+                        <a:solidFill>
+                          <a:srgbClr val="000000"/>
+                        </a:solidFill>
+                      </a:rPr>
+                      <a:t>14</a:t>
+                    </a:r>
+                    <a:endParaRPr lang="en-US" baseline="0" dirty="0">
+                      <a:solidFill>
+                        <a:srgbClr val="000000"/>
+                      </a:solidFill>
+                    </a:endParaRPr>
+                  </a:p>
+                </c:rich>
+              </c:tx>
+              <c:showLegendKey val="0"/>
+              <c:showVal val="1"/>
+              <c:showCatName val="0"/>
+              <c:showSerName val="0"/>
+              <c:showPercent val="0"/>
+              <c:showBubbleSize val="0"/>
+              <c:separator>; </c:separator>
+              <c:extLst>
+                <c:ext xmlns:c15="http://schemas.microsoft.com/office/drawing/2012/chart" uri="{CE6537A1-D6FC-4f65-9D91-7224C49458BB}">
+                  <c15:layout/>
+                </c:ext>
+                <c:ext xmlns:c16="http://schemas.microsoft.com/office/drawing/2014/chart" uri="{C3380CC4-5D6E-409C-BE32-E72D297353CC}">
+                  <c16:uniqueId val="{00000001-2952-4916-A73B-C96AB76E9576}"/>
+                </c:ext>
+              </c:extLst>
+            </c:dLbl>
+            <c:dLbl>
+              <c:idx val="1"/>
+              <c:delete val="1"/>
+              <c:extLst>
+                <c:ext xmlns:c15="http://schemas.microsoft.com/office/drawing/2012/chart" uri="{CE6537A1-D6FC-4f65-9D91-7224C49458BB}"/>
+                <c:ext xmlns:c16="http://schemas.microsoft.com/office/drawing/2014/chart" uri="{C3380CC4-5D6E-409C-BE32-E72D297353CC}">
+                  <c16:uniqueId val="{00000003-2952-4916-A73B-C96AB76E9576}"/>
+                </c:ext>
+              </c:extLst>
+            </c:dLbl>
+            <c:dLbl>
+              <c:idx val="2"/>
+              <c:delete val="1"/>
+              <c:extLst>
+                <c:ext xmlns:c15="http://schemas.microsoft.com/office/drawing/2012/chart" uri="{CE6537A1-D6FC-4f65-9D91-7224C49458BB}"/>
+                <c:ext xmlns:c16="http://schemas.microsoft.com/office/drawing/2014/chart" uri="{C3380CC4-5D6E-409C-BE32-E72D297353CC}">
+                  <c16:uniqueId val="{00000005-2952-4916-A73B-C96AB76E9576}"/>
+                </c:ext>
+              </c:extLst>
+            </c:dLbl>
+            <c:dLbl>
+              <c:idx val="3"/>
+              <c:delete val="1"/>
+              <c:extLst>
+                <c:ext xmlns:c15="http://schemas.microsoft.com/office/drawing/2012/chart" uri="{CE6537A1-D6FC-4f65-9D91-7224C49458BB}"/>
+                <c:ext xmlns:c16="http://schemas.microsoft.com/office/drawing/2014/chart" uri="{C3380CC4-5D6E-409C-BE32-E72D297353CC}">
+                  <c16:uniqueId val="{00000007-2952-4916-A73B-C96AB76E9576}"/>
+                </c:ext>
+              </c:extLst>
+            </c:dLbl>
+            <c:spPr>
+              <a:noFill/>
+              <a:ln>
+                <a:noFill/>
+              </a:ln>
+              <a:effectLst/>
+            </c:spPr>
+            <c:txPr>
+              <a:bodyPr lIns="0" tIns="0" rIns="0" bIns="0"/>
+              <a:lstStyle/>
+              <a:p>
+                <a:pPr marL="0" marR="0" indent="0" algn="ctr" defTabSz="914400" fontAlgn="auto" hangingPunct="1">
+                  <a:lnSpc>
+                    <a:spcPct val="100000"/>
+                  </a:lnSpc>
+                  <a:spcBef>
+                    <a:spcPts val="0"/>
+                  </a:spcBef>
+                  <a:spcAft>
+                    <a:spcPts val="0"/>
+                  </a:spcAft>
+                  <a:tabLst/>
+                  <a:defRPr lang="es-ES" sz="1200" b="1" i="0" u="none" strike="noStrike" kern="1200" baseline="0">
+                    <a:solidFill>
+                      <a:srgbClr val="FFFFFF"/>
+                    </a:solidFill>
+                    <a:latin typeface="Calibri"/>
+                  </a:defRPr>
+                </a:pPr>
+                <a:endParaRPr lang="es-PE"/>
+              </a:p>
+            </c:txPr>
+            <c:showLegendKey val="0"/>
+            <c:showVal val="1"/>
+            <c:showCatName val="0"/>
+            <c:showSerName val="0"/>
+            <c:showPercent val="0"/>
+            <c:showBubbleSize val="0"/>
+            <c:separator>; </c:separator>
+            <c:showLeaderLines val="1"/>
+            <c:extLst>
+              <c:ext xmlns:c15="http://schemas.microsoft.com/office/drawing/2012/chart" uri="{CE6537A1-D6FC-4f65-9D91-7224C49458BB}">
+                <c15:spPr xmlns:c15="http://schemas.microsoft.com/office/drawing/2012/chart">
+                  <a:prstGeom prst="rect">
+                    <a:avLst/>
+                  </a:prstGeom>
+                </c15:spPr>
+              </c:ext>
+            </c:extLst>
+          </c:dLbls>
+          <c:cat>
+            <c:strLit>
+              <c:ptCount val="4"/>
+              <c:pt idx="0">
+                <c:v>TXT OK</c:v>
+              </c:pt>
+              <c:pt idx="1">
+                <c:v>TXT DIFIC</c:v>
+              </c:pt>
+              <c:pt idx="2">
+                <c:v>TXT MUL</c:v>
+              </c:pt>
+              <c:pt idx="3">
+                <c:v>TXT PEN</c:v>
+              </c:pt>
+            </c:strLit>
+          </c:cat>
+          <c:val>
+            <c:numLit>
+              <c:formatCode>General</c:formatCode>
+              <c:ptCount val="4"/>
+              <c:pt idx="0">
+                <c:v>13</c:v>
+              </c:pt>
+              <c:pt idx="1">
+                <c:v>3</c:v>
+              </c:pt>
+              <c:pt idx="2">
+                <c:v>0</c:v>
+              </c:pt>
+              <c:pt idx="3">
+                <c:v>4</c:v>
+              </c:pt>
+            </c:numLit>
+          </c:val>
+          <c:extLst>
+            <c:ext xmlns:c16="http://schemas.microsoft.com/office/drawing/2014/chart" uri="{C3380CC4-5D6E-409C-BE32-E72D297353CC}">
+              <c16:uniqueId val="{00000008-2952-4916-A73B-C96AB76E9576}"/>
+            </c:ext>
+          </c:extLst>
+        </c:ser>
+        <c:dLbls>
+          <c:showLegendKey val="0"/>
+          <c:showVal val="0"/>
+          <c:showCatName val="0"/>
+          <c:showSerName val="0"/>
+          <c:showPercent val="0"/>
+          <c:showBubbleSize val="0"/>
+          <c:showLeaderLines val="1"/>
+        </c:dLbls>
+        <c:firstSliceAng val="0"/>
+        <c:holeSize val="50"/>
+      </c:doughnutChart>
+      <c:spPr>
+        <a:noFill/>
+        <a:ln>
+          <a:noFill/>
+        </a:ln>
+      </c:spPr>
+    </c:plotArea>
+    <c:plotVisOnly val="1"/>
+    <c:dispBlanksAs val="gap"/>
+    <c:showDLblsOverMax val="0"/>
+  </c:chart>
+  <c:spPr>
+    <a:noFill/>
+    <a:ln>
+      <a:noFill/>
+    </a:ln>
+  </c:spPr>
+  <c:txPr>
+    <a:bodyPr lIns="0" tIns="0" rIns="0" bIns="0"/>
+    <a:lstStyle/>
+    <a:p>
+      <a:pPr marL="0" marR="0" indent="0" defTabSz="914400" fontAlgn="auto" hangingPunct="1">
+        <a:lnSpc>
+          <a:spcPct val="100000"/>
+        </a:lnSpc>
+        <a:spcBef>
+          <a:spcPts val="0"/>
+        </a:spcBef>
+        <a:spcAft>
+          <a:spcPts val="0"/>
+        </a:spcAft>
+        <a:tabLst/>
+        <a:defRPr lang="es-ES" sz="900" b="0" i="0" u="none" strike="noStrike" kern="1200" baseline="0">
+          <a:solidFill>
+            <a:srgbClr val="000000"/>
+          </a:solidFill>
+          <a:latin typeface="Calibri"/>
+        </a:defRPr>
+      </a:pPr>
+      <a:endParaRPr lang="es-PE"/>
+    </a:p>
+  </c:txPr>
+  <c:externalData r:id="rId1">
+    <c:autoUpdate val="0"/>
+  </c:externalData>
+</c:chartSpace>
+</file>
+
+<file path=ppt/charts/chart4.xml><?xml version="1.0" encoding="utf-8"?>
+<c:chartSpace xmlns:c="http://schemas.openxmlformats.org/drawingml/2006/chart" xmlns:a="http://schemas.openxmlformats.org/drawingml/2006/main" xmlns:r="http://schemas.openxmlformats.org/officeDocument/2006/relationships" xmlns:c16r2="http://schemas.microsoft.com/office/drawing/2015/06/chart">
+  <c:date1904 val="0"/>
+  <c:lang val="es-ES"/>
+  <c:roundedCorners val="0"/>
+  <mc:AlternateContent xmlns:mc="http://schemas.openxmlformats.org/markup-compatibility/2006">
+    <mc:Choice xmlns:c14="http://schemas.microsoft.com/office/drawing/2007/8/2/chart" Requires="c14">
+      <c14:style val="102"/>
+    </mc:Choice>
+    <mc:Fallback>
+      <c:style val="2"/>
+    </mc:Fallback>
+  </mc:AlternateContent>
+  <c:chart>
+    <c:autoTitleDeleted val="1"/>
+    <c:plotArea>
+      <c:layout>
+        <c:manualLayout>
+          <c:layoutTarget val="inner"/>
+          <c:xMode val="edge"/>
+          <c:yMode val="edge"/>
+          <c:x val="0.26111107382625404"/>
+          <c:y val="0.27092495918063147"/>
+          <c:w val="0.57594395588524749"/>
+          <c:h val="0.796511190193397"/>
+        </c:manualLayout>
+      </c:layout>
+      <c:doughnutChart>
+        <c:varyColors val="1"/>
+        <c:ser>
+          <c:idx val="0"/>
+          <c:order val="0"/>
+          <c:tx>
+            <c:v>Series1</c:v>
+          </c:tx>
+          <c:spPr>
+            <a:solidFill>
+              <a:srgbClr val="92D050"/>
+            </a:solidFill>
+          </c:spPr>
+          <c:dPt>
+            <c:idx val="0"/>
+            <c:bubble3D val="0"/>
+            <c:spPr>
+              <a:solidFill>
+                <a:srgbClr val="92D050"/>
+              </a:solidFill>
+              <a:ln>
+                <a:noFill/>
+              </a:ln>
+              <a:effectLst>
+                <a:outerShdw dist="38103" dir="5400000" algn="tl">
+                  <a:srgbClr val="000000">
+                    <a:alpha val="40000"/>
+                  </a:srgbClr>
+                </a:outerShdw>
+              </a:effectLst>
+            </c:spPr>
+            <c:extLst>
+              <c:ext xmlns:c16="http://schemas.microsoft.com/office/drawing/2014/chart" uri="{C3380CC4-5D6E-409C-BE32-E72D297353CC}">
+                <c16:uniqueId val="{00000001-E692-4ECC-AF79-AB3FAEA3E983}"/>
+              </c:ext>
+            </c:extLst>
+          </c:dPt>
+          <c:dPt>
+            <c:idx val="1"/>
+            <c:bubble3D val="0"/>
+            <c:spPr>
+              <a:solidFill>
+                <a:srgbClr val="FFC000"/>
+              </a:solidFill>
+              <a:ln>
+                <a:noFill/>
+              </a:ln>
+              <a:effectLst>
+                <a:outerShdw dist="38103" dir="5400000" algn="tl">
+                  <a:srgbClr val="000000">
+                    <a:alpha val="40000"/>
+                  </a:srgbClr>
+                </a:outerShdw>
+              </a:effectLst>
+            </c:spPr>
+            <c:extLst>
+              <c:ext xmlns:c16="http://schemas.microsoft.com/office/drawing/2014/chart" uri="{C3380CC4-5D6E-409C-BE32-E72D297353CC}">
+                <c16:uniqueId val="{00000003-E692-4ECC-AF79-AB3FAEA3E983}"/>
+              </c:ext>
+            </c:extLst>
+          </c:dPt>
+          <c:dPt>
+            <c:idx val="2"/>
+            <c:bubble3D val="0"/>
+            <c:spPr>
+              <a:solidFill>
+                <a:srgbClr val="92D050"/>
+              </a:solidFill>
+              <a:ln>
+                <a:noFill/>
+              </a:ln>
+              <a:effectLst>
+                <a:outerShdw dist="38103" dir="5400000" algn="tl">
+                  <a:srgbClr val="000000">
+                    <a:alpha val="40000"/>
+                  </a:srgbClr>
+                </a:outerShdw>
+              </a:effectLst>
+            </c:spPr>
+            <c:extLst>
+              <c:ext xmlns:c16="http://schemas.microsoft.com/office/drawing/2014/chart" uri="{C3380CC4-5D6E-409C-BE32-E72D297353CC}">
+                <c16:uniqueId val="{00000005-E692-4ECC-AF79-AB3FAEA3E983}"/>
+              </c:ext>
+            </c:extLst>
+          </c:dPt>
+          <c:dPt>
+            <c:idx val="3"/>
+            <c:bubble3D val="0"/>
+            <c:spPr>
+              <a:solidFill>
+                <a:srgbClr val="FF0000"/>
+              </a:solidFill>
+              <a:ln>
+                <a:noFill/>
+              </a:ln>
+              <a:effectLst>
+                <a:outerShdw dist="38103" dir="5400000" algn="tl">
+                  <a:srgbClr val="000000">
+                    <a:alpha val="40000"/>
+                  </a:srgbClr>
+                </a:outerShdw>
+              </a:effectLst>
+            </c:spPr>
+            <c:extLst>
+              <c:ext xmlns:c16="http://schemas.microsoft.com/office/drawing/2014/chart" uri="{C3380CC4-5D6E-409C-BE32-E72D297353CC}">
+                <c16:uniqueId val="{00000007-E692-4ECC-AF79-AB3FAEA3E983}"/>
+              </c:ext>
+            </c:extLst>
+          </c:dPt>
+          <c:dLbls>
+            <c:dLbl>
+              <c:idx val="0"/>
+              <c:layout>
+                <c:manualLayout>
+                  <c:x val="-4.7219542486858321E-2"/>
+                  <c:y val="3.8943044601538086E-3"/>
+                </c:manualLayout>
+              </c:layout>
+              <c:tx>
+                <c:rich>
+                  <a:bodyPr/>
+                  <a:lstStyle/>
+                  <a:p>
+                    <a:r>
+                      <a:rPr lang="en-US" baseline="0" dirty="0" smtClean="0">
+                        <a:solidFill>
+                          <a:srgbClr val="000000"/>
+                        </a:solidFill>
+                      </a:rPr>
+                      <a:t>10</a:t>
+                    </a:r>
+                    <a:endParaRPr lang="en-US" baseline="0" dirty="0">
+                      <a:solidFill>
+                        <a:srgbClr val="000000"/>
+                      </a:solidFill>
+                    </a:endParaRPr>
+                  </a:p>
+                </c:rich>
+              </c:tx>
+              <c:showLegendKey val="0"/>
+              <c:showVal val="1"/>
+              <c:showCatName val="0"/>
+              <c:showSerName val="0"/>
+              <c:showPercent val="0"/>
+              <c:showBubbleSize val="0"/>
+              <c:separator>; </c:separator>
+              <c:extLst>
+                <c:ext xmlns:c15="http://schemas.microsoft.com/office/drawing/2012/chart" uri="{CE6537A1-D6FC-4f65-9D91-7224C49458BB}">
+                  <c15:layout>
+                    <c:manualLayout>
+                      <c:w val="0.13710431167651371"/>
+                      <c:h val="0.10577958806647696"/>
+                    </c:manualLayout>
+                  </c15:layout>
+                </c:ext>
+                <c:ext xmlns:c16="http://schemas.microsoft.com/office/drawing/2014/chart" uri="{C3380CC4-5D6E-409C-BE32-E72D297353CC}">
+                  <c16:uniqueId val="{00000001-E692-4ECC-AF79-AB3FAEA3E983}"/>
+                </c:ext>
+              </c:extLst>
+            </c:dLbl>
+            <c:dLbl>
+              <c:idx val="1"/>
+              <c:layout>
+                <c:manualLayout>
+                  <c:x val="1.549521374290003E-2"/>
+                  <c:y val="3.7813383955632385E-2"/>
+                </c:manualLayout>
+              </c:layout>
+              <c:tx>
+                <c:rich>
+                  <a:bodyPr/>
+                  <a:lstStyle/>
+                  <a:p>
+                    <a:r>
+                      <a:rPr lang="en-US" baseline="0" dirty="0" smtClean="0">
+                        <a:solidFill>
+                          <a:srgbClr val="000000"/>
+                        </a:solidFill>
+                      </a:rPr>
+                      <a:t>7</a:t>
+                    </a:r>
+                    <a:endParaRPr lang="en-US" baseline="0" dirty="0">
+                      <a:solidFill>
+                        <a:srgbClr val="000000"/>
+                      </a:solidFill>
+                    </a:endParaRPr>
+                  </a:p>
+                </c:rich>
+              </c:tx>
+              <c:showLegendKey val="0"/>
+              <c:showVal val="1"/>
+              <c:showCatName val="0"/>
+              <c:showSerName val="0"/>
+              <c:showPercent val="0"/>
+              <c:showBubbleSize val="0"/>
+              <c:separator>; </c:separator>
+              <c:extLst>
+                <c:ext xmlns:c15="http://schemas.microsoft.com/office/drawing/2012/chart" uri="{CE6537A1-D6FC-4f65-9D91-7224C49458BB}">
+                  <c15:layout>
+                    <c:manualLayout>
+                      <c:w val="0.13445441441522055"/>
+                      <c:h val="0.17141136500310963"/>
+                    </c:manualLayout>
+                  </c15:layout>
+                </c:ext>
+                <c:ext xmlns:c16="http://schemas.microsoft.com/office/drawing/2014/chart" uri="{C3380CC4-5D6E-409C-BE32-E72D297353CC}">
+                  <c16:uniqueId val="{00000003-E692-4ECC-AF79-AB3FAEA3E983}"/>
+                </c:ext>
+              </c:extLst>
+            </c:dLbl>
+            <c:dLbl>
+              <c:idx val="2"/>
+              <c:delete val="1"/>
+              <c:extLst>
+                <c:ext xmlns:c15="http://schemas.microsoft.com/office/drawing/2012/chart" uri="{CE6537A1-D6FC-4f65-9D91-7224C49458BB}"/>
+                <c:ext xmlns:c16="http://schemas.microsoft.com/office/drawing/2014/chart" uri="{C3380CC4-5D6E-409C-BE32-E72D297353CC}">
+                  <c16:uniqueId val="{00000005-E692-4ECC-AF79-AB3FAEA3E983}"/>
+                </c:ext>
+              </c:extLst>
+            </c:dLbl>
+            <c:dLbl>
+              <c:idx val="3"/>
+              <c:layout/>
+              <c:tx>
+                <c:rich>
+                  <a:bodyPr/>
+                  <a:lstStyle/>
+                  <a:p>
+                    <a:fld id="{E6936F1C-E4D1-43A9-B145-306636ACCD43}" type="VALUE">
+                      <a:rPr lang="en-US" baseline="0" smtClean="0">
+                        <a:solidFill>
+                          <a:srgbClr val="000000"/>
+                        </a:solidFill>
+                      </a:rPr>
+                      <a:pPr/>
+                      <a:t>[VALOR]</a:t>
+                    </a:fld>
+                    <a:endParaRPr lang="es-PE"/>
+                  </a:p>
+                </c:rich>
+              </c:tx>
+              <c:showLegendKey val="0"/>
+              <c:showVal val="1"/>
+              <c:showCatName val="0"/>
+              <c:showSerName val="0"/>
+              <c:showPercent val="0"/>
+              <c:showBubbleSize val="0"/>
+              <c:separator>; </c:separator>
+              <c:extLst>
+                <c:ext xmlns:c15="http://schemas.microsoft.com/office/drawing/2012/chart" uri="{CE6537A1-D6FC-4f65-9D91-7224C49458BB}">
+                  <c15:layout/>
+                  <c15:dlblFieldTable/>
+                  <c15:showDataLabelsRange val="0"/>
+                </c:ext>
+                <c:ext xmlns:c16="http://schemas.microsoft.com/office/drawing/2014/chart" uri="{C3380CC4-5D6E-409C-BE32-E72D297353CC}">
+                  <c16:uniqueId val="{00000007-E692-4ECC-AF79-AB3FAEA3E983}"/>
+                </c:ext>
+              </c:extLst>
+            </c:dLbl>
+            <c:spPr>
+              <a:noFill/>
+              <a:ln>
+                <a:noFill/>
+              </a:ln>
+              <a:effectLst/>
+            </c:spPr>
+            <c:txPr>
+              <a:bodyPr lIns="0" tIns="0" rIns="0" bIns="0"/>
+              <a:lstStyle/>
+              <a:p>
+                <a:pPr marL="0" marR="0" indent="0" algn="ctr" defTabSz="914400" fontAlgn="auto" hangingPunct="1">
+                  <a:lnSpc>
+                    <a:spcPct val="100000"/>
+                  </a:lnSpc>
+                  <a:spcBef>
+                    <a:spcPts val="0"/>
+                  </a:spcBef>
+                  <a:spcAft>
+                    <a:spcPts val="0"/>
+                  </a:spcAft>
+                  <a:tabLst/>
+                  <a:defRPr lang="es-ES" sz="1200" b="1" i="0" u="none" strike="noStrike" kern="1200" baseline="0">
+                    <a:solidFill>
+                      <a:srgbClr val="FFFFFF"/>
+                    </a:solidFill>
+                    <a:latin typeface="Calibri"/>
+                  </a:defRPr>
+                </a:pPr>
+                <a:endParaRPr lang="es-PE"/>
+              </a:p>
+            </c:txPr>
+            <c:showLegendKey val="0"/>
+            <c:showVal val="1"/>
+            <c:showCatName val="0"/>
+            <c:showSerName val="0"/>
+            <c:showPercent val="0"/>
+            <c:showBubbleSize val="0"/>
+            <c:separator>; </c:separator>
+            <c:showLeaderLines val="1"/>
+            <c:extLst>
+              <c:ext xmlns:c15="http://schemas.microsoft.com/office/drawing/2012/chart" uri="{CE6537A1-D6FC-4f65-9D91-7224C49458BB}">
+                <c15:spPr xmlns:c15="http://schemas.microsoft.com/office/drawing/2012/chart">
+                  <a:prstGeom prst="rect">
+                    <a:avLst/>
+                  </a:prstGeom>
+                </c15:spPr>
+              </c:ext>
+            </c:extLst>
+          </c:dLbls>
+          <c:cat>
+            <c:strLit>
+              <c:ptCount val="4"/>
+              <c:pt idx="0">
+                <c:v>TXT OK</c:v>
+              </c:pt>
+              <c:pt idx="1">
+                <c:v>TXT DIFIC</c:v>
+              </c:pt>
+              <c:pt idx="2">
+                <c:v>TXT MUL</c:v>
+              </c:pt>
+              <c:pt idx="3">
+                <c:v>TXT PEN</c:v>
+              </c:pt>
+            </c:strLit>
+          </c:cat>
+          <c:val>
+            <c:numLit>
+              <c:formatCode>General</c:formatCode>
+              <c:ptCount val="4"/>
+              <c:pt idx="0">
+                <c:v>13</c:v>
+              </c:pt>
+              <c:pt idx="1">
+                <c:v>3</c:v>
+              </c:pt>
+              <c:pt idx="2">
+                <c:v>0</c:v>
+              </c:pt>
+              <c:pt idx="3">
+                <c:v>4</c:v>
+              </c:pt>
+            </c:numLit>
+          </c:val>
+          <c:extLst>
+            <c:ext xmlns:c16="http://schemas.microsoft.com/office/drawing/2014/chart" uri="{C3380CC4-5D6E-409C-BE32-E72D297353CC}">
+              <c16:uniqueId val="{00000008-E692-4ECC-AF79-AB3FAEA3E983}"/>
+            </c:ext>
+          </c:extLst>
+        </c:ser>
+        <c:dLbls>
+          <c:showLegendKey val="0"/>
+          <c:showVal val="0"/>
+          <c:showCatName val="0"/>
+          <c:showSerName val="0"/>
+          <c:showPercent val="0"/>
+          <c:showBubbleSize val="0"/>
+          <c:showLeaderLines val="1"/>
+        </c:dLbls>
+        <c:firstSliceAng val="0"/>
+        <c:holeSize val="50"/>
+      </c:doughnutChart>
+      <c:spPr>
+        <a:noFill/>
+        <a:ln>
+          <a:noFill/>
+        </a:ln>
+      </c:spPr>
+    </c:plotArea>
+    <c:plotVisOnly val="1"/>
+    <c:dispBlanksAs val="gap"/>
+    <c:showDLblsOverMax val="0"/>
+  </c:chart>
+  <c:spPr>
+    <a:noFill/>
+    <a:ln>
+      <a:noFill/>
+    </a:ln>
+  </c:spPr>
+  <c:txPr>
+    <a:bodyPr lIns="0" tIns="0" rIns="0" bIns="0"/>
+    <a:lstStyle/>
+    <a:p>
+      <a:pPr marL="0" marR="0" indent="0" defTabSz="914400" fontAlgn="auto" hangingPunct="1">
+        <a:lnSpc>
+          <a:spcPct val="100000"/>
+        </a:lnSpc>
+        <a:spcBef>
+          <a:spcPts val="0"/>
+        </a:spcBef>
+        <a:spcAft>
+          <a:spcPts val="0"/>
+        </a:spcAft>
+        <a:tabLst/>
+        <a:defRPr lang="es-ES" sz="900" b="0" i="0" u="none" strike="noStrike" kern="1200" baseline="0">
+          <a:solidFill>
+            <a:srgbClr val="000000"/>
+          </a:solidFill>
+          <a:latin typeface="Calibri"/>
+        </a:defRPr>
+      </a:pPr>
+      <a:endParaRPr lang="es-PE"/>
+    </a:p>
+  </c:txPr>
+  <c:externalData r:id="rId1">
+    <c:autoUpdate val="0"/>
+  </c:externalData>
+</c:chartSpace>
+</file>
+
+<file path=ppt/charts/chart5.xml><?xml version="1.0" encoding="utf-8"?>
+<c:chartSpace xmlns:c="http://schemas.openxmlformats.org/drawingml/2006/chart" xmlns:a="http://schemas.openxmlformats.org/drawingml/2006/main" xmlns:r="http://schemas.openxmlformats.org/officeDocument/2006/relationships" xmlns:c16r2="http://schemas.microsoft.com/office/drawing/2015/06/chart">
+  <c:date1904 val="0"/>
+  <c:lang val="es-ES"/>
+  <c:roundedCorners val="0"/>
+  <mc:AlternateContent xmlns:mc="http://schemas.openxmlformats.org/markup-compatibility/2006">
+    <mc:Choice xmlns:c14="http://schemas.microsoft.com/office/drawing/2007/8/2/chart" Requires="c14">
+      <c14:style val="102"/>
+    </mc:Choice>
+    <mc:Fallback>
+      <c:style val="2"/>
+    </mc:Fallback>
+  </mc:AlternateContent>
+  <c:chart>
+    <c:autoTitleDeleted val="1"/>
+    <c:plotArea>
+      <c:layout>
+        <c:manualLayout>
+          <c:layoutTarget val="inner"/>
+          <c:xMode val="edge"/>
+          <c:yMode val="edge"/>
+          <c:x val="0.2042887040550041"/>
+          <c:y val="0.10174440490330149"/>
+          <c:w val="0.57594395588524749"/>
+          <c:h val="0.796511190193397"/>
+        </c:manualLayout>
+      </c:layout>
+      <c:doughnutChart>
+        <c:varyColors val="1"/>
+        <c:ser>
+          <c:idx val="0"/>
+          <c:order val="0"/>
+          <c:tx>
+            <c:v>Series1</c:v>
+          </c:tx>
+          <c:spPr>
+            <a:solidFill>
+              <a:srgbClr val="92D050"/>
+            </a:solidFill>
+          </c:spPr>
+          <c:dPt>
+            <c:idx val="0"/>
+            <c:bubble3D val="0"/>
+            <c:spPr>
+              <a:solidFill>
+                <a:srgbClr val="92D050"/>
+              </a:solidFill>
+              <a:ln>
+                <a:noFill/>
+              </a:ln>
+              <a:effectLst>
+                <a:outerShdw dist="38103" dir="5400000" algn="tl">
+                  <a:srgbClr val="000000">
+                    <a:alpha val="40000"/>
+                  </a:srgbClr>
+                </a:outerShdw>
+              </a:effectLst>
+            </c:spPr>
+            <c:extLst>
+              <c:ext xmlns:c16="http://schemas.microsoft.com/office/drawing/2014/chart" uri="{C3380CC4-5D6E-409C-BE32-E72D297353CC}">
+                <c16:uniqueId val="{00000001-A68E-4159-AAA8-673717381B43}"/>
+              </c:ext>
+            </c:extLst>
+          </c:dPt>
+          <c:dPt>
+            <c:idx val="1"/>
+            <c:bubble3D val="0"/>
+            <c:spPr>
+              <a:solidFill>
+                <a:srgbClr val="92D050"/>
+              </a:solidFill>
+              <a:ln>
+                <a:noFill/>
+              </a:ln>
+              <a:effectLst>
+                <a:outerShdw dist="38103" dir="5400000" algn="tl">
+                  <a:srgbClr val="000000">
+                    <a:alpha val="40000"/>
+                  </a:srgbClr>
+                </a:outerShdw>
+              </a:effectLst>
+            </c:spPr>
+            <c:extLst>
+              <c:ext xmlns:c16="http://schemas.microsoft.com/office/drawing/2014/chart" uri="{C3380CC4-5D6E-409C-BE32-E72D297353CC}">
+                <c16:uniqueId val="{00000003-A68E-4159-AAA8-673717381B43}"/>
+              </c:ext>
+            </c:extLst>
+          </c:dPt>
+          <c:dPt>
+            <c:idx val="2"/>
+            <c:bubble3D val="0"/>
+            <c:spPr>
+              <a:solidFill>
+                <a:srgbClr val="92D050"/>
+              </a:solidFill>
+              <a:ln>
+                <a:noFill/>
+              </a:ln>
+              <a:effectLst>
+                <a:outerShdw dist="38103" dir="5400000" algn="tl">
+                  <a:srgbClr val="000000">
+                    <a:alpha val="40000"/>
+                  </a:srgbClr>
+                </a:outerShdw>
+              </a:effectLst>
+            </c:spPr>
+            <c:extLst>
+              <c:ext xmlns:c16="http://schemas.microsoft.com/office/drawing/2014/chart" uri="{C3380CC4-5D6E-409C-BE32-E72D297353CC}">
+                <c16:uniqueId val="{00000005-A68E-4159-AAA8-673717381B43}"/>
+              </c:ext>
+            </c:extLst>
+          </c:dPt>
+          <c:dPt>
+            <c:idx val="3"/>
+            <c:bubble3D val="0"/>
+            <c:spPr>
+              <a:solidFill>
+                <a:srgbClr val="FFC000"/>
+              </a:solidFill>
+              <a:ln>
+                <a:noFill/>
+              </a:ln>
+              <a:effectLst>
+                <a:outerShdw dist="38103" dir="5400000" algn="tl">
+                  <a:srgbClr val="000000">
+                    <a:alpha val="40000"/>
+                  </a:srgbClr>
+                </a:outerShdw>
+              </a:effectLst>
+            </c:spPr>
+            <c:extLst>
+              <c:ext xmlns:c16="http://schemas.microsoft.com/office/drawing/2014/chart" uri="{C3380CC4-5D6E-409C-BE32-E72D297353CC}">
+                <c16:uniqueId val="{00000007-A68E-4159-AAA8-673717381B43}"/>
+              </c:ext>
+            </c:extLst>
+          </c:dPt>
+          <c:dLbls>
+            <c:dLbl>
+              <c:idx val="0"/>
+              <c:layout>
+                <c:manualLayout>
+                  <c:x val="-3.6333276954426161E-2"/>
+                  <c:y val="3.8151143640185438E-2"/>
+                </c:manualLayout>
+              </c:layout>
+              <c:tx>
+                <c:rich>
+                  <a:bodyPr/>
+                  <a:lstStyle/>
+                  <a:p>
+                    <a:r>
+                      <a:rPr lang="en-US" baseline="0" dirty="0" smtClean="0">
+                        <a:solidFill>
+                          <a:srgbClr val="000000"/>
+                        </a:solidFill>
+                      </a:rPr>
+                      <a:t>21</a:t>
+                    </a:r>
+                    <a:endParaRPr lang="en-US" baseline="0" dirty="0">
+                      <a:solidFill>
+                        <a:srgbClr val="000000"/>
+                      </a:solidFill>
+                    </a:endParaRPr>
+                  </a:p>
+                </c:rich>
+              </c:tx>
+              <c:showLegendKey val="0"/>
+              <c:showVal val="1"/>
+              <c:showCatName val="0"/>
+              <c:showSerName val="0"/>
+              <c:showPercent val="0"/>
+              <c:showBubbleSize val="0"/>
+              <c:separator>; </c:separator>
+              <c:extLst>
+                <c:ext xmlns:c15="http://schemas.microsoft.com/office/drawing/2012/chart" uri="{CE6537A1-D6FC-4f65-9D91-7224C49458BB}">
+                  <c15:layout>
+                    <c:manualLayout>
+                      <c:w val="0.18666031122621193"/>
+                      <c:h val="0.17625893824398881"/>
+                    </c:manualLayout>
+                  </c15:layout>
+                </c:ext>
+                <c:ext xmlns:c16="http://schemas.microsoft.com/office/drawing/2014/chart" uri="{C3380CC4-5D6E-409C-BE32-E72D297353CC}">
+                  <c16:uniqueId val="{00000001-A68E-4159-AAA8-673717381B43}"/>
+                </c:ext>
+              </c:extLst>
+            </c:dLbl>
+            <c:dLbl>
+              <c:idx val="1"/>
+              <c:delete val="1"/>
+              <c:extLst>
+                <c:ext xmlns:c15="http://schemas.microsoft.com/office/drawing/2012/chart" uri="{CE6537A1-D6FC-4f65-9D91-7224C49458BB}"/>
+                <c:ext xmlns:c16="http://schemas.microsoft.com/office/drawing/2014/chart" uri="{C3380CC4-5D6E-409C-BE32-E72D297353CC}">
+                  <c16:uniqueId val="{00000003-A68E-4159-AAA8-673717381B43}"/>
+                </c:ext>
+              </c:extLst>
+            </c:dLbl>
+            <c:dLbl>
+              <c:idx val="2"/>
+              <c:delete val="1"/>
+              <c:extLst>
+                <c:ext xmlns:c15="http://schemas.microsoft.com/office/drawing/2012/chart" uri="{CE6537A1-D6FC-4f65-9D91-7224C49458BB}"/>
+                <c:ext xmlns:c16="http://schemas.microsoft.com/office/drawing/2014/chart" uri="{C3380CC4-5D6E-409C-BE32-E72D297353CC}">
+                  <c16:uniqueId val="{00000005-A68E-4159-AAA8-673717381B43}"/>
+                </c:ext>
+              </c:extLst>
+            </c:dLbl>
+            <c:dLbl>
+              <c:idx val="3"/>
+              <c:delete val="1"/>
+              <c:extLst>
+                <c:ext xmlns:c15="http://schemas.microsoft.com/office/drawing/2012/chart" uri="{CE6537A1-D6FC-4f65-9D91-7224C49458BB}"/>
+                <c:ext xmlns:c16="http://schemas.microsoft.com/office/drawing/2014/chart" uri="{C3380CC4-5D6E-409C-BE32-E72D297353CC}">
+                  <c16:uniqueId val="{00000007-A68E-4159-AAA8-673717381B43}"/>
+                </c:ext>
+              </c:extLst>
+            </c:dLbl>
+            <c:spPr>
+              <a:noFill/>
+              <a:ln>
+                <a:noFill/>
+              </a:ln>
+              <a:effectLst/>
+            </c:spPr>
+            <c:txPr>
+              <a:bodyPr lIns="0" tIns="0" rIns="0" bIns="0"/>
+              <a:lstStyle/>
+              <a:p>
+                <a:pPr marL="0" marR="0" indent="0" algn="ctr" defTabSz="914400" fontAlgn="auto" hangingPunct="1">
+                  <a:lnSpc>
+                    <a:spcPct val="100000"/>
+                  </a:lnSpc>
+                  <a:spcBef>
+                    <a:spcPts val="0"/>
+                  </a:spcBef>
+                  <a:spcAft>
+                    <a:spcPts val="0"/>
+                  </a:spcAft>
+                  <a:tabLst/>
+                  <a:defRPr lang="es-ES" sz="1200" b="1" i="0" u="none" strike="noStrike" kern="1200" baseline="0">
+                    <a:solidFill>
+                      <a:srgbClr val="FFFFFF"/>
+                    </a:solidFill>
+                    <a:latin typeface="Calibri"/>
+                  </a:defRPr>
+                </a:pPr>
+                <a:endParaRPr lang="es-PE"/>
+              </a:p>
+            </c:txPr>
+            <c:showLegendKey val="0"/>
+            <c:showVal val="1"/>
+            <c:showCatName val="0"/>
+            <c:showSerName val="0"/>
+            <c:showPercent val="0"/>
+            <c:showBubbleSize val="0"/>
+            <c:separator>; </c:separator>
+            <c:showLeaderLines val="1"/>
+            <c:extLst>
+              <c:ext xmlns:c15="http://schemas.microsoft.com/office/drawing/2012/chart" uri="{CE6537A1-D6FC-4f65-9D91-7224C49458BB}">
+                <c15:spPr xmlns:c15="http://schemas.microsoft.com/office/drawing/2012/chart">
+                  <a:prstGeom prst="rect">
+                    <a:avLst/>
+                  </a:prstGeom>
+                </c15:spPr>
+              </c:ext>
+            </c:extLst>
+          </c:dLbls>
+          <c:cat>
+            <c:strLit>
+              <c:ptCount val="4"/>
+              <c:pt idx="0">
+                <c:v>TXT OK</c:v>
+              </c:pt>
+              <c:pt idx="1">
+                <c:v>TXT DIFIC</c:v>
+              </c:pt>
+              <c:pt idx="2">
+                <c:v>TXT MUL</c:v>
+              </c:pt>
+              <c:pt idx="3">
+                <c:v>TXT PEN</c:v>
+              </c:pt>
+            </c:strLit>
+          </c:cat>
+          <c:val>
+            <c:numLit>
+              <c:formatCode>General</c:formatCode>
+              <c:ptCount val="4"/>
+              <c:pt idx="0">
+                <c:v>13</c:v>
+              </c:pt>
+              <c:pt idx="1">
+                <c:v>3</c:v>
+              </c:pt>
+              <c:pt idx="2">
+                <c:v>0</c:v>
+              </c:pt>
+              <c:pt idx="3">
+                <c:v>4</c:v>
+              </c:pt>
+            </c:numLit>
+          </c:val>
+          <c:extLst>
+            <c:ext xmlns:c16="http://schemas.microsoft.com/office/drawing/2014/chart" uri="{C3380CC4-5D6E-409C-BE32-E72D297353CC}">
+              <c16:uniqueId val="{00000008-A68E-4159-AAA8-673717381B43}"/>
+            </c:ext>
+          </c:extLst>
         </c:ser>
         <c:dLbls>
           <c:showLegendKey val="0"/>
@@ -9429,7 +10476,7 @@
 </file>
 
 <file path=ppt/charts/chart6.xml><?xml version="1.0" encoding="utf-8"?>
-<c:chartSpace xmlns:c="http://schemas.openxmlformats.org/drawingml/2006/chart" xmlns:a="http://schemas.openxmlformats.org/drawingml/2006/main" xmlns:r="http://schemas.openxmlformats.org/officeDocument/2006/relationships">
+<c:chartSpace xmlns:c="http://schemas.openxmlformats.org/drawingml/2006/chart" xmlns:a="http://schemas.openxmlformats.org/drawingml/2006/main" xmlns:r="http://schemas.openxmlformats.org/officeDocument/2006/relationships" xmlns:c16r2="http://schemas.microsoft.com/office/drawing/2015/06/chart">
   <c:date1904 val="0"/>
   <c:lang val="es-ES"/>
   <c:roundedCorners val="0"/>
@@ -9476,6 +10523,11 @@
                 </a:outerShdw>
               </a:effectLst>
             </c:spPr>
+            <c:extLst>
+              <c:ext xmlns:c16="http://schemas.microsoft.com/office/drawing/2014/chart" uri="{C3380CC4-5D6E-409C-BE32-E72D297353CC}">
+                <c16:uniqueId val="{00000001-FB32-4CAE-A158-CFD755B29294}"/>
+              </c:ext>
+            </c:extLst>
           </c:dPt>
           <c:dPt>
             <c:idx val="1"/>
@@ -9495,6 +10547,11 @@
                 </a:outerShdw>
               </a:effectLst>
             </c:spPr>
+            <c:extLst>
+              <c:ext xmlns:c16="http://schemas.microsoft.com/office/drawing/2014/chart" uri="{C3380CC4-5D6E-409C-BE32-E72D297353CC}">
+                <c16:uniqueId val="{00000003-FB32-4CAE-A158-CFD755B29294}"/>
+              </c:ext>
+            </c:extLst>
           </c:dPt>
           <c:dPt>
             <c:idx val="2"/>
@@ -9514,6 +10571,11 @@
                 </a:outerShdw>
               </a:effectLst>
             </c:spPr>
+            <c:extLst>
+              <c:ext xmlns:c16="http://schemas.microsoft.com/office/drawing/2014/chart" uri="{C3380CC4-5D6E-409C-BE32-E72D297353CC}">
+                <c16:uniqueId val="{00000005-FB32-4CAE-A158-CFD755B29294}"/>
+              </c:ext>
+            </c:extLst>
           </c:dPt>
           <c:dPt>
             <c:idx val="3"/>
@@ -9533,10 +10595,16 @@
                 </a:outerShdw>
               </a:effectLst>
             </c:spPr>
+            <c:extLst>
+              <c:ext xmlns:c16="http://schemas.microsoft.com/office/drawing/2014/chart" uri="{C3380CC4-5D6E-409C-BE32-E72D297353CC}">
+                <c16:uniqueId val="{00000007-FB32-4CAE-A158-CFD755B29294}"/>
+              </c:ext>
+            </c:extLst>
           </c:dPt>
           <c:dLbls>
             <c:dLbl>
               <c:idx val="0"/>
+              <c:layout/>
               <c:tx>
                 <c:rich>
                   <a:bodyPr/>
@@ -9570,7 +10638,12 @@
               <c:showBubbleSize val="0"/>
               <c:separator>; </c:separator>
               <c:extLst>
-                <c:ext xmlns:c15="http://schemas.microsoft.com/office/drawing/2012/chart" uri="{CE6537A1-D6FC-4f65-9D91-7224C49458BB}"/>
+                <c:ext xmlns:c15="http://schemas.microsoft.com/office/drawing/2012/chart" uri="{CE6537A1-D6FC-4f65-9D91-7224C49458BB}">
+                  <c15:layout/>
+                </c:ext>
+                <c:ext xmlns:c16="http://schemas.microsoft.com/office/drawing/2014/chart" uri="{C3380CC4-5D6E-409C-BE32-E72D297353CC}">
+                  <c16:uniqueId val="{00000001-FB32-4CAE-A158-CFD755B29294}"/>
+                </c:ext>
               </c:extLst>
             </c:dLbl>
             <c:dLbl>
@@ -9578,6 +10651,9 @@
               <c:delete val="1"/>
               <c:extLst>
                 <c:ext xmlns:c15="http://schemas.microsoft.com/office/drawing/2012/chart" uri="{CE6537A1-D6FC-4f65-9D91-7224C49458BB}"/>
+                <c:ext xmlns:c16="http://schemas.microsoft.com/office/drawing/2014/chart" uri="{C3380CC4-5D6E-409C-BE32-E72D297353CC}">
+                  <c16:uniqueId val="{00000003-FB32-4CAE-A158-CFD755B29294}"/>
+                </c:ext>
               </c:extLst>
             </c:dLbl>
             <c:dLbl>
@@ -9585,6 +10661,9 @@
               <c:delete val="1"/>
               <c:extLst>
                 <c:ext xmlns:c15="http://schemas.microsoft.com/office/drawing/2012/chart" uri="{CE6537A1-D6FC-4f65-9D91-7224C49458BB}"/>
+                <c:ext xmlns:c16="http://schemas.microsoft.com/office/drawing/2014/chart" uri="{C3380CC4-5D6E-409C-BE32-E72D297353CC}">
+                  <c16:uniqueId val="{00000005-FB32-4CAE-A158-CFD755B29294}"/>
+                </c:ext>
               </c:extLst>
             </c:dLbl>
             <c:dLbl>
@@ -9592,6 +10671,9 @@
               <c:delete val="1"/>
               <c:extLst>
                 <c:ext xmlns:c15="http://schemas.microsoft.com/office/drawing/2012/chart" uri="{CE6537A1-D6FC-4f65-9D91-7224C49458BB}"/>
+                <c:ext xmlns:c16="http://schemas.microsoft.com/office/drawing/2014/chart" uri="{C3380CC4-5D6E-409C-BE32-E72D297353CC}">
+                  <c16:uniqueId val="{00000007-FB32-4CAE-A158-CFD755B29294}"/>
+                </c:ext>
               </c:extLst>
             </c:dLbl>
             <c:spPr>
@@ -9679,6 +10761,11 @@
               </c:pt>
             </c:numLit>
           </c:val>
+          <c:extLst>
+            <c:ext xmlns:c16="http://schemas.microsoft.com/office/drawing/2014/chart" uri="{C3380CC4-5D6E-409C-BE32-E72D297353CC}">
+              <c16:uniqueId val="{00000008-FB32-4CAE-A158-CFD755B29294}"/>
+            </c:ext>
+          </c:extLst>
         </c:ser>
         <c:dLbls>
           <c:showLegendKey val="0"/>
@@ -9741,7 +10828,7 @@
 </file>
 
 <file path=ppt/charts/chart7.xml><?xml version="1.0" encoding="utf-8"?>
-<c:chartSpace xmlns:c="http://schemas.openxmlformats.org/drawingml/2006/chart" xmlns:a="http://schemas.openxmlformats.org/drawingml/2006/main" xmlns:r="http://schemas.openxmlformats.org/officeDocument/2006/relationships">
+<c:chartSpace xmlns:c="http://schemas.openxmlformats.org/drawingml/2006/chart" xmlns:a="http://schemas.openxmlformats.org/drawingml/2006/main" xmlns:r="http://schemas.openxmlformats.org/officeDocument/2006/relationships" xmlns:c16r2="http://schemas.microsoft.com/office/drawing/2015/06/chart">
   <c:date1904 val="0"/>
   <c:lang val="es-ES"/>
   <c:roundedCorners val="0"/>
@@ -9788,6 +10875,11 @@
                 </a:outerShdw>
               </a:effectLst>
             </c:spPr>
+            <c:extLst>
+              <c:ext xmlns:c16="http://schemas.microsoft.com/office/drawing/2014/chart" uri="{C3380CC4-5D6E-409C-BE32-E72D297353CC}">
+                <c16:uniqueId val="{00000001-A3C0-4D0A-B146-F85A1199B571}"/>
+              </c:ext>
+            </c:extLst>
           </c:dPt>
           <c:dPt>
             <c:idx val="1"/>
@@ -9807,6 +10899,11 @@
                 </a:outerShdw>
               </a:effectLst>
             </c:spPr>
+            <c:extLst>
+              <c:ext xmlns:c16="http://schemas.microsoft.com/office/drawing/2014/chart" uri="{C3380CC4-5D6E-409C-BE32-E72D297353CC}">
+                <c16:uniqueId val="{00000003-A3C0-4D0A-B146-F85A1199B571}"/>
+              </c:ext>
+            </c:extLst>
           </c:dPt>
           <c:dPt>
             <c:idx val="2"/>
@@ -9826,6 +10923,11 @@
                 </a:outerShdw>
               </a:effectLst>
             </c:spPr>
+            <c:extLst>
+              <c:ext xmlns:c16="http://schemas.microsoft.com/office/drawing/2014/chart" uri="{C3380CC4-5D6E-409C-BE32-E72D297353CC}">
+                <c16:uniqueId val="{00000005-A3C0-4D0A-B146-F85A1199B571}"/>
+              </c:ext>
+            </c:extLst>
           </c:dPt>
           <c:dPt>
             <c:idx val="3"/>
@@ -9845,10 +10947,16 @@
                 </a:outerShdw>
               </a:effectLst>
             </c:spPr>
+            <c:extLst>
+              <c:ext xmlns:c16="http://schemas.microsoft.com/office/drawing/2014/chart" uri="{C3380CC4-5D6E-409C-BE32-E72D297353CC}">
+                <c16:uniqueId val="{00000007-A3C0-4D0A-B146-F85A1199B571}"/>
+              </c:ext>
+            </c:extLst>
           </c:dPt>
           <c:dLbls>
             <c:dLbl>
               <c:idx val="0"/>
+              <c:layout/>
               <c:tx>
                 <c:rich>
                   <a:bodyPr/>
@@ -9882,7 +10990,12 @@
               <c:showBubbleSize val="0"/>
               <c:separator>; </c:separator>
               <c:extLst>
-                <c:ext xmlns:c15="http://schemas.microsoft.com/office/drawing/2012/chart" uri="{CE6537A1-D6FC-4f65-9D91-7224C49458BB}"/>
+                <c:ext xmlns:c15="http://schemas.microsoft.com/office/drawing/2012/chart" uri="{CE6537A1-D6FC-4f65-9D91-7224C49458BB}">
+                  <c15:layout/>
+                </c:ext>
+                <c:ext xmlns:c16="http://schemas.microsoft.com/office/drawing/2014/chart" uri="{C3380CC4-5D6E-409C-BE32-E72D297353CC}">
+                  <c16:uniqueId val="{00000001-A3C0-4D0A-B146-F85A1199B571}"/>
+                </c:ext>
               </c:extLst>
             </c:dLbl>
             <c:dLbl>
@@ -9890,6 +11003,9 @@
               <c:delete val="1"/>
               <c:extLst>
                 <c:ext xmlns:c15="http://schemas.microsoft.com/office/drawing/2012/chart" uri="{CE6537A1-D6FC-4f65-9D91-7224C49458BB}"/>
+                <c:ext xmlns:c16="http://schemas.microsoft.com/office/drawing/2014/chart" uri="{C3380CC4-5D6E-409C-BE32-E72D297353CC}">
+                  <c16:uniqueId val="{00000003-A3C0-4D0A-B146-F85A1199B571}"/>
+                </c:ext>
               </c:extLst>
             </c:dLbl>
             <c:dLbl>
@@ -9897,6 +11013,9 @@
               <c:delete val="1"/>
               <c:extLst>
                 <c:ext xmlns:c15="http://schemas.microsoft.com/office/drawing/2012/chart" uri="{CE6537A1-D6FC-4f65-9D91-7224C49458BB}"/>
+                <c:ext xmlns:c16="http://schemas.microsoft.com/office/drawing/2014/chart" uri="{C3380CC4-5D6E-409C-BE32-E72D297353CC}">
+                  <c16:uniqueId val="{00000005-A3C0-4D0A-B146-F85A1199B571}"/>
+                </c:ext>
               </c:extLst>
             </c:dLbl>
             <c:dLbl>
@@ -9904,6 +11023,9 @@
               <c:delete val="1"/>
               <c:extLst>
                 <c:ext xmlns:c15="http://schemas.microsoft.com/office/drawing/2012/chart" uri="{CE6537A1-D6FC-4f65-9D91-7224C49458BB}"/>
+                <c:ext xmlns:c16="http://schemas.microsoft.com/office/drawing/2014/chart" uri="{C3380CC4-5D6E-409C-BE32-E72D297353CC}">
+                  <c16:uniqueId val="{00000007-A3C0-4D0A-B146-F85A1199B571}"/>
+                </c:ext>
               </c:extLst>
             </c:dLbl>
             <c:spPr>
@@ -9991,6 +11113,11 @@
               </c:pt>
             </c:numLit>
           </c:val>
+          <c:extLst>
+            <c:ext xmlns:c16="http://schemas.microsoft.com/office/drawing/2014/chart" uri="{C3380CC4-5D6E-409C-BE32-E72D297353CC}">
+              <c16:uniqueId val="{00000008-A3C0-4D0A-B146-F85A1199B571}"/>
+            </c:ext>
+          </c:extLst>
         </c:ser>
         <c:dLbls>
           <c:showLegendKey val="0"/>
@@ -10053,7 +11180,7 @@
 </file>
 
 <file path=ppt/charts/chart8.xml><?xml version="1.0" encoding="utf-8"?>
-<c:chartSpace xmlns:c="http://schemas.openxmlformats.org/drawingml/2006/chart" xmlns:a="http://schemas.openxmlformats.org/drawingml/2006/main" xmlns:r="http://schemas.openxmlformats.org/officeDocument/2006/relationships">
+<c:chartSpace xmlns:c="http://schemas.openxmlformats.org/drawingml/2006/chart" xmlns:a="http://schemas.openxmlformats.org/drawingml/2006/main" xmlns:r="http://schemas.openxmlformats.org/officeDocument/2006/relationships" xmlns:c16r2="http://schemas.microsoft.com/office/drawing/2015/06/chart">
   <c:date1904 val="0"/>
   <c:lang val="es-ES"/>
   <c:roundedCorners val="0"/>
@@ -10095,6 +11222,11 @@
                 </a:outerShdw>
               </a:effectLst>
             </c:spPr>
+            <c:extLst>
+              <c:ext xmlns:c16="http://schemas.microsoft.com/office/drawing/2014/chart" uri="{C3380CC4-5D6E-409C-BE32-E72D297353CC}">
+                <c16:uniqueId val="{00000001-7D77-4AD5-829B-B63428A2026C}"/>
+              </c:ext>
+            </c:extLst>
           </c:dPt>
           <c:dPt>
             <c:idx val="1"/>
@@ -10114,6 +11246,11 @@
                 </a:outerShdw>
               </a:effectLst>
             </c:spPr>
+            <c:extLst>
+              <c:ext xmlns:c16="http://schemas.microsoft.com/office/drawing/2014/chart" uri="{C3380CC4-5D6E-409C-BE32-E72D297353CC}">
+                <c16:uniqueId val="{00000003-7D77-4AD5-829B-B63428A2026C}"/>
+              </c:ext>
+            </c:extLst>
           </c:dPt>
           <c:dPt>
             <c:idx val="2"/>
@@ -10133,6 +11270,11 @@
                 </a:outerShdw>
               </a:effectLst>
             </c:spPr>
+            <c:extLst>
+              <c:ext xmlns:c16="http://schemas.microsoft.com/office/drawing/2014/chart" uri="{C3380CC4-5D6E-409C-BE32-E72D297353CC}">
+                <c16:uniqueId val="{00000005-7D77-4AD5-829B-B63428A2026C}"/>
+              </c:ext>
+            </c:extLst>
           </c:dPt>
           <c:dPt>
             <c:idx val="3"/>
@@ -10152,10 +11294,16 @@
                 </a:outerShdw>
               </a:effectLst>
             </c:spPr>
+            <c:extLst>
+              <c:ext xmlns:c16="http://schemas.microsoft.com/office/drawing/2014/chart" uri="{C3380CC4-5D6E-409C-BE32-E72D297353CC}">
+                <c16:uniqueId val="{00000007-7D77-4AD5-829B-B63428A2026C}"/>
+              </c:ext>
+            </c:extLst>
           </c:dPt>
           <c:dLbls>
             <c:dLbl>
               <c:idx val="0"/>
+              <c:layout/>
               <c:tx>
                 <c:rich>
                   <a:bodyPr/>
@@ -10185,11 +11333,17 @@
               <c:showBubbleSize val="0"/>
               <c:separator>; </c:separator>
               <c:extLst>
-                <c:ext xmlns:c15="http://schemas.microsoft.com/office/drawing/2012/chart" uri="{CE6537A1-D6FC-4f65-9D91-7224C49458BB}"/>
+                <c:ext xmlns:c15="http://schemas.microsoft.com/office/drawing/2012/chart" uri="{CE6537A1-D6FC-4f65-9D91-7224C49458BB}">
+                  <c15:layout/>
+                </c:ext>
+                <c:ext xmlns:c16="http://schemas.microsoft.com/office/drawing/2014/chart" uri="{C3380CC4-5D6E-409C-BE32-E72D297353CC}">
+                  <c16:uniqueId val="{00000001-7D77-4AD5-829B-B63428A2026C}"/>
+                </c:ext>
               </c:extLst>
             </c:dLbl>
             <c:dLbl>
               <c:idx val="1"/>
+              <c:layout/>
               <c:tx>
                 <c:rich>
                   <a:bodyPr/>
@@ -10214,7 +11368,12 @@
               <c:showBubbleSize val="0"/>
               <c:separator>; </c:separator>
               <c:extLst>
-                <c:ext xmlns:c15="http://schemas.microsoft.com/office/drawing/2012/chart" uri="{CE6537A1-D6FC-4f65-9D91-7224C49458BB}"/>
+                <c:ext xmlns:c15="http://schemas.microsoft.com/office/drawing/2012/chart" uri="{CE6537A1-D6FC-4f65-9D91-7224C49458BB}">
+                  <c15:layout/>
+                </c:ext>
+                <c:ext xmlns:c16="http://schemas.microsoft.com/office/drawing/2014/chart" uri="{C3380CC4-5D6E-409C-BE32-E72D297353CC}">
+                  <c16:uniqueId val="{00000003-7D77-4AD5-829B-B63428A2026C}"/>
+                </c:ext>
               </c:extLst>
             </c:dLbl>
             <c:dLbl>
@@ -10262,6 +11421,9 @@
                     </c:manualLayout>
                   </c15:layout>
                 </c:ext>
+                <c:ext xmlns:c16="http://schemas.microsoft.com/office/drawing/2014/chart" uri="{C3380CC4-5D6E-409C-BE32-E72D297353CC}">
+                  <c16:uniqueId val="{00000005-7D77-4AD5-829B-B63428A2026C}"/>
+                </c:ext>
               </c:extLst>
             </c:dLbl>
             <c:dLbl>
@@ -10269,6 +11431,9 @@
               <c:delete val="1"/>
               <c:extLst>
                 <c:ext xmlns:c15="http://schemas.microsoft.com/office/drawing/2012/chart" uri="{CE6537A1-D6FC-4f65-9D91-7224C49458BB}"/>
+                <c:ext xmlns:c16="http://schemas.microsoft.com/office/drawing/2014/chart" uri="{C3380CC4-5D6E-409C-BE32-E72D297353CC}">
+                  <c16:uniqueId val="{00000007-7D77-4AD5-829B-B63428A2026C}"/>
+                </c:ext>
               </c:extLst>
             </c:dLbl>
             <c:spPr>
@@ -10356,6 +11521,11 @@
               </c:pt>
             </c:numLit>
           </c:val>
+          <c:extLst>
+            <c:ext xmlns:c16="http://schemas.microsoft.com/office/drawing/2014/chart" uri="{C3380CC4-5D6E-409C-BE32-E72D297353CC}">
+              <c16:uniqueId val="{00000008-7D77-4AD5-829B-B63428A2026C}"/>
+            </c:ext>
+          </c:extLst>
         </c:ser>
         <c:dLbls>
           <c:showLegendKey val="0"/>
@@ -10418,7 +11588,7 @@
 </file>
 
 <file path=ppt/charts/chart9.xml><?xml version="1.0" encoding="utf-8"?>
-<c:chartSpace xmlns:c="http://schemas.openxmlformats.org/drawingml/2006/chart" xmlns:a="http://schemas.openxmlformats.org/drawingml/2006/main" xmlns:r="http://schemas.openxmlformats.org/officeDocument/2006/relationships">
+<c:chartSpace xmlns:c="http://schemas.openxmlformats.org/drawingml/2006/chart" xmlns:a="http://schemas.openxmlformats.org/drawingml/2006/main" xmlns:r="http://schemas.openxmlformats.org/officeDocument/2006/relationships" xmlns:c16r2="http://schemas.microsoft.com/office/drawing/2015/06/chart">
   <c:date1904 val="0"/>
   <c:lang val="es-ES"/>
   <c:roundedCorners val="0"/>
@@ -10465,6 +11635,11 @@
                 </a:outerShdw>
               </a:effectLst>
             </c:spPr>
+            <c:extLst>
+              <c:ext xmlns:c16="http://schemas.microsoft.com/office/drawing/2014/chart" uri="{C3380CC4-5D6E-409C-BE32-E72D297353CC}">
+                <c16:uniqueId val="{00000001-A807-4220-9D3A-C3878B8586B0}"/>
+              </c:ext>
+            </c:extLst>
           </c:dPt>
           <c:dPt>
             <c:idx val="1"/>
@@ -10484,6 +11659,11 @@
                 </a:outerShdw>
               </a:effectLst>
             </c:spPr>
+            <c:extLst>
+              <c:ext xmlns:c16="http://schemas.microsoft.com/office/drawing/2014/chart" uri="{C3380CC4-5D6E-409C-BE32-E72D297353CC}">
+                <c16:uniqueId val="{00000003-A807-4220-9D3A-C3878B8586B0}"/>
+              </c:ext>
+            </c:extLst>
           </c:dPt>
           <c:dPt>
             <c:idx val="2"/>
@@ -10503,6 +11683,11 @@
                 </a:outerShdw>
               </a:effectLst>
             </c:spPr>
+            <c:extLst>
+              <c:ext xmlns:c16="http://schemas.microsoft.com/office/drawing/2014/chart" uri="{C3380CC4-5D6E-409C-BE32-E72D297353CC}">
+                <c16:uniqueId val="{00000005-A807-4220-9D3A-C3878B8586B0}"/>
+              </c:ext>
+            </c:extLst>
           </c:dPt>
           <c:dPt>
             <c:idx val="3"/>
@@ -10522,10 +11707,16 @@
                 </a:outerShdw>
               </a:effectLst>
             </c:spPr>
+            <c:extLst>
+              <c:ext xmlns:c16="http://schemas.microsoft.com/office/drawing/2014/chart" uri="{C3380CC4-5D6E-409C-BE32-E72D297353CC}">
+                <c16:uniqueId val="{00000007-A807-4220-9D3A-C3878B8586B0}"/>
+              </c:ext>
+            </c:extLst>
           </c:dPt>
           <c:dLbls>
             <c:dLbl>
               <c:idx val="0"/>
+              <c:layout/>
               <c:tx>
                 <c:rich>
                   <a:bodyPr/>
@@ -10555,7 +11746,12 @@
               <c:showBubbleSize val="0"/>
               <c:separator>; </c:separator>
               <c:extLst>
-                <c:ext xmlns:c15="http://schemas.microsoft.com/office/drawing/2012/chart" uri="{CE6537A1-D6FC-4f65-9D91-7224C49458BB}"/>
+                <c:ext xmlns:c15="http://schemas.microsoft.com/office/drawing/2012/chart" uri="{CE6537A1-D6FC-4f65-9D91-7224C49458BB}">
+                  <c15:layout/>
+                </c:ext>
+                <c:ext xmlns:c16="http://schemas.microsoft.com/office/drawing/2014/chart" uri="{C3380CC4-5D6E-409C-BE32-E72D297353CC}">
+                  <c16:uniqueId val="{00000001-A807-4220-9D3A-C3878B8586B0}"/>
+                </c:ext>
               </c:extLst>
             </c:dLbl>
             <c:dLbl>
@@ -10563,6 +11759,9 @@
               <c:delete val="1"/>
               <c:extLst>
                 <c:ext xmlns:c15="http://schemas.microsoft.com/office/drawing/2012/chart" uri="{CE6537A1-D6FC-4f65-9D91-7224C49458BB}"/>
+                <c:ext xmlns:c16="http://schemas.microsoft.com/office/drawing/2014/chart" uri="{C3380CC4-5D6E-409C-BE32-E72D297353CC}">
+                  <c16:uniqueId val="{00000003-A807-4220-9D3A-C3878B8586B0}"/>
+                </c:ext>
               </c:extLst>
             </c:dLbl>
             <c:dLbl>
@@ -10570,6 +11769,9 @@
               <c:delete val="1"/>
               <c:extLst>
                 <c:ext xmlns:c15="http://schemas.microsoft.com/office/drawing/2012/chart" uri="{CE6537A1-D6FC-4f65-9D91-7224C49458BB}"/>
+                <c:ext xmlns:c16="http://schemas.microsoft.com/office/drawing/2014/chart" uri="{C3380CC4-5D6E-409C-BE32-E72D297353CC}">
+                  <c16:uniqueId val="{00000005-A807-4220-9D3A-C3878B8586B0}"/>
+                </c:ext>
               </c:extLst>
             </c:dLbl>
             <c:dLbl>
@@ -10577,6 +11779,9 @@
               <c:delete val="1"/>
               <c:extLst>
                 <c:ext xmlns:c15="http://schemas.microsoft.com/office/drawing/2012/chart" uri="{CE6537A1-D6FC-4f65-9D91-7224C49458BB}"/>
+                <c:ext xmlns:c16="http://schemas.microsoft.com/office/drawing/2014/chart" uri="{C3380CC4-5D6E-409C-BE32-E72D297353CC}">
+                  <c16:uniqueId val="{00000007-A807-4220-9D3A-C3878B8586B0}"/>
+                </c:ext>
               </c:extLst>
             </c:dLbl>
             <c:spPr>
@@ -10664,6 +11869,11 @@
               </c:pt>
             </c:numLit>
           </c:val>
+          <c:extLst>
+            <c:ext xmlns:c16="http://schemas.microsoft.com/office/drawing/2014/chart" uri="{C3380CC4-5D6E-409C-BE32-E72D297353CC}">
+              <c16:uniqueId val="{00000008-A807-4220-9D3A-C3878B8586B0}"/>
+            </c:ext>
+          </c:extLst>
         </c:ser>
         <c:dLbls>
           <c:showLegendKey val="0"/>
@@ -10808,7 +12018,7 @@
             <a:fld id="{33BC5C0D-1A8E-40E5-ADA0-84DBF59AA5C6}" type="datetimeFigureOut">
               <a:rPr lang="es-PE" smtClean="0"/>
               <a:pPr/>
-              <a:t>16/03/2018</a:t>
+              <a:t>25/03/2018</a:t>
             </a:fld>
             <a:endParaRPr lang="es-PE"/>
           </a:p>
@@ -10975,7 +12185,7 @@
             <a:fld id="{1D6789CF-F719-4CF8-BD89-6F425D155B51}" type="datetimeFigureOut">
               <a:rPr lang="es-PE" smtClean="0"/>
               <a:pPr/>
-              <a:t>16/03/2018</a:t>
+              <a:t>25/03/2018</a:t>
             </a:fld>
             <a:endParaRPr lang="es-PE"/>
           </a:p>
@@ -11329,7 +12539,7 @@
             <a:fld id="{D7E77C8B-DD1F-4A72-984B-6415D7DA5034}" type="datetimeFigureOut">
               <a:rPr lang="es-PE" smtClean="0"/>
               <a:pPr/>
-              <a:t>16/03/2018</a:t>
+              <a:t>25/03/2018</a:t>
             </a:fld>
             <a:endParaRPr lang="es-PE" dirty="0"/>
           </a:p>
@@ -15767,6 +16977,298 @@
 </file>
 
 <file path=ppt/slides/slide11.xml><?xml version="1.0" encoding="utf-8"?>
+<p:sld xmlns:a="http://schemas.openxmlformats.org/drawingml/2006/main" xmlns:r="http://schemas.openxmlformats.org/officeDocument/2006/relationships" xmlns:p="http://schemas.openxmlformats.org/presentationml/2006/main">
+  <p:cSld>
+    <p:spTree>
+      <p:nvGrpSpPr>
+        <p:cNvPr id="1" name=""/>
+        <p:cNvGrpSpPr/>
+        <p:nvPr/>
+      </p:nvGrpSpPr>
+      <p:grpSpPr>
+        <a:xfrm>
+          <a:off x="0" y="0"/>
+          <a:ext cx="0" cy="0"/>
+          <a:chOff x="0" y="0"/>
+          <a:chExt cx="0" cy="0"/>
+        </a:xfrm>
+      </p:grpSpPr>
+      <p:sp>
+        <p:nvSpPr>
+          <p:cNvPr id="3" name="Título 1"/>
+          <p:cNvSpPr txBox="1">
+            <a:spLocks/>
+          </p:cNvSpPr>
+          <p:nvPr/>
+        </p:nvSpPr>
+        <p:spPr>
+          <a:xfrm>
+            <a:off x="3214886" y="235449"/>
+            <a:ext cx="8366006" cy="1143000"/>
+          </a:xfrm>
+          <a:prstGeom prst="rect">
+            <a:avLst/>
+          </a:prstGeom>
+        </p:spPr>
+        <p:txBody>
+          <a:bodyPr/>
+          <a:lstStyle>
+            <a:lvl1pPr algn="ctr" defTabSz="914400" rtl="0" eaLnBrk="1" latinLnBrk="0" hangingPunct="1">
+              <a:spcBef>
+                <a:spcPct val="0"/>
+              </a:spcBef>
+              <a:buNone/>
+              <a:defRPr sz="3600" b="1" kern="1200">
+                <a:solidFill>
+                  <a:srgbClr val="002264"/>
+                </a:solidFill>
+                <a:latin typeface="+mj-lt"/>
+                <a:ea typeface="+mj-ea"/>
+                <a:cs typeface="+mj-cs"/>
+              </a:defRPr>
+            </a:lvl1pPr>
+          </a:lstStyle>
+          <a:p>
+            <a:pPr algn="r"/>
+            <a:r>
+              <a:rPr lang="es-PE" dirty="0" smtClean="0"/>
+              <a:t>Sprint Retrospective meeting</a:t>
+            </a:r>
+            <a:endParaRPr lang="es-PE" dirty="0" smtClean="0"/>
+          </a:p>
+          <a:p>
+            <a:pPr algn="r"/>
+            <a:endParaRPr lang="es-PE" dirty="0"/>
+          </a:p>
+        </p:txBody>
+      </p:sp>
+      <p:graphicFrame>
+        <p:nvGraphicFramePr>
+          <p:cNvPr id="5" name="Tabla 4"/>
+          <p:cNvGraphicFramePr>
+            <a:graphicFrameLocks noGrp="1"/>
+          </p:cNvGraphicFramePr>
+          <p:nvPr>
+            <p:extLst>
+              <p:ext uri="{D42A27DB-BD31-4B8C-83A1-F6EECF244321}">
+                <p14:modId xmlns:p14="http://schemas.microsoft.com/office/powerpoint/2010/main" val="485393155"/>
+              </p:ext>
+            </p:extLst>
+          </p:nvPr>
+        </p:nvGraphicFramePr>
+        <p:xfrm>
+          <a:off x="622598" y="1484784"/>
+          <a:ext cx="10729191" cy="4606734"/>
+        </p:xfrm>
+        <a:graphic>
+          <a:graphicData uri="http://schemas.openxmlformats.org/drawingml/2006/table">
+            <a:tbl>
+              <a:tblPr firstRow="1" bandRow="1">
+                <a:tableStyleId>{5C22544A-7EE6-4342-B048-85BDC9FD1C3A}</a:tableStyleId>
+              </a:tblPr>
+              <a:tblGrid>
+                <a:gridCol w="3384376">
+                  <a:extLst>
+                    <a:ext uri="{9D8B030D-6E8A-4147-A177-3AD203B41FA5}">
+                      <a16:colId xmlns:a16="http://schemas.microsoft.com/office/drawing/2014/main" val="1132393356"/>
+                    </a:ext>
+                  </a:extLst>
+                </a:gridCol>
+                <a:gridCol w="3456384">
+                  <a:extLst>
+                    <a:ext uri="{9D8B030D-6E8A-4147-A177-3AD203B41FA5}">
+                      <a16:colId xmlns:a16="http://schemas.microsoft.com/office/drawing/2014/main" val="1626536487"/>
+                    </a:ext>
+                  </a:extLst>
+                </a:gridCol>
+                <a:gridCol w="3888431">
+                  <a:extLst>
+                    <a:ext uri="{9D8B030D-6E8A-4147-A177-3AD203B41FA5}">
+                      <a16:colId xmlns:a16="http://schemas.microsoft.com/office/drawing/2014/main" val="4116983734"/>
+                    </a:ext>
+                  </a:extLst>
+                </a:gridCol>
+              </a:tblGrid>
+              <a:tr h="504056">
+                <a:tc>
+                  <a:txBody>
+                    <a:bodyPr/>
+                    <a:lstStyle/>
+                    <a:p>
+                      <a:r>
+                        <a:rPr lang="es-PE" dirty="0" smtClean="0"/>
+                        <a:t>Qué</a:t>
+                      </a:r>
+                      <a:r>
+                        <a:rPr lang="es-PE" baseline="0" dirty="0" smtClean="0"/>
+                        <a:t> hicimos bien?</a:t>
+                      </a:r>
+                      <a:endParaRPr lang="es-PE" dirty="0"/>
+                    </a:p>
+                  </a:txBody>
+                  <a:tcPr/>
+                </a:tc>
+                <a:tc>
+                  <a:txBody>
+                    <a:bodyPr/>
+                    <a:lstStyle/>
+                    <a:p>
+                      <a:r>
+                        <a:rPr lang="es-PE" dirty="0" smtClean="0"/>
+                        <a:t>Qué podemos</a:t>
+                      </a:r>
+                      <a:r>
+                        <a:rPr lang="es-PE" baseline="0" dirty="0" smtClean="0"/>
+                        <a:t> mejorar ?</a:t>
+                      </a:r>
+                      <a:endParaRPr lang="es-PE" dirty="0"/>
+                    </a:p>
+                  </a:txBody>
+                  <a:tcPr/>
+                </a:tc>
+                <a:tc>
+                  <a:txBody>
+                    <a:bodyPr/>
+                    <a:lstStyle/>
+                    <a:p>
+                      <a:r>
+                        <a:rPr lang="es-PE" dirty="0" smtClean="0"/>
+                        <a:t>Que debemos dejar de hacer</a:t>
+                      </a:r>
+                      <a:r>
+                        <a:rPr lang="es-PE" baseline="0" dirty="0" smtClean="0"/>
+                        <a:t> ?</a:t>
+                      </a:r>
+                      <a:endParaRPr lang="es-PE" dirty="0"/>
+                    </a:p>
+                  </a:txBody>
+                  <a:tcPr/>
+                </a:tc>
+                <a:extLst>
+                  <a:ext uri="{0D108BD9-81ED-4DB2-BD59-A6C34878D82A}">
+                    <a16:rowId xmlns:a16="http://schemas.microsoft.com/office/drawing/2014/main" val="88557266"/>
+                  </a:ext>
+                </a:extLst>
+              </a:tr>
+              <a:tr h="4102678">
+                <a:tc>
+                  <a:txBody>
+                    <a:bodyPr/>
+                    <a:lstStyle/>
+                    <a:p>
+                      <a:r>
+                        <a:rPr lang="es-PE" dirty="0" smtClean="0"/>
+                        <a:t>-Haciendo</a:t>
+                      </a:r>
+                      <a:r>
+                        <a:rPr lang="es-PE" baseline="0" dirty="0" smtClean="0"/>
+                        <a:t> un desarrollo de calidad</a:t>
+                      </a:r>
+                      <a:endParaRPr lang="es-PE" dirty="0" smtClean="0"/>
+                    </a:p>
+                    <a:p>
+                      <a:r>
+                        <a:rPr lang="es-PE" dirty="0" smtClean="0"/>
+                        <a:t>-Validaciones</a:t>
+                      </a:r>
+                      <a:r>
+                        <a:rPr lang="es-PE" baseline="0" dirty="0" smtClean="0"/>
+                        <a:t> funcionales y datos</a:t>
+                      </a:r>
+                      <a:endParaRPr lang="es-PE" dirty="0"/>
+                    </a:p>
+                  </a:txBody>
+                  <a:tcPr/>
+                </a:tc>
+                <a:tc>
+                  <a:txBody>
+                    <a:bodyPr/>
+                    <a:lstStyle/>
+                    <a:p>
+                      <a:r>
+                        <a:rPr lang="es-PE" dirty="0" smtClean="0"/>
+                        <a:t>-Debemos</a:t>
+                      </a:r>
+                      <a:r>
+                        <a:rPr lang="es-PE" baseline="0" dirty="0" smtClean="0"/>
+                        <a:t> priorizar tareas</a:t>
+                      </a:r>
+                      <a:endParaRPr lang="es-PE" dirty="0" smtClean="0"/>
+                    </a:p>
+                    <a:p>
+                      <a:r>
+                        <a:rPr lang="es-PE" dirty="0" smtClean="0"/>
+                        <a:t>-Debemos</a:t>
+                      </a:r>
+                      <a:r>
+                        <a:rPr lang="es-PE" baseline="0" dirty="0" smtClean="0"/>
+                        <a:t> documentar las historias a un nivel</a:t>
+                      </a:r>
+                      <a:endParaRPr lang="es-PE" dirty="0"/>
+                    </a:p>
+                  </a:txBody>
+                  <a:tcPr/>
+                </a:tc>
+                <a:tc>
+                  <a:txBody>
+                    <a:bodyPr/>
+                    <a:lstStyle/>
+                    <a:p>
+                      <a:r>
+                        <a:rPr lang="es-PE" smtClean="0"/>
+                        <a:t>-</a:t>
+                      </a:r>
+                      <a:endParaRPr lang="es-PE" dirty="0" smtClean="0"/>
+                    </a:p>
+                    <a:p>
+                      <a:endParaRPr lang="es-PE" dirty="0"/>
+                    </a:p>
+                  </a:txBody>
+                  <a:tcPr/>
+                </a:tc>
+                <a:extLst>
+                  <a:ext uri="{0D108BD9-81ED-4DB2-BD59-A6C34878D82A}">
+                    <a16:rowId xmlns:a16="http://schemas.microsoft.com/office/drawing/2014/main" val="1247158220"/>
+                  </a:ext>
+                </a:extLst>
+              </a:tr>
+            </a:tbl>
+          </a:graphicData>
+        </a:graphic>
+      </p:graphicFrame>
+    </p:spTree>
+    <p:extLst>
+      <p:ext uri="{BB962C8B-B14F-4D97-AF65-F5344CB8AC3E}">
+        <p14:creationId xmlns:p14="http://schemas.microsoft.com/office/powerpoint/2010/main" val="584940640"/>
+      </p:ext>
+    </p:extLst>
+  </p:cSld>
+  <p:clrMapOvr>
+    <a:masterClrMapping/>
+  </p:clrMapOvr>
+  <mc:AlternateContent xmlns:mc="http://schemas.openxmlformats.org/markup-compatibility/2006" xmlns:p15="http://schemas.microsoft.com/office/powerpoint/2012/main">
+    <mc:Choice Requires="p15">
+      <p:transition xmlns:p14="http://schemas.microsoft.com/office/powerpoint/2010/main" spd="slow" p14:dur="1250">
+        <p15:prstTrans prst="airplane"/>
+      </p:transition>
+    </mc:Choice>
+    <mc:Fallback xmlns="">
+      <p:transition spd="slow">
+        <p:fade/>
+      </p:transition>
+    </mc:Fallback>
+  </mc:AlternateContent>
+  <p:timing>
+    <p:tnLst>
+      <p:par>
+        <p:cTn id="1" dur="indefinite" restart="never" nodeType="tmRoot"/>
+      </p:par>
+    </p:tnLst>
+  </p:timing>
+</p:sld>
+</file>
+
+<file path=ppt/slides/slide12.xml><?xml version="1.0" encoding="utf-8"?>
 <p:sld xmlns:a="http://schemas.openxmlformats.org/drawingml/2006/main" xmlns:r="http://schemas.openxmlformats.org/officeDocument/2006/relationships" xmlns:p="http://schemas.openxmlformats.org/presentationml/2006/main">
   <p:cSld>
     <p:spTree>
@@ -21023,7 +22525,11 @@
           <a:lstStyle/>
           <a:p>
             <a:r>
-              <a:rPr lang="es-PE" dirty="0"/>
+              <a:rPr lang="es-PE" dirty="0">
+                <a:solidFill>
+                  <a:srgbClr val="00B050"/>
+                </a:solidFill>
+              </a:rPr>
               <a:t>Deberá tener una opción para cerrar el vuelo </a:t>
             </a:r>
           </a:p>
@@ -21051,15 +22557,27 @@
           <a:lstStyle/>
           <a:p>
             <a:r>
-              <a:rPr lang="es-PE" dirty="0"/>
+              <a:rPr lang="es-PE" dirty="0">
+                <a:solidFill>
+                  <a:srgbClr val="FF0000"/>
+                </a:solidFill>
+              </a:rPr>
               <a:t>Deberá tener una opción para </a:t>
             </a:r>
             <a:r>
-              <a:rPr lang="es-PE" dirty="0" smtClean="0"/>
+              <a:rPr lang="es-PE" dirty="0" smtClean="0">
+                <a:solidFill>
+                  <a:srgbClr val="FF0000"/>
+                </a:solidFill>
+              </a:rPr>
               <a:t>abrir </a:t>
             </a:r>
             <a:r>
-              <a:rPr lang="es-PE" dirty="0"/>
+              <a:rPr lang="es-PE" dirty="0">
+                <a:solidFill>
+                  <a:srgbClr val="FF0000"/>
+                </a:solidFill>
+              </a:rPr>
               <a:t>vuelo </a:t>
             </a:r>
           </a:p>
@@ -21097,7 +22615,339 @@
 </p:sld>
 </file>
 
-<file path=ppt/slides/slide12.xml><?xml version="1.0" encoding="utf-8"?>
+<file path=ppt/slides/slide13.xml><?xml version="1.0" encoding="utf-8"?>
+<p:sld xmlns:a="http://schemas.openxmlformats.org/drawingml/2006/main" xmlns:r="http://schemas.openxmlformats.org/officeDocument/2006/relationships" xmlns:p="http://schemas.openxmlformats.org/presentationml/2006/main">
+  <p:cSld>
+    <p:spTree>
+      <p:nvGrpSpPr>
+        <p:cNvPr id="1" name=""/>
+        <p:cNvGrpSpPr/>
+        <p:nvPr/>
+      </p:nvGrpSpPr>
+      <p:grpSpPr>
+        <a:xfrm>
+          <a:off x="0" y="0"/>
+          <a:ext cx="0" cy="0"/>
+          <a:chOff x="0" y="0"/>
+          <a:chExt cx="0" cy="0"/>
+        </a:xfrm>
+      </p:grpSpPr>
+      <p:pic>
+        <p:nvPicPr>
+          <p:cNvPr id="6" name="Imagen 5"/>
+          <p:cNvPicPr>
+            <a:picLocks noChangeAspect="1"/>
+          </p:cNvPicPr>
+          <p:nvPr/>
+        </p:nvPicPr>
+        <p:blipFill>
+          <a:blip r:embed="rId2"/>
+          <a:stretch>
+            <a:fillRect/>
+          </a:stretch>
+        </p:blipFill>
+        <p:spPr>
+          <a:xfrm>
+            <a:off x="1549532" y="921838"/>
+            <a:ext cx="9137598" cy="3153115"/>
+          </a:xfrm>
+          <a:prstGeom prst="rect">
+            <a:avLst/>
+          </a:prstGeom>
+          <a:solidFill>
+            <a:schemeClr val="tx2"/>
+          </a:solidFill>
+        </p:spPr>
+      </p:pic>
+      <p:sp>
+        <p:nvSpPr>
+          <p:cNvPr id="2" name="CuadroTexto 1"/>
+          <p:cNvSpPr txBox="1"/>
+          <p:nvPr/>
+        </p:nvSpPr>
+        <p:spPr>
+          <a:xfrm>
+            <a:off x="5951190" y="2850649"/>
+            <a:ext cx="1584176" cy="1200329"/>
+          </a:xfrm>
+          <a:prstGeom prst="rect">
+            <a:avLst/>
+          </a:prstGeom>
+          <a:solidFill>
+            <a:schemeClr val="tx1"/>
+          </a:solidFill>
+        </p:spPr>
+        <p:txBody>
+          <a:bodyPr wrap="square" rtlCol="0">
+            <a:spAutoFit/>
+          </a:bodyPr>
+          <a:lstStyle/>
+          <a:p>
+            <a:endParaRPr lang="es-PE" dirty="0"/>
+          </a:p>
+          <a:p>
+            <a:endParaRPr lang="es-PE" dirty="0"/>
+          </a:p>
+          <a:p>
+            <a:endParaRPr lang="es-PE" dirty="0"/>
+          </a:p>
+          <a:p>
+            <a:endParaRPr lang="es-PE" dirty="0"/>
+          </a:p>
+        </p:txBody>
+      </p:sp>
+      <p:pic>
+        <p:nvPicPr>
+          <p:cNvPr id="8" name="Imagen 7"/>
+          <p:cNvPicPr>
+            <a:picLocks noChangeAspect="1"/>
+          </p:cNvPicPr>
+          <p:nvPr/>
+        </p:nvPicPr>
+        <p:blipFill>
+          <a:blip r:embed="rId3"/>
+          <a:stretch>
+            <a:fillRect/>
+          </a:stretch>
+        </p:blipFill>
+        <p:spPr>
+          <a:xfrm>
+            <a:off x="6032860" y="2965367"/>
+            <a:ext cx="1152525" cy="1047750"/>
+          </a:xfrm>
+          <a:prstGeom prst="rect">
+            <a:avLst/>
+          </a:prstGeom>
+        </p:spPr>
+      </p:pic>
+      <p:pic>
+        <p:nvPicPr>
+          <p:cNvPr id="9" name="Imagen 8"/>
+          <p:cNvPicPr>
+            <a:picLocks noChangeAspect="1"/>
+          </p:cNvPicPr>
+          <p:nvPr/>
+        </p:nvPicPr>
+        <p:blipFill>
+          <a:blip r:embed="rId4"/>
+          <a:stretch>
+            <a:fillRect/>
+          </a:stretch>
+        </p:blipFill>
+        <p:spPr>
+          <a:xfrm>
+            <a:off x="1549532" y="4089707"/>
+            <a:ext cx="9117674" cy="533400"/>
+          </a:xfrm>
+          <a:prstGeom prst="rect">
+            <a:avLst/>
+          </a:prstGeom>
+        </p:spPr>
+      </p:pic>
+      <p:pic>
+        <p:nvPicPr>
+          <p:cNvPr id="12" name="Imagen 11"/>
+          <p:cNvPicPr>
+            <a:picLocks noChangeAspect="1"/>
+          </p:cNvPicPr>
+          <p:nvPr/>
+        </p:nvPicPr>
+        <p:blipFill>
+          <a:blip r:embed="rId5"/>
+          <a:stretch>
+            <a:fillRect/>
+          </a:stretch>
+        </p:blipFill>
+        <p:spPr>
+          <a:xfrm>
+            <a:off x="1532674" y="4648128"/>
+            <a:ext cx="9154456" cy="1990725"/>
+          </a:xfrm>
+          <a:prstGeom prst="rect">
+            <a:avLst/>
+          </a:prstGeom>
+        </p:spPr>
+      </p:pic>
+      <p:pic>
+        <p:nvPicPr>
+          <p:cNvPr id="13" name="Imagen 12"/>
+          <p:cNvPicPr>
+            <a:picLocks noChangeAspect="1"/>
+          </p:cNvPicPr>
+          <p:nvPr/>
+        </p:nvPicPr>
+        <p:blipFill>
+          <a:blip r:embed="rId6"/>
+          <a:stretch>
+            <a:fillRect/>
+          </a:stretch>
+        </p:blipFill>
+        <p:spPr>
+          <a:xfrm>
+            <a:off x="7589786" y="2927903"/>
+            <a:ext cx="3042924" cy="1123074"/>
+          </a:xfrm>
+          <a:prstGeom prst="rect">
+            <a:avLst/>
+          </a:prstGeom>
+        </p:spPr>
+      </p:pic>
+      <p:pic>
+        <p:nvPicPr>
+          <p:cNvPr id="14" name="Imagen 13"/>
+          <p:cNvPicPr>
+            <a:picLocks noChangeAspect="1"/>
+          </p:cNvPicPr>
+          <p:nvPr/>
+        </p:nvPicPr>
+        <p:blipFill>
+          <a:blip r:embed="rId7"/>
+          <a:stretch>
+            <a:fillRect/>
+          </a:stretch>
+        </p:blipFill>
+        <p:spPr>
+          <a:xfrm>
+            <a:off x="1565896" y="1174667"/>
+            <a:ext cx="9121234" cy="1752840"/>
+          </a:xfrm>
+          <a:prstGeom prst="rect">
+            <a:avLst/>
+          </a:prstGeom>
+        </p:spPr>
+      </p:pic>
+      <p:sp>
+        <p:nvSpPr>
+          <p:cNvPr id="15" name="Diagrama de flujo: proceso 84"/>
+          <p:cNvSpPr/>
+          <p:nvPr/>
+        </p:nvSpPr>
+        <p:spPr>
+          <a:xfrm>
+            <a:off x="1592051" y="928626"/>
+            <a:ext cx="9032637" cy="239255"/>
+          </a:xfrm>
+          <a:custGeom>
+            <a:avLst/>
+            <a:gdLst>
+              <a:gd name="f0" fmla="val w"/>
+              <a:gd name="f1" fmla="val h"/>
+              <a:gd name="f2" fmla="val 0"/>
+              <a:gd name="f3" fmla="val 1"/>
+              <a:gd name="f4" fmla="*/ f0 1 1"/>
+              <a:gd name="f5" fmla="*/ f1 1 1"/>
+              <a:gd name="f6" fmla="+- f3 0 f2"/>
+              <a:gd name="f7" fmla="*/ f2 1 f6"/>
+              <a:gd name="f8" fmla="*/ f3 1 f6"/>
+              <a:gd name="f9" fmla="*/ f7 f4 1"/>
+              <a:gd name="f10" fmla="*/ f8 f4 1"/>
+              <a:gd name="f11" fmla="*/ f8 f5 1"/>
+              <a:gd name="f12" fmla="*/ f7 f5 1"/>
+            </a:gdLst>
+            <a:ahLst/>
+            <a:cxnLst>
+              <a:cxn ang="3cd4">
+                <a:pos x="hc" y="t"/>
+              </a:cxn>
+              <a:cxn ang="0">
+                <a:pos x="r" y="vc"/>
+              </a:cxn>
+              <a:cxn ang="cd4">
+                <a:pos x="hc" y="b"/>
+              </a:cxn>
+              <a:cxn ang="cd2">
+                <a:pos x="l" y="vc"/>
+              </a:cxn>
+            </a:cxnLst>
+            <a:rect l="f9" t="f12" r="f10" b="f11"/>
+            <a:pathLst>
+              <a:path w="1" h="1">
+                <a:moveTo>
+                  <a:pt x="f2" y="f2"/>
+                </a:moveTo>
+                <a:lnTo>
+                  <a:pt x="f3" y="f2"/>
+                </a:lnTo>
+                <a:lnTo>
+                  <a:pt x="f3" y="f3"/>
+                </a:lnTo>
+                <a:lnTo>
+                  <a:pt x="f2" y="f3"/>
+                </a:lnTo>
+                <a:close/>
+              </a:path>
+            </a:pathLst>
+          </a:custGeom>
+          <a:solidFill>
+            <a:srgbClr val="002060"/>
+          </a:solidFill>
+          <a:ln w="12701" cap="flat">
+            <a:solidFill>
+              <a:srgbClr val="000000"/>
+            </a:solidFill>
+            <a:prstDash val="solid"/>
+            <a:miter/>
+          </a:ln>
+        </p:spPr>
+        <p:txBody>
+          <a:bodyPr vert="horz" wrap="square" lIns="68580" tIns="34290" rIns="68580" bIns="34290" anchor="ctr" anchorCtr="1" compatLnSpc="1">
+            <a:noAutofit/>
+          </a:bodyPr>
+          <a:lstStyle/>
+          <a:p>
+            <a:pPr algn="ctr" defTabSz="685800">
+              <a:defRPr sz="1800" b="0" i="0" u="none" strike="noStrike" kern="0" cap="none" spc="0" baseline="0">
+                <a:solidFill>
+                  <a:srgbClr val="000000"/>
+                </a:solidFill>
+                <a:uFillTx/>
+              </a:defRPr>
+            </a:pPr>
+            <a:r>
+              <a:rPr lang="es-ES" sz="1350" dirty="0">
+                <a:solidFill>
+                  <a:srgbClr val="FFFFFF"/>
+                </a:solidFill>
+                <a:latin typeface="Calibri"/>
+              </a:rPr>
+              <a:t>TABLERO DE CONTROL DE TRANSMISIONES - IMPORTACIONES</a:t>
+            </a:r>
+          </a:p>
+        </p:txBody>
+      </p:sp>
+    </p:spTree>
+    <p:extLst>
+      <p:ext uri="{BB962C8B-B14F-4D97-AF65-F5344CB8AC3E}">
+        <p14:creationId xmlns:p14="http://schemas.microsoft.com/office/powerpoint/2010/main" val="2608140847"/>
+      </p:ext>
+    </p:extLst>
+  </p:cSld>
+  <p:clrMapOvr>
+    <a:masterClrMapping/>
+  </p:clrMapOvr>
+  <mc:AlternateContent xmlns:mc="http://schemas.openxmlformats.org/markup-compatibility/2006" xmlns:p15="http://schemas.microsoft.com/office/powerpoint/2012/main">
+    <mc:Choice Requires="p15">
+      <p:transition xmlns:p14="http://schemas.microsoft.com/office/powerpoint/2010/main" spd="slow" p14:dur="1250">
+        <p15:prstTrans prst="airplane"/>
+      </p:transition>
+    </mc:Choice>
+    <mc:Fallback xmlns="">
+      <p:transition spd="slow">
+        <p:fade/>
+      </p:transition>
+    </mc:Fallback>
+  </mc:AlternateContent>
+  <p:timing>
+    <p:tnLst>
+      <p:par>
+        <p:cTn id="1" dur="indefinite" restart="never" nodeType="tmRoot"/>
+      </p:par>
+    </p:tnLst>
+  </p:timing>
+</p:sld>
+</file>
+
+<file path=ppt/slides/slide14.xml><?xml version="1.0" encoding="utf-8"?>
 <p:sld xmlns:a="http://schemas.openxmlformats.org/drawingml/2006/main" xmlns:r="http://schemas.openxmlformats.org/officeDocument/2006/relationships" xmlns:p="http://schemas.openxmlformats.org/presentationml/2006/main">
   <p:cSld>
     <p:spTree>
@@ -21847,7 +23697,7 @@
 </p:sld>
 </file>
 
-<file path=ppt/slides/slide13.xml><?xml version="1.0" encoding="utf-8"?>
+<file path=ppt/slides/slide15.xml><?xml version="1.0" encoding="utf-8"?>
 <p:sld xmlns:a="http://schemas.openxmlformats.org/drawingml/2006/main" xmlns:r="http://schemas.openxmlformats.org/officeDocument/2006/relationships" xmlns:p="http://schemas.openxmlformats.org/presentationml/2006/main">
   <p:cSld>
     <p:spTree>
@@ -21941,7 +23791,7 @@
 </p:sld>
 </file>
 
-<file path=ppt/slides/slide14.xml><?xml version="1.0" encoding="utf-8"?>
+<file path=ppt/slides/slide16.xml><?xml version="1.0" encoding="utf-8"?>
 <p:sld xmlns:a="http://schemas.openxmlformats.org/drawingml/2006/main" xmlns:r="http://schemas.openxmlformats.org/officeDocument/2006/relationships" xmlns:p="http://schemas.openxmlformats.org/presentationml/2006/main">
   <p:cSld>
     <p:spTree>
@@ -27312,7 +29162,7 @@
 </p:sld>
 </file>
 
-<file path=ppt/slides/slide15.xml><?xml version="1.0" encoding="utf-8"?>
+<file path=ppt/slides/slide17.xml><?xml version="1.0" encoding="utf-8"?>
 <p:sld xmlns:a="http://schemas.openxmlformats.org/drawingml/2006/main" xmlns:r="http://schemas.openxmlformats.org/officeDocument/2006/relationships" xmlns:p="http://schemas.openxmlformats.org/presentationml/2006/main">
   <p:cSld>
     <p:spTree>
@@ -32620,7 +34470,7 @@
 </p:sld>
 </file>
 
-<file path=ppt/slides/slide16.xml><?xml version="1.0" encoding="utf-8"?>
+<file path=ppt/slides/slide18.xml><?xml version="1.0" encoding="utf-8"?>
 <p:sld xmlns:a="http://schemas.openxmlformats.org/drawingml/2006/main" xmlns:r="http://schemas.openxmlformats.org/officeDocument/2006/relationships" xmlns:p="http://schemas.openxmlformats.org/presentationml/2006/main">
   <p:cSld>
     <p:spTree>
@@ -32952,7 +34802,7 @@
 </p:sld>
 </file>
 
-<file path=ppt/slides/slide17.xml><?xml version="1.0" encoding="utf-8"?>
+<file path=ppt/slides/slide19.xml><?xml version="1.0" encoding="utf-8"?>
 <p:sld xmlns:a="http://schemas.openxmlformats.org/drawingml/2006/main" xmlns:r="http://schemas.openxmlformats.org/officeDocument/2006/relationships" xmlns:p="http://schemas.openxmlformats.org/presentationml/2006/main">
   <p:cSld>
     <p:spTree>
@@ -33196,7 +35046,164 @@
 </p:sld>
 </file>
 
-<file path=ppt/slides/slide18.xml><?xml version="1.0" encoding="utf-8"?>
+<file path=ppt/slides/slide2.xml><?xml version="1.0" encoding="utf-8"?>
+<p:sld xmlns:a="http://schemas.openxmlformats.org/drawingml/2006/main" xmlns:r="http://schemas.openxmlformats.org/officeDocument/2006/relationships" xmlns:p="http://schemas.openxmlformats.org/presentationml/2006/main">
+  <p:cSld>
+    <p:spTree>
+      <p:nvGrpSpPr>
+        <p:cNvPr id="1" name=""/>
+        <p:cNvGrpSpPr/>
+        <p:nvPr/>
+      </p:nvGrpSpPr>
+      <p:grpSpPr>
+        <a:xfrm>
+          <a:off x="0" y="0"/>
+          <a:ext cx="0" cy="0"/>
+          <a:chOff x="0" y="0"/>
+          <a:chExt cx="0" cy="0"/>
+        </a:xfrm>
+      </p:grpSpPr>
+      <p:sp>
+        <p:nvSpPr>
+          <p:cNvPr id="3" name="CuadroTexto 2"/>
+          <p:cNvSpPr txBox="1"/>
+          <p:nvPr/>
+        </p:nvSpPr>
+        <p:spPr>
+          <a:xfrm>
+            <a:off x="1198662" y="1772816"/>
+            <a:ext cx="9289032" cy="2554545"/>
+          </a:xfrm>
+          <a:prstGeom prst="rect">
+            <a:avLst/>
+          </a:prstGeom>
+          <a:noFill/>
+        </p:spPr>
+        <p:txBody>
+          <a:bodyPr wrap="square" rtlCol="0">
+            <a:spAutoFit/>
+          </a:bodyPr>
+          <a:lstStyle/>
+          <a:p>
+            <a:pPr marL="457200" indent="-457200">
+              <a:buFont typeface="Wingdings" panose="05000000000000000000" pitchFamily="2" charset="2"/>
+              <a:buChar char="ü"/>
+            </a:pPr>
+            <a:r>
+              <a:rPr lang="es-PE" sz="3200" dirty="0" smtClean="0"/>
+              <a:t>Tablero GHA</a:t>
+            </a:r>
+          </a:p>
+          <a:p>
+            <a:endParaRPr lang="es-PE" sz="3200" dirty="0" smtClean="0"/>
+          </a:p>
+          <a:p>
+            <a:pPr marL="457200" indent="-457200">
+              <a:buFont typeface="Wingdings" panose="05000000000000000000" pitchFamily="2" charset="2"/>
+              <a:buChar char="ü"/>
+            </a:pPr>
+            <a:r>
+              <a:rPr lang="es-PE" sz="3200" dirty="0" smtClean="0"/>
+              <a:t>Tablero Importaciones</a:t>
+            </a:r>
+          </a:p>
+          <a:p>
+            <a:pPr marL="457200" indent="-457200">
+              <a:buFont typeface="Wingdings" panose="05000000000000000000" pitchFamily="2" charset="2"/>
+              <a:buChar char="ü"/>
+            </a:pPr>
+            <a:endParaRPr lang="es-PE" sz="3200" dirty="0"/>
+          </a:p>
+          <a:p>
+            <a:pPr marL="457200" indent="-457200">
+              <a:buFont typeface="Wingdings" panose="05000000000000000000" pitchFamily="2" charset="2"/>
+              <a:buChar char="ü"/>
+            </a:pPr>
+            <a:r>
+              <a:rPr lang="es-PE" sz="3200" dirty="0" smtClean="0"/>
+              <a:t>Tablero Exportaciones</a:t>
+            </a:r>
+          </a:p>
+        </p:txBody>
+      </p:sp>
+      <p:sp>
+        <p:nvSpPr>
+          <p:cNvPr id="4" name="Título 1"/>
+          <p:cNvSpPr txBox="1">
+            <a:spLocks/>
+          </p:cNvSpPr>
+          <p:nvPr/>
+        </p:nvSpPr>
+        <p:spPr>
+          <a:xfrm>
+            <a:off x="3214886" y="235449"/>
+            <a:ext cx="8366006" cy="1143000"/>
+          </a:xfrm>
+          <a:prstGeom prst="rect">
+            <a:avLst/>
+          </a:prstGeom>
+        </p:spPr>
+        <p:txBody>
+          <a:bodyPr/>
+          <a:lstStyle>
+            <a:lvl1pPr algn="ctr" defTabSz="914400" rtl="0" eaLnBrk="1" latinLnBrk="0" hangingPunct="1">
+              <a:spcBef>
+                <a:spcPct val="0"/>
+              </a:spcBef>
+              <a:buNone/>
+              <a:defRPr sz="3600" b="1" kern="1200">
+                <a:solidFill>
+                  <a:srgbClr val="002264"/>
+                </a:solidFill>
+                <a:latin typeface="+mj-lt"/>
+                <a:ea typeface="+mj-ea"/>
+                <a:cs typeface="+mj-cs"/>
+              </a:defRPr>
+            </a:lvl1pPr>
+          </a:lstStyle>
+          <a:p>
+            <a:pPr algn="r"/>
+            <a:r>
+              <a:rPr lang="es-PE" dirty="0" smtClean="0"/>
+              <a:t>Alcance</a:t>
+            </a:r>
+            <a:endParaRPr lang="es-PE" dirty="0"/>
+          </a:p>
+        </p:txBody>
+      </p:sp>
+    </p:spTree>
+    <p:extLst>
+      <p:ext uri="{BB962C8B-B14F-4D97-AF65-F5344CB8AC3E}">
+        <p14:creationId xmlns:p14="http://schemas.microsoft.com/office/powerpoint/2010/main" val="1273951150"/>
+      </p:ext>
+    </p:extLst>
+  </p:cSld>
+  <p:clrMapOvr>
+    <a:masterClrMapping/>
+  </p:clrMapOvr>
+  <mc:AlternateContent xmlns:mc="http://schemas.openxmlformats.org/markup-compatibility/2006" xmlns:p15="http://schemas.microsoft.com/office/powerpoint/2012/main">
+    <mc:Choice Requires="p15">
+      <p:transition xmlns:p14="http://schemas.microsoft.com/office/powerpoint/2010/main" spd="slow" p14:dur="1250">
+        <p15:prstTrans prst="airplane"/>
+      </p:transition>
+    </mc:Choice>
+    <mc:Fallback xmlns="">
+      <p:transition spd="slow">
+        <p:fade/>
+      </p:transition>
+    </mc:Fallback>
+  </mc:AlternateContent>
+  <p:timing>
+    <p:tnLst>
+      <p:par>
+        <p:cTn id="1" dur="indefinite" restart="never" nodeType="tmRoot"/>
+      </p:par>
+    </p:tnLst>
+  </p:timing>
+</p:sld>
+</file>
+
+<file path=ppt/slides/slide20.xml><?xml version="1.0" encoding="utf-8"?>
 <p:sld xmlns:a="http://schemas.openxmlformats.org/drawingml/2006/main" xmlns:r="http://schemas.openxmlformats.org/officeDocument/2006/relationships" xmlns:p="http://schemas.openxmlformats.org/presentationml/2006/main">
   <p:cSld>
     <p:spTree>
@@ -33464,7 +35471,7 @@
 </p:sld>
 </file>
 
-<file path=ppt/slides/slide19.xml><?xml version="1.0" encoding="utf-8"?>
+<file path=ppt/slides/slide21.xml><?xml version="1.0" encoding="utf-8"?>
 <p:sld xmlns:a="http://schemas.openxmlformats.org/drawingml/2006/main" xmlns:r="http://schemas.openxmlformats.org/officeDocument/2006/relationships" xmlns:p="http://schemas.openxmlformats.org/presentationml/2006/main">
   <p:cSld>
     <p:bg>
@@ -33770,163 +35777,6 @@
     </mc:Choice>
     <mc:Fallback xmlns="">
       <p:transition/>
-    </mc:Fallback>
-  </mc:AlternateContent>
-  <p:timing>
-    <p:tnLst>
-      <p:par>
-        <p:cTn id="1" dur="indefinite" restart="never" nodeType="tmRoot"/>
-      </p:par>
-    </p:tnLst>
-  </p:timing>
-</p:sld>
-</file>
-
-<file path=ppt/slides/slide2.xml><?xml version="1.0" encoding="utf-8"?>
-<p:sld xmlns:a="http://schemas.openxmlformats.org/drawingml/2006/main" xmlns:r="http://schemas.openxmlformats.org/officeDocument/2006/relationships" xmlns:p="http://schemas.openxmlformats.org/presentationml/2006/main">
-  <p:cSld>
-    <p:spTree>
-      <p:nvGrpSpPr>
-        <p:cNvPr id="1" name=""/>
-        <p:cNvGrpSpPr/>
-        <p:nvPr/>
-      </p:nvGrpSpPr>
-      <p:grpSpPr>
-        <a:xfrm>
-          <a:off x="0" y="0"/>
-          <a:ext cx="0" cy="0"/>
-          <a:chOff x="0" y="0"/>
-          <a:chExt cx="0" cy="0"/>
-        </a:xfrm>
-      </p:grpSpPr>
-      <p:sp>
-        <p:nvSpPr>
-          <p:cNvPr id="3" name="CuadroTexto 2"/>
-          <p:cNvSpPr txBox="1"/>
-          <p:nvPr/>
-        </p:nvSpPr>
-        <p:spPr>
-          <a:xfrm>
-            <a:off x="1198662" y="1772816"/>
-            <a:ext cx="9289032" cy="2554545"/>
-          </a:xfrm>
-          <a:prstGeom prst="rect">
-            <a:avLst/>
-          </a:prstGeom>
-          <a:noFill/>
-        </p:spPr>
-        <p:txBody>
-          <a:bodyPr wrap="square" rtlCol="0">
-            <a:spAutoFit/>
-          </a:bodyPr>
-          <a:lstStyle/>
-          <a:p>
-            <a:pPr marL="457200" indent="-457200">
-              <a:buFont typeface="Wingdings" panose="05000000000000000000" pitchFamily="2" charset="2"/>
-              <a:buChar char="ü"/>
-            </a:pPr>
-            <a:r>
-              <a:rPr lang="es-PE" sz="3200" dirty="0" smtClean="0"/>
-              <a:t>Tablero GHA</a:t>
-            </a:r>
-          </a:p>
-          <a:p>
-            <a:endParaRPr lang="es-PE" sz="3200" dirty="0" smtClean="0"/>
-          </a:p>
-          <a:p>
-            <a:pPr marL="457200" indent="-457200">
-              <a:buFont typeface="Wingdings" panose="05000000000000000000" pitchFamily="2" charset="2"/>
-              <a:buChar char="ü"/>
-            </a:pPr>
-            <a:r>
-              <a:rPr lang="es-PE" sz="3200" dirty="0" smtClean="0"/>
-              <a:t>Tablero Importaciones</a:t>
-            </a:r>
-          </a:p>
-          <a:p>
-            <a:pPr marL="457200" indent="-457200">
-              <a:buFont typeface="Wingdings" panose="05000000000000000000" pitchFamily="2" charset="2"/>
-              <a:buChar char="ü"/>
-            </a:pPr>
-            <a:endParaRPr lang="es-PE" sz="3200" dirty="0"/>
-          </a:p>
-          <a:p>
-            <a:pPr marL="457200" indent="-457200">
-              <a:buFont typeface="Wingdings" panose="05000000000000000000" pitchFamily="2" charset="2"/>
-              <a:buChar char="ü"/>
-            </a:pPr>
-            <a:r>
-              <a:rPr lang="es-PE" sz="3200" dirty="0" smtClean="0"/>
-              <a:t>Tablero Exportaciones</a:t>
-            </a:r>
-          </a:p>
-        </p:txBody>
-      </p:sp>
-      <p:sp>
-        <p:nvSpPr>
-          <p:cNvPr id="4" name="Título 1"/>
-          <p:cNvSpPr txBox="1">
-            <a:spLocks/>
-          </p:cNvSpPr>
-          <p:nvPr/>
-        </p:nvSpPr>
-        <p:spPr>
-          <a:xfrm>
-            <a:off x="3214886" y="235449"/>
-            <a:ext cx="8366006" cy="1143000"/>
-          </a:xfrm>
-          <a:prstGeom prst="rect">
-            <a:avLst/>
-          </a:prstGeom>
-        </p:spPr>
-        <p:txBody>
-          <a:bodyPr/>
-          <a:lstStyle>
-            <a:lvl1pPr algn="ctr" defTabSz="914400" rtl="0" eaLnBrk="1" latinLnBrk="0" hangingPunct="1">
-              <a:spcBef>
-                <a:spcPct val="0"/>
-              </a:spcBef>
-              <a:buNone/>
-              <a:defRPr sz="3600" b="1" kern="1200">
-                <a:solidFill>
-                  <a:srgbClr val="002264"/>
-                </a:solidFill>
-                <a:latin typeface="+mj-lt"/>
-                <a:ea typeface="+mj-ea"/>
-                <a:cs typeface="+mj-cs"/>
-              </a:defRPr>
-            </a:lvl1pPr>
-          </a:lstStyle>
-          <a:p>
-            <a:pPr algn="r"/>
-            <a:r>
-              <a:rPr lang="es-PE" dirty="0" smtClean="0"/>
-              <a:t>Alcance</a:t>
-            </a:r>
-            <a:endParaRPr lang="es-PE" dirty="0"/>
-          </a:p>
-        </p:txBody>
-      </p:sp>
-    </p:spTree>
-    <p:extLst>
-      <p:ext uri="{BB962C8B-B14F-4D97-AF65-F5344CB8AC3E}">
-        <p14:creationId xmlns:p14="http://schemas.microsoft.com/office/powerpoint/2010/main" val="1273951150"/>
-      </p:ext>
-    </p:extLst>
-  </p:cSld>
-  <p:clrMapOvr>
-    <a:masterClrMapping/>
-  </p:clrMapOvr>
-  <mc:AlternateContent xmlns:mc="http://schemas.openxmlformats.org/markup-compatibility/2006" xmlns:p15="http://schemas.microsoft.com/office/powerpoint/2012/main">
-    <mc:Choice Requires="p15">
-      <p:transition xmlns:p14="http://schemas.microsoft.com/office/powerpoint/2010/main" spd="slow" p14:dur="1250">
-        <p15:prstTrans prst="airplane"/>
-      </p:transition>
-    </mc:Choice>
-    <mc:Fallback xmlns="">
-      <p:transition spd="slow">
-        <p:fade/>
-      </p:transition>
     </mc:Fallback>
   </mc:AlternateContent>
   <p:timing>
@@ -34548,7 +36398,39 @@
                   <a:srgbClr val="FF0000"/>
                 </a:solidFill>
               </a:rPr>
-              <a:t>Adicionar al campo Tipo Ingreso en SITRADI, el valor ADICION DE GUIAS, con el objetivo de no mostrar estas guías.</a:t>
+              <a:t>Adicionar al campo Tipo Ingreso en SITRADI, el valor </a:t>
+            </a:r>
+            <a:r>
+              <a:rPr lang="es-PE" sz="1700" dirty="0" smtClean="0">
+                <a:solidFill>
+                  <a:srgbClr val="FF0000"/>
+                </a:solidFill>
+              </a:rPr>
+              <a:t>“ADICION </a:t>
+            </a:r>
+            <a:r>
+              <a:rPr lang="es-PE" sz="1700" dirty="0" smtClean="0">
+                <a:solidFill>
+                  <a:srgbClr val="FF0000"/>
+                </a:solidFill>
+              </a:rPr>
+              <a:t>DE </a:t>
+            </a:r>
+            <a:r>
+              <a:rPr lang="es-PE" sz="1700" dirty="0" smtClean="0">
+                <a:solidFill>
+                  <a:srgbClr val="FF0000"/>
+                </a:solidFill>
+              </a:rPr>
+              <a:t>GUIA”, </a:t>
+            </a:r>
+            <a:r>
+              <a:rPr lang="es-PE" sz="1700" dirty="0" smtClean="0">
+                <a:solidFill>
+                  <a:srgbClr val="FF0000"/>
+                </a:solidFill>
+              </a:rPr>
+              <a:t>con el objetivo de no mostrar estas guías.</a:t>
             </a:r>
             <a:endParaRPr lang="es-PE" sz="1700" dirty="0">
               <a:solidFill>
@@ -40094,31 +41976,31 @@
 
 <file path=customXml/item1.xml><?xml version="1.0" encoding="utf-8"?>
 <Control xmlns="http://schemas.microsoft.com/VisualStudio/2011/storyboarding/control">
-  <Id Name="System.Storyboarding.Backgrounds.Window" Revision="1" Stencil="System.Storyboarding.Backgrounds" StencilVersion="0.1"/>
+  <Id Name="System.Storyboarding.Common.Text" Revision="1" Stencil="System.Storyboarding.Common" StencilVersion="0.1"/>
 </Control>
 </file>
 
 <file path=customXml/item2.xml><?xml version="1.0" encoding="utf-8"?>
 <Control xmlns="http://schemas.microsoft.com/VisualStudio/2011/storyboarding/control">
-  <Id Name="System.Storyboarding.Common.Text" Revision="1" Stencil="System.Storyboarding.Common" StencilVersion="0.1"/>
+  <Id Name="System.Storyboarding.Backgrounds.Window" Revision="1" Stencil="System.Storyboarding.Backgrounds" StencilVersion="0.1"/>
 </Control>
 </file>
 
 <file path=customXml/item3.xml><?xml version="1.0" encoding="utf-8"?>
 <Control xmlns="http://schemas.microsoft.com/VisualStudio/2011/storyboarding/control">
-  <Id Name="System.Storyboarding.Common.Button" Revision="1" Stencil="System.Storyboarding.Common" StencilVersion="0.1"/>
+  <Id Name="System.Storyboarding.Common.TextInput" Revision="1" Stencil="System.Storyboarding.Common" StencilVersion="0.1"/>
 </Control>
 </file>
 
 <file path=customXml/item4.xml><?xml version="1.0" encoding="utf-8"?>
 <Control xmlns="http://schemas.microsoft.com/VisualStudio/2011/storyboarding/control">
-  <Id Name="System.Storyboarding.Common.Text" Revision="1" Stencil="System.Storyboarding.Common" StencilVersion="0.1"/>
+  <Id Name="System.Storyboarding.WindowsApps.WindowsAppsComboBox" Revision="1" Stencil="System.Storyboarding.WindowsApps" StencilVersion="0.1"/>
 </Control>
 </file>
 
 <file path=customXml/item5.xml><?xml version="1.0" encoding="utf-8"?>
 <Control xmlns="http://schemas.microsoft.com/VisualStudio/2011/storyboarding/control">
-  <Id Name="System.Storyboarding.WindowsApps.WindowsAppsComboBox" Revision="1" Stencil="System.Storyboarding.WindowsApps" StencilVersion="0.1"/>
+  <Id Name="System.Storyboarding.Common.Text" Revision="1" Stencil="System.Storyboarding.Common" StencilVersion="0.1"/>
 </Control>
 </file>
 
@@ -40130,23 +42012,31 @@
 
 <file path=customXml/item7.xml><?xml version="1.0" encoding="utf-8"?>
 <Control xmlns="http://schemas.microsoft.com/VisualStudio/2011/storyboarding/control">
-  <Id Name="System.Storyboarding.Common.Text" Revision="1" Stencil="System.Storyboarding.Common" StencilVersion="0.1"/>
+  <Id Name="2af01176-85ee-4929-8d41-a331980c979e" RevisionId="be170569-95d9-41cc-85ac-d2bbd0fbf029" Stencil="172d6d98-e5c9-42e9-a209-79f7a94bbd38" StencilRevisionId="00000000-0000-0000-0000-000000000000" StencilVersion="0.0"/>
 </Control>
 </file>
 
 <file path=customXml/item8.xml><?xml version="1.0" encoding="utf-8"?>
 <Control xmlns="http://schemas.microsoft.com/VisualStudio/2011/storyboarding/control">
-  <Id Name="2af01176-85ee-4929-8d41-a331980c979e" RevisionId="be170569-95d9-41cc-85ac-d2bbd0fbf029" Stencil="172d6d98-e5c9-42e9-a209-79f7a94bbd38" StencilRevisionId="00000000-0000-0000-0000-000000000000" StencilVersion="0.0"/>
+  <Id Name="System.Storyboarding.Common.Button" Revision="1" Stencil="System.Storyboarding.Common" StencilVersion="0.1"/>
 </Control>
 </file>
 
 <file path=customXml/item9.xml><?xml version="1.0" encoding="utf-8"?>
 <Control xmlns="http://schemas.microsoft.com/VisualStudio/2011/storyboarding/control">
-  <Id Name="System.Storyboarding.Common.TextInput" Revision="1" Stencil="System.Storyboarding.Common" StencilVersion="0.1"/>
+  <Id Name="System.Storyboarding.Common.Text" Revision="1" Stencil="System.Storyboarding.Common" StencilVersion="0.1"/>
 </Control>
 </file>
 
 <file path=customXml/itemProps1.xml><?xml version="1.0" encoding="utf-8"?>
+<ds:datastoreItem xmlns:ds="http://schemas.openxmlformats.org/officeDocument/2006/customXml" ds:itemID="{2A370DCE-6B02-43E4-B462-EE68941381DA}">
+  <ds:schemaRefs>
+    <ds:schemaRef ds:uri="http://schemas.microsoft.com/VisualStudio/2011/storyboarding/control"/>
+  </ds:schemaRefs>
+</ds:datastoreItem>
+</file>
+
+<file path=customXml/itemProps2.xml><?xml version="1.0" encoding="utf-8"?>
 <ds:datastoreItem xmlns:ds="http://schemas.openxmlformats.org/officeDocument/2006/customXml" ds:itemID="{CAF9FAC5-0B41-4144-A530-E963B326E346}">
   <ds:schemaRefs>
     <ds:schemaRef ds:uri="http://schemas.microsoft.com/VisualStudio/2011/storyboarding/control"/>
@@ -40154,15 +42044,47 @@
 </ds:datastoreItem>
 </file>
 
-<file path=customXml/itemProps2.xml><?xml version="1.0" encoding="utf-8"?>
-<ds:datastoreItem xmlns:ds="http://schemas.openxmlformats.org/officeDocument/2006/customXml" ds:itemID="{2A370DCE-6B02-43E4-B462-EE68941381DA}">
+<file path=customXml/itemProps3.xml><?xml version="1.0" encoding="utf-8"?>
+<ds:datastoreItem xmlns:ds="http://schemas.openxmlformats.org/officeDocument/2006/customXml" ds:itemID="{8EAD2ED1-6E14-421A-9E09-F54401142C83}">
   <ds:schemaRefs>
     <ds:schemaRef ds:uri="http://schemas.microsoft.com/VisualStudio/2011/storyboarding/control"/>
   </ds:schemaRefs>
 </ds:datastoreItem>
 </file>
 
-<file path=customXml/itemProps3.xml><?xml version="1.0" encoding="utf-8"?>
+<file path=customXml/itemProps4.xml><?xml version="1.0" encoding="utf-8"?>
+<ds:datastoreItem xmlns:ds="http://schemas.openxmlformats.org/officeDocument/2006/customXml" ds:itemID="{5B412AC7-136E-45BA-B3BC-91E37935A539}">
+  <ds:schemaRefs>
+    <ds:schemaRef ds:uri="http://schemas.microsoft.com/VisualStudio/2011/storyboarding/control"/>
+  </ds:schemaRefs>
+</ds:datastoreItem>
+</file>
+
+<file path=customXml/itemProps5.xml><?xml version="1.0" encoding="utf-8"?>
+<ds:datastoreItem xmlns:ds="http://schemas.openxmlformats.org/officeDocument/2006/customXml" ds:itemID="{4F2255F7-A4C3-4E6F-9491-BD150D11E33A}">
+  <ds:schemaRefs>
+    <ds:schemaRef ds:uri="http://schemas.microsoft.com/VisualStudio/2011/storyboarding/control"/>
+  </ds:schemaRefs>
+</ds:datastoreItem>
+</file>
+
+<file path=customXml/itemProps6.xml><?xml version="1.0" encoding="utf-8"?>
+<ds:datastoreItem xmlns:ds="http://schemas.openxmlformats.org/officeDocument/2006/customXml" ds:itemID="{44DB24E9-7B09-4AB5-8715-26638CA102DA}">
+  <ds:schemaRefs>
+    <ds:schemaRef ds:uri="http://schemas.microsoft.com/VisualStudio/2011/storyboarding/control"/>
+  </ds:schemaRefs>
+</ds:datastoreItem>
+</file>
+
+<file path=customXml/itemProps7.xml><?xml version="1.0" encoding="utf-8"?>
+<ds:datastoreItem xmlns:ds="http://schemas.openxmlformats.org/officeDocument/2006/customXml" ds:itemID="{F8339007-68FA-4CD7-9B6A-03E725113E81}">
+  <ds:schemaRefs>
+    <ds:schemaRef ds:uri="http://schemas.microsoft.com/VisualStudio/2011/storyboarding/control"/>
+  </ds:schemaRefs>
+</ds:datastoreItem>
+</file>
+
+<file path=customXml/itemProps8.xml><?xml version="1.0" encoding="utf-8"?>
 <ds:datastoreItem xmlns:ds="http://schemas.openxmlformats.org/officeDocument/2006/customXml" ds:itemID="{0B1D9A1B-8DEB-4B6A-BF18-7B9C5DBF533E}">
   <ds:schemaRefs>
     <ds:schemaRef ds:uri="http://schemas.microsoft.com/VisualStudio/2011/storyboarding/control"/>
@@ -40170,50 +42092,10 @@
 </ds:datastoreItem>
 </file>
 
-<file path=customXml/itemProps4.xml><?xml version="1.0" encoding="utf-8"?>
-<ds:datastoreItem xmlns:ds="http://schemas.openxmlformats.org/officeDocument/2006/customXml" ds:itemID="{4F2255F7-A4C3-4E6F-9491-BD150D11E33A}">
-  <ds:schemaRefs>
-    <ds:schemaRef ds:uri="http://schemas.microsoft.com/VisualStudio/2011/storyboarding/control"/>
-  </ds:schemaRefs>
-</ds:datastoreItem>
-</file>
-
-<file path=customXml/itemProps5.xml><?xml version="1.0" encoding="utf-8"?>
-<ds:datastoreItem xmlns:ds="http://schemas.openxmlformats.org/officeDocument/2006/customXml" ds:itemID="{5B412AC7-136E-45BA-B3BC-91E37935A539}">
-  <ds:schemaRefs>
-    <ds:schemaRef ds:uri="http://schemas.microsoft.com/VisualStudio/2011/storyboarding/control"/>
-  </ds:schemaRefs>
-</ds:datastoreItem>
-</file>
-
-<file path=customXml/itemProps6.xml><?xml version="1.0" encoding="utf-8"?>
-<ds:datastoreItem xmlns:ds="http://schemas.openxmlformats.org/officeDocument/2006/customXml" ds:itemID="{8EAD2ED1-6E14-421A-9E09-F54401142C83}">
-  <ds:schemaRefs>
-    <ds:schemaRef ds:uri="http://schemas.microsoft.com/VisualStudio/2011/storyboarding/control"/>
-  </ds:schemaRefs>
-</ds:datastoreItem>
-</file>
-
-<file path=customXml/itemProps7.xml><?xml version="1.0" encoding="utf-8"?>
+<file path=customXml/itemProps9.xml><?xml version="1.0" encoding="utf-8"?>
 <ds:datastoreItem xmlns:ds="http://schemas.openxmlformats.org/officeDocument/2006/customXml" ds:itemID="{81AF3BDC-10DF-4C3F-BD8E-EDEA0AC655D4}">
   <ds:schemaRefs>
     <ds:schemaRef ds:uri="http://schemas.microsoft.com/VisualStudio/2011/storyboarding/control"/>
   </ds:schemaRefs>
 </ds:datastoreItem>
-</file>
-
-<file path=customXml/itemProps8.xml><?xml version="1.0" encoding="utf-8"?>
-<ds:datastoreItem xmlns:ds="http://schemas.openxmlformats.org/officeDocument/2006/customXml" ds:itemID="{F8339007-68FA-4CD7-9B6A-03E725113E81}">
-  <ds:schemaRefs>
-    <ds:schemaRef ds:uri="http://schemas.microsoft.com/VisualStudio/2011/storyboarding/control"/>
-  </ds:schemaRefs>
-</ds:datastoreItem>
-</file>
-
-<file path=customXml/itemProps9.xml><?xml version="1.0" encoding="utf-8"?>
-<ds:datastoreItem xmlns:ds="http://schemas.openxmlformats.org/officeDocument/2006/customXml" ds:itemID="{44DB24E9-7B09-4AB5-8715-26638CA102DA}">
-  <ds:schemaRefs>
-    <ds:schemaRef ds:uri="http://schemas.microsoft.com/VisualStudio/2011/storyboarding/control"/>
-  </ds:schemaRefs>
-</ds:datastoreItem>
 </file>
--- a/Documentos/ControlTransmisionesV1.0.pptx
+++ b/Documentos/ControlTransmisionesV1.0.pptx
@@ -166,7 +166,7 @@
 </file>
 
 <file path=ppt/charts/chart1.xml><?xml version="1.0" encoding="utf-8"?>
-<c:chartSpace xmlns:c="http://schemas.openxmlformats.org/drawingml/2006/chart" xmlns:a="http://schemas.openxmlformats.org/drawingml/2006/main" xmlns:r="http://schemas.openxmlformats.org/officeDocument/2006/relationships" xmlns:c16r2="http://schemas.microsoft.com/office/drawing/2015/06/chart">
+<c:chartSpace xmlns:c="http://schemas.openxmlformats.org/drawingml/2006/chart" xmlns:a="http://schemas.openxmlformats.org/drawingml/2006/main" xmlns:r="http://schemas.openxmlformats.org/officeDocument/2006/relationships">
   <c:date1904 val="0"/>
   <c:lang val="es-ES"/>
   <c:roundedCorners val="0"/>
@@ -218,7 +218,7 @@
                 </a:outerShdw>
               </a:effectLst>
             </c:spPr>
-            <c:extLst>
+            <c:extLst xmlns:c16r2="http://schemas.microsoft.com/office/drawing/2015/06/chart">
               <c:ext xmlns:c16="http://schemas.microsoft.com/office/drawing/2014/chart" uri="{C3380CC4-5D6E-409C-BE32-E72D297353CC}">
                 <c16:uniqueId val="{00000001-3502-48F3-A82C-E12775D6886B}"/>
               </c:ext>
@@ -242,7 +242,7 @@
                 </a:outerShdw>
               </a:effectLst>
             </c:spPr>
-            <c:extLst>
+            <c:extLst xmlns:c16r2="http://schemas.microsoft.com/office/drawing/2015/06/chart">
               <c:ext xmlns:c16="http://schemas.microsoft.com/office/drawing/2014/chart" uri="{C3380CC4-5D6E-409C-BE32-E72D297353CC}">
                 <c16:uniqueId val="{00000003-3502-48F3-A82C-E12775D6886B}"/>
               </c:ext>
@@ -259,7 +259,7 @@
                 <a:noFill/>
               </a:ln>
             </c:spPr>
-            <c:extLst>
+            <c:extLst xmlns:c16r2="http://schemas.microsoft.com/office/drawing/2015/06/chart">
               <c:ext xmlns:c16="http://schemas.microsoft.com/office/drawing/2014/chart" uri="{C3380CC4-5D6E-409C-BE32-E72D297353CC}">
                 <c16:uniqueId val="{00000005-3502-48F3-A82C-E12775D6886B}"/>
               </c:ext>
@@ -283,7 +283,7 @@
                 </a:outerShdw>
               </a:effectLst>
             </c:spPr>
-            <c:extLst>
+            <c:extLst xmlns:c16r2="http://schemas.microsoft.com/office/drawing/2015/06/chart">
               <c:ext xmlns:c16="http://schemas.microsoft.com/office/drawing/2014/chart" uri="{C3380CC4-5D6E-409C-BE32-E72D297353CC}">
                 <c16:uniqueId val="{00000007-3502-48F3-A82C-E12775D6886B}"/>
               </c:ext>
@@ -323,12 +323,12 @@
               <c:showSerName val="0"/>
               <c:showPercent val="0"/>
               <c:showBubbleSize val="0"/>
-              <c:extLst>
+              <c:extLst xmlns:c16r2="http://schemas.microsoft.com/office/drawing/2015/06/chart">
+                <c:ext xmlns:c16="http://schemas.microsoft.com/office/drawing/2014/chart" uri="{C3380CC4-5D6E-409C-BE32-E72D297353CC}">
+                  <c16:uniqueId val="{00000001-3502-48F3-A82C-E12775D6886B}"/>
+                </c:ext>
                 <c:ext xmlns:c15="http://schemas.microsoft.com/office/drawing/2012/chart" uri="{CE6537A1-D6FC-4f65-9D91-7224C49458BB}">
                   <c15:layout/>
-                </c:ext>
-                <c:ext xmlns:c16="http://schemas.microsoft.com/office/drawing/2014/chart" uri="{C3380CC4-5D6E-409C-BE32-E72D297353CC}">
-                  <c16:uniqueId val="{00000001-3502-48F3-A82C-E12775D6886B}"/>
                 </c:ext>
               </c:extLst>
             </c:dLbl>
@@ -359,11 +359,6 @@
               <c:showSerName val="0"/>
               <c:showPercent val="0"/>
               <c:showBubbleSize val="0"/>
-              <c:extLst>
-                <c:ext xmlns:c16="http://schemas.microsoft.com/office/drawing/2014/chart" uri="{C3380CC4-5D6E-409C-BE32-E72D297353CC}">
-                  <c16:uniqueId val="{00000003-3502-48F3-A82C-E12775D6886B}"/>
-                </c:ext>
-              </c:extLst>
             </c:dLbl>
             <c:dLbl>
               <c:idx val="3"/>
@@ -402,7 +397,10 @@
               <c:showSerName val="0"/>
               <c:showPercent val="0"/>
               <c:showBubbleSize val="0"/>
-              <c:extLst>
+              <c:extLst xmlns:c16r2="http://schemas.microsoft.com/office/drawing/2015/06/chart">
+                <c:ext xmlns:c16="http://schemas.microsoft.com/office/drawing/2014/chart" uri="{C3380CC4-5D6E-409C-BE32-E72D297353CC}">
+                  <c16:uniqueId val="{00000007-3502-48F3-A82C-E12775D6886B}"/>
+                </c:ext>
                 <c:ext xmlns:c15="http://schemas.microsoft.com/office/drawing/2012/chart" uri="{CE6537A1-D6FC-4f65-9D91-7224C49458BB}">
                   <c15:spPr xmlns:c15="http://schemas.microsoft.com/office/drawing/2012/chart">
                     <a:prstGeom prst="rect">
@@ -412,9 +410,6 @@
                   <c15:layout/>
                   <c15:dlblFieldTable/>
                   <c15:showDataLabelsRange val="0"/>
-                </c:ext>
-                <c:ext xmlns:c16="http://schemas.microsoft.com/office/drawing/2014/chart" uri="{C3380CC4-5D6E-409C-BE32-E72D297353CC}">
-                  <c16:uniqueId val="{00000007-3502-48F3-A82C-E12775D6886B}"/>
                 </c:ext>
               </c:extLst>
             </c:dLbl>
@@ -432,7 +427,7 @@
             <c:showPercent val="0"/>
             <c:showBubbleSize val="0"/>
             <c:showLeaderLines val="1"/>
-            <c:extLst>
+            <c:extLst xmlns:c16r2="http://schemas.microsoft.com/office/drawing/2015/06/chart">
               <c:ext xmlns:c15="http://schemas.microsoft.com/office/drawing/2012/chart" uri="{CE6537A1-D6FC-4f65-9D91-7224C49458BB}">
                 <c15:layout/>
               </c:ext>
@@ -474,7 +469,7 @@
               </c:pt>
             </c:numLit>
           </c:val>
-          <c:extLst>
+          <c:extLst xmlns:c16r2="http://schemas.microsoft.com/office/drawing/2015/06/chart">
             <c:ext xmlns:c16="http://schemas.microsoft.com/office/drawing/2014/chart" uri="{C3380CC4-5D6E-409C-BE32-E72D297353CC}">
               <c16:uniqueId val="{00000008-3502-48F3-A82C-E12775D6886B}"/>
             </c:ext>
@@ -541,7 +536,7 @@
 </file>
 
 <file path=ppt/charts/chart10.xml><?xml version="1.0" encoding="utf-8"?>
-<c:chartSpace xmlns:c="http://schemas.openxmlformats.org/drawingml/2006/chart" xmlns:a="http://schemas.openxmlformats.org/drawingml/2006/main" xmlns:r="http://schemas.openxmlformats.org/officeDocument/2006/relationships" xmlns:c16r2="http://schemas.microsoft.com/office/drawing/2015/06/chart">
+<c:chartSpace xmlns:c="http://schemas.openxmlformats.org/drawingml/2006/chart" xmlns:a="http://schemas.openxmlformats.org/drawingml/2006/main" xmlns:r="http://schemas.openxmlformats.org/officeDocument/2006/relationships">
   <c:date1904 val="0"/>
   <c:lang val="es-ES"/>
   <c:roundedCorners val="0"/>
@@ -588,7 +583,7 @@
                 </a:outerShdw>
               </a:effectLst>
             </c:spPr>
-            <c:extLst>
+            <c:extLst xmlns:c16r2="http://schemas.microsoft.com/office/drawing/2015/06/chart">
               <c:ext xmlns:c16="http://schemas.microsoft.com/office/drawing/2014/chart" uri="{C3380CC4-5D6E-409C-BE32-E72D297353CC}">
                 <c16:uniqueId val="{00000001-C770-49F9-BEEF-C44F8D0F5E64}"/>
               </c:ext>
@@ -612,7 +607,7 @@
                 </a:outerShdw>
               </a:effectLst>
             </c:spPr>
-            <c:extLst>
+            <c:extLst xmlns:c16r2="http://schemas.microsoft.com/office/drawing/2015/06/chart">
               <c:ext xmlns:c16="http://schemas.microsoft.com/office/drawing/2014/chart" uri="{C3380CC4-5D6E-409C-BE32-E72D297353CC}">
                 <c16:uniqueId val="{00000003-C770-49F9-BEEF-C44F8D0F5E64}"/>
               </c:ext>
@@ -636,7 +631,7 @@
                 </a:outerShdw>
               </a:effectLst>
             </c:spPr>
-            <c:extLst>
+            <c:extLst xmlns:c16r2="http://schemas.microsoft.com/office/drawing/2015/06/chart">
               <c:ext xmlns:c16="http://schemas.microsoft.com/office/drawing/2014/chart" uri="{C3380CC4-5D6E-409C-BE32-E72D297353CC}">
                 <c16:uniqueId val="{00000005-C770-49F9-BEEF-C44F8D0F5E64}"/>
               </c:ext>
@@ -660,7 +655,7 @@
                 </a:outerShdw>
               </a:effectLst>
             </c:spPr>
-            <c:extLst>
+            <c:extLst xmlns:c16r2="http://schemas.microsoft.com/office/drawing/2015/06/chart">
               <c:ext xmlns:c16="http://schemas.microsoft.com/office/drawing/2014/chart" uri="{C3380CC4-5D6E-409C-BE32-E72D297353CC}">
                 <c16:uniqueId val="{00000007-C770-49F9-BEEF-C44F8D0F5E64}"/>
               </c:ext>
@@ -698,43 +693,43 @@
               <c:showPercent val="0"/>
               <c:showBubbleSize val="0"/>
               <c:separator>; </c:separator>
-              <c:extLst>
+              <c:extLst xmlns:c16r2="http://schemas.microsoft.com/office/drawing/2015/06/chart">
+                <c:ext xmlns:c16="http://schemas.microsoft.com/office/drawing/2014/chart" uri="{C3380CC4-5D6E-409C-BE32-E72D297353CC}">
+                  <c16:uniqueId val="{00000001-C770-49F9-BEEF-C44F8D0F5E64}"/>
+                </c:ext>
                 <c:ext xmlns:c15="http://schemas.microsoft.com/office/drawing/2012/chart" uri="{CE6537A1-D6FC-4f65-9D91-7224C49458BB}">
                   <c15:layout/>
-                </c:ext>
-                <c:ext xmlns:c16="http://schemas.microsoft.com/office/drawing/2014/chart" uri="{C3380CC4-5D6E-409C-BE32-E72D297353CC}">
-                  <c16:uniqueId val="{00000001-C770-49F9-BEEF-C44F8D0F5E64}"/>
                 </c:ext>
               </c:extLst>
             </c:dLbl>
             <c:dLbl>
               <c:idx val="1"/>
               <c:delete val="1"/>
-              <c:extLst>
-                <c:ext xmlns:c15="http://schemas.microsoft.com/office/drawing/2012/chart" uri="{CE6537A1-D6FC-4f65-9D91-7224C49458BB}"/>
+              <c:extLst xmlns:c16r2="http://schemas.microsoft.com/office/drawing/2015/06/chart">
                 <c:ext xmlns:c16="http://schemas.microsoft.com/office/drawing/2014/chart" uri="{C3380CC4-5D6E-409C-BE32-E72D297353CC}">
                   <c16:uniqueId val="{00000003-C770-49F9-BEEF-C44F8D0F5E64}"/>
                 </c:ext>
+                <c:ext xmlns:c15="http://schemas.microsoft.com/office/drawing/2012/chart" uri="{CE6537A1-D6FC-4f65-9D91-7224C49458BB}"/>
               </c:extLst>
             </c:dLbl>
             <c:dLbl>
               <c:idx val="2"/>
               <c:delete val="1"/>
-              <c:extLst>
-                <c:ext xmlns:c15="http://schemas.microsoft.com/office/drawing/2012/chart" uri="{CE6537A1-D6FC-4f65-9D91-7224C49458BB}"/>
+              <c:extLst xmlns:c16r2="http://schemas.microsoft.com/office/drawing/2015/06/chart">
                 <c:ext xmlns:c16="http://schemas.microsoft.com/office/drawing/2014/chart" uri="{C3380CC4-5D6E-409C-BE32-E72D297353CC}">
                   <c16:uniqueId val="{00000005-C770-49F9-BEEF-C44F8D0F5E64}"/>
                 </c:ext>
+                <c:ext xmlns:c15="http://schemas.microsoft.com/office/drawing/2012/chart" uri="{CE6537A1-D6FC-4f65-9D91-7224C49458BB}"/>
               </c:extLst>
             </c:dLbl>
             <c:dLbl>
               <c:idx val="3"/>
               <c:delete val="1"/>
-              <c:extLst>
-                <c:ext xmlns:c15="http://schemas.microsoft.com/office/drawing/2012/chart" uri="{CE6537A1-D6FC-4f65-9D91-7224C49458BB}"/>
+              <c:extLst xmlns:c16r2="http://schemas.microsoft.com/office/drawing/2015/06/chart">
                 <c:ext xmlns:c16="http://schemas.microsoft.com/office/drawing/2014/chart" uri="{C3380CC4-5D6E-409C-BE32-E72D297353CC}">
                   <c16:uniqueId val="{00000007-C770-49F9-BEEF-C44F8D0F5E64}"/>
                 </c:ext>
+                <c:ext xmlns:c15="http://schemas.microsoft.com/office/drawing/2012/chart" uri="{CE6537A1-D6FC-4f65-9D91-7224C49458BB}"/>
               </c:extLst>
             </c:dLbl>
             <c:spPr>
@@ -777,7 +772,7 @@
             <c:showBubbleSize val="0"/>
             <c:separator>; </c:separator>
             <c:showLeaderLines val="1"/>
-            <c:extLst>
+            <c:extLst xmlns:c16r2="http://schemas.microsoft.com/office/drawing/2015/06/chart">
               <c:ext xmlns:c15="http://schemas.microsoft.com/office/drawing/2012/chart" uri="{CE6537A1-D6FC-4f65-9D91-7224C49458BB}">
                 <c15:spPr xmlns:c15="http://schemas.microsoft.com/office/drawing/2012/chart">
                   <a:prstGeom prst="rect">
@@ -822,7 +817,7 @@
               </c:pt>
             </c:numLit>
           </c:val>
-          <c:extLst>
+          <c:extLst xmlns:c16r2="http://schemas.microsoft.com/office/drawing/2015/06/chart">
             <c:ext xmlns:c16="http://schemas.microsoft.com/office/drawing/2014/chart" uri="{C3380CC4-5D6E-409C-BE32-E72D297353CC}">
               <c16:uniqueId val="{00000008-C770-49F9-BEEF-C44F8D0F5E64}"/>
             </c:ext>
@@ -889,7 +884,7 @@
 </file>
 
 <file path=ppt/charts/chart11.xml><?xml version="1.0" encoding="utf-8"?>
-<c:chartSpace xmlns:c="http://schemas.openxmlformats.org/drawingml/2006/chart" xmlns:a="http://schemas.openxmlformats.org/drawingml/2006/main" xmlns:r="http://schemas.openxmlformats.org/officeDocument/2006/relationships" xmlns:c16r2="http://schemas.microsoft.com/office/drawing/2015/06/chart">
+<c:chartSpace xmlns:c="http://schemas.openxmlformats.org/drawingml/2006/chart" xmlns:a="http://schemas.openxmlformats.org/drawingml/2006/main" xmlns:r="http://schemas.openxmlformats.org/officeDocument/2006/relationships">
   <c:date1904 val="0"/>
   <c:lang val="es-ES"/>
   <c:roundedCorners val="0"/>
@@ -941,7 +936,7 @@
                 </a:outerShdw>
               </a:effectLst>
             </c:spPr>
-            <c:extLst>
+            <c:extLst xmlns:c16r2="http://schemas.microsoft.com/office/drawing/2015/06/chart">
               <c:ext xmlns:c16="http://schemas.microsoft.com/office/drawing/2014/chart" uri="{C3380CC4-5D6E-409C-BE32-E72D297353CC}">
                 <c16:uniqueId val="{00000001-CB9E-4E94-BF6F-5570E74AEA4D}"/>
               </c:ext>
@@ -965,7 +960,7 @@
                 </a:outerShdw>
               </a:effectLst>
             </c:spPr>
-            <c:extLst>
+            <c:extLst xmlns:c16r2="http://schemas.microsoft.com/office/drawing/2015/06/chart">
               <c:ext xmlns:c16="http://schemas.microsoft.com/office/drawing/2014/chart" uri="{C3380CC4-5D6E-409C-BE32-E72D297353CC}">
                 <c16:uniqueId val="{00000003-CB9E-4E94-BF6F-5570E74AEA4D}"/>
               </c:ext>
@@ -982,7 +977,7 @@
                 <a:noFill/>
               </a:ln>
             </c:spPr>
-            <c:extLst>
+            <c:extLst xmlns:c16r2="http://schemas.microsoft.com/office/drawing/2015/06/chart">
               <c:ext xmlns:c16="http://schemas.microsoft.com/office/drawing/2014/chart" uri="{C3380CC4-5D6E-409C-BE32-E72D297353CC}">
                 <c16:uniqueId val="{00000005-CB9E-4E94-BF6F-5570E74AEA4D}"/>
               </c:ext>
@@ -1006,7 +1001,7 @@
                 </a:outerShdw>
               </a:effectLst>
             </c:spPr>
-            <c:extLst>
+            <c:extLst xmlns:c16r2="http://schemas.microsoft.com/office/drawing/2015/06/chart">
               <c:ext xmlns:c16="http://schemas.microsoft.com/office/drawing/2014/chart" uri="{C3380CC4-5D6E-409C-BE32-E72D297353CC}">
                 <c16:uniqueId val="{00000007-CB9E-4E94-BF6F-5570E74AEA4D}"/>
               </c:ext>
@@ -1045,11 +1040,11 @@
               <c:showSerName val="0"/>
               <c:showPercent val="0"/>
               <c:showBubbleSize val="0"/>
-              <c:extLst>
-                <c:ext xmlns:c15="http://schemas.microsoft.com/office/drawing/2012/chart" uri="{CE6537A1-D6FC-4f65-9D91-7224C49458BB}"/>
+              <c:extLst xmlns:c16r2="http://schemas.microsoft.com/office/drawing/2015/06/chart">
                 <c:ext xmlns:c16="http://schemas.microsoft.com/office/drawing/2014/chart" uri="{C3380CC4-5D6E-409C-BE32-E72D297353CC}">
                   <c16:uniqueId val="{00000001-CB9E-4E94-BF6F-5570E74AEA4D}"/>
                 </c:ext>
+                <c:ext xmlns:c15="http://schemas.microsoft.com/office/drawing/2012/chart" uri="{CE6537A1-D6FC-4f65-9D91-7224C49458BB}"/>
               </c:extLst>
             </c:dLbl>
             <c:dLbl>
@@ -1079,11 +1074,6 @@
               <c:showSerName val="0"/>
               <c:showPercent val="0"/>
               <c:showBubbleSize val="0"/>
-              <c:extLst>
-                <c:ext xmlns:c16="http://schemas.microsoft.com/office/drawing/2014/chart" uri="{C3380CC4-5D6E-409C-BE32-E72D297353CC}">
-                  <c16:uniqueId val="{00000003-CB9E-4E94-BF6F-5570E74AEA4D}"/>
-                </c:ext>
-              </c:extLst>
             </c:dLbl>
             <c:dLbl>
               <c:idx val="3"/>
@@ -1121,7 +1111,10 @@
               <c:showSerName val="0"/>
               <c:showPercent val="0"/>
               <c:showBubbleSize val="0"/>
-              <c:extLst>
+              <c:extLst xmlns:c16r2="http://schemas.microsoft.com/office/drawing/2015/06/chart">
+                <c:ext xmlns:c16="http://schemas.microsoft.com/office/drawing/2014/chart" uri="{C3380CC4-5D6E-409C-BE32-E72D297353CC}">
+                  <c16:uniqueId val="{00000007-CB9E-4E94-BF6F-5570E74AEA4D}"/>
+                </c:ext>
                 <c:ext xmlns:c15="http://schemas.microsoft.com/office/drawing/2012/chart" uri="{CE6537A1-D6FC-4f65-9D91-7224C49458BB}">
                   <c15:spPr xmlns:c15="http://schemas.microsoft.com/office/drawing/2012/chart">
                     <a:prstGeom prst="rect">
@@ -1130,9 +1123,6 @@
                   </c15:spPr>
                   <c15:dlblFieldTable/>
                   <c15:showDataLabelsRange val="0"/>
-                </c:ext>
-                <c:ext xmlns:c16="http://schemas.microsoft.com/office/drawing/2014/chart" uri="{C3380CC4-5D6E-409C-BE32-E72D297353CC}">
-                  <c16:uniqueId val="{00000007-CB9E-4E94-BF6F-5570E74AEA4D}"/>
                 </c:ext>
               </c:extLst>
             </c:dLbl>
@@ -1150,7 +1140,7 @@
             <c:showPercent val="0"/>
             <c:showBubbleSize val="0"/>
             <c:showLeaderLines val="1"/>
-            <c:extLst>
+            <c:extLst xmlns:c16r2="http://schemas.microsoft.com/office/drawing/2015/06/chart">
               <c:ext xmlns:c15="http://schemas.microsoft.com/office/drawing/2012/chart" uri="{CE6537A1-D6FC-4f65-9D91-7224C49458BB}"/>
             </c:extLst>
           </c:dLbls>
@@ -1190,7 +1180,7 @@
               </c:pt>
             </c:numLit>
           </c:val>
-          <c:extLst>
+          <c:extLst xmlns:c16r2="http://schemas.microsoft.com/office/drawing/2015/06/chart">
             <c:ext xmlns:c16="http://schemas.microsoft.com/office/drawing/2014/chart" uri="{C3380CC4-5D6E-409C-BE32-E72D297353CC}">
               <c16:uniqueId val="{00000008-CB9E-4E94-BF6F-5570E74AEA4D}"/>
             </c:ext>
@@ -1257,7 +1247,7 @@
 </file>
 
 <file path=ppt/charts/chart12.xml><?xml version="1.0" encoding="utf-8"?>
-<c:chartSpace xmlns:c="http://schemas.openxmlformats.org/drawingml/2006/chart" xmlns:a="http://schemas.openxmlformats.org/drawingml/2006/main" xmlns:r="http://schemas.openxmlformats.org/officeDocument/2006/relationships" xmlns:c16r2="http://schemas.microsoft.com/office/drawing/2015/06/chart">
+<c:chartSpace xmlns:c="http://schemas.openxmlformats.org/drawingml/2006/chart" xmlns:a="http://schemas.openxmlformats.org/drawingml/2006/main" xmlns:r="http://schemas.openxmlformats.org/officeDocument/2006/relationships">
   <c:date1904 val="0"/>
   <c:lang val="es-ES"/>
   <c:roundedCorners val="0"/>
@@ -1299,7 +1289,7 @@
                 </a:outerShdw>
               </a:effectLst>
             </c:spPr>
-            <c:extLst>
+            <c:extLst xmlns:c16r2="http://schemas.microsoft.com/office/drawing/2015/06/chart">
               <c:ext xmlns:c16="http://schemas.microsoft.com/office/drawing/2014/chart" uri="{C3380CC4-5D6E-409C-BE32-E72D297353CC}">
                 <c16:uniqueId val="{00000001-E221-4C19-B1BA-F114C952D90F}"/>
               </c:ext>
@@ -1323,7 +1313,7 @@
                 </a:outerShdw>
               </a:effectLst>
             </c:spPr>
-            <c:extLst>
+            <c:extLst xmlns:c16r2="http://schemas.microsoft.com/office/drawing/2015/06/chart">
               <c:ext xmlns:c16="http://schemas.microsoft.com/office/drawing/2014/chart" uri="{C3380CC4-5D6E-409C-BE32-E72D297353CC}">
                 <c16:uniqueId val="{00000003-E221-4C19-B1BA-F114C952D90F}"/>
               </c:ext>
@@ -1347,7 +1337,7 @@
                 </a:outerShdw>
               </a:effectLst>
             </c:spPr>
-            <c:extLst>
+            <c:extLst xmlns:c16r2="http://schemas.microsoft.com/office/drawing/2015/06/chart">
               <c:ext xmlns:c16="http://schemas.microsoft.com/office/drawing/2014/chart" uri="{C3380CC4-5D6E-409C-BE32-E72D297353CC}">
                 <c16:uniqueId val="{00000005-E221-4C19-B1BA-F114C952D90F}"/>
               </c:ext>
@@ -1371,7 +1361,7 @@
                 </a:outerShdw>
               </a:effectLst>
             </c:spPr>
-            <c:extLst>
+            <c:extLst xmlns:c16r2="http://schemas.microsoft.com/office/drawing/2015/06/chart">
               <c:ext xmlns:c16="http://schemas.microsoft.com/office/drawing/2014/chart" uri="{C3380CC4-5D6E-409C-BE32-E72D297353CC}">
                 <c16:uniqueId val="{00000007-E221-4C19-B1BA-F114C952D90F}"/>
               </c:ext>
@@ -1425,7 +1415,10 @@
               <c:showPercent val="0"/>
               <c:showBubbleSize val="0"/>
               <c:separator>; </c:separator>
-              <c:extLst>
+              <c:extLst xmlns:c16r2="http://schemas.microsoft.com/office/drawing/2015/06/chart">
+                <c:ext xmlns:c16="http://schemas.microsoft.com/office/drawing/2014/chart" uri="{C3380CC4-5D6E-409C-BE32-E72D297353CC}">
+                  <c16:uniqueId val="{00000001-E221-4C19-B1BA-F114C952D90F}"/>
+                </c:ext>
                 <c:ext xmlns:c15="http://schemas.microsoft.com/office/drawing/2012/chart" uri="{CE6537A1-D6FC-4f65-9D91-7224C49458BB}">
                   <c15:spPr xmlns:c15="http://schemas.microsoft.com/office/drawing/2012/chart">
                     <a:prstGeom prst="rect">
@@ -1433,29 +1426,26 @@
                     </a:prstGeom>
                   </c15:spPr>
                 </c:ext>
-                <c:ext xmlns:c16="http://schemas.microsoft.com/office/drawing/2014/chart" uri="{C3380CC4-5D6E-409C-BE32-E72D297353CC}">
-                  <c16:uniqueId val="{00000001-E221-4C19-B1BA-F114C952D90F}"/>
-                </c:ext>
               </c:extLst>
             </c:dLbl>
             <c:dLbl>
               <c:idx val="1"/>
               <c:delete val="1"/>
-              <c:extLst>
-                <c:ext xmlns:c15="http://schemas.microsoft.com/office/drawing/2012/chart" uri="{CE6537A1-D6FC-4f65-9D91-7224C49458BB}"/>
+              <c:extLst xmlns:c16r2="http://schemas.microsoft.com/office/drawing/2015/06/chart">
                 <c:ext xmlns:c16="http://schemas.microsoft.com/office/drawing/2014/chart" uri="{C3380CC4-5D6E-409C-BE32-E72D297353CC}">
                   <c16:uniqueId val="{00000003-E221-4C19-B1BA-F114C952D90F}"/>
                 </c:ext>
+                <c:ext xmlns:c15="http://schemas.microsoft.com/office/drawing/2012/chart" uri="{CE6537A1-D6FC-4f65-9D91-7224C49458BB}"/>
               </c:extLst>
             </c:dLbl>
             <c:dLbl>
               <c:idx val="2"/>
               <c:delete val="1"/>
-              <c:extLst>
-                <c:ext xmlns:c15="http://schemas.microsoft.com/office/drawing/2012/chart" uri="{CE6537A1-D6FC-4f65-9D91-7224C49458BB}"/>
+              <c:extLst xmlns:c16r2="http://schemas.microsoft.com/office/drawing/2015/06/chart">
                 <c:ext xmlns:c16="http://schemas.microsoft.com/office/drawing/2014/chart" uri="{C3380CC4-5D6E-409C-BE32-E72D297353CC}">
                   <c16:uniqueId val="{00000005-E221-4C19-B1BA-F114C952D90F}"/>
                 </c:ext>
+                <c:ext xmlns:c15="http://schemas.microsoft.com/office/drawing/2012/chart" uri="{CE6537A1-D6FC-4f65-9D91-7224C49458BB}"/>
               </c:extLst>
             </c:dLbl>
             <c:dLbl>
@@ -1494,7 +1484,10 @@
               <c:showPercent val="0"/>
               <c:showBubbleSize val="0"/>
               <c:separator>; </c:separator>
-              <c:extLst>
+              <c:extLst xmlns:c16r2="http://schemas.microsoft.com/office/drawing/2015/06/chart">
+                <c:ext xmlns:c16="http://schemas.microsoft.com/office/drawing/2014/chart" uri="{C3380CC4-5D6E-409C-BE32-E72D297353CC}">
+                  <c16:uniqueId val="{00000007-E221-4C19-B1BA-F114C952D90F}"/>
+                </c:ext>
                 <c:ext xmlns:c15="http://schemas.microsoft.com/office/drawing/2012/chart" uri="{CE6537A1-D6FC-4f65-9D91-7224C49458BB}">
                   <c15:layout>
                     <c:manualLayout>
@@ -1502,9 +1495,6 @@
                       <c:h val="8.1869722390102664E-2"/>
                     </c:manualLayout>
                   </c15:layout>
-                </c:ext>
-                <c:ext xmlns:c16="http://schemas.microsoft.com/office/drawing/2014/chart" uri="{C3380CC4-5D6E-409C-BE32-E72D297353CC}">
-                  <c16:uniqueId val="{00000007-E221-4C19-B1BA-F114C952D90F}"/>
                 </c:ext>
               </c:extLst>
             </c:dLbl>
@@ -1548,7 +1538,7 @@
             <c:showBubbleSize val="0"/>
             <c:separator>; </c:separator>
             <c:showLeaderLines val="1"/>
-            <c:extLst>
+            <c:extLst xmlns:c16r2="http://schemas.microsoft.com/office/drawing/2015/06/chart">
               <c:ext xmlns:c15="http://schemas.microsoft.com/office/drawing/2012/chart" uri="{CE6537A1-D6FC-4f65-9D91-7224C49458BB}">
                 <c15:spPr xmlns:c15="http://schemas.microsoft.com/office/drawing/2012/chart">
                   <a:prstGeom prst="rect">
@@ -1593,7 +1583,7 @@
               </c:pt>
             </c:numLit>
           </c:val>
-          <c:extLst>
+          <c:extLst xmlns:c16r2="http://schemas.microsoft.com/office/drawing/2015/06/chart">
             <c:ext xmlns:c16="http://schemas.microsoft.com/office/drawing/2014/chart" uri="{C3380CC4-5D6E-409C-BE32-E72D297353CC}">
               <c16:uniqueId val="{00000008-E221-4C19-B1BA-F114C952D90F}"/>
             </c:ext>
@@ -1660,7 +1650,7 @@
 </file>
 
 <file path=ppt/charts/chart13.xml><?xml version="1.0" encoding="utf-8"?>
-<c:chartSpace xmlns:c="http://schemas.openxmlformats.org/drawingml/2006/chart" xmlns:a="http://schemas.openxmlformats.org/drawingml/2006/main" xmlns:r="http://schemas.openxmlformats.org/officeDocument/2006/relationships" xmlns:c16r2="http://schemas.microsoft.com/office/drawing/2015/06/chart">
+<c:chartSpace xmlns:c="http://schemas.openxmlformats.org/drawingml/2006/chart" xmlns:a="http://schemas.openxmlformats.org/drawingml/2006/main" xmlns:r="http://schemas.openxmlformats.org/officeDocument/2006/relationships">
   <c:date1904 val="0"/>
   <c:lang val="es-ES"/>
   <c:roundedCorners val="0"/>
@@ -1707,7 +1697,7 @@
                 </a:outerShdw>
               </a:effectLst>
             </c:spPr>
-            <c:extLst>
+            <c:extLst xmlns:c16r2="http://schemas.microsoft.com/office/drawing/2015/06/chart">
               <c:ext xmlns:c16="http://schemas.microsoft.com/office/drawing/2014/chart" uri="{C3380CC4-5D6E-409C-BE32-E72D297353CC}">
                 <c16:uniqueId val="{00000001-4732-4081-8AA0-DB4F500A9B10}"/>
               </c:ext>
@@ -1731,7 +1721,7 @@
                 </a:outerShdw>
               </a:effectLst>
             </c:spPr>
-            <c:extLst>
+            <c:extLst xmlns:c16r2="http://schemas.microsoft.com/office/drawing/2015/06/chart">
               <c:ext xmlns:c16="http://schemas.microsoft.com/office/drawing/2014/chart" uri="{C3380CC4-5D6E-409C-BE32-E72D297353CC}">
                 <c16:uniqueId val="{00000003-4732-4081-8AA0-DB4F500A9B10}"/>
               </c:ext>
@@ -1755,7 +1745,7 @@
                 </a:outerShdw>
               </a:effectLst>
             </c:spPr>
-            <c:extLst>
+            <c:extLst xmlns:c16r2="http://schemas.microsoft.com/office/drawing/2015/06/chart">
               <c:ext xmlns:c16="http://schemas.microsoft.com/office/drawing/2014/chart" uri="{C3380CC4-5D6E-409C-BE32-E72D297353CC}">
                 <c16:uniqueId val="{00000005-4732-4081-8AA0-DB4F500A9B10}"/>
               </c:ext>
@@ -1779,7 +1769,7 @@
                 </a:outerShdw>
               </a:effectLst>
             </c:spPr>
-            <c:extLst>
+            <c:extLst xmlns:c16r2="http://schemas.microsoft.com/office/drawing/2015/06/chart">
               <c:ext xmlns:c16="http://schemas.microsoft.com/office/drawing/2014/chart" uri="{C3380CC4-5D6E-409C-BE32-E72D297353CC}">
                 <c16:uniqueId val="{00000007-4732-4081-8AA0-DB4F500A9B10}"/>
               </c:ext>
@@ -1807,41 +1797,41 @@
               <c:showPercent val="0"/>
               <c:showBubbleSize val="0"/>
               <c:separator>; </c:separator>
-              <c:extLst>
-                <c:ext xmlns:c15="http://schemas.microsoft.com/office/drawing/2012/chart" uri="{CE6537A1-D6FC-4f65-9D91-7224C49458BB}"/>
+              <c:extLst xmlns:c16r2="http://schemas.microsoft.com/office/drawing/2015/06/chart">
                 <c:ext xmlns:c16="http://schemas.microsoft.com/office/drawing/2014/chart" uri="{C3380CC4-5D6E-409C-BE32-E72D297353CC}">
                   <c16:uniqueId val="{00000001-4732-4081-8AA0-DB4F500A9B10}"/>
                 </c:ext>
+                <c:ext xmlns:c15="http://schemas.microsoft.com/office/drawing/2012/chart" uri="{CE6537A1-D6FC-4f65-9D91-7224C49458BB}"/>
               </c:extLst>
             </c:dLbl>
             <c:dLbl>
               <c:idx val="1"/>
               <c:delete val="1"/>
-              <c:extLst>
-                <c:ext xmlns:c15="http://schemas.microsoft.com/office/drawing/2012/chart" uri="{CE6537A1-D6FC-4f65-9D91-7224C49458BB}"/>
+              <c:extLst xmlns:c16r2="http://schemas.microsoft.com/office/drawing/2015/06/chart">
                 <c:ext xmlns:c16="http://schemas.microsoft.com/office/drawing/2014/chart" uri="{C3380CC4-5D6E-409C-BE32-E72D297353CC}">
                   <c16:uniqueId val="{00000003-4732-4081-8AA0-DB4F500A9B10}"/>
                 </c:ext>
+                <c:ext xmlns:c15="http://schemas.microsoft.com/office/drawing/2012/chart" uri="{CE6537A1-D6FC-4f65-9D91-7224C49458BB}"/>
               </c:extLst>
             </c:dLbl>
             <c:dLbl>
               <c:idx val="2"/>
               <c:delete val="1"/>
-              <c:extLst>
-                <c:ext xmlns:c15="http://schemas.microsoft.com/office/drawing/2012/chart" uri="{CE6537A1-D6FC-4f65-9D91-7224C49458BB}"/>
+              <c:extLst xmlns:c16r2="http://schemas.microsoft.com/office/drawing/2015/06/chart">
                 <c:ext xmlns:c16="http://schemas.microsoft.com/office/drawing/2014/chart" uri="{C3380CC4-5D6E-409C-BE32-E72D297353CC}">
                   <c16:uniqueId val="{00000005-4732-4081-8AA0-DB4F500A9B10}"/>
                 </c:ext>
+                <c:ext xmlns:c15="http://schemas.microsoft.com/office/drawing/2012/chart" uri="{CE6537A1-D6FC-4f65-9D91-7224C49458BB}"/>
               </c:extLst>
             </c:dLbl>
             <c:dLbl>
               <c:idx val="3"/>
               <c:delete val="1"/>
-              <c:extLst>
-                <c:ext xmlns:c15="http://schemas.microsoft.com/office/drawing/2012/chart" uri="{CE6537A1-D6FC-4f65-9D91-7224C49458BB}"/>
+              <c:extLst xmlns:c16r2="http://schemas.microsoft.com/office/drawing/2015/06/chart">
                 <c:ext xmlns:c16="http://schemas.microsoft.com/office/drawing/2014/chart" uri="{C3380CC4-5D6E-409C-BE32-E72D297353CC}">
                   <c16:uniqueId val="{00000007-4732-4081-8AA0-DB4F500A9B10}"/>
                 </c:ext>
+                <c:ext xmlns:c15="http://schemas.microsoft.com/office/drawing/2012/chart" uri="{CE6537A1-D6FC-4f65-9D91-7224C49458BB}"/>
               </c:extLst>
             </c:dLbl>
             <c:spPr>
@@ -1884,7 +1874,7 @@
             <c:showBubbleSize val="0"/>
             <c:separator>; </c:separator>
             <c:showLeaderLines val="1"/>
-            <c:extLst>
+            <c:extLst xmlns:c16r2="http://schemas.microsoft.com/office/drawing/2015/06/chart">
               <c:ext xmlns:c15="http://schemas.microsoft.com/office/drawing/2012/chart" uri="{CE6537A1-D6FC-4f65-9D91-7224C49458BB}">
                 <c15:spPr xmlns:c15="http://schemas.microsoft.com/office/drawing/2012/chart">
                   <a:prstGeom prst="rect">
@@ -1929,7 +1919,7 @@
               </c:pt>
             </c:numLit>
           </c:val>
-          <c:extLst>
+          <c:extLst xmlns:c16r2="http://schemas.microsoft.com/office/drawing/2015/06/chart">
             <c:ext xmlns:c16="http://schemas.microsoft.com/office/drawing/2014/chart" uri="{C3380CC4-5D6E-409C-BE32-E72D297353CC}">
               <c16:uniqueId val="{00000008-4732-4081-8AA0-DB4F500A9B10}"/>
             </c:ext>
@@ -1996,7 +1986,7 @@
 </file>
 
 <file path=ppt/charts/chart14.xml><?xml version="1.0" encoding="utf-8"?>
-<c:chartSpace xmlns:c="http://schemas.openxmlformats.org/drawingml/2006/chart" xmlns:a="http://schemas.openxmlformats.org/drawingml/2006/main" xmlns:r="http://schemas.openxmlformats.org/officeDocument/2006/relationships" xmlns:c16r2="http://schemas.microsoft.com/office/drawing/2015/06/chart">
+<c:chartSpace xmlns:c="http://schemas.openxmlformats.org/drawingml/2006/chart" xmlns:a="http://schemas.openxmlformats.org/drawingml/2006/main" xmlns:r="http://schemas.openxmlformats.org/officeDocument/2006/relationships">
   <c:date1904 val="0"/>
   <c:lang val="es-ES"/>
   <c:roundedCorners val="0"/>
@@ -2053,7 +2043,7 @@
                 </a:outerShdw>
               </a:effectLst>
             </c:spPr>
-            <c:extLst>
+            <c:extLst xmlns:c16r2="http://schemas.microsoft.com/office/drawing/2015/06/chart">
               <c:ext xmlns:c16="http://schemas.microsoft.com/office/drawing/2014/chart" uri="{C3380CC4-5D6E-409C-BE32-E72D297353CC}">
                 <c16:uniqueId val="{00000001-84F4-4DCE-9CD3-D001FDF94851}"/>
               </c:ext>
@@ -2077,7 +2067,7 @@
                 </a:outerShdw>
               </a:effectLst>
             </c:spPr>
-            <c:extLst>
+            <c:extLst xmlns:c16r2="http://schemas.microsoft.com/office/drawing/2015/06/chart">
               <c:ext xmlns:c16="http://schemas.microsoft.com/office/drawing/2014/chart" uri="{C3380CC4-5D6E-409C-BE32-E72D297353CC}">
                 <c16:uniqueId val="{00000003-84F4-4DCE-9CD3-D001FDF94851}"/>
               </c:ext>
@@ -2101,7 +2091,7 @@
                 </a:outerShdw>
               </a:effectLst>
             </c:spPr>
-            <c:extLst>
+            <c:extLst xmlns:c16r2="http://schemas.microsoft.com/office/drawing/2015/06/chart">
               <c:ext xmlns:c16="http://schemas.microsoft.com/office/drawing/2014/chart" uri="{C3380CC4-5D6E-409C-BE32-E72D297353CC}">
                 <c16:uniqueId val="{00000005-84F4-4DCE-9CD3-D001FDF94851}"/>
               </c:ext>
@@ -2125,7 +2115,7 @@
                 </a:outerShdw>
               </a:effectLst>
             </c:spPr>
-            <c:extLst>
+            <c:extLst xmlns:c16r2="http://schemas.microsoft.com/office/drawing/2015/06/chart">
               <c:ext xmlns:c16="http://schemas.microsoft.com/office/drawing/2014/chart" uri="{C3380CC4-5D6E-409C-BE32-E72D297353CC}">
                 <c16:uniqueId val="{00000007-84F4-4DCE-9CD3-D001FDF94851}"/>
               </c:ext>
@@ -2168,7 +2158,10 @@
               <c:showPercent val="0"/>
               <c:showBubbleSize val="0"/>
               <c:separator>; </c:separator>
-              <c:extLst>
+              <c:extLst xmlns:c16r2="http://schemas.microsoft.com/office/drawing/2015/06/chart">
+                <c:ext xmlns:c16="http://schemas.microsoft.com/office/drawing/2014/chart" uri="{C3380CC4-5D6E-409C-BE32-E72D297353CC}">
+                  <c16:uniqueId val="{00000001-84F4-4DCE-9CD3-D001FDF94851}"/>
+                </c:ext>
                 <c:ext xmlns:c15="http://schemas.microsoft.com/office/drawing/2012/chart" uri="{CE6537A1-D6FC-4f65-9D91-7224C49458BB}">
                   <c15:layout>
                     <c:manualLayout>
@@ -2176,9 +2169,6 @@
                       <c:h val="0.10577958806647696"/>
                     </c:manualLayout>
                   </c15:layout>
-                </c:ext>
-                <c:ext xmlns:c16="http://schemas.microsoft.com/office/drawing/2014/chart" uri="{C3380CC4-5D6E-409C-BE32-E72D297353CC}">
-                  <c16:uniqueId val="{00000001-84F4-4DCE-9CD3-D001FDF94851}"/>
                 </c:ext>
               </c:extLst>
             </c:dLbl>
@@ -2218,7 +2208,10 @@
               <c:showPercent val="0"/>
               <c:showBubbleSize val="0"/>
               <c:separator>; </c:separator>
-              <c:extLst>
+              <c:extLst xmlns:c16r2="http://schemas.microsoft.com/office/drawing/2015/06/chart">
+                <c:ext xmlns:c16="http://schemas.microsoft.com/office/drawing/2014/chart" uri="{C3380CC4-5D6E-409C-BE32-E72D297353CC}">
+                  <c16:uniqueId val="{00000003-84F4-4DCE-9CD3-D001FDF94851}"/>
+                </c:ext>
                 <c:ext xmlns:c15="http://schemas.microsoft.com/office/drawing/2012/chart" uri="{CE6537A1-D6FC-4f65-9D91-7224C49458BB}">
                   <c15:layout>
                     <c:manualLayout>
@@ -2227,19 +2220,16 @@
                     </c:manualLayout>
                   </c15:layout>
                 </c:ext>
-                <c:ext xmlns:c16="http://schemas.microsoft.com/office/drawing/2014/chart" uri="{C3380CC4-5D6E-409C-BE32-E72D297353CC}">
-                  <c16:uniqueId val="{00000003-84F4-4DCE-9CD3-D001FDF94851}"/>
-                </c:ext>
               </c:extLst>
             </c:dLbl>
             <c:dLbl>
               <c:idx val="2"/>
               <c:delete val="1"/>
-              <c:extLst>
-                <c:ext xmlns:c15="http://schemas.microsoft.com/office/drawing/2012/chart" uri="{CE6537A1-D6FC-4f65-9D91-7224C49458BB}"/>
+              <c:extLst xmlns:c16r2="http://schemas.microsoft.com/office/drawing/2015/06/chart">
                 <c:ext xmlns:c16="http://schemas.microsoft.com/office/drawing/2014/chart" uri="{C3380CC4-5D6E-409C-BE32-E72D297353CC}">
                   <c16:uniqueId val="{00000005-84F4-4DCE-9CD3-D001FDF94851}"/>
                 </c:ext>
+                <c:ext xmlns:c15="http://schemas.microsoft.com/office/drawing/2012/chart" uri="{CE6537A1-D6FC-4f65-9D91-7224C49458BB}"/>
               </c:extLst>
             </c:dLbl>
             <c:dLbl>
@@ -2269,13 +2259,13 @@
               <c:showPercent val="0"/>
               <c:showBubbleSize val="0"/>
               <c:separator>; </c:separator>
-              <c:extLst>
+              <c:extLst xmlns:c16r2="http://schemas.microsoft.com/office/drawing/2015/06/chart">
+                <c:ext xmlns:c16="http://schemas.microsoft.com/office/drawing/2014/chart" uri="{C3380CC4-5D6E-409C-BE32-E72D297353CC}">
+                  <c16:uniqueId val="{00000007-84F4-4DCE-9CD3-D001FDF94851}"/>
+                </c:ext>
                 <c:ext xmlns:c15="http://schemas.microsoft.com/office/drawing/2012/chart" uri="{CE6537A1-D6FC-4f65-9D91-7224C49458BB}">
                   <c15:dlblFieldTable/>
                   <c15:showDataLabelsRange val="0"/>
-                </c:ext>
-                <c:ext xmlns:c16="http://schemas.microsoft.com/office/drawing/2014/chart" uri="{C3380CC4-5D6E-409C-BE32-E72D297353CC}">
-                  <c16:uniqueId val="{00000007-84F4-4DCE-9CD3-D001FDF94851}"/>
                 </c:ext>
               </c:extLst>
             </c:dLbl>
@@ -2319,7 +2309,7 @@
             <c:showBubbleSize val="0"/>
             <c:separator>; </c:separator>
             <c:showLeaderLines val="1"/>
-            <c:extLst>
+            <c:extLst xmlns:c16r2="http://schemas.microsoft.com/office/drawing/2015/06/chart">
               <c:ext xmlns:c15="http://schemas.microsoft.com/office/drawing/2012/chart" uri="{CE6537A1-D6FC-4f65-9D91-7224C49458BB}">
                 <c15:spPr xmlns:c15="http://schemas.microsoft.com/office/drawing/2012/chart">
                   <a:prstGeom prst="rect">
@@ -2364,7 +2354,7 @@
               </c:pt>
             </c:numLit>
           </c:val>
-          <c:extLst>
+          <c:extLst xmlns:c16r2="http://schemas.microsoft.com/office/drawing/2015/06/chart">
             <c:ext xmlns:c16="http://schemas.microsoft.com/office/drawing/2014/chart" uri="{C3380CC4-5D6E-409C-BE32-E72D297353CC}">
               <c16:uniqueId val="{00000008-84F4-4DCE-9CD3-D001FDF94851}"/>
             </c:ext>
@@ -2431,7 +2421,7 @@
 </file>
 
 <file path=ppt/charts/chart15.xml><?xml version="1.0" encoding="utf-8"?>
-<c:chartSpace xmlns:c="http://schemas.openxmlformats.org/drawingml/2006/chart" xmlns:a="http://schemas.openxmlformats.org/drawingml/2006/main" xmlns:r="http://schemas.openxmlformats.org/officeDocument/2006/relationships" xmlns:c16r2="http://schemas.microsoft.com/office/drawing/2015/06/chart">
+<c:chartSpace xmlns:c="http://schemas.openxmlformats.org/drawingml/2006/chart" xmlns:a="http://schemas.openxmlformats.org/drawingml/2006/main" xmlns:r="http://schemas.openxmlformats.org/officeDocument/2006/relationships">
   <c:date1904 val="0"/>
   <c:lang val="es-ES"/>
   <c:roundedCorners val="0"/>
@@ -2488,7 +2478,7 @@
                 </a:outerShdw>
               </a:effectLst>
             </c:spPr>
-            <c:extLst>
+            <c:extLst xmlns:c16r2="http://schemas.microsoft.com/office/drawing/2015/06/chart">
               <c:ext xmlns:c16="http://schemas.microsoft.com/office/drawing/2014/chart" uri="{C3380CC4-5D6E-409C-BE32-E72D297353CC}">
                 <c16:uniqueId val="{00000001-7194-4CF6-A7F3-F76EAF3EE58C}"/>
               </c:ext>
@@ -2512,7 +2502,7 @@
                 </a:outerShdw>
               </a:effectLst>
             </c:spPr>
-            <c:extLst>
+            <c:extLst xmlns:c16r2="http://schemas.microsoft.com/office/drawing/2015/06/chart">
               <c:ext xmlns:c16="http://schemas.microsoft.com/office/drawing/2014/chart" uri="{C3380CC4-5D6E-409C-BE32-E72D297353CC}">
                 <c16:uniqueId val="{00000003-7194-4CF6-A7F3-F76EAF3EE58C}"/>
               </c:ext>
@@ -2536,7 +2526,7 @@
                 </a:outerShdw>
               </a:effectLst>
             </c:spPr>
-            <c:extLst>
+            <c:extLst xmlns:c16r2="http://schemas.microsoft.com/office/drawing/2015/06/chart">
               <c:ext xmlns:c16="http://schemas.microsoft.com/office/drawing/2014/chart" uri="{C3380CC4-5D6E-409C-BE32-E72D297353CC}">
                 <c16:uniqueId val="{00000005-7194-4CF6-A7F3-F76EAF3EE58C}"/>
               </c:ext>
@@ -2560,7 +2550,7 @@
                 </a:outerShdw>
               </a:effectLst>
             </c:spPr>
-            <c:extLst>
+            <c:extLst xmlns:c16r2="http://schemas.microsoft.com/office/drawing/2015/06/chart">
               <c:ext xmlns:c16="http://schemas.microsoft.com/office/drawing/2014/chart" uri="{C3380CC4-5D6E-409C-BE32-E72D297353CC}">
                 <c16:uniqueId val="{00000007-7194-4CF6-A7F3-F76EAF3EE58C}"/>
               </c:ext>
@@ -2603,7 +2593,10 @@
               <c:showPercent val="0"/>
               <c:showBubbleSize val="0"/>
               <c:separator>; </c:separator>
-              <c:extLst>
+              <c:extLst xmlns:c16r2="http://schemas.microsoft.com/office/drawing/2015/06/chart">
+                <c:ext xmlns:c16="http://schemas.microsoft.com/office/drawing/2014/chart" uri="{C3380CC4-5D6E-409C-BE32-E72D297353CC}">
+                  <c16:uniqueId val="{00000001-7194-4CF6-A7F3-F76EAF3EE58C}"/>
+                </c:ext>
                 <c:ext xmlns:c15="http://schemas.microsoft.com/office/drawing/2012/chart" uri="{CE6537A1-D6FC-4f65-9D91-7224C49458BB}">
                   <c15:layout>
                     <c:manualLayout>
@@ -2612,39 +2605,36 @@
                     </c:manualLayout>
                   </c15:layout>
                 </c:ext>
-                <c:ext xmlns:c16="http://schemas.microsoft.com/office/drawing/2014/chart" uri="{C3380CC4-5D6E-409C-BE32-E72D297353CC}">
-                  <c16:uniqueId val="{00000001-7194-4CF6-A7F3-F76EAF3EE58C}"/>
-                </c:ext>
               </c:extLst>
             </c:dLbl>
             <c:dLbl>
               <c:idx val="1"/>
               <c:delete val="1"/>
-              <c:extLst>
-                <c:ext xmlns:c15="http://schemas.microsoft.com/office/drawing/2012/chart" uri="{CE6537A1-D6FC-4f65-9D91-7224C49458BB}"/>
+              <c:extLst xmlns:c16r2="http://schemas.microsoft.com/office/drawing/2015/06/chart">
                 <c:ext xmlns:c16="http://schemas.microsoft.com/office/drawing/2014/chart" uri="{C3380CC4-5D6E-409C-BE32-E72D297353CC}">
                   <c16:uniqueId val="{00000003-7194-4CF6-A7F3-F76EAF3EE58C}"/>
                 </c:ext>
+                <c:ext xmlns:c15="http://schemas.microsoft.com/office/drawing/2012/chart" uri="{CE6537A1-D6FC-4f65-9D91-7224C49458BB}"/>
               </c:extLst>
             </c:dLbl>
             <c:dLbl>
               <c:idx val="2"/>
               <c:delete val="1"/>
-              <c:extLst>
-                <c:ext xmlns:c15="http://schemas.microsoft.com/office/drawing/2012/chart" uri="{CE6537A1-D6FC-4f65-9D91-7224C49458BB}"/>
+              <c:extLst xmlns:c16r2="http://schemas.microsoft.com/office/drawing/2015/06/chart">
                 <c:ext xmlns:c16="http://schemas.microsoft.com/office/drawing/2014/chart" uri="{C3380CC4-5D6E-409C-BE32-E72D297353CC}">
                   <c16:uniqueId val="{00000005-7194-4CF6-A7F3-F76EAF3EE58C}"/>
                 </c:ext>
+                <c:ext xmlns:c15="http://schemas.microsoft.com/office/drawing/2012/chart" uri="{CE6537A1-D6FC-4f65-9D91-7224C49458BB}"/>
               </c:extLst>
             </c:dLbl>
             <c:dLbl>
               <c:idx val="3"/>
               <c:delete val="1"/>
-              <c:extLst>
-                <c:ext xmlns:c15="http://schemas.microsoft.com/office/drawing/2012/chart" uri="{CE6537A1-D6FC-4f65-9D91-7224C49458BB}"/>
+              <c:extLst xmlns:c16r2="http://schemas.microsoft.com/office/drawing/2015/06/chart">
                 <c:ext xmlns:c16="http://schemas.microsoft.com/office/drawing/2014/chart" uri="{C3380CC4-5D6E-409C-BE32-E72D297353CC}">
                   <c16:uniqueId val="{00000007-7194-4CF6-A7F3-F76EAF3EE58C}"/>
                 </c:ext>
+                <c:ext xmlns:c15="http://schemas.microsoft.com/office/drawing/2012/chart" uri="{CE6537A1-D6FC-4f65-9D91-7224C49458BB}"/>
               </c:extLst>
             </c:dLbl>
             <c:spPr>
@@ -2687,7 +2677,7 @@
             <c:showBubbleSize val="0"/>
             <c:separator>; </c:separator>
             <c:showLeaderLines val="1"/>
-            <c:extLst>
+            <c:extLst xmlns:c16r2="http://schemas.microsoft.com/office/drawing/2015/06/chart">
               <c:ext xmlns:c15="http://schemas.microsoft.com/office/drawing/2012/chart" uri="{CE6537A1-D6FC-4f65-9D91-7224C49458BB}">
                 <c15:spPr xmlns:c15="http://schemas.microsoft.com/office/drawing/2012/chart">
                   <a:prstGeom prst="rect">
@@ -2732,7 +2722,7 @@
               </c:pt>
             </c:numLit>
           </c:val>
-          <c:extLst>
+          <c:extLst xmlns:c16r2="http://schemas.microsoft.com/office/drawing/2015/06/chart">
             <c:ext xmlns:c16="http://schemas.microsoft.com/office/drawing/2014/chart" uri="{C3380CC4-5D6E-409C-BE32-E72D297353CC}">
               <c16:uniqueId val="{00000008-7194-4CF6-A7F3-F76EAF3EE58C}"/>
             </c:ext>
@@ -2799,7 +2789,7 @@
 </file>
 
 <file path=ppt/charts/chart16.xml><?xml version="1.0" encoding="utf-8"?>
-<c:chartSpace xmlns:c="http://schemas.openxmlformats.org/drawingml/2006/chart" xmlns:a="http://schemas.openxmlformats.org/drawingml/2006/main" xmlns:r="http://schemas.openxmlformats.org/officeDocument/2006/relationships" xmlns:c16r2="http://schemas.microsoft.com/office/drawing/2015/06/chart">
+<c:chartSpace xmlns:c="http://schemas.openxmlformats.org/drawingml/2006/chart" xmlns:a="http://schemas.openxmlformats.org/drawingml/2006/main" xmlns:r="http://schemas.openxmlformats.org/officeDocument/2006/relationships">
   <c:date1904 val="0"/>
   <c:lang val="es-ES"/>
   <c:roundedCorners val="0"/>
@@ -2984,7 +2974,7 @@
                 </a:outerShdw>
               </a:effectLst>
             </c:spPr>
-            <c:extLst>
+            <c:extLst xmlns:c16r2="http://schemas.microsoft.com/office/drawing/2015/06/chart">
               <c:ext xmlns:c16="http://schemas.microsoft.com/office/drawing/2014/chart" uri="{C3380CC4-5D6E-409C-BE32-E72D297353CC}">
                 <c16:uniqueId val="{00000001-B83E-43E5-AA9A-FA94EF2FC2B3}"/>
               </c:ext>
@@ -3008,7 +2998,7 @@
                 </a:outerShdw>
               </a:effectLst>
             </c:spPr>
-            <c:extLst>
+            <c:extLst xmlns:c16r2="http://schemas.microsoft.com/office/drawing/2015/06/chart">
               <c:ext xmlns:c16="http://schemas.microsoft.com/office/drawing/2014/chart" uri="{C3380CC4-5D6E-409C-BE32-E72D297353CC}">
                 <c16:uniqueId val="{00000003-B83E-43E5-AA9A-FA94EF2FC2B3}"/>
               </c:ext>
@@ -3032,7 +3022,7 @@
                 </a:outerShdw>
               </a:effectLst>
             </c:spPr>
-            <c:extLst>
+            <c:extLst xmlns:c16r2="http://schemas.microsoft.com/office/drawing/2015/06/chart">
               <c:ext xmlns:c16="http://schemas.microsoft.com/office/drawing/2014/chart" uri="{C3380CC4-5D6E-409C-BE32-E72D297353CC}">
                 <c16:uniqueId val="{00000005-B83E-43E5-AA9A-FA94EF2FC2B3}"/>
               </c:ext>
@@ -3056,7 +3046,7 @@
                 </a:outerShdw>
               </a:effectLst>
             </c:spPr>
-            <c:extLst>
+            <c:extLst xmlns:c16r2="http://schemas.microsoft.com/office/drawing/2015/06/chart">
               <c:ext xmlns:c16="http://schemas.microsoft.com/office/drawing/2014/chart" uri="{C3380CC4-5D6E-409C-BE32-E72D297353CC}">
                 <c16:uniqueId val="{00000007-B83E-43E5-AA9A-FA94EF2FC2B3}"/>
               </c:ext>
@@ -3066,11 +3056,11 @@
             <c:dLbl>
               <c:idx val="0"/>
               <c:delete val="1"/>
-              <c:extLst>
-                <c:ext xmlns:c15="http://schemas.microsoft.com/office/drawing/2012/chart" uri="{CE6537A1-D6FC-4f65-9D91-7224C49458BB}"/>
+              <c:extLst xmlns:c16r2="http://schemas.microsoft.com/office/drawing/2015/06/chart">
                 <c:ext xmlns:c16="http://schemas.microsoft.com/office/drawing/2014/chart" uri="{C3380CC4-5D6E-409C-BE32-E72D297353CC}">
                   <c16:uniqueId val="{00000001-B83E-43E5-AA9A-FA94EF2FC2B3}"/>
                 </c:ext>
+                <c:ext xmlns:c15="http://schemas.microsoft.com/office/drawing/2012/chart" uri="{CE6537A1-D6FC-4f65-9D91-7224C49458BB}"/>
               </c:extLst>
             </c:dLbl>
             <c:dLbl>
@@ -3148,7 +3138,10 @@
               <c:showPercent val="0"/>
               <c:showBubbleSize val="0"/>
               <c:separator>; </c:separator>
-              <c:extLst>
+              <c:extLst xmlns:c16r2="http://schemas.microsoft.com/office/drawing/2015/06/chart">
+                <c:ext xmlns:c16="http://schemas.microsoft.com/office/drawing/2014/chart" uri="{C3380CC4-5D6E-409C-BE32-E72D297353CC}">
+                  <c16:uniqueId val="{00000003-B83E-43E5-AA9A-FA94EF2FC2B3}"/>
+                </c:ext>
                 <c:ext xmlns:c15="http://schemas.microsoft.com/office/drawing/2012/chart" uri="{CE6537A1-D6FC-4f65-9D91-7224C49458BB}">
                   <c15:spPr xmlns:c15="http://schemas.microsoft.com/office/drawing/2012/chart">
                     <a:prstGeom prst="rect">
@@ -3161,9 +3154,6 @@
                       <c:h val="0.10795376861779656"/>
                     </c:manualLayout>
                   </c15:layout>
-                </c:ext>
-                <c:ext xmlns:c16="http://schemas.microsoft.com/office/drawing/2014/chart" uri="{C3380CC4-5D6E-409C-BE32-E72D297353CC}">
-                  <c16:uniqueId val="{00000003-B83E-43E5-AA9A-FA94EF2FC2B3}"/>
                 </c:ext>
               </c:extLst>
             </c:dLbl>
@@ -3225,7 +3215,10 @@
               <c:showPercent val="0"/>
               <c:showBubbleSize val="0"/>
               <c:separator>; </c:separator>
-              <c:extLst>
+              <c:extLst xmlns:c16r2="http://schemas.microsoft.com/office/drawing/2015/06/chart">
+                <c:ext xmlns:c16="http://schemas.microsoft.com/office/drawing/2014/chart" uri="{C3380CC4-5D6E-409C-BE32-E72D297353CC}">
+                  <c16:uniqueId val="{00000005-B83E-43E5-AA9A-FA94EF2FC2B3}"/>
+                </c:ext>
                 <c:ext xmlns:c15="http://schemas.microsoft.com/office/drawing/2012/chart" uri="{CE6537A1-D6FC-4f65-9D91-7224C49458BB}">
                   <c15:spPr xmlns:c15="http://schemas.microsoft.com/office/drawing/2012/chart">
                     <a:prstGeom prst="rect">
@@ -3239,19 +3232,16 @@
                     </c:manualLayout>
                   </c15:layout>
                 </c:ext>
-                <c:ext xmlns:c16="http://schemas.microsoft.com/office/drawing/2014/chart" uri="{C3380CC4-5D6E-409C-BE32-E72D297353CC}">
-                  <c16:uniqueId val="{00000005-B83E-43E5-AA9A-FA94EF2FC2B3}"/>
-                </c:ext>
               </c:extLst>
             </c:dLbl>
             <c:dLbl>
               <c:idx val="3"/>
               <c:delete val="1"/>
-              <c:extLst>
-                <c:ext xmlns:c15="http://schemas.microsoft.com/office/drawing/2012/chart" uri="{CE6537A1-D6FC-4f65-9D91-7224C49458BB}"/>
+              <c:extLst xmlns:c16r2="http://schemas.microsoft.com/office/drawing/2015/06/chart">
                 <c:ext xmlns:c16="http://schemas.microsoft.com/office/drawing/2014/chart" uri="{C3380CC4-5D6E-409C-BE32-E72D297353CC}">
                   <c16:uniqueId val="{00000007-B83E-43E5-AA9A-FA94EF2FC2B3}"/>
                 </c:ext>
+                <c:ext xmlns:c15="http://schemas.microsoft.com/office/drawing/2012/chart" uri="{CE6537A1-D6FC-4f65-9D91-7224C49458BB}"/>
               </c:extLst>
             </c:dLbl>
             <c:spPr>
@@ -3294,7 +3284,7 @@
             <c:showBubbleSize val="0"/>
             <c:separator>; </c:separator>
             <c:showLeaderLines val="1"/>
-            <c:extLst>
+            <c:extLst xmlns:c16r2="http://schemas.microsoft.com/office/drawing/2015/06/chart">
               <c:ext xmlns:c15="http://schemas.microsoft.com/office/drawing/2012/chart" uri="{CE6537A1-D6FC-4f65-9D91-7224C49458BB}"/>
             </c:extLst>
           </c:dLbls>
@@ -3333,7 +3323,7 @@
               </c:pt>
             </c:numLit>
           </c:val>
-          <c:extLst>
+          <c:extLst xmlns:c16r2="http://schemas.microsoft.com/office/drawing/2015/06/chart">
             <c:ext xmlns:c16="http://schemas.microsoft.com/office/drawing/2014/chart" uri="{C3380CC4-5D6E-409C-BE32-E72D297353CC}">
               <c16:uniqueId val="{00000008-B83E-43E5-AA9A-FA94EF2FC2B3}"/>
             </c:ext>
@@ -3405,7 +3395,7 @@
 </file>
 
 <file path=ppt/charts/chart17.xml><?xml version="1.0" encoding="utf-8"?>
-<c:chartSpace xmlns:c="http://schemas.openxmlformats.org/drawingml/2006/chart" xmlns:a="http://schemas.openxmlformats.org/drawingml/2006/main" xmlns:r="http://schemas.openxmlformats.org/officeDocument/2006/relationships" xmlns:c16r2="http://schemas.microsoft.com/office/drawing/2015/06/chart">
+<c:chartSpace xmlns:c="http://schemas.openxmlformats.org/drawingml/2006/chart" xmlns:a="http://schemas.openxmlformats.org/drawingml/2006/main" xmlns:r="http://schemas.openxmlformats.org/officeDocument/2006/relationships">
   <c:date1904 val="0"/>
   <c:lang val="es-ES"/>
   <c:roundedCorners val="0"/>
@@ -3452,7 +3442,7 @@
                 </a:outerShdw>
               </a:effectLst>
             </c:spPr>
-            <c:extLst>
+            <c:extLst xmlns:c16r2="http://schemas.microsoft.com/office/drawing/2015/06/chart">
               <c:ext xmlns:c16="http://schemas.microsoft.com/office/drawing/2014/chart" uri="{C3380CC4-5D6E-409C-BE32-E72D297353CC}">
                 <c16:uniqueId val="{00000001-15FC-4E72-9146-EAE196FD9089}"/>
               </c:ext>
@@ -3476,7 +3466,7 @@
                 </a:outerShdw>
               </a:effectLst>
             </c:spPr>
-            <c:extLst>
+            <c:extLst xmlns:c16r2="http://schemas.microsoft.com/office/drawing/2015/06/chart">
               <c:ext xmlns:c16="http://schemas.microsoft.com/office/drawing/2014/chart" uri="{C3380CC4-5D6E-409C-BE32-E72D297353CC}">
                 <c16:uniqueId val="{00000003-15FC-4E72-9146-EAE196FD9089}"/>
               </c:ext>
@@ -3500,7 +3490,7 @@
                 </a:outerShdw>
               </a:effectLst>
             </c:spPr>
-            <c:extLst>
+            <c:extLst xmlns:c16r2="http://schemas.microsoft.com/office/drawing/2015/06/chart">
               <c:ext xmlns:c16="http://schemas.microsoft.com/office/drawing/2014/chart" uri="{C3380CC4-5D6E-409C-BE32-E72D297353CC}">
                 <c16:uniqueId val="{00000005-15FC-4E72-9146-EAE196FD9089}"/>
               </c:ext>
@@ -3524,7 +3514,7 @@
                 </a:outerShdw>
               </a:effectLst>
             </c:spPr>
-            <c:extLst>
+            <c:extLst xmlns:c16r2="http://schemas.microsoft.com/office/drawing/2015/06/chart">
               <c:ext xmlns:c16="http://schemas.microsoft.com/office/drawing/2014/chart" uri="{C3380CC4-5D6E-409C-BE32-E72D297353CC}">
                 <c16:uniqueId val="{00000007-15FC-4E72-9146-EAE196FD9089}"/>
               </c:ext>
@@ -3565,41 +3555,41 @@
               <c:showPercent val="0"/>
               <c:showBubbleSize val="0"/>
               <c:separator>; </c:separator>
-              <c:extLst>
-                <c:ext xmlns:c15="http://schemas.microsoft.com/office/drawing/2012/chart" uri="{CE6537A1-D6FC-4f65-9D91-7224C49458BB}"/>
+              <c:extLst xmlns:c16r2="http://schemas.microsoft.com/office/drawing/2015/06/chart">
                 <c:ext xmlns:c16="http://schemas.microsoft.com/office/drawing/2014/chart" uri="{C3380CC4-5D6E-409C-BE32-E72D297353CC}">
                   <c16:uniqueId val="{00000001-15FC-4E72-9146-EAE196FD9089}"/>
                 </c:ext>
+                <c:ext xmlns:c15="http://schemas.microsoft.com/office/drawing/2012/chart" uri="{CE6537A1-D6FC-4f65-9D91-7224C49458BB}"/>
               </c:extLst>
             </c:dLbl>
             <c:dLbl>
               <c:idx val="1"/>
               <c:delete val="1"/>
-              <c:extLst>
-                <c:ext xmlns:c15="http://schemas.microsoft.com/office/drawing/2012/chart" uri="{CE6537A1-D6FC-4f65-9D91-7224C49458BB}"/>
+              <c:extLst xmlns:c16r2="http://schemas.microsoft.com/office/drawing/2015/06/chart">
                 <c:ext xmlns:c16="http://schemas.microsoft.com/office/drawing/2014/chart" uri="{C3380CC4-5D6E-409C-BE32-E72D297353CC}">
                   <c16:uniqueId val="{00000003-15FC-4E72-9146-EAE196FD9089}"/>
                 </c:ext>
+                <c:ext xmlns:c15="http://schemas.microsoft.com/office/drawing/2012/chart" uri="{CE6537A1-D6FC-4f65-9D91-7224C49458BB}"/>
               </c:extLst>
             </c:dLbl>
             <c:dLbl>
               <c:idx val="2"/>
               <c:delete val="1"/>
-              <c:extLst>
-                <c:ext xmlns:c15="http://schemas.microsoft.com/office/drawing/2012/chart" uri="{CE6537A1-D6FC-4f65-9D91-7224C49458BB}"/>
+              <c:extLst xmlns:c16r2="http://schemas.microsoft.com/office/drawing/2015/06/chart">
                 <c:ext xmlns:c16="http://schemas.microsoft.com/office/drawing/2014/chart" uri="{C3380CC4-5D6E-409C-BE32-E72D297353CC}">
                   <c16:uniqueId val="{00000005-15FC-4E72-9146-EAE196FD9089}"/>
                 </c:ext>
+                <c:ext xmlns:c15="http://schemas.microsoft.com/office/drawing/2012/chart" uri="{CE6537A1-D6FC-4f65-9D91-7224C49458BB}"/>
               </c:extLst>
             </c:dLbl>
             <c:dLbl>
               <c:idx val="3"/>
               <c:delete val="1"/>
-              <c:extLst>
-                <c:ext xmlns:c15="http://schemas.microsoft.com/office/drawing/2012/chart" uri="{CE6537A1-D6FC-4f65-9D91-7224C49458BB}"/>
+              <c:extLst xmlns:c16r2="http://schemas.microsoft.com/office/drawing/2015/06/chart">
                 <c:ext xmlns:c16="http://schemas.microsoft.com/office/drawing/2014/chart" uri="{C3380CC4-5D6E-409C-BE32-E72D297353CC}">
                   <c16:uniqueId val="{00000007-15FC-4E72-9146-EAE196FD9089}"/>
                 </c:ext>
+                <c:ext xmlns:c15="http://schemas.microsoft.com/office/drawing/2012/chart" uri="{CE6537A1-D6FC-4f65-9D91-7224C49458BB}"/>
               </c:extLst>
             </c:dLbl>
             <c:spPr>
@@ -3642,7 +3632,7 @@
             <c:showBubbleSize val="0"/>
             <c:separator>; </c:separator>
             <c:showLeaderLines val="1"/>
-            <c:extLst>
+            <c:extLst xmlns:c16r2="http://schemas.microsoft.com/office/drawing/2015/06/chart">
               <c:ext xmlns:c15="http://schemas.microsoft.com/office/drawing/2012/chart" uri="{CE6537A1-D6FC-4f65-9D91-7224C49458BB}">
                 <c15:spPr xmlns:c15="http://schemas.microsoft.com/office/drawing/2012/chart">
                   <a:prstGeom prst="rect">
@@ -3687,7 +3677,7 @@
               </c:pt>
             </c:numLit>
           </c:val>
-          <c:extLst>
+          <c:extLst xmlns:c16r2="http://schemas.microsoft.com/office/drawing/2015/06/chart">
             <c:ext xmlns:c16="http://schemas.microsoft.com/office/drawing/2014/chart" uri="{C3380CC4-5D6E-409C-BE32-E72D297353CC}">
               <c16:uniqueId val="{00000008-15FC-4E72-9146-EAE196FD9089}"/>
             </c:ext>
@@ -3754,7 +3744,7 @@
 </file>
 
 <file path=ppt/charts/chart18.xml><?xml version="1.0" encoding="utf-8"?>
-<c:chartSpace xmlns:c="http://schemas.openxmlformats.org/drawingml/2006/chart" xmlns:a="http://schemas.openxmlformats.org/drawingml/2006/main" xmlns:r="http://schemas.openxmlformats.org/officeDocument/2006/relationships" xmlns:c16r2="http://schemas.microsoft.com/office/drawing/2015/06/chart">
+<c:chartSpace xmlns:c="http://schemas.openxmlformats.org/drawingml/2006/chart" xmlns:a="http://schemas.openxmlformats.org/drawingml/2006/main" xmlns:r="http://schemas.openxmlformats.org/officeDocument/2006/relationships">
   <c:date1904 val="0"/>
   <c:lang val="es-ES"/>
   <c:roundedCorners val="0"/>
@@ -3801,7 +3791,7 @@
                 </a:outerShdw>
               </a:effectLst>
             </c:spPr>
-            <c:extLst>
+            <c:extLst xmlns:c16r2="http://schemas.microsoft.com/office/drawing/2015/06/chart">
               <c:ext xmlns:c16="http://schemas.microsoft.com/office/drawing/2014/chart" uri="{C3380CC4-5D6E-409C-BE32-E72D297353CC}">
                 <c16:uniqueId val="{00000001-4464-4416-AA47-DF3744715899}"/>
               </c:ext>
@@ -3825,7 +3815,7 @@
                 </a:outerShdw>
               </a:effectLst>
             </c:spPr>
-            <c:extLst>
+            <c:extLst xmlns:c16r2="http://schemas.microsoft.com/office/drawing/2015/06/chart">
               <c:ext xmlns:c16="http://schemas.microsoft.com/office/drawing/2014/chart" uri="{C3380CC4-5D6E-409C-BE32-E72D297353CC}">
                 <c16:uniqueId val="{00000003-4464-4416-AA47-DF3744715899}"/>
               </c:ext>
@@ -3849,7 +3839,7 @@
                 </a:outerShdw>
               </a:effectLst>
             </c:spPr>
-            <c:extLst>
+            <c:extLst xmlns:c16r2="http://schemas.microsoft.com/office/drawing/2015/06/chart">
               <c:ext xmlns:c16="http://schemas.microsoft.com/office/drawing/2014/chart" uri="{C3380CC4-5D6E-409C-BE32-E72D297353CC}">
                 <c16:uniqueId val="{00000005-4464-4416-AA47-DF3744715899}"/>
               </c:ext>
@@ -3873,7 +3863,7 @@
                 </a:outerShdw>
               </a:effectLst>
             </c:spPr>
-            <c:extLst>
+            <c:extLst xmlns:c16r2="http://schemas.microsoft.com/office/drawing/2015/06/chart">
               <c:ext xmlns:c16="http://schemas.microsoft.com/office/drawing/2014/chart" uri="{C3380CC4-5D6E-409C-BE32-E72D297353CC}">
                 <c16:uniqueId val="{00000007-4464-4416-AA47-DF3744715899}"/>
               </c:ext>
@@ -3914,41 +3904,41 @@
               <c:showPercent val="0"/>
               <c:showBubbleSize val="0"/>
               <c:separator>; </c:separator>
-              <c:extLst>
-                <c:ext xmlns:c15="http://schemas.microsoft.com/office/drawing/2012/chart" uri="{CE6537A1-D6FC-4f65-9D91-7224C49458BB}"/>
+              <c:extLst xmlns:c16r2="http://schemas.microsoft.com/office/drawing/2015/06/chart">
                 <c:ext xmlns:c16="http://schemas.microsoft.com/office/drawing/2014/chart" uri="{C3380CC4-5D6E-409C-BE32-E72D297353CC}">
                   <c16:uniqueId val="{00000001-4464-4416-AA47-DF3744715899}"/>
                 </c:ext>
+                <c:ext xmlns:c15="http://schemas.microsoft.com/office/drawing/2012/chart" uri="{CE6537A1-D6FC-4f65-9D91-7224C49458BB}"/>
               </c:extLst>
             </c:dLbl>
             <c:dLbl>
               <c:idx val="1"/>
               <c:delete val="1"/>
-              <c:extLst>
-                <c:ext xmlns:c15="http://schemas.microsoft.com/office/drawing/2012/chart" uri="{CE6537A1-D6FC-4f65-9D91-7224C49458BB}"/>
+              <c:extLst xmlns:c16r2="http://schemas.microsoft.com/office/drawing/2015/06/chart">
                 <c:ext xmlns:c16="http://schemas.microsoft.com/office/drawing/2014/chart" uri="{C3380CC4-5D6E-409C-BE32-E72D297353CC}">
                   <c16:uniqueId val="{00000003-4464-4416-AA47-DF3744715899}"/>
                 </c:ext>
+                <c:ext xmlns:c15="http://schemas.microsoft.com/office/drawing/2012/chart" uri="{CE6537A1-D6FC-4f65-9D91-7224C49458BB}"/>
               </c:extLst>
             </c:dLbl>
             <c:dLbl>
               <c:idx val="2"/>
               <c:delete val="1"/>
-              <c:extLst>
-                <c:ext xmlns:c15="http://schemas.microsoft.com/office/drawing/2012/chart" uri="{CE6537A1-D6FC-4f65-9D91-7224C49458BB}"/>
+              <c:extLst xmlns:c16r2="http://schemas.microsoft.com/office/drawing/2015/06/chart">
                 <c:ext xmlns:c16="http://schemas.microsoft.com/office/drawing/2014/chart" uri="{C3380CC4-5D6E-409C-BE32-E72D297353CC}">
                   <c16:uniqueId val="{00000005-4464-4416-AA47-DF3744715899}"/>
                 </c:ext>
+                <c:ext xmlns:c15="http://schemas.microsoft.com/office/drawing/2012/chart" uri="{CE6537A1-D6FC-4f65-9D91-7224C49458BB}"/>
               </c:extLst>
             </c:dLbl>
             <c:dLbl>
               <c:idx val="3"/>
               <c:delete val="1"/>
-              <c:extLst>
-                <c:ext xmlns:c15="http://schemas.microsoft.com/office/drawing/2012/chart" uri="{CE6537A1-D6FC-4f65-9D91-7224C49458BB}"/>
+              <c:extLst xmlns:c16r2="http://schemas.microsoft.com/office/drawing/2015/06/chart">
                 <c:ext xmlns:c16="http://schemas.microsoft.com/office/drawing/2014/chart" uri="{C3380CC4-5D6E-409C-BE32-E72D297353CC}">
                   <c16:uniqueId val="{00000007-4464-4416-AA47-DF3744715899}"/>
                 </c:ext>
+                <c:ext xmlns:c15="http://schemas.microsoft.com/office/drawing/2012/chart" uri="{CE6537A1-D6FC-4f65-9D91-7224C49458BB}"/>
               </c:extLst>
             </c:dLbl>
             <c:spPr>
@@ -3991,7 +3981,7 @@
             <c:showBubbleSize val="0"/>
             <c:separator>; </c:separator>
             <c:showLeaderLines val="1"/>
-            <c:extLst>
+            <c:extLst xmlns:c16r2="http://schemas.microsoft.com/office/drawing/2015/06/chart">
               <c:ext xmlns:c15="http://schemas.microsoft.com/office/drawing/2012/chart" uri="{CE6537A1-D6FC-4f65-9D91-7224C49458BB}">
                 <c15:spPr xmlns:c15="http://schemas.microsoft.com/office/drawing/2012/chart">
                   <a:prstGeom prst="rect">
@@ -4036,7 +4026,7 @@
               </c:pt>
             </c:numLit>
           </c:val>
-          <c:extLst>
+          <c:extLst xmlns:c16r2="http://schemas.microsoft.com/office/drawing/2015/06/chart">
             <c:ext xmlns:c16="http://schemas.microsoft.com/office/drawing/2014/chart" uri="{C3380CC4-5D6E-409C-BE32-E72D297353CC}">
               <c16:uniqueId val="{00000008-4464-4416-AA47-DF3744715899}"/>
             </c:ext>
@@ -4103,7 +4093,7 @@
 </file>
 
 <file path=ppt/charts/chart19.xml><?xml version="1.0" encoding="utf-8"?>
-<c:chartSpace xmlns:c="http://schemas.openxmlformats.org/drawingml/2006/chart" xmlns:a="http://schemas.openxmlformats.org/drawingml/2006/main" xmlns:r="http://schemas.openxmlformats.org/officeDocument/2006/relationships" xmlns:c16r2="http://schemas.microsoft.com/office/drawing/2015/06/chart">
+<c:chartSpace xmlns:c="http://schemas.openxmlformats.org/drawingml/2006/chart" xmlns:a="http://schemas.openxmlformats.org/drawingml/2006/main" xmlns:r="http://schemas.openxmlformats.org/officeDocument/2006/relationships">
   <c:date1904 val="0"/>
   <c:lang val="es-ES"/>
   <c:roundedCorners val="0"/>
@@ -4145,7 +4135,7 @@
                 </a:outerShdw>
               </a:effectLst>
             </c:spPr>
-            <c:extLst>
+            <c:extLst xmlns:c16r2="http://schemas.microsoft.com/office/drawing/2015/06/chart">
               <c:ext xmlns:c16="http://schemas.microsoft.com/office/drawing/2014/chart" uri="{C3380CC4-5D6E-409C-BE32-E72D297353CC}">
                 <c16:uniqueId val="{00000001-97C4-48EB-895C-333865C14565}"/>
               </c:ext>
@@ -4169,7 +4159,7 @@
                 </a:outerShdw>
               </a:effectLst>
             </c:spPr>
-            <c:extLst>
+            <c:extLst xmlns:c16r2="http://schemas.microsoft.com/office/drawing/2015/06/chart">
               <c:ext xmlns:c16="http://schemas.microsoft.com/office/drawing/2014/chart" uri="{C3380CC4-5D6E-409C-BE32-E72D297353CC}">
                 <c16:uniqueId val="{00000003-97C4-48EB-895C-333865C14565}"/>
               </c:ext>
@@ -4193,7 +4183,7 @@
                 </a:outerShdw>
               </a:effectLst>
             </c:spPr>
-            <c:extLst>
+            <c:extLst xmlns:c16r2="http://schemas.microsoft.com/office/drawing/2015/06/chart">
               <c:ext xmlns:c16="http://schemas.microsoft.com/office/drawing/2014/chart" uri="{C3380CC4-5D6E-409C-BE32-E72D297353CC}">
                 <c16:uniqueId val="{00000005-97C4-48EB-895C-333865C14565}"/>
               </c:ext>
@@ -4217,7 +4207,7 @@
                 </a:outerShdw>
               </a:effectLst>
             </c:spPr>
-            <c:extLst>
+            <c:extLst xmlns:c16r2="http://schemas.microsoft.com/office/drawing/2015/06/chart">
               <c:ext xmlns:c16="http://schemas.microsoft.com/office/drawing/2014/chart" uri="{C3380CC4-5D6E-409C-BE32-E72D297353CC}">
                 <c16:uniqueId val="{00000007-97C4-48EB-895C-333865C14565}"/>
               </c:ext>
@@ -4254,11 +4244,11 @@
               <c:showPercent val="0"/>
               <c:showBubbleSize val="0"/>
               <c:separator>; </c:separator>
-              <c:extLst>
-                <c:ext xmlns:c15="http://schemas.microsoft.com/office/drawing/2012/chart" uri="{CE6537A1-D6FC-4f65-9D91-7224C49458BB}"/>
+              <c:extLst xmlns:c16r2="http://schemas.microsoft.com/office/drawing/2015/06/chart">
                 <c:ext xmlns:c16="http://schemas.microsoft.com/office/drawing/2014/chart" uri="{C3380CC4-5D6E-409C-BE32-E72D297353CC}">
                   <c16:uniqueId val="{00000001-97C4-48EB-895C-333865C14565}"/>
                 </c:ext>
+                <c:ext xmlns:c15="http://schemas.microsoft.com/office/drawing/2012/chart" uri="{CE6537A1-D6FC-4f65-9D91-7224C49458BB}"/>
               </c:extLst>
             </c:dLbl>
             <c:dLbl>
@@ -4286,11 +4276,11 @@
               <c:showPercent val="0"/>
               <c:showBubbleSize val="0"/>
               <c:separator>; </c:separator>
-              <c:extLst>
-                <c:ext xmlns:c15="http://schemas.microsoft.com/office/drawing/2012/chart" uri="{CE6537A1-D6FC-4f65-9D91-7224C49458BB}"/>
+              <c:extLst xmlns:c16r2="http://schemas.microsoft.com/office/drawing/2015/06/chart">
                 <c:ext xmlns:c16="http://schemas.microsoft.com/office/drawing/2014/chart" uri="{C3380CC4-5D6E-409C-BE32-E72D297353CC}">
                   <c16:uniqueId val="{00000003-97C4-48EB-895C-333865C14565}"/>
                 </c:ext>
+                <c:ext xmlns:c15="http://schemas.microsoft.com/office/drawing/2012/chart" uri="{CE6537A1-D6FC-4f65-9D91-7224C49458BB}"/>
               </c:extLst>
             </c:dLbl>
             <c:dLbl>
@@ -4329,7 +4319,10 @@
               <c:showPercent val="0"/>
               <c:showBubbleSize val="0"/>
               <c:separator>; </c:separator>
-              <c:extLst>
+              <c:extLst xmlns:c16r2="http://schemas.microsoft.com/office/drawing/2015/06/chart">
+                <c:ext xmlns:c16="http://schemas.microsoft.com/office/drawing/2014/chart" uri="{C3380CC4-5D6E-409C-BE32-E72D297353CC}">
+                  <c16:uniqueId val="{00000005-97C4-48EB-895C-333865C14565}"/>
+                </c:ext>
                 <c:ext xmlns:c15="http://schemas.microsoft.com/office/drawing/2012/chart" uri="{CE6537A1-D6FC-4f65-9D91-7224C49458BB}">
                   <c15:layout>
                     <c:manualLayout>
@@ -4338,19 +4331,16 @@
                     </c:manualLayout>
                   </c15:layout>
                 </c:ext>
-                <c:ext xmlns:c16="http://schemas.microsoft.com/office/drawing/2014/chart" uri="{C3380CC4-5D6E-409C-BE32-E72D297353CC}">
-                  <c16:uniqueId val="{00000005-97C4-48EB-895C-333865C14565}"/>
-                </c:ext>
               </c:extLst>
             </c:dLbl>
             <c:dLbl>
               <c:idx val="3"/>
               <c:delete val="1"/>
-              <c:extLst>
-                <c:ext xmlns:c15="http://schemas.microsoft.com/office/drawing/2012/chart" uri="{CE6537A1-D6FC-4f65-9D91-7224C49458BB}"/>
+              <c:extLst xmlns:c16r2="http://schemas.microsoft.com/office/drawing/2015/06/chart">
                 <c:ext xmlns:c16="http://schemas.microsoft.com/office/drawing/2014/chart" uri="{C3380CC4-5D6E-409C-BE32-E72D297353CC}">
                   <c16:uniqueId val="{00000007-97C4-48EB-895C-333865C14565}"/>
                 </c:ext>
+                <c:ext xmlns:c15="http://schemas.microsoft.com/office/drawing/2012/chart" uri="{CE6537A1-D6FC-4f65-9D91-7224C49458BB}"/>
               </c:extLst>
             </c:dLbl>
             <c:spPr>
@@ -4393,7 +4383,7 @@
             <c:showBubbleSize val="0"/>
             <c:separator>; </c:separator>
             <c:showLeaderLines val="1"/>
-            <c:extLst>
+            <c:extLst xmlns:c16r2="http://schemas.microsoft.com/office/drawing/2015/06/chart">
               <c:ext xmlns:c15="http://schemas.microsoft.com/office/drawing/2012/chart" uri="{CE6537A1-D6FC-4f65-9D91-7224C49458BB}">
                 <c15:spPr xmlns:c15="http://schemas.microsoft.com/office/drawing/2012/chart">
                   <a:prstGeom prst="rect">
@@ -4438,7 +4428,7 @@
               </c:pt>
             </c:numLit>
           </c:val>
-          <c:extLst>
+          <c:extLst xmlns:c16r2="http://schemas.microsoft.com/office/drawing/2015/06/chart">
             <c:ext xmlns:c16="http://schemas.microsoft.com/office/drawing/2014/chart" uri="{C3380CC4-5D6E-409C-BE32-E72D297353CC}">
               <c16:uniqueId val="{00000008-97C4-48EB-895C-333865C14565}"/>
             </c:ext>
@@ -4505,7 +4495,7 @@
 </file>
 
 <file path=ppt/charts/chart2.xml><?xml version="1.0" encoding="utf-8"?>
-<c:chartSpace xmlns:c="http://schemas.openxmlformats.org/drawingml/2006/chart" xmlns:a="http://schemas.openxmlformats.org/drawingml/2006/main" xmlns:r="http://schemas.openxmlformats.org/officeDocument/2006/relationships" xmlns:c16r2="http://schemas.microsoft.com/office/drawing/2015/06/chart">
+<c:chartSpace xmlns:c="http://schemas.openxmlformats.org/drawingml/2006/chart" xmlns:a="http://schemas.openxmlformats.org/drawingml/2006/main" xmlns:r="http://schemas.openxmlformats.org/officeDocument/2006/relationships">
   <c:date1904 val="0"/>
   <c:lang val="es-ES"/>
   <c:roundedCorners val="0"/>
@@ -4547,7 +4537,7 @@
                 </a:outerShdw>
               </a:effectLst>
             </c:spPr>
-            <c:extLst>
+            <c:extLst xmlns:c16r2="http://schemas.microsoft.com/office/drawing/2015/06/chart">
               <c:ext xmlns:c16="http://schemas.microsoft.com/office/drawing/2014/chart" uri="{C3380CC4-5D6E-409C-BE32-E72D297353CC}">
                 <c16:uniqueId val="{00000001-0AD5-4183-AF97-F94E2829F6C2}"/>
               </c:ext>
@@ -4571,7 +4561,7 @@
                 </a:outerShdw>
               </a:effectLst>
             </c:spPr>
-            <c:extLst>
+            <c:extLst xmlns:c16r2="http://schemas.microsoft.com/office/drawing/2015/06/chart">
               <c:ext xmlns:c16="http://schemas.microsoft.com/office/drawing/2014/chart" uri="{C3380CC4-5D6E-409C-BE32-E72D297353CC}">
                 <c16:uniqueId val="{00000003-0AD5-4183-AF97-F94E2829F6C2}"/>
               </c:ext>
@@ -4595,7 +4585,7 @@
                 </a:outerShdw>
               </a:effectLst>
             </c:spPr>
-            <c:extLst>
+            <c:extLst xmlns:c16r2="http://schemas.microsoft.com/office/drawing/2015/06/chart">
               <c:ext xmlns:c16="http://schemas.microsoft.com/office/drawing/2014/chart" uri="{C3380CC4-5D6E-409C-BE32-E72D297353CC}">
                 <c16:uniqueId val="{00000005-0AD5-4183-AF97-F94E2829F6C2}"/>
               </c:ext>
@@ -4619,7 +4609,7 @@
                 </a:outerShdw>
               </a:effectLst>
             </c:spPr>
-            <c:extLst>
+            <c:extLst xmlns:c16r2="http://schemas.microsoft.com/office/drawing/2015/06/chart">
               <c:ext xmlns:c16="http://schemas.microsoft.com/office/drawing/2014/chart" uri="{C3380CC4-5D6E-409C-BE32-E72D297353CC}">
                 <c16:uniqueId val="{00000007-0AD5-4183-AF97-F94E2829F6C2}"/>
               </c:ext>
@@ -4674,7 +4664,10 @@
               <c:showPercent val="0"/>
               <c:showBubbleSize val="0"/>
               <c:separator>; </c:separator>
-              <c:extLst>
+              <c:extLst xmlns:c16r2="http://schemas.microsoft.com/office/drawing/2015/06/chart">
+                <c:ext xmlns:c16="http://schemas.microsoft.com/office/drawing/2014/chart" uri="{C3380CC4-5D6E-409C-BE32-E72D297353CC}">
+                  <c16:uniqueId val="{00000001-0AD5-4183-AF97-F94E2829F6C2}"/>
+                </c:ext>
                 <c:ext xmlns:c15="http://schemas.microsoft.com/office/drawing/2012/chart" uri="{CE6537A1-D6FC-4f65-9D91-7224C49458BB}">
                   <c15:spPr xmlns:c15="http://schemas.microsoft.com/office/drawing/2012/chart">
                     <a:prstGeom prst="rect">
@@ -4683,29 +4676,26 @@
                   </c15:spPr>
                   <c15:layout/>
                 </c:ext>
-                <c:ext xmlns:c16="http://schemas.microsoft.com/office/drawing/2014/chart" uri="{C3380CC4-5D6E-409C-BE32-E72D297353CC}">
-                  <c16:uniqueId val="{00000001-0AD5-4183-AF97-F94E2829F6C2}"/>
-                </c:ext>
               </c:extLst>
             </c:dLbl>
             <c:dLbl>
               <c:idx val="1"/>
               <c:delete val="1"/>
-              <c:extLst>
-                <c:ext xmlns:c15="http://schemas.microsoft.com/office/drawing/2012/chart" uri="{CE6537A1-D6FC-4f65-9D91-7224C49458BB}"/>
+              <c:extLst xmlns:c16r2="http://schemas.microsoft.com/office/drawing/2015/06/chart">
                 <c:ext xmlns:c16="http://schemas.microsoft.com/office/drawing/2014/chart" uri="{C3380CC4-5D6E-409C-BE32-E72D297353CC}">
                   <c16:uniqueId val="{00000003-0AD5-4183-AF97-F94E2829F6C2}"/>
                 </c:ext>
+                <c:ext xmlns:c15="http://schemas.microsoft.com/office/drawing/2012/chart" uri="{CE6537A1-D6FC-4f65-9D91-7224C49458BB}"/>
               </c:extLst>
             </c:dLbl>
             <c:dLbl>
               <c:idx val="2"/>
               <c:delete val="1"/>
-              <c:extLst>
-                <c:ext xmlns:c15="http://schemas.microsoft.com/office/drawing/2012/chart" uri="{CE6537A1-D6FC-4f65-9D91-7224C49458BB}"/>
+              <c:extLst xmlns:c16r2="http://schemas.microsoft.com/office/drawing/2015/06/chart">
                 <c:ext xmlns:c16="http://schemas.microsoft.com/office/drawing/2014/chart" uri="{C3380CC4-5D6E-409C-BE32-E72D297353CC}">
                   <c16:uniqueId val="{00000005-0AD5-4183-AF97-F94E2829F6C2}"/>
                 </c:ext>
+                <c:ext xmlns:c15="http://schemas.microsoft.com/office/drawing/2012/chart" uri="{CE6537A1-D6FC-4f65-9D91-7224C49458BB}"/>
               </c:extLst>
             </c:dLbl>
             <c:dLbl>
@@ -4744,7 +4734,10 @@
               <c:showPercent val="0"/>
               <c:showBubbleSize val="0"/>
               <c:separator>; </c:separator>
-              <c:extLst>
+              <c:extLst xmlns:c16r2="http://schemas.microsoft.com/office/drawing/2015/06/chart">
+                <c:ext xmlns:c16="http://schemas.microsoft.com/office/drawing/2014/chart" uri="{C3380CC4-5D6E-409C-BE32-E72D297353CC}">
+                  <c16:uniqueId val="{00000007-0AD5-4183-AF97-F94E2829F6C2}"/>
+                </c:ext>
                 <c:ext xmlns:c15="http://schemas.microsoft.com/office/drawing/2012/chart" uri="{CE6537A1-D6FC-4f65-9D91-7224C49458BB}">
                   <c15:layout>
                     <c:manualLayout>
@@ -4752,9 +4745,6 @@
                       <c:h val="8.1869722390102664E-2"/>
                     </c:manualLayout>
                   </c15:layout>
-                </c:ext>
-                <c:ext xmlns:c16="http://schemas.microsoft.com/office/drawing/2014/chart" uri="{C3380CC4-5D6E-409C-BE32-E72D297353CC}">
-                  <c16:uniqueId val="{00000007-0AD5-4183-AF97-F94E2829F6C2}"/>
                 </c:ext>
               </c:extLst>
             </c:dLbl>
@@ -4798,7 +4788,7 @@
             <c:showBubbleSize val="0"/>
             <c:separator>; </c:separator>
             <c:showLeaderLines val="1"/>
-            <c:extLst>
+            <c:extLst xmlns:c16r2="http://schemas.microsoft.com/office/drawing/2015/06/chart">
               <c:ext xmlns:c15="http://schemas.microsoft.com/office/drawing/2012/chart" uri="{CE6537A1-D6FC-4f65-9D91-7224C49458BB}">
                 <c15:spPr xmlns:c15="http://schemas.microsoft.com/office/drawing/2012/chart">
                   <a:prstGeom prst="rect">
@@ -4843,7 +4833,7 @@
               </c:pt>
             </c:numLit>
           </c:val>
-          <c:extLst>
+          <c:extLst xmlns:c16r2="http://schemas.microsoft.com/office/drawing/2015/06/chart">
             <c:ext xmlns:c16="http://schemas.microsoft.com/office/drawing/2014/chart" uri="{C3380CC4-5D6E-409C-BE32-E72D297353CC}">
               <c16:uniqueId val="{00000008-0AD5-4183-AF97-F94E2829F6C2}"/>
             </c:ext>
@@ -4910,7 +4900,7 @@
 </file>
 
 <file path=ppt/charts/chart20.xml><?xml version="1.0" encoding="utf-8"?>
-<c:chartSpace xmlns:c="http://schemas.openxmlformats.org/drawingml/2006/chart" xmlns:a="http://schemas.openxmlformats.org/drawingml/2006/main" xmlns:r="http://schemas.openxmlformats.org/officeDocument/2006/relationships" xmlns:c16r2="http://schemas.microsoft.com/office/drawing/2015/06/chart">
+<c:chartSpace xmlns:c="http://schemas.openxmlformats.org/drawingml/2006/chart" xmlns:a="http://schemas.openxmlformats.org/drawingml/2006/main" xmlns:r="http://schemas.openxmlformats.org/officeDocument/2006/relationships">
   <c:date1904 val="0"/>
   <c:lang val="es-ES"/>
   <c:roundedCorners val="0"/>
@@ -4957,7 +4947,7 @@
                 </a:outerShdw>
               </a:effectLst>
             </c:spPr>
-            <c:extLst>
+            <c:extLst xmlns:c16r2="http://schemas.microsoft.com/office/drawing/2015/06/chart">
               <c:ext xmlns:c16="http://schemas.microsoft.com/office/drawing/2014/chart" uri="{C3380CC4-5D6E-409C-BE32-E72D297353CC}">
                 <c16:uniqueId val="{00000001-1E2E-4EFF-9101-C8B1B879390A}"/>
               </c:ext>
@@ -4981,7 +4971,7 @@
                 </a:outerShdw>
               </a:effectLst>
             </c:spPr>
-            <c:extLst>
+            <c:extLst xmlns:c16r2="http://schemas.microsoft.com/office/drawing/2015/06/chart">
               <c:ext xmlns:c16="http://schemas.microsoft.com/office/drawing/2014/chart" uri="{C3380CC4-5D6E-409C-BE32-E72D297353CC}">
                 <c16:uniqueId val="{00000003-1E2E-4EFF-9101-C8B1B879390A}"/>
               </c:ext>
@@ -5005,7 +4995,7 @@
                 </a:outerShdw>
               </a:effectLst>
             </c:spPr>
-            <c:extLst>
+            <c:extLst xmlns:c16r2="http://schemas.microsoft.com/office/drawing/2015/06/chart">
               <c:ext xmlns:c16="http://schemas.microsoft.com/office/drawing/2014/chart" uri="{C3380CC4-5D6E-409C-BE32-E72D297353CC}">
                 <c16:uniqueId val="{00000005-1E2E-4EFF-9101-C8B1B879390A}"/>
               </c:ext>
@@ -5029,7 +5019,7 @@
                 </a:outerShdw>
               </a:effectLst>
             </c:spPr>
-            <c:extLst>
+            <c:extLst xmlns:c16r2="http://schemas.microsoft.com/office/drawing/2015/06/chart">
               <c:ext xmlns:c16="http://schemas.microsoft.com/office/drawing/2014/chart" uri="{C3380CC4-5D6E-409C-BE32-E72D297353CC}">
                 <c16:uniqueId val="{00000007-1E2E-4EFF-9101-C8B1B879390A}"/>
               </c:ext>
@@ -5066,41 +5056,41 @@
               <c:showPercent val="0"/>
               <c:showBubbleSize val="0"/>
               <c:separator>; </c:separator>
-              <c:extLst>
-                <c:ext xmlns:c15="http://schemas.microsoft.com/office/drawing/2012/chart" uri="{CE6537A1-D6FC-4f65-9D91-7224C49458BB}"/>
+              <c:extLst xmlns:c16r2="http://schemas.microsoft.com/office/drawing/2015/06/chart">
                 <c:ext xmlns:c16="http://schemas.microsoft.com/office/drawing/2014/chart" uri="{C3380CC4-5D6E-409C-BE32-E72D297353CC}">
                   <c16:uniqueId val="{00000001-1E2E-4EFF-9101-C8B1B879390A}"/>
                 </c:ext>
+                <c:ext xmlns:c15="http://schemas.microsoft.com/office/drawing/2012/chart" uri="{CE6537A1-D6FC-4f65-9D91-7224C49458BB}"/>
               </c:extLst>
             </c:dLbl>
             <c:dLbl>
               <c:idx val="1"/>
               <c:delete val="1"/>
-              <c:extLst>
-                <c:ext xmlns:c15="http://schemas.microsoft.com/office/drawing/2012/chart" uri="{CE6537A1-D6FC-4f65-9D91-7224C49458BB}"/>
+              <c:extLst xmlns:c16r2="http://schemas.microsoft.com/office/drawing/2015/06/chart">
                 <c:ext xmlns:c16="http://schemas.microsoft.com/office/drawing/2014/chart" uri="{C3380CC4-5D6E-409C-BE32-E72D297353CC}">
                   <c16:uniqueId val="{00000003-1E2E-4EFF-9101-C8B1B879390A}"/>
                 </c:ext>
+                <c:ext xmlns:c15="http://schemas.microsoft.com/office/drawing/2012/chart" uri="{CE6537A1-D6FC-4f65-9D91-7224C49458BB}"/>
               </c:extLst>
             </c:dLbl>
             <c:dLbl>
               <c:idx val="2"/>
               <c:delete val="1"/>
-              <c:extLst>
-                <c:ext xmlns:c15="http://schemas.microsoft.com/office/drawing/2012/chart" uri="{CE6537A1-D6FC-4f65-9D91-7224C49458BB}"/>
+              <c:extLst xmlns:c16r2="http://schemas.microsoft.com/office/drawing/2015/06/chart">
                 <c:ext xmlns:c16="http://schemas.microsoft.com/office/drawing/2014/chart" uri="{C3380CC4-5D6E-409C-BE32-E72D297353CC}">
                   <c16:uniqueId val="{00000005-1E2E-4EFF-9101-C8B1B879390A}"/>
                 </c:ext>
+                <c:ext xmlns:c15="http://schemas.microsoft.com/office/drawing/2012/chart" uri="{CE6537A1-D6FC-4f65-9D91-7224C49458BB}"/>
               </c:extLst>
             </c:dLbl>
             <c:dLbl>
               <c:idx val="3"/>
               <c:delete val="1"/>
-              <c:extLst>
-                <c:ext xmlns:c15="http://schemas.microsoft.com/office/drawing/2012/chart" uri="{CE6537A1-D6FC-4f65-9D91-7224C49458BB}"/>
+              <c:extLst xmlns:c16r2="http://schemas.microsoft.com/office/drawing/2015/06/chart">
                 <c:ext xmlns:c16="http://schemas.microsoft.com/office/drawing/2014/chart" uri="{C3380CC4-5D6E-409C-BE32-E72D297353CC}">
                   <c16:uniqueId val="{00000007-1E2E-4EFF-9101-C8B1B879390A}"/>
                 </c:ext>
+                <c:ext xmlns:c15="http://schemas.microsoft.com/office/drawing/2012/chart" uri="{CE6537A1-D6FC-4f65-9D91-7224C49458BB}"/>
               </c:extLst>
             </c:dLbl>
             <c:spPr>
@@ -5143,7 +5133,7 @@
             <c:showBubbleSize val="0"/>
             <c:separator>; </c:separator>
             <c:showLeaderLines val="1"/>
-            <c:extLst>
+            <c:extLst xmlns:c16r2="http://schemas.microsoft.com/office/drawing/2015/06/chart">
               <c:ext xmlns:c15="http://schemas.microsoft.com/office/drawing/2012/chart" uri="{CE6537A1-D6FC-4f65-9D91-7224C49458BB}">
                 <c15:spPr xmlns:c15="http://schemas.microsoft.com/office/drawing/2012/chart">
                   <a:prstGeom prst="rect">
@@ -5188,7 +5178,7 @@
               </c:pt>
             </c:numLit>
           </c:val>
-          <c:extLst>
+          <c:extLst xmlns:c16r2="http://schemas.microsoft.com/office/drawing/2015/06/chart">
             <c:ext xmlns:c16="http://schemas.microsoft.com/office/drawing/2014/chart" uri="{C3380CC4-5D6E-409C-BE32-E72D297353CC}">
               <c16:uniqueId val="{00000008-1E2E-4EFF-9101-C8B1B879390A}"/>
             </c:ext>
@@ -5255,7 +5245,7 @@
 </file>
 
 <file path=ppt/charts/chart21.xml><?xml version="1.0" encoding="utf-8"?>
-<c:chartSpace xmlns:c="http://schemas.openxmlformats.org/drawingml/2006/chart" xmlns:a="http://schemas.openxmlformats.org/drawingml/2006/main" xmlns:r="http://schemas.openxmlformats.org/officeDocument/2006/relationships" xmlns:c16r2="http://schemas.microsoft.com/office/drawing/2015/06/chart">
+<c:chartSpace xmlns:c="http://schemas.openxmlformats.org/drawingml/2006/chart" xmlns:a="http://schemas.openxmlformats.org/drawingml/2006/main" xmlns:r="http://schemas.openxmlformats.org/officeDocument/2006/relationships">
   <c:date1904 val="0"/>
   <c:lang val="es-ES"/>
   <c:roundedCorners val="0"/>
@@ -5302,7 +5292,7 @@
                 </a:outerShdw>
               </a:effectLst>
             </c:spPr>
-            <c:extLst>
+            <c:extLst xmlns:c16r2="http://schemas.microsoft.com/office/drawing/2015/06/chart">
               <c:ext xmlns:c16="http://schemas.microsoft.com/office/drawing/2014/chart" uri="{C3380CC4-5D6E-409C-BE32-E72D297353CC}">
                 <c16:uniqueId val="{00000001-EC7C-456C-BC0F-8F28EC476336}"/>
               </c:ext>
@@ -5326,7 +5316,7 @@
                 </a:outerShdw>
               </a:effectLst>
             </c:spPr>
-            <c:extLst>
+            <c:extLst xmlns:c16r2="http://schemas.microsoft.com/office/drawing/2015/06/chart">
               <c:ext xmlns:c16="http://schemas.microsoft.com/office/drawing/2014/chart" uri="{C3380CC4-5D6E-409C-BE32-E72D297353CC}">
                 <c16:uniqueId val="{00000003-EC7C-456C-BC0F-8F28EC476336}"/>
               </c:ext>
@@ -5350,7 +5340,7 @@
                 </a:outerShdw>
               </a:effectLst>
             </c:spPr>
-            <c:extLst>
+            <c:extLst xmlns:c16r2="http://schemas.microsoft.com/office/drawing/2015/06/chart">
               <c:ext xmlns:c16="http://schemas.microsoft.com/office/drawing/2014/chart" uri="{C3380CC4-5D6E-409C-BE32-E72D297353CC}">
                 <c16:uniqueId val="{00000005-EC7C-456C-BC0F-8F28EC476336}"/>
               </c:ext>
@@ -5374,7 +5364,7 @@
                 </a:outerShdw>
               </a:effectLst>
             </c:spPr>
-            <c:extLst>
+            <c:extLst xmlns:c16r2="http://schemas.microsoft.com/office/drawing/2015/06/chart">
               <c:ext xmlns:c16="http://schemas.microsoft.com/office/drawing/2014/chart" uri="{C3380CC4-5D6E-409C-BE32-E72D297353CC}">
                 <c16:uniqueId val="{00000007-EC7C-456C-BC0F-8F28EC476336}"/>
               </c:ext>
@@ -5411,41 +5401,41 @@
               <c:showPercent val="0"/>
               <c:showBubbleSize val="0"/>
               <c:separator>; </c:separator>
-              <c:extLst>
-                <c:ext xmlns:c15="http://schemas.microsoft.com/office/drawing/2012/chart" uri="{CE6537A1-D6FC-4f65-9D91-7224C49458BB}"/>
+              <c:extLst xmlns:c16r2="http://schemas.microsoft.com/office/drawing/2015/06/chart">
                 <c:ext xmlns:c16="http://schemas.microsoft.com/office/drawing/2014/chart" uri="{C3380CC4-5D6E-409C-BE32-E72D297353CC}">
                   <c16:uniqueId val="{00000001-EC7C-456C-BC0F-8F28EC476336}"/>
                 </c:ext>
+                <c:ext xmlns:c15="http://schemas.microsoft.com/office/drawing/2012/chart" uri="{CE6537A1-D6FC-4f65-9D91-7224C49458BB}"/>
               </c:extLst>
             </c:dLbl>
             <c:dLbl>
               <c:idx val="1"/>
               <c:delete val="1"/>
-              <c:extLst>
-                <c:ext xmlns:c15="http://schemas.microsoft.com/office/drawing/2012/chart" uri="{CE6537A1-D6FC-4f65-9D91-7224C49458BB}"/>
+              <c:extLst xmlns:c16r2="http://schemas.microsoft.com/office/drawing/2015/06/chart">
                 <c:ext xmlns:c16="http://schemas.microsoft.com/office/drawing/2014/chart" uri="{C3380CC4-5D6E-409C-BE32-E72D297353CC}">
                   <c16:uniqueId val="{00000003-EC7C-456C-BC0F-8F28EC476336}"/>
                 </c:ext>
+                <c:ext xmlns:c15="http://schemas.microsoft.com/office/drawing/2012/chart" uri="{CE6537A1-D6FC-4f65-9D91-7224C49458BB}"/>
               </c:extLst>
             </c:dLbl>
             <c:dLbl>
               <c:idx val="2"/>
               <c:delete val="1"/>
-              <c:extLst>
-                <c:ext xmlns:c15="http://schemas.microsoft.com/office/drawing/2012/chart" uri="{CE6537A1-D6FC-4f65-9D91-7224C49458BB}"/>
+              <c:extLst xmlns:c16r2="http://schemas.microsoft.com/office/drawing/2015/06/chart">
                 <c:ext xmlns:c16="http://schemas.microsoft.com/office/drawing/2014/chart" uri="{C3380CC4-5D6E-409C-BE32-E72D297353CC}">
                   <c16:uniqueId val="{00000005-EC7C-456C-BC0F-8F28EC476336}"/>
                 </c:ext>
+                <c:ext xmlns:c15="http://schemas.microsoft.com/office/drawing/2012/chart" uri="{CE6537A1-D6FC-4f65-9D91-7224C49458BB}"/>
               </c:extLst>
             </c:dLbl>
             <c:dLbl>
               <c:idx val="3"/>
               <c:delete val="1"/>
-              <c:extLst>
-                <c:ext xmlns:c15="http://schemas.microsoft.com/office/drawing/2012/chart" uri="{CE6537A1-D6FC-4f65-9D91-7224C49458BB}"/>
+              <c:extLst xmlns:c16r2="http://schemas.microsoft.com/office/drawing/2015/06/chart">
                 <c:ext xmlns:c16="http://schemas.microsoft.com/office/drawing/2014/chart" uri="{C3380CC4-5D6E-409C-BE32-E72D297353CC}">
                   <c16:uniqueId val="{00000007-EC7C-456C-BC0F-8F28EC476336}"/>
                 </c:ext>
+                <c:ext xmlns:c15="http://schemas.microsoft.com/office/drawing/2012/chart" uri="{CE6537A1-D6FC-4f65-9D91-7224C49458BB}"/>
               </c:extLst>
             </c:dLbl>
             <c:spPr>
@@ -5488,7 +5478,7 @@
             <c:showBubbleSize val="0"/>
             <c:separator>; </c:separator>
             <c:showLeaderLines val="1"/>
-            <c:extLst>
+            <c:extLst xmlns:c16r2="http://schemas.microsoft.com/office/drawing/2015/06/chart">
               <c:ext xmlns:c15="http://schemas.microsoft.com/office/drawing/2012/chart" uri="{CE6537A1-D6FC-4f65-9D91-7224C49458BB}">
                 <c15:spPr xmlns:c15="http://schemas.microsoft.com/office/drawing/2012/chart">
                   <a:prstGeom prst="rect">
@@ -5533,7 +5523,7 @@
               </c:pt>
             </c:numLit>
           </c:val>
-          <c:extLst>
+          <c:extLst xmlns:c16r2="http://schemas.microsoft.com/office/drawing/2015/06/chart">
             <c:ext xmlns:c16="http://schemas.microsoft.com/office/drawing/2014/chart" uri="{C3380CC4-5D6E-409C-BE32-E72D297353CC}">
               <c16:uniqueId val="{00000008-EC7C-456C-BC0F-8F28EC476336}"/>
             </c:ext>
@@ -5600,7 +5590,7 @@
 </file>
 
 <file path=ppt/charts/chart22.xml><?xml version="1.0" encoding="utf-8"?>
-<c:chartSpace xmlns:c="http://schemas.openxmlformats.org/drawingml/2006/chart" xmlns:a="http://schemas.openxmlformats.org/drawingml/2006/main" xmlns:r="http://schemas.openxmlformats.org/officeDocument/2006/relationships" xmlns:c16r2="http://schemas.microsoft.com/office/drawing/2015/06/chart">
+<c:chartSpace xmlns:c="http://schemas.openxmlformats.org/drawingml/2006/chart" xmlns:a="http://schemas.openxmlformats.org/drawingml/2006/main" xmlns:r="http://schemas.openxmlformats.org/officeDocument/2006/relationships">
   <c:date1904 val="0"/>
   <c:lang val="es-ES"/>
   <c:roundedCorners val="0"/>
@@ -5652,7 +5642,7 @@
                 </a:outerShdw>
               </a:effectLst>
             </c:spPr>
-            <c:extLst>
+            <c:extLst xmlns:c16r2="http://schemas.microsoft.com/office/drawing/2015/06/chart">
               <c:ext xmlns:c16="http://schemas.microsoft.com/office/drawing/2014/chart" uri="{C3380CC4-5D6E-409C-BE32-E72D297353CC}">
                 <c16:uniqueId val="{00000001-3E63-469B-B793-70BA6015B819}"/>
               </c:ext>
@@ -5676,7 +5666,7 @@
                 </a:outerShdw>
               </a:effectLst>
             </c:spPr>
-            <c:extLst>
+            <c:extLst xmlns:c16r2="http://schemas.microsoft.com/office/drawing/2015/06/chart">
               <c:ext xmlns:c16="http://schemas.microsoft.com/office/drawing/2014/chart" uri="{C3380CC4-5D6E-409C-BE32-E72D297353CC}">
                 <c16:uniqueId val="{00000003-3E63-469B-B793-70BA6015B819}"/>
               </c:ext>
@@ -5693,7 +5683,7 @@
                 <a:noFill/>
               </a:ln>
             </c:spPr>
-            <c:extLst>
+            <c:extLst xmlns:c16r2="http://schemas.microsoft.com/office/drawing/2015/06/chart">
               <c:ext xmlns:c16="http://schemas.microsoft.com/office/drawing/2014/chart" uri="{C3380CC4-5D6E-409C-BE32-E72D297353CC}">
                 <c16:uniqueId val="{00000005-3E63-469B-B793-70BA6015B819}"/>
               </c:ext>
@@ -5717,7 +5707,7 @@
                 </a:outerShdw>
               </a:effectLst>
             </c:spPr>
-            <c:extLst>
+            <c:extLst xmlns:c16r2="http://schemas.microsoft.com/office/drawing/2015/06/chart">
               <c:ext xmlns:c16="http://schemas.microsoft.com/office/drawing/2014/chart" uri="{C3380CC4-5D6E-409C-BE32-E72D297353CC}">
                 <c16:uniqueId val="{00000007-3E63-469B-B793-70BA6015B819}"/>
               </c:ext>
@@ -5726,7 +5716,6 @@
           <c:dLbls>
             <c:dLbl>
               <c:idx val="0"/>
-              <c:layout/>
               <c:tx>
                 <c:rich>
                   <a:bodyPr wrap="square" lIns="38100" tIns="19050" rIns="38100" bIns="19050" anchor="ctr">
@@ -5757,13 +5746,11 @@
               <c:showSerName val="0"/>
               <c:showPercent val="0"/>
               <c:showBubbleSize val="0"/>
-              <c:extLst>
-                <c:ext xmlns:c15="http://schemas.microsoft.com/office/drawing/2012/chart" uri="{CE6537A1-D6FC-4f65-9D91-7224C49458BB}">
-                  <c15:layout/>
-                </c:ext>
+              <c:extLst xmlns:c16r2="http://schemas.microsoft.com/office/drawing/2015/06/chart">
                 <c:ext xmlns:c16="http://schemas.microsoft.com/office/drawing/2014/chart" uri="{C3380CC4-5D6E-409C-BE32-E72D297353CC}">
                   <c16:uniqueId val="{00000001-3E63-469B-B793-70BA6015B819}"/>
                 </c:ext>
+                <c:ext xmlns:c15="http://schemas.microsoft.com/office/drawing/2012/chart" uri="{CE6537A1-D6FC-4f65-9D91-7224C49458BB}"/>
               </c:extLst>
             </c:dLbl>
             <c:dLbl>
@@ -5793,15 +5780,9 @@
               <c:showSerName val="0"/>
               <c:showPercent val="0"/>
               <c:showBubbleSize val="0"/>
-              <c:extLst>
-                <c:ext xmlns:c16="http://schemas.microsoft.com/office/drawing/2014/chart" uri="{C3380CC4-5D6E-409C-BE32-E72D297353CC}">
-                  <c16:uniqueId val="{00000003-3E63-469B-B793-70BA6015B819}"/>
-                </c:ext>
-              </c:extLst>
             </c:dLbl>
             <c:dLbl>
               <c:idx val="3"/>
-              <c:layout/>
               <c:tx>
                 <c:rich>
                   <a:bodyPr wrap="square" lIns="38100" tIns="19050" rIns="38100" bIns="19050" anchor="ctr">
@@ -5836,19 +5817,18 @@
               <c:showSerName val="0"/>
               <c:showPercent val="0"/>
               <c:showBubbleSize val="0"/>
-              <c:extLst>
+              <c:extLst xmlns:c16r2="http://schemas.microsoft.com/office/drawing/2015/06/chart">
+                <c:ext xmlns:c16="http://schemas.microsoft.com/office/drawing/2014/chart" uri="{C3380CC4-5D6E-409C-BE32-E72D297353CC}">
+                  <c16:uniqueId val="{00000007-3E63-469B-B793-70BA6015B819}"/>
+                </c:ext>
                 <c:ext xmlns:c15="http://schemas.microsoft.com/office/drawing/2012/chart" uri="{CE6537A1-D6FC-4f65-9D91-7224C49458BB}">
                   <c15:spPr xmlns:c15="http://schemas.microsoft.com/office/drawing/2012/chart">
                     <a:prstGeom prst="rect">
                       <a:avLst/>
                     </a:prstGeom>
                   </c15:spPr>
-                  <c15:layout/>
                   <c15:dlblFieldTable/>
                   <c15:showDataLabelsRange val="0"/>
-                </c:ext>
-                <c:ext xmlns:c16="http://schemas.microsoft.com/office/drawing/2014/chart" uri="{C3380CC4-5D6E-409C-BE32-E72D297353CC}">
-                  <c16:uniqueId val="{00000007-3E63-469B-B793-70BA6015B819}"/>
                 </c:ext>
               </c:extLst>
             </c:dLbl>
@@ -5866,10 +5846,8 @@
             <c:showPercent val="0"/>
             <c:showBubbleSize val="0"/>
             <c:showLeaderLines val="1"/>
-            <c:extLst>
-              <c:ext xmlns:c15="http://schemas.microsoft.com/office/drawing/2012/chart" uri="{CE6537A1-D6FC-4f65-9D91-7224C49458BB}">
-                <c15:layout/>
-              </c:ext>
+            <c:extLst xmlns:c16r2="http://schemas.microsoft.com/office/drawing/2015/06/chart">
+              <c:ext xmlns:c15="http://schemas.microsoft.com/office/drawing/2012/chart" uri="{CE6537A1-D6FC-4f65-9D91-7224C49458BB}"/>
             </c:extLst>
           </c:dLbls>
           <c:cat>
@@ -5908,7 +5886,7 @@
               </c:pt>
             </c:numLit>
           </c:val>
-          <c:extLst>
+          <c:extLst xmlns:c16r2="http://schemas.microsoft.com/office/drawing/2015/06/chart">
             <c:ext xmlns:c16="http://schemas.microsoft.com/office/drawing/2014/chart" uri="{C3380CC4-5D6E-409C-BE32-E72D297353CC}">
               <c16:uniqueId val="{00000008-3E63-469B-B793-70BA6015B819}"/>
             </c:ext>
@@ -5975,7 +5953,7 @@
 </file>
 
 <file path=ppt/charts/chart23.xml><?xml version="1.0" encoding="utf-8"?>
-<c:chartSpace xmlns:c="http://schemas.openxmlformats.org/drawingml/2006/chart" xmlns:a="http://schemas.openxmlformats.org/drawingml/2006/main" xmlns:r="http://schemas.openxmlformats.org/officeDocument/2006/relationships" xmlns:c16r2="http://schemas.microsoft.com/office/drawing/2015/06/chart">
+<c:chartSpace xmlns:c="http://schemas.openxmlformats.org/drawingml/2006/chart" xmlns:a="http://schemas.openxmlformats.org/drawingml/2006/main" xmlns:r="http://schemas.openxmlformats.org/officeDocument/2006/relationships">
   <c:date1904 val="0"/>
   <c:lang val="es-ES"/>
   <c:roundedCorners val="0"/>
@@ -6017,7 +5995,7 @@
                 </a:outerShdw>
               </a:effectLst>
             </c:spPr>
-            <c:extLst>
+            <c:extLst xmlns:c16r2="http://schemas.microsoft.com/office/drawing/2015/06/chart">
               <c:ext xmlns:c16="http://schemas.microsoft.com/office/drawing/2014/chart" uri="{C3380CC4-5D6E-409C-BE32-E72D297353CC}">
                 <c16:uniqueId val="{00000001-FA1E-4B94-951A-978548470F50}"/>
               </c:ext>
@@ -6041,7 +6019,7 @@
                 </a:outerShdw>
               </a:effectLst>
             </c:spPr>
-            <c:extLst>
+            <c:extLst xmlns:c16r2="http://schemas.microsoft.com/office/drawing/2015/06/chart">
               <c:ext xmlns:c16="http://schemas.microsoft.com/office/drawing/2014/chart" uri="{C3380CC4-5D6E-409C-BE32-E72D297353CC}">
                 <c16:uniqueId val="{00000003-FA1E-4B94-951A-978548470F50}"/>
               </c:ext>
@@ -6065,7 +6043,7 @@
                 </a:outerShdw>
               </a:effectLst>
             </c:spPr>
-            <c:extLst>
+            <c:extLst xmlns:c16r2="http://schemas.microsoft.com/office/drawing/2015/06/chart">
               <c:ext xmlns:c16="http://schemas.microsoft.com/office/drawing/2014/chart" uri="{C3380CC4-5D6E-409C-BE32-E72D297353CC}">
                 <c16:uniqueId val="{00000005-FA1E-4B94-951A-978548470F50}"/>
               </c:ext>
@@ -6089,7 +6067,7 @@
                 </a:outerShdw>
               </a:effectLst>
             </c:spPr>
-            <c:extLst>
+            <c:extLst xmlns:c16r2="http://schemas.microsoft.com/office/drawing/2015/06/chart">
               <c:ext xmlns:c16="http://schemas.microsoft.com/office/drawing/2014/chart" uri="{C3380CC4-5D6E-409C-BE32-E72D297353CC}">
                 <c16:uniqueId val="{00000007-FA1E-4B94-951A-978548470F50}"/>
               </c:ext>
@@ -6098,7 +6076,6 @@
           <c:dLbls>
             <c:dLbl>
               <c:idx val="0"/>
-              <c:layout/>
               <c:tx>
                 <c:rich>
                   <a:bodyPr lIns="0" tIns="0" rIns="0" bIns="0"/>
@@ -6144,38 +6121,37 @@
               <c:showPercent val="0"/>
               <c:showBubbleSize val="0"/>
               <c:separator>; </c:separator>
-              <c:extLst>
+              <c:extLst xmlns:c16r2="http://schemas.microsoft.com/office/drawing/2015/06/chart">
+                <c:ext xmlns:c16="http://schemas.microsoft.com/office/drawing/2014/chart" uri="{C3380CC4-5D6E-409C-BE32-E72D297353CC}">
+                  <c16:uniqueId val="{00000001-FA1E-4B94-951A-978548470F50}"/>
+                </c:ext>
                 <c:ext xmlns:c15="http://schemas.microsoft.com/office/drawing/2012/chart" uri="{CE6537A1-D6FC-4f65-9D91-7224C49458BB}">
                   <c15:spPr xmlns:c15="http://schemas.microsoft.com/office/drawing/2012/chart">
                     <a:prstGeom prst="rect">
                       <a:avLst/>
                     </a:prstGeom>
                   </c15:spPr>
-                  <c15:layout/>
-                </c:ext>
-                <c:ext xmlns:c16="http://schemas.microsoft.com/office/drawing/2014/chart" uri="{C3380CC4-5D6E-409C-BE32-E72D297353CC}">
-                  <c16:uniqueId val="{00000001-FA1E-4B94-951A-978548470F50}"/>
                 </c:ext>
               </c:extLst>
             </c:dLbl>
             <c:dLbl>
               <c:idx val="1"/>
               <c:delete val="1"/>
-              <c:extLst>
-                <c:ext xmlns:c15="http://schemas.microsoft.com/office/drawing/2012/chart" uri="{CE6537A1-D6FC-4f65-9D91-7224C49458BB}"/>
+              <c:extLst xmlns:c16r2="http://schemas.microsoft.com/office/drawing/2015/06/chart">
                 <c:ext xmlns:c16="http://schemas.microsoft.com/office/drawing/2014/chart" uri="{C3380CC4-5D6E-409C-BE32-E72D297353CC}">
                   <c16:uniqueId val="{00000003-FA1E-4B94-951A-978548470F50}"/>
                 </c:ext>
+                <c:ext xmlns:c15="http://schemas.microsoft.com/office/drawing/2012/chart" uri="{CE6537A1-D6FC-4f65-9D91-7224C49458BB}"/>
               </c:extLst>
             </c:dLbl>
             <c:dLbl>
               <c:idx val="2"/>
               <c:delete val="1"/>
-              <c:extLst>
-                <c:ext xmlns:c15="http://schemas.microsoft.com/office/drawing/2012/chart" uri="{CE6537A1-D6FC-4f65-9D91-7224C49458BB}"/>
+              <c:extLst xmlns:c16r2="http://schemas.microsoft.com/office/drawing/2015/06/chart">
                 <c:ext xmlns:c16="http://schemas.microsoft.com/office/drawing/2014/chart" uri="{C3380CC4-5D6E-409C-BE32-E72D297353CC}">
                   <c16:uniqueId val="{00000005-FA1E-4B94-951A-978548470F50}"/>
                 </c:ext>
+                <c:ext xmlns:c15="http://schemas.microsoft.com/office/drawing/2012/chart" uri="{CE6537A1-D6FC-4f65-9D91-7224C49458BB}"/>
               </c:extLst>
             </c:dLbl>
             <c:dLbl>
@@ -6214,7 +6190,10 @@
               <c:showPercent val="0"/>
               <c:showBubbleSize val="0"/>
               <c:separator>; </c:separator>
-              <c:extLst>
+              <c:extLst xmlns:c16r2="http://schemas.microsoft.com/office/drawing/2015/06/chart">
+                <c:ext xmlns:c16="http://schemas.microsoft.com/office/drawing/2014/chart" uri="{C3380CC4-5D6E-409C-BE32-E72D297353CC}">
+                  <c16:uniqueId val="{00000007-FA1E-4B94-951A-978548470F50}"/>
+                </c:ext>
                 <c:ext xmlns:c15="http://schemas.microsoft.com/office/drawing/2012/chart" uri="{CE6537A1-D6FC-4f65-9D91-7224C49458BB}">
                   <c15:layout>
                     <c:manualLayout>
@@ -6222,9 +6201,6 @@
                       <c:h val="8.1869722390102664E-2"/>
                     </c:manualLayout>
                   </c15:layout>
-                </c:ext>
-                <c:ext xmlns:c16="http://schemas.microsoft.com/office/drawing/2014/chart" uri="{C3380CC4-5D6E-409C-BE32-E72D297353CC}">
-                  <c16:uniqueId val="{00000007-FA1E-4B94-951A-978548470F50}"/>
                 </c:ext>
               </c:extLst>
             </c:dLbl>
@@ -6268,7 +6244,7 @@
             <c:showBubbleSize val="0"/>
             <c:separator>; </c:separator>
             <c:showLeaderLines val="1"/>
-            <c:extLst>
+            <c:extLst xmlns:c16r2="http://schemas.microsoft.com/office/drawing/2015/06/chart">
               <c:ext xmlns:c15="http://schemas.microsoft.com/office/drawing/2012/chart" uri="{CE6537A1-D6FC-4f65-9D91-7224C49458BB}">
                 <c15:spPr xmlns:c15="http://schemas.microsoft.com/office/drawing/2012/chart">
                   <a:prstGeom prst="rect">
@@ -6313,7 +6289,7 @@
               </c:pt>
             </c:numLit>
           </c:val>
-          <c:extLst>
+          <c:extLst xmlns:c16r2="http://schemas.microsoft.com/office/drawing/2015/06/chart">
             <c:ext xmlns:c16="http://schemas.microsoft.com/office/drawing/2014/chart" uri="{C3380CC4-5D6E-409C-BE32-E72D297353CC}">
               <c16:uniqueId val="{00000008-FA1E-4B94-951A-978548470F50}"/>
             </c:ext>
@@ -6380,7 +6356,7 @@
 </file>
 
 <file path=ppt/charts/chart24.xml><?xml version="1.0" encoding="utf-8"?>
-<c:chartSpace xmlns:c="http://schemas.openxmlformats.org/drawingml/2006/chart" xmlns:a="http://schemas.openxmlformats.org/drawingml/2006/main" xmlns:r="http://schemas.openxmlformats.org/officeDocument/2006/relationships" xmlns:c16r2="http://schemas.microsoft.com/office/drawing/2015/06/chart">
+<c:chartSpace xmlns:c="http://schemas.openxmlformats.org/drawingml/2006/chart" xmlns:a="http://schemas.openxmlformats.org/drawingml/2006/main" xmlns:r="http://schemas.openxmlformats.org/officeDocument/2006/relationships">
   <c:date1904 val="0"/>
   <c:lang val="es-ES"/>
   <c:roundedCorners val="0"/>
@@ -6427,7 +6403,7 @@
                 </a:outerShdw>
               </a:effectLst>
             </c:spPr>
-            <c:extLst>
+            <c:extLst xmlns:c16r2="http://schemas.microsoft.com/office/drawing/2015/06/chart">
               <c:ext xmlns:c16="http://schemas.microsoft.com/office/drawing/2014/chart" uri="{C3380CC4-5D6E-409C-BE32-E72D297353CC}">
                 <c16:uniqueId val="{00000001-9FD1-4406-82D6-EDE21064B3C9}"/>
               </c:ext>
@@ -6451,7 +6427,7 @@
                 </a:outerShdw>
               </a:effectLst>
             </c:spPr>
-            <c:extLst>
+            <c:extLst xmlns:c16r2="http://schemas.microsoft.com/office/drawing/2015/06/chart">
               <c:ext xmlns:c16="http://schemas.microsoft.com/office/drawing/2014/chart" uri="{C3380CC4-5D6E-409C-BE32-E72D297353CC}">
                 <c16:uniqueId val="{00000003-9FD1-4406-82D6-EDE21064B3C9}"/>
               </c:ext>
@@ -6475,7 +6451,7 @@
                 </a:outerShdw>
               </a:effectLst>
             </c:spPr>
-            <c:extLst>
+            <c:extLst xmlns:c16r2="http://schemas.microsoft.com/office/drawing/2015/06/chart">
               <c:ext xmlns:c16="http://schemas.microsoft.com/office/drawing/2014/chart" uri="{C3380CC4-5D6E-409C-BE32-E72D297353CC}">
                 <c16:uniqueId val="{00000005-9FD1-4406-82D6-EDE21064B3C9}"/>
               </c:ext>
@@ -6499,7 +6475,7 @@
                 </a:outerShdw>
               </a:effectLst>
             </c:spPr>
-            <c:extLst>
+            <c:extLst xmlns:c16r2="http://schemas.microsoft.com/office/drawing/2015/06/chart">
               <c:ext xmlns:c16="http://schemas.microsoft.com/office/drawing/2014/chart" uri="{C3380CC4-5D6E-409C-BE32-E72D297353CC}">
                 <c16:uniqueId val="{00000007-9FD1-4406-82D6-EDE21064B3C9}"/>
               </c:ext>
@@ -6508,7 +6484,6 @@
           <c:dLbls>
             <c:dLbl>
               <c:idx val="0"/>
-              <c:layout/>
               <c:tx>
                 <c:rich>
                   <a:bodyPr/>
@@ -6528,43 +6503,41 @@
               <c:showPercent val="0"/>
               <c:showBubbleSize val="0"/>
               <c:separator>; </c:separator>
-              <c:extLst>
-                <c:ext xmlns:c15="http://schemas.microsoft.com/office/drawing/2012/chart" uri="{CE6537A1-D6FC-4f65-9D91-7224C49458BB}">
-                  <c15:layout/>
-                </c:ext>
+              <c:extLst xmlns:c16r2="http://schemas.microsoft.com/office/drawing/2015/06/chart">
                 <c:ext xmlns:c16="http://schemas.microsoft.com/office/drawing/2014/chart" uri="{C3380CC4-5D6E-409C-BE32-E72D297353CC}">
                   <c16:uniqueId val="{00000001-9FD1-4406-82D6-EDE21064B3C9}"/>
                 </c:ext>
+                <c:ext xmlns:c15="http://schemas.microsoft.com/office/drawing/2012/chart" uri="{CE6537A1-D6FC-4f65-9D91-7224C49458BB}"/>
               </c:extLst>
             </c:dLbl>
             <c:dLbl>
               <c:idx val="1"/>
               <c:delete val="1"/>
-              <c:extLst>
-                <c:ext xmlns:c15="http://schemas.microsoft.com/office/drawing/2012/chart" uri="{CE6537A1-D6FC-4f65-9D91-7224C49458BB}"/>
+              <c:extLst xmlns:c16r2="http://schemas.microsoft.com/office/drawing/2015/06/chart">
                 <c:ext xmlns:c16="http://schemas.microsoft.com/office/drawing/2014/chart" uri="{C3380CC4-5D6E-409C-BE32-E72D297353CC}">
                   <c16:uniqueId val="{00000003-9FD1-4406-82D6-EDE21064B3C9}"/>
                 </c:ext>
+                <c:ext xmlns:c15="http://schemas.microsoft.com/office/drawing/2012/chart" uri="{CE6537A1-D6FC-4f65-9D91-7224C49458BB}"/>
               </c:extLst>
             </c:dLbl>
             <c:dLbl>
               <c:idx val="2"/>
               <c:delete val="1"/>
-              <c:extLst>
-                <c:ext xmlns:c15="http://schemas.microsoft.com/office/drawing/2012/chart" uri="{CE6537A1-D6FC-4f65-9D91-7224C49458BB}"/>
+              <c:extLst xmlns:c16r2="http://schemas.microsoft.com/office/drawing/2015/06/chart">
                 <c:ext xmlns:c16="http://schemas.microsoft.com/office/drawing/2014/chart" uri="{C3380CC4-5D6E-409C-BE32-E72D297353CC}">
                   <c16:uniqueId val="{00000005-9FD1-4406-82D6-EDE21064B3C9}"/>
                 </c:ext>
+                <c:ext xmlns:c15="http://schemas.microsoft.com/office/drawing/2012/chart" uri="{CE6537A1-D6FC-4f65-9D91-7224C49458BB}"/>
               </c:extLst>
             </c:dLbl>
             <c:dLbl>
               <c:idx val="3"/>
               <c:delete val="1"/>
-              <c:extLst>
-                <c:ext xmlns:c15="http://schemas.microsoft.com/office/drawing/2012/chart" uri="{CE6537A1-D6FC-4f65-9D91-7224C49458BB}"/>
+              <c:extLst xmlns:c16r2="http://schemas.microsoft.com/office/drawing/2015/06/chart">
                 <c:ext xmlns:c16="http://schemas.microsoft.com/office/drawing/2014/chart" uri="{C3380CC4-5D6E-409C-BE32-E72D297353CC}">
                   <c16:uniqueId val="{00000007-9FD1-4406-82D6-EDE21064B3C9}"/>
                 </c:ext>
+                <c:ext xmlns:c15="http://schemas.microsoft.com/office/drawing/2012/chart" uri="{CE6537A1-D6FC-4f65-9D91-7224C49458BB}"/>
               </c:extLst>
             </c:dLbl>
             <c:spPr>
@@ -6607,7 +6580,7 @@
             <c:showBubbleSize val="0"/>
             <c:separator>; </c:separator>
             <c:showLeaderLines val="1"/>
-            <c:extLst>
+            <c:extLst xmlns:c16r2="http://schemas.microsoft.com/office/drawing/2015/06/chart">
               <c:ext xmlns:c15="http://schemas.microsoft.com/office/drawing/2012/chart" uri="{CE6537A1-D6FC-4f65-9D91-7224C49458BB}">
                 <c15:spPr xmlns:c15="http://schemas.microsoft.com/office/drawing/2012/chart">
                   <a:prstGeom prst="rect">
@@ -6652,7 +6625,7 @@
               </c:pt>
             </c:numLit>
           </c:val>
-          <c:extLst>
+          <c:extLst xmlns:c16r2="http://schemas.microsoft.com/office/drawing/2015/06/chart">
             <c:ext xmlns:c16="http://schemas.microsoft.com/office/drawing/2014/chart" uri="{C3380CC4-5D6E-409C-BE32-E72D297353CC}">
               <c16:uniqueId val="{00000008-9FD1-4406-82D6-EDE21064B3C9}"/>
             </c:ext>
@@ -6719,7 +6692,7 @@
 </file>
 
 <file path=ppt/charts/chart25.xml><?xml version="1.0" encoding="utf-8"?>
-<c:chartSpace xmlns:c="http://schemas.openxmlformats.org/drawingml/2006/chart" xmlns:a="http://schemas.openxmlformats.org/drawingml/2006/main" xmlns:r="http://schemas.openxmlformats.org/officeDocument/2006/relationships" xmlns:c16r2="http://schemas.microsoft.com/office/drawing/2015/06/chart">
+<c:chartSpace xmlns:c="http://schemas.openxmlformats.org/drawingml/2006/chart" xmlns:a="http://schemas.openxmlformats.org/drawingml/2006/main" xmlns:r="http://schemas.openxmlformats.org/officeDocument/2006/relationships">
   <c:date1904 val="0"/>
   <c:lang val="es-ES"/>
   <c:roundedCorners val="0"/>
@@ -6776,7 +6749,7 @@
                 </a:outerShdw>
               </a:effectLst>
             </c:spPr>
-            <c:extLst>
+            <c:extLst xmlns:c16r2="http://schemas.microsoft.com/office/drawing/2015/06/chart">
               <c:ext xmlns:c16="http://schemas.microsoft.com/office/drawing/2014/chart" uri="{C3380CC4-5D6E-409C-BE32-E72D297353CC}">
                 <c16:uniqueId val="{00000001-3C9C-46FC-B33A-F870896E980B}"/>
               </c:ext>
@@ -6800,7 +6773,7 @@
                 </a:outerShdw>
               </a:effectLst>
             </c:spPr>
-            <c:extLst>
+            <c:extLst xmlns:c16r2="http://schemas.microsoft.com/office/drawing/2015/06/chart">
               <c:ext xmlns:c16="http://schemas.microsoft.com/office/drawing/2014/chart" uri="{C3380CC4-5D6E-409C-BE32-E72D297353CC}">
                 <c16:uniqueId val="{00000003-3C9C-46FC-B33A-F870896E980B}"/>
               </c:ext>
@@ -6824,7 +6797,7 @@
                 </a:outerShdw>
               </a:effectLst>
             </c:spPr>
-            <c:extLst>
+            <c:extLst xmlns:c16r2="http://schemas.microsoft.com/office/drawing/2015/06/chart">
               <c:ext xmlns:c16="http://schemas.microsoft.com/office/drawing/2014/chart" uri="{C3380CC4-5D6E-409C-BE32-E72D297353CC}">
                 <c16:uniqueId val="{00000005-3C9C-46FC-B33A-F870896E980B}"/>
               </c:ext>
@@ -6848,7 +6821,7 @@
                 </a:outerShdw>
               </a:effectLst>
             </c:spPr>
-            <c:extLst>
+            <c:extLst xmlns:c16r2="http://schemas.microsoft.com/office/drawing/2015/06/chart">
               <c:ext xmlns:c16="http://schemas.microsoft.com/office/drawing/2014/chart" uri="{C3380CC4-5D6E-409C-BE32-E72D297353CC}">
                 <c16:uniqueId val="{00000007-3C9C-46FC-B33A-F870896E980B}"/>
               </c:ext>
@@ -6891,7 +6864,10 @@
               <c:showPercent val="0"/>
               <c:showBubbleSize val="0"/>
               <c:separator>; </c:separator>
-              <c:extLst>
+              <c:extLst xmlns:c16r2="http://schemas.microsoft.com/office/drawing/2015/06/chart">
+                <c:ext xmlns:c16="http://schemas.microsoft.com/office/drawing/2014/chart" uri="{C3380CC4-5D6E-409C-BE32-E72D297353CC}">
+                  <c16:uniqueId val="{00000001-3C9C-46FC-B33A-F870896E980B}"/>
+                </c:ext>
                 <c:ext xmlns:c15="http://schemas.microsoft.com/office/drawing/2012/chart" uri="{CE6537A1-D6FC-4f65-9D91-7224C49458BB}">
                   <c15:layout>
                     <c:manualLayout>
@@ -6899,9 +6875,6 @@
                       <c:h val="0.10577958806647696"/>
                     </c:manualLayout>
                   </c15:layout>
-                </c:ext>
-                <c:ext xmlns:c16="http://schemas.microsoft.com/office/drawing/2014/chart" uri="{C3380CC4-5D6E-409C-BE32-E72D297353CC}">
-                  <c16:uniqueId val="{00000001-3C9C-46FC-B33A-F870896E980B}"/>
                 </c:ext>
               </c:extLst>
             </c:dLbl>
@@ -6941,7 +6914,10 @@
               <c:showPercent val="0"/>
               <c:showBubbleSize val="0"/>
               <c:separator>; </c:separator>
-              <c:extLst>
+              <c:extLst xmlns:c16r2="http://schemas.microsoft.com/office/drawing/2015/06/chart">
+                <c:ext xmlns:c16="http://schemas.microsoft.com/office/drawing/2014/chart" uri="{C3380CC4-5D6E-409C-BE32-E72D297353CC}">
+                  <c16:uniqueId val="{00000003-3C9C-46FC-B33A-F870896E980B}"/>
+                </c:ext>
                 <c:ext xmlns:c15="http://schemas.microsoft.com/office/drawing/2012/chart" uri="{CE6537A1-D6FC-4f65-9D91-7224C49458BB}">
                   <c15:layout>
                     <c:manualLayout>
@@ -6950,24 +6926,20 @@
                     </c:manualLayout>
                   </c15:layout>
                 </c:ext>
-                <c:ext xmlns:c16="http://schemas.microsoft.com/office/drawing/2014/chart" uri="{C3380CC4-5D6E-409C-BE32-E72D297353CC}">
-                  <c16:uniqueId val="{00000003-3C9C-46FC-B33A-F870896E980B}"/>
-                </c:ext>
               </c:extLst>
             </c:dLbl>
             <c:dLbl>
               <c:idx val="2"/>
               <c:delete val="1"/>
-              <c:extLst>
-                <c:ext xmlns:c15="http://schemas.microsoft.com/office/drawing/2012/chart" uri="{CE6537A1-D6FC-4f65-9D91-7224C49458BB}"/>
+              <c:extLst xmlns:c16r2="http://schemas.microsoft.com/office/drawing/2015/06/chart">
                 <c:ext xmlns:c16="http://schemas.microsoft.com/office/drawing/2014/chart" uri="{C3380CC4-5D6E-409C-BE32-E72D297353CC}">
                   <c16:uniqueId val="{00000005-3C9C-46FC-B33A-F870896E980B}"/>
                 </c:ext>
+                <c:ext xmlns:c15="http://schemas.microsoft.com/office/drawing/2012/chart" uri="{CE6537A1-D6FC-4f65-9D91-7224C49458BB}"/>
               </c:extLst>
             </c:dLbl>
             <c:dLbl>
               <c:idx val="3"/>
-              <c:layout/>
               <c:tx>
                 <c:rich>
                   <a:bodyPr/>
@@ -6993,14 +6965,13 @@
               <c:showPercent val="0"/>
               <c:showBubbleSize val="0"/>
               <c:separator>; </c:separator>
-              <c:extLst>
+              <c:extLst xmlns:c16r2="http://schemas.microsoft.com/office/drawing/2015/06/chart">
+                <c:ext xmlns:c16="http://schemas.microsoft.com/office/drawing/2014/chart" uri="{C3380CC4-5D6E-409C-BE32-E72D297353CC}">
+                  <c16:uniqueId val="{00000007-3C9C-46FC-B33A-F870896E980B}"/>
+                </c:ext>
                 <c:ext xmlns:c15="http://schemas.microsoft.com/office/drawing/2012/chart" uri="{CE6537A1-D6FC-4f65-9D91-7224C49458BB}">
-                  <c15:layout/>
                   <c15:dlblFieldTable/>
                   <c15:showDataLabelsRange val="0"/>
-                </c:ext>
-                <c:ext xmlns:c16="http://schemas.microsoft.com/office/drawing/2014/chart" uri="{C3380CC4-5D6E-409C-BE32-E72D297353CC}">
-                  <c16:uniqueId val="{00000007-3C9C-46FC-B33A-F870896E980B}"/>
                 </c:ext>
               </c:extLst>
             </c:dLbl>
@@ -7044,7 +7015,7 @@
             <c:showBubbleSize val="0"/>
             <c:separator>; </c:separator>
             <c:showLeaderLines val="1"/>
-            <c:extLst>
+            <c:extLst xmlns:c16r2="http://schemas.microsoft.com/office/drawing/2015/06/chart">
               <c:ext xmlns:c15="http://schemas.microsoft.com/office/drawing/2012/chart" uri="{CE6537A1-D6FC-4f65-9D91-7224C49458BB}">
                 <c15:spPr xmlns:c15="http://schemas.microsoft.com/office/drawing/2012/chart">
                   <a:prstGeom prst="rect">
@@ -7089,7 +7060,7 @@
               </c:pt>
             </c:numLit>
           </c:val>
-          <c:extLst>
+          <c:extLst xmlns:c16r2="http://schemas.microsoft.com/office/drawing/2015/06/chart">
             <c:ext xmlns:c16="http://schemas.microsoft.com/office/drawing/2014/chart" uri="{C3380CC4-5D6E-409C-BE32-E72D297353CC}">
               <c16:uniqueId val="{00000008-3C9C-46FC-B33A-F870896E980B}"/>
             </c:ext>
@@ -7156,7 +7127,7 @@
 </file>
 
 <file path=ppt/charts/chart26.xml><?xml version="1.0" encoding="utf-8"?>
-<c:chartSpace xmlns:c="http://schemas.openxmlformats.org/drawingml/2006/chart" xmlns:a="http://schemas.openxmlformats.org/drawingml/2006/main" xmlns:r="http://schemas.openxmlformats.org/officeDocument/2006/relationships" xmlns:c16r2="http://schemas.microsoft.com/office/drawing/2015/06/chart">
+<c:chartSpace xmlns:c="http://schemas.openxmlformats.org/drawingml/2006/chart" xmlns:a="http://schemas.openxmlformats.org/drawingml/2006/main" xmlns:r="http://schemas.openxmlformats.org/officeDocument/2006/relationships">
   <c:date1904 val="0"/>
   <c:lang val="es-ES"/>
   <c:roundedCorners val="0"/>
@@ -7213,7 +7184,7 @@
                 </a:outerShdw>
               </a:effectLst>
             </c:spPr>
-            <c:extLst>
+            <c:extLst xmlns:c16r2="http://schemas.microsoft.com/office/drawing/2015/06/chart">
               <c:ext xmlns:c16="http://schemas.microsoft.com/office/drawing/2014/chart" uri="{C3380CC4-5D6E-409C-BE32-E72D297353CC}">
                 <c16:uniqueId val="{00000001-54D2-4EBD-A9EB-BD209B8D52BA}"/>
               </c:ext>
@@ -7237,7 +7208,7 @@
                 </a:outerShdw>
               </a:effectLst>
             </c:spPr>
-            <c:extLst>
+            <c:extLst xmlns:c16r2="http://schemas.microsoft.com/office/drawing/2015/06/chart">
               <c:ext xmlns:c16="http://schemas.microsoft.com/office/drawing/2014/chart" uri="{C3380CC4-5D6E-409C-BE32-E72D297353CC}">
                 <c16:uniqueId val="{00000003-54D2-4EBD-A9EB-BD209B8D52BA}"/>
               </c:ext>
@@ -7261,7 +7232,7 @@
                 </a:outerShdw>
               </a:effectLst>
             </c:spPr>
-            <c:extLst>
+            <c:extLst xmlns:c16r2="http://schemas.microsoft.com/office/drawing/2015/06/chart">
               <c:ext xmlns:c16="http://schemas.microsoft.com/office/drawing/2014/chart" uri="{C3380CC4-5D6E-409C-BE32-E72D297353CC}">
                 <c16:uniqueId val="{00000005-54D2-4EBD-A9EB-BD209B8D52BA}"/>
               </c:ext>
@@ -7285,7 +7256,7 @@
                 </a:outerShdw>
               </a:effectLst>
             </c:spPr>
-            <c:extLst>
+            <c:extLst xmlns:c16r2="http://schemas.microsoft.com/office/drawing/2015/06/chart">
               <c:ext xmlns:c16="http://schemas.microsoft.com/office/drawing/2014/chart" uri="{C3380CC4-5D6E-409C-BE32-E72D297353CC}">
                 <c16:uniqueId val="{00000007-54D2-4EBD-A9EB-BD209B8D52BA}"/>
               </c:ext>
@@ -7328,7 +7299,10 @@
               <c:showPercent val="0"/>
               <c:showBubbleSize val="0"/>
               <c:separator>; </c:separator>
-              <c:extLst>
+              <c:extLst xmlns:c16r2="http://schemas.microsoft.com/office/drawing/2015/06/chart">
+                <c:ext xmlns:c16="http://schemas.microsoft.com/office/drawing/2014/chart" uri="{C3380CC4-5D6E-409C-BE32-E72D297353CC}">
+                  <c16:uniqueId val="{00000001-54D2-4EBD-A9EB-BD209B8D52BA}"/>
+                </c:ext>
                 <c:ext xmlns:c15="http://schemas.microsoft.com/office/drawing/2012/chart" uri="{CE6537A1-D6FC-4f65-9D91-7224C49458BB}">
                   <c15:layout>
                     <c:manualLayout>
@@ -7337,39 +7311,36 @@
                     </c:manualLayout>
                   </c15:layout>
                 </c:ext>
-                <c:ext xmlns:c16="http://schemas.microsoft.com/office/drawing/2014/chart" uri="{C3380CC4-5D6E-409C-BE32-E72D297353CC}">
-                  <c16:uniqueId val="{00000001-54D2-4EBD-A9EB-BD209B8D52BA}"/>
-                </c:ext>
               </c:extLst>
             </c:dLbl>
             <c:dLbl>
               <c:idx val="1"/>
               <c:delete val="1"/>
-              <c:extLst>
-                <c:ext xmlns:c15="http://schemas.microsoft.com/office/drawing/2012/chart" uri="{CE6537A1-D6FC-4f65-9D91-7224C49458BB}"/>
+              <c:extLst xmlns:c16r2="http://schemas.microsoft.com/office/drawing/2015/06/chart">
                 <c:ext xmlns:c16="http://schemas.microsoft.com/office/drawing/2014/chart" uri="{C3380CC4-5D6E-409C-BE32-E72D297353CC}">
                   <c16:uniqueId val="{00000003-54D2-4EBD-A9EB-BD209B8D52BA}"/>
                 </c:ext>
+                <c:ext xmlns:c15="http://schemas.microsoft.com/office/drawing/2012/chart" uri="{CE6537A1-D6FC-4f65-9D91-7224C49458BB}"/>
               </c:extLst>
             </c:dLbl>
             <c:dLbl>
               <c:idx val="2"/>
               <c:delete val="1"/>
-              <c:extLst>
-                <c:ext xmlns:c15="http://schemas.microsoft.com/office/drawing/2012/chart" uri="{CE6537A1-D6FC-4f65-9D91-7224C49458BB}"/>
+              <c:extLst xmlns:c16r2="http://schemas.microsoft.com/office/drawing/2015/06/chart">
                 <c:ext xmlns:c16="http://schemas.microsoft.com/office/drawing/2014/chart" uri="{C3380CC4-5D6E-409C-BE32-E72D297353CC}">
                   <c16:uniqueId val="{00000005-54D2-4EBD-A9EB-BD209B8D52BA}"/>
                 </c:ext>
+                <c:ext xmlns:c15="http://schemas.microsoft.com/office/drawing/2012/chart" uri="{CE6537A1-D6FC-4f65-9D91-7224C49458BB}"/>
               </c:extLst>
             </c:dLbl>
             <c:dLbl>
               <c:idx val="3"/>
               <c:delete val="1"/>
-              <c:extLst>
-                <c:ext xmlns:c15="http://schemas.microsoft.com/office/drawing/2012/chart" uri="{CE6537A1-D6FC-4f65-9D91-7224C49458BB}"/>
+              <c:extLst xmlns:c16r2="http://schemas.microsoft.com/office/drawing/2015/06/chart">
                 <c:ext xmlns:c16="http://schemas.microsoft.com/office/drawing/2014/chart" uri="{C3380CC4-5D6E-409C-BE32-E72D297353CC}">
                   <c16:uniqueId val="{00000007-54D2-4EBD-A9EB-BD209B8D52BA}"/>
                 </c:ext>
+                <c:ext xmlns:c15="http://schemas.microsoft.com/office/drawing/2012/chart" uri="{CE6537A1-D6FC-4f65-9D91-7224C49458BB}"/>
               </c:extLst>
             </c:dLbl>
             <c:spPr>
@@ -7412,7 +7383,7 @@
             <c:showBubbleSize val="0"/>
             <c:separator>; </c:separator>
             <c:showLeaderLines val="1"/>
-            <c:extLst>
+            <c:extLst xmlns:c16r2="http://schemas.microsoft.com/office/drawing/2015/06/chart">
               <c:ext xmlns:c15="http://schemas.microsoft.com/office/drawing/2012/chart" uri="{CE6537A1-D6FC-4f65-9D91-7224C49458BB}">
                 <c15:spPr xmlns:c15="http://schemas.microsoft.com/office/drawing/2012/chart">
                   <a:prstGeom prst="rect">
@@ -7457,7 +7428,7 @@
               </c:pt>
             </c:numLit>
           </c:val>
-          <c:extLst>
+          <c:extLst xmlns:c16r2="http://schemas.microsoft.com/office/drawing/2015/06/chart">
             <c:ext xmlns:c16="http://schemas.microsoft.com/office/drawing/2014/chart" uri="{C3380CC4-5D6E-409C-BE32-E72D297353CC}">
               <c16:uniqueId val="{00000008-54D2-4EBD-A9EB-BD209B8D52BA}"/>
             </c:ext>
@@ -7524,7 +7495,7 @@
 </file>
 
 <file path=ppt/charts/chart27.xml><?xml version="1.0" encoding="utf-8"?>
-<c:chartSpace xmlns:c="http://schemas.openxmlformats.org/drawingml/2006/chart" xmlns:a="http://schemas.openxmlformats.org/drawingml/2006/main" xmlns:r="http://schemas.openxmlformats.org/officeDocument/2006/relationships" xmlns:c16r2="http://schemas.microsoft.com/office/drawing/2015/06/chart">
+<c:chartSpace xmlns:c="http://schemas.openxmlformats.org/drawingml/2006/chart" xmlns:a="http://schemas.openxmlformats.org/drawingml/2006/main" xmlns:r="http://schemas.openxmlformats.org/officeDocument/2006/relationships">
   <c:date1904 val="0"/>
   <c:lang val="es-ES"/>
   <c:roundedCorners val="0"/>
@@ -7571,7 +7542,7 @@
                 </a:outerShdw>
               </a:effectLst>
             </c:spPr>
-            <c:extLst>
+            <c:extLst xmlns:c16r2="http://schemas.microsoft.com/office/drawing/2015/06/chart">
               <c:ext xmlns:c16="http://schemas.microsoft.com/office/drawing/2014/chart" uri="{C3380CC4-5D6E-409C-BE32-E72D297353CC}">
                 <c16:uniqueId val="{00000001-D9B5-497D-8F73-82FA95393228}"/>
               </c:ext>
@@ -7595,7 +7566,7 @@
                 </a:outerShdw>
               </a:effectLst>
             </c:spPr>
-            <c:extLst>
+            <c:extLst xmlns:c16r2="http://schemas.microsoft.com/office/drawing/2015/06/chart">
               <c:ext xmlns:c16="http://schemas.microsoft.com/office/drawing/2014/chart" uri="{C3380CC4-5D6E-409C-BE32-E72D297353CC}">
                 <c16:uniqueId val="{00000003-D9B5-497D-8F73-82FA95393228}"/>
               </c:ext>
@@ -7619,7 +7590,7 @@
                 </a:outerShdw>
               </a:effectLst>
             </c:spPr>
-            <c:extLst>
+            <c:extLst xmlns:c16r2="http://schemas.microsoft.com/office/drawing/2015/06/chart">
               <c:ext xmlns:c16="http://schemas.microsoft.com/office/drawing/2014/chart" uri="{C3380CC4-5D6E-409C-BE32-E72D297353CC}">
                 <c16:uniqueId val="{00000005-D9B5-497D-8F73-82FA95393228}"/>
               </c:ext>
@@ -7643,7 +7614,7 @@
                 </a:outerShdw>
               </a:effectLst>
             </c:spPr>
-            <c:extLst>
+            <c:extLst xmlns:c16r2="http://schemas.microsoft.com/office/drawing/2015/06/chart">
               <c:ext xmlns:c16="http://schemas.microsoft.com/office/drawing/2014/chart" uri="{C3380CC4-5D6E-409C-BE32-E72D297353CC}">
                 <c16:uniqueId val="{00000007-D9B5-497D-8F73-82FA95393228}"/>
               </c:ext>
@@ -7652,7 +7623,6 @@
           <c:dLbls>
             <c:dLbl>
               <c:idx val="0"/>
-              <c:layout/>
               <c:tx>
                 <c:rich>
                   <a:bodyPr/>
@@ -7685,43 +7655,41 @@
               <c:showPercent val="0"/>
               <c:showBubbleSize val="0"/>
               <c:separator>; </c:separator>
-              <c:extLst>
-                <c:ext xmlns:c15="http://schemas.microsoft.com/office/drawing/2012/chart" uri="{CE6537A1-D6FC-4f65-9D91-7224C49458BB}">
-                  <c15:layout/>
-                </c:ext>
+              <c:extLst xmlns:c16r2="http://schemas.microsoft.com/office/drawing/2015/06/chart">
                 <c:ext xmlns:c16="http://schemas.microsoft.com/office/drawing/2014/chart" uri="{C3380CC4-5D6E-409C-BE32-E72D297353CC}">
                   <c16:uniqueId val="{00000001-D9B5-497D-8F73-82FA95393228}"/>
                 </c:ext>
+                <c:ext xmlns:c15="http://schemas.microsoft.com/office/drawing/2012/chart" uri="{CE6537A1-D6FC-4f65-9D91-7224C49458BB}"/>
               </c:extLst>
             </c:dLbl>
             <c:dLbl>
               <c:idx val="1"/>
               <c:delete val="1"/>
-              <c:extLst>
-                <c:ext xmlns:c15="http://schemas.microsoft.com/office/drawing/2012/chart" uri="{CE6537A1-D6FC-4f65-9D91-7224C49458BB}"/>
+              <c:extLst xmlns:c16r2="http://schemas.microsoft.com/office/drawing/2015/06/chart">
                 <c:ext xmlns:c16="http://schemas.microsoft.com/office/drawing/2014/chart" uri="{C3380CC4-5D6E-409C-BE32-E72D297353CC}">
                   <c16:uniqueId val="{00000003-D9B5-497D-8F73-82FA95393228}"/>
                 </c:ext>
+                <c:ext xmlns:c15="http://schemas.microsoft.com/office/drawing/2012/chart" uri="{CE6537A1-D6FC-4f65-9D91-7224C49458BB}"/>
               </c:extLst>
             </c:dLbl>
             <c:dLbl>
               <c:idx val="2"/>
               <c:delete val="1"/>
-              <c:extLst>
-                <c:ext xmlns:c15="http://schemas.microsoft.com/office/drawing/2012/chart" uri="{CE6537A1-D6FC-4f65-9D91-7224C49458BB}"/>
+              <c:extLst xmlns:c16r2="http://schemas.microsoft.com/office/drawing/2015/06/chart">
                 <c:ext xmlns:c16="http://schemas.microsoft.com/office/drawing/2014/chart" uri="{C3380CC4-5D6E-409C-BE32-E72D297353CC}">
                   <c16:uniqueId val="{00000005-D9B5-497D-8F73-82FA95393228}"/>
                 </c:ext>
+                <c:ext xmlns:c15="http://schemas.microsoft.com/office/drawing/2012/chart" uri="{CE6537A1-D6FC-4f65-9D91-7224C49458BB}"/>
               </c:extLst>
             </c:dLbl>
             <c:dLbl>
               <c:idx val="3"/>
               <c:delete val="1"/>
-              <c:extLst>
-                <c:ext xmlns:c15="http://schemas.microsoft.com/office/drawing/2012/chart" uri="{CE6537A1-D6FC-4f65-9D91-7224C49458BB}"/>
+              <c:extLst xmlns:c16r2="http://schemas.microsoft.com/office/drawing/2015/06/chart">
                 <c:ext xmlns:c16="http://schemas.microsoft.com/office/drawing/2014/chart" uri="{C3380CC4-5D6E-409C-BE32-E72D297353CC}">
                   <c16:uniqueId val="{00000007-D9B5-497D-8F73-82FA95393228}"/>
                 </c:ext>
+                <c:ext xmlns:c15="http://schemas.microsoft.com/office/drawing/2012/chart" uri="{CE6537A1-D6FC-4f65-9D91-7224C49458BB}"/>
               </c:extLst>
             </c:dLbl>
             <c:spPr>
@@ -7764,7 +7732,7 @@
             <c:showBubbleSize val="0"/>
             <c:separator>; </c:separator>
             <c:showLeaderLines val="1"/>
-            <c:extLst>
+            <c:extLst xmlns:c16r2="http://schemas.microsoft.com/office/drawing/2015/06/chart">
               <c:ext xmlns:c15="http://schemas.microsoft.com/office/drawing/2012/chart" uri="{CE6537A1-D6FC-4f65-9D91-7224C49458BB}">
                 <c15:spPr xmlns:c15="http://schemas.microsoft.com/office/drawing/2012/chart">
                   <a:prstGeom prst="rect">
@@ -7809,7 +7777,7 @@
               </c:pt>
             </c:numLit>
           </c:val>
-          <c:extLst>
+          <c:extLst xmlns:c16r2="http://schemas.microsoft.com/office/drawing/2015/06/chart">
             <c:ext xmlns:c16="http://schemas.microsoft.com/office/drawing/2014/chart" uri="{C3380CC4-5D6E-409C-BE32-E72D297353CC}">
               <c16:uniqueId val="{00000008-D9B5-497D-8F73-82FA95393228}"/>
             </c:ext>
@@ -7876,7 +7844,7 @@
 </file>
 
 <file path=ppt/charts/chart28.xml><?xml version="1.0" encoding="utf-8"?>
-<c:chartSpace xmlns:c="http://schemas.openxmlformats.org/drawingml/2006/chart" xmlns:a="http://schemas.openxmlformats.org/drawingml/2006/main" xmlns:r="http://schemas.openxmlformats.org/officeDocument/2006/relationships" xmlns:c16r2="http://schemas.microsoft.com/office/drawing/2015/06/chart">
+<c:chartSpace xmlns:c="http://schemas.openxmlformats.org/drawingml/2006/chart" xmlns:a="http://schemas.openxmlformats.org/drawingml/2006/main" xmlns:r="http://schemas.openxmlformats.org/officeDocument/2006/relationships">
   <c:date1904 val="0"/>
   <c:lang val="es-ES"/>
   <c:roundedCorners val="0"/>
@@ -7923,7 +7891,7 @@
                 </a:outerShdw>
               </a:effectLst>
             </c:spPr>
-            <c:extLst>
+            <c:extLst xmlns:c16r2="http://schemas.microsoft.com/office/drawing/2015/06/chart">
               <c:ext xmlns:c16="http://schemas.microsoft.com/office/drawing/2014/chart" uri="{C3380CC4-5D6E-409C-BE32-E72D297353CC}">
                 <c16:uniqueId val="{00000001-2648-48C7-899A-011ACE38AB28}"/>
               </c:ext>
@@ -7947,7 +7915,7 @@
                 </a:outerShdw>
               </a:effectLst>
             </c:spPr>
-            <c:extLst>
+            <c:extLst xmlns:c16r2="http://schemas.microsoft.com/office/drawing/2015/06/chart">
               <c:ext xmlns:c16="http://schemas.microsoft.com/office/drawing/2014/chart" uri="{C3380CC4-5D6E-409C-BE32-E72D297353CC}">
                 <c16:uniqueId val="{00000003-2648-48C7-899A-011ACE38AB28}"/>
               </c:ext>
@@ -7971,7 +7939,7 @@
                 </a:outerShdw>
               </a:effectLst>
             </c:spPr>
-            <c:extLst>
+            <c:extLst xmlns:c16r2="http://schemas.microsoft.com/office/drawing/2015/06/chart">
               <c:ext xmlns:c16="http://schemas.microsoft.com/office/drawing/2014/chart" uri="{C3380CC4-5D6E-409C-BE32-E72D297353CC}">
                 <c16:uniqueId val="{00000005-2648-48C7-899A-011ACE38AB28}"/>
               </c:ext>
@@ -7995,7 +7963,7 @@
                 </a:outerShdw>
               </a:effectLst>
             </c:spPr>
-            <c:extLst>
+            <c:extLst xmlns:c16r2="http://schemas.microsoft.com/office/drawing/2015/06/chart">
               <c:ext xmlns:c16="http://schemas.microsoft.com/office/drawing/2014/chart" uri="{C3380CC4-5D6E-409C-BE32-E72D297353CC}">
                 <c16:uniqueId val="{00000007-2648-48C7-899A-011ACE38AB28}"/>
               </c:ext>
@@ -8004,7 +7972,6 @@
           <c:dLbls>
             <c:dLbl>
               <c:idx val="0"/>
-              <c:layout/>
               <c:tx>
                 <c:rich>
                   <a:bodyPr/>
@@ -8037,43 +8004,41 @@
               <c:showPercent val="0"/>
               <c:showBubbleSize val="0"/>
               <c:separator>; </c:separator>
-              <c:extLst>
-                <c:ext xmlns:c15="http://schemas.microsoft.com/office/drawing/2012/chart" uri="{CE6537A1-D6FC-4f65-9D91-7224C49458BB}">
-                  <c15:layout/>
-                </c:ext>
+              <c:extLst xmlns:c16r2="http://schemas.microsoft.com/office/drawing/2015/06/chart">
                 <c:ext xmlns:c16="http://schemas.microsoft.com/office/drawing/2014/chart" uri="{C3380CC4-5D6E-409C-BE32-E72D297353CC}">
                   <c16:uniqueId val="{00000001-2648-48C7-899A-011ACE38AB28}"/>
                 </c:ext>
+                <c:ext xmlns:c15="http://schemas.microsoft.com/office/drawing/2012/chart" uri="{CE6537A1-D6FC-4f65-9D91-7224C49458BB}"/>
               </c:extLst>
             </c:dLbl>
             <c:dLbl>
               <c:idx val="1"/>
               <c:delete val="1"/>
-              <c:extLst>
-                <c:ext xmlns:c15="http://schemas.microsoft.com/office/drawing/2012/chart" uri="{CE6537A1-D6FC-4f65-9D91-7224C49458BB}"/>
+              <c:extLst xmlns:c16r2="http://schemas.microsoft.com/office/drawing/2015/06/chart">
                 <c:ext xmlns:c16="http://schemas.microsoft.com/office/drawing/2014/chart" uri="{C3380CC4-5D6E-409C-BE32-E72D297353CC}">
                   <c16:uniqueId val="{00000003-2648-48C7-899A-011ACE38AB28}"/>
                 </c:ext>
+                <c:ext xmlns:c15="http://schemas.microsoft.com/office/drawing/2012/chart" uri="{CE6537A1-D6FC-4f65-9D91-7224C49458BB}"/>
               </c:extLst>
             </c:dLbl>
             <c:dLbl>
               <c:idx val="2"/>
               <c:delete val="1"/>
-              <c:extLst>
-                <c:ext xmlns:c15="http://schemas.microsoft.com/office/drawing/2012/chart" uri="{CE6537A1-D6FC-4f65-9D91-7224C49458BB}"/>
+              <c:extLst xmlns:c16r2="http://schemas.microsoft.com/office/drawing/2015/06/chart">
                 <c:ext xmlns:c16="http://schemas.microsoft.com/office/drawing/2014/chart" uri="{C3380CC4-5D6E-409C-BE32-E72D297353CC}">
                   <c16:uniqueId val="{00000005-2648-48C7-899A-011ACE38AB28}"/>
                 </c:ext>
+                <c:ext xmlns:c15="http://schemas.microsoft.com/office/drawing/2012/chart" uri="{CE6537A1-D6FC-4f65-9D91-7224C49458BB}"/>
               </c:extLst>
             </c:dLbl>
             <c:dLbl>
               <c:idx val="3"/>
               <c:delete val="1"/>
-              <c:extLst>
-                <c:ext xmlns:c15="http://schemas.microsoft.com/office/drawing/2012/chart" uri="{CE6537A1-D6FC-4f65-9D91-7224C49458BB}"/>
+              <c:extLst xmlns:c16r2="http://schemas.microsoft.com/office/drawing/2015/06/chart">
                 <c:ext xmlns:c16="http://schemas.microsoft.com/office/drawing/2014/chart" uri="{C3380CC4-5D6E-409C-BE32-E72D297353CC}">
                   <c16:uniqueId val="{00000007-2648-48C7-899A-011ACE38AB28}"/>
                 </c:ext>
+                <c:ext xmlns:c15="http://schemas.microsoft.com/office/drawing/2012/chart" uri="{CE6537A1-D6FC-4f65-9D91-7224C49458BB}"/>
               </c:extLst>
             </c:dLbl>
             <c:spPr>
@@ -8116,7 +8081,7 @@
             <c:showBubbleSize val="0"/>
             <c:separator>; </c:separator>
             <c:showLeaderLines val="1"/>
-            <c:extLst>
+            <c:extLst xmlns:c16r2="http://schemas.microsoft.com/office/drawing/2015/06/chart">
               <c:ext xmlns:c15="http://schemas.microsoft.com/office/drawing/2012/chart" uri="{CE6537A1-D6FC-4f65-9D91-7224C49458BB}">
                 <c15:spPr xmlns:c15="http://schemas.microsoft.com/office/drawing/2012/chart">
                   <a:prstGeom prst="rect">
@@ -8161,7 +8126,7 @@
               </c:pt>
             </c:numLit>
           </c:val>
-          <c:extLst>
+          <c:extLst xmlns:c16r2="http://schemas.microsoft.com/office/drawing/2015/06/chart">
             <c:ext xmlns:c16="http://schemas.microsoft.com/office/drawing/2014/chart" uri="{C3380CC4-5D6E-409C-BE32-E72D297353CC}">
               <c16:uniqueId val="{00000008-2648-48C7-899A-011ACE38AB28}"/>
             </c:ext>
@@ -8228,7 +8193,7 @@
 </file>
 
 <file path=ppt/charts/chart29.xml><?xml version="1.0" encoding="utf-8"?>
-<c:chartSpace xmlns:c="http://schemas.openxmlformats.org/drawingml/2006/chart" xmlns:a="http://schemas.openxmlformats.org/drawingml/2006/main" xmlns:r="http://schemas.openxmlformats.org/officeDocument/2006/relationships" xmlns:c16r2="http://schemas.microsoft.com/office/drawing/2015/06/chart">
+<c:chartSpace xmlns:c="http://schemas.openxmlformats.org/drawingml/2006/chart" xmlns:a="http://schemas.openxmlformats.org/drawingml/2006/main" xmlns:r="http://schemas.openxmlformats.org/officeDocument/2006/relationships">
   <c:date1904 val="0"/>
   <c:lang val="es-ES"/>
   <c:roundedCorners val="0"/>
@@ -8270,7 +8235,7 @@
                 </a:outerShdw>
               </a:effectLst>
             </c:spPr>
-            <c:extLst>
+            <c:extLst xmlns:c16r2="http://schemas.microsoft.com/office/drawing/2015/06/chart">
               <c:ext xmlns:c16="http://schemas.microsoft.com/office/drawing/2014/chart" uri="{C3380CC4-5D6E-409C-BE32-E72D297353CC}">
                 <c16:uniqueId val="{00000001-5BF5-4C0B-8879-DB607F347F24}"/>
               </c:ext>
@@ -8294,7 +8259,7 @@
                 </a:outerShdw>
               </a:effectLst>
             </c:spPr>
-            <c:extLst>
+            <c:extLst xmlns:c16r2="http://schemas.microsoft.com/office/drawing/2015/06/chart">
               <c:ext xmlns:c16="http://schemas.microsoft.com/office/drawing/2014/chart" uri="{C3380CC4-5D6E-409C-BE32-E72D297353CC}">
                 <c16:uniqueId val="{00000003-5BF5-4C0B-8879-DB607F347F24}"/>
               </c:ext>
@@ -8318,7 +8283,7 @@
                 </a:outerShdw>
               </a:effectLst>
             </c:spPr>
-            <c:extLst>
+            <c:extLst xmlns:c16r2="http://schemas.microsoft.com/office/drawing/2015/06/chart">
               <c:ext xmlns:c16="http://schemas.microsoft.com/office/drawing/2014/chart" uri="{C3380CC4-5D6E-409C-BE32-E72D297353CC}">
                 <c16:uniqueId val="{00000005-5BF5-4C0B-8879-DB607F347F24}"/>
               </c:ext>
@@ -8342,7 +8307,7 @@
                 </a:outerShdw>
               </a:effectLst>
             </c:spPr>
-            <c:extLst>
+            <c:extLst xmlns:c16r2="http://schemas.microsoft.com/office/drawing/2015/06/chart">
               <c:ext xmlns:c16="http://schemas.microsoft.com/office/drawing/2014/chart" uri="{C3380CC4-5D6E-409C-BE32-E72D297353CC}">
                 <c16:uniqueId val="{00000007-5BF5-4C0B-8879-DB607F347F24}"/>
               </c:ext>
@@ -8351,7 +8316,6 @@
           <c:dLbls>
             <c:dLbl>
               <c:idx val="0"/>
-              <c:layout/>
               <c:tx>
                 <c:rich>
                   <a:bodyPr/>
@@ -8380,18 +8344,15 @@
               <c:showPercent val="0"/>
               <c:showBubbleSize val="0"/>
               <c:separator>; </c:separator>
-              <c:extLst>
-                <c:ext xmlns:c15="http://schemas.microsoft.com/office/drawing/2012/chart" uri="{CE6537A1-D6FC-4f65-9D91-7224C49458BB}">
-                  <c15:layout/>
-                </c:ext>
+              <c:extLst xmlns:c16r2="http://schemas.microsoft.com/office/drawing/2015/06/chart">
                 <c:ext xmlns:c16="http://schemas.microsoft.com/office/drawing/2014/chart" uri="{C3380CC4-5D6E-409C-BE32-E72D297353CC}">
                   <c16:uniqueId val="{00000001-5BF5-4C0B-8879-DB607F347F24}"/>
                 </c:ext>
+                <c:ext xmlns:c15="http://schemas.microsoft.com/office/drawing/2012/chart" uri="{CE6537A1-D6FC-4f65-9D91-7224C49458BB}"/>
               </c:extLst>
             </c:dLbl>
             <c:dLbl>
               <c:idx val="1"/>
-              <c:layout/>
               <c:tx>
                 <c:rich>
                   <a:bodyPr/>
@@ -8415,13 +8376,11 @@
               <c:showPercent val="0"/>
               <c:showBubbleSize val="0"/>
               <c:separator>; </c:separator>
-              <c:extLst>
-                <c:ext xmlns:c15="http://schemas.microsoft.com/office/drawing/2012/chart" uri="{CE6537A1-D6FC-4f65-9D91-7224C49458BB}">
-                  <c15:layout/>
-                </c:ext>
+              <c:extLst xmlns:c16r2="http://schemas.microsoft.com/office/drawing/2015/06/chart">
                 <c:ext xmlns:c16="http://schemas.microsoft.com/office/drawing/2014/chart" uri="{C3380CC4-5D6E-409C-BE32-E72D297353CC}">
                   <c16:uniqueId val="{00000003-5BF5-4C0B-8879-DB607F347F24}"/>
                 </c:ext>
+                <c:ext xmlns:c15="http://schemas.microsoft.com/office/drawing/2012/chart" uri="{CE6537A1-D6FC-4f65-9D91-7224C49458BB}"/>
               </c:extLst>
             </c:dLbl>
             <c:dLbl>
@@ -8460,7 +8419,10 @@
               <c:showPercent val="0"/>
               <c:showBubbleSize val="0"/>
               <c:separator>; </c:separator>
-              <c:extLst>
+              <c:extLst xmlns:c16r2="http://schemas.microsoft.com/office/drawing/2015/06/chart">
+                <c:ext xmlns:c16="http://schemas.microsoft.com/office/drawing/2014/chart" uri="{C3380CC4-5D6E-409C-BE32-E72D297353CC}">
+                  <c16:uniqueId val="{00000005-5BF5-4C0B-8879-DB607F347F24}"/>
+                </c:ext>
                 <c:ext xmlns:c15="http://schemas.microsoft.com/office/drawing/2012/chart" uri="{CE6537A1-D6FC-4f65-9D91-7224C49458BB}">
                   <c15:layout>
                     <c:manualLayout>
@@ -8469,19 +8431,16 @@
                     </c:manualLayout>
                   </c15:layout>
                 </c:ext>
-                <c:ext xmlns:c16="http://schemas.microsoft.com/office/drawing/2014/chart" uri="{C3380CC4-5D6E-409C-BE32-E72D297353CC}">
-                  <c16:uniqueId val="{00000005-5BF5-4C0B-8879-DB607F347F24}"/>
-                </c:ext>
               </c:extLst>
             </c:dLbl>
             <c:dLbl>
               <c:idx val="3"/>
               <c:delete val="1"/>
-              <c:extLst>
-                <c:ext xmlns:c15="http://schemas.microsoft.com/office/drawing/2012/chart" uri="{CE6537A1-D6FC-4f65-9D91-7224C49458BB}"/>
+              <c:extLst xmlns:c16r2="http://schemas.microsoft.com/office/drawing/2015/06/chart">
                 <c:ext xmlns:c16="http://schemas.microsoft.com/office/drawing/2014/chart" uri="{C3380CC4-5D6E-409C-BE32-E72D297353CC}">
                   <c16:uniqueId val="{00000007-5BF5-4C0B-8879-DB607F347F24}"/>
                 </c:ext>
+                <c:ext xmlns:c15="http://schemas.microsoft.com/office/drawing/2012/chart" uri="{CE6537A1-D6FC-4f65-9D91-7224C49458BB}"/>
               </c:extLst>
             </c:dLbl>
             <c:spPr>
@@ -8524,7 +8483,7 @@
             <c:showBubbleSize val="0"/>
             <c:separator>; </c:separator>
             <c:showLeaderLines val="1"/>
-            <c:extLst>
+            <c:extLst xmlns:c16r2="http://schemas.microsoft.com/office/drawing/2015/06/chart">
               <c:ext xmlns:c15="http://schemas.microsoft.com/office/drawing/2012/chart" uri="{CE6537A1-D6FC-4f65-9D91-7224C49458BB}">
                 <c15:spPr xmlns:c15="http://schemas.microsoft.com/office/drawing/2012/chart">
                   <a:prstGeom prst="rect">
@@ -8569,7 +8528,7 @@
               </c:pt>
             </c:numLit>
           </c:val>
-          <c:extLst>
+          <c:extLst xmlns:c16r2="http://schemas.microsoft.com/office/drawing/2015/06/chart">
             <c:ext xmlns:c16="http://schemas.microsoft.com/office/drawing/2014/chart" uri="{C3380CC4-5D6E-409C-BE32-E72D297353CC}">
               <c16:uniqueId val="{00000008-5BF5-4C0B-8879-DB607F347F24}"/>
             </c:ext>
@@ -8636,7 +8595,7 @@
 </file>
 
 <file path=ppt/charts/chart3.xml><?xml version="1.0" encoding="utf-8"?>
-<c:chartSpace xmlns:c="http://schemas.openxmlformats.org/drawingml/2006/chart" xmlns:a="http://schemas.openxmlformats.org/drawingml/2006/main" xmlns:r="http://schemas.openxmlformats.org/officeDocument/2006/relationships" xmlns:c16r2="http://schemas.microsoft.com/office/drawing/2015/06/chart">
+<c:chartSpace xmlns:c="http://schemas.openxmlformats.org/drawingml/2006/chart" xmlns:a="http://schemas.openxmlformats.org/drawingml/2006/main" xmlns:r="http://schemas.openxmlformats.org/officeDocument/2006/relationships">
   <c:date1904 val="0"/>
   <c:lang val="es-ES"/>
   <c:roundedCorners val="0"/>
@@ -8683,7 +8642,7 @@
                 </a:outerShdw>
               </a:effectLst>
             </c:spPr>
-            <c:extLst>
+            <c:extLst xmlns:c16r2="http://schemas.microsoft.com/office/drawing/2015/06/chart">
               <c:ext xmlns:c16="http://schemas.microsoft.com/office/drawing/2014/chart" uri="{C3380CC4-5D6E-409C-BE32-E72D297353CC}">
                 <c16:uniqueId val="{00000001-B0D1-4B09-8B3F-C5A406D47264}"/>
               </c:ext>
@@ -8707,7 +8666,7 @@
                 </a:outerShdw>
               </a:effectLst>
             </c:spPr>
-            <c:extLst>
+            <c:extLst xmlns:c16r2="http://schemas.microsoft.com/office/drawing/2015/06/chart">
               <c:ext xmlns:c16="http://schemas.microsoft.com/office/drawing/2014/chart" uri="{C3380CC4-5D6E-409C-BE32-E72D297353CC}">
                 <c16:uniqueId val="{00000003-B0D1-4B09-8B3F-C5A406D47264}"/>
               </c:ext>
@@ -8731,7 +8690,7 @@
                 </a:outerShdw>
               </a:effectLst>
             </c:spPr>
-            <c:extLst>
+            <c:extLst xmlns:c16r2="http://schemas.microsoft.com/office/drawing/2015/06/chart">
               <c:ext xmlns:c16="http://schemas.microsoft.com/office/drawing/2014/chart" uri="{C3380CC4-5D6E-409C-BE32-E72D297353CC}">
                 <c16:uniqueId val="{00000005-B0D1-4B09-8B3F-C5A406D47264}"/>
               </c:ext>
@@ -8755,7 +8714,7 @@
                 </a:outerShdw>
               </a:effectLst>
             </c:spPr>
-            <c:extLst>
+            <c:extLst xmlns:c16r2="http://schemas.microsoft.com/office/drawing/2015/06/chart">
               <c:ext xmlns:c16="http://schemas.microsoft.com/office/drawing/2014/chart" uri="{C3380CC4-5D6E-409C-BE32-E72D297353CC}">
                 <c16:uniqueId val="{00000007-B0D1-4B09-8B3F-C5A406D47264}"/>
               </c:ext>
@@ -8784,43 +8743,43 @@
               <c:showPercent val="0"/>
               <c:showBubbleSize val="0"/>
               <c:separator>; </c:separator>
-              <c:extLst>
+              <c:extLst xmlns:c16r2="http://schemas.microsoft.com/office/drawing/2015/06/chart">
+                <c:ext xmlns:c16="http://schemas.microsoft.com/office/drawing/2014/chart" uri="{C3380CC4-5D6E-409C-BE32-E72D297353CC}">
+                  <c16:uniqueId val="{00000001-B0D1-4B09-8B3F-C5A406D47264}"/>
+                </c:ext>
                 <c:ext xmlns:c15="http://schemas.microsoft.com/office/drawing/2012/chart" uri="{CE6537A1-D6FC-4f65-9D91-7224C49458BB}">
                   <c15:layout/>
-                </c:ext>
-                <c:ext xmlns:c16="http://schemas.microsoft.com/office/drawing/2014/chart" uri="{C3380CC4-5D6E-409C-BE32-E72D297353CC}">
-                  <c16:uniqueId val="{00000001-B0D1-4B09-8B3F-C5A406D47264}"/>
                 </c:ext>
               </c:extLst>
             </c:dLbl>
             <c:dLbl>
               <c:idx val="1"/>
               <c:delete val="1"/>
-              <c:extLst>
-                <c:ext xmlns:c15="http://schemas.microsoft.com/office/drawing/2012/chart" uri="{CE6537A1-D6FC-4f65-9D91-7224C49458BB}"/>
+              <c:extLst xmlns:c16r2="http://schemas.microsoft.com/office/drawing/2015/06/chart">
                 <c:ext xmlns:c16="http://schemas.microsoft.com/office/drawing/2014/chart" uri="{C3380CC4-5D6E-409C-BE32-E72D297353CC}">
                   <c16:uniqueId val="{00000003-B0D1-4B09-8B3F-C5A406D47264}"/>
                 </c:ext>
+                <c:ext xmlns:c15="http://schemas.microsoft.com/office/drawing/2012/chart" uri="{CE6537A1-D6FC-4f65-9D91-7224C49458BB}"/>
               </c:extLst>
             </c:dLbl>
             <c:dLbl>
               <c:idx val="2"/>
               <c:delete val="1"/>
-              <c:extLst>
-                <c:ext xmlns:c15="http://schemas.microsoft.com/office/drawing/2012/chart" uri="{CE6537A1-D6FC-4f65-9D91-7224C49458BB}"/>
+              <c:extLst xmlns:c16r2="http://schemas.microsoft.com/office/drawing/2015/06/chart">
                 <c:ext xmlns:c16="http://schemas.microsoft.com/office/drawing/2014/chart" uri="{C3380CC4-5D6E-409C-BE32-E72D297353CC}">
                   <c16:uniqueId val="{00000005-B0D1-4B09-8B3F-C5A406D47264}"/>
                 </c:ext>
+                <c:ext xmlns:c15="http://schemas.microsoft.com/office/drawing/2012/chart" uri="{CE6537A1-D6FC-4f65-9D91-7224C49458BB}"/>
               </c:extLst>
             </c:dLbl>
             <c:dLbl>
               <c:idx val="3"/>
               <c:delete val="1"/>
-              <c:extLst>
-                <c:ext xmlns:c15="http://schemas.microsoft.com/office/drawing/2012/chart" uri="{CE6537A1-D6FC-4f65-9D91-7224C49458BB}"/>
+              <c:extLst xmlns:c16r2="http://schemas.microsoft.com/office/drawing/2015/06/chart">
                 <c:ext xmlns:c16="http://schemas.microsoft.com/office/drawing/2014/chart" uri="{C3380CC4-5D6E-409C-BE32-E72D297353CC}">
                   <c16:uniqueId val="{00000007-B0D1-4B09-8B3F-C5A406D47264}"/>
                 </c:ext>
+                <c:ext xmlns:c15="http://schemas.microsoft.com/office/drawing/2012/chart" uri="{CE6537A1-D6FC-4f65-9D91-7224C49458BB}"/>
               </c:extLst>
             </c:dLbl>
             <c:spPr>
@@ -8863,7 +8822,7 @@
             <c:showBubbleSize val="0"/>
             <c:separator>; </c:separator>
             <c:showLeaderLines val="1"/>
-            <c:extLst>
+            <c:extLst xmlns:c16r2="http://schemas.microsoft.com/office/drawing/2015/06/chart">
               <c:ext xmlns:c15="http://schemas.microsoft.com/office/drawing/2012/chart" uri="{CE6537A1-D6FC-4f65-9D91-7224C49458BB}">
                 <c15:spPr xmlns:c15="http://schemas.microsoft.com/office/drawing/2012/chart">
                   <a:prstGeom prst="rect">
@@ -8908,7 +8867,7 @@
               </c:pt>
             </c:numLit>
           </c:val>
-          <c:extLst>
+          <c:extLst xmlns:c16r2="http://schemas.microsoft.com/office/drawing/2015/06/chart">
             <c:ext xmlns:c16="http://schemas.microsoft.com/office/drawing/2014/chart" uri="{C3380CC4-5D6E-409C-BE32-E72D297353CC}">
               <c16:uniqueId val="{00000008-B0D1-4B09-8B3F-C5A406D47264}"/>
             </c:ext>
@@ -8975,7 +8934,7 @@
 </file>
 
 <file path=ppt/charts/chart30.xml><?xml version="1.0" encoding="utf-8"?>
-<c:chartSpace xmlns:c="http://schemas.openxmlformats.org/drawingml/2006/chart" xmlns:a="http://schemas.openxmlformats.org/drawingml/2006/main" xmlns:r="http://schemas.openxmlformats.org/officeDocument/2006/relationships" xmlns:c16r2="http://schemas.microsoft.com/office/drawing/2015/06/chart">
+<c:chartSpace xmlns:c="http://schemas.openxmlformats.org/drawingml/2006/chart" xmlns:a="http://schemas.openxmlformats.org/drawingml/2006/main" xmlns:r="http://schemas.openxmlformats.org/officeDocument/2006/relationships">
   <c:date1904 val="0"/>
   <c:lang val="es-ES"/>
   <c:roundedCorners val="0"/>
@@ -9022,7 +8981,7 @@
                 </a:outerShdw>
               </a:effectLst>
             </c:spPr>
-            <c:extLst>
+            <c:extLst xmlns:c16r2="http://schemas.microsoft.com/office/drawing/2015/06/chart">
               <c:ext xmlns:c16="http://schemas.microsoft.com/office/drawing/2014/chart" uri="{C3380CC4-5D6E-409C-BE32-E72D297353CC}">
                 <c16:uniqueId val="{00000001-067F-49A3-A128-194EFEEBD3E8}"/>
               </c:ext>
@@ -9046,7 +9005,7 @@
                 </a:outerShdw>
               </a:effectLst>
             </c:spPr>
-            <c:extLst>
+            <c:extLst xmlns:c16r2="http://schemas.microsoft.com/office/drawing/2015/06/chart">
               <c:ext xmlns:c16="http://schemas.microsoft.com/office/drawing/2014/chart" uri="{C3380CC4-5D6E-409C-BE32-E72D297353CC}">
                 <c16:uniqueId val="{00000003-067F-49A3-A128-194EFEEBD3E8}"/>
               </c:ext>
@@ -9070,7 +9029,7 @@
                 </a:outerShdw>
               </a:effectLst>
             </c:spPr>
-            <c:extLst>
+            <c:extLst xmlns:c16r2="http://schemas.microsoft.com/office/drawing/2015/06/chart">
               <c:ext xmlns:c16="http://schemas.microsoft.com/office/drawing/2014/chart" uri="{C3380CC4-5D6E-409C-BE32-E72D297353CC}">
                 <c16:uniqueId val="{00000005-067F-49A3-A128-194EFEEBD3E8}"/>
               </c:ext>
@@ -9094,7 +9053,7 @@
                 </a:outerShdw>
               </a:effectLst>
             </c:spPr>
-            <c:extLst>
+            <c:extLst xmlns:c16r2="http://schemas.microsoft.com/office/drawing/2015/06/chart">
               <c:ext xmlns:c16="http://schemas.microsoft.com/office/drawing/2014/chart" uri="{C3380CC4-5D6E-409C-BE32-E72D297353CC}">
                 <c16:uniqueId val="{00000007-067F-49A3-A128-194EFEEBD3E8}"/>
               </c:ext>
@@ -9103,7 +9062,6 @@
           <c:dLbls>
             <c:dLbl>
               <c:idx val="0"/>
-              <c:layout/>
               <c:tx>
                 <c:rich>
                   <a:bodyPr/>
@@ -9132,43 +9090,41 @@
               <c:showPercent val="0"/>
               <c:showBubbleSize val="0"/>
               <c:separator>; </c:separator>
-              <c:extLst>
-                <c:ext xmlns:c15="http://schemas.microsoft.com/office/drawing/2012/chart" uri="{CE6537A1-D6FC-4f65-9D91-7224C49458BB}">
-                  <c15:layout/>
-                </c:ext>
+              <c:extLst xmlns:c16r2="http://schemas.microsoft.com/office/drawing/2015/06/chart">
                 <c:ext xmlns:c16="http://schemas.microsoft.com/office/drawing/2014/chart" uri="{C3380CC4-5D6E-409C-BE32-E72D297353CC}">
                   <c16:uniqueId val="{00000001-067F-49A3-A128-194EFEEBD3E8}"/>
                 </c:ext>
+                <c:ext xmlns:c15="http://schemas.microsoft.com/office/drawing/2012/chart" uri="{CE6537A1-D6FC-4f65-9D91-7224C49458BB}"/>
               </c:extLst>
             </c:dLbl>
             <c:dLbl>
               <c:idx val="1"/>
               <c:delete val="1"/>
-              <c:extLst>
-                <c:ext xmlns:c15="http://schemas.microsoft.com/office/drawing/2012/chart" uri="{CE6537A1-D6FC-4f65-9D91-7224C49458BB}"/>
+              <c:extLst xmlns:c16r2="http://schemas.microsoft.com/office/drawing/2015/06/chart">
                 <c:ext xmlns:c16="http://schemas.microsoft.com/office/drawing/2014/chart" uri="{C3380CC4-5D6E-409C-BE32-E72D297353CC}">
                   <c16:uniqueId val="{00000003-067F-49A3-A128-194EFEEBD3E8}"/>
                 </c:ext>
+                <c:ext xmlns:c15="http://schemas.microsoft.com/office/drawing/2012/chart" uri="{CE6537A1-D6FC-4f65-9D91-7224C49458BB}"/>
               </c:extLst>
             </c:dLbl>
             <c:dLbl>
               <c:idx val="2"/>
               <c:delete val="1"/>
-              <c:extLst>
-                <c:ext xmlns:c15="http://schemas.microsoft.com/office/drawing/2012/chart" uri="{CE6537A1-D6FC-4f65-9D91-7224C49458BB}"/>
+              <c:extLst xmlns:c16r2="http://schemas.microsoft.com/office/drawing/2015/06/chart">
                 <c:ext xmlns:c16="http://schemas.microsoft.com/office/drawing/2014/chart" uri="{C3380CC4-5D6E-409C-BE32-E72D297353CC}">
                   <c16:uniqueId val="{00000005-067F-49A3-A128-194EFEEBD3E8}"/>
                 </c:ext>
+                <c:ext xmlns:c15="http://schemas.microsoft.com/office/drawing/2012/chart" uri="{CE6537A1-D6FC-4f65-9D91-7224C49458BB}"/>
               </c:extLst>
             </c:dLbl>
             <c:dLbl>
               <c:idx val="3"/>
               <c:delete val="1"/>
-              <c:extLst>
-                <c:ext xmlns:c15="http://schemas.microsoft.com/office/drawing/2012/chart" uri="{CE6537A1-D6FC-4f65-9D91-7224C49458BB}"/>
+              <c:extLst xmlns:c16r2="http://schemas.microsoft.com/office/drawing/2015/06/chart">
                 <c:ext xmlns:c16="http://schemas.microsoft.com/office/drawing/2014/chart" uri="{C3380CC4-5D6E-409C-BE32-E72D297353CC}">
                   <c16:uniqueId val="{00000007-067F-49A3-A128-194EFEEBD3E8}"/>
                 </c:ext>
+                <c:ext xmlns:c15="http://schemas.microsoft.com/office/drawing/2012/chart" uri="{CE6537A1-D6FC-4f65-9D91-7224C49458BB}"/>
               </c:extLst>
             </c:dLbl>
             <c:spPr>
@@ -9211,7 +9167,7 @@
             <c:showBubbleSize val="0"/>
             <c:separator>; </c:separator>
             <c:showLeaderLines val="1"/>
-            <c:extLst>
+            <c:extLst xmlns:c16r2="http://schemas.microsoft.com/office/drawing/2015/06/chart">
               <c:ext xmlns:c15="http://schemas.microsoft.com/office/drawing/2012/chart" uri="{CE6537A1-D6FC-4f65-9D91-7224C49458BB}">
                 <c15:spPr xmlns:c15="http://schemas.microsoft.com/office/drawing/2012/chart">
                   <a:prstGeom prst="rect">
@@ -9256,7 +9212,7 @@
               </c:pt>
             </c:numLit>
           </c:val>
-          <c:extLst>
+          <c:extLst xmlns:c16r2="http://schemas.microsoft.com/office/drawing/2015/06/chart">
             <c:ext xmlns:c16="http://schemas.microsoft.com/office/drawing/2014/chart" uri="{C3380CC4-5D6E-409C-BE32-E72D297353CC}">
               <c16:uniqueId val="{00000008-067F-49A3-A128-194EFEEBD3E8}"/>
             </c:ext>
@@ -9323,7 +9279,7 @@
 </file>
 
 <file path=ppt/charts/chart31.xml><?xml version="1.0" encoding="utf-8"?>
-<c:chartSpace xmlns:c="http://schemas.openxmlformats.org/drawingml/2006/chart" xmlns:a="http://schemas.openxmlformats.org/drawingml/2006/main" xmlns:r="http://schemas.openxmlformats.org/officeDocument/2006/relationships" xmlns:c16r2="http://schemas.microsoft.com/office/drawing/2015/06/chart">
+<c:chartSpace xmlns:c="http://schemas.openxmlformats.org/drawingml/2006/chart" xmlns:a="http://schemas.openxmlformats.org/drawingml/2006/main" xmlns:r="http://schemas.openxmlformats.org/officeDocument/2006/relationships">
   <c:date1904 val="0"/>
   <c:lang val="es-ES"/>
   <c:roundedCorners val="0"/>
@@ -9370,7 +9326,7 @@
                 </a:outerShdw>
               </a:effectLst>
             </c:spPr>
-            <c:extLst>
+            <c:extLst xmlns:c16r2="http://schemas.microsoft.com/office/drawing/2015/06/chart">
               <c:ext xmlns:c16="http://schemas.microsoft.com/office/drawing/2014/chart" uri="{C3380CC4-5D6E-409C-BE32-E72D297353CC}">
                 <c16:uniqueId val="{00000001-2952-4916-A73B-C96AB76E9576}"/>
               </c:ext>
@@ -9394,7 +9350,7 @@
                 </a:outerShdw>
               </a:effectLst>
             </c:spPr>
-            <c:extLst>
+            <c:extLst xmlns:c16r2="http://schemas.microsoft.com/office/drawing/2015/06/chart">
               <c:ext xmlns:c16="http://schemas.microsoft.com/office/drawing/2014/chart" uri="{C3380CC4-5D6E-409C-BE32-E72D297353CC}">
                 <c16:uniqueId val="{00000003-2952-4916-A73B-C96AB76E9576}"/>
               </c:ext>
@@ -9418,7 +9374,7 @@
                 </a:outerShdw>
               </a:effectLst>
             </c:spPr>
-            <c:extLst>
+            <c:extLst xmlns:c16r2="http://schemas.microsoft.com/office/drawing/2015/06/chart">
               <c:ext xmlns:c16="http://schemas.microsoft.com/office/drawing/2014/chart" uri="{C3380CC4-5D6E-409C-BE32-E72D297353CC}">
                 <c16:uniqueId val="{00000005-2952-4916-A73B-C96AB76E9576}"/>
               </c:ext>
@@ -9442,7 +9398,7 @@
                 </a:outerShdw>
               </a:effectLst>
             </c:spPr>
-            <c:extLst>
+            <c:extLst xmlns:c16r2="http://schemas.microsoft.com/office/drawing/2015/06/chart">
               <c:ext xmlns:c16="http://schemas.microsoft.com/office/drawing/2014/chart" uri="{C3380CC4-5D6E-409C-BE32-E72D297353CC}">
                 <c16:uniqueId val="{00000007-2952-4916-A73B-C96AB76E9576}"/>
               </c:ext>
@@ -9451,7 +9407,6 @@
           <c:dLbls>
             <c:dLbl>
               <c:idx val="0"/>
-              <c:layout/>
               <c:tx>
                 <c:rich>
                   <a:bodyPr/>
@@ -9480,43 +9435,41 @@
               <c:showPercent val="0"/>
               <c:showBubbleSize val="0"/>
               <c:separator>; </c:separator>
-              <c:extLst>
-                <c:ext xmlns:c15="http://schemas.microsoft.com/office/drawing/2012/chart" uri="{CE6537A1-D6FC-4f65-9D91-7224C49458BB}">
-                  <c15:layout/>
-                </c:ext>
+              <c:extLst xmlns:c16r2="http://schemas.microsoft.com/office/drawing/2015/06/chart">
                 <c:ext xmlns:c16="http://schemas.microsoft.com/office/drawing/2014/chart" uri="{C3380CC4-5D6E-409C-BE32-E72D297353CC}">
                   <c16:uniqueId val="{00000001-2952-4916-A73B-C96AB76E9576}"/>
                 </c:ext>
+                <c:ext xmlns:c15="http://schemas.microsoft.com/office/drawing/2012/chart" uri="{CE6537A1-D6FC-4f65-9D91-7224C49458BB}"/>
               </c:extLst>
             </c:dLbl>
             <c:dLbl>
               <c:idx val="1"/>
               <c:delete val="1"/>
-              <c:extLst>
-                <c:ext xmlns:c15="http://schemas.microsoft.com/office/drawing/2012/chart" uri="{CE6537A1-D6FC-4f65-9D91-7224C49458BB}"/>
+              <c:extLst xmlns:c16r2="http://schemas.microsoft.com/office/drawing/2015/06/chart">
                 <c:ext xmlns:c16="http://schemas.microsoft.com/office/drawing/2014/chart" uri="{C3380CC4-5D6E-409C-BE32-E72D297353CC}">
                   <c16:uniqueId val="{00000003-2952-4916-A73B-C96AB76E9576}"/>
                 </c:ext>
+                <c:ext xmlns:c15="http://schemas.microsoft.com/office/drawing/2012/chart" uri="{CE6537A1-D6FC-4f65-9D91-7224C49458BB}"/>
               </c:extLst>
             </c:dLbl>
             <c:dLbl>
               <c:idx val="2"/>
               <c:delete val="1"/>
-              <c:extLst>
-                <c:ext xmlns:c15="http://schemas.microsoft.com/office/drawing/2012/chart" uri="{CE6537A1-D6FC-4f65-9D91-7224C49458BB}"/>
+              <c:extLst xmlns:c16r2="http://schemas.microsoft.com/office/drawing/2015/06/chart">
                 <c:ext xmlns:c16="http://schemas.microsoft.com/office/drawing/2014/chart" uri="{C3380CC4-5D6E-409C-BE32-E72D297353CC}">
                   <c16:uniqueId val="{00000005-2952-4916-A73B-C96AB76E9576}"/>
                 </c:ext>
+                <c:ext xmlns:c15="http://schemas.microsoft.com/office/drawing/2012/chart" uri="{CE6537A1-D6FC-4f65-9D91-7224C49458BB}"/>
               </c:extLst>
             </c:dLbl>
             <c:dLbl>
               <c:idx val="3"/>
               <c:delete val="1"/>
-              <c:extLst>
-                <c:ext xmlns:c15="http://schemas.microsoft.com/office/drawing/2012/chart" uri="{CE6537A1-D6FC-4f65-9D91-7224C49458BB}"/>
+              <c:extLst xmlns:c16r2="http://schemas.microsoft.com/office/drawing/2015/06/chart">
                 <c:ext xmlns:c16="http://schemas.microsoft.com/office/drawing/2014/chart" uri="{C3380CC4-5D6E-409C-BE32-E72D297353CC}">
                   <c16:uniqueId val="{00000007-2952-4916-A73B-C96AB76E9576}"/>
                 </c:ext>
+                <c:ext xmlns:c15="http://schemas.microsoft.com/office/drawing/2012/chart" uri="{CE6537A1-D6FC-4f65-9D91-7224C49458BB}"/>
               </c:extLst>
             </c:dLbl>
             <c:spPr>
@@ -9559,7 +9512,7 @@
             <c:showBubbleSize val="0"/>
             <c:separator>; </c:separator>
             <c:showLeaderLines val="1"/>
-            <c:extLst>
+            <c:extLst xmlns:c16r2="http://schemas.microsoft.com/office/drawing/2015/06/chart">
               <c:ext xmlns:c15="http://schemas.microsoft.com/office/drawing/2012/chart" uri="{CE6537A1-D6FC-4f65-9D91-7224C49458BB}">
                 <c15:spPr xmlns:c15="http://schemas.microsoft.com/office/drawing/2012/chart">
                   <a:prstGeom prst="rect">
@@ -9604,7 +9557,7 @@
               </c:pt>
             </c:numLit>
           </c:val>
-          <c:extLst>
+          <c:extLst xmlns:c16r2="http://schemas.microsoft.com/office/drawing/2015/06/chart">
             <c:ext xmlns:c16="http://schemas.microsoft.com/office/drawing/2014/chart" uri="{C3380CC4-5D6E-409C-BE32-E72D297353CC}">
               <c16:uniqueId val="{00000008-2952-4916-A73B-C96AB76E9576}"/>
             </c:ext>
@@ -9671,7 +9624,7 @@
 </file>
 
 <file path=ppt/charts/chart4.xml><?xml version="1.0" encoding="utf-8"?>
-<c:chartSpace xmlns:c="http://schemas.openxmlformats.org/drawingml/2006/chart" xmlns:a="http://schemas.openxmlformats.org/drawingml/2006/main" xmlns:r="http://schemas.openxmlformats.org/officeDocument/2006/relationships" xmlns:c16r2="http://schemas.microsoft.com/office/drawing/2015/06/chart">
+<c:chartSpace xmlns:c="http://schemas.openxmlformats.org/drawingml/2006/chart" xmlns:a="http://schemas.openxmlformats.org/drawingml/2006/main" xmlns:r="http://schemas.openxmlformats.org/officeDocument/2006/relationships">
   <c:date1904 val="0"/>
   <c:lang val="es-ES"/>
   <c:roundedCorners val="0"/>
@@ -9728,7 +9681,7 @@
                 </a:outerShdw>
               </a:effectLst>
             </c:spPr>
-            <c:extLst>
+            <c:extLst xmlns:c16r2="http://schemas.microsoft.com/office/drawing/2015/06/chart">
               <c:ext xmlns:c16="http://schemas.microsoft.com/office/drawing/2014/chart" uri="{C3380CC4-5D6E-409C-BE32-E72D297353CC}">
                 <c16:uniqueId val="{00000001-E692-4ECC-AF79-AB3FAEA3E983}"/>
               </c:ext>
@@ -9752,7 +9705,7 @@
                 </a:outerShdw>
               </a:effectLst>
             </c:spPr>
-            <c:extLst>
+            <c:extLst xmlns:c16r2="http://schemas.microsoft.com/office/drawing/2015/06/chart">
               <c:ext xmlns:c16="http://schemas.microsoft.com/office/drawing/2014/chart" uri="{C3380CC4-5D6E-409C-BE32-E72D297353CC}">
                 <c16:uniqueId val="{00000003-E692-4ECC-AF79-AB3FAEA3E983}"/>
               </c:ext>
@@ -9776,7 +9729,7 @@
                 </a:outerShdw>
               </a:effectLst>
             </c:spPr>
-            <c:extLst>
+            <c:extLst xmlns:c16r2="http://schemas.microsoft.com/office/drawing/2015/06/chart">
               <c:ext xmlns:c16="http://schemas.microsoft.com/office/drawing/2014/chart" uri="{C3380CC4-5D6E-409C-BE32-E72D297353CC}">
                 <c16:uniqueId val="{00000005-E692-4ECC-AF79-AB3FAEA3E983}"/>
               </c:ext>
@@ -9800,7 +9753,7 @@
                 </a:outerShdw>
               </a:effectLst>
             </c:spPr>
-            <c:extLst>
+            <c:extLst xmlns:c16r2="http://schemas.microsoft.com/office/drawing/2015/06/chart">
               <c:ext xmlns:c16="http://schemas.microsoft.com/office/drawing/2014/chart" uri="{C3380CC4-5D6E-409C-BE32-E72D297353CC}">
                 <c16:uniqueId val="{00000007-E692-4ECC-AF79-AB3FAEA3E983}"/>
               </c:ext>
@@ -9843,7 +9796,10 @@
               <c:showPercent val="0"/>
               <c:showBubbleSize val="0"/>
               <c:separator>; </c:separator>
-              <c:extLst>
+              <c:extLst xmlns:c16r2="http://schemas.microsoft.com/office/drawing/2015/06/chart">
+                <c:ext xmlns:c16="http://schemas.microsoft.com/office/drawing/2014/chart" uri="{C3380CC4-5D6E-409C-BE32-E72D297353CC}">
+                  <c16:uniqueId val="{00000001-E692-4ECC-AF79-AB3FAEA3E983}"/>
+                </c:ext>
                 <c:ext xmlns:c15="http://schemas.microsoft.com/office/drawing/2012/chart" uri="{CE6537A1-D6FC-4f65-9D91-7224C49458BB}">
                   <c15:layout>
                     <c:manualLayout>
@@ -9851,9 +9807,6 @@
                       <c:h val="0.10577958806647696"/>
                     </c:manualLayout>
                   </c15:layout>
-                </c:ext>
-                <c:ext xmlns:c16="http://schemas.microsoft.com/office/drawing/2014/chart" uri="{C3380CC4-5D6E-409C-BE32-E72D297353CC}">
-                  <c16:uniqueId val="{00000001-E692-4ECC-AF79-AB3FAEA3E983}"/>
                 </c:ext>
               </c:extLst>
             </c:dLbl>
@@ -9893,7 +9846,10 @@
               <c:showPercent val="0"/>
               <c:showBubbleSize val="0"/>
               <c:separator>; </c:separator>
-              <c:extLst>
+              <c:extLst xmlns:c16r2="http://schemas.microsoft.com/office/drawing/2015/06/chart">
+                <c:ext xmlns:c16="http://schemas.microsoft.com/office/drawing/2014/chart" uri="{C3380CC4-5D6E-409C-BE32-E72D297353CC}">
+                  <c16:uniqueId val="{00000003-E692-4ECC-AF79-AB3FAEA3E983}"/>
+                </c:ext>
                 <c:ext xmlns:c15="http://schemas.microsoft.com/office/drawing/2012/chart" uri="{CE6537A1-D6FC-4f65-9D91-7224C49458BB}">
                   <c15:layout>
                     <c:manualLayout>
@@ -9902,19 +9858,16 @@
                     </c:manualLayout>
                   </c15:layout>
                 </c:ext>
-                <c:ext xmlns:c16="http://schemas.microsoft.com/office/drawing/2014/chart" uri="{C3380CC4-5D6E-409C-BE32-E72D297353CC}">
-                  <c16:uniqueId val="{00000003-E692-4ECC-AF79-AB3FAEA3E983}"/>
-                </c:ext>
               </c:extLst>
             </c:dLbl>
             <c:dLbl>
               <c:idx val="2"/>
               <c:delete val="1"/>
-              <c:extLst>
-                <c:ext xmlns:c15="http://schemas.microsoft.com/office/drawing/2012/chart" uri="{CE6537A1-D6FC-4f65-9D91-7224C49458BB}"/>
+              <c:extLst xmlns:c16r2="http://schemas.microsoft.com/office/drawing/2015/06/chart">
                 <c:ext xmlns:c16="http://schemas.microsoft.com/office/drawing/2014/chart" uri="{C3380CC4-5D6E-409C-BE32-E72D297353CC}">
                   <c16:uniqueId val="{00000005-E692-4ECC-AF79-AB3FAEA3E983}"/>
                 </c:ext>
+                <c:ext xmlns:c15="http://schemas.microsoft.com/office/drawing/2012/chart" uri="{CE6537A1-D6FC-4f65-9D91-7224C49458BB}"/>
               </c:extLst>
             </c:dLbl>
             <c:dLbl>
@@ -9945,14 +9898,14 @@
               <c:showPercent val="0"/>
               <c:showBubbleSize val="0"/>
               <c:separator>; </c:separator>
-              <c:extLst>
+              <c:extLst xmlns:c16r2="http://schemas.microsoft.com/office/drawing/2015/06/chart">
+                <c:ext xmlns:c16="http://schemas.microsoft.com/office/drawing/2014/chart" uri="{C3380CC4-5D6E-409C-BE32-E72D297353CC}">
+                  <c16:uniqueId val="{00000007-E692-4ECC-AF79-AB3FAEA3E983}"/>
+                </c:ext>
                 <c:ext xmlns:c15="http://schemas.microsoft.com/office/drawing/2012/chart" uri="{CE6537A1-D6FC-4f65-9D91-7224C49458BB}">
                   <c15:layout/>
                   <c15:dlblFieldTable/>
                   <c15:showDataLabelsRange val="0"/>
-                </c:ext>
-                <c:ext xmlns:c16="http://schemas.microsoft.com/office/drawing/2014/chart" uri="{C3380CC4-5D6E-409C-BE32-E72D297353CC}">
-                  <c16:uniqueId val="{00000007-E692-4ECC-AF79-AB3FAEA3E983}"/>
                 </c:ext>
               </c:extLst>
             </c:dLbl>
@@ -9996,7 +9949,7 @@
             <c:showBubbleSize val="0"/>
             <c:separator>; </c:separator>
             <c:showLeaderLines val="1"/>
-            <c:extLst>
+            <c:extLst xmlns:c16r2="http://schemas.microsoft.com/office/drawing/2015/06/chart">
               <c:ext xmlns:c15="http://schemas.microsoft.com/office/drawing/2012/chart" uri="{CE6537A1-D6FC-4f65-9D91-7224C49458BB}">
                 <c15:spPr xmlns:c15="http://schemas.microsoft.com/office/drawing/2012/chart">
                   <a:prstGeom prst="rect">
@@ -10041,7 +9994,7 @@
               </c:pt>
             </c:numLit>
           </c:val>
-          <c:extLst>
+          <c:extLst xmlns:c16r2="http://schemas.microsoft.com/office/drawing/2015/06/chart">
             <c:ext xmlns:c16="http://schemas.microsoft.com/office/drawing/2014/chart" uri="{C3380CC4-5D6E-409C-BE32-E72D297353CC}">
               <c16:uniqueId val="{00000008-E692-4ECC-AF79-AB3FAEA3E983}"/>
             </c:ext>
@@ -10108,7 +10061,7 @@
 </file>
 
 <file path=ppt/charts/chart5.xml><?xml version="1.0" encoding="utf-8"?>
-<c:chartSpace xmlns:c="http://schemas.openxmlformats.org/drawingml/2006/chart" xmlns:a="http://schemas.openxmlformats.org/drawingml/2006/main" xmlns:r="http://schemas.openxmlformats.org/officeDocument/2006/relationships" xmlns:c16r2="http://schemas.microsoft.com/office/drawing/2015/06/chart">
+<c:chartSpace xmlns:c="http://schemas.openxmlformats.org/drawingml/2006/chart" xmlns:a="http://schemas.openxmlformats.org/drawingml/2006/main" xmlns:r="http://schemas.openxmlformats.org/officeDocument/2006/relationships">
   <c:date1904 val="0"/>
   <c:lang val="es-ES"/>
   <c:roundedCorners val="0"/>
@@ -10165,7 +10118,7 @@
                 </a:outerShdw>
               </a:effectLst>
             </c:spPr>
-            <c:extLst>
+            <c:extLst xmlns:c16r2="http://schemas.microsoft.com/office/drawing/2015/06/chart">
               <c:ext xmlns:c16="http://schemas.microsoft.com/office/drawing/2014/chart" uri="{C3380CC4-5D6E-409C-BE32-E72D297353CC}">
                 <c16:uniqueId val="{00000001-A68E-4159-AAA8-673717381B43}"/>
               </c:ext>
@@ -10189,7 +10142,7 @@
                 </a:outerShdw>
               </a:effectLst>
             </c:spPr>
-            <c:extLst>
+            <c:extLst xmlns:c16r2="http://schemas.microsoft.com/office/drawing/2015/06/chart">
               <c:ext xmlns:c16="http://schemas.microsoft.com/office/drawing/2014/chart" uri="{C3380CC4-5D6E-409C-BE32-E72D297353CC}">
                 <c16:uniqueId val="{00000003-A68E-4159-AAA8-673717381B43}"/>
               </c:ext>
@@ -10213,7 +10166,7 @@
                 </a:outerShdw>
               </a:effectLst>
             </c:spPr>
-            <c:extLst>
+            <c:extLst xmlns:c16r2="http://schemas.microsoft.com/office/drawing/2015/06/chart">
               <c:ext xmlns:c16="http://schemas.microsoft.com/office/drawing/2014/chart" uri="{C3380CC4-5D6E-409C-BE32-E72D297353CC}">
                 <c16:uniqueId val="{00000005-A68E-4159-AAA8-673717381B43}"/>
               </c:ext>
@@ -10237,7 +10190,7 @@
                 </a:outerShdw>
               </a:effectLst>
             </c:spPr>
-            <c:extLst>
+            <c:extLst xmlns:c16r2="http://schemas.microsoft.com/office/drawing/2015/06/chart">
               <c:ext xmlns:c16="http://schemas.microsoft.com/office/drawing/2014/chart" uri="{C3380CC4-5D6E-409C-BE32-E72D297353CC}">
                 <c16:uniqueId val="{00000007-A68E-4159-AAA8-673717381B43}"/>
               </c:ext>
@@ -10280,7 +10233,10 @@
               <c:showPercent val="0"/>
               <c:showBubbleSize val="0"/>
               <c:separator>; </c:separator>
-              <c:extLst>
+              <c:extLst xmlns:c16r2="http://schemas.microsoft.com/office/drawing/2015/06/chart">
+                <c:ext xmlns:c16="http://schemas.microsoft.com/office/drawing/2014/chart" uri="{C3380CC4-5D6E-409C-BE32-E72D297353CC}">
+                  <c16:uniqueId val="{00000001-A68E-4159-AAA8-673717381B43}"/>
+                </c:ext>
                 <c:ext xmlns:c15="http://schemas.microsoft.com/office/drawing/2012/chart" uri="{CE6537A1-D6FC-4f65-9D91-7224C49458BB}">
                   <c15:layout>
                     <c:manualLayout>
@@ -10289,39 +10245,36 @@
                     </c:manualLayout>
                   </c15:layout>
                 </c:ext>
-                <c:ext xmlns:c16="http://schemas.microsoft.com/office/drawing/2014/chart" uri="{C3380CC4-5D6E-409C-BE32-E72D297353CC}">
-                  <c16:uniqueId val="{00000001-A68E-4159-AAA8-673717381B43}"/>
-                </c:ext>
               </c:extLst>
             </c:dLbl>
             <c:dLbl>
               <c:idx val="1"/>
               <c:delete val="1"/>
-              <c:extLst>
-                <c:ext xmlns:c15="http://schemas.microsoft.com/office/drawing/2012/chart" uri="{CE6537A1-D6FC-4f65-9D91-7224C49458BB}"/>
+              <c:extLst xmlns:c16r2="http://schemas.microsoft.com/office/drawing/2015/06/chart">
                 <c:ext xmlns:c16="http://schemas.microsoft.com/office/drawing/2014/chart" uri="{C3380CC4-5D6E-409C-BE32-E72D297353CC}">
                   <c16:uniqueId val="{00000003-A68E-4159-AAA8-673717381B43}"/>
                 </c:ext>
+                <c:ext xmlns:c15="http://schemas.microsoft.com/office/drawing/2012/chart" uri="{CE6537A1-D6FC-4f65-9D91-7224C49458BB}"/>
               </c:extLst>
             </c:dLbl>
             <c:dLbl>
               <c:idx val="2"/>
               <c:delete val="1"/>
-              <c:extLst>
-                <c:ext xmlns:c15="http://schemas.microsoft.com/office/drawing/2012/chart" uri="{CE6537A1-D6FC-4f65-9D91-7224C49458BB}"/>
+              <c:extLst xmlns:c16r2="http://schemas.microsoft.com/office/drawing/2015/06/chart">
                 <c:ext xmlns:c16="http://schemas.microsoft.com/office/drawing/2014/chart" uri="{C3380CC4-5D6E-409C-BE32-E72D297353CC}">
                   <c16:uniqueId val="{00000005-A68E-4159-AAA8-673717381B43}"/>
                 </c:ext>
+                <c:ext xmlns:c15="http://schemas.microsoft.com/office/drawing/2012/chart" uri="{CE6537A1-D6FC-4f65-9D91-7224C49458BB}"/>
               </c:extLst>
             </c:dLbl>
             <c:dLbl>
               <c:idx val="3"/>
               <c:delete val="1"/>
-              <c:extLst>
-                <c:ext xmlns:c15="http://schemas.microsoft.com/office/drawing/2012/chart" uri="{CE6537A1-D6FC-4f65-9D91-7224C49458BB}"/>
+              <c:extLst xmlns:c16r2="http://schemas.microsoft.com/office/drawing/2015/06/chart">
                 <c:ext xmlns:c16="http://schemas.microsoft.com/office/drawing/2014/chart" uri="{C3380CC4-5D6E-409C-BE32-E72D297353CC}">
                   <c16:uniqueId val="{00000007-A68E-4159-AAA8-673717381B43}"/>
                 </c:ext>
+                <c:ext xmlns:c15="http://schemas.microsoft.com/office/drawing/2012/chart" uri="{CE6537A1-D6FC-4f65-9D91-7224C49458BB}"/>
               </c:extLst>
             </c:dLbl>
             <c:spPr>
@@ -10364,7 +10317,7 @@
             <c:showBubbleSize val="0"/>
             <c:separator>; </c:separator>
             <c:showLeaderLines val="1"/>
-            <c:extLst>
+            <c:extLst xmlns:c16r2="http://schemas.microsoft.com/office/drawing/2015/06/chart">
               <c:ext xmlns:c15="http://schemas.microsoft.com/office/drawing/2012/chart" uri="{CE6537A1-D6FC-4f65-9D91-7224C49458BB}">
                 <c15:spPr xmlns:c15="http://schemas.microsoft.com/office/drawing/2012/chart">
                   <a:prstGeom prst="rect">
@@ -10409,7 +10362,7 @@
               </c:pt>
             </c:numLit>
           </c:val>
-          <c:extLst>
+          <c:extLst xmlns:c16r2="http://schemas.microsoft.com/office/drawing/2015/06/chart">
             <c:ext xmlns:c16="http://schemas.microsoft.com/office/drawing/2014/chart" uri="{C3380CC4-5D6E-409C-BE32-E72D297353CC}">
               <c16:uniqueId val="{00000008-A68E-4159-AAA8-673717381B43}"/>
             </c:ext>
@@ -10476,7 +10429,7 @@
 </file>
 
 <file path=ppt/charts/chart6.xml><?xml version="1.0" encoding="utf-8"?>
-<c:chartSpace xmlns:c="http://schemas.openxmlformats.org/drawingml/2006/chart" xmlns:a="http://schemas.openxmlformats.org/drawingml/2006/main" xmlns:r="http://schemas.openxmlformats.org/officeDocument/2006/relationships" xmlns:c16r2="http://schemas.microsoft.com/office/drawing/2015/06/chart">
+<c:chartSpace xmlns:c="http://schemas.openxmlformats.org/drawingml/2006/chart" xmlns:a="http://schemas.openxmlformats.org/drawingml/2006/main" xmlns:r="http://schemas.openxmlformats.org/officeDocument/2006/relationships">
   <c:date1904 val="0"/>
   <c:lang val="es-ES"/>
   <c:roundedCorners val="0"/>
@@ -10523,7 +10476,7 @@
                 </a:outerShdw>
               </a:effectLst>
             </c:spPr>
-            <c:extLst>
+            <c:extLst xmlns:c16r2="http://schemas.microsoft.com/office/drawing/2015/06/chart">
               <c:ext xmlns:c16="http://schemas.microsoft.com/office/drawing/2014/chart" uri="{C3380CC4-5D6E-409C-BE32-E72D297353CC}">
                 <c16:uniqueId val="{00000001-FB32-4CAE-A158-CFD755B29294}"/>
               </c:ext>
@@ -10547,7 +10500,7 @@
                 </a:outerShdw>
               </a:effectLst>
             </c:spPr>
-            <c:extLst>
+            <c:extLst xmlns:c16r2="http://schemas.microsoft.com/office/drawing/2015/06/chart">
               <c:ext xmlns:c16="http://schemas.microsoft.com/office/drawing/2014/chart" uri="{C3380CC4-5D6E-409C-BE32-E72D297353CC}">
                 <c16:uniqueId val="{00000003-FB32-4CAE-A158-CFD755B29294}"/>
               </c:ext>
@@ -10571,7 +10524,7 @@
                 </a:outerShdw>
               </a:effectLst>
             </c:spPr>
-            <c:extLst>
+            <c:extLst xmlns:c16r2="http://schemas.microsoft.com/office/drawing/2015/06/chart">
               <c:ext xmlns:c16="http://schemas.microsoft.com/office/drawing/2014/chart" uri="{C3380CC4-5D6E-409C-BE32-E72D297353CC}">
                 <c16:uniqueId val="{00000005-FB32-4CAE-A158-CFD755B29294}"/>
               </c:ext>
@@ -10595,7 +10548,7 @@
                 </a:outerShdw>
               </a:effectLst>
             </c:spPr>
-            <c:extLst>
+            <c:extLst xmlns:c16r2="http://schemas.microsoft.com/office/drawing/2015/06/chart">
               <c:ext xmlns:c16="http://schemas.microsoft.com/office/drawing/2014/chart" uri="{C3380CC4-5D6E-409C-BE32-E72D297353CC}">
                 <c16:uniqueId val="{00000007-FB32-4CAE-A158-CFD755B29294}"/>
               </c:ext>
@@ -10637,43 +10590,43 @@
               <c:showPercent val="0"/>
               <c:showBubbleSize val="0"/>
               <c:separator>; </c:separator>
-              <c:extLst>
+              <c:extLst xmlns:c16r2="http://schemas.microsoft.com/office/drawing/2015/06/chart">
+                <c:ext xmlns:c16="http://schemas.microsoft.com/office/drawing/2014/chart" uri="{C3380CC4-5D6E-409C-BE32-E72D297353CC}">
+                  <c16:uniqueId val="{00000001-FB32-4CAE-A158-CFD755B29294}"/>
+                </c:ext>
                 <c:ext xmlns:c15="http://schemas.microsoft.com/office/drawing/2012/chart" uri="{CE6537A1-D6FC-4f65-9D91-7224C49458BB}">
                   <c15:layout/>
-                </c:ext>
-                <c:ext xmlns:c16="http://schemas.microsoft.com/office/drawing/2014/chart" uri="{C3380CC4-5D6E-409C-BE32-E72D297353CC}">
-                  <c16:uniqueId val="{00000001-FB32-4CAE-A158-CFD755B29294}"/>
                 </c:ext>
               </c:extLst>
             </c:dLbl>
             <c:dLbl>
               <c:idx val="1"/>
               <c:delete val="1"/>
-              <c:extLst>
-                <c:ext xmlns:c15="http://schemas.microsoft.com/office/drawing/2012/chart" uri="{CE6537A1-D6FC-4f65-9D91-7224C49458BB}"/>
+              <c:extLst xmlns:c16r2="http://schemas.microsoft.com/office/drawing/2015/06/chart">
                 <c:ext xmlns:c16="http://schemas.microsoft.com/office/drawing/2014/chart" uri="{C3380CC4-5D6E-409C-BE32-E72D297353CC}">
                   <c16:uniqueId val="{00000003-FB32-4CAE-A158-CFD755B29294}"/>
                 </c:ext>
+                <c:ext xmlns:c15="http://schemas.microsoft.com/office/drawing/2012/chart" uri="{CE6537A1-D6FC-4f65-9D91-7224C49458BB}"/>
               </c:extLst>
             </c:dLbl>
             <c:dLbl>
               <c:idx val="2"/>
               <c:delete val="1"/>
-              <c:extLst>
-                <c:ext xmlns:c15="http://schemas.microsoft.com/office/drawing/2012/chart" uri="{CE6537A1-D6FC-4f65-9D91-7224C49458BB}"/>
+              <c:extLst xmlns:c16r2="http://schemas.microsoft.com/office/drawing/2015/06/chart">
                 <c:ext xmlns:c16="http://schemas.microsoft.com/office/drawing/2014/chart" uri="{C3380CC4-5D6E-409C-BE32-E72D297353CC}">
                   <c16:uniqueId val="{00000005-FB32-4CAE-A158-CFD755B29294}"/>
                 </c:ext>
+                <c:ext xmlns:c15="http://schemas.microsoft.com/office/drawing/2012/chart" uri="{CE6537A1-D6FC-4f65-9D91-7224C49458BB}"/>
               </c:extLst>
             </c:dLbl>
             <c:dLbl>
               <c:idx val="3"/>
               <c:delete val="1"/>
-              <c:extLst>
-                <c:ext xmlns:c15="http://schemas.microsoft.com/office/drawing/2012/chart" uri="{CE6537A1-D6FC-4f65-9D91-7224C49458BB}"/>
+              <c:extLst xmlns:c16r2="http://schemas.microsoft.com/office/drawing/2015/06/chart">
                 <c:ext xmlns:c16="http://schemas.microsoft.com/office/drawing/2014/chart" uri="{C3380CC4-5D6E-409C-BE32-E72D297353CC}">
                   <c16:uniqueId val="{00000007-FB32-4CAE-A158-CFD755B29294}"/>
                 </c:ext>
+                <c:ext xmlns:c15="http://schemas.microsoft.com/office/drawing/2012/chart" uri="{CE6537A1-D6FC-4f65-9D91-7224C49458BB}"/>
               </c:extLst>
             </c:dLbl>
             <c:spPr>
@@ -10716,7 +10669,7 @@
             <c:showBubbleSize val="0"/>
             <c:separator>; </c:separator>
             <c:showLeaderLines val="1"/>
-            <c:extLst>
+            <c:extLst xmlns:c16r2="http://schemas.microsoft.com/office/drawing/2015/06/chart">
               <c:ext xmlns:c15="http://schemas.microsoft.com/office/drawing/2012/chart" uri="{CE6537A1-D6FC-4f65-9D91-7224C49458BB}">
                 <c15:spPr xmlns:c15="http://schemas.microsoft.com/office/drawing/2012/chart">
                   <a:prstGeom prst="rect">
@@ -10761,7 +10714,7 @@
               </c:pt>
             </c:numLit>
           </c:val>
-          <c:extLst>
+          <c:extLst xmlns:c16r2="http://schemas.microsoft.com/office/drawing/2015/06/chart">
             <c:ext xmlns:c16="http://schemas.microsoft.com/office/drawing/2014/chart" uri="{C3380CC4-5D6E-409C-BE32-E72D297353CC}">
               <c16:uniqueId val="{00000008-FB32-4CAE-A158-CFD755B29294}"/>
             </c:ext>
@@ -10828,7 +10781,7 @@
 </file>
 
 <file path=ppt/charts/chart7.xml><?xml version="1.0" encoding="utf-8"?>
-<c:chartSpace xmlns:c="http://schemas.openxmlformats.org/drawingml/2006/chart" xmlns:a="http://schemas.openxmlformats.org/drawingml/2006/main" xmlns:r="http://schemas.openxmlformats.org/officeDocument/2006/relationships" xmlns:c16r2="http://schemas.microsoft.com/office/drawing/2015/06/chart">
+<c:chartSpace xmlns:c="http://schemas.openxmlformats.org/drawingml/2006/chart" xmlns:a="http://schemas.openxmlformats.org/drawingml/2006/main" xmlns:r="http://schemas.openxmlformats.org/officeDocument/2006/relationships">
   <c:date1904 val="0"/>
   <c:lang val="es-ES"/>
   <c:roundedCorners val="0"/>
@@ -10875,7 +10828,7 @@
                 </a:outerShdw>
               </a:effectLst>
             </c:spPr>
-            <c:extLst>
+            <c:extLst xmlns:c16r2="http://schemas.microsoft.com/office/drawing/2015/06/chart">
               <c:ext xmlns:c16="http://schemas.microsoft.com/office/drawing/2014/chart" uri="{C3380CC4-5D6E-409C-BE32-E72D297353CC}">
                 <c16:uniqueId val="{00000001-A3C0-4D0A-B146-F85A1199B571}"/>
               </c:ext>
@@ -10899,7 +10852,7 @@
                 </a:outerShdw>
               </a:effectLst>
             </c:spPr>
-            <c:extLst>
+            <c:extLst xmlns:c16r2="http://schemas.microsoft.com/office/drawing/2015/06/chart">
               <c:ext xmlns:c16="http://schemas.microsoft.com/office/drawing/2014/chart" uri="{C3380CC4-5D6E-409C-BE32-E72D297353CC}">
                 <c16:uniqueId val="{00000003-A3C0-4D0A-B146-F85A1199B571}"/>
               </c:ext>
@@ -10923,7 +10876,7 @@
                 </a:outerShdw>
               </a:effectLst>
             </c:spPr>
-            <c:extLst>
+            <c:extLst xmlns:c16r2="http://schemas.microsoft.com/office/drawing/2015/06/chart">
               <c:ext xmlns:c16="http://schemas.microsoft.com/office/drawing/2014/chart" uri="{C3380CC4-5D6E-409C-BE32-E72D297353CC}">
                 <c16:uniqueId val="{00000005-A3C0-4D0A-B146-F85A1199B571}"/>
               </c:ext>
@@ -10947,7 +10900,7 @@
                 </a:outerShdw>
               </a:effectLst>
             </c:spPr>
-            <c:extLst>
+            <c:extLst xmlns:c16r2="http://schemas.microsoft.com/office/drawing/2015/06/chart">
               <c:ext xmlns:c16="http://schemas.microsoft.com/office/drawing/2014/chart" uri="{C3380CC4-5D6E-409C-BE32-E72D297353CC}">
                 <c16:uniqueId val="{00000007-A3C0-4D0A-B146-F85A1199B571}"/>
               </c:ext>
@@ -10989,43 +10942,43 @@
               <c:showPercent val="0"/>
               <c:showBubbleSize val="0"/>
               <c:separator>; </c:separator>
-              <c:extLst>
+              <c:extLst xmlns:c16r2="http://schemas.microsoft.com/office/drawing/2015/06/chart">
+                <c:ext xmlns:c16="http://schemas.microsoft.com/office/drawing/2014/chart" uri="{C3380CC4-5D6E-409C-BE32-E72D297353CC}">
+                  <c16:uniqueId val="{00000001-A3C0-4D0A-B146-F85A1199B571}"/>
+                </c:ext>
                 <c:ext xmlns:c15="http://schemas.microsoft.com/office/drawing/2012/chart" uri="{CE6537A1-D6FC-4f65-9D91-7224C49458BB}">
                   <c15:layout/>
-                </c:ext>
-                <c:ext xmlns:c16="http://schemas.microsoft.com/office/drawing/2014/chart" uri="{C3380CC4-5D6E-409C-BE32-E72D297353CC}">
-                  <c16:uniqueId val="{00000001-A3C0-4D0A-B146-F85A1199B571}"/>
                 </c:ext>
               </c:extLst>
             </c:dLbl>
             <c:dLbl>
               <c:idx val="1"/>
               <c:delete val="1"/>
-              <c:extLst>
-                <c:ext xmlns:c15="http://schemas.microsoft.com/office/drawing/2012/chart" uri="{CE6537A1-D6FC-4f65-9D91-7224C49458BB}"/>
+              <c:extLst xmlns:c16r2="http://schemas.microsoft.com/office/drawing/2015/06/chart">
                 <c:ext xmlns:c16="http://schemas.microsoft.com/office/drawing/2014/chart" uri="{C3380CC4-5D6E-409C-BE32-E72D297353CC}">
                   <c16:uniqueId val="{00000003-A3C0-4D0A-B146-F85A1199B571}"/>
                 </c:ext>
+                <c:ext xmlns:c15="http://schemas.microsoft.com/office/drawing/2012/chart" uri="{CE6537A1-D6FC-4f65-9D91-7224C49458BB}"/>
               </c:extLst>
             </c:dLbl>
             <c:dLbl>
               <c:idx val="2"/>
               <c:delete val="1"/>
-              <c:extLst>
-                <c:ext xmlns:c15="http://schemas.microsoft.com/office/drawing/2012/chart" uri="{CE6537A1-D6FC-4f65-9D91-7224C49458BB}"/>
+              <c:extLst xmlns:c16r2="http://schemas.microsoft.com/office/drawing/2015/06/chart">
                 <c:ext xmlns:c16="http://schemas.microsoft.com/office/drawing/2014/chart" uri="{C3380CC4-5D6E-409C-BE32-E72D297353CC}">
                   <c16:uniqueId val="{00000005-A3C0-4D0A-B146-F85A1199B571}"/>
                 </c:ext>
+                <c:ext xmlns:c15="http://schemas.microsoft.com/office/drawing/2012/chart" uri="{CE6537A1-D6FC-4f65-9D91-7224C49458BB}"/>
               </c:extLst>
             </c:dLbl>
             <c:dLbl>
               <c:idx val="3"/>
               <c:delete val="1"/>
-              <c:extLst>
-                <c:ext xmlns:c15="http://schemas.microsoft.com/office/drawing/2012/chart" uri="{CE6537A1-D6FC-4f65-9D91-7224C49458BB}"/>
+              <c:extLst xmlns:c16r2="http://schemas.microsoft.com/office/drawing/2015/06/chart">
                 <c:ext xmlns:c16="http://schemas.microsoft.com/office/drawing/2014/chart" uri="{C3380CC4-5D6E-409C-BE32-E72D297353CC}">
                   <c16:uniqueId val="{00000007-A3C0-4D0A-B146-F85A1199B571}"/>
                 </c:ext>
+                <c:ext xmlns:c15="http://schemas.microsoft.com/office/drawing/2012/chart" uri="{CE6537A1-D6FC-4f65-9D91-7224C49458BB}"/>
               </c:extLst>
             </c:dLbl>
             <c:spPr>
@@ -11068,7 +11021,7 @@
             <c:showBubbleSize val="0"/>
             <c:separator>; </c:separator>
             <c:showLeaderLines val="1"/>
-            <c:extLst>
+            <c:extLst xmlns:c16r2="http://schemas.microsoft.com/office/drawing/2015/06/chart">
               <c:ext xmlns:c15="http://schemas.microsoft.com/office/drawing/2012/chart" uri="{CE6537A1-D6FC-4f65-9D91-7224C49458BB}">
                 <c15:spPr xmlns:c15="http://schemas.microsoft.com/office/drawing/2012/chart">
                   <a:prstGeom prst="rect">
@@ -11113,7 +11066,7 @@
               </c:pt>
             </c:numLit>
           </c:val>
-          <c:extLst>
+          <c:extLst xmlns:c16r2="http://schemas.microsoft.com/office/drawing/2015/06/chart">
             <c:ext xmlns:c16="http://schemas.microsoft.com/office/drawing/2014/chart" uri="{C3380CC4-5D6E-409C-BE32-E72D297353CC}">
               <c16:uniqueId val="{00000008-A3C0-4D0A-B146-F85A1199B571}"/>
             </c:ext>
@@ -11180,7 +11133,7 @@
 </file>
 
 <file path=ppt/charts/chart8.xml><?xml version="1.0" encoding="utf-8"?>
-<c:chartSpace xmlns:c="http://schemas.openxmlformats.org/drawingml/2006/chart" xmlns:a="http://schemas.openxmlformats.org/drawingml/2006/main" xmlns:r="http://schemas.openxmlformats.org/officeDocument/2006/relationships" xmlns:c16r2="http://schemas.microsoft.com/office/drawing/2015/06/chart">
+<c:chartSpace xmlns:c="http://schemas.openxmlformats.org/drawingml/2006/chart" xmlns:a="http://schemas.openxmlformats.org/drawingml/2006/main" xmlns:r="http://schemas.openxmlformats.org/officeDocument/2006/relationships">
   <c:date1904 val="0"/>
   <c:lang val="es-ES"/>
   <c:roundedCorners val="0"/>
@@ -11222,7 +11175,7 @@
                 </a:outerShdw>
               </a:effectLst>
             </c:spPr>
-            <c:extLst>
+            <c:extLst xmlns:c16r2="http://schemas.microsoft.com/office/drawing/2015/06/chart">
               <c:ext xmlns:c16="http://schemas.microsoft.com/office/drawing/2014/chart" uri="{C3380CC4-5D6E-409C-BE32-E72D297353CC}">
                 <c16:uniqueId val="{00000001-7D77-4AD5-829B-B63428A2026C}"/>
               </c:ext>
@@ -11246,7 +11199,7 @@
                 </a:outerShdw>
               </a:effectLst>
             </c:spPr>
-            <c:extLst>
+            <c:extLst xmlns:c16r2="http://schemas.microsoft.com/office/drawing/2015/06/chart">
               <c:ext xmlns:c16="http://schemas.microsoft.com/office/drawing/2014/chart" uri="{C3380CC4-5D6E-409C-BE32-E72D297353CC}">
                 <c16:uniqueId val="{00000003-7D77-4AD5-829B-B63428A2026C}"/>
               </c:ext>
@@ -11270,7 +11223,7 @@
                 </a:outerShdw>
               </a:effectLst>
             </c:spPr>
-            <c:extLst>
+            <c:extLst xmlns:c16r2="http://schemas.microsoft.com/office/drawing/2015/06/chart">
               <c:ext xmlns:c16="http://schemas.microsoft.com/office/drawing/2014/chart" uri="{C3380CC4-5D6E-409C-BE32-E72D297353CC}">
                 <c16:uniqueId val="{00000005-7D77-4AD5-829B-B63428A2026C}"/>
               </c:ext>
@@ -11294,7 +11247,7 @@
                 </a:outerShdw>
               </a:effectLst>
             </c:spPr>
-            <c:extLst>
+            <c:extLst xmlns:c16r2="http://schemas.microsoft.com/office/drawing/2015/06/chart">
               <c:ext xmlns:c16="http://schemas.microsoft.com/office/drawing/2014/chart" uri="{C3380CC4-5D6E-409C-BE32-E72D297353CC}">
                 <c16:uniqueId val="{00000007-7D77-4AD5-829B-B63428A2026C}"/>
               </c:ext>
@@ -11332,12 +11285,12 @@
               <c:showPercent val="0"/>
               <c:showBubbleSize val="0"/>
               <c:separator>; </c:separator>
-              <c:extLst>
+              <c:extLst xmlns:c16r2="http://schemas.microsoft.com/office/drawing/2015/06/chart">
+                <c:ext xmlns:c16="http://schemas.microsoft.com/office/drawing/2014/chart" uri="{C3380CC4-5D6E-409C-BE32-E72D297353CC}">
+                  <c16:uniqueId val="{00000001-7D77-4AD5-829B-B63428A2026C}"/>
+                </c:ext>
                 <c:ext xmlns:c15="http://schemas.microsoft.com/office/drawing/2012/chart" uri="{CE6537A1-D6FC-4f65-9D91-7224C49458BB}">
                   <c15:layout/>
-                </c:ext>
-                <c:ext xmlns:c16="http://schemas.microsoft.com/office/drawing/2014/chart" uri="{C3380CC4-5D6E-409C-BE32-E72D297353CC}">
-                  <c16:uniqueId val="{00000001-7D77-4AD5-829B-B63428A2026C}"/>
                 </c:ext>
               </c:extLst>
             </c:dLbl>
@@ -11367,12 +11320,12 @@
               <c:showPercent val="0"/>
               <c:showBubbleSize val="0"/>
               <c:separator>; </c:separator>
-              <c:extLst>
+              <c:extLst xmlns:c16r2="http://schemas.microsoft.com/office/drawing/2015/06/chart">
+                <c:ext xmlns:c16="http://schemas.microsoft.com/office/drawing/2014/chart" uri="{C3380CC4-5D6E-409C-BE32-E72D297353CC}">
+                  <c16:uniqueId val="{00000003-7D77-4AD5-829B-B63428A2026C}"/>
+                </c:ext>
                 <c:ext xmlns:c15="http://schemas.microsoft.com/office/drawing/2012/chart" uri="{CE6537A1-D6FC-4f65-9D91-7224C49458BB}">
                   <c15:layout/>
-                </c:ext>
-                <c:ext xmlns:c16="http://schemas.microsoft.com/office/drawing/2014/chart" uri="{C3380CC4-5D6E-409C-BE32-E72D297353CC}">
-                  <c16:uniqueId val="{00000003-7D77-4AD5-829B-B63428A2026C}"/>
                 </c:ext>
               </c:extLst>
             </c:dLbl>
@@ -11412,7 +11365,10 @@
               <c:showPercent val="0"/>
               <c:showBubbleSize val="0"/>
               <c:separator>; </c:separator>
-              <c:extLst>
+              <c:extLst xmlns:c16r2="http://schemas.microsoft.com/office/drawing/2015/06/chart">
+                <c:ext xmlns:c16="http://schemas.microsoft.com/office/drawing/2014/chart" uri="{C3380CC4-5D6E-409C-BE32-E72D297353CC}">
+                  <c16:uniqueId val="{00000005-7D77-4AD5-829B-B63428A2026C}"/>
+                </c:ext>
                 <c:ext xmlns:c15="http://schemas.microsoft.com/office/drawing/2012/chart" uri="{CE6537A1-D6FC-4f65-9D91-7224C49458BB}">
                   <c15:layout>
                     <c:manualLayout>
@@ -11421,19 +11377,16 @@
                     </c:manualLayout>
                   </c15:layout>
                 </c:ext>
-                <c:ext xmlns:c16="http://schemas.microsoft.com/office/drawing/2014/chart" uri="{C3380CC4-5D6E-409C-BE32-E72D297353CC}">
-                  <c16:uniqueId val="{00000005-7D77-4AD5-829B-B63428A2026C}"/>
-                </c:ext>
               </c:extLst>
             </c:dLbl>
             <c:dLbl>
               <c:idx val="3"/>
               <c:delete val="1"/>
-              <c:extLst>
-                <c:ext xmlns:c15="http://schemas.microsoft.com/office/drawing/2012/chart" uri="{CE6537A1-D6FC-4f65-9D91-7224C49458BB}"/>
+              <c:extLst xmlns:c16r2="http://schemas.microsoft.com/office/drawing/2015/06/chart">
                 <c:ext xmlns:c16="http://schemas.microsoft.com/office/drawing/2014/chart" uri="{C3380CC4-5D6E-409C-BE32-E72D297353CC}">
                   <c16:uniqueId val="{00000007-7D77-4AD5-829B-B63428A2026C}"/>
                 </c:ext>
+                <c:ext xmlns:c15="http://schemas.microsoft.com/office/drawing/2012/chart" uri="{CE6537A1-D6FC-4f65-9D91-7224C49458BB}"/>
               </c:extLst>
             </c:dLbl>
             <c:spPr>
@@ -11476,7 +11429,7 @@
             <c:showBubbleSize val="0"/>
             <c:separator>; </c:separator>
             <c:showLeaderLines val="1"/>
-            <c:extLst>
+            <c:extLst xmlns:c16r2="http://schemas.microsoft.com/office/drawing/2015/06/chart">
               <c:ext xmlns:c15="http://schemas.microsoft.com/office/drawing/2012/chart" uri="{CE6537A1-D6FC-4f65-9D91-7224C49458BB}">
                 <c15:spPr xmlns:c15="http://schemas.microsoft.com/office/drawing/2012/chart">
                   <a:prstGeom prst="rect">
@@ -11521,7 +11474,7 @@
               </c:pt>
             </c:numLit>
           </c:val>
-          <c:extLst>
+          <c:extLst xmlns:c16r2="http://schemas.microsoft.com/office/drawing/2015/06/chart">
             <c:ext xmlns:c16="http://schemas.microsoft.com/office/drawing/2014/chart" uri="{C3380CC4-5D6E-409C-BE32-E72D297353CC}">
               <c16:uniqueId val="{00000008-7D77-4AD5-829B-B63428A2026C}"/>
             </c:ext>
@@ -11588,7 +11541,7 @@
 </file>
 
 <file path=ppt/charts/chart9.xml><?xml version="1.0" encoding="utf-8"?>
-<c:chartSpace xmlns:c="http://schemas.openxmlformats.org/drawingml/2006/chart" xmlns:a="http://schemas.openxmlformats.org/drawingml/2006/main" xmlns:r="http://schemas.openxmlformats.org/officeDocument/2006/relationships" xmlns:c16r2="http://schemas.microsoft.com/office/drawing/2015/06/chart">
+<c:chartSpace xmlns:c="http://schemas.openxmlformats.org/drawingml/2006/chart" xmlns:a="http://schemas.openxmlformats.org/drawingml/2006/main" xmlns:r="http://schemas.openxmlformats.org/officeDocument/2006/relationships">
   <c:date1904 val="0"/>
   <c:lang val="es-ES"/>
   <c:roundedCorners val="0"/>
@@ -11635,7 +11588,7 @@
                 </a:outerShdw>
               </a:effectLst>
             </c:spPr>
-            <c:extLst>
+            <c:extLst xmlns:c16r2="http://schemas.microsoft.com/office/drawing/2015/06/chart">
               <c:ext xmlns:c16="http://schemas.microsoft.com/office/drawing/2014/chart" uri="{C3380CC4-5D6E-409C-BE32-E72D297353CC}">
                 <c16:uniqueId val="{00000001-A807-4220-9D3A-C3878B8586B0}"/>
               </c:ext>
@@ -11659,7 +11612,7 @@
                 </a:outerShdw>
               </a:effectLst>
             </c:spPr>
-            <c:extLst>
+            <c:extLst xmlns:c16r2="http://schemas.microsoft.com/office/drawing/2015/06/chart">
               <c:ext xmlns:c16="http://schemas.microsoft.com/office/drawing/2014/chart" uri="{C3380CC4-5D6E-409C-BE32-E72D297353CC}">
                 <c16:uniqueId val="{00000003-A807-4220-9D3A-C3878B8586B0}"/>
               </c:ext>
@@ -11683,7 +11636,7 @@
                 </a:outerShdw>
               </a:effectLst>
             </c:spPr>
-            <c:extLst>
+            <c:extLst xmlns:c16r2="http://schemas.microsoft.com/office/drawing/2015/06/chart">
               <c:ext xmlns:c16="http://schemas.microsoft.com/office/drawing/2014/chart" uri="{C3380CC4-5D6E-409C-BE32-E72D297353CC}">
                 <c16:uniqueId val="{00000005-A807-4220-9D3A-C3878B8586B0}"/>
               </c:ext>
@@ -11707,7 +11660,7 @@
                 </a:outerShdw>
               </a:effectLst>
             </c:spPr>
-            <c:extLst>
+            <c:extLst xmlns:c16r2="http://schemas.microsoft.com/office/drawing/2015/06/chart">
               <c:ext xmlns:c16="http://schemas.microsoft.com/office/drawing/2014/chart" uri="{C3380CC4-5D6E-409C-BE32-E72D297353CC}">
                 <c16:uniqueId val="{00000007-A807-4220-9D3A-C3878B8586B0}"/>
               </c:ext>
@@ -11745,43 +11698,43 @@
               <c:showPercent val="0"/>
               <c:showBubbleSize val="0"/>
               <c:separator>; </c:separator>
-              <c:extLst>
+              <c:extLst xmlns:c16r2="http://schemas.microsoft.com/office/drawing/2015/06/chart">
+                <c:ext xmlns:c16="http://schemas.microsoft.com/office/drawing/2014/chart" uri="{C3380CC4-5D6E-409C-BE32-E72D297353CC}">
+                  <c16:uniqueId val="{00000001-A807-4220-9D3A-C3878B8586B0}"/>
+                </c:ext>
                 <c:ext xmlns:c15="http://schemas.microsoft.com/office/drawing/2012/chart" uri="{CE6537A1-D6FC-4f65-9D91-7224C49458BB}">
                   <c15:layout/>
-                </c:ext>
-                <c:ext xmlns:c16="http://schemas.microsoft.com/office/drawing/2014/chart" uri="{C3380CC4-5D6E-409C-BE32-E72D297353CC}">
-                  <c16:uniqueId val="{00000001-A807-4220-9D3A-C3878B8586B0}"/>
                 </c:ext>
               </c:extLst>
             </c:dLbl>
             <c:dLbl>
               <c:idx val="1"/>
               <c:delete val="1"/>
-              <c:extLst>
-                <c:ext xmlns:c15="http://schemas.microsoft.com/office/drawing/2012/chart" uri="{CE6537A1-D6FC-4f65-9D91-7224C49458BB}"/>
+              <c:extLst xmlns:c16r2="http://schemas.microsoft.com/office/drawing/2015/06/chart">
                 <c:ext xmlns:c16="http://schemas.microsoft.com/office/drawing/2014/chart" uri="{C3380CC4-5D6E-409C-BE32-E72D297353CC}">
                   <c16:uniqueId val="{00000003-A807-4220-9D3A-C3878B8586B0}"/>
                 </c:ext>
+                <c:ext xmlns:c15="http://schemas.microsoft.com/office/drawing/2012/chart" uri="{CE6537A1-D6FC-4f65-9D91-7224C49458BB}"/>
               </c:extLst>
             </c:dLbl>
             <c:dLbl>
               <c:idx val="2"/>
               <c:delete val="1"/>
-              <c:extLst>
-                <c:ext xmlns:c15="http://schemas.microsoft.com/office/drawing/2012/chart" uri="{CE6537A1-D6FC-4f65-9D91-7224C49458BB}"/>
+              <c:extLst xmlns:c16r2="http://schemas.microsoft.com/office/drawing/2015/06/chart">
                 <c:ext xmlns:c16="http://schemas.microsoft.com/office/drawing/2014/chart" uri="{C3380CC4-5D6E-409C-BE32-E72D297353CC}">
                   <c16:uniqueId val="{00000005-A807-4220-9D3A-C3878B8586B0}"/>
                 </c:ext>
+                <c:ext xmlns:c15="http://schemas.microsoft.com/office/drawing/2012/chart" uri="{CE6537A1-D6FC-4f65-9D91-7224C49458BB}"/>
               </c:extLst>
             </c:dLbl>
             <c:dLbl>
               <c:idx val="3"/>
               <c:delete val="1"/>
-              <c:extLst>
-                <c:ext xmlns:c15="http://schemas.microsoft.com/office/drawing/2012/chart" uri="{CE6537A1-D6FC-4f65-9D91-7224C49458BB}"/>
+              <c:extLst xmlns:c16r2="http://schemas.microsoft.com/office/drawing/2015/06/chart">
                 <c:ext xmlns:c16="http://schemas.microsoft.com/office/drawing/2014/chart" uri="{C3380CC4-5D6E-409C-BE32-E72D297353CC}">
                   <c16:uniqueId val="{00000007-A807-4220-9D3A-C3878B8586B0}"/>
                 </c:ext>
+                <c:ext xmlns:c15="http://schemas.microsoft.com/office/drawing/2012/chart" uri="{CE6537A1-D6FC-4f65-9D91-7224C49458BB}"/>
               </c:extLst>
             </c:dLbl>
             <c:spPr>
@@ -11824,7 +11777,7 @@
             <c:showBubbleSize val="0"/>
             <c:separator>; </c:separator>
             <c:showLeaderLines val="1"/>
-            <c:extLst>
+            <c:extLst xmlns:c16r2="http://schemas.microsoft.com/office/drawing/2015/06/chart">
               <c:ext xmlns:c15="http://schemas.microsoft.com/office/drawing/2012/chart" uri="{CE6537A1-D6FC-4f65-9D91-7224C49458BB}">
                 <c15:spPr xmlns:c15="http://schemas.microsoft.com/office/drawing/2012/chart">
                   <a:prstGeom prst="rect">
@@ -11869,7 +11822,7 @@
               </c:pt>
             </c:numLit>
           </c:val>
-          <c:extLst>
+          <c:extLst xmlns:c16r2="http://schemas.microsoft.com/office/drawing/2015/06/chart">
             <c:ext xmlns:c16="http://schemas.microsoft.com/office/drawing/2014/chart" uri="{C3380CC4-5D6E-409C-BE32-E72D297353CC}">
               <c16:uniqueId val="{00000008-A807-4220-9D3A-C3878B8586B0}"/>
             </c:ext>
@@ -12018,7 +11971,7 @@
             <a:fld id="{33BC5C0D-1A8E-40E5-ADA0-84DBF59AA5C6}" type="datetimeFigureOut">
               <a:rPr lang="es-PE" smtClean="0"/>
               <a:pPr/>
-              <a:t>25/03/2018</a:t>
+              <a:t>02/04/2018</a:t>
             </a:fld>
             <a:endParaRPr lang="es-PE"/>
           </a:p>
@@ -12185,7 +12138,7 @@
             <a:fld id="{1D6789CF-F719-4CF8-BD89-6F425D155B51}" type="datetimeFigureOut">
               <a:rPr lang="es-PE" smtClean="0"/>
               <a:pPr/>
-              <a:t>25/03/2018</a:t>
+              <a:t>02/04/2018</a:t>
             </a:fld>
             <a:endParaRPr lang="es-PE"/>
           </a:p>
@@ -12539,7 +12492,7 @@
             <a:fld id="{D7E77C8B-DD1F-4A72-984B-6415D7DA5034}" type="datetimeFigureOut">
               <a:rPr lang="es-PE" smtClean="0"/>
               <a:pPr/>
-              <a:t>25/03/2018</a:t>
+              <a:t>02/04/2018</a:t>
             </a:fld>
             <a:endParaRPr lang="es-PE" dirty="0"/>
           </a:p>
@@ -17034,7 +16987,6 @@
               <a:rPr lang="es-PE" dirty="0" smtClean="0"/>
               <a:t>Sprint Retrospective meeting</a:t>
             </a:r>
-            <a:endParaRPr lang="es-PE" dirty="0" smtClean="0"/>
           </a:p>
           <a:p>
             <a:pPr algn="r"/>
@@ -17070,21 +17022,21 @@
                 <a:gridCol w="3384376">
                   <a:extLst>
                     <a:ext uri="{9D8B030D-6E8A-4147-A177-3AD203B41FA5}">
-                      <a16:colId xmlns:a16="http://schemas.microsoft.com/office/drawing/2014/main" val="1132393356"/>
+                      <a16:colId xmlns:a16="http://schemas.microsoft.com/office/drawing/2014/main" xmlns="" val="1132393356"/>
                     </a:ext>
                   </a:extLst>
                 </a:gridCol>
                 <a:gridCol w="3456384">
                   <a:extLst>
                     <a:ext uri="{9D8B030D-6E8A-4147-A177-3AD203B41FA5}">
-                      <a16:colId xmlns:a16="http://schemas.microsoft.com/office/drawing/2014/main" val="1626536487"/>
+                      <a16:colId xmlns:a16="http://schemas.microsoft.com/office/drawing/2014/main" xmlns="" val="1626536487"/>
                     </a:ext>
                   </a:extLst>
                 </a:gridCol>
                 <a:gridCol w="3888431">
                   <a:extLst>
                     <a:ext uri="{9D8B030D-6E8A-4147-A177-3AD203B41FA5}">
-                      <a16:colId xmlns:a16="http://schemas.microsoft.com/office/drawing/2014/main" val="4116983734"/>
+                      <a16:colId xmlns:a16="http://schemas.microsoft.com/office/drawing/2014/main" xmlns="" val="4116983734"/>
                     </a:ext>
                   </a:extLst>
                 </a:gridCol>
@@ -17146,7 +17098,7 @@
                 </a:tc>
                 <a:extLst>
                   <a:ext uri="{0D108BD9-81ED-4DB2-BD59-A6C34878D82A}">
-                    <a16:rowId xmlns:a16="http://schemas.microsoft.com/office/drawing/2014/main" val="88557266"/>
+                    <a16:rowId xmlns:a16="http://schemas.microsoft.com/office/drawing/2014/main" xmlns="" val="88557266"/>
                   </a:ext>
                 </a:extLst>
               </a:tr>
@@ -17228,7 +17180,7 @@
                 </a:tc>
                 <a:extLst>
                   <a:ext uri="{0D108BD9-81ED-4DB2-BD59-A6C34878D82A}">
-                    <a16:rowId xmlns:a16="http://schemas.microsoft.com/office/drawing/2014/main" val="1247158220"/>
+                    <a16:rowId xmlns:a16="http://schemas.microsoft.com/office/drawing/2014/main" xmlns="" val="1247158220"/>
                   </a:ext>
                 </a:extLst>
               </a:tr>
@@ -22365,7 +22317,7 @@
         </p:nvSpPr>
         <p:spPr>
           <a:xfrm>
-            <a:off x="125377" y="2349282"/>
+            <a:off x="130610" y="1988516"/>
             <a:ext cx="1421830" cy="253916"/>
           </a:xfrm>
           <a:prstGeom prst="rect">
@@ -22418,7 +22370,7 @@
         </p:blipFill>
         <p:spPr>
           <a:xfrm>
-            <a:off x="43343" y="1259447"/>
+            <a:off x="81312" y="901763"/>
             <a:ext cx="1569239" cy="1143693"/>
           </a:xfrm>
           <a:prstGeom prst="rect">
@@ -22438,7 +22390,7 @@
         </p:nvSpPr>
         <p:spPr>
           <a:xfrm>
-            <a:off x="-43602" y="3808975"/>
+            <a:off x="-44608" y="3411635"/>
             <a:ext cx="1623545" cy="253395"/>
           </a:xfrm>
           <a:prstGeom prst="rect">
@@ -22491,7 +22443,7 @@
         </p:blipFill>
         <p:spPr>
           <a:xfrm>
-            <a:off x="101343" y="2818714"/>
+            <a:off x="88476" y="2278280"/>
             <a:ext cx="1376052" cy="1050905"/>
           </a:xfrm>
           <a:prstGeom prst="rect">
@@ -22511,7 +22463,7 @@
         </p:nvSpPr>
         <p:spPr>
           <a:xfrm>
-            <a:off x="-30320" y="4144625"/>
+            <a:off x="-17365" y="3654782"/>
             <a:ext cx="2422989" cy="923330"/>
           </a:xfrm>
           <a:prstGeom prst="rect">
@@ -22543,7 +22495,7 @@
         </p:nvSpPr>
         <p:spPr>
           <a:xfrm>
-            <a:off x="-77001" y="5096163"/>
+            <a:off x="-63952" y="4478315"/>
             <a:ext cx="2422989" cy="923330"/>
           </a:xfrm>
           <a:prstGeom prst="rect">
@@ -22579,6 +22531,73 @@
                 </a:solidFill>
               </a:rPr>
               <a:t>vuelo </a:t>
+            </a:r>
+          </a:p>
+        </p:txBody>
+      </p:sp>
+      <p:sp>
+        <p:nvSpPr>
+          <p:cNvPr id="48" name="CuadroTexto 47"/>
+          <p:cNvSpPr txBox="1"/>
+          <p:nvPr/>
+        </p:nvSpPr>
+        <p:spPr>
+          <a:xfrm>
+            <a:off x="130610" y="5589240"/>
+            <a:ext cx="6397905" cy="1200329"/>
+          </a:xfrm>
+          <a:prstGeom prst="rect">
+            <a:avLst/>
+          </a:prstGeom>
+          <a:noFill/>
+        </p:spPr>
+        <p:txBody>
+          <a:bodyPr wrap="none" rtlCol="0">
+            <a:spAutoFit/>
+          </a:bodyPr>
+          <a:lstStyle/>
+          <a:p>
+            <a:r>
+              <a:rPr lang="es-PE" dirty="0" smtClean="0"/>
+              <a:t>-No vuelos </a:t>
+            </a:r>
+            <a:r>
+              <a:rPr lang="es-PE" dirty="0" err="1" smtClean="0"/>
+              <a:t>nill</a:t>
+            </a:r>
+            <a:r>
+              <a:rPr lang="es-PE" dirty="0" smtClean="0"/>
+              <a:t> , 9998</a:t>
+            </a:r>
+          </a:p>
+          <a:p>
+            <a:r>
+              <a:rPr lang="es-PE" dirty="0" smtClean="0"/>
+              <a:t>-Mostrar vuelos con 4 horas antes de su fecha de arribo</a:t>
+            </a:r>
+          </a:p>
+          <a:p>
+            <a:pPr marL="285750" indent="-285750">
+              <a:buFontTx/>
+              <a:buChar char="-"/>
+            </a:pPr>
+            <a:r>
+              <a:rPr lang="es-PE" dirty="0" smtClean="0"/>
+              <a:t>? Ver estados</a:t>
+            </a:r>
+          </a:p>
+          <a:p>
+            <a:pPr marL="285750" indent="-285750">
+              <a:buFontTx/>
+              <a:buChar char="-"/>
+            </a:pPr>
+            <a:r>
+              <a:rPr lang="es-PE" dirty="0" err="1" smtClean="0"/>
+              <a:t>Opcion</a:t>
+            </a:r>
+            <a:r>
+              <a:rPr lang="es-PE" dirty="0" smtClean="0"/>
+              <a:t> que oculte vuelos comerciales y cao</a:t>
             </a:r>
           </a:p>
         </p:txBody>
@@ -22648,7 +22667,7 @@
         </p:blipFill>
         <p:spPr>
           <a:xfrm>
-            <a:off x="1549532" y="921838"/>
+            <a:off x="2862264" y="921838"/>
             <a:ext cx="9137598" cy="3153115"/>
           </a:xfrm>
           <a:prstGeom prst="rect">
@@ -22667,7 +22686,7 @@
         </p:nvSpPr>
         <p:spPr>
           <a:xfrm>
-            <a:off x="5951190" y="2850649"/>
+            <a:off x="7263922" y="2850649"/>
             <a:ext cx="1584176" cy="1200329"/>
           </a:xfrm>
           <a:prstGeom prst="rect">
@@ -22712,7 +22731,7 @@
         </p:blipFill>
         <p:spPr>
           <a:xfrm>
-            <a:off x="6032860" y="2965367"/>
+            <a:off x="7345592" y="2965367"/>
             <a:ext cx="1152525" cy="1047750"/>
           </a:xfrm>
           <a:prstGeom prst="rect">
@@ -22736,7 +22755,7 @@
         </p:blipFill>
         <p:spPr>
           <a:xfrm>
-            <a:off x="1549532" y="4089707"/>
+            <a:off x="2862264" y="4089707"/>
             <a:ext cx="9117674" cy="533400"/>
           </a:xfrm>
           <a:prstGeom prst="rect">
@@ -22760,7 +22779,7 @@
         </p:blipFill>
         <p:spPr>
           <a:xfrm>
-            <a:off x="1532674" y="4648128"/>
+            <a:off x="2845406" y="4648128"/>
             <a:ext cx="9154456" cy="1990725"/>
           </a:xfrm>
           <a:prstGeom prst="rect">
@@ -22784,7 +22803,7 @@
         </p:blipFill>
         <p:spPr>
           <a:xfrm>
-            <a:off x="7589786" y="2927903"/>
+            <a:off x="8902518" y="2927903"/>
             <a:ext cx="3042924" cy="1123074"/>
           </a:xfrm>
           <a:prstGeom prst="rect">
@@ -22808,7 +22827,7 @@
         </p:blipFill>
         <p:spPr>
           <a:xfrm>
-            <a:off x="1565896" y="1174667"/>
+            <a:off x="2878628" y="1174667"/>
             <a:ext cx="9121234" cy="1752840"/>
           </a:xfrm>
           <a:prstGeom prst="rect">
@@ -22824,7 +22843,7 @@
         </p:nvSpPr>
         <p:spPr>
           <a:xfrm>
-            <a:off x="1592051" y="928626"/>
+            <a:off x="2904783" y="928626"/>
             <a:ext cx="9032637" cy="239255"/>
           </a:xfrm>
           <a:custGeom>
@@ -22912,6 +22931,108 @@
               </a:rPr>
               <a:t>TABLERO DE CONTROL DE TRANSMISIONES - IMPORTACIONES</a:t>
             </a:r>
+          </a:p>
+        </p:txBody>
+      </p:sp>
+      <p:sp>
+        <p:nvSpPr>
+          <p:cNvPr id="3" name="CuadroTexto 2"/>
+          <p:cNvSpPr txBox="1"/>
+          <p:nvPr/>
+        </p:nvSpPr>
+        <p:spPr>
+          <a:xfrm>
+            <a:off x="-853" y="819324"/>
+            <a:ext cx="4318811" cy="3970318"/>
+          </a:xfrm>
+          <a:prstGeom prst="rect">
+            <a:avLst/>
+          </a:prstGeom>
+          <a:noFill/>
+        </p:spPr>
+        <p:txBody>
+          <a:bodyPr wrap="none" rtlCol="0">
+            <a:spAutoFit/>
+          </a:bodyPr>
+          <a:lstStyle/>
+          <a:p>
+            <a:r>
+              <a:rPr lang="es-PE" dirty="0" smtClean="0"/>
+              <a:t>-Diferenciar la modalidad en la guía </a:t>
+            </a:r>
+          </a:p>
+          <a:p>
+            <a:r>
+              <a:rPr lang="es-PE" dirty="0" smtClean="0"/>
+              <a:t>Y si son códigos 02(tipo de ingreso) </a:t>
+            </a:r>
+          </a:p>
+          <a:p>
+            <a:r>
+              <a:rPr lang="es-PE" dirty="0" smtClean="0"/>
+              <a:t>no mostrar</a:t>
+            </a:r>
+          </a:p>
+          <a:p>
+            <a:r>
+              <a:rPr lang="es-PE" dirty="0" smtClean="0"/>
+              <a:t>-Para anexo7 master e hijo</a:t>
+            </a:r>
+          </a:p>
+          <a:p>
+            <a:r>
+              <a:rPr lang="es-PE" dirty="0" smtClean="0"/>
+              <a:t> estará bloqueado para los</a:t>
+            </a:r>
+          </a:p>
+          <a:p>
+            <a:r>
+              <a:rPr lang="es-PE" dirty="0" smtClean="0"/>
+              <a:t> terminales diferentes a 3507</a:t>
+            </a:r>
+          </a:p>
+          <a:p>
+            <a:r>
+              <a:rPr lang="es-PE" dirty="0" smtClean="0"/>
+              <a:t>-? Confirmar con Gonzalo </a:t>
+            </a:r>
+          </a:p>
+          <a:p>
+            <a:r>
+              <a:rPr lang="es-PE" dirty="0" smtClean="0"/>
+              <a:t>si quiere que se muestre</a:t>
+            </a:r>
+          </a:p>
+          <a:p>
+            <a:r>
+              <a:rPr lang="es-PE" dirty="0" smtClean="0"/>
+              <a:t> sus guías hijas </a:t>
+            </a:r>
+          </a:p>
+          <a:p>
+            <a:endParaRPr lang="es-PE" dirty="0" smtClean="0"/>
+          </a:p>
+          <a:p>
+            <a:endParaRPr lang="es-PE" dirty="0"/>
+          </a:p>
+          <a:p>
+            <a:r>
+              <a:rPr lang="es-PE" dirty="0" smtClean="0"/>
+              <a:t>-Hay transmisiones manuales</a:t>
+            </a:r>
+          </a:p>
+          <a:p>
+            <a:r>
+              <a:rPr lang="es-PE" dirty="0" smtClean="0"/>
+              <a:t>, no hay forma para </a:t>
+            </a:r>
+          </a:p>
+          <a:p>
+            <a:r>
+              <a:rPr lang="es-PE" dirty="0" smtClean="0"/>
+              <a:t>considerar eso</a:t>
+            </a:r>
+            <a:endParaRPr lang="es-PE" dirty="0"/>
           </a:p>
         </p:txBody>
       </p:sp>
@@ -36398,39 +36519,7 @@
                   <a:srgbClr val="FF0000"/>
                 </a:solidFill>
               </a:rPr>
-              <a:t>Adicionar al campo Tipo Ingreso en SITRADI, el valor </a:t>
-            </a:r>
-            <a:r>
-              <a:rPr lang="es-PE" sz="1700" dirty="0" smtClean="0">
-                <a:solidFill>
-                  <a:srgbClr val="FF0000"/>
-                </a:solidFill>
-              </a:rPr>
-              <a:t>“ADICION </a:t>
-            </a:r>
-            <a:r>
-              <a:rPr lang="es-PE" sz="1700" dirty="0" smtClean="0">
-                <a:solidFill>
-                  <a:srgbClr val="FF0000"/>
-                </a:solidFill>
-              </a:rPr>
-              <a:t>DE </a:t>
-            </a:r>
-            <a:r>
-              <a:rPr lang="es-PE" sz="1700" dirty="0" smtClean="0">
-                <a:solidFill>
-                  <a:srgbClr val="FF0000"/>
-                </a:solidFill>
-              </a:rPr>
-              <a:t>GUIA”, </a:t>
-            </a:r>
-            <a:r>
-              <a:rPr lang="es-PE" sz="1700" dirty="0" smtClean="0">
-                <a:solidFill>
-                  <a:srgbClr val="FF0000"/>
-                </a:solidFill>
-              </a:rPr>
-              <a:t>con el objetivo de no mostrar estas guías.</a:t>
+              <a:t>Adicionar al campo Tipo Ingreso en SITRADI, el valor “ADICION DE GUIA”, con el objetivo de no mostrar estas guías.</a:t>
             </a:r>
             <a:endParaRPr lang="es-PE" sz="1700" dirty="0">
               <a:solidFill>
@@ -41976,13 +42065,13 @@
 
 <file path=customXml/item1.xml><?xml version="1.0" encoding="utf-8"?>
 <Control xmlns="http://schemas.microsoft.com/VisualStudio/2011/storyboarding/control">
-  <Id Name="System.Storyboarding.Common.Text" Revision="1" Stencil="System.Storyboarding.Common" StencilVersion="0.1"/>
+  <Id Name="System.Storyboarding.Backgrounds.Window" Revision="1" Stencil="System.Storyboarding.Backgrounds" StencilVersion="0.1"/>
 </Control>
 </file>
 
 <file path=customXml/item2.xml><?xml version="1.0" encoding="utf-8"?>
 <Control xmlns="http://schemas.microsoft.com/VisualStudio/2011/storyboarding/control">
-  <Id Name="System.Storyboarding.Backgrounds.Window" Revision="1" Stencil="System.Storyboarding.Backgrounds" StencilVersion="0.1"/>
+  <Id Name="System.Storyboarding.Common.Text" Revision="1" Stencil="System.Storyboarding.Common" StencilVersion="0.1"/>
 </Control>
 </file>
 
@@ -41994,41 +42083,49 @@
 
 <file path=customXml/item4.xml><?xml version="1.0" encoding="utf-8"?>
 <Control xmlns="http://schemas.microsoft.com/VisualStudio/2011/storyboarding/control">
-  <Id Name="System.Storyboarding.WindowsApps.WindowsAppsComboBox" Revision="1" Stencil="System.Storyboarding.WindowsApps" StencilVersion="0.1"/>
+  <Id Name="System.Storyboarding.Common.Text" Revision="1" Stencil="System.Storyboarding.Common" StencilVersion="0.1"/>
 </Control>
 </file>
 
 <file path=customXml/item5.xml><?xml version="1.0" encoding="utf-8"?>
 <Control xmlns="http://schemas.microsoft.com/VisualStudio/2011/storyboarding/control">
-  <Id Name="System.Storyboarding.Common.Text" Revision="1" Stencil="System.Storyboarding.Common" StencilVersion="0.1"/>
+  <Id Name="System.Storyboarding.WindowsApps.WindowsAppsComboBox" Revision="1" Stencil="System.Storyboarding.WindowsApps" StencilVersion="0.1"/>
 </Control>
 </file>
 
 <file path=customXml/item6.xml><?xml version="1.0" encoding="utf-8"?>
 <Control xmlns="http://schemas.microsoft.com/VisualStudio/2011/storyboarding/control">
-  <Id Name="System.Storyboarding.Common.TextInput" Revision="1" Stencil="System.Storyboarding.Common" StencilVersion="0.1"/>
+  <Id Name="System.Storyboarding.Common.Text" Revision="1" Stencil="System.Storyboarding.Common" StencilVersion="0.1"/>
 </Control>
 </file>
 
 <file path=customXml/item7.xml><?xml version="1.0" encoding="utf-8"?>
 <Control xmlns="http://schemas.microsoft.com/VisualStudio/2011/storyboarding/control">
-  <Id Name="2af01176-85ee-4929-8d41-a331980c979e" RevisionId="be170569-95d9-41cc-85ac-d2bbd0fbf029" Stencil="172d6d98-e5c9-42e9-a209-79f7a94bbd38" StencilRevisionId="00000000-0000-0000-0000-000000000000" StencilVersion="0.0"/>
+  <Id Name="System.Storyboarding.Common.Button" Revision="1" Stencil="System.Storyboarding.Common" StencilVersion="0.1"/>
 </Control>
 </file>
 
 <file path=customXml/item8.xml><?xml version="1.0" encoding="utf-8"?>
 <Control xmlns="http://schemas.microsoft.com/VisualStudio/2011/storyboarding/control">
-  <Id Name="System.Storyboarding.Common.Button" Revision="1" Stencil="System.Storyboarding.Common" StencilVersion="0.1"/>
+  <Id Name="System.Storyboarding.Common.TextInput" Revision="1" Stencil="System.Storyboarding.Common" StencilVersion="0.1"/>
 </Control>
 </file>
 
 <file path=customXml/item9.xml><?xml version="1.0" encoding="utf-8"?>
 <Control xmlns="http://schemas.microsoft.com/VisualStudio/2011/storyboarding/control">
-  <Id Name="System.Storyboarding.Common.Text" Revision="1" Stencil="System.Storyboarding.Common" StencilVersion="0.1"/>
+  <Id Name="2af01176-85ee-4929-8d41-a331980c979e" RevisionId="be170569-95d9-41cc-85ac-d2bbd0fbf029" Stencil="172d6d98-e5c9-42e9-a209-79f7a94bbd38" StencilRevisionId="00000000-0000-0000-0000-000000000000" StencilVersion="0.0"/>
 </Control>
 </file>
 
 <file path=customXml/itemProps1.xml><?xml version="1.0" encoding="utf-8"?>
+<ds:datastoreItem xmlns:ds="http://schemas.openxmlformats.org/officeDocument/2006/customXml" ds:itemID="{CAF9FAC5-0B41-4144-A530-E963B326E346}">
+  <ds:schemaRefs>
+    <ds:schemaRef ds:uri="http://schemas.microsoft.com/VisualStudio/2011/storyboarding/control"/>
+  </ds:schemaRefs>
+</ds:datastoreItem>
+</file>
+
+<file path=customXml/itemProps2.xml><?xml version="1.0" encoding="utf-8"?>
 <ds:datastoreItem xmlns:ds="http://schemas.openxmlformats.org/officeDocument/2006/customXml" ds:itemID="{2A370DCE-6B02-43E4-B462-EE68941381DA}">
   <ds:schemaRefs>
     <ds:schemaRef ds:uri="http://schemas.microsoft.com/VisualStudio/2011/storyboarding/control"/>
@@ -42036,15 +42133,47 @@
 </ds:datastoreItem>
 </file>
 
-<file path=customXml/itemProps2.xml><?xml version="1.0" encoding="utf-8"?>
-<ds:datastoreItem xmlns:ds="http://schemas.openxmlformats.org/officeDocument/2006/customXml" ds:itemID="{CAF9FAC5-0B41-4144-A530-E963B326E346}">
+<file path=customXml/itemProps3.xml><?xml version="1.0" encoding="utf-8"?>
+<ds:datastoreItem xmlns:ds="http://schemas.openxmlformats.org/officeDocument/2006/customXml" ds:itemID="{44DB24E9-7B09-4AB5-8715-26638CA102DA}">
   <ds:schemaRefs>
     <ds:schemaRef ds:uri="http://schemas.microsoft.com/VisualStudio/2011/storyboarding/control"/>
   </ds:schemaRefs>
 </ds:datastoreItem>
 </file>
 
-<file path=customXml/itemProps3.xml><?xml version="1.0" encoding="utf-8"?>
+<file path=customXml/itemProps4.xml><?xml version="1.0" encoding="utf-8"?>
+<ds:datastoreItem xmlns:ds="http://schemas.openxmlformats.org/officeDocument/2006/customXml" ds:itemID="{4F2255F7-A4C3-4E6F-9491-BD150D11E33A}">
+  <ds:schemaRefs>
+    <ds:schemaRef ds:uri="http://schemas.microsoft.com/VisualStudio/2011/storyboarding/control"/>
+  </ds:schemaRefs>
+</ds:datastoreItem>
+</file>
+
+<file path=customXml/itemProps5.xml><?xml version="1.0" encoding="utf-8"?>
+<ds:datastoreItem xmlns:ds="http://schemas.openxmlformats.org/officeDocument/2006/customXml" ds:itemID="{5B412AC7-136E-45BA-B3BC-91E37935A539}">
+  <ds:schemaRefs>
+    <ds:schemaRef ds:uri="http://schemas.microsoft.com/VisualStudio/2011/storyboarding/control"/>
+  </ds:schemaRefs>
+</ds:datastoreItem>
+</file>
+
+<file path=customXml/itemProps6.xml><?xml version="1.0" encoding="utf-8"?>
+<ds:datastoreItem xmlns:ds="http://schemas.openxmlformats.org/officeDocument/2006/customXml" ds:itemID="{81AF3BDC-10DF-4C3F-BD8E-EDEA0AC655D4}">
+  <ds:schemaRefs>
+    <ds:schemaRef ds:uri="http://schemas.microsoft.com/VisualStudio/2011/storyboarding/control"/>
+  </ds:schemaRefs>
+</ds:datastoreItem>
+</file>
+
+<file path=customXml/itemProps7.xml><?xml version="1.0" encoding="utf-8"?>
+<ds:datastoreItem xmlns:ds="http://schemas.openxmlformats.org/officeDocument/2006/customXml" ds:itemID="{0B1D9A1B-8DEB-4B6A-BF18-7B9C5DBF533E}">
+  <ds:schemaRefs>
+    <ds:schemaRef ds:uri="http://schemas.microsoft.com/VisualStudio/2011/storyboarding/control"/>
+  </ds:schemaRefs>
+</ds:datastoreItem>
+</file>
+
+<file path=customXml/itemProps8.xml><?xml version="1.0" encoding="utf-8"?>
 <ds:datastoreItem xmlns:ds="http://schemas.openxmlformats.org/officeDocument/2006/customXml" ds:itemID="{8EAD2ED1-6E14-421A-9E09-F54401142C83}">
   <ds:schemaRefs>
     <ds:schemaRef ds:uri="http://schemas.microsoft.com/VisualStudio/2011/storyboarding/control"/>
@@ -42052,50 +42181,10 @@
 </ds:datastoreItem>
 </file>
 
-<file path=customXml/itemProps4.xml><?xml version="1.0" encoding="utf-8"?>
-<ds:datastoreItem xmlns:ds="http://schemas.openxmlformats.org/officeDocument/2006/customXml" ds:itemID="{5B412AC7-136E-45BA-B3BC-91E37935A539}">
-  <ds:schemaRefs>
-    <ds:schemaRef ds:uri="http://schemas.microsoft.com/VisualStudio/2011/storyboarding/control"/>
-  </ds:schemaRefs>
-</ds:datastoreItem>
-</file>
-
-<file path=customXml/itemProps5.xml><?xml version="1.0" encoding="utf-8"?>
-<ds:datastoreItem xmlns:ds="http://schemas.openxmlformats.org/officeDocument/2006/customXml" ds:itemID="{4F2255F7-A4C3-4E6F-9491-BD150D11E33A}">
-  <ds:schemaRefs>
-    <ds:schemaRef ds:uri="http://schemas.microsoft.com/VisualStudio/2011/storyboarding/control"/>
-  </ds:schemaRefs>
-</ds:datastoreItem>
-</file>
-
-<file path=customXml/itemProps6.xml><?xml version="1.0" encoding="utf-8"?>
-<ds:datastoreItem xmlns:ds="http://schemas.openxmlformats.org/officeDocument/2006/customXml" ds:itemID="{44DB24E9-7B09-4AB5-8715-26638CA102DA}">
-  <ds:schemaRefs>
-    <ds:schemaRef ds:uri="http://schemas.microsoft.com/VisualStudio/2011/storyboarding/control"/>
-  </ds:schemaRefs>
-</ds:datastoreItem>
-</file>
-
-<file path=customXml/itemProps7.xml><?xml version="1.0" encoding="utf-8"?>
+<file path=customXml/itemProps9.xml><?xml version="1.0" encoding="utf-8"?>
 <ds:datastoreItem xmlns:ds="http://schemas.openxmlformats.org/officeDocument/2006/customXml" ds:itemID="{F8339007-68FA-4CD7-9B6A-03E725113E81}">
   <ds:schemaRefs>
     <ds:schemaRef ds:uri="http://schemas.microsoft.com/VisualStudio/2011/storyboarding/control"/>
   </ds:schemaRefs>
 </ds:datastoreItem>
-</file>
-
-<file path=customXml/itemProps8.xml><?xml version="1.0" encoding="utf-8"?>
-<ds:datastoreItem xmlns:ds="http://schemas.openxmlformats.org/officeDocument/2006/customXml" ds:itemID="{0B1D9A1B-8DEB-4B6A-BF18-7B9C5DBF533E}">
-  <ds:schemaRefs>
-    <ds:schemaRef ds:uri="http://schemas.microsoft.com/VisualStudio/2011/storyboarding/control"/>
-  </ds:schemaRefs>
-</ds:datastoreItem>
-</file>
-
-<file path=customXml/itemProps9.xml><?xml version="1.0" encoding="utf-8"?>
-<ds:datastoreItem xmlns:ds="http://schemas.openxmlformats.org/officeDocument/2006/customXml" ds:itemID="{81AF3BDC-10DF-4C3F-BD8E-EDEA0AC655D4}">
-  <ds:schemaRefs>
-    <ds:schemaRef ds:uri="http://schemas.microsoft.com/VisualStudio/2011/storyboarding/control"/>
-  </ds:schemaRefs>
-</ds:datastoreItem>
 </file>
--- a/Documentos/ControlTransmisionesV1.0.pptx
+++ b/Documentos/ControlTransmisionesV1.0.pptx
@@ -11971,7 +11971,7 @@
             <a:fld id="{33BC5C0D-1A8E-40E5-ADA0-84DBF59AA5C6}" type="datetimeFigureOut">
               <a:rPr lang="es-PE" smtClean="0"/>
               <a:pPr/>
-              <a:t>02/04/2018</a:t>
+              <a:t>10/04/2018</a:t>
             </a:fld>
             <a:endParaRPr lang="es-PE"/>
           </a:p>
@@ -12138,7 +12138,7 @@
             <a:fld id="{1D6789CF-F719-4CF8-BD89-6F425D155B51}" type="datetimeFigureOut">
               <a:rPr lang="es-PE" smtClean="0"/>
               <a:pPr/>
-              <a:t>02/04/2018</a:t>
+              <a:t>10/04/2018</a:t>
             </a:fld>
             <a:endParaRPr lang="es-PE"/>
           </a:p>
@@ -12492,7 +12492,7 @@
             <a:fld id="{D7E77C8B-DD1F-4A72-984B-6415D7DA5034}" type="datetimeFigureOut">
               <a:rPr lang="es-PE" smtClean="0"/>
               <a:pPr/>
-              <a:t>02/04/2018</a:t>
+              <a:t>10/04/2018</a:t>
             </a:fld>
             <a:endParaRPr lang="es-PE" dirty="0"/>
           </a:p>
@@ -17022,21 +17022,21 @@
                 <a:gridCol w="3384376">
                   <a:extLst>
                     <a:ext uri="{9D8B030D-6E8A-4147-A177-3AD203B41FA5}">
-                      <a16:colId xmlns:a16="http://schemas.microsoft.com/office/drawing/2014/main" xmlns="" val="1132393356"/>
+                      <a16:colId xmlns="" xmlns:a16="http://schemas.microsoft.com/office/drawing/2014/main" val="1132393356"/>
                     </a:ext>
                   </a:extLst>
                 </a:gridCol>
                 <a:gridCol w="3456384">
                   <a:extLst>
                     <a:ext uri="{9D8B030D-6E8A-4147-A177-3AD203B41FA5}">
-                      <a16:colId xmlns:a16="http://schemas.microsoft.com/office/drawing/2014/main" xmlns="" val="1626536487"/>
+                      <a16:colId xmlns="" xmlns:a16="http://schemas.microsoft.com/office/drawing/2014/main" val="1626536487"/>
                     </a:ext>
                   </a:extLst>
                 </a:gridCol>
                 <a:gridCol w="3888431">
                   <a:extLst>
                     <a:ext uri="{9D8B030D-6E8A-4147-A177-3AD203B41FA5}">
-                      <a16:colId xmlns:a16="http://schemas.microsoft.com/office/drawing/2014/main" xmlns="" val="4116983734"/>
+                      <a16:colId xmlns="" xmlns:a16="http://schemas.microsoft.com/office/drawing/2014/main" val="4116983734"/>
                     </a:ext>
                   </a:extLst>
                 </a:gridCol>
@@ -17098,7 +17098,7 @@
                 </a:tc>
                 <a:extLst>
                   <a:ext uri="{0D108BD9-81ED-4DB2-BD59-A6C34878D82A}">
-                    <a16:rowId xmlns:a16="http://schemas.microsoft.com/office/drawing/2014/main" xmlns="" val="88557266"/>
+                    <a16:rowId xmlns="" xmlns:a16="http://schemas.microsoft.com/office/drawing/2014/main" val="88557266"/>
                   </a:ext>
                 </a:extLst>
               </a:tr>
@@ -17180,7 +17180,7 @@
                 </a:tc>
                 <a:extLst>
                   <a:ext uri="{0D108BD9-81ED-4DB2-BD59-A6C34878D82A}">
-                    <a16:rowId xmlns:a16="http://schemas.microsoft.com/office/drawing/2014/main" xmlns="" val="1247158220"/>
+                    <a16:rowId xmlns="" xmlns:a16="http://schemas.microsoft.com/office/drawing/2014/main" val="1247158220"/>
                   </a:ext>
                 </a:extLst>
               </a:tr>
@@ -22232,7 +22232,7 @@
         </p:blipFill>
         <p:spPr>
           <a:xfrm>
-            <a:off x="3799039" y="3388597"/>
+            <a:off x="3801374" y="3345526"/>
             <a:ext cx="1152525" cy="1047750"/>
           </a:xfrm>
           <a:prstGeom prst="rect">
@@ -42065,43 +42065,43 @@
 
 <file path=customXml/item1.xml><?xml version="1.0" encoding="utf-8"?>
 <Control xmlns="http://schemas.microsoft.com/VisualStudio/2011/storyboarding/control">
-  <Id Name="System.Storyboarding.Backgrounds.Window" Revision="1" Stencil="System.Storyboarding.Backgrounds" StencilVersion="0.1"/>
+  <Id Name="System.Storyboarding.Common.Text" Revision="1" Stencil="System.Storyboarding.Common" StencilVersion="0.1"/>
 </Control>
 </file>
 
 <file path=customXml/item2.xml><?xml version="1.0" encoding="utf-8"?>
 <Control xmlns="http://schemas.microsoft.com/VisualStudio/2011/storyboarding/control">
-  <Id Name="System.Storyboarding.Common.Text" Revision="1" Stencil="System.Storyboarding.Common" StencilVersion="0.1"/>
+  <Id Name="System.Storyboarding.Backgrounds.Window" Revision="1" Stencil="System.Storyboarding.Backgrounds" StencilVersion="0.1"/>
 </Control>
 </file>
 
 <file path=customXml/item3.xml><?xml version="1.0" encoding="utf-8"?>
 <Control xmlns="http://schemas.microsoft.com/VisualStudio/2011/storyboarding/control">
-  <Id Name="System.Storyboarding.Common.TextInput" Revision="1" Stencil="System.Storyboarding.Common" StencilVersion="0.1"/>
+  <Id Name="System.Storyboarding.Common.Text" Revision="1" Stencil="System.Storyboarding.Common" StencilVersion="0.1"/>
 </Control>
 </file>
 
 <file path=customXml/item4.xml><?xml version="1.0" encoding="utf-8"?>
 <Control xmlns="http://schemas.microsoft.com/VisualStudio/2011/storyboarding/control">
-  <Id Name="System.Storyboarding.Common.Text" Revision="1" Stencil="System.Storyboarding.Common" StencilVersion="0.1"/>
+  <Id Name="System.Storyboarding.WindowsApps.WindowsAppsComboBox" Revision="1" Stencil="System.Storyboarding.WindowsApps" StencilVersion="0.1"/>
 </Control>
 </file>
 
 <file path=customXml/item5.xml><?xml version="1.0" encoding="utf-8"?>
 <Control xmlns="http://schemas.microsoft.com/VisualStudio/2011/storyboarding/control">
-  <Id Name="System.Storyboarding.WindowsApps.WindowsAppsComboBox" Revision="1" Stencil="System.Storyboarding.WindowsApps" StencilVersion="0.1"/>
+  <Id Name="System.Storyboarding.Common.Text" Revision="1" Stencil="System.Storyboarding.Common" StencilVersion="0.1"/>
 </Control>
 </file>
 
 <file path=customXml/item6.xml><?xml version="1.0" encoding="utf-8"?>
 <Control xmlns="http://schemas.microsoft.com/VisualStudio/2011/storyboarding/control">
-  <Id Name="System.Storyboarding.Common.Text" Revision="1" Stencil="System.Storyboarding.Common" StencilVersion="0.1"/>
+  <Id Name="2af01176-85ee-4929-8d41-a331980c979e" RevisionId="be170569-95d9-41cc-85ac-d2bbd0fbf029" Stencil="172d6d98-e5c9-42e9-a209-79f7a94bbd38" StencilRevisionId="00000000-0000-0000-0000-000000000000" StencilVersion="0.0"/>
 </Control>
 </file>
 
 <file path=customXml/item7.xml><?xml version="1.0" encoding="utf-8"?>
 <Control xmlns="http://schemas.microsoft.com/VisualStudio/2011/storyboarding/control">
-  <Id Name="System.Storyboarding.Common.Button" Revision="1" Stencil="System.Storyboarding.Common" StencilVersion="0.1"/>
+  <Id Name="System.Storyboarding.Common.TextInput" Revision="1" Stencil="System.Storyboarding.Common" StencilVersion="0.1"/>
 </Control>
 </file>
 
@@ -42113,11 +42113,19 @@
 
 <file path=customXml/item9.xml><?xml version="1.0" encoding="utf-8"?>
 <Control xmlns="http://schemas.microsoft.com/VisualStudio/2011/storyboarding/control">
-  <Id Name="2af01176-85ee-4929-8d41-a331980c979e" RevisionId="be170569-95d9-41cc-85ac-d2bbd0fbf029" Stencil="172d6d98-e5c9-42e9-a209-79f7a94bbd38" StencilRevisionId="00000000-0000-0000-0000-000000000000" StencilVersion="0.0"/>
+  <Id Name="System.Storyboarding.Common.Button" Revision="1" Stencil="System.Storyboarding.Common" StencilVersion="0.1"/>
 </Control>
 </file>
 
 <file path=customXml/itemProps1.xml><?xml version="1.0" encoding="utf-8"?>
+<ds:datastoreItem xmlns:ds="http://schemas.openxmlformats.org/officeDocument/2006/customXml" ds:itemID="{2A370DCE-6B02-43E4-B462-EE68941381DA}">
+  <ds:schemaRefs>
+    <ds:schemaRef ds:uri="http://schemas.microsoft.com/VisualStudio/2011/storyboarding/control"/>
+  </ds:schemaRefs>
+</ds:datastoreItem>
+</file>
+
+<file path=customXml/itemProps2.xml><?xml version="1.0" encoding="utf-8"?>
 <ds:datastoreItem xmlns:ds="http://schemas.openxmlformats.org/officeDocument/2006/customXml" ds:itemID="{CAF9FAC5-0B41-4144-A530-E963B326E346}">
   <ds:schemaRefs>
     <ds:schemaRef ds:uri="http://schemas.microsoft.com/VisualStudio/2011/storyboarding/control"/>
@@ -42125,15 +42133,47 @@
 </ds:datastoreItem>
 </file>
 
-<file path=customXml/itemProps2.xml><?xml version="1.0" encoding="utf-8"?>
-<ds:datastoreItem xmlns:ds="http://schemas.openxmlformats.org/officeDocument/2006/customXml" ds:itemID="{2A370DCE-6B02-43E4-B462-EE68941381DA}">
+<file path=customXml/itemProps3.xml><?xml version="1.0" encoding="utf-8"?>
+<ds:datastoreItem xmlns:ds="http://schemas.openxmlformats.org/officeDocument/2006/customXml" ds:itemID="{81AF3BDC-10DF-4C3F-BD8E-EDEA0AC655D4}">
   <ds:schemaRefs>
     <ds:schemaRef ds:uri="http://schemas.microsoft.com/VisualStudio/2011/storyboarding/control"/>
   </ds:schemaRefs>
 </ds:datastoreItem>
 </file>
 
-<file path=customXml/itemProps3.xml><?xml version="1.0" encoding="utf-8"?>
+<file path=customXml/itemProps4.xml><?xml version="1.0" encoding="utf-8"?>
+<ds:datastoreItem xmlns:ds="http://schemas.openxmlformats.org/officeDocument/2006/customXml" ds:itemID="{5B412AC7-136E-45BA-B3BC-91E37935A539}">
+  <ds:schemaRefs>
+    <ds:schemaRef ds:uri="http://schemas.microsoft.com/VisualStudio/2011/storyboarding/control"/>
+  </ds:schemaRefs>
+</ds:datastoreItem>
+</file>
+
+<file path=customXml/itemProps5.xml><?xml version="1.0" encoding="utf-8"?>
+<ds:datastoreItem xmlns:ds="http://schemas.openxmlformats.org/officeDocument/2006/customXml" ds:itemID="{4F2255F7-A4C3-4E6F-9491-BD150D11E33A}">
+  <ds:schemaRefs>
+    <ds:schemaRef ds:uri="http://schemas.microsoft.com/VisualStudio/2011/storyboarding/control"/>
+  </ds:schemaRefs>
+</ds:datastoreItem>
+</file>
+
+<file path=customXml/itemProps6.xml><?xml version="1.0" encoding="utf-8"?>
+<ds:datastoreItem xmlns:ds="http://schemas.openxmlformats.org/officeDocument/2006/customXml" ds:itemID="{F8339007-68FA-4CD7-9B6A-03E725113E81}">
+  <ds:schemaRefs>
+    <ds:schemaRef ds:uri="http://schemas.microsoft.com/VisualStudio/2011/storyboarding/control"/>
+  </ds:schemaRefs>
+</ds:datastoreItem>
+</file>
+
+<file path=customXml/itemProps7.xml><?xml version="1.0" encoding="utf-8"?>
+<ds:datastoreItem xmlns:ds="http://schemas.openxmlformats.org/officeDocument/2006/customXml" ds:itemID="{8EAD2ED1-6E14-421A-9E09-F54401142C83}">
+  <ds:schemaRefs>
+    <ds:schemaRef ds:uri="http://schemas.microsoft.com/VisualStudio/2011/storyboarding/control"/>
+  </ds:schemaRefs>
+</ds:datastoreItem>
+</file>
+
+<file path=customXml/itemProps8.xml><?xml version="1.0" encoding="utf-8"?>
 <ds:datastoreItem xmlns:ds="http://schemas.openxmlformats.org/officeDocument/2006/customXml" ds:itemID="{44DB24E9-7B09-4AB5-8715-26638CA102DA}">
   <ds:schemaRefs>
     <ds:schemaRef ds:uri="http://schemas.microsoft.com/VisualStudio/2011/storyboarding/control"/>
@@ -42141,50 +42181,10 @@
 </ds:datastoreItem>
 </file>
 
-<file path=customXml/itemProps4.xml><?xml version="1.0" encoding="utf-8"?>
-<ds:datastoreItem xmlns:ds="http://schemas.openxmlformats.org/officeDocument/2006/customXml" ds:itemID="{4F2255F7-A4C3-4E6F-9491-BD150D11E33A}">
-  <ds:schemaRefs>
-    <ds:schemaRef ds:uri="http://schemas.microsoft.com/VisualStudio/2011/storyboarding/control"/>
-  </ds:schemaRefs>
-</ds:datastoreItem>
-</file>
-
-<file path=customXml/itemProps5.xml><?xml version="1.0" encoding="utf-8"?>
-<ds:datastoreItem xmlns:ds="http://schemas.openxmlformats.org/officeDocument/2006/customXml" ds:itemID="{5B412AC7-136E-45BA-B3BC-91E37935A539}">
-  <ds:schemaRefs>
-    <ds:schemaRef ds:uri="http://schemas.microsoft.com/VisualStudio/2011/storyboarding/control"/>
-  </ds:schemaRefs>
-</ds:datastoreItem>
-</file>
-
-<file path=customXml/itemProps6.xml><?xml version="1.0" encoding="utf-8"?>
-<ds:datastoreItem xmlns:ds="http://schemas.openxmlformats.org/officeDocument/2006/customXml" ds:itemID="{81AF3BDC-10DF-4C3F-BD8E-EDEA0AC655D4}">
-  <ds:schemaRefs>
-    <ds:schemaRef ds:uri="http://schemas.microsoft.com/VisualStudio/2011/storyboarding/control"/>
-  </ds:schemaRefs>
-</ds:datastoreItem>
-</file>
-
-<file path=customXml/itemProps7.xml><?xml version="1.0" encoding="utf-8"?>
+<file path=customXml/itemProps9.xml><?xml version="1.0" encoding="utf-8"?>
 <ds:datastoreItem xmlns:ds="http://schemas.openxmlformats.org/officeDocument/2006/customXml" ds:itemID="{0B1D9A1B-8DEB-4B6A-BF18-7B9C5DBF533E}">
   <ds:schemaRefs>
     <ds:schemaRef ds:uri="http://schemas.microsoft.com/VisualStudio/2011/storyboarding/control"/>
   </ds:schemaRefs>
 </ds:datastoreItem>
-</file>
-
-<file path=customXml/itemProps8.xml><?xml version="1.0" encoding="utf-8"?>
-<ds:datastoreItem xmlns:ds="http://schemas.openxmlformats.org/officeDocument/2006/customXml" ds:itemID="{8EAD2ED1-6E14-421A-9E09-F54401142C83}">
-  <ds:schemaRefs>
-    <ds:schemaRef ds:uri="http://schemas.microsoft.com/VisualStudio/2011/storyboarding/control"/>
-  </ds:schemaRefs>
-</ds:datastoreItem>
-</file>
-
-<file path=customXml/itemProps9.xml><?xml version="1.0" encoding="utf-8"?>
-<ds:datastoreItem xmlns:ds="http://schemas.openxmlformats.org/officeDocument/2006/customXml" ds:itemID="{F8339007-68FA-4CD7-9B6A-03E725113E81}">
-  <ds:schemaRefs>
-    <ds:schemaRef ds:uri="http://schemas.microsoft.com/VisualStudio/2011/storyboarding/control"/>
-  </ds:schemaRefs>
-</ds:datastoreItem>
 </file>
--- a/Documentos/ControlTransmisionesV1.0.pptx
+++ b/Documentos/ControlTransmisionesV1.0.pptx
@@ -11971,7 +11971,7 @@
             <a:fld id="{33BC5C0D-1A8E-40E5-ADA0-84DBF59AA5C6}" type="datetimeFigureOut">
               <a:rPr lang="es-PE" smtClean="0"/>
               <a:pPr/>
-              <a:t>10/04/2018</a:t>
+              <a:t>11/04/2018</a:t>
             </a:fld>
             <a:endParaRPr lang="es-PE"/>
           </a:p>
@@ -12138,7 +12138,7 @@
             <a:fld id="{1D6789CF-F719-4CF8-BD89-6F425D155B51}" type="datetimeFigureOut">
               <a:rPr lang="es-PE" smtClean="0"/>
               <a:pPr/>
-              <a:t>10/04/2018</a:t>
+              <a:t>11/04/2018</a:t>
             </a:fld>
             <a:endParaRPr lang="es-PE"/>
           </a:p>
@@ -12492,7 +12492,7 @@
             <a:fld id="{D7E77C8B-DD1F-4A72-984B-6415D7DA5034}" type="datetimeFigureOut">
               <a:rPr lang="es-PE" smtClean="0"/>
               <a:pPr/>
-              <a:t>10/04/2018</a:t>
+              <a:t>11/04/2018</a:t>
             </a:fld>
             <a:endParaRPr lang="es-PE" dirty="0"/>
           </a:p>
@@ -17022,21 +17022,21 @@
                 <a:gridCol w="3384376">
                   <a:extLst>
                     <a:ext uri="{9D8B030D-6E8A-4147-A177-3AD203B41FA5}">
-                      <a16:colId xmlns="" xmlns:a16="http://schemas.microsoft.com/office/drawing/2014/main" val="1132393356"/>
+                      <a16:colId xmlns:a16="http://schemas.microsoft.com/office/drawing/2014/main" xmlns="" val="1132393356"/>
                     </a:ext>
                   </a:extLst>
                 </a:gridCol>
                 <a:gridCol w="3456384">
                   <a:extLst>
                     <a:ext uri="{9D8B030D-6E8A-4147-A177-3AD203B41FA5}">
-                      <a16:colId xmlns="" xmlns:a16="http://schemas.microsoft.com/office/drawing/2014/main" val="1626536487"/>
+                      <a16:colId xmlns:a16="http://schemas.microsoft.com/office/drawing/2014/main" xmlns="" val="1626536487"/>
                     </a:ext>
                   </a:extLst>
                 </a:gridCol>
                 <a:gridCol w="3888431">
                   <a:extLst>
                     <a:ext uri="{9D8B030D-6E8A-4147-A177-3AD203B41FA5}">
-                      <a16:colId xmlns="" xmlns:a16="http://schemas.microsoft.com/office/drawing/2014/main" val="4116983734"/>
+                      <a16:colId xmlns:a16="http://schemas.microsoft.com/office/drawing/2014/main" xmlns="" val="4116983734"/>
                     </a:ext>
                   </a:extLst>
                 </a:gridCol>
@@ -17098,7 +17098,7 @@
                 </a:tc>
                 <a:extLst>
                   <a:ext uri="{0D108BD9-81ED-4DB2-BD59-A6C34878D82A}">
-                    <a16:rowId xmlns="" xmlns:a16="http://schemas.microsoft.com/office/drawing/2014/main" val="88557266"/>
+                    <a16:rowId xmlns:a16="http://schemas.microsoft.com/office/drawing/2014/main" xmlns="" val="88557266"/>
                   </a:ext>
                 </a:extLst>
               </a:tr>
@@ -17180,7 +17180,7 @@
                 </a:tc>
                 <a:extLst>
                   <a:ext uri="{0D108BD9-81ED-4DB2-BD59-A6C34878D82A}">
-                    <a16:rowId xmlns="" xmlns:a16="http://schemas.microsoft.com/office/drawing/2014/main" val="1247158220"/>
+                    <a16:rowId xmlns:a16="http://schemas.microsoft.com/office/drawing/2014/main" xmlns="" val="1247158220"/>
                   </a:ext>
                 </a:extLst>
               </a:tr>
@@ -17245,7 +17245,7 @@
         </p:nvGrpSpPr>
         <p:grpSpPr>
           <a:xfrm>
-            <a:off x="8566697" y="2917384"/>
+            <a:off x="8710713" y="2917384"/>
             <a:ext cx="401954" cy="126269"/>
             <a:chOff x="8223839" y="2384407"/>
             <a:chExt cx="535938" cy="168359"/>
@@ -17459,7 +17459,7 @@
         </p:nvSpPr>
         <p:spPr>
           <a:xfrm>
-            <a:off x="2455326" y="1340768"/>
+            <a:off x="2599342" y="1340768"/>
             <a:ext cx="9032637" cy="239255"/>
           </a:xfrm>
           <a:custGeom>
@@ -17558,7 +17558,7 @@
         </p:nvSpPr>
         <p:spPr>
           <a:xfrm>
-            <a:off x="2412446" y="1612765"/>
+            <a:off x="2556462" y="1612765"/>
             <a:ext cx="9102136" cy="1797936"/>
           </a:xfrm>
           <a:custGeom>
@@ -17670,7 +17670,7 @@
         </p:nvCxnSpPr>
         <p:spPr>
           <a:xfrm>
-            <a:off x="6725895" y="1626028"/>
+            <a:off x="6869911" y="1626028"/>
             <a:ext cx="0" cy="1508060"/>
           </a:xfrm>
           <a:prstGeom prst="straightConnector1">
@@ -17694,7 +17694,7 @@
         </p:nvCxnSpPr>
         <p:spPr>
           <a:xfrm flipH="1">
-            <a:off x="8507789" y="1626028"/>
+            <a:off x="8651805" y="1626028"/>
             <a:ext cx="692" cy="1508060"/>
           </a:xfrm>
           <a:prstGeom prst="straightConnector1">
@@ -17718,7 +17718,7 @@
         </p:nvSpPr>
         <p:spPr>
           <a:xfrm>
-            <a:off x="2412446" y="2950711"/>
+            <a:off x="2556462" y="2950711"/>
             <a:ext cx="1086426" cy="207749"/>
           </a:xfrm>
           <a:prstGeom prst="rect">
@@ -17763,7 +17763,7 @@
         </p:nvSpPr>
         <p:spPr>
           <a:xfrm>
-            <a:off x="8503825" y="1864419"/>
+            <a:off x="8647841" y="1864419"/>
             <a:ext cx="909021" cy="311752"/>
           </a:xfrm>
           <a:prstGeom prst="rect">
@@ -17814,7 +17814,7 @@
         </p:nvSpPr>
         <p:spPr>
           <a:xfrm>
-            <a:off x="9490877" y="1866881"/>
+            <a:off x="9634893" y="1866881"/>
             <a:ext cx="909021" cy="311752"/>
           </a:xfrm>
           <a:prstGeom prst="rect">
@@ -17865,7 +17865,7 @@
         </p:nvSpPr>
         <p:spPr>
           <a:xfrm>
-            <a:off x="10357714" y="1772014"/>
+            <a:off x="10501730" y="1772014"/>
             <a:ext cx="1156869" cy="433004"/>
           </a:xfrm>
           <a:prstGeom prst="rect">
@@ -17916,7 +17916,7 @@
         </p:nvSpPr>
         <p:spPr>
           <a:xfrm>
-            <a:off x="8314664" y="6322140"/>
+            <a:off x="8458680" y="6322140"/>
             <a:ext cx="378321" cy="385454"/>
           </a:xfrm>
           <a:custGeom>
@@ -18073,7 +18073,7 @@
         </p:nvSpPr>
         <p:spPr>
           <a:xfrm>
-            <a:off x="5028705" y="2945371"/>
+            <a:off x="5172721" y="2945371"/>
             <a:ext cx="917031" cy="207749"/>
           </a:xfrm>
           <a:prstGeom prst="rect">
@@ -18124,7 +18124,7 @@
         </p:nvSpPr>
         <p:spPr>
           <a:xfrm>
-            <a:off x="5841433" y="2945371"/>
+            <a:off x="5985449" y="2945371"/>
             <a:ext cx="917031" cy="207749"/>
           </a:xfrm>
           <a:prstGeom prst="rect">
@@ -18175,7 +18175,7 @@
         </p:nvSpPr>
         <p:spPr>
           <a:xfrm>
-            <a:off x="8615631" y="2966795"/>
+            <a:off x="8759647" y="2966795"/>
             <a:ext cx="917031" cy="190501"/>
           </a:xfrm>
           <a:prstGeom prst="rect">
@@ -18226,7 +18226,7 @@
         </p:nvSpPr>
         <p:spPr>
           <a:xfrm>
-            <a:off x="9571177" y="2966795"/>
+            <a:off x="9715193" y="2966795"/>
             <a:ext cx="917031" cy="190501"/>
           </a:xfrm>
           <a:prstGeom prst="rect">
@@ -18277,7 +18277,7 @@
         </p:nvSpPr>
         <p:spPr>
           <a:xfrm>
-            <a:off x="10538148" y="2955761"/>
+            <a:off x="10682164" y="2955761"/>
             <a:ext cx="917031" cy="190501"/>
           </a:xfrm>
           <a:prstGeom prst="rect">
@@ -18328,7 +18328,7 @@
         </p:nvGrpSpPr>
         <p:grpSpPr>
           <a:xfrm>
-            <a:off x="6728872" y="2156782"/>
+            <a:off x="6872888" y="2156782"/>
             <a:ext cx="80561" cy="481699"/>
             <a:chOff x="5755233" y="1147872"/>
             <a:chExt cx="107414" cy="642265"/>
@@ -18542,7 +18542,7 @@
         </p:nvGrpSpPr>
         <p:grpSpPr>
           <a:xfrm>
-            <a:off x="8528253" y="2167125"/>
+            <a:off x="8672269" y="2167125"/>
             <a:ext cx="80561" cy="481699"/>
             <a:chOff x="8154408" y="1161662"/>
             <a:chExt cx="107414" cy="642265"/>
@@ -18756,7 +18756,7 @@
         </p:nvGrpSpPr>
         <p:grpSpPr>
           <a:xfrm>
-            <a:off x="2561193" y="1632722"/>
+            <a:off x="2705209" y="1632722"/>
             <a:ext cx="4002210" cy="244466"/>
             <a:chOff x="2825029" y="459979"/>
             <a:chExt cx="2494640" cy="321871"/>
@@ -19016,7 +19016,7 @@
         </p:nvGrpSpPr>
         <p:grpSpPr>
           <a:xfrm>
-            <a:off x="6971644" y="1636156"/>
+            <a:off x="7115660" y="1636156"/>
             <a:ext cx="1323312" cy="231664"/>
             <a:chOff x="6078931" y="453706"/>
             <a:chExt cx="1764416" cy="308885"/>
@@ -19276,7 +19276,7 @@
         </p:nvGrpSpPr>
         <p:grpSpPr>
           <a:xfrm>
-            <a:off x="9326057" y="1635398"/>
+            <a:off x="9470073" y="1635398"/>
             <a:ext cx="1385844" cy="231663"/>
             <a:chOff x="9218151" y="452693"/>
             <a:chExt cx="1847793" cy="308883"/>
@@ -19533,11 +19533,15 @@
           <p:cNvPr id="38" name="Gráfico 129"/>
           <p:cNvGraphicFramePr/>
           <p:nvPr>
-            <p:extLst/>
+            <p:extLst>
+              <p:ext uri="{D42A27DB-BD31-4B8C-83A1-F6EECF244321}">
+                <p14:modId xmlns:p14="http://schemas.microsoft.com/office/powerpoint/2010/main" val="4142582553"/>
+              </p:ext>
+            </p:extLst>
           </p:nvPr>
         </p:nvGraphicFramePr>
         <p:xfrm>
-          <a:off x="3816094" y="1347334"/>
+          <a:off x="3960110" y="1347334"/>
           <a:ext cx="1892566" cy="2048110"/>
         </p:xfrm>
         <a:graphic>
@@ -19551,11 +19555,15 @@
           <p:cNvPr id="39" name="Gráfico 130"/>
           <p:cNvGraphicFramePr/>
           <p:nvPr>
-            <p:extLst/>
+            <p:extLst>
+              <p:ext uri="{D42A27DB-BD31-4B8C-83A1-F6EECF244321}">
+                <p14:modId xmlns:p14="http://schemas.microsoft.com/office/powerpoint/2010/main" val="285837042"/>
+              </p:ext>
+            </p:extLst>
           </p:nvPr>
         </p:nvGraphicFramePr>
         <p:xfrm>
-          <a:off x="4784989" y="1838621"/>
+          <a:off x="4929005" y="1838621"/>
           <a:ext cx="1235744" cy="1306100"/>
         </p:xfrm>
         <a:graphic>
@@ -19569,11 +19577,15 @@
           <p:cNvPr id="40" name="Gráfico 131"/>
           <p:cNvGraphicFramePr/>
           <p:nvPr>
-            <p:extLst/>
+            <p:extLst>
+              <p:ext uri="{D42A27DB-BD31-4B8C-83A1-F6EECF244321}">
+                <p14:modId xmlns:p14="http://schemas.microsoft.com/office/powerpoint/2010/main" val="3554540570"/>
+              </p:ext>
+            </p:extLst>
           </p:nvPr>
         </p:nvGraphicFramePr>
         <p:xfrm>
-          <a:off x="5472306" y="1872920"/>
+          <a:off x="5616322" y="1872920"/>
           <a:ext cx="1534733" cy="1182732"/>
         </p:xfrm>
         <a:graphic>
@@ -19590,7 +19602,7 @@
         </p:nvSpPr>
         <p:spPr>
           <a:xfrm>
-            <a:off x="6939504" y="2887978"/>
+            <a:off x="7083520" y="2887978"/>
             <a:ext cx="755557" cy="369332"/>
           </a:xfrm>
           <a:prstGeom prst="rect">
@@ -19623,7 +19635,7 @@
         </p:nvSpPr>
         <p:spPr>
           <a:xfrm>
-            <a:off x="7695086" y="2897174"/>
+            <a:off x="7839102" y="2897174"/>
             <a:ext cx="1058574" cy="215444"/>
           </a:xfrm>
           <a:prstGeom prst="rect">
@@ -19656,7 +19668,7 @@
         </p:nvSpPr>
         <p:spPr>
           <a:xfrm>
-            <a:off x="3531326" y="2941782"/>
+            <a:off x="3675342" y="2941782"/>
             <a:ext cx="499100" cy="230832"/>
           </a:xfrm>
           <a:prstGeom prst="rect">
@@ -19689,7 +19701,7 @@
         </p:nvSpPr>
         <p:spPr>
           <a:xfrm>
-            <a:off x="4214077" y="2953292"/>
+            <a:off x="4358093" y="2953292"/>
             <a:ext cx="917031" cy="207749"/>
           </a:xfrm>
           <a:prstGeom prst="rect">
@@ -19737,11 +19749,15 @@
           <p:cNvPr id="45" name="Gráfico 133"/>
           <p:cNvGraphicFramePr/>
           <p:nvPr>
-            <p:extLst/>
+            <p:extLst>
+              <p:ext uri="{D42A27DB-BD31-4B8C-83A1-F6EECF244321}">
+                <p14:modId xmlns:p14="http://schemas.microsoft.com/office/powerpoint/2010/main" val="1054967937"/>
+              </p:ext>
+            </p:extLst>
           </p:nvPr>
         </p:nvGraphicFramePr>
         <p:xfrm>
-          <a:off x="3024007" y="1787720"/>
+          <a:off x="3168023" y="1787720"/>
           <a:ext cx="1341027" cy="1167338"/>
         </p:xfrm>
         <a:graphic>
@@ -19755,11 +19771,15 @@
           <p:cNvPr id="46" name="Gráfico 133"/>
           <p:cNvGraphicFramePr/>
           <p:nvPr>
-            <p:extLst/>
+            <p:extLst>
+              <p:ext uri="{D42A27DB-BD31-4B8C-83A1-F6EECF244321}">
+                <p14:modId xmlns:p14="http://schemas.microsoft.com/office/powerpoint/2010/main" val="1723808516"/>
+              </p:ext>
+            </p:extLst>
           </p:nvPr>
         </p:nvGraphicFramePr>
         <p:xfrm>
-          <a:off x="2206774" y="1625104"/>
+          <a:off x="2350790" y="1625104"/>
           <a:ext cx="1422464" cy="1719063"/>
         </p:xfrm>
         <a:graphic>
@@ -19776,7 +19796,7 @@
         </p:nvSpPr>
         <p:spPr>
           <a:xfrm>
-            <a:off x="2392671" y="3298680"/>
+            <a:off x="2536687" y="3298680"/>
             <a:ext cx="9175143" cy="1362827"/>
           </a:xfrm>
           <a:custGeom>
@@ -19890,7 +19910,7 @@
         </p:nvSpPr>
         <p:spPr>
           <a:xfrm>
-            <a:off x="3029917" y="3985371"/>
+            <a:off x="3173933" y="3985371"/>
             <a:ext cx="281143" cy="276999"/>
           </a:xfrm>
           <a:prstGeom prst="rect">
@@ -19923,7 +19943,7 @@
         </p:nvSpPr>
         <p:spPr>
           <a:xfrm>
-            <a:off x="3199532" y="3442616"/>
+            <a:off x="3343548" y="3442616"/>
             <a:ext cx="560348" cy="276999"/>
           </a:xfrm>
           <a:prstGeom prst="rect">
@@ -19956,7 +19976,7 @@
         </p:nvGrpSpPr>
         <p:grpSpPr>
           <a:xfrm>
-            <a:off x="8428085" y="3370026"/>
+            <a:off x="8572101" y="3370026"/>
             <a:ext cx="3123928" cy="1108289"/>
             <a:chOff x="86776" y="2439418"/>
             <a:chExt cx="3123928" cy="1108289"/>
@@ -20438,11 +20458,15 @@
           <p:cNvPr id="69" name="Gráfico 132"/>
           <p:cNvGraphicFramePr/>
           <p:nvPr>
-            <p:extLst/>
+            <p:extLst>
+              <p:ext uri="{D42A27DB-BD31-4B8C-83A1-F6EECF244321}">
+                <p14:modId xmlns:p14="http://schemas.microsoft.com/office/powerpoint/2010/main" val="2585355921"/>
+              </p:ext>
+            </p:extLst>
           </p:nvPr>
         </p:nvGraphicFramePr>
         <p:xfrm>
-          <a:off x="6623721" y="1801232"/>
+          <a:off x="6767737" y="1801232"/>
           <a:ext cx="1244254" cy="1305060"/>
         </p:xfrm>
         <a:graphic>
@@ -20456,11 +20480,15 @@
           <p:cNvPr id="70" name="Gráfico 132"/>
           <p:cNvGraphicFramePr/>
           <p:nvPr>
-            <p:extLst/>
+            <p:extLst>
+              <p:ext uri="{D42A27DB-BD31-4B8C-83A1-F6EECF244321}">
+                <p14:modId xmlns:p14="http://schemas.microsoft.com/office/powerpoint/2010/main" val="532933979"/>
+              </p:ext>
+            </p:extLst>
           </p:nvPr>
         </p:nvGraphicFramePr>
         <p:xfrm>
-          <a:off x="7448098" y="1793494"/>
+          <a:off x="7592114" y="1793494"/>
           <a:ext cx="1244254" cy="1305060"/>
         </p:xfrm>
         <a:graphic>
@@ -20474,11 +20502,15 @@
           <p:cNvPr id="71" name="Gráfico 134"/>
           <p:cNvGraphicFramePr/>
           <p:nvPr>
-            <p:extLst/>
+            <p:extLst>
+              <p:ext uri="{D42A27DB-BD31-4B8C-83A1-F6EECF244321}">
+                <p14:modId xmlns:p14="http://schemas.microsoft.com/office/powerpoint/2010/main" val="4134949818"/>
+              </p:ext>
+            </p:extLst>
           </p:nvPr>
         </p:nvGraphicFramePr>
         <p:xfrm>
-          <a:off x="8464577" y="1958364"/>
+          <a:off x="8608593" y="1958364"/>
           <a:ext cx="1170536" cy="1150786"/>
         </p:xfrm>
         <a:graphic>
@@ -20492,11 +20524,15 @@
           <p:cNvPr id="72" name="Gráfico 134"/>
           <p:cNvGraphicFramePr/>
           <p:nvPr>
-            <p:extLst/>
+            <p:extLst>
+              <p:ext uri="{D42A27DB-BD31-4B8C-83A1-F6EECF244321}">
+                <p14:modId xmlns:p14="http://schemas.microsoft.com/office/powerpoint/2010/main" val="3815863841"/>
+              </p:ext>
+            </p:extLst>
           </p:nvPr>
         </p:nvGraphicFramePr>
         <p:xfrm>
-          <a:off x="9437849" y="1964175"/>
+          <a:off x="9581865" y="1964175"/>
           <a:ext cx="1159730" cy="1151285"/>
         </p:xfrm>
         <a:graphic>
@@ -20510,11 +20546,15 @@
           <p:cNvPr id="73" name="Gráfico 134"/>
           <p:cNvGraphicFramePr/>
           <p:nvPr>
-            <p:extLst/>
+            <p:extLst>
+              <p:ext uri="{D42A27DB-BD31-4B8C-83A1-F6EECF244321}">
+                <p14:modId xmlns:p14="http://schemas.microsoft.com/office/powerpoint/2010/main" val="1713026084"/>
+              </p:ext>
+            </p:extLst>
           </p:nvPr>
         </p:nvGraphicFramePr>
         <p:xfrm>
-          <a:off x="10390623" y="1973266"/>
+          <a:off x="10534639" y="1973266"/>
           <a:ext cx="1159730" cy="1151285"/>
         </p:xfrm>
         <a:graphic>
@@ -20531,7 +20571,7 @@
         </p:nvSpPr>
         <p:spPr>
           <a:xfrm>
-            <a:off x="2569675" y="2161183"/>
+            <a:off x="2713691" y="2161183"/>
             <a:ext cx="255198" cy="246221"/>
           </a:xfrm>
           <a:prstGeom prst="rect">
@@ -20572,7 +20612,7 @@
         </p:blipFill>
         <p:spPr>
           <a:xfrm>
-            <a:off x="2392670" y="4587708"/>
+            <a:off x="2536686" y="4587708"/>
             <a:ext cx="9128462" cy="1940241"/>
           </a:xfrm>
           <a:prstGeom prst="rect">
@@ -20588,7 +20628,7 @@
         </p:nvSpPr>
         <p:spPr>
           <a:xfrm>
-            <a:off x="2667695" y="2293511"/>
+            <a:off x="2811711" y="2293511"/>
             <a:ext cx="490293" cy="385890"/>
           </a:xfrm>
           <a:custGeom>
@@ -20748,7 +20788,7 @@
         </p:nvSpPr>
         <p:spPr>
           <a:xfrm>
-            <a:off x="3518941" y="2307566"/>
+            <a:off x="3662957" y="2307566"/>
             <a:ext cx="419206" cy="370010"/>
           </a:xfrm>
           <a:custGeom>
@@ -20908,7 +20948,7 @@
         </p:nvSpPr>
         <p:spPr>
           <a:xfrm>
-            <a:off x="4336818" y="2289028"/>
+            <a:off x="4480834" y="2289028"/>
             <a:ext cx="490293" cy="385890"/>
           </a:xfrm>
           <a:custGeom>
@@ -21074,7 +21114,7 @@
         </p:nvSpPr>
         <p:spPr>
           <a:xfrm>
-            <a:off x="5176755" y="2330330"/>
+            <a:off x="5320771" y="2330330"/>
             <a:ext cx="459749" cy="359154"/>
           </a:xfrm>
           <a:custGeom>
@@ -21234,7 +21274,7 @@
         </p:nvSpPr>
         <p:spPr>
           <a:xfrm>
-            <a:off x="6005941" y="2289670"/>
+            <a:off x="6149957" y="2289670"/>
             <a:ext cx="459749" cy="359154"/>
           </a:xfrm>
           <a:custGeom>
@@ -21394,7 +21434,7 @@
         </p:nvSpPr>
         <p:spPr>
           <a:xfrm>
-            <a:off x="7015975" y="2275808"/>
+            <a:off x="7159991" y="2275808"/>
             <a:ext cx="459749" cy="359154"/>
           </a:xfrm>
           <a:custGeom>
@@ -21560,7 +21600,7 @@
         </p:nvSpPr>
         <p:spPr>
           <a:xfrm>
-            <a:off x="7866244" y="2276397"/>
+            <a:off x="8010260" y="2276397"/>
             <a:ext cx="459749" cy="359154"/>
           </a:xfrm>
           <a:custGeom>
@@ -21726,7 +21766,7 @@
         </p:nvSpPr>
         <p:spPr>
           <a:xfrm>
-            <a:off x="8844271" y="2367171"/>
+            <a:off x="8988287" y="2367171"/>
             <a:ext cx="413346" cy="359154"/>
           </a:xfrm>
           <a:custGeom>
@@ -21892,7 +21932,7 @@
         </p:nvSpPr>
         <p:spPr>
           <a:xfrm>
-            <a:off x="9725521" y="2325929"/>
+            <a:off x="9869537" y="2325929"/>
             <a:ext cx="505879" cy="437732"/>
           </a:xfrm>
           <a:custGeom>
@@ -22058,7 +22098,7 @@
         </p:nvSpPr>
         <p:spPr>
           <a:xfrm>
-            <a:off x="10725908" y="2354543"/>
+            <a:off x="10869924" y="2354543"/>
             <a:ext cx="459749" cy="359154"/>
           </a:xfrm>
           <a:custGeom>
@@ -22232,7 +22272,7 @@
         </p:blipFill>
         <p:spPr>
           <a:xfrm>
-            <a:off x="3801374" y="3345526"/>
+            <a:off x="3945390" y="3345526"/>
             <a:ext cx="1152525" cy="1047750"/>
           </a:xfrm>
           <a:prstGeom prst="rect">
@@ -22256,7 +22296,7 @@
         </p:blipFill>
         <p:spPr>
           <a:xfrm>
-            <a:off x="2480249" y="3348467"/>
+            <a:off x="2624265" y="3348467"/>
             <a:ext cx="1223904" cy="1158803"/>
           </a:xfrm>
           <a:prstGeom prst="rect">
@@ -22464,7 +22504,7 @@
         <p:spPr>
           <a:xfrm>
             <a:off x="-17365" y="3654782"/>
-            <a:ext cx="2422989" cy="923330"/>
+            <a:ext cx="2422989" cy="523220"/>
           </a:xfrm>
           <a:prstGeom prst="rect">
             <a:avLst/>
@@ -22477,60 +22517,12 @@
           <a:lstStyle/>
           <a:p>
             <a:r>
-              <a:rPr lang="es-PE" dirty="0">
+              <a:rPr lang="es-PE" sz="1400" dirty="0">
                 <a:solidFill>
                   <a:srgbClr val="00B050"/>
                 </a:solidFill>
               </a:rPr>
               <a:t>Deberá tener una opción para cerrar el vuelo </a:t>
-            </a:r>
-          </a:p>
-        </p:txBody>
-      </p:sp>
-      <p:sp>
-        <p:nvSpPr>
-          <p:cNvPr id="89" name="Rectángulo 88"/>
-          <p:cNvSpPr/>
-          <p:nvPr/>
-        </p:nvSpPr>
-        <p:spPr>
-          <a:xfrm>
-            <a:off x="-63952" y="4478315"/>
-            <a:ext cx="2422989" cy="923330"/>
-          </a:xfrm>
-          <a:prstGeom prst="rect">
-            <a:avLst/>
-          </a:prstGeom>
-        </p:spPr>
-        <p:txBody>
-          <a:bodyPr wrap="square">
-            <a:spAutoFit/>
-          </a:bodyPr>
-          <a:lstStyle/>
-          <a:p>
-            <a:r>
-              <a:rPr lang="es-PE" dirty="0">
-                <a:solidFill>
-                  <a:srgbClr val="FF0000"/>
-                </a:solidFill>
-              </a:rPr>
-              <a:t>Deberá tener una opción para </a:t>
-            </a:r>
-            <a:r>
-              <a:rPr lang="es-PE" dirty="0" smtClean="0">
-                <a:solidFill>
-                  <a:srgbClr val="FF0000"/>
-                </a:solidFill>
-              </a:rPr>
-              <a:t>abrir </a:t>
-            </a:r>
-            <a:r>
-              <a:rPr lang="es-PE" dirty="0">
-                <a:solidFill>
-                  <a:srgbClr val="FF0000"/>
-                </a:solidFill>
-              </a:rPr>
-              <a:t>vuelo </a:t>
             </a:r>
           </a:p>
         </p:txBody>
@@ -22543,8 +22535,8 @@
         </p:nvSpPr>
         <p:spPr>
           <a:xfrm>
-            <a:off x="130610" y="5589240"/>
-            <a:ext cx="6397905" cy="1200329"/>
+            <a:off x="-21409" y="4327635"/>
+            <a:ext cx="2598788" cy="738664"/>
           </a:xfrm>
           <a:prstGeom prst="rect">
             <a:avLst/>
@@ -22558,47 +22550,42 @@
           <a:lstStyle/>
           <a:p>
             <a:r>
-              <a:rPr lang="es-PE" dirty="0" smtClean="0"/>
+              <a:rPr lang="es-PE" sz="1400" dirty="0" smtClean="0"/>
               <a:t>-No vuelos </a:t>
             </a:r>
             <a:r>
-              <a:rPr lang="es-PE" dirty="0" err="1" smtClean="0"/>
+              <a:rPr lang="es-PE" sz="1400" dirty="0" err="1" smtClean="0"/>
               <a:t>nill</a:t>
             </a:r>
             <a:r>
-              <a:rPr lang="es-PE" dirty="0" smtClean="0"/>
+              <a:rPr lang="es-PE" sz="1400" dirty="0" smtClean="0"/>
               <a:t> , 9998</a:t>
             </a:r>
           </a:p>
           <a:p>
             <a:r>
-              <a:rPr lang="es-PE" dirty="0" smtClean="0"/>
-              <a:t>-Mostrar vuelos con 4 horas antes de su fecha de arribo</a:t>
+              <a:rPr lang="es-PE" sz="1400" dirty="0" smtClean="0"/>
+              <a:t>-Mostrar vuelos con 4 </a:t>
+            </a:r>
+            <a:r>
+              <a:rPr lang="es-PE" sz="1400" dirty="0" smtClean="0"/>
+              <a:t>horas</a:t>
             </a:r>
           </a:p>
           <a:p>
-            <a:pPr marL="285750" indent="-285750">
-              <a:buFontTx/>
-              <a:buChar char="-"/>
-            </a:pPr>
             <a:r>
-              <a:rPr lang="es-PE" dirty="0" smtClean="0"/>
-              <a:t>? Ver estados</a:t>
-            </a:r>
-          </a:p>
-          <a:p>
-            <a:pPr marL="285750" indent="-285750">
-              <a:buFontTx/>
-              <a:buChar char="-"/>
-            </a:pPr>
-            <a:r>
-              <a:rPr lang="es-PE" dirty="0" err="1" smtClean="0"/>
-              <a:t>Opcion</a:t>
+              <a:rPr lang="es-PE" sz="1400" dirty="0" smtClean="0"/>
+              <a:t>antes </a:t>
             </a:r>
             <a:r>
-              <a:rPr lang="es-PE" dirty="0" smtClean="0"/>
-              <a:t> que oculte vuelos comerciales y cao</a:t>
+              <a:rPr lang="es-PE" sz="1400" dirty="0" smtClean="0"/>
+              <a:t>de su fecha de </a:t>
             </a:r>
+            <a:r>
+              <a:rPr lang="es-PE" sz="1400" dirty="0" smtClean="0"/>
+              <a:t>arribo</a:t>
+            </a:r>
+            <a:endParaRPr lang="es-PE" sz="1400" dirty="0" smtClean="0"/>
           </a:p>
         </p:txBody>
       </p:sp>
@@ -22942,8 +22929,8 @@
         </p:nvSpPr>
         <p:spPr>
           <a:xfrm>
-            <a:off x="-853" y="819324"/>
-            <a:ext cx="4318811" cy="3970318"/>
+            <a:off x="48748" y="1120085"/>
+            <a:ext cx="2776722" cy="2739211"/>
           </a:xfrm>
           <a:prstGeom prst="rect">
             <a:avLst/>
@@ -22957,82 +22944,104 @@
           <a:lstStyle/>
           <a:p>
             <a:r>
-              <a:rPr lang="es-PE" dirty="0" smtClean="0"/>
-              <a:t>-Diferenciar la modalidad en la guía </a:t>
+              <a:rPr lang="es-PE" sz="1400" dirty="0" smtClean="0"/>
+              <a:t>-Diferenciar la modalidad en </a:t>
+            </a:r>
+            <a:endParaRPr lang="es-PE" sz="1400" dirty="0" smtClean="0"/>
+          </a:p>
+          <a:p>
+            <a:r>
+              <a:rPr lang="es-PE" sz="1400" dirty="0" smtClean="0"/>
+              <a:t>la </a:t>
+            </a:r>
+            <a:r>
+              <a:rPr lang="es-PE" sz="1400" dirty="0" smtClean="0"/>
+              <a:t>guía </a:t>
+            </a:r>
+            <a:r>
+              <a:rPr lang="es-PE" sz="1400" dirty="0" smtClean="0"/>
+              <a:t>Y </a:t>
+            </a:r>
+            <a:r>
+              <a:rPr lang="es-PE" sz="1400" dirty="0" smtClean="0"/>
+              <a:t>si son </a:t>
+            </a:r>
+            <a:endParaRPr lang="es-PE" sz="1400" dirty="0" smtClean="0"/>
+          </a:p>
+          <a:p>
+            <a:r>
+              <a:rPr lang="es-PE" sz="1400" dirty="0" smtClean="0"/>
+              <a:t>códigos </a:t>
+            </a:r>
+            <a:r>
+              <a:rPr lang="es-PE" sz="1400" dirty="0" smtClean="0"/>
+              <a:t>02(tipo de ingreso) </a:t>
             </a:r>
           </a:p>
           <a:p>
             <a:r>
-              <a:rPr lang="es-PE" dirty="0" smtClean="0"/>
-              <a:t>Y si son códigos 02(tipo de ingreso) </a:t>
+              <a:rPr lang="es-PE" sz="1400" dirty="0" smtClean="0"/>
+              <a:t>no </a:t>
+            </a:r>
+            <a:r>
+              <a:rPr lang="es-PE" sz="1400" dirty="0" smtClean="0"/>
+              <a:t>mostrar</a:t>
             </a:r>
           </a:p>
           <a:p>
-            <a:r>
-              <a:rPr lang="es-PE" dirty="0" smtClean="0"/>
-              <a:t>no mostrar</a:t>
-            </a:r>
+            <a:endParaRPr lang="es-PE" sz="1400" dirty="0" smtClean="0"/>
           </a:p>
           <a:p>
             <a:r>
-              <a:rPr lang="es-PE" dirty="0" smtClean="0"/>
+              <a:rPr lang="es-PE" sz="1400" dirty="0" smtClean="0"/>
               <a:t>-Para anexo7 master e hijo</a:t>
             </a:r>
           </a:p>
           <a:p>
             <a:r>
-              <a:rPr lang="es-PE" dirty="0" smtClean="0"/>
+              <a:rPr lang="es-PE" sz="1400" dirty="0" smtClean="0"/>
               <a:t> estará bloqueado para los</a:t>
             </a:r>
           </a:p>
           <a:p>
             <a:r>
-              <a:rPr lang="es-PE" dirty="0" smtClean="0"/>
+              <a:rPr lang="es-PE" sz="1400" dirty="0" smtClean="0"/>
               <a:t> terminales diferentes a 3507</a:t>
-            </a:r>
-          </a:p>
-          <a:p>
-            <a:r>
-              <a:rPr lang="es-PE" dirty="0" smtClean="0"/>
-              <a:t>-? Confirmar con Gonzalo </a:t>
-            </a:r>
-          </a:p>
-          <a:p>
-            <a:r>
-              <a:rPr lang="es-PE" dirty="0" smtClean="0"/>
-              <a:t>si quiere que se muestre</a:t>
-            </a:r>
-          </a:p>
-          <a:p>
-            <a:r>
-              <a:rPr lang="es-PE" dirty="0" smtClean="0"/>
-              <a:t> sus guías hijas </a:t>
             </a:r>
           </a:p>
           <a:p>
             <a:endParaRPr lang="es-PE" dirty="0" smtClean="0"/>
           </a:p>
           <a:p>
-            <a:endParaRPr lang="es-PE" dirty="0"/>
-          </a:p>
-          <a:p>
             <a:r>
-              <a:rPr lang="es-PE" dirty="0" smtClean="0"/>
-              <a:t>-Hay transmisiones manuales</a:t>
+              <a:rPr lang="es-PE" sz="1400" dirty="0" smtClean="0"/>
+              <a:t>-</a:t>
+            </a:r>
+            <a:r>
+              <a:rPr lang="es-PE" sz="1400" dirty="0" smtClean="0"/>
+              <a:t>Hay transmisiones </a:t>
+            </a:r>
+            <a:r>
+              <a:rPr lang="es-PE" sz="1400" dirty="0" smtClean="0"/>
+              <a:t>manuales, </a:t>
             </a:r>
           </a:p>
           <a:p>
             <a:r>
-              <a:rPr lang="es-PE" dirty="0" smtClean="0"/>
-              <a:t>, no hay forma para </a:t>
+              <a:rPr lang="es-PE" sz="1400" dirty="0" smtClean="0"/>
+              <a:t>no </a:t>
+            </a:r>
+            <a:r>
+              <a:rPr lang="es-PE" sz="1400" dirty="0" smtClean="0"/>
+              <a:t>hay forma para </a:t>
             </a:r>
           </a:p>
           <a:p>
             <a:r>
-              <a:rPr lang="es-PE" dirty="0" smtClean="0"/>
+              <a:rPr lang="es-PE" sz="1400" dirty="0" smtClean="0"/>
               <a:t>considerar eso</a:t>
             </a:r>
-            <a:endParaRPr lang="es-PE" dirty="0"/>
+            <a:endParaRPr lang="es-PE" sz="1400" dirty="0"/>
           </a:p>
         </p:txBody>
       </p:sp>
@@ -42065,37 +42074,37 @@
 
 <file path=customXml/item1.xml><?xml version="1.0" encoding="utf-8"?>
 <Control xmlns="http://schemas.microsoft.com/VisualStudio/2011/storyboarding/control">
-  <Id Name="System.Storyboarding.Common.Text" Revision="1" Stencil="System.Storyboarding.Common" StencilVersion="0.1"/>
+  <Id Name="System.Storyboarding.Backgrounds.Window" Revision="1" Stencil="System.Storyboarding.Backgrounds" StencilVersion="0.1"/>
 </Control>
 </file>
 
 <file path=customXml/item2.xml><?xml version="1.0" encoding="utf-8"?>
 <Control xmlns="http://schemas.microsoft.com/VisualStudio/2011/storyboarding/control">
-  <Id Name="System.Storyboarding.Backgrounds.Window" Revision="1" Stencil="System.Storyboarding.Backgrounds" StencilVersion="0.1"/>
+  <Id Name="System.Storyboarding.Common.Text" Revision="1" Stencil="System.Storyboarding.Common" StencilVersion="0.1"/>
 </Control>
 </file>
 
 <file path=customXml/item3.xml><?xml version="1.0" encoding="utf-8"?>
 <Control xmlns="http://schemas.microsoft.com/VisualStudio/2011/storyboarding/control">
-  <Id Name="System.Storyboarding.Common.Text" Revision="1" Stencil="System.Storyboarding.Common" StencilVersion="0.1"/>
+  <Id Name="2af01176-85ee-4929-8d41-a331980c979e" RevisionId="be170569-95d9-41cc-85ac-d2bbd0fbf029" Stencil="172d6d98-e5c9-42e9-a209-79f7a94bbd38" StencilRevisionId="00000000-0000-0000-0000-000000000000" StencilVersion="0.0"/>
 </Control>
 </file>
 
 <file path=customXml/item4.xml><?xml version="1.0" encoding="utf-8"?>
 <Control xmlns="http://schemas.microsoft.com/VisualStudio/2011/storyboarding/control">
-  <Id Name="System.Storyboarding.WindowsApps.WindowsAppsComboBox" Revision="1" Stencil="System.Storyboarding.WindowsApps" StencilVersion="0.1"/>
+  <Id Name="System.Storyboarding.Common.Text" Revision="1" Stencil="System.Storyboarding.Common" StencilVersion="0.1"/>
 </Control>
 </file>
 
 <file path=customXml/item5.xml><?xml version="1.0" encoding="utf-8"?>
 <Control xmlns="http://schemas.microsoft.com/VisualStudio/2011/storyboarding/control">
-  <Id Name="System.Storyboarding.Common.Text" Revision="1" Stencil="System.Storyboarding.Common" StencilVersion="0.1"/>
+  <Id Name="System.Storyboarding.WindowsApps.WindowsAppsComboBox" Revision="1" Stencil="System.Storyboarding.WindowsApps" StencilVersion="0.1"/>
 </Control>
 </file>
 
 <file path=customXml/item6.xml><?xml version="1.0" encoding="utf-8"?>
 <Control xmlns="http://schemas.microsoft.com/VisualStudio/2011/storyboarding/control">
-  <Id Name="2af01176-85ee-4929-8d41-a331980c979e" RevisionId="be170569-95d9-41cc-85ac-d2bbd0fbf029" Stencil="172d6d98-e5c9-42e9-a209-79f7a94bbd38" StencilRevisionId="00000000-0000-0000-0000-000000000000" StencilVersion="0.0"/>
+  <Id Name="System.Storyboarding.Common.Button" Revision="1" Stencil="System.Storyboarding.Common" StencilVersion="0.1"/>
 </Control>
 </file>
 
@@ -42107,17 +42116,25 @@
 
 <file path=customXml/item8.xml><?xml version="1.0" encoding="utf-8"?>
 <Control xmlns="http://schemas.microsoft.com/VisualStudio/2011/storyboarding/control">
-  <Id Name="System.Storyboarding.Common.TextInput" Revision="1" Stencil="System.Storyboarding.Common" StencilVersion="0.1"/>
+  <Id Name="System.Storyboarding.Common.Text" Revision="1" Stencil="System.Storyboarding.Common" StencilVersion="0.1"/>
 </Control>
 </file>
 
 <file path=customXml/item9.xml><?xml version="1.0" encoding="utf-8"?>
 <Control xmlns="http://schemas.microsoft.com/VisualStudio/2011/storyboarding/control">
-  <Id Name="System.Storyboarding.Common.Button" Revision="1" Stencil="System.Storyboarding.Common" StencilVersion="0.1"/>
+  <Id Name="System.Storyboarding.Common.TextInput" Revision="1" Stencil="System.Storyboarding.Common" StencilVersion="0.1"/>
 </Control>
 </file>
 
 <file path=customXml/itemProps1.xml><?xml version="1.0" encoding="utf-8"?>
+<ds:datastoreItem xmlns:ds="http://schemas.openxmlformats.org/officeDocument/2006/customXml" ds:itemID="{CAF9FAC5-0B41-4144-A530-E963B326E346}">
+  <ds:schemaRefs>
+    <ds:schemaRef ds:uri="http://schemas.microsoft.com/VisualStudio/2011/storyboarding/control"/>
+  </ds:schemaRefs>
+</ds:datastoreItem>
+</file>
+
+<file path=customXml/itemProps2.xml><?xml version="1.0" encoding="utf-8"?>
 <ds:datastoreItem xmlns:ds="http://schemas.openxmlformats.org/officeDocument/2006/customXml" ds:itemID="{2A370DCE-6B02-43E4-B462-EE68941381DA}">
   <ds:schemaRefs>
     <ds:schemaRef ds:uri="http://schemas.microsoft.com/VisualStudio/2011/storyboarding/control"/>
@@ -42125,15 +42142,47 @@
 </ds:datastoreItem>
 </file>
 
-<file path=customXml/itemProps2.xml><?xml version="1.0" encoding="utf-8"?>
-<ds:datastoreItem xmlns:ds="http://schemas.openxmlformats.org/officeDocument/2006/customXml" ds:itemID="{CAF9FAC5-0B41-4144-A530-E963B326E346}">
+<file path=customXml/itemProps3.xml><?xml version="1.0" encoding="utf-8"?>
+<ds:datastoreItem xmlns:ds="http://schemas.openxmlformats.org/officeDocument/2006/customXml" ds:itemID="{F8339007-68FA-4CD7-9B6A-03E725113E81}">
   <ds:schemaRefs>
     <ds:schemaRef ds:uri="http://schemas.microsoft.com/VisualStudio/2011/storyboarding/control"/>
   </ds:schemaRefs>
 </ds:datastoreItem>
 </file>
 
-<file path=customXml/itemProps3.xml><?xml version="1.0" encoding="utf-8"?>
+<file path=customXml/itemProps4.xml><?xml version="1.0" encoding="utf-8"?>
+<ds:datastoreItem xmlns:ds="http://schemas.openxmlformats.org/officeDocument/2006/customXml" ds:itemID="{4F2255F7-A4C3-4E6F-9491-BD150D11E33A}">
+  <ds:schemaRefs>
+    <ds:schemaRef ds:uri="http://schemas.microsoft.com/VisualStudio/2011/storyboarding/control"/>
+  </ds:schemaRefs>
+</ds:datastoreItem>
+</file>
+
+<file path=customXml/itemProps5.xml><?xml version="1.0" encoding="utf-8"?>
+<ds:datastoreItem xmlns:ds="http://schemas.openxmlformats.org/officeDocument/2006/customXml" ds:itemID="{5B412AC7-136E-45BA-B3BC-91E37935A539}">
+  <ds:schemaRefs>
+    <ds:schemaRef ds:uri="http://schemas.microsoft.com/VisualStudio/2011/storyboarding/control"/>
+  </ds:schemaRefs>
+</ds:datastoreItem>
+</file>
+
+<file path=customXml/itemProps6.xml><?xml version="1.0" encoding="utf-8"?>
+<ds:datastoreItem xmlns:ds="http://schemas.openxmlformats.org/officeDocument/2006/customXml" ds:itemID="{0B1D9A1B-8DEB-4B6A-BF18-7B9C5DBF533E}">
+  <ds:schemaRefs>
+    <ds:schemaRef ds:uri="http://schemas.microsoft.com/VisualStudio/2011/storyboarding/control"/>
+  </ds:schemaRefs>
+</ds:datastoreItem>
+</file>
+
+<file path=customXml/itemProps7.xml><?xml version="1.0" encoding="utf-8"?>
+<ds:datastoreItem xmlns:ds="http://schemas.openxmlformats.org/officeDocument/2006/customXml" ds:itemID="{44DB24E9-7B09-4AB5-8715-26638CA102DA}">
+  <ds:schemaRefs>
+    <ds:schemaRef ds:uri="http://schemas.microsoft.com/VisualStudio/2011/storyboarding/control"/>
+  </ds:schemaRefs>
+</ds:datastoreItem>
+</file>
+
+<file path=customXml/itemProps8.xml><?xml version="1.0" encoding="utf-8"?>
 <ds:datastoreItem xmlns:ds="http://schemas.openxmlformats.org/officeDocument/2006/customXml" ds:itemID="{81AF3BDC-10DF-4C3F-BD8E-EDEA0AC655D4}">
   <ds:schemaRefs>
     <ds:schemaRef ds:uri="http://schemas.microsoft.com/VisualStudio/2011/storyboarding/control"/>
@@ -42141,50 +42190,10 @@
 </ds:datastoreItem>
 </file>
 
-<file path=customXml/itemProps4.xml><?xml version="1.0" encoding="utf-8"?>
-<ds:datastoreItem xmlns:ds="http://schemas.openxmlformats.org/officeDocument/2006/customXml" ds:itemID="{5B412AC7-136E-45BA-B3BC-91E37935A539}">
-  <ds:schemaRefs>
-    <ds:schemaRef ds:uri="http://schemas.microsoft.com/VisualStudio/2011/storyboarding/control"/>
-  </ds:schemaRefs>
-</ds:datastoreItem>
-</file>
-
-<file path=customXml/itemProps5.xml><?xml version="1.0" encoding="utf-8"?>
-<ds:datastoreItem xmlns:ds="http://schemas.openxmlformats.org/officeDocument/2006/customXml" ds:itemID="{4F2255F7-A4C3-4E6F-9491-BD150D11E33A}">
-  <ds:schemaRefs>
-    <ds:schemaRef ds:uri="http://schemas.microsoft.com/VisualStudio/2011/storyboarding/control"/>
-  </ds:schemaRefs>
-</ds:datastoreItem>
-</file>
-
-<file path=customXml/itemProps6.xml><?xml version="1.0" encoding="utf-8"?>
-<ds:datastoreItem xmlns:ds="http://schemas.openxmlformats.org/officeDocument/2006/customXml" ds:itemID="{F8339007-68FA-4CD7-9B6A-03E725113E81}">
-  <ds:schemaRefs>
-    <ds:schemaRef ds:uri="http://schemas.microsoft.com/VisualStudio/2011/storyboarding/control"/>
-  </ds:schemaRefs>
-</ds:datastoreItem>
-</file>
-
-<file path=customXml/itemProps7.xml><?xml version="1.0" encoding="utf-8"?>
+<file path=customXml/itemProps9.xml><?xml version="1.0" encoding="utf-8"?>
 <ds:datastoreItem xmlns:ds="http://schemas.openxmlformats.org/officeDocument/2006/customXml" ds:itemID="{8EAD2ED1-6E14-421A-9E09-F54401142C83}">
   <ds:schemaRefs>
     <ds:schemaRef ds:uri="http://schemas.microsoft.com/VisualStudio/2011/storyboarding/control"/>
   </ds:schemaRefs>
 </ds:datastoreItem>
-</file>
-
-<file path=customXml/itemProps8.xml><?xml version="1.0" encoding="utf-8"?>
-<ds:datastoreItem xmlns:ds="http://schemas.openxmlformats.org/officeDocument/2006/customXml" ds:itemID="{44DB24E9-7B09-4AB5-8715-26638CA102DA}">
-  <ds:schemaRefs>
-    <ds:schemaRef ds:uri="http://schemas.microsoft.com/VisualStudio/2011/storyboarding/control"/>
-  </ds:schemaRefs>
-</ds:datastoreItem>
-</file>
-
-<file path=customXml/itemProps9.xml><?xml version="1.0" encoding="utf-8"?>
-<ds:datastoreItem xmlns:ds="http://schemas.openxmlformats.org/officeDocument/2006/customXml" ds:itemID="{0B1D9A1B-8DEB-4B6A-BF18-7B9C5DBF533E}">
-  <ds:schemaRefs>
-    <ds:schemaRef ds:uri="http://schemas.microsoft.com/VisualStudio/2011/storyboarding/control"/>
-  </ds:schemaRefs>
-</ds:datastoreItem>
 </file>
--- a/Documentos/ControlTransmisionesV1.0.pptx
+++ b/Documentos/ControlTransmisionesV1.0.pptx
@@ -2,37 +2,38 @@
 <file path=ppt/presentation.xml><?xml version="1.0" encoding="utf-8"?>
 <p:presentation xmlns:a="http://schemas.openxmlformats.org/drawingml/2006/main" xmlns:r="http://schemas.openxmlformats.org/officeDocument/2006/relationships" xmlns:p="http://schemas.openxmlformats.org/presentationml/2006/main" saveSubsetFonts="1">
   <p:sldMasterIdLst>
-    <p:sldMasterId id="2147483684" r:id="rId10"/>
-    <p:sldMasterId id="2147483693" r:id="rId11"/>
+    <p:sldMasterId id="2147483684" r:id="rId14"/>
+    <p:sldMasterId id="2147483693" r:id="rId15"/>
   </p:sldMasterIdLst>
   <p:notesMasterIdLst>
-    <p:notesMasterId r:id="rId33"/>
+    <p:notesMasterId r:id="rId38"/>
   </p:notesMasterIdLst>
   <p:handoutMasterIdLst>
-    <p:handoutMasterId r:id="rId34"/>
+    <p:handoutMasterId r:id="rId39"/>
   </p:handoutMasterIdLst>
   <p:sldIdLst>
-    <p:sldId id="261" r:id="rId12"/>
-    <p:sldId id="296" r:id="rId13"/>
-    <p:sldId id="297" r:id="rId14"/>
-    <p:sldId id="294" r:id="rId15"/>
-    <p:sldId id="316" r:id="rId16"/>
-    <p:sldId id="309" r:id="rId17"/>
-    <p:sldId id="317" r:id="rId18"/>
-    <p:sldId id="319" r:id="rId19"/>
-    <p:sldId id="320" r:id="rId20"/>
-    <p:sldId id="321" r:id="rId21"/>
-    <p:sldId id="325" r:id="rId22"/>
-    <p:sldId id="322" r:id="rId23"/>
-    <p:sldId id="324" r:id="rId24"/>
-    <p:sldId id="323" r:id="rId25"/>
-    <p:sldId id="318" r:id="rId26"/>
-    <p:sldId id="307" r:id="rId27"/>
-    <p:sldId id="306" r:id="rId28"/>
-    <p:sldId id="303" r:id="rId29"/>
-    <p:sldId id="304" r:id="rId30"/>
-    <p:sldId id="305" r:id="rId31"/>
-    <p:sldId id="262" r:id="rId32"/>
+    <p:sldId id="261" r:id="rId16"/>
+    <p:sldId id="296" r:id="rId17"/>
+    <p:sldId id="297" r:id="rId18"/>
+    <p:sldId id="294" r:id="rId19"/>
+    <p:sldId id="316" r:id="rId20"/>
+    <p:sldId id="309" r:id="rId21"/>
+    <p:sldId id="317" r:id="rId22"/>
+    <p:sldId id="319" r:id="rId23"/>
+    <p:sldId id="320" r:id="rId24"/>
+    <p:sldId id="321" r:id="rId25"/>
+    <p:sldId id="325" r:id="rId26"/>
+    <p:sldId id="322" r:id="rId27"/>
+    <p:sldId id="324" r:id="rId28"/>
+    <p:sldId id="323" r:id="rId29"/>
+    <p:sldId id="318" r:id="rId30"/>
+    <p:sldId id="307" r:id="rId31"/>
+    <p:sldId id="306" r:id="rId32"/>
+    <p:sldId id="303" r:id="rId33"/>
+    <p:sldId id="304" r:id="rId34"/>
+    <p:sldId id="305" r:id="rId35"/>
+    <p:sldId id="326" r:id="rId36"/>
+    <p:sldId id="262" r:id="rId37"/>
   </p:sldIdLst>
   <p:sldSz cx="12190413" cy="6858000"/>
   <p:notesSz cx="6797675" cy="9926638"/>
@@ -1010,6 +1011,7 @@
           <c:dLbls>
             <c:dLbl>
               <c:idx val="0"/>
+              <c:layout/>
               <c:tx>
                 <c:rich>
                   <a:bodyPr wrap="square" lIns="38100" tIns="19050" rIns="38100" bIns="19050" anchor="ctr">
@@ -1044,7 +1046,9 @@
                 <c:ext xmlns:c16="http://schemas.microsoft.com/office/drawing/2014/chart" uri="{C3380CC4-5D6E-409C-BE32-E72D297353CC}">
                   <c16:uniqueId val="{00000001-CB9E-4E94-BF6F-5570E74AEA4D}"/>
                 </c:ext>
-                <c:ext xmlns:c15="http://schemas.microsoft.com/office/drawing/2012/chart" uri="{CE6537A1-D6FC-4f65-9D91-7224C49458BB}"/>
+                <c:ext xmlns:c15="http://schemas.microsoft.com/office/drawing/2012/chart" uri="{CE6537A1-D6FC-4f65-9D91-7224C49458BB}">
+                  <c15:layout/>
+                </c:ext>
               </c:extLst>
             </c:dLbl>
             <c:dLbl>
@@ -1077,6 +1081,7 @@
             </c:dLbl>
             <c:dLbl>
               <c:idx val="3"/>
+              <c:layout/>
               <c:tx>
                 <c:rich>
                   <a:bodyPr wrap="square" lIns="38100" tIns="19050" rIns="38100" bIns="19050" anchor="ctr">
@@ -1121,6 +1126,7 @@
                       <a:avLst/>
                     </a:prstGeom>
                   </c15:spPr>
+                  <c15:layout/>
                   <c15:dlblFieldTable/>
                   <c15:showDataLabelsRange val="0"/>
                 </c:ext>
@@ -1141,7 +1147,9 @@
             <c:showBubbleSize val="0"/>
             <c:showLeaderLines val="1"/>
             <c:extLst xmlns:c16r2="http://schemas.microsoft.com/office/drawing/2015/06/chart">
-              <c:ext xmlns:c15="http://schemas.microsoft.com/office/drawing/2012/chart" uri="{CE6537A1-D6FC-4f65-9D91-7224C49458BB}"/>
+              <c:ext xmlns:c15="http://schemas.microsoft.com/office/drawing/2012/chart" uri="{CE6537A1-D6FC-4f65-9D91-7224C49458BB}">
+                <c15:layout/>
+              </c:ext>
             </c:extLst>
           </c:dLbls>
           <c:cat>
@@ -1370,6 +1378,7 @@
           <c:dLbls>
             <c:dLbl>
               <c:idx val="0"/>
+              <c:layout/>
               <c:tx>
                 <c:rich>
                   <a:bodyPr lIns="0" tIns="0" rIns="0" bIns="0"/>
@@ -1425,6 +1434,7 @@
                       <a:avLst/>
                     </a:prstGeom>
                   </c15:spPr>
+                  <c15:layout/>
                 </c:ext>
               </c:extLst>
             </c:dLbl>
@@ -1778,6 +1788,7 @@
           <c:dLbls>
             <c:dLbl>
               <c:idx val="0"/>
+              <c:layout/>
               <c:tx>
                 <c:rich>
                   <a:bodyPr/>
@@ -1801,7 +1812,9 @@
                 <c:ext xmlns:c16="http://schemas.microsoft.com/office/drawing/2014/chart" uri="{C3380CC4-5D6E-409C-BE32-E72D297353CC}">
                   <c16:uniqueId val="{00000001-4732-4081-8AA0-DB4F500A9B10}"/>
                 </c:ext>
-                <c:ext xmlns:c15="http://schemas.microsoft.com/office/drawing/2012/chart" uri="{CE6537A1-D6FC-4f65-9D91-7224C49458BB}"/>
+                <c:ext xmlns:c15="http://schemas.microsoft.com/office/drawing/2012/chart" uri="{CE6537A1-D6FC-4f65-9D91-7224C49458BB}">
+                  <c15:layout/>
+                </c:ext>
               </c:extLst>
             </c:dLbl>
             <c:dLbl>
@@ -2234,6 +2247,7 @@
             </c:dLbl>
             <c:dLbl>
               <c:idx val="3"/>
+              <c:layout/>
               <c:tx>
                 <c:rich>
                   <a:bodyPr/>
@@ -2264,6 +2278,7 @@
                   <c16:uniqueId val="{00000007-84F4-4DCE-9CD3-D001FDF94851}"/>
                 </c:ext>
                 <c:ext xmlns:c15="http://schemas.microsoft.com/office/drawing/2012/chart" uri="{CE6537A1-D6FC-4f65-9D91-7224C49458BB}">
+                  <c15:layout/>
                   <c15:dlblFieldTable/>
                   <c15:showDataLabelsRange val="0"/>
                 </c:ext>
@@ -3523,6 +3538,7 @@
           <c:dLbls>
             <c:dLbl>
               <c:idx val="0"/>
+              <c:layout/>
               <c:tx>
                 <c:rich>
                   <a:bodyPr/>
@@ -3559,7 +3575,9 @@
                 <c:ext xmlns:c16="http://schemas.microsoft.com/office/drawing/2014/chart" uri="{C3380CC4-5D6E-409C-BE32-E72D297353CC}">
                   <c16:uniqueId val="{00000001-15FC-4E72-9146-EAE196FD9089}"/>
                 </c:ext>
-                <c:ext xmlns:c15="http://schemas.microsoft.com/office/drawing/2012/chart" uri="{CE6537A1-D6FC-4f65-9D91-7224C49458BB}"/>
+                <c:ext xmlns:c15="http://schemas.microsoft.com/office/drawing/2012/chart" uri="{CE6537A1-D6FC-4f65-9D91-7224C49458BB}">
+                  <c15:layout/>
+                </c:ext>
               </c:extLst>
             </c:dLbl>
             <c:dLbl>
@@ -3872,6 +3890,7 @@
           <c:dLbls>
             <c:dLbl>
               <c:idx val="0"/>
+              <c:layout/>
               <c:tx>
                 <c:rich>
                   <a:bodyPr/>
@@ -3908,7 +3927,9 @@
                 <c:ext xmlns:c16="http://schemas.microsoft.com/office/drawing/2014/chart" uri="{C3380CC4-5D6E-409C-BE32-E72D297353CC}">
                   <c16:uniqueId val="{00000001-4464-4416-AA47-DF3744715899}"/>
                 </c:ext>
-                <c:ext xmlns:c15="http://schemas.microsoft.com/office/drawing/2012/chart" uri="{CE6537A1-D6FC-4f65-9D91-7224C49458BB}"/>
+                <c:ext xmlns:c15="http://schemas.microsoft.com/office/drawing/2012/chart" uri="{CE6537A1-D6FC-4f65-9D91-7224C49458BB}">
+                  <c15:layout/>
+                </c:ext>
               </c:extLst>
             </c:dLbl>
             <c:dLbl>
@@ -4216,6 +4237,7 @@
           <c:dLbls>
             <c:dLbl>
               <c:idx val="0"/>
+              <c:layout/>
               <c:tx>
                 <c:rich>
                   <a:bodyPr/>
@@ -4248,11 +4270,14 @@
                 <c:ext xmlns:c16="http://schemas.microsoft.com/office/drawing/2014/chart" uri="{C3380CC4-5D6E-409C-BE32-E72D297353CC}">
                   <c16:uniqueId val="{00000001-97C4-48EB-895C-333865C14565}"/>
                 </c:ext>
-                <c:ext xmlns:c15="http://schemas.microsoft.com/office/drawing/2012/chart" uri="{CE6537A1-D6FC-4f65-9D91-7224C49458BB}"/>
+                <c:ext xmlns:c15="http://schemas.microsoft.com/office/drawing/2012/chart" uri="{CE6537A1-D6FC-4f65-9D91-7224C49458BB}">
+                  <c15:layout/>
+                </c:ext>
               </c:extLst>
             </c:dLbl>
             <c:dLbl>
               <c:idx val="1"/>
+              <c:layout/>
               <c:tx>
                 <c:rich>
                   <a:bodyPr/>
@@ -4280,7 +4305,9 @@
                 <c:ext xmlns:c16="http://schemas.microsoft.com/office/drawing/2014/chart" uri="{C3380CC4-5D6E-409C-BE32-E72D297353CC}">
                   <c16:uniqueId val="{00000003-97C4-48EB-895C-333865C14565}"/>
                 </c:ext>
-                <c:ext xmlns:c15="http://schemas.microsoft.com/office/drawing/2012/chart" uri="{CE6537A1-D6FC-4f65-9D91-7224C49458BB}"/>
+                <c:ext xmlns:c15="http://schemas.microsoft.com/office/drawing/2012/chart" uri="{CE6537A1-D6FC-4f65-9D91-7224C49458BB}">
+                  <c15:layout/>
+                </c:ext>
               </c:extLst>
             </c:dLbl>
             <c:dLbl>
@@ -5028,6 +5055,7 @@
           <c:dLbls>
             <c:dLbl>
               <c:idx val="0"/>
+              <c:layout/>
               <c:tx>
                 <c:rich>
                   <a:bodyPr/>
@@ -5060,7 +5088,9 @@
                 <c:ext xmlns:c16="http://schemas.microsoft.com/office/drawing/2014/chart" uri="{C3380CC4-5D6E-409C-BE32-E72D297353CC}">
                   <c16:uniqueId val="{00000001-1E2E-4EFF-9101-C8B1B879390A}"/>
                 </c:ext>
-                <c:ext xmlns:c15="http://schemas.microsoft.com/office/drawing/2012/chart" uri="{CE6537A1-D6FC-4f65-9D91-7224C49458BB}"/>
+                <c:ext xmlns:c15="http://schemas.microsoft.com/office/drawing/2012/chart" uri="{CE6537A1-D6FC-4f65-9D91-7224C49458BB}">
+                  <c15:layout/>
+                </c:ext>
               </c:extLst>
             </c:dLbl>
             <c:dLbl>
@@ -5373,6 +5403,7 @@
           <c:dLbls>
             <c:dLbl>
               <c:idx val="0"/>
+              <c:layout/>
               <c:tx>
                 <c:rich>
                   <a:bodyPr/>
@@ -5405,7 +5436,9 @@
                 <c:ext xmlns:c16="http://schemas.microsoft.com/office/drawing/2014/chart" uri="{C3380CC4-5D6E-409C-BE32-E72D297353CC}">
                   <c16:uniqueId val="{00000001-EC7C-456C-BC0F-8F28EC476336}"/>
                 </c:ext>
-                <c:ext xmlns:c15="http://schemas.microsoft.com/office/drawing/2012/chart" uri="{CE6537A1-D6FC-4f65-9D91-7224C49458BB}"/>
+                <c:ext xmlns:c15="http://schemas.microsoft.com/office/drawing/2012/chart" uri="{CE6537A1-D6FC-4f65-9D91-7224C49458BB}">
+                  <c15:layout/>
+                </c:ext>
               </c:extLst>
             </c:dLbl>
             <c:dLbl>
@@ -5716,6 +5749,7 @@
           <c:dLbls>
             <c:dLbl>
               <c:idx val="0"/>
+              <c:layout/>
               <c:tx>
                 <c:rich>
                   <a:bodyPr wrap="square" lIns="38100" tIns="19050" rIns="38100" bIns="19050" anchor="ctr">
@@ -5750,7 +5784,9 @@
                 <c:ext xmlns:c16="http://schemas.microsoft.com/office/drawing/2014/chart" uri="{C3380CC4-5D6E-409C-BE32-E72D297353CC}">
                   <c16:uniqueId val="{00000001-3E63-469B-B793-70BA6015B819}"/>
                 </c:ext>
-                <c:ext xmlns:c15="http://schemas.microsoft.com/office/drawing/2012/chart" uri="{CE6537A1-D6FC-4f65-9D91-7224C49458BB}"/>
+                <c:ext xmlns:c15="http://schemas.microsoft.com/office/drawing/2012/chart" uri="{CE6537A1-D6FC-4f65-9D91-7224C49458BB}">
+                  <c15:layout/>
+                </c:ext>
               </c:extLst>
             </c:dLbl>
             <c:dLbl>
@@ -5783,6 +5819,7 @@
             </c:dLbl>
             <c:dLbl>
               <c:idx val="3"/>
+              <c:layout/>
               <c:tx>
                 <c:rich>
                   <a:bodyPr wrap="square" lIns="38100" tIns="19050" rIns="38100" bIns="19050" anchor="ctr">
@@ -5827,6 +5864,7 @@
                       <a:avLst/>
                     </a:prstGeom>
                   </c15:spPr>
+                  <c15:layout/>
                   <c15:dlblFieldTable/>
                   <c15:showDataLabelsRange val="0"/>
                 </c:ext>
@@ -5847,7 +5885,9 @@
             <c:showBubbleSize val="0"/>
             <c:showLeaderLines val="1"/>
             <c:extLst xmlns:c16r2="http://schemas.microsoft.com/office/drawing/2015/06/chart">
-              <c:ext xmlns:c15="http://schemas.microsoft.com/office/drawing/2012/chart" uri="{CE6537A1-D6FC-4f65-9D91-7224C49458BB}"/>
+              <c:ext xmlns:c15="http://schemas.microsoft.com/office/drawing/2012/chart" uri="{CE6537A1-D6FC-4f65-9D91-7224C49458BB}">
+                <c15:layout/>
+              </c:ext>
             </c:extLst>
           </c:dLbls>
           <c:cat>
@@ -6076,6 +6116,7 @@
           <c:dLbls>
             <c:dLbl>
               <c:idx val="0"/>
+              <c:layout/>
               <c:tx>
                 <c:rich>
                   <a:bodyPr lIns="0" tIns="0" rIns="0" bIns="0"/>
@@ -6131,6 +6172,7 @@
                       <a:avLst/>
                     </a:prstGeom>
                   </c15:spPr>
+                  <c15:layout/>
                 </c:ext>
               </c:extLst>
             </c:dLbl>
@@ -6484,6 +6526,7 @@
           <c:dLbls>
             <c:dLbl>
               <c:idx val="0"/>
+              <c:layout/>
               <c:tx>
                 <c:rich>
                   <a:bodyPr/>
@@ -6507,7 +6550,9 @@
                 <c:ext xmlns:c16="http://schemas.microsoft.com/office/drawing/2014/chart" uri="{C3380CC4-5D6E-409C-BE32-E72D297353CC}">
                   <c16:uniqueId val="{00000001-9FD1-4406-82D6-EDE21064B3C9}"/>
                 </c:ext>
-                <c:ext xmlns:c15="http://schemas.microsoft.com/office/drawing/2012/chart" uri="{CE6537A1-D6FC-4f65-9D91-7224C49458BB}"/>
+                <c:ext xmlns:c15="http://schemas.microsoft.com/office/drawing/2012/chart" uri="{CE6537A1-D6FC-4f65-9D91-7224C49458BB}">
+                  <c15:layout/>
+                </c:ext>
               </c:extLst>
             </c:dLbl>
             <c:dLbl>
@@ -6940,6 +6985,7 @@
             </c:dLbl>
             <c:dLbl>
               <c:idx val="3"/>
+              <c:layout/>
               <c:tx>
                 <c:rich>
                   <a:bodyPr/>
@@ -6970,6 +7016,7 @@
                   <c16:uniqueId val="{00000007-3C9C-46FC-B33A-F870896E980B}"/>
                 </c:ext>
                 <c:ext xmlns:c15="http://schemas.microsoft.com/office/drawing/2012/chart" uri="{CE6537A1-D6FC-4f65-9D91-7224C49458BB}">
+                  <c15:layout/>
                   <c15:dlblFieldTable/>
                   <c15:showDataLabelsRange val="0"/>
                 </c:ext>
@@ -7623,6 +7670,7 @@
           <c:dLbls>
             <c:dLbl>
               <c:idx val="0"/>
+              <c:layout/>
               <c:tx>
                 <c:rich>
                   <a:bodyPr/>
@@ -7659,7 +7707,9 @@
                 <c:ext xmlns:c16="http://schemas.microsoft.com/office/drawing/2014/chart" uri="{C3380CC4-5D6E-409C-BE32-E72D297353CC}">
                   <c16:uniqueId val="{00000001-D9B5-497D-8F73-82FA95393228}"/>
                 </c:ext>
-                <c:ext xmlns:c15="http://schemas.microsoft.com/office/drawing/2012/chart" uri="{CE6537A1-D6FC-4f65-9D91-7224C49458BB}"/>
+                <c:ext xmlns:c15="http://schemas.microsoft.com/office/drawing/2012/chart" uri="{CE6537A1-D6FC-4f65-9D91-7224C49458BB}">
+                  <c15:layout/>
+                </c:ext>
               </c:extLst>
             </c:dLbl>
             <c:dLbl>
@@ -7972,6 +8022,7 @@
           <c:dLbls>
             <c:dLbl>
               <c:idx val="0"/>
+              <c:layout/>
               <c:tx>
                 <c:rich>
                   <a:bodyPr/>
@@ -8008,7 +8059,9 @@
                 <c:ext xmlns:c16="http://schemas.microsoft.com/office/drawing/2014/chart" uri="{C3380CC4-5D6E-409C-BE32-E72D297353CC}">
                   <c16:uniqueId val="{00000001-2648-48C7-899A-011ACE38AB28}"/>
                 </c:ext>
-                <c:ext xmlns:c15="http://schemas.microsoft.com/office/drawing/2012/chart" uri="{CE6537A1-D6FC-4f65-9D91-7224C49458BB}"/>
+                <c:ext xmlns:c15="http://schemas.microsoft.com/office/drawing/2012/chart" uri="{CE6537A1-D6FC-4f65-9D91-7224C49458BB}">
+                  <c15:layout/>
+                </c:ext>
               </c:extLst>
             </c:dLbl>
             <c:dLbl>
@@ -8316,6 +8369,7 @@
           <c:dLbls>
             <c:dLbl>
               <c:idx val="0"/>
+              <c:layout/>
               <c:tx>
                 <c:rich>
                   <a:bodyPr/>
@@ -8348,11 +8402,14 @@
                 <c:ext xmlns:c16="http://schemas.microsoft.com/office/drawing/2014/chart" uri="{C3380CC4-5D6E-409C-BE32-E72D297353CC}">
                   <c16:uniqueId val="{00000001-5BF5-4C0B-8879-DB607F347F24}"/>
                 </c:ext>
-                <c:ext xmlns:c15="http://schemas.microsoft.com/office/drawing/2012/chart" uri="{CE6537A1-D6FC-4f65-9D91-7224C49458BB}"/>
+                <c:ext xmlns:c15="http://schemas.microsoft.com/office/drawing/2012/chart" uri="{CE6537A1-D6FC-4f65-9D91-7224C49458BB}">
+                  <c15:layout/>
+                </c:ext>
               </c:extLst>
             </c:dLbl>
             <c:dLbl>
               <c:idx val="1"/>
+              <c:layout/>
               <c:tx>
                 <c:rich>
                   <a:bodyPr/>
@@ -8380,7 +8437,9 @@
                 <c:ext xmlns:c16="http://schemas.microsoft.com/office/drawing/2014/chart" uri="{C3380CC4-5D6E-409C-BE32-E72D297353CC}">
                   <c16:uniqueId val="{00000003-5BF5-4C0B-8879-DB607F347F24}"/>
                 </c:ext>
-                <c:ext xmlns:c15="http://schemas.microsoft.com/office/drawing/2012/chart" uri="{CE6537A1-D6FC-4f65-9D91-7224C49458BB}"/>
+                <c:ext xmlns:c15="http://schemas.microsoft.com/office/drawing/2012/chart" uri="{CE6537A1-D6FC-4f65-9D91-7224C49458BB}">
+                  <c15:layout/>
+                </c:ext>
               </c:extLst>
             </c:dLbl>
             <c:dLbl>
@@ -9062,6 +9121,7 @@
           <c:dLbls>
             <c:dLbl>
               <c:idx val="0"/>
+              <c:layout/>
               <c:tx>
                 <c:rich>
                   <a:bodyPr/>
@@ -9094,7 +9154,9 @@
                 <c:ext xmlns:c16="http://schemas.microsoft.com/office/drawing/2014/chart" uri="{C3380CC4-5D6E-409C-BE32-E72D297353CC}">
                   <c16:uniqueId val="{00000001-067F-49A3-A128-194EFEEBD3E8}"/>
                 </c:ext>
-                <c:ext xmlns:c15="http://schemas.microsoft.com/office/drawing/2012/chart" uri="{CE6537A1-D6FC-4f65-9D91-7224C49458BB}"/>
+                <c:ext xmlns:c15="http://schemas.microsoft.com/office/drawing/2012/chart" uri="{CE6537A1-D6FC-4f65-9D91-7224C49458BB}">
+                  <c15:layout/>
+                </c:ext>
               </c:extLst>
             </c:dLbl>
             <c:dLbl>
@@ -9407,6 +9469,7 @@
           <c:dLbls>
             <c:dLbl>
               <c:idx val="0"/>
+              <c:layout/>
               <c:tx>
                 <c:rich>
                   <a:bodyPr/>
@@ -9439,7 +9502,9 @@
                 <c:ext xmlns:c16="http://schemas.microsoft.com/office/drawing/2014/chart" uri="{C3380CC4-5D6E-409C-BE32-E72D297353CC}">
                   <c16:uniqueId val="{00000001-2952-4916-A73B-C96AB76E9576}"/>
                 </c:ext>
-                <c:ext xmlns:c15="http://schemas.microsoft.com/office/drawing/2012/chart" uri="{CE6537A1-D6FC-4f65-9D91-7224C49458BB}"/>
+                <c:ext xmlns:c15="http://schemas.microsoft.com/office/drawing/2012/chart" uri="{CE6537A1-D6FC-4f65-9D91-7224C49458BB}">
+                  <c15:layout/>
+                </c:ext>
               </c:extLst>
             </c:dLbl>
             <c:dLbl>
@@ -11971,7 +12036,7 @@
             <a:fld id="{33BC5C0D-1A8E-40E5-ADA0-84DBF59AA5C6}" type="datetimeFigureOut">
               <a:rPr lang="es-PE" smtClean="0"/>
               <a:pPr/>
-              <a:t>11/04/2018</a:t>
+              <a:t>23/04/2018</a:t>
             </a:fld>
             <a:endParaRPr lang="es-PE"/>
           </a:p>
@@ -12138,7 +12203,7 @@
             <a:fld id="{1D6789CF-F719-4CF8-BD89-6F425D155B51}" type="datetimeFigureOut">
               <a:rPr lang="es-PE" smtClean="0"/>
               <a:pPr/>
-              <a:t>11/04/2018</a:t>
+              <a:t>23/04/2018</a:t>
             </a:fld>
             <a:endParaRPr lang="es-PE"/>
           </a:p>
@@ -12492,7 +12557,7 @@
             <a:fld id="{D7E77C8B-DD1F-4A72-984B-6415D7DA5034}" type="datetimeFigureOut">
               <a:rPr lang="es-PE" smtClean="0"/>
               <a:pPr/>
-              <a:t>11/04/2018</a:t>
+              <a:t>23/04/2018</a:t>
             </a:fld>
             <a:endParaRPr lang="es-PE" dirty="0"/>
           </a:p>
@@ -17022,21 +17087,21 @@
                 <a:gridCol w="3384376">
                   <a:extLst>
                     <a:ext uri="{9D8B030D-6E8A-4147-A177-3AD203B41FA5}">
-                      <a16:colId xmlns:a16="http://schemas.microsoft.com/office/drawing/2014/main" xmlns="" val="1132393356"/>
+                      <a16:colId xmlns="" xmlns:a16="http://schemas.microsoft.com/office/drawing/2014/main" val="1132393356"/>
                     </a:ext>
                   </a:extLst>
                 </a:gridCol>
                 <a:gridCol w="3456384">
                   <a:extLst>
                     <a:ext uri="{9D8B030D-6E8A-4147-A177-3AD203B41FA5}">
-                      <a16:colId xmlns:a16="http://schemas.microsoft.com/office/drawing/2014/main" xmlns="" val="1626536487"/>
+                      <a16:colId xmlns="" xmlns:a16="http://schemas.microsoft.com/office/drawing/2014/main" val="1626536487"/>
                     </a:ext>
                   </a:extLst>
                 </a:gridCol>
                 <a:gridCol w="3888431">
                   <a:extLst>
                     <a:ext uri="{9D8B030D-6E8A-4147-A177-3AD203B41FA5}">
-                      <a16:colId xmlns:a16="http://schemas.microsoft.com/office/drawing/2014/main" xmlns="" val="4116983734"/>
+                      <a16:colId xmlns="" xmlns:a16="http://schemas.microsoft.com/office/drawing/2014/main" val="4116983734"/>
                     </a:ext>
                   </a:extLst>
                 </a:gridCol>
@@ -17098,7 +17163,7 @@
                 </a:tc>
                 <a:extLst>
                   <a:ext uri="{0D108BD9-81ED-4DB2-BD59-A6C34878D82A}">
-                    <a16:rowId xmlns:a16="http://schemas.microsoft.com/office/drawing/2014/main" xmlns="" val="88557266"/>
+                    <a16:rowId xmlns="" xmlns:a16="http://schemas.microsoft.com/office/drawing/2014/main" val="88557266"/>
                   </a:ext>
                 </a:extLst>
               </a:tr>
@@ -17180,7 +17245,7 @@
                 </a:tc>
                 <a:extLst>
                   <a:ext uri="{0D108BD9-81ED-4DB2-BD59-A6C34878D82A}">
-                    <a16:rowId xmlns:a16="http://schemas.microsoft.com/office/drawing/2014/main" xmlns="" val="1247158220"/>
+                    <a16:rowId xmlns="" xmlns:a16="http://schemas.microsoft.com/office/drawing/2014/main" val="1247158220"/>
                   </a:ext>
                 </a:extLst>
               </a:tr>
@@ -22565,27 +22630,14 @@
           <a:p>
             <a:r>
               <a:rPr lang="es-PE" sz="1400" dirty="0" smtClean="0"/>
-              <a:t>-Mostrar vuelos con 4 </a:t>
-            </a:r>
-            <a:r>
-              <a:rPr lang="es-PE" sz="1400" dirty="0" smtClean="0"/>
-              <a:t>horas</a:t>
+              <a:t>-Mostrar vuelos con 4 horas</a:t>
             </a:r>
           </a:p>
           <a:p>
             <a:r>
               <a:rPr lang="es-PE" sz="1400" dirty="0" smtClean="0"/>
-              <a:t>antes </a:t>
+              <a:t>antes de su fecha de arribo</a:t>
             </a:r>
-            <a:r>
-              <a:rPr lang="es-PE" sz="1400" dirty="0" smtClean="0"/>
-              <a:t>de su fecha de </a:t>
-            </a:r>
-            <a:r>
-              <a:rPr lang="es-PE" sz="1400" dirty="0" smtClean="0"/>
-              <a:t>arribo</a:t>
-            </a:r>
-            <a:endParaRPr lang="es-PE" sz="1400" dirty="0" smtClean="0"/>
           </a:p>
         </p:txBody>
       </p:sp>
@@ -22947,45 +22999,23 @@
               <a:rPr lang="es-PE" sz="1400" dirty="0" smtClean="0"/>
               <a:t>-Diferenciar la modalidad en </a:t>
             </a:r>
-            <a:endParaRPr lang="es-PE" sz="1400" dirty="0" smtClean="0"/>
           </a:p>
           <a:p>
             <a:r>
               <a:rPr lang="es-PE" sz="1400" dirty="0" smtClean="0"/>
-              <a:t>la </a:t>
-            </a:r>
-            <a:r>
-              <a:rPr lang="es-PE" sz="1400" dirty="0" smtClean="0"/>
-              <a:t>guía </a:t>
-            </a:r>
-            <a:r>
-              <a:rPr lang="es-PE" sz="1400" dirty="0" smtClean="0"/>
-              <a:t>Y </a:t>
-            </a:r>
-            <a:r>
-              <a:rPr lang="es-PE" sz="1400" dirty="0" smtClean="0"/>
-              <a:t>si son </a:t>
-            </a:r>
-            <a:endParaRPr lang="es-PE" sz="1400" dirty="0" smtClean="0"/>
-          </a:p>
-          <a:p>
-            <a:r>
-              <a:rPr lang="es-PE" sz="1400" dirty="0" smtClean="0"/>
-              <a:t>códigos </a:t>
-            </a:r>
-            <a:r>
-              <a:rPr lang="es-PE" sz="1400" dirty="0" smtClean="0"/>
-              <a:t>02(tipo de ingreso) </a:t>
+              <a:t>la guía Y si son </a:t>
             </a:r>
           </a:p>
           <a:p>
             <a:r>
               <a:rPr lang="es-PE" sz="1400" dirty="0" smtClean="0"/>
-              <a:t>no </a:t>
+              <a:t>códigos 02(tipo de ingreso) </a:t>
             </a:r>
+          </a:p>
+          <a:p>
             <a:r>
               <a:rPr lang="es-PE" sz="1400" dirty="0" smtClean="0"/>
-              <a:t>mostrar</a:t>
+              <a:t>no mostrar</a:t>
             </a:r>
           </a:p>
           <a:p>
@@ -23015,25 +23045,13 @@
           <a:p>
             <a:r>
               <a:rPr lang="es-PE" sz="1400" dirty="0" smtClean="0"/>
-              <a:t>-</a:t>
-            </a:r>
-            <a:r>
-              <a:rPr lang="es-PE" sz="1400" dirty="0" smtClean="0"/>
-              <a:t>Hay transmisiones </a:t>
-            </a:r>
-            <a:r>
-              <a:rPr lang="es-PE" sz="1400" dirty="0" smtClean="0"/>
-              <a:t>manuales, </a:t>
+              <a:t>-Hay transmisiones manuales, </a:t>
             </a:r>
           </a:p>
           <a:p>
             <a:r>
               <a:rPr lang="es-PE" sz="1400" dirty="0" smtClean="0"/>
-              <a:t>no </a:t>
-            </a:r>
-            <a:r>
-              <a:rPr lang="es-PE" sz="1400" dirty="0" smtClean="0"/>
-              <a:t>hay forma para </a:t>
+              <a:t>no hay forma para </a:t>
             </a:r>
           </a:p>
           <a:p>
@@ -35604,6 +35622,451 @@
 <file path=ppt/slides/slide21.xml><?xml version="1.0" encoding="utf-8"?>
 <p:sld xmlns:a="http://schemas.openxmlformats.org/drawingml/2006/main" xmlns:r="http://schemas.openxmlformats.org/officeDocument/2006/relationships" xmlns:p="http://schemas.openxmlformats.org/presentationml/2006/main">
   <p:cSld>
+    <p:spTree>
+      <p:nvGrpSpPr>
+        <p:cNvPr id="1" name=""/>
+        <p:cNvGrpSpPr/>
+        <p:nvPr/>
+      </p:nvGrpSpPr>
+      <p:grpSpPr>
+        <a:xfrm>
+          <a:off x="0" y="0"/>
+          <a:ext cx="0" cy="0"/>
+          <a:chOff x="0" y="0"/>
+          <a:chExt cx="0" cy="0"/>
+        </a:xfrm>
+      </p:grpSpPr>
+      <p:pic>
+        <p:nvPicPr>
+          <p:cNvPr id="4" name="Imagen 3"/>
+          <p:cNvPicPr>
+            <a:picLocks noChangeAspect="1"/>
+          </p:cNvPicPr>
+          <p:nvPr/>
+        </p:nvPicPr>
+        <p:blipFill>
+          <a:blip r:embed="rId6"/>
+          <a:stretch>
+            <a:fillRect/>
+          </a:stretch>
+        </p:blipFill>
+        <p:spPr>
+          <a:xfrm>
+            <a:off x="910630" y="1196752"/>
+            <a:ext cx="9577064" cy="5411932"/>
+          </a:xfrm>
+          <a:prstGeom prst="rect">
+            <a:avLst/>
+          </a:prstGeom>
+        </p:spPr>
+      </p:pic>
+      <p:sp>
+        <p:nvSpPr>
+          <p:cNvPr id="5" name="Content"/>
+          <p:cNvSpPr txBox="1"/>
+          <p:nvPr>
+            <p:custDataLst>
+              <p:custData r:id="rId1"/>
+            </p:custDataLst>
+          </p:nvPr>
+        </p:nvSpPr>
+        <p:spPr>
+          <a:xfrm>
+            <a:off x="3497961" y="5294784"/>
+            <a:ext cx="1824538" cy="230832"/>
+          </a:xfrm>
+          <a:prstGeom prst="rect">
+            <a:avLst/>
+          </a:prstGeom>
+          <a:noFill/>
+        </p:spPr>
+        <p:txBody>
+          <a:bodyPr wrap="none" lIns="91440" tIns="18288" rIns="91440" bIns="27432" rtlCol="0" anchor="ctr" anchorCtr="0">
+            <a:spAutoFit/>
+          </a:bodyPr>
+          <a:lstStyle/>
+          <a:p>
+            <a:r>
+              <a:rPr lang="en-US" sz="1200" dirty="0" smtClean="0">
+                <a:solidFill>
+                  <a:srgbClr val="000000"/>
+                </a:solidFill>
+                <a:latin typeface="Segoe UI" pitchFamily="34" charset="0"/>
+                <a:ea typeface="Segoe UI" pitchFamily="34" charset="0"/>
+                <a:cs typeface="Segoe UI" pitchFamily="34" charset="0"/>
+              </a:rPr>
+              <a:t>Tiene Complementaria ?</a:t>
+            </a:r>
+            <a:endParaRPr lang="en-US" sz="1200" dirty="0" smtClean="0">
+              <a:solidFill>
+                <a:srgbClr val="000000"/>
+              </a:solidFill>
+              <a:latin typeface="Segoe UI" pitchFamily="34" charset="0"/>
+              <a:ea typeface="Segoe UI" pitchFamily="34" charset="0"/>
+              <a:cs typeface="Segoe UI" pitchFamily="34" charset="0"/>
+            </a:endParaRPr>
+          </a:p>
+        </p:txBody>
+      </p:sp>
+      <p:sp>
+        <p:nvSpPr>
+          <p:cNvPr id="6" name="Content"/>
+          <p:cNvSpPr txBox="1"/>
+          <p:nvPr>
+            <p:custDataLst>
+              <p:custData r:id="rId2"/>
+            </p:custDataLst>
+          </p:nvPr>
+        </p:nvSpPr>
+        <p:spPr>
+          <a:xfrm>
+            <a:off x="5864836" y="5294784"/>
+            <a:ext cx="1391278" cy="230832"/>
+          </a:xfrm>
+          <a:prstGeom prst="rect">
+            <a:avLst/>
+          </a:prstGeom>
+          <a:noFill/>
+        </p:spPr>
+        <p:txBody>
+          <a:bodyPr wrap="none" lIns="91440" tIns="18288" rIns="91440" bIns="27432" rtlCol="0" anchor="ctr" anchorCtr="0">
+            <a:spAutoFit/>
+          </a:bodyPr>
+          <a:lstStyle/>
+          <a:p>
+            <a:r>
+              <a:rPr lang="en-US" sz="1200" dirty="0" smtClean="0">
+                <a:solidFill>
+                  <a:srgbClr val="000000"/>
+                </a:solidFill>
+                <a:latin typeface="Segoe UI" pitchFamily="34" charset="0"/>
+                <a:ea typeface="Segoe UI" pitchFamily="34" charset="0"/>
+                <a:cs typeface="Segoe UI" pitchFamily="34" charset="0"/>
+              </a:rPr>
+              <a:t>Tiene Provisional?</a:t>
+            </a:r>
+            <a:endParaRPr lang="en-US" sz="1200" dirty="0" smtClean="0">
+              <a:solidFill>
+                <a:srgbClr val="000000"/>
+              </a:solidFill>
+              <a:latin typeface="Segoe UI" pitchFamily="34" charset="0"/>
+              <a:ea typeface="Segoe UI" pitchFamily="34" charset="0"/>
+              <a:cs typeface="Segoe UI" pitchFamily="34" charset="0"/>
+            </a:endParaRPr>
+          </a:p>
+        </p:txBody>
+      </p:sp>
+      <p:grpSp>
+        <p:nvGrpSpPr>
+          <p:cNvPr id="7" name="CheckBoxUnchecked"/>
+          <p:cNvGrpSpPr/>
+          <p:nvPr>
+            <p:custDataLst>
+              <p:custData r:id="rId3"/>
+            </p:custDataLst>
+          </p:nvPr>
+        </p:nvGrpSpPr>
+        <p:grpSpPr>
+          <a:xfrm>
+            <a:off x="5381232" y="5286400"/>
+            <a:ext cx="212435" cy="230832"/>
+            <a:chOff x="5179843" y="2087449"/>
+            <a:chExt cx="199094" cy="216403"/>
+          </a:xfrm>
+        </p:grpSpPr>
+        <p:sp>
+          <p:nvSpPr>
+            <p:cNvPr id="8" name="Content"/>
+            <p:cNvSpPr txBox="1">
+              <a:spLocks/>
+            </p:cNvSpPr>
+            <p:nvPr/>
+          </p:nvSpPr>
+          <p:spPr>
+            <a:xfrm>
+              <a:off x="5179848" y="2087449"/>
+              <a:ext cx="199089" cy="216403"/>
+            </a:xfrm>
+            <a:prstGeom prst="rect">
+              <a:avLst/>
+            </a:prstGeom>
+            <a:noFill/>
+          </p:spPr>
+          <p:txBody>
+            <a:bodyPr wrap="none" lIns="164592" tIns="18288" rIns="45720" bIns="27432" rtlCol="0" anchor="ctr" anchorCtr="0">
+              <a:spAutoFit/>
+            </a:bodyPr>
+            <a:lstStyle/>
+            <a:p>
+              <a:endParaRPr lang="en-US" sz="1200" dirty="0" smtClean="0">
+                <a:latin typeface="Segoe UI" pitchFamily="34" charset="0"/>
+                <a:ea typeface="Segoe UI" pitchFamily="34" charset="0"/>
+                <a:cs typeface="Segoe UI" pitchFamily="34" charset="0"/>
+              </a:endParaRPr>
+            </a:p>
+          </p:txBody>
+        </p:sp>
+        <p:sp>
+          <p:nvSpPr>
+            <p:cNvPr id="9" name="CheckBox"/>
+            <p:cNvSpPr>
+              <a:spLocks/>
+            </p:cNvSpPr>
+            <p:nvPr/>
+          </p:nvSpPr>
+          <p:spPr>
+            <a:xfrm>
+              <a:off x="5179843" y="2146835"/>
+              <a:ext cx="100012" cy="97631"/>
+            </a:xfrm>
+            <a:prstGeom prst="rect">
+              <a:avLst/>
+            </a:prstGeom>
+            <a:solidFill>
+              <a:srgbClr val="FFFFFF"/>
+            </a:solidFill>
+            <a:ln w="3175">
+              <a:solidFill>
+                <a:srgbClr val="FFFFFF">
+                  <a:lumMod val="65000"/>
+                </a:srgbClr>
+              </a:solidFill>
+            </a:ln>
+            <a:effectLst>
+              <a:innerShdw blurRad="63500">
+                <a:prstClr val="black">
+                  <a:alpha val="17000"/>
+                </a:prstClr>
+              </a:innerShdw>
+            </a:effectLst>
+          </p:spPr>
+          <p:style>
+            <a:lnRef idx="2">
+              <a:srgbClr val="4F81BD">
+                <a:shade val="50000"/>
+              </a:srgbClr>
+            </a:lnRef>
+            <a:fillRef idx="1">
+              <a:srgbClr val="4F81BD"/>
+            </a:fillRef>
+            <a:effectRef idx="0">
+              <a:srgbClr val="4F81BD"/>
+            </a:effectRef>
+            <a:fontRef idx="minor">
+              <a:srgbClr val="000000"/>
+            </a:fontRef>
+          </p:style>
+          <p:txBody>
+            <a:bodyPr rtlCol="0" anchor="ctr"/>
+            <a:lstStyle/>
+            <a:p>
+              <a:pPr algn="ctr"/>
+              <a:endParaRPr lang="en-US" dirty="0"/>
+            </a:p>
+          </p:txBody>
+        </p:sp>
+      </p:grpSp>
+      <p:grpSp>
+        <p:nvGrpSpPr>
+          <p:cNvPr id="13" name="CheckBoxChecked"/>
+          <p:cNvGrpSpPr/>
+          <p:nvPr>
+            <p:custDataLst>
+              <p:custData r:id="rId4"/>
+            </p:custDataLst>
+          </p:nvPr>
+        </p:nvGrpSpPr>
+        <p:grpSpPr>
+          <a:xfrm>
+            <a:off x="7292044" y="5286400"/>
+            <a:ext cx="249822" cy="230832"/>
+            <a:chOff x="4317072" y="3312427"/>
+            <a:chExt cx="249822" cy="230832"/>
+          </a:xfrm>
+        </p:grpSpPr>
+        <p:grpSp>
+          <p:nvGrpSpPr>
+            <p:cNvPr id="14" name="Group 2"/>
+            <p:cNvGrpSpPr/>
+            <p:nvPr/>
+          </p:nvGrpSpPr>
+          <p:grpSpPr>
+            <a:xfrm>
+              <a:off x="4354457" y="3312427"/>
+              <a:ext cx="212437" cy="230832"/>
+              <a:chOff x="5179847" y="2087451"/>
+              <a:chExt cx="199096" cy="216403"/>
+            </a:xfrm>
+          </p:grpSpPr>
+          <p:sp>
+            <p:nvSpPr>
+              <p:cNvPr id="16" name="Content"/>
+              <p:cNvSpPr txBox="1">
+                <a:spLocks/>
+              </p:cNvSpPr>
+              <p:nvPr/>
+            </p:nvSpPr>
+            <p:spPr>
+              <a:xfrm>
+                <a:off x="5179847" y="2087451"/>
+                <a:ext cx="199096" cy="216403"/>
+              </a:xfrm>
+              <a:prstGeom prst="rect">
+                <a:avLst/>
+              </a:prstGeom>
+              <a:noFill/>
+            </p:spPr>
+            <p:txBody>
+              <a:bodyPr wrap="none" lIns="164592" tIns="18288" rIns="45720" bIns="27432" rtlCol="0" anchor="ctr" anchorCtr="0">
+                <a:spAutoFit/>
+              </a:bodyPr>
+              <a:lstStyle/>
+              <a:p>
+                <a:endParaRPr lang="en-US" sz="1200" dirty="0" smtClean="0">
+                  <a:latin typeface="Segoe UI" pitchFamily="34" charset="0"/>
+                  <a:ea typeface="Segoe UI" pitchFamily="34" charset="0"/>
+                  <a:cs typeface="Segoe UI" pitchFamily="34" charset="0"/>
+                </a:endParaRPr>
+              </a:p>
+            </p:txBody>
+          </p:sp>
+          <p:sp>
+            <p:nvSpPr>
+              <p:cNvPr id="17" name="CheckBox"/>
+              <p:cNvSpPr>
+                <a:spLocks/>
+              </p:cNvSpPr>
+              <p:nvPr/>
+            </p:nvSpPr>
+            <p:spPr>
+              <a:xfrm>
+                <a:off x="5179855" y="2146837"/>
+                <a:ext cx="100013" cy="97631"/>
+              </a:xfrm>
+              <a:prstGeom prst="rect">
+                <a:avLst/>
+              </a:prstGeom>
+              <a:solidFill>
+                <a:srgbClr val="FFFFFF"/>
+              </a:solidFill>
+              <a:ln w="3175">
+                <a:solidFill>
+                  <a:srgbClr val="FFFFFF">
+                    <a:lumMod val="65000"/>
+                  </a:srgbClr>
+                </a:solidFill>
+              </a:ln>
+              <a:effectLst>
+                <a:innerShdw blurRad="63500">
+                  <a:prstClr val="black">
+                    <a:alpha val="17000"/>
+                  </a:prstClr>
+                </a:innerShdw>
+              </a:effectLst>
+            </p:spPr>
+            <p:style>
+              <a:lnRef idx="2">
+                <a:srgbClr val="4F81BD">
+                  <a:shade val="50000"/>
+                </a:srgbClr>
+              </a:lnRef>
+              <a:fillRef idx="1">
+                <a:srgbClr val="4F81BD"/>
+              </a:fillRef>
+              <a:effectRef idx="0">
+                <a:srgbClr val="4F81BD"/>
+              </a:effectRef>
+              <a:fontRef idx="minor">
+                <a:srgbClr val="000000"/>
+              </a:fontRef>
+            </p:style>
+            <p:txBody>
+              <a:bodyPr rtlCol="0" anchor="ctr"/>
+              <a:lstStyle/>
+              <a:p>
+                <a:pPr algn="ctr"/>
+                <a:endParaRPr lang="en-US" dirty="0"/>
+              </a:p>
+            </p:txBody>
+          </p:sp>
+        </p:grpSp>
+        <p:pic>
+          <p:nvPicPr>
+            <p:cNvPr id="15" name="Check" descr="C:\Users\t-dantay\Documents\WPIcons\appbar.check.rest.png"/>
+            <p:cNvPicPr>
+              <a:picLocks noChangeAspect="1" noChangeArrowheads="1"/>
+            </p:cNvPicPr>
+            <p:nvPr/>
+          </p:nvPicPr>
+          <p:blipFill>
+            <a:blip r:embed="rId7" cstate="print">
+              <a:extLst>
+                <a:ext uri="{28A0092B-C50C-407E-A947-70E740481C1C}">
+                  <a14:useLocalDpi xmlns:a14="http://schemas.microsoft.com/office/drawing/2010/main" val="0"/>
+                </a:ext>
+              </a:extLst>
+            </a:blip>
+            <a:srcRect/>
+            <a:stretch>
+              <a:fillRect/>
+            </a:stretch>
+          </p:blipFill>
+          <p:spPr bwMode="auto">
+            <a:xfrm>
+              <a:off x="4317072" y="3336403"/>
+              <a:ext cx="182880" cy="182880"/>
+            </a:xfrm>
+            <a:prstGeom prst="rect">
+              <a:avLst/>
+            </a:prstGeom>
+            <a:noFill/>
+            <a:extLst>
+              <a:ext uri="{909E8E84-426E-40DD-AFC4-6F175D3DCCD1}">
+                <a14:hiddenFill xmlns:a14="http://schemas.microsoft.com/office/drawing/2010/main">
+                  <a:solidFill>
+                    <a:srgbClr val="FFFFFF"/>
+                  </a:solidFill>
+                </a14:hiddenFill>
+              </a:ext>
+            </a:extLst>
+          </p:spPr>
+        </p:pic>
+      </p:grpSp>
+    </p:spTree>
+    <p:extLst>
+      <p:ext uri="{BB962C8B-B14F-4D97-AF65-F5344CB8AC3E}">
+        <p14:creationId xmlns:p14="http://schemas.microsoft.com/office/powerpoint/2010/main" val="4159983826"/>
+      </p:ext>
+    </p:extLst>
+  </p:cSld>
+  <p:clrMapOvr>
+    <a:masterClrMapping/>
+  </p:clrMapOvr>
+  <mc:AlternateContent xmlns:mc="http://schemas.openxmlformats.org/markup-compatibility/2006" xmlns:p15="http://schemas.microsoft.com/office/powerpoint/2012/main">
+    <mc:Choice Requires="p15">
+      <p:transition xmlns:p14="http://schemas.microsoft.com/office/powerpoint/2010/main" spd="slow" p14:dur="1250">
+        <p15:prstTrans prst="airplane"/>
+      </p:transition>
+    </mc:Choice>
+    <mc:Fallback xmlns="">
+      <p:transition spd="slow">
+        <p:fade/>
+      </p:transition>
+    </mc:Fallback>
+  </mc:AlternateContent>
+  <p:timing>
+    <p:tnLst>
+      <p:par>
+        <p:cTn id="1" dur="indefinite" restart="never" nodeType="tmRoot"/>
+      </p:par>
+    </p:tnLst>
+  </p:timing>
+</p:sld>
+</file>
+
+<file path=ppt/slides/slide22.xml><?xml version="1.0" encoding="utf-8"?>
+<p:sld xmlns:a="http://schemas.openxmlformats.org/drawingml/2006/main" xmlns:r="http://schemas.openxmlformats.org/officeDocument/2006/relationships" xmlns:p="http://schemas.openxmlformats.org/presentationml/2006/main">
+  <p:cSld>
     <p:bg>
       <p:bgPr>
         <a:blipFill dpi="0" rotWithShape="1">
@@ -42074,49 +42537,73 @@
 
 <file path=customXml/item1.xml><?xml version="1.0" encoding="utf-8"?>
 <Control xmlns="http://schemas.microsoft.com/VisualStudio/2011/storyboarding/control">
-  <Id Name="System.Storyboarding.Backgrounds.Window" Revision="1" Stencil="System.Storyboarding.Backgrounds" StencilVersion="0.1"/>
+  <Id Name="System.Storyboarding.Common.Text" Revision="1" Stencil="System.Storyboarding.Common" StencilVersion="0.1"/>
+</Control>
+</file>
+
+<file path=customXml/item10.xml><?xml version="1.0" encoding="utf-8"?>
+<Control xmlns="http://schemas.microsoft.com/VisualStudio/2011/storyboarding/control">
+  <Id Name="System.Storyboarding.Common.Text" Revision="1" Stencil="System.Storyboarding.Common" StencilVersion="0.1"/>
+</Control>
+</file>
+
+<file path=customXml/item11.xml><?xml version="1.0" encoding="utf-8"?>
+<Control xmlns="http://schemas.microsoft.com/VisualStudio/2011/storyboarding/control">
+  <Id Name="System.Storyboarding.Common.Text" Revision="1" Stencil="System.Storyboarding.Common" StencilVersion="0.1"/>
+</Control>
+</file>
+
+<file path=customXml/item12.xml><?xml version="1.0" encoding="utf-8"?>
+<Control xmlns="http://schemas.microsoft.com/VisualStudio/2011/storyboarding/control">
+  <Id Name="System.Storyboarding.Common.CheckBoxUnchecked" Revision="1" Stencil="System.Storyboarding.Common" StencilVersion="0.1"/>
+</Control>
+</file>
+
+<file path=customXml/item13.xml><?xml version="1.0" encoding="utf-8"?>
+<Control xmlns="http://schemas.microsoft.com/VisualStudio/2011/storyboarding/control">
+  <Id Name="System.Storyboarding.Common.CheckBoxChecked" Revision="1" Stencil="System.Storyboarding.Common" StencilVersion="0.1"/>
 </Control>
 </file>
 
 <file path=customXml/item2.xml><?xml version="1.0" encoding="utf-8"?>
 <Control xmlns="http://schemas.microsoft.com/VisualStudio/2011/storyboarding/control">
-  <Id Name="System.Storyboarding.Common.Text" Revision="1" Stencil="System.Storyboarding.Common" StencilVersion="0.1"/>
+  <Id Name="System.Storyboarding.Backgrounds.Window" Revision="1" Stencil="System.Storyboarding.Backgrounds" StencilVersion="0.1"/>
 </Control>
 </file>
 
 <file path=customXml/item3.xml><?xml version="1.0" encoding="utf-8"?>
 <Control xmlns="http://schemas.microsoft.com/VisualStudio/2011/storyboarding/control">
-  <Id Name="2af01176-85ee-4929-8d41-a331980c979e" RevisionId="be170569-95d9-41cc-85ac-d2bbd0fbf029" Stencil="172d6d98-e5c9-42e9-a209-79f7a94bbd38" StencilRevisionId="00000000-0000-0000-0000-000000000000" StencilVersion="0.0"/>
+  <Id Name="System.Storyboarding.Common.Button" Revision="1" Stencil="System.Storyboarding.Common" StencilVersion="0.1"/>
 </Control>
 </file>
 
 <file path=customXml/item4.xml><?xml version="1.0" encoding="utf-8"?>
 <Control xmlns="http://schemas.microsoft.com/VisualStudio/2011/storyboarding/control">
-  <Id Name="System.Storyboarding.Common.Text" Revision="1" Stencil="System.Storyboarding.Common" StencilVersion="0.1"/>
+  <Id Name="System.Storyboarding.WindowsApps.WindowsAppsComboBox" Revision="1" Stencil="System.Storyboarding.WindowsApps" StencilVersion="0.1"/>
 </Control>
 </file>
 
 <file path=customXml/item5.xml><?xml version="1.0" encoding="utf-8"?>
 <Control xmlns="http://schemas.microsoft.com/VisualStudio/2011/storyboarding/control">
-  <Id Name="System.Storyboarding.WindowsApps.WindowsAppsComboBox" Revision="1" Stencil="System.Storyboarding.WindowsApps" StencilVersion="0.1"/>
+  <Id Name="System.Storyboarding.Common.Text" Revision="1" Stencil="System.Storyboarding.Common" StencilVersion="0.1"/>
 </Control>
 </file>
 
 <file path=customXml/item6.xml><?xml version="1.0" encoding="utf-8"?>
 <Control xmlns="http://schemas.microsoft.com/VisualStudio/2011/storyboarding/control">
-  <Id Name="System.Storyboarding.Common.Button" Revision="1" Stencil="System.Storyboarding.Common" StencilVersion="0.1"/>
+  <Id Name="System.Storyboarding.Common.TextInput" Revision="1" Stencil="System.Storyboarding.Common" StencilVersion="0.1"/>
 </Control>
 </file>
 
 <file path=customXml/item7.xml><?xml version="1.0" encoding="utf-8"?>
 <Control xmlns="http://schemas.microsoft.com/VisualStudio/2011/storyboarding/control">
-  <Id Name="System.Storyboarding.Common.TextInput" Revision="1" Stencil="System.Storyboarding.Common" StencilVersion="0.1"/>
+  <Id Name="System.Storyboarding.Common.Text" Revision="1" Stencil="System.Storyboarding.Common" StencilVersion="0.1"/>
 </Control>
 </file>
 
 <file path=customXml/item8.xml><?xml version="1.0" encoding="utf-8"?>
 <Control xmlns="http://schemas.microsoft.com/VisualStudio/2011/storyboarding/control">
-  <Id Name="System.Storyboarding.Common.Text" Revision="1" Stencil="System.Storyboarding.Common" StencilVersion="0.1"/>
+  <Id Name="2af01176-85ee-4929-8d41-a331980c979e" RevisionId="be170569-95d9-41cc-85ac-d2bbd0fbf029" Stencil="172d6d98-e5c9-42e9-a209-79f7a94bbd38" StencilRevisionId="00000000-0000-0000-0000-000000000000" StencilVersion="0.0"/>
 </Control>
 </file>
 
@@ -42127,6 +42614,46 @@
 </file>
 
 <file path=customXml/itemProps1.xml><?xml version="1.0" encoding="utf-8"?>
+<ds:datastoreItem xmlns:ds="http://schemas.openxmlformats.org/officeDocument/2006/customXml" ds:itemID="{2A370DCE-6B02-43E4-B462-EE68941381DA}">
+  <ds:schemaRefs>
+    <ds:schemaRef ds:uri="http://schemas.microsoft.com/VisualStudio/2011/storyboarding/control"/>
+  </ds:schemaRefs>
+</ds:datastoreItem>
+</file>
+
+<file path=customXml/itemProps10.xml><?xml version="1.0" encoding="utf-8"?>
+<ds:datastoreItem xmlns:ds="http://schemas.openxmlformats.org/officeDocument/2006/customXml" ds:itemID="{D0A3A196-459C-4F5E-A092-7020E767F70D}">
+  <ds:schemaRefs>
+    <ds:schemaRef ds:uri="http://schemas.microsoft.com/VisualStudio/2011/storyboarding/control"/>
+  </ds:schemaRefs>
+</ds:datastoreItem>
+</file>
+
+<file path=customXml/itemProps11.xml><?xml version="1.0" encoding="utf-8"?>
+<ds:datastoreItem xmlns:ds="http://schemas.openxmlformats.org/officeDocument/2006/customXml" ds:itemID="{2FD7F4C6-8669-44BD-A03D-1F300850AC53}">
+  <ds:schemaRefs>
+    <ds:schemaRef ds:uri="http://schemas.microsoft.com/VisualStudio/2011/storyboarding/control"/>
+  </ds:schemaRefs>
+</ds:datastoreItem>
+</file>
+
+<file path=customXml/itemProps12.xml><?xml version="1.0" encoding="utf-8"?>
+<ds:datastoreItem xmlns:ds="http://schemas.openxmlformats.org/officeDocument/2006/customXml" ds:itemID="{A02C3D6E-8BFF-4CEB-A398-14E53E4B5D37}">
+  <ds:schemaRefs>
+    <ds:schemaRef ds:uri="http://schemas.microsoft.com/VisualStudio/2011/storyboarding/control"/>
+  </ds:schemaRefs>
+</ds:datastoreItem>
+</file>
+
+<file path=customXml/itemProps13.xml><?xml version="1.0" encoding="utf-8"?>
+<ds:datastoreItem xmlns:ds="http://schemas.openxmlformats.org/officeDocument/2006/customXml" ds:itemID="{7BCA44D1-288F-4130-8DAE-E5E26299C154}">
+  <ds:schemaRefs>
+    <ds:schemaRef ds:uri="http://schemas.microsoft.com/VisualStudio/2011/storyboarding/control"/>
+  </ds:schemaRefs>
+</ds:datastoreItem>
+</file>
+
+<file path=customXml/itemProps2.xml><?xml version="1.0" encoding="utf-8"?>
 <ds:datastoreItem xmlns:ds="http://schemas.openxmlformats.org/officeDocument/2006/customXml" ds:itemID="{CAF9FAC5-0B41-4144-A530-E963B326E346}">
   <ds:schemaRefs>
     <ds:schemaRef ds:uri="http://schemas.microsoft.com/VisualStudio/2011/storyboarding/control"/>
@@ -42134,15 +42661,47 @@
 </ds:datastoreItem>
 </file>
 
-<file path=customXml/itemProps2.xml><?xml version="1.0" encoding="utf-8"?>
-<ds:datastoreItem xmlns:ds="http://schemas.openxmlformats.org/officeDocument/2006/customXml" ds:itemID="{2A370DCE-6B02-43E4-B462-EE68941381DA}">
+<file path=customXml/itemProps3.xml><?xml version="1.0" encoding="utf-8"?>
+<ds:datastoreItem xmlns:ds="http://schemas.openxmlformats.org/officeDocument/2006/customXml" ds:itemID="{0B1D9A1B-8DEB-4B6A-BF18-7B9C5DBF533E}">
   <ds:schemaRefs>
     <ds:schemaRef ds:uri="http://schemas.microsoft.com/VisualStudio/2011/storyboarding/control"/>
   </ds:schemaRefs>
 </ds:datastoreItem>
 </file>
 
-<file path=customXml/itemProps3.xml><?xml version="1.0" encoding="utf-8"?>
+<file path=customXml/itemProps4.xml><?xml version="1.0" encoding="utf-8"?>
+<ds:datastoreItem xmlns:ds="http://schemas.openxmlformats.org/officeDocument/2006/customXml" ds:itemID="{5B412AC7-136E-45BA-B3BC-91E37935A539}">
+  <ds:schemaRefs>
+    <ds:schemaRef ds:uri="http://schemas.microsoft.com/VisualStudio/2011/storyboarding/control"/>
+  </ds:schemaRefs>
+</ds:datastoreItem>
+</file>
+
+<file path=customXml/itemProps5.xml><?xml version="1.0" encoding="utf-8"?>
+<ds:datastoreItem xmlns:ds="http://schemas.openxmlformats.org/officeDocument/2006/customXml" ds:itemID="{4F2255F7-A4C3-4E6F-9491-BD150D11E33A}">
+  <ds:schemaRefs>
+    <ds:schemaRef ds:uri="http://schemas.microsoft.com/VisualStudio/2011/storyboarding/control"/>
+  </ds:schemaRefs>
+</ds:datastoreItem>
+</file>
+
+<file path=customXml/itemProps6.xml><?xml version="1.0" encoding="utf-8"?>
+<ds:datastoreItem xmlns:ds="http://schemas.openxmlformats.org/officeDocument/2006/customXml" ds:itemID="{8EAD2ED1-6E14-421A-9E09-F54401142C83}">
+  <ds:schemaRefs>
+    <ds:schemaRef ds:uri="http://schemas.microsoft.com/VisualStudio/2011/storyboarding/control"/>
+  </ds:schemaRefs>
+</ds:datastoreItem>
+</file>
+
+<file path=customXml/itemProps7.xml><?xml version="1.0" encoding="utf-8"?>
+<ds:datastoreItem xmlns:ds="http://schemas.openxmlformats.org/officeDocument/2006/customXml" ds:itemID="{81AF3BDC-10DF-4C3F-BD8E-EDEA0AC655D4}">
+  <ds:schemaRefs>
+    <ds:schemaRef ds:uri="http://schemas.microsoft.com/VisualStudio/2011/storyboarding/control"/>
+  </ds:schemaRefs>
+</ds:datastoreItem>
+</file>
+
+<file path=customXml/itemProps8.xml><?xml version="1.0" encoding="utf-8"?>
 <ds:datastoreItem xmlns:ds="http://schemas.openxmlformats.org/officeDocument/2006/customXml" ds:itemID="{F8339007-68FA-4CD7-9B6A-03E725113E81}">
   <ds:schemaRefs>
     <ds:schemaRef ds:uri="http://schemas.microsoft.com/VisualStudio/2011/storyboarding/control"/>
@@ -42150,50 +42709,10 @@
 </ds:datastoreItem>
 </file>
 
-<file path=customXml/itemProps4.xml><?xml version="1.0" encoding="utf-8"?>
-<ds:datastoreItem xmlns:ds="http://schemas.openxmlformats.org/officeDocument/2006/customXml" ds:itemID="{4F2255F7-A4C3-4E6F-9491-BD150D11E33A}">
-  <ds:schemaRefs>
-    <ds:schemaRef ds:uri="http://schemas.microsoft.com/VisualStudio/2011/storyboarding/control"/>
-  </ds:schemaRefs>
-</ds:datastoreItem>
-</file>
-
-<file path=customXml/itemProps5.xml><?xml version="1.0" encoding="utf-8"?>
-<ds:datastoreItem xmlns:ds="http://schemas.openxmlformats.org/officeDocument/2006/customXml" ds:itemID="{5B412AC7-136E-45BA-B3BC-91E37935A539}">
-  <ds:schemaRefs>
-    <ds:schemaRef ds:uri="http://schemas.microsoft.com/VisualStudio/2011/storyboarding/control"/>
-  </ds:schemaRefs>
-</ds:datastoreItem>
-</file>
-
-<file path=customXml/itemProps6.xml><?xml version="1.0" encoding="utf-8"?>
-<ds:datastoreItem xmlns:ds="http://schemas.openxmlformats.org/officeDocument/2006/customXml" ds:itemID="{0B1D9A1B-8DEB-4B6A-BF18-7B9C5DBF533E}">
-  <ds:schemaRefs>
-    <ds:schemaRef ds:uri="http://schemas.microsoft.com/VisualStudio/2011/storyboarding/control"/>
-  </ds:schemaRefs>
-</ds:datastoreItem>
-</file>
-
-<file path=customXml/itemProps7.xml><?xml version="1.0" encoding="utf-8"?>
+<file path=customXml/itemProps9.xml><?xml version="1.0" encoding="utf-8"?>
 <ds:datastoreItem xmlns:ds="http://schemas.openxmlformats.org/officeDocument/2006/customXml" ds:itemID="{44DB24E9-7B09-4AB5-8715-26638CA102DA}">
   <ds:schemaRefs>
     <ds:schemaRef ds:uri="http://schemas.microsoft.com/VisualStudio/2011/storyboarding/control"/>
   </ds:schemaRefs>
 </ds:datastoreItem>
-</file>
-
-<file path=customXml/itemProps8.xml><?xml version="1.0" encoding="utf-8"?>
-<ds:datastoreItem xmlns:ds="http://schemas.openxmlformats.org/officeDocument/2006/customXml" ds:itemID="{81AF3BDC-10DF-4C3F-BD8E-EDEA0AC655D4}">
-  <ds:schemaRefs>
-    <ds:schemaRef ds:uri="http://schemas.microsoft.com/VisualStudio/2011/storyboarding/control"/>
-  </ds:schemaRefs>
-</ds:datastoreItem>
-</file>
-
-<file path=customXml/itemProps9.xml><?xml version="1.0" encoding="utf-8"?>
-<ds:datastoreItem xmlns:ds="http://schemas.openxmlformats.org/officeDocument/2006/customXml" ds:itemID="{8EAD2ED1-6E14-421A-9E09-F54401142C83}">
-  <ds:schemaRefs>
-    <ds:schemaRef ds:uri="http://schemas.microsoft.com/VisualStudio/2011/storyboarding/control"/>
-  </ds:schemaRefs>
-</ds:datastoreItem>
 </file>